--- a/installing_software/installing_software.pptx
+++ b/installing_software/installing_software.pptx
@@ -258,7 +258,7 @@
           <a:p>
             <a:fld id="{EFDA08D6-E137-3341-A5EE-84219A24203E}" type="datetimeFigureOut">
               <a:rPr lang="en-US" smtClean="0"/>
-              <a:t>8/9/24</a:t>
+              <a:t>8/13/24</a:t>
             </a:fld>
             <a:endParaRPr lang="en-US"/>
           </a:p>
@@ -10856,7 +10856,7 @@
               <a:rPr lang="en-US" sz="2800" dirty="0" err="1">
                 <a:latin typeface="Century Gothic" panose="020B0502020202020204" pitchFamily="34" charset="0"/>
               </a:rPr>
-              <a:t>EXERCISES.md</a:t>
+              <a:t>EXERCISES.pdf</a:t>
             </a:r>
             <a:r>
               <a:rPr lang="en-US" sz="2800" dirty="0">
@@ -17159,7 +17159,7 @@
               <a:rPr lang="en-US" sz="2800" dirty="0" err="1">
                 <a:latin typeface="Century Gothic" panose="020B0502020202020204" pitchFamily="34" charset="0"/>
               </a:rPr>
-              <a:t>EXERCISES.md</a:t>
+              <a:t>EXERCISES.pdf</a:t>
             </a:r>
             <a:r>
               <a:rPr lang="en-US" sz="2800" dirty="0">
@@ -23040,7 +23040,7 @@
               <a:rPr lang="en-US" sz="2800" dirty="0" err="1">
                 <a:latin typeface="Century Gothic" panose="020B0502020202020204" pitchFamily="34" charset="0"/>
               </a:rPr>
-              <a:t>EXERCISES.md</a:t>
+              <a:t>EXERCISES.pdf</a:t>
             </a:r>
             <a:r>
               <a:rPr lang="en-US" sz="2800" dirty="0">
@@ -26525,7 +26525,13 @@
               <a:rPr lang="en-US" sz="2800" dirty="0" err="1">
                 <a:latin typeface="Century Gothic" panose="020B0502020202020204" pitchFamily="34" charset="0"/>
               </a:rPr>
-              <a:t>EXERCISES.md</a:t>
+              <a:t>EXERCISES.</a:t>
+            </a:r>
+            <a:r>
+              <a:rPr lang="en-US" dirty="0" err="1">
+                <a:latin typeface="Century Gothic" panose="020B0502020202020204" pitchFamily="34" charset="0"/>
+              </a:rPr>
+              <a:t>pdf</a:t>
             </a:r>
             <a:r>
               <a:rPr lang="en-US" sz="2800" dirty="0">
@@ -30357,15 +30363,6 @@
 </file>
 
 <file path=customXml/item1.xml><?xml version="1.0" encoding="utf-8"?>
-<?mso-contentType ?>
-<FormTemplates xmlns="http://schemas.microsoft.com/sharepoint/v3/contenttype/forms">
-  <Display>DocumentLibraryForm</Display>
-  <Edit>DocumentLibraryForm</Edit>
-  <New>DocumentLibraryForm</New>
-</FormTemplates>
-</file>
-
-<file path=customXml/item2.xml><?xml version="1.0" encoding="utf-8"?>
 <p:properties xmlns:p="http://schemas.microsoft.com/office/2006/metadata/properties" xmlns:xsi="http://www.w3.org/2001/XMLSchema-instance" xmlns:pc="http://schemas.microsoft.com/office/infopath/2007/PartnerControls">
   <documentManagement>
     <TaxCatchAll xmlns="92c16b9d-8c83-445e-a4f4-1fe3d2f43f13" xsi:nil="true"/>
@@ -30376,7 +30373,7 @@
 </p:properties>
 </file>
 
-<file path=customXml/item3.xml><?xml version="1.0" encoding="utf-8"?>
+<file path=customXml/item2.xml><?xml version="1.0" encoding="utf-8"?>
 <ct:contentTypeSchema xmlns:ct="http://schemas.microsoft.com/office/2006/metadata/contentType" xmlns:ma="http://schemas.microsoft.com/office/2006/metadata/properties/metaAttributes" ct:_="" ma:_="" ma:contentTypeName="Document" ma:contentTypeID="0x010100DC7320DB280744439FF1CC777D09ECA4" ma:contentTypeVersion="15" ma:contentTypeDescription="Create a new document." ma:contentTypeScope="" ma:versionID="e50b92032c956cc777cf00ac7d475189">
   <xsd:schema xmlns:xsd="http://www.w3.org/2001/XMLSchema" xmlns:xs="http://www.w3.org/2001/XMLSchema" xmlns:p="http://schemas.microsoft.com/office/2006/metadata/properties" xmlns:ns2="7e49f7d3-8802-46ca-9604-495ce27f67f4" xmlns:ns3="a1519f9a-9d6a-41c1-afc9-552e4069f82f" xmlns:ns4="92c16b9d-8c83-445e-a4f4-1fe3d2f43f13" targetNamespace="http://schemas.microsoft.com/office/2006/metadata/properties" ma:root="true" ma:fieldsID="fcd7cab68a23f1df7b42ced4f3edf141" ns2:_="" ns3:_="" ns4:_="">
     <xsd:import namespace="7e49f7d3-8802-46ca-9604-495ce27f67f4"/>
@@ -30618,15 +30615,16 @@
 </ct:contentTypeSchema>
 </file>
 
-<file path=customXml/itemProps1.xml><?xml version="1.0" encoding="utf-8"?>
-<ds:datastoreItem xmlns:ds="http://schemas.openxmlformats.org/officeDocument/2006/customXml" ds:itemID="{06B4C708-AA43-4CE7-BE2D-F9D9A02F4940}">
-  <ds:schemaRefs>
-    <ds:schemaRef ds:uri="http://schemas.microsoft.com/sharepoint/v3/contenttype/forms"/>
-  </ds:schemaRefs>
-</ds:datastoreItem>
+<file path=customXml/item3.xml><?xml version="1.0" encoding="utf-8"?>
+<?mso-contentType ?>
+<FormTemplates xmlns="http://schemas.microsoft.com/sharepoint/v3/contenttype/forms">
+  <Display>DocumentLibraryForm</Display>
+  <Edit>DocumentLibraryForm</Edit>
+  <New>DocumentLibraryForm</New>
+</FormTemplates>
 </file>
 
-<file path=customXml/itemProps2.xml><?xml version="1.0" encoding="utf-8"?>
+<file path=customXml/itemProps1.xml><?xml version="1.0" encoding="utf-8"?>
 <ds:datastoreItem xmlns:ds="http://schemas.openxmlformats.org/officeDocument/2006/customXml" ds:itemID="{4AB02FF4-25A1-49FE-9DF7-DD19F525B7FA}">
   <ds:schemaRefs>
     <ds:schemaRef ds:uri="7e49f7d3-8802-46ca-9604-495ce27f67f4"/>
@@ -30644,7 +30642,7 @@
 </ds:datastoreItem>
 </file>
 
-<file path=customXml/itemProps3.xml><?xml version="1.0" encoding="utf-8"?>
+<file path=customXml/itemProps2.xml><?xml version="1.0" encoding="utf-8"?>
 <ds:datastoreItem xmlns:ds="http://schemas.openxmlformats.org/officeDocument/2006/customXml" ds:itemID="{6BBC22CE-40EC-4545-8FE9-90326628051D}">
   <ds:schemaRefs>
     <ds:schemaRef ds:uri="7e49f7d3-8802-46ca-9604-495ce27f67f4"/>
@@ -30662,4 +30660,12 @@
     <ds:schemaRef ds:uri="http://www.w3.org/2001/XMLSchema"/>
   </ds:schemaRefs>
 </ds:datastoreItem>
+</file>
+
+<file path=customXml/itemProps3.xml><?xml version="1.0" encoding="utf-8"?>
+<ds:datastoreItem xmlns:ds="http://schemas.openxmlformats.org/officeDocument/2006/customXml" ds:itemID="{06B4C708-AA43-4CE7-BE2D-F9D9A02F4940}">
+  <ds:schemaRefs>
+    <ds:schemaRef ds:uri="http://schemas.microsoft.com/sharepoint/v3/contenttype/forms"/>
+  </ds:schemaRefs>
+</ds:datastoreItem>
 </file>
--- a/installing_software/installing_software.pptx
+++ b/installing_software/installing_software.pptx
@@ -258,7 +258,7 @@
           <a:p>
             <a:fld id="{EFDA08D6-E137-3341-A5EE-84219A24203E}" type="datetimeFigureOut">
               <a:rPr lang="en-US" smtClean="0"/>
-              <a:t>8/13/24</a:t>
+              <a:t>1/2/25</a:t>
             </a:fld>
             <a:endParaRPr lang="en-US"/>
           </a:p>
@@ -653,19 +653,7 @@
           <a:bodyPr/>
           <a:lstStyle/>
           <a:p>
-            <a:r>
-              <a:rPr lang="en-US"/>
-              <a:t>Okay, so let’s say you want to use a third-party software that isn’t available as a module. What do you do? You have to build your own software!</a:t>
-            </a:r>
-          </a:p>
-          <a:p>
             <a:endParaRPr lang="en-US"/>
-          </a:p>
-          <a:p>
-            <a:r>
-              <a:rPr lang="en-US"/>
-              <a:t>Let’s get some definitions out of the way.</a:t>
-            </a:r>
           </a:p>
         </p:txBody>
       </p:sp>
@@ -686,7 +674,7 @@
           <a:p>
             <a:fld id="{A926901F-C6C3-9E47-9843-744856EDDD7A}" type="slidenum">
               <a:rPr lang="en-US" smtClean="0"/>
-              <a:t>12</a:t>
+              <a:t>11</a:t>
             </a:fld>
             <a:endParaRPr lang="en-US"/>
           </a:p>
@@ -695,7 +683,7 @@
     </p:spTree>
     <p:extLst>
       <p:ext uri="{BB962C8B-B14F-4D97-AF65-F5344CB8AC3E}">
-        <p14:creationId xmlns:p14="http://schemas.microsoft.com/office/powerpoint/2010/main" val="349788503"/>
+        <p14:creationId xmlns:p14="http://schemas.microsoft.com/office/powerpoint/2010/main" val="142016225"/>
       </p:ext>
     </p:extLst>
   </p:cSld>
@@ -749,7 +737,19 @@
           <a:bodyPr/>
           <a:lstStyle/>
           <a:p>
+            <a:r>
+              <a:rPr lang="en-US"/>
+              <a:t>Okay, so let’s say you want to use a third-party software that isn’t available as a module. What do you do? You have to build your own software!</a:t>
+            </a:r>
+          </a:p>
+          <a:p>
             <a:endParaRPr lang="en-US"/>
+          </a:p>
+          <a:p>
+            <a:r>
+              <a:rPr lang="en-US"/>
+              <a:t>Let’s get some definitions out of the way.</a:t>
+            </a:r>
           </a:p>
         </p:txBody>
       </p:sp>
@@ -770,7 +770,7 @@
           <a:p>
             <a:fld id="{A926901F-C6C3-9E47-9843-744856EDDD7A}" type="slidenum">
               <a:rPr lang="en-US" smtClean="0"/>
-              <a:t>13</a:t>
+              <a:t>12</a:t>
             </a:fld>
             <a:endParaRPr lang="en-US"/>
           </a:p>
@@ -779,7 +779,7 @@
     </p:spTree>
     <p:extLst>
       <p:ext uri="{BB962C8B-B14F-4D97-AF65-F5344CB8AC3E}">
-        <p14:creationId xmlns:p14="http://schemas.microsoft.com/office/powerpoint/2010/main" val="1916290660"/>
+        <p14:creationId xmlns:p14="http://schemas.microsoft.com/office/powerpoint/2010/main" val="349788503"/>
       </p:ext>
     </p:extLst>
   </p:cSld>
@@ -833,18 +833,7 @@
           <a:bodyPr/>
           <a:lstStyle/>
           <a:p>
-            <a:r>
-              <a:rPr lang="en-US"/>
-              <a:t>optimizing for certain hardware (intel compilers on Blanca’s intel CPUs, </a:t>
-            </a:r>
-            <a:r>
-              <a:rPr lang="en-US" err="1"/>
-              <a:t>cuda</a:t>
-            </a:r>
-            <a:r>
-              <a:rPr lang="en-US"/>
-              <a:t> compilers for CUDA code to run on NVIDIA GPUs, linked against certain high-performing math libraries, certain MPI implementations, etc.)</a:t>
-            </a:r>
+            <a:endParaRPr lang="en-US"/>
           </a:p>
         </p:txBody>
       </p:sp>
@@ -865,7 +854,7 @@
           <a:p>
             <a:fld id="{A926901F-C6C3-9E47-9843-744856EDDD7A}" type="slidenum">
               <a:rPr lang="en-US" smtClean="0"/>
-              <a:t>14</a:t>
+              <a:t>13</a:t>
             </a:fld>
             <a:endParaRPr lang="en-US"/>
           </a:p>
@@ -874,7 +863,7 @@
     </p:spTree>
     <p:extLst>
       <p:ext uri="{BB962C8B-B14F-4D97-AF65-F5344CB8AC3E}">
-        <p14:creationId xmlns:p14="http://schemas.microsoft.com/office/powerpoint/2010/main" val="4220970805"/>
+        <p14:creationId xmlns:p14="http://schemas.microsoft.com/office/powerpoint/2010/main" val="1916290660"/>
       </p:ext>
     </p:extLst>
   </p:cSld>
@@ -929,14 +918,16 @@
           <a:lstStyle/>
           <a:p>
             <a:r>
-              <a:rPr lang="en-US" b="0" i="0">
-                <a:solidFill>
-                  <a:srgbClr val="202122"/>
-                </a:solidFill>
-                <a:effectLst/>
-                <a:latin typeface="Arial" panose="020B0604020202020204" pitchFamily="34" charset="0"/>
-              </a:rPr>
-              <a:t>High level programming languages are easy for humans to write, understand and maintain. But a computer only understands 0s and 1s, so these languages can’t be executed directly. A Compiler translates this code into a binary file, which can be executed.</a:t>
+              <a:rPr lang="en-US"/>
+              <a:t>optimizing for certain hardware (intel compilers on Blanca’s intel CPUs, </a:t>
+            </a:r>
+            <a:r>
+              <a:rPr lang="en-US" err="1"/>
+              <a:t>cuda</a:t>
+            </a:r>
+            <a:r>
+              <a:rPr lang="en-US"/>
+              <a:t> compilers for CUDA code to run on NVIDIA GPUs, linked against certain high-performing math libraries, certain MPI implementations, etc.)</a:t>
             </a:r>
           </a:p>
         </p:txBody>
@@ -958,7 +949,7 @@
           <a:p>
             <a:fld id="{A926901F-C6C3-9E47-9843-744856EDDD7A}" type="slidenum">
               <a:rPr lang="en-US" smtClean="0"/>
-              <a:t>15</a:t>
+              <a:t>14</a:t>
             </a:fld>
             <a:endParaRPr lang="en-US"/>
           </a:p>
@@ -967,7 +958,7 @@
     </p:spTree>
     <p:extLst>
       <p:ext uri="{BB962C8B-B14F-4D97-AF65-F5344CB8AC3E}">
-        <p14:creationId xmlns:p14="http://schemas.microsoft.com/office/powerpoint/2010/main" val="741476961"/>
+        <p14:creationId xmlns:p14="http://schemas.microsoft.com/office/powerpoint/2010/main" val="4220970805"/>
       </p:ext>
     </p:extLst>
   </p:cSld>
@@ -1022,432 +1013,15 @@
           <a:lstStyle/>
           <a:p>
             <a:r>
-              <a:rPr lang="en-US" b="0" i="0" dirty="0">
+              <a:rPr lang="en-US" b="0" i="0">
                 <a:solidFill>
                   <a:srgbClr val="202122"/>
                 </a:solidFill>
                 <a:effectLst/>
                 <a:latin typeface="Arial" panose="020B0604020202020204" pitchFamily="34" charset="0"/>
               </a:rPr>
-              <a:t>When compiling an application (target) from multiple files, one might need to use another program called the linker to bind the different parts together. A handy tool to automate the process of compiling and linking is a build system, such as </a:t>
-            </a:r>
-            <a:r>
-              <a:rPr lang="en-US" b="0" i="0" u="none" strike="noStrike" dirty="0">
-                <a:solidFill>
-                  <a:srgbClr val="0645AD"/>
-                </a:solidFill>
-                <a:effectLst/>
-                <a:latin typeface="Arial" panose="020B0604020202020204" pitchFamily="34" charset="0"/>
-                <a:hlinkClick r:id="rId3" tooltip="Make"/>
-              </a:rPr>
-              <a:t>make</a:t>
-            </a:r>
-            <a:r>
-              <a:rPr lang="en-US" b="0" i="0" dirty="0">
-                <a:solidFill>
-                  <a:srgbClr val="202122"/>
-                </a:solidFill>
-                <a:effectLst/>
-                <a:latin typeface="Arial" panose="020B0604020202020204" pitchFamily="34" charset="0"/>
-              </a:rPr>
-              <a:t>, which manages build dependencies between different compilation units. When dealing with more complex applications, build system generators, such as </a:t>
-            </a:r>
-            <a:r>
-              <a:rPr lang="en-US" b="0" i="0" u="none" strike="noStrike" dirty="0">
-                <a:solidFill>
-                  <a:srgbClr val="BA0000"/>
-                </a:solidFill>
-                <a:effectLst/>
-                <a:latin typeface="Arial" panose="020B0604020202020204" pitchFamily="34" charset="0"/>
-                <a:hlinkClick r:id="rId4" tooltip="Autotools (page does not exist)"/>
-              </a:rPr>
-              <a:t>Autotools</a:t>
-            </a:r>
-            <a:r>
-              <a:rPr lang="en-US" b="0" i="0" dirty="0">
-                <a:solidFill>
-                  <a:srgbClr val="202122"/>
-                </a:solidFill>
-                <a:effectLst/>
-                <a:latin typeface="Arial" panose="020B0604020202020204" pitchFamily="34" charset="0"/>
-              </a:rPr>
-              <a:t> or </a:t>
-            </a:r>
-            <a:r>
-              <a:rPr lang="en-US" b="0" i="0" u="none" strike="noStrike" dirty="0">
-                <a:solidFill>
-                  <a:srgbClr val="0645AD"/>
-                </a:solidFill>
-                <a:effectLst/>
-                <a:latin typeface="Arial" panose="020B0604020202020204" pitchFamily="34" charset="0"/>
-                <a:hlinkClick r:id="rId5" tooltip="Cmake"/>
-              </a:rPr>
-              <a:t>CMake</a:t>
-            </a:r>
-            <a:r>
-              <a:rPr lang="en-US" b="0" i="0" dirty="0">
-                <a:solidFill>
-                  <a:srgbClr val="202122"/>
-                </a:solidFill>
-                <a:effectLst/>
-                <a:latin typeface="Arial" panose="020B0604020202020204" pitchFamily="34" charset="0"/>
-              </a:rPr>
-              <a:t>, may prove valuable to handle such dependencies.</a:t>
-            </a:r>
-          </a:p>
-          <a:p>
-            <a:endParaRPr lang="en-US" b="0" i="0" dirty="0">
-              <a:solidFill>
-                <a:srgbClr val="202122"/>
-              </a:solidFill>
-              <a:effectLst/>
-              <a:latin typeface="Arial" panose="020B0604020202020204" pitchFamily="34" charset="0"/>
-            </a:endParaRPr>
-          </a:p>
-          <a:p>
-            <a:pPr algn="l">
-              <a:buFont typeface="+mj-lt"/>
-              <a:buAutoNum type="arabicPeriod"/>
-            </a:pPr>
-            <a:r>
-              <a:rPr lang="en-US" b="0" i="0" dirty="0">
-                <a:solidFill>
-                  <a:srgbClr val="454547"/>
-                </a:solidFill>
-                <a:effectLst/>
-                <a:latin typeface="Calibre"/>
-              </a:rPr>
-              <a:t>Configure the software</a:t>
-            </a:r>
-          </a:p>
-          <a:p>
-            <a:pPr algn="l">
-              <a:buFont typeface="+mj-lt"/>
-              <a:buAutoNum type="arabicPeriod"/>
-            </a:pPr>
-            <a:r>
-              <a:rPr lang="en-US" b="0" i="0" dirty="0">
-                <a:solidFill>
-                  <a:srgbClr val="454547"/>
-                </a:solidFill>
-                <a:effectLst/>
-                <a:latin typeface="Calibre"/>
-              </a:rPr>
-              <a:t>The configure script is responsible for getting ready to build the software on your specific system. It makes sure all of the dependencies for the rest of the build and install process are available, and finds out whatever it needs to know to use those dependencies.</a:t>
-            </a:r>
-          </a:p>
-          <a:p>
-            <a:pPr algn="l">
-              <a:buFont typeface="+mj-lt"/>
-              <a:buAutoNum type="arabicPeriod"/>
-            </a:pPr>
-            <a:r>
-              <a:rPr lang="en-US" b="0" i="0" dirty="0">
-                <a:solidFill>
-                  <a:srgbClr val="454547"/>
-                </a:solidFill>
-                <a:effectLst/>
-                <a:latin typeface="Calibre"/>
-              </a:rPr>
-              <a:t>Unix programs are often written in C, so we’ll usually need a C compiler to build them. In these cases the configure script will establish that your system does indeed have a C compiler, and find out what it’s called and where to find it.</a:t>
-            </a:r>
-          </a:p>
-          <a:p>
-            <a:pPr algn="l">
-              <a:buFont typeface="+mj-lt"/>
-              <a:buAutoNum type="arabicPeriod"/>
-            </a:pPr>
-            <a:r>
-              <a:rPr lang="en-US" b="0" i="0" dirty="0">
-                <a:solidFill>
-                  <a:srgbClr val="454547"/>
-                </a:solidFill>
-                <a:effectLst/>
-                <a:latin typeface="Calibre"/>
-              </a:rPr>
-              <a:t>Build the software</a:t>
-            </a:r>
-          </a:p>
-          <a:p>
-            <a:pPr algn="l">
-              <a:buFont typeface="+mj-lt"/>
-              <a:buAutoNum type="arabicPeriod"/>
-            </a:pPr>
-            <a:r>
-              <a:rPr lang="en-US" b="0" i="0" dirty="0">
-                <a:solidFill>
-                  <a:srgbClr val="454547"/>
-                </a:solidFill>
-                <a:effectLst/>
-                <a:latin typeface="Calibre"/>
-              </a:rPr>
-              <a:t>Once configure has done its job, we can invoke make to build the software. This runs a series of tasks defined in a </a:t>
-            </a:r>
-            <a:r>
-              <a:rPr lang="en-US" b="0" i="0" dirty="0" err="1">
-                <a:solidFill>
-                  <a:srgbClr val="454547"/>
-                </a:solidFill>
-                <a:effectLst/>
-                <a:latin typeface="Calibre"/>
-              </a:rPr>
-              <a:t>Makefile</a:t>
-            </a:r>
-            <a:r>
-              <a:rPr lang="en-US" b="0" i="0" dirty="0">
-                <a:solidFill>
-                  <a:srgbClr val="454547"/>
-                </a:solidFill>
-                <a:effectLst/>
-                <a:latin typeface="Calibre"/>
-              </a:rPr>
-              <a:t> to build the finished program from its source code.</a:t>
-            </a:r>
-          </a:p>
-          <a:p>
-            <a:pPr algn="l">
-              <a:buFont typeface="+mj-lt"/>
-              <a:buAutoNum type="arabicPeriod"/>
-            </a:pPr>
-            <a:r>
-              <a:rPr lang="en-US" b="0" i="0" dirty="0">
-                <a:solidFill>
-                  <a:srgbClr val="454547"/>
-                </a:solidFill>
-                <a:effectLst/>
-                <a:latin typeface="Calibre"/>
-              </a:rPr>
-              <a:t>The </a:t>
-            </a:r>
-            <a:r>
-              <a:rPr lang="en-US" b="0" i="0" dirty="0" err="1">
-                <a:solidFill>
-                  <a:srgbClr val="454547"/>
-                </a:solidFill>
-                <a:effectLst/>
-                <a:latin typeface="Calibre"/>
-              </a:rPr>
-              <a:t>tarball</a:t>
-            </a:r>
-            <a:r>
-              <a:rPr lang="en-US" b="0" i="0" dirty="0">
-                <a:solidFill>
-                  <a:srgbClr val="454547"/>
-                </a:solidFill>
-                <a:effectLst/>
-                <a:latin typeface="Calibre"/>
-              </a:rPr>
-              <a:t> you download usually doesn’t include a finished </a:t>
-            </a:r>
-            <a:r>
-              <a:rPr lang="en-US" b="0" i="0" dirty="0" err="1">
-                <a:solidFill>
-                  <a:srgbClr val="454547"/>
-                </a:solidFill>
-                <a:effectLst/>
-                <a:latin typeface="Calibre"/>
-              </a:rPr>
-              <a:t>Makefile</a:t>
-            </a:r>
-            <a:r>
-              <a:rPr lang="en-US" b="0" i="0" dirty="0">
-                <a:solidFill>
-                  <a:srgbClr val="454547"/>
-                </a:solidFill>
-                <a:effectLst/>
-                <a:latin typeface="Calibre"/>
-              </a:rPr>
-              <a:t>. Instead it comes with a template called </a:t>
-            </a:r>
-            <a:r>
-              <a:rPr lang="en-US" b="0" i="0" dirty="0" err="1">
-                <a:solidFill>
-                  <a:srgbClr val="454547"/>
-                </a:solidFill>
-                <a:effectLst/>
-                <a:latin typeface="Calibre"/>
-              </a:rPr>
-              <a:t>Makefile.in</a:t>
-            </a:r>
-            <a:r>
-              <a:rPr lang="en-US" b="0" i="0" dirty="0">
-                <a:solidFill>
-                  <a:srgbClr val="454547"/>
-                </a:solidFill>
-                <a:effectLst/>
-                <a:latin typeface="Calibre"/>
-              </a:rPr>
-              <a:t> and the configure script produces a </a:t>
-            </a:r>
-            <a:r>
-              <a:rPr lang="en-US" b="0" i="0" dirty="0" err="1">
-                <a:solidFill>
-                  <a:srgbClr val="454547"/>
-                </a:solidFill>
-                <a:effectLst/>
-                <a:latin typeface="Calibre"/>
-              </a:rPr>
-              <a:t>customised</a:t>
-            </a:r>
-            <a:r>
-              <a:rPr lang="en-US" b="0" i="0" dirty="0">
-                <a:solidFill>
-                  <a:srgbClr val="454547"/>
-                </a:solidFill>
-                <a:effectLst/>
-                <a:latin typeface="Calibre"/>
-              </a:rPr>
-              <a:t> </a:t>
-            </a:r>
-            <a:r>
-              <a:rPr lang="en-US" b="0" i="0" dirty="0" err="1">
-                <a:solidFill>
-                  <a:srgbClr val="454547"/>
-                </a:solidFill>
-                <a:effectLst/>
-                <a:latin typeface="Calibre"/>
-              </a:rPr>
-              <a:t>Makefile</a:t>
-            </a:r>
-            <a:r>
-              <a:rPr lang="en-US" b="0" i="0" dirty="0">
-                <a:solidFill>
-                  <a:srgbClr val="454547"/>
-                </a:solidFill>
-                <a:effectLst/>
-                <a:latin typeface="Calibre"/>
-              </a:rPr>
-              <a:t> specific to your system.</a:t>
-            </a:r>
-          </a:p>
-          <a:p>
-            <a:pPr algn="l">
-              <a:buFont typeface="+mj-lt"/>
-              <a:buAutoNum type="arabicPeriod"/>
-            </a:pPr>
-            <a:r>
-              <a:rPr lang="en-US" b="0" i="0" dirty="0">
-                <a:solidFill>
-                  <a:srgbClr val="454547"/>
-                </a:solidFill>
-                <a:effectLst/>
-                <a:latin typeface="Calibre"/>
-              </a:rPr>
-              <a:t>Install the software</a:t>
-            </a:r>
-          </a:p>
-          <a:p>
-            <a:pPr algn="l">
-              <a:buFont typeface="+mj-lt"/>
-              <a:buAutoNum type="arabicPeriod"/>
-            </a:pPr>
-            <a:r>
-              <a:rPr lang="en-US" b="0" i="0" dirty="0">
-                <a:solidFill>
-                  <a:srgbClr val="454547"/>
-                </a:solidFill>
-                <a:effectLst/>
-                <a:latin typeface="Calibre"/>
-              </a:rPr>
-              <a:t>Now that the software is built and ready to run, the files can be copied to their final destinations. The make install command will copy the built program, and its libraries and documentation, to the correct locations.</a:t>
-            </a:r>
-          </a:p>
-          <a:p>
-            <a:pPr algn="l">
-              <a:buFont typeface="+mj-lt"/>
-              <a:buAutoNum type="arabicPeriod"/>
-            </a:pPr>
-            <a:r>
-              <a:rPr lang="en-US" b="0" i="0" dirty="0">
-                <a:solidFill>
-                  <a:srgbClr val="454547"/>
-                </a:solidFill>
-                <a:effectLst/>
-                <a:latin typeface="Calibre"/>
-              </a:rPr>
-              <a:t>This usually means that the program’s binary will be copied to a directory on your PATH, the program’s manual page will be copied to a directory on your MANPATH, and any other files it depends on will be safely stored in the appropriate place.</a:t>
-            </a:r>
-          </a:p>
-          <a:p>
-            <a:pPr algn="l">
-              <a:buFont typeface="+mj-lt"/>
-              <a:buAutoNum type="arabicPeriod"/>
-            </a:pPr>
-            <a:r>
-              <a:rPr lang="en-US" b="0" i="0" dirty="0">
-                <a:solidFill>
-                  <a:srgbClr val="454547"/>
-                </a:solidFill>
-                <a:effectLst/>
-                <a:latin typeface="Calibre"/>
-              </a:rPr>
-              <a:t>Since the install step is also defined in the </a:t>
-            </a:r>
-            <a:r>
-              <a:rPr lang="en-US" b="0" i="0" dirty="0" err="1">
-                <a:solidFill>
-                  <a:srgbClr val="454547"/>
-                </a:solidFill>
-                <a:effectLst/>
-                <a:latin typeface="Calibre"/>
-              </a:rPr>
-              <a:t>Makefile</a:t>
-            </a:r>
-            <a:r>
-              <a:rPr lang="en-US" b="0" i="0" dirty="0">
-                <a:solidFill>
-                  <a:srgbClr val="454547"/>
-                </a:solidFill>
-                <a:effectLst/>
-                <a:latin typeface="Calibre"/>
-              </a:rPr>
-              <a:t>, where the software is installed can change based on options passed to the configure script, or things the configure script discovered about your system.</a:t>
-            </a:r>
-          </a:p>
-          <a:p>
-            <a:pPr algn="l">
-              <a:buFont typeface="+mj-lt"/>
-              <a:buAutoNum type="arabicPeriod"/>
-            </a:pPr>
-            <a:r>
-              <a:rPr lang="en-US" b="0" i="0" dirty="0">
-                <a:solidFill>
-                  <a:srgbClr val="454547"/>
-                </a:solidFill>
-                <a:effectLst/>
-                <a:latin typeface="Calibre"/>
-              </a:rPr>
-              <a:t>Depending on where the software is being installed, you might need escalated permissions for this step so you can copy files to system directories. Using </a:t>
-            </a:r>
-            <a:r>
-              <a:rPr lang="en-US" b="0" i="0" dirty="0" err="1">
-                <a:solidFill>
-                  <a:srgbClr val="454547"/>
-                </a:solidFill>
-                <a:effectLst/>
-                <a:latin typeface="Calibre"/>
-              </a:rPr>
-              <a:t>sudo</a:t>
-            </a:r>
-            <a:r>
-              <a:rPr lang="en-US" b="0" i="0" dirty="0">
-                <a:solidFill>
-                  <a:srgbClr val="454547"/>
-                </a:solidFill>
-                <a:effectLst/>
-                <a:latin typeface="Calibre"/>
-              </a:rPr>
-              <a:t> will often do the trick</a:t>
-            </a:r>
-          </a:p>
-          <a:p>
-            <a:endParaRPr lang="en-US" b="0" i="0" dirty="0">
-              <a:solidFill>
-                <a:srgbClr val="202122"/>
-              </a:solidFill>
-              <a:effectLst/>
-              <a:latin typeface="Arial" panose="020B0604020202020204" pitchFamily="34" charset="0"/>
-            </a:endParaRPr>
+              <a:t>High level programming languages are easy for humans to write, understand and maintain. But a computer only understands 0s and 1s, so these languages can’t be executed directly. A Compiler translates this code into a binary file, which can be executed.</a:t>
+            </a:r>
           </a:p>
         </p:txBody>
       </p:sp>
@@ -1468,7 +1042,7 @@
           <a:p>
             <a:fld id="{A926901F-C6C3-9E47-9843-744856EDDD7A}" type="slidenum">
               <a:rPr lang="en-US" smtClean="0"/>
-              <a:t>16</a:t>
+              <a:t>15</a:t>
             </a:fld>
             <a:endParaRPr lang="en-US"/>
           </a:p>
@@ -1477,7 +1051,7 @@
     </p:spTree>
     <p:extLst>
       <p:ext uri="{BB962C8B-B14F-4D97-AF65-F5344CB8AC3E}">
-        <p14:creationId xmlns:p14="http://schemas.microsoft.com/office/powerpoint/2010/main" val="1600570073"/>
+        <p14:creationId xmlns:p14="http://schemas.microsoft.com/office/powerpoint/2010/main" val="741476961"/>
       </p:ext>
     </p:extLst>
   </p:cSld>
@@ -1532,7 +1106,7 @@
           <a:lstStyle/>
           <a:p>
             <a:r>
-              <a:rPr lang="en-US" b="0" i="0">
+              <a:rPr lang="en-US" b="0" i="0" dirty="0">
                 <a:solidFill>
                   <a:srgbClr val="202122"/>
                 </a:solidFill>
@@ -1542,7 +1116,7 @@
               <a:t>When compiling an application (target) from multiple files, one might need to use another program called the linker to bind the different parts together. A handy tool to automate the process of compiling and linking is a build system, such as </a:t>
             </a:r>
             <a:r>
-              <a:rPr lang="en-US" b="0" i="0" u="none" strike="noStrike">
+              <a:rPr lang="en-US" b="0" i="0" u="none" strike="noStrike" dirty="0">
                 <a:solidFill>
                   <a:srgbClr val="0645AD"/>
                 </a:solidFill>
@@ -1553,7 +1127,7 @@
               <a:t>make</a:t>
             </a:r>
             <a:r>
-              <a:rPr lang="en-US" b="0" i="0">
+              <a:rPr lang="en-US" b="0" i="0" dirty="0">
                 <a:solidFill>
                   <a:srgbClr val="202122"/>
                 </a:solidFill>
@@ -1563,7 +1137,7 @@
               <a:t>, which manages build dependencies between different compilation units. When dealing with more complex applications, build system generators, such as </a:t>
             </a:r>
             <a:r>
-              <a:rPr lang="en-US" b="0" i="0" u="none" strike="noStrike">
+              <a:rPr lang="en-US" b="0" i="0" u="none" strike="noStrike" dirty="0">
                 <a:solidFill>
                   <a:srgbClr val="BA0000"/>
                 </a:solidFill>
@@ -1574,7 +1148,7 @@
               <a:t>Autotools</a:t>
             </a:r>
             <a:r>
-              <a:rPr lang="en-US" b="0" i="0">
+              <a:rPr lang="en-US" b="0" i="0" dirty="0">
                 <a:solidFill>
                   <a:srgbClr val="202122"/>
                 </a:solidFill>
@@ -1584,7 +1158,7 @@
               <a:t> or </a:t>
             </a:r>
             <a:r>
-              <a:rPr lang="en-US" b="0" i="0" u="none" strike="noStrike">
+              <a:rPr lang="en-US" b="0" i="0" u="none" strike="noStrike" dirty="0">
                 <a:solidFill>
                   <a:srgbClr val="0645AD"/>
                 </a:solidFill>
@@ -1595,7 +1169,7 @@
               <a:t>CMake</a:t>
             </a:r>
             <a:r>
-              <a:rPr lang="en-US" b="0" i="0">
+              <a:rPr lang="en-US" b="0" i="0" dirty="0">
                 <a:solidFill>
                   <a:srgbClr val="202122"/>
                 </a:solidFill>
@@ -1604,6 +1178,360 @@
               </a:rPr>
               <a:t>, may prove valuable to handle such dependencies.</a:t>
             </a:r>
+          </a:p>
+          <a:p>
+            <a:endParaRPr lang="en-US" b="0" i="0" dirty="0">
+              <a:solidFill>
+                <a:srgbClr val="202122"/>
+              </a:solidFill>
+              <a:effectLst/>
+              <a:latin typeface="Arial" panose="020B0604020202020204" pitchFamily="34" charset="0"/>
+            </a:endParaRPr>
+          </a:p>
+          <a:p>
+            <a:pPr algn="l">
+              <a:buFont typeface="+mj-lt"/>
+              <a:buAutoNum type="arabicPeriod"/>
+            </a:pPr>
+            <a:r>
+              <a:rPr lang="en-US" b="0" i="0" dirty="0">
+                <a:solidFill>
+                  <a:srgbClr val="454547"/>
+                </a:solidFill>
+                <a:effectLst/>
+                <a:latin typeface="Calibre"/>
+              </a:rPr>
+              <a:t>Configure the software</a:t>
+            </a:r>
+          </a:p>
+          <a:p>
+            <a:pPr algn="l">
+              <a:buFont typeface="+mj-lt"/>
+              <a:buAutoNum type="arabicPeriod"/>
+            </a:pPr>
+            <a:r>
+              <a:rPr lang="en-US" b="0" i="0" dirty="0">
+                <a:solidFill>
+                  <a:srgbClr val="454547"/>
+                </a:solidFill>
+                <a:effectLst/>
+                <a:latin typeface="Calibre"/>
+              </a:rPr>
+              <a:t>The configure script is responsible for getting ready to build the software on your specific system. It makes sure all of the dependencies for the rest of the build and install process are available, and finds out whatever it needs to know to use those dependencies.</a:t>
+            </a:r>
+          </a:p>
+          <a:p>
+            <a:pPr algn="l">
+              <a:buFont typeface="+mj-lt"/>
+              <a:buAutoNum type="arabicPeriod"/>
+            </a:pPr>
+            <a:r>
+              <a:rPr lang="en-US" b="0" i="0" dirty="0">
+                <a:solidFill>
+                  <a:srgbClr val="454547"/>
+                </a:solidFill>
+                <a:effectLst/>
+                <a:latin typeface="Calibre"/>
+              </a:rPr>
+              <a:t>Unix programs are often written in C, so we’ll usually need a C compiler to build them. In these cases the configure script will establish that your system does indeed have a C compiler, and find out what it’s called and where to find it.</a:t>
+            </a:r>
+          </a:p>
+          <a:p>
+            <a:pPr algn="l">
+              <a:buFont typeface="+mj-lt"/>
+              <a:buAutoNum type="arabicPeriod"/>
+            </a:pPr>
+            <a:r>
+              <a:rPr lang="en-US" b="0" i="0" dirty="0">
+                <a:solidFill>
+                  <a:srgbClr val="454547"/>
+                </a:solidFill>
+                <a:effectLst/>
+                <a:latin typeface="Calibre"/>
+              </a:rPr>
+              <a:t>Build the software</a:t>
+            </a:r>
+          </a:p>
+          <a:p>
+            <a:pPr algn="l">
+              <a:buFont typeface="+mj-lt"/>
+              <a:buAutoNum type="arabicPeriod"/>
+            </a:pPr>
+            <a:r>
+              <a:rPr lang="en-US" b="0" i="0" dirty="0">
+                <a:solidFill>
+                  <a:srgbClr val="454547"/>
+                </a:solidFill>
+                <a:effectLst/>
+                <a:latin typeface="Calibre"/>
+              </a:rPr>
+              <a:t>Once configure has done its job, we can invoke make to build the software. This runs a series of tasks defined in a </a:t>
+            </a:r>
+            <a:r>
+              <a:rPr lang="en-US" b="0" i="0" dirty="0" err="1">
+                <a:solidFill>
+                  <a:srgbClr val="454547"/>
+                </a:solidFill>
+                <a:effectLst/>
+                <a:latin typeface="Calibre"/>
+              </a:rPr>
+              <a:t>Makefile</a:t>
+            </a:r>
+            <a:r>
+              <a:rPr lang="en-US" b="0" i="0" dirty="0">
+                <a:solidFill>
+                  <a:srgbClr val="454547"/>
+                </a:solidFill>
+                <a:effectLst/>
+                <a:latin typeface="Calibre"/>
+              </a:rPr>
+              <a:t> to build the finished program from its source code.</a:t>
+            </a:r>
+          </a:p>
+          <a:p>
+            <a:pPr algn="l">
+              <a:buFont typeface="+mj-lt"/>
+              <a:buAutoNum type="arabicPeriod"/>
+            </a:pPr>
+            <a:r>
+              <a:rPr lang="en-US" b="0" i="0" dirty="0">
+                <a:solidFill>
+                  <a:srgbClr val="454547"/>
+                </a:solidFill>
+                <a:effectLst/>
+                <a:latin typeface="Calibre"/>
+              </a:rPr>
+              <a:t>The </a:t>
+            </a:r>
+            <a:r>
+              <a:rPr lang="en-US" b="0" i="0" dirty="0" err="1">
+                <a:solidFill>
+                  <a:srgbClr val="454547"/>
+                </a:solidFill>
+                <a:effectLst/>
+                <a:latin typeface="Calibre"/>
+              </a:rPr>
+              <a:t>tarball</a:t>
+            </a:r>
+            <a:r>
+              <a:rPr lang="en-US" b="0" i="0" dirty="0">
+                <a:solidFill>
+                  <a:srgbClr val="454547"/>
+                </a:solidFill>
+                <a:effectLst/>
+                <a:latin typeface="Calibre"/>
+              </a:rPr>
+              <a:t> you download usually doesn’t include a finished </a:t>
+            </a:r>
+            <a:r>
+              <a:rPr lang="en-US" b="0" i="0" dirty="0" err="1">
+                <a:solidFill>
+                  <a:srgbClr val="454547"/>
+                </a:solidFill>
+                <a:effectLst/>
+                <a:latin typeface="Calibre"/>
+              </a:rPr>
+              <a:t>Makefile</a:t>
+            </a:r>
+            <a:r>
+              <a:rPr lang="en-US" b="0" i="0" dirty="0">
+                <a:solidFill>
+                  <a:srgbClr val="454547"/>
+                </a:solidFill>
+                <a:effectLst/>
+                <a:latin typeface="Calibre"/>
+              </a:rPr>
+              <a:t>. Instead it comes with a template called </a:t>
+            </a:r>
+            <a:r>
+              <a:rPr lang="en-US" b="0" i="0" dirty="0" err="1">
+                <a:solidFill>
+                  <a:srgbClr val="454547"/>
+                </a:solidFill>
+                <a:effectLst/>
+                <a:latin typeface="Calibre"/>
+              </a:rPr>
+              <a:t>Makefile.in</a:t>
+            </a:r>
+            <a:r>
+              <a:rPr lang="en-US" b="0" i="0" dirty="0">
+                <a:solidFill>
+                  <a:srgbClr val="454547"/>
+                </a:solidFill>
+                <a:effectLst/>
+                <a:latin typeface="Calibre"/>
+              </a:rPr>
+              <a:t> and the configure script produces a </a:t>
+            </a:r>
+            <a:r>
+              <a:rPr lang="en-US" b="0" i="0" dirty="0" err="1">
+                <a:solidFill>
+                  <a:srgbClr val="454547"/>
+                </a:solidFill>
+                <a:effectLst/>
+                <a:latin typeface="Calibre"/>
+              </a:rPr>
+              <a:t>customised</a:t>
+            </a:r>
+            <a:r>
+              <a:rPr lang="en-US" b="0" i="0" dirty="0">
+                <a:solidFill>
+                  <a:srgbClr val="454547"/>
+                </a:solidFill>
+                <a:effectLst/>
+                <a:latin typeface="Calibre"/>
+              </a:rPr>
+              <a:t> </a:t>
+            </a:r>
+            <a:r>
+              <a:rPr lang="en-US" b="0" i="0" dirty="0" err="1">
+                <a:solidFill>
+                  <a:srgbClr val="454547"/>
+                </a:solidFill>
+                <a:effectLst/>
+                <a:latin typeface="Calibre"/>
+              </a:rPr>
+              <a:t>Makefile</a:t>
+            </a:r>
+            <a:r>
+              <a:rPr lang="en-US" b="0" i="0" dirty="0">
+                <a:solidFill>
+                  <a:srgbClr val="454547"/>
+                </a:solidFill>
+                <a:effectLst/>
+                <a:latin typeface="Calibre"/>
+              </a:rPr>
+              <a:t> specific to your system.</a:t>
+            </a:r>
+          </a:p>
+          <a:p>
+            <a:pPr algn="l">
+              <a:buFont typeface="+mj-lt"/>
+              <a:buAutoNum type="arabicPeriod"/>
+            </a:pPr>
+            <a:r>
+              <a:rPr lang="en-US" b="0" i="0" dirty="0">
+                <a:solidFill>
+                  <a:srgbClr val="454547"/>
+                </a:solidFill>
+                <a:effectLst/>
+                <a:latin typeface="Calibre"/>
+              </a:rPr>
+              <a:t>Install the software</a:t>
+            </a:r>
+          </a:p>
+          <a:p>
+            <a:pPr algn="l">
+              <a:buFont typeface="+mj-lt"/>
+              <a:buAutoNum type="arabicPeriod"/>
+            </a:pPr>
+            <a:r>
+              <a:rPr lang="en-US" b="0" i="0" dirty="0">
+                <a:solidFill>
+                  <a:srgbClr val="454547"/>
+                </a:solidFill>
+                <a:effectLst/>
+                <a:latin typeface="Calibre"/>
+              </a:rPr>
+              <a:t>Now that the software is built and ready to run, the files can be copied to their final destinations. The make install command will copy the built program, and its libraries and documentation, to the correct locations.</a:t>
+            </a:r>
+          </a:p>
+          <a:p>
+            <a:pPr algn="l">
+              <a:buFont typeface="+mj-lt"/>
+              <a:buAutoNum type="arabicPeriod"/>
+            </a:pPr>
+            <a:r>
+              <a:rPr lang="en-US" b="0" i="0" dirty="0">
+                <a:solidFill>
+                  <a:srgbClr val="454547"/>
+                </a:solidFill>
+                <a:effectLst/>
+                <a:latin typeface="Calibre"/>
+              </a:rPr>
+              <a:t>This usually means that the program’s binary will be copied to a directory on your PATH, the program’s manual page will be copied to a directory on your MANPATH, and any other files it depends on will be safely stored in the appropriate place.</a:t>
+            </a:r>
+          </a:p>
+          <a:p>
+            <a:pPr algn="l">
+              <a:buFont typeface="+mj-lt"/>
+              <a:buAutoNum type="arabicPeriod"/>
+            </a:pPr>
+            <a:r>
+              <a:rPr lang="en-US" b="0" i="0" dirty="0">
+                <a:solidFill>
+                  <a:srgbClr val="454547"/>
+                </a:solidFill>
+                <a:effectLst/>
+                <a:latin typeface="Calibre"/>
+              </a:rPr>
+              <a:t>Since the install step is also defined in the </a:t>
+            </a:r>
+            <a:r>
+              <a:rPr lang="en-US" b="0" i="0" dirty="0" err="1">
+                <a:solidFill>
+                  <a:srgbClr val="454547"/>
+                </a:solidFill>
+                <a:effectLst/>
+                <a:latin typeface="Calibre"/>
+              </a:rPr>
+              <a:t>Makefile</a:t>
+            </a:r>
+            <a:r>
+              <a:rPr lang="en-US" b="0" i="0" dirty="0">
+                <a:solidFill>
+                  <a:srgbClr val="454547"/>
+                </a:solidFill>
+                <a:effectLst/>
+                <a:latin typeface="Calibre"/>
+              </a:rPr>
+              <a:t>, where the software is installed can change based on options passed to the configure script, or things the configure script discovered about your system.</a:t>
+            </a:r>
+          </a:p>
+          <a:p>
+            <a:pPr algn="l">
+              <a:buFont typeface="+mj-lt"/>
+              <a:buAutoNum type="arabicPeriod"/>
+            </a:pPr>
+            <a:r>
+              <a:rPr lang="en-US" b="0" i="0" dirty="0">
+                <a:solidFill>
+                  <a:srgbClr val="454547"/>
+                </a:solidFill>
+                <a:effectLst/>
+                <a:latin typeface="Calibre"/>
+              </a:rPr>
+              <a:t>Depending on where the software is being installed, you might need escalated permissions for this step so you can copy files to system directories. Using </a:t>
+            </a:r>
+            <a:r>
+              <a:rPr lang="en-US" b="0" i="0" dirty="0" err="1">
+                <a:solidFill>
+                  <a:srgbClr val="454547"/>
+                </a:solidFill>
+                <a:effectLst/>
+                <a:latin typeface="Calibre"/>
+              </a:rPr>
+              <a:t>sudo</a:t>
+            </a:r>
+            <a:r>
+              <a:rPr lang="en-US" b="0" i="0" dirty="0">
+                <a:solidFill>
+                  <a:srgbClr val="454547"/>
+                </a:solidFill>
+                <a:effectLst/>
+                <a:latin typeface="Calibre"/>
+              </a:rPr>
+              <a:t> will often do the trick</a:t>
+            </a:r>
+          </a:p>
+          <a:p>
+            <a:endParaRPr lang="en-US" b="0" i="0" dirty="0">
+              <a:solidFill>
+                <a:srgbClr val="202122"/>
+              </a:solidFill>
+              <a:effectLst/>
+              <a:latin typeface="Arial" panose="020B0604020202020204" pitchFamily="34" charset="0"/>
+            </a:endParaRPr>
           </a:p>
         </p:txBody>
       </p:sp>
@@ -1624,7 +1552,7 @@
           <a:p>
             <a:fld id="{A926901F-C6C3-9E47-9843-744856EDDD7A}" type="slidenum">
               <a:rPr lang="en-US" smtClean="0"/>
-              <a:t>17</a:t>
+              <a:t>16</a:t>
             </a:fld>
             <a:endParaRPr lang="en-US"/>
           </a:p>
@@ -1633,7 +1561,7 @@
     </p:spTree>
     <p:extLst>
       <p:ext uri="{BB962C8B-B14F-4D97-AF65-F5344CB8AC3E}">
-        <p14:creationId xmlns:p14="http://schemas.microsoft.com/office/powerpoint/2010/main" val="2565400108"/>
+        <p14:creationId xmlns:p14="http://schemas.microsoft.com/office/powerpoint/2010/main" val="1600570073"/>
       </p:ext>
     </p:extLst>
   </p:cSld>
@@ -1687,7 +1615,79 @@
           <a:bodyPr/>
           <a:lstStyle/>
           <a:p>
-            <a:endParaRPr lang="en-US"/>
+            <a:r>
+              <a:rPr lang="en-US" b="0" i="0">
+                <a:solidFill>
+                  <a:srgbClr val="202122"/>
+                </a:solidFill>
+                <a:effectLst/>
+                <a:latin typeface="Arial" panose="020B0604020202020204" pitchFamily="34" charset="0"/>
+              </a:rPr>
+              <a:t>When compiling an application (target) from multiple files, one might need to use another program called the linker to bind the different parts together. A handy tool to automate the process of compiling and linking is a build system, such as </a:t>
+            </a:r>
+            <a:r>
+              <a:rPr lang="en-US" b="0" i="0" u="none" strike="noStrike">
+                <a:solidFill>
+                  <a:srgbClr val="0645AD"/>
+                </a:solidFill>
+                <a:effectLst/>
+                <a:latin typeface="Arial" panose="020B0604020202020204" pitchFamily="34" charset="0"/>
+                <a:hlinkClick r:id="rId3" tooltip="Make"/>
+              </a:rPr>
+              <a:t>make</a:t>
+            </a:r>
+            <a:r>
+              <a:rPr lang="en-US" b="0" i="0">
+                <a:solidFill>
+                  <a:srgbClr val="202122"/>
+                </a:solidFill>
+                <a:effectLst/>
+                <a:latin typeface="Arial" panose="020B0604020202020204" pitchFamily="34" charset="0"/>
+              </a:rPr>
+              <a:t>, which manages build dependencies between different compilation units. When dealing with more complex applications, build system generators, such as </a:t>
+            </a:r>
+            <a:r>
+              <a:rPr lang="en-US" b="0" i="0" u="none" strike="noStrike">
+                <a:solidFill>
+                  <a:srgbClr val="BA0000"/>
+                </a:solidFill>
+                <a:effectLst/>
+                <a:latin typeface="Arial" panose="020B0604020202020204" pitchFamily="34" charset="0"/>
+                <a:hlinkClick r:id="rId4" tooltip="Autotools (page does not exist)"/>
+              </a:rPr>
+              <a:t>Autotools</a:t>
+            </a:r>
+            <a:r>
+              <a:rPr lang="en-US" b="0" i="0">
+                <a:solidFill>
+                  <a:srgbClr val="202122"/>
+                </a:solidFill>
+                <a:effectLst/>
+                <a:latin typeface="Arial" panose="020B0604020202020204" pitchFamily="34" charset="0"/>
+              </a:rPr>
+              <a:t> or </a:t>
+            </a:r>
+            <a:r>
+              <a:rPr lang="en-US" b="0" i="0" u="none" strike="noStrike">
+                <a:solidFill>
+                  <a:srgbClr val="0645AD"/>
+                </a:solidFill>
+                <a:effectLst/>
+                <a:latin typeface="Arial" panose="020B0604020202020204" pitchFamily="34" charset="0"/>
+                <a:hlinkClick r:id="rId5" tooltip="Cmake"/>
+              </a:rPr>
+              <a:t>CMake</a:t>
+            </a:r>
+            <a:r>
+              <a:rPr lang="en-US" b="0" i="0">
+                <a:solidFill>
+                  <a:srgbClr val="202122"/>
+                </a:solidFill>
+                <a:effectLst/>
+                <a:latin typeface="Arial" panose="020B0604020202020204" pitchFamily="34" charset="0"/>
+              </a:rPr>
+              <a:t>, may prove valuable to handle such dependencies.</a:t>
+            </a:r>
           </a:p>
         </p:txBody>
       </p:sp>
@@ -1708,7 +1708,7 @@
           <a:p>
             <a:fld id="{A926901F-C6C3-9E47-9843-744856EDDD7A}" type="slidenum">
               <a:rPr lang="en-US" smtClean="0"/>
-              <a:t>19</a:t>
+              <a:t>17</a:t>
             </a:fld>
             <a:endParaRPr lang="en-US"/>
           </a:p>
@@ -1717,7 +1717,7 @@
     </p:spTree>
     <p:extLst>
       <p:ext uri="{BB962C8B-B14F-4D97-AF65-F5344CB8AC3E}">
-        <p14:creationId xmlns:p14="http://schemas.microsoft.com/office/powerpoint/2010/main" val="581982737"/>
+        <p14:creationId xmlns:p14="http://schemas.microsoft.com/office/powerpoint/2010/main" val="2565400108"/>
       </p:ext>
     </p:extLst>
   </p:cSld>
@@ -1792,7 +1792,7 @@
           <a:p>
             <a:fld id="{A926901F-C6C3-9E47-9843-744856EDDD7A}" type="slidenum">
               <a:rPr lang="en-US" smtClean="0"/>
-              <a:t>21</a:t>
+              <a:t>19</a:t>
             </a:fld>
             <a:endParaRPr lang="en-US"/>
           </a:p>
@@ -1801,7 +1801,7 @@
     </p:spTree>
     <p:extLst>
       <p:ext uri="{BB962C8B-B14F-4D97-AF65-F5344CB8AC3E}">
-        <p14:creationId xmlns:p14="http://schemas.microsoft.com/office/powerpoint/2010/main" val="1110999703"/>
+        <p14:creationId xmlns:p14="http://schemas.microsoft.com/office/powerpoint/2010/main" val="581982737"/>
       </p:ext>
     </p:extLst>
   </p:cSld>
@@ -1876,7 +1876,7 @@
           <a:p>
             <a:fld id="{A926901F-C6C3-9E47-9843-744856EDDD7A}" type="slidenum">
               <a:rPr lang="en-US" smtClean="0"/>
-              <a:t>22</a:t>
+              <a:t>21</a:t>
             </a:fld>
             <a:endParaRPr lang="en-US"/>
           </a:p>
@@ -1885,7 +1885,7 @@
     </p:spTree>
     <p:extLst>
       <p:ext uri="{BB962C8B-B14F-4D97-AF65-F5344CB8AC3E}">
-        <p14:creationId xmlns:p14="http://schemas.microsoft.com/office/powerpoint/2010/main" val="2996935222"/>
+        <p14:creationId xmlns:p14="http://schemas.microsoft.com/office/powerpoint/2010/main" val="1110999703"/>
       </p:ext>
     </p:extLst>
   </p:cSld>
@@ -1960,7 +1960,7 @@
           <a:p>
             <a:fld id="{A926901F-C6C3-9E47-9843-744856EDDD7A}" type="slidenum">
               <a:rPr lang="en-US" smtClean="0"/>
-              <a:t>24</a:t>
+              <a:t>22</a:t>
             </a:fld>
             <a:endParaRPr lang="en-US"/>
           </a:p>
@@ -1969,7 +1969,7 @@
     </p:spTree>
     <p:extLst>
       <p:ext uri="{BB962C8B-B14F-4D97-AF65-F5344CB8AC3E}">
-        <p14:creationId xmlns:p14="http://schemas.microsoft.com/office/powerpoint/2010/main" val="1883777362"/>
+        <p14:creationId xmlns:p14="http://schemas.microsoft.com/office/powerpoint/2010/main" val="2996935222"/>
       </p:ext>
     </p:extLst>
   </p:cSld>
@@ -2023,7 +2023,7 @@
           <a:bodyPr/>
           <a:lstStyle/>
           <a:p>
-            <a:endParaRPr lang="en-US" dirty="0"/>
+            <a:endParaRPr lang="en-US"/>
           </a:p>
         </p:txBody>
       </p:sp>
@@ -2044,7 +2044,7 @@
           <a:p>
             <a:fld id="{A926901F-C6C3-9E47-9843-744856EDDD7A}" type="slidenum">
               <a:rPr lang="en-US" smtClean="0"/>
-              <a:t>3</a:t>
+              <a:t>2</a:t>
             </a:fld>
             <a:endParaRPr lang="en-US"/>
           </a:p>
@@ -2053,7 +2053,7 @@
     </p:spTree>
     <p:extLst>
       <p:ext uri="{BB962C8B-B14F-4D97-AF65-F5344CB8AC3E}">
-        <p14:creationId xmlns:p14="http://schemas.microsoft.com/office/powerpoint/2010/main" val="2001404367"/>
+        <p14:creationId xmlns:p14="http://schemas.microsoft.com/office/powerpoint/2010/main" val="3166931147"/>
       </p:ext>
     </p:extLst>
   </p:cSld>
@@ -2107,7 +2107,7 @@
           <a:bodyPr/>
           <a:lstStyle/>
           <a:p>
-            <a:endParaRPr lang="en-US" dirty="0"/>
+            <a:endParaRPr lang="en-US"/>
           </a:p>
         </p:txBody>
       </p:sp>
@@ -2128,7 +2128,7 @@
           <a:p>
             <a:fld id="{A926901F-C6C3-9E47-9843-744856EDDD7A}" type="slidenum">
               <a:rPr lang="en-US" smtClean="0"/>
-              <a:t>25</a:t>
+              <a:t>24</a:t>
             </a:fld>
             <a:endParaRPr lang="en-US"/>
           </a:p>
@@ -2137,7 +2137,7 @@
     </p:spTree>
     <p:extLst>
       <p:ext uri="{BB962C8B-B14F-4D97-AF65-F5344CB8AC3E}">
-        <p14:creationId xmlns:p14="http://schemas.microsoft.com/office/powerpoint/2010/main" val="4226027263"/>
+        <p14:creationId xmlns:p14="http://schemas.microsoft.com/office/powerpoint/2010/main" val="1883777362"/>
       </p:ext>
     </p:extLst>
   </p:cSld>
@@ -2212,7 +2212,7 @@
           <a:p>
             <a:fld id="{A926901F-C6C3-9E47-9843-744856EDDD7A}" type="slidenum">
               <a:rPr lang="en-US" smtClean="0"/>
-              <a:t>26</a:t>
+              <a:t>25</a:t>
             </a:fld>
             <a:endParaRPr lang="en-US"/>
           </a:p>
@@ -2221,7 +2221,7 @@
     </p:spTree>
     <p:extLst>
       <p:ext uri="{BB962C8B-B14F-4D97-AF65-F5344CB8AC3E}">
-        <p14:creationId xmlns:p14="http://schemas.microsoft.com/office/powerpoint/2010/main" val="3928912980"/>
+        <p14:creationId xmlns:p14="http://schemas.microsoft.com/office/powerpoint/2010/main" val="4226027263"/>
       </p:ext>
     </p:extLst>
   </p:cSld>
@@ -2275,7 +2275,7 @@
           <a:bodyPr/>
           <a:lstStyle/>
           <a:p>
-            <a:endParaRPr lang="en-US"/>
+            <a:endParaRPr lang="en-US" dirty="0"/>
           </a:p>
         </p:txBody>
       </p:sp>
@@ -2296,7 +2296,7 @@
           <a:p>
             <a:fld id="{A926901F-C6C3-9E47-9843-744856EDDD7A}" type="slidenum">
               <a:rPr lang="en-US" smtClean="0"/>
-              <a:t>27</a:t>
+              <a:t>26</a:t>
             </a:fld>
             <a:endParaRPr lang="en-US"/>
           </a:p>
@@ -2305,7 +2305,7 @@
     </p:spTree>
     <p:extLst>
       <p:ext uri="{BB962C8B-B14F-4D97-AF65-F5344CB8AC3E}">
-        <p14:creationId xmlns:p14="http://schemas.microsoft.com/office/powerpoint/2010/main" val="2116637837"/>
+        <p14:creationId xmlns:p14="http://schemas.microsoft.com/office/powerpoint/2010/main" val="3928912980"/>
       </p:ext>
     </p:extLst>
   </p:cSld>
@@ -2359,46 +2359,7 @@
           <a:bodyPr/>
           <a:lstStyle/>
           <a:p>
-            <a:r>
-              <a:rPr lang="en-US" b="0" i="0" dirty="0">
-                <a:solidFill>
-                  <a:srgbClr val="404040"/>
-                </a:solidFill>
-                <a:effectLst/>
-                <a:latin typeface="Lato" panose="020F0502020204030204" pitchFamily="34" charset="0"/>
-              </a:rPr>
-              <a:t>Once you activate an environment, </a:t>
-            </a:r>
-            <a:r>
-              <a:rPr lang="en-US" dirty="0" err="1">
-                <a:effectLst/>
-              </a:rPr>
-              <a:t>spack</a:t>
-            </a:r>
-            <a:r>
-              <a:rPr lang="en-US" dirty="0"/>
-              <a:t> </a:t>
-            </a:r>
-            <a:r>
-              <a:rPr lang="en-US" dirty="0">
-                <a:effectLst/>
-              </a:rPr>
-              <a:t>find</a:t>
-            </a:r>
-            <a:r>
-              <a:rPr lang="en-US" b="0" i="0" dirty="0">
-                <a:solidFill>
-                  <a:srgbClr val="404040"/>
-                </a:solidFill>
-                <a:effectLst/>
-                <a:latin typeface="Lato" panose="020F0502020204030203" pitchFamily="34" charset="0"/>
-              </a:rPr>
-              <a:t> only shows what is in the current environment. </a:t>
-            </a:r>
-            <a:endParaRPr lang="en-US" dirty="0"/>
-          </a:p>
-          <a:p>
-            <a:endParaRPr lang="en-US" dirty="0"/>
+            <a:endParaRPr lang="en-US"/>
           </a:p>
         </p:txBody>
       </p:sp>
@@ -2419,7 +2380,7 @@
           <a:p>
             <a:fld id="{A926901F-C6C3-9E47-9843-744856EDDD7A}" type="slidenum">
               <a:rPr lang="en-US" smtClean="0"/>
-              <a:t>28</a:t>
+              <a:t>27</a:t>
             </a:fld>
             <a:endParaRPr lang="en-US"/>
           </a:p>
@@ -2428,7 +2389,7 @@
     </p:spTree>
     <p:extLst>
       <p:ext uri="{BB962C8B-B14F-4D97-AF65-F5344CB8AC3E}">
-        <p14:creationId xmlns:p14="http://schemas.microsoft.com/office/powerpoint/2010/main" val="2831035227"/>
+        <p14:creationId xmlns:p14="http://schemas.microsoft.com/office/powerpoint/2010/main" val="2116637837"/>
       </p:ext>
     </p:extLst>
   </p:cSld>
@@ -2482,7 +2443,46 @@
           <a:bodyPr/>
           <a:lstStyle/>
           <a:p>
-            <a:endParaRPr lang="en-US"/>
+            <a:r>
+              <a:rPr lang="en-US" b="0" i="0" dirty="0">
+                <a:solidFill>
+                  <a:srgbClr val="404040"/>
+                </a:solidFill>
+                <a:effectLst/>
+                <a:latin typeface="Lato" panose="020F0502020204030204" pitchFamily="34" charset="0"/>
+              </a:rPr>
+              <a:t>Once you activate an environment, </a:t>
+            </a:r>
+            <a:r>
+              <a:rPr lang="en-US" dirty="0" err="1">
+                <a:effectLst/>
+              </a:rPr>
+              <a:t>spack</a:t>
+            </a:r>
+            <a:r>
+              <a:rPr lang="en-US" dirty="0"/>
+              <a:t> </a:t>
+            </a:r>
+            <a:r>
+              <a:rPr lang="en-US" dirty="0">
+                <a:effectLst/>
+              </a:rPr>
+              <a:t>find</a:t>
+            </a:r>
+            <a:r>
+              <a:rPr lang="en-US" b="0" i="0" dirty="0">
+                <a:solidFill>
+                  <a:srgbClr val="404040"/>
+                </a:solidFill>
+                <a:effectLst/>
+                <a:latin typeface="Lato" panose="020F0502020204030203" pitchFamily="34" charset="0"/>
+              </a:rPr>
+              <a:t> only shows what is in the current environment. </a:t>
+            </a:r>
+            <a:endParaRPr lang="en-US" dirty="0"/>
+          </a:p>
+          <a:p>
+            <a:endParaRPr lang="en-US" dirty="0"/>
           </a:p>
         </p:txBody>
       </p:sp>
@@ -2503,7 +2503,7 @@
           <a:p>
             <a:fld id="{A926901F-C6C3-9E47-9843-744856EDDD7A}" type="slidenum">
               <a:rPr lang="en-US" smtClean="0"/>
-              <a:t>29</a:t>
+              <a:t>28</a:t>
             </a:fld>
             <a:endParaRPr lang="en-US"/>
           </a:p>
@@ -2512,7 +2512,7 @@
     </p:spTree>
     <p:extLst>
       <p:ext uri="{BB962C8B-B14F-4D97-AF65-F5344CB8AC3E}">
-        <p14:creationId xmlns:p14="http://schemas.microsoft.com/office/powerpoint/2010/main" val="671770644"/>
+        <p14:creationId xmlns:p14="http://schemas.microsoft.com/office/powerpoint/2010/main" val="2831035227"/>
       </p:ext>
     </p:extLst>
   </p:cSld>
@@ -2566,7 +2566,7 @@
           <a:bodyPr/>
           <a:lstStyle/>
           <a:p>
-            <a:endParaRPr lang="en-US" dirty="0"/>
+            <a:endParaRPr lang="en-US"/>
           </a:p>
         </p:txBody>
       </p:sp>
@@ -2587,7 +2587,7 @@
           <a:p>
             <a:fld id="{A926901F-C6C3-9E47-9843-744856EDDD7A}" type="slidenum">
               <a:rPr lang="en-US" smtClean="0"/>
-              <a:t>30</a:t>
+              <a:t>29</a:t>
             </a:fld>
             <a:endParaRPr lang="en-US"/>
           </a:p>
@@ -2596,7 +2596,7 @@
     </p:spTree>
     <p:extLst>
       <p:ext uri="{BB962C8B-B14F-4D97-AF65-F5344CB8AC3E}">
-        <p14:creationId xmlns:p14="http://schemas.microsoft.com/office/powerpoint/2010/main" val="2711281696"/>
+        <p14:creationId xmlns:p14="http://schemas.microsoft.com/office/powerpoint/2010/main" val="671770644"/>
       </p:ext>
     </p:extLst>
   </p:cSld>
@@ -2650,45 +2650,7 @@
           <a:bodyPr/>
           <a:lstStyle/>
           <a:p>
-            <a:r>
-              <a:rPr lang="en-US"/>
-              <a:t>Demo:</a:t>
-            </a:r>
-          </a:p>
-          <a:p>
-            <a:r>
-              <a:rPr lang="en-US"/>
-              <a:t>-which python</a:t>
-            </a:r>
-          </a:p>
-          <a:p>
-            <a:r>
-              <a:rPr lang="en-US"/>
-              <a:t>-show how </a:t>
-            </a:r>
-            <a:r>
-              <a:rPr lang="en-US" err="1"/>
-              <a:t>conda</a:t>
-            </a:r>
-            <a:r>
-              <a:rPr lang="en-US"/>
-              <a:t> environment is organized</a:t>
-            </a:r>
-          </a:p>
-          <a:p>
-            <a:r>
-              <a:rPr lang="en-US"/>
-              <a:t>-start python </a:t>
-            </a:r>
-          </a:p>
-          <a:p>
-            <a:r>
-              <a:rPr lang="en-US"/>
-              <a:t>-import pandas (show error)</a:t>
-            </a:r>
-          </a:p>
-          <a:p>
-            <a:endParaRPr lang="en-US"/>
+            <a:endParaRPr lang="en-US" dirty="0"/>
           </a:p>
         </p:txBody>
       </p:sp>
@@ -2709,7 +2671,7 @@
           <a:p>
             <a:fld id="{A926901F-C6C3-9E47-9843-744856EDDD7A}" type="slidenum">
               <a:rPr lang="en-US" smtClean="0"/>
-              <a:t>33</a:t>
+              <a:t>30</a:t>
             </a:fld>
             <a:endParaRPr lang="en-US"/>
           </a:p>
@@ -2718,7 +2680,7 @@
     </p:spTree>
     <p:extLst>
       <p:ext uri="{BB962C8B-B14F-4D97-AF65-F5344CB8AC3E}">
-        <p14:creationId xmlns:p14="http://schemas.microsoft.com/office/powerpoint/2010/main" val="938194577"/>
+        <p14:creationId xmlns:p14="http://schemas.microsoft.com/office/powerpoint/2010/main" val="2711281696"/>
       </p:ext>
     </p:extLst>
   </p:cSld>
@@ -2774,69 +2736,19 @@
           <a:p>
             <a:r>
               <a:rPr lang="en-US"/>
-              <a:t>Demo: </a:t>
-            </a:r>
-          </a:p>
-          <a:p>
-            <a:r>
-              <a:rPr lang="en-US" err="1"/>
-              <a:t>curc</a:t>
-            </a:r>
+              <a:t>Demo:</a:t>
+            </a:r>
+          </a:p>
+          <a:p>
             <a:r>
               <a:rPr lang="en-US"/>
-              <a:t>-quota</a:t>
-            </a:r>
-          </a:p>
-          <a:p>
-            <a:endParaRPr lang="en-US"/>
-          </a:p>
-          <a:p>
-            <a:endParaRPr lang="en-US"/>
+              <a:t>-which python</a:t>
+            </a:r>
           </a:p>
           <a:p>
             <a:r>
               <a:rPr lang="en-US"/>
-              <a:t>Demo:</a:t>
-            </a:r>
-          </a:p>
-          <a:p>
-            <a:r>
-              <a:rPr lang="en-US"/>
-              <a:t>cd /projects/lafr9499/software/</a:t>
-            </a:r>
-            <a:r>
-              <a:rPr lang="en-US" err="1"/>
-              <a:t>my_first_env</a:t>
-            </a:r>
-            <a:r>
-              <a:rPr lang="en-US"/>
-              <a:t>/lib/python3.10/site-packages (point out pandas in that </a:t>
-            </a:r>
-            <a:r>
-              <a:rPr lang="en-US" err="1"/>
-              <a:t>dir</a:t>
-            </a:r>
-            <a:r>
-              <a:rPr lang="en-US"/>
-              <a:t>)</a:t>
-            </a:r>
-          </a:p>
-          <a:p>
-            <a:r>
-              <a:rPr lang="en-US"/>
-              <a:t>pip uninstall </a:t>
-            </a:r>
-          </a:p>
-          <a:p>
-            <a:r>
-              <a:rPr lang="en-US"/>
-              <a:t>ls (show no more pandas)</a:t>
-            </a:r>
-          </a:p>
-          <a:p>
-            <a:r>
-              <a:rPr lang="en-US"/>
-              <a:t>then do </a:t>
+              <a:t>-show how </a:t>
             </a:r>
             <a:r>
               <a:rPr lang="en-US" err="1"/>
@@ -2844,124 +2756,19 @@
             </a:r>
             <a:r>
               <a:rPr lang="en-US"/>
-              <a:t> install </a:t>
+              <a:t> environment is organized</a:t>
             </a:r>
           </a:p>
           <a:p>
             <a:r>
               <a:rPr lang="en-US"/>
-              <a:t>ls (show pandas there)</a:t>
-            </a:r>
-          </a:p>
-          <a:p>
-            <a:endParaRPr lang="en-US"/>
-          </a:p>
-          <a:p>
-            <a:endParaRPr lang="en-US"/>
-          </a:p>
-          <a:p>
-            <a:r>
-              <a:rPr lang="en-US" err="1"/>
-              <a:t>conda</a:t>
-            </a:r>
+              <a:t>-start python </a:t>
+            </a:r>
+          </a:p>
+          <a:p>
             <a:r>
               <a:rPr lang="en-US"/>
-              <a:t> install </a:t>
-            </a:r>
-            <a:r>
-              <a:rPr lang="en-US" err="1"/>
-              <a:t>fastqc</a:t>
-            </a:r>
-            <a:r>
-              <a:rPr lang="en-US"/>
-              <a:t> (this will fail)</a:t>
-            </a:r>
-          </a:p>
-          <a:p>
-            <a:r>
-              <a:rPr lang="en-US" err="1"/>
-              <a:t>conda</a:t>
-            </a:r>
-            <a:r>
-              <a:rPr lang="en-US"/>
-              <a:t> config –show channels </a:t>
-            </a:r>
-          </a:p>
-          <a:p>
-            <a:r>
-              <a:rPr lang="en-US" err="1"/>
-              <a:t>conda</a:t>
-            </a:r>
-            <a:r>
-              <a:rPr lang="en-US"/>
-              <a:t> config --add channels </a:t>
-            </a:r>
-            <a:r>
-              <a:rPr lang="en-US" err="1"/>
-              <a:t>bioconda</a:t>
-            </a:r>
-            <a:r>
-              <a:rPr lang="en-US"/>
-              <a:t> (can add channels OR can specify at install if you don’t want to add to your configuration</a:t>
-            </a:r>
-          </a:p>
-          <a:p>
-            <a:r>
-              <a:rPr lang="en-US" err="1"/>
-              <a:t>conda</a:t>
-            </a:r>
-            <a:r>
-              <a:rPr lang="en-US"/>
-              <a:t> install -c </a:t>
-            </a:r>
-            <a:r>
-              <a:rPr lang="en-US" err="1"/>
-              <a:t>bioconda</a:t>
-            </a:r>
-            <a:r>
-              <a:rPr lang="en-US"/>
-              <a:t> </a:t>
-            </a:r>
-            <a:r>
-              <a:rPr lang="en-US" err="1"/>
-              <a:t>fastqc</a:t>
-            </a:r>
-            <a:endParaRPr lang="en-US"/>
-          </a:p>
-          <a:p>
-            <a:r>
-              <a:rPr lang="en-US"/>
-              <a:t>show location in /projects/lafr9499/software/</a:t>
-            </a:r>
-            <a:r>
-              <a:rPr lang="en-US" err="1"/>
-              <a:t>my_first_env</a:t>
-            </a:r>
-            <a:r>
-              <a:rPr lang="en-US"/>
-              <a:t>/bin</a:t>
-            </a:r>
-          </a:p>
-          <a:p>
-            <a:r>
-              <a:rPr lang="en-US"/>
-              <a:t>cd /projects/lafr9499/software/</a:t>
-            </a:r>
-            <a:r>
-              <a:rPr lang="en-US" err="1"/>
-              <a:t>my_first_env</a:t>
-            </a:r>
-            <a:r>
-              <a:rPr lang="en-US"/>
-              <a:t>/bin (show </a:t>
-            </a:r>
-            <a:r>
-              <a:rPr lang="en-US" err="1"/>
-              <a:t>fastqc</a:t>
-            </a:r>
-            <a:r>
-              <a:rPr lang="en-US"/>
-              <a:t> in bin)</a:t>
+              <a:t>-import pandas (show error)</a:t>
             </a:r>
           </a:p>
           <a:p>
@@ -2986,7 +2793,7 @@
           <a:p>
             <a:fld id="{A926901F-C6C3-9E47-9843-744856EDDD7A}" type="slidenum">
               <a:rPr lang="en-US" smtClean="0"/>
-              <a:t>35</a:t>
+              <a:t>33</a:t>
             </a:fld>
             <a:endParaRPr lang="en-US"/>
           </a:p>
@@ -2995,7 +2802,7 @@
     </p:spTree>
     <p:extLst>
       <p:ext uri="{BB962C8B-B14F-4D97-AF65-F5344CB8AC3E}">
-        <p14:creationId xmlns:p14="http://schemas.microsoft.com/office/powerpoint/2010/main" val="500595530"/>
+        <p14:creationId xmlns:p14="http://schemas.microsoft.com/office/powerpoint/2010/main" val="938194577"/>
       </p:ext>
     </p:extLst>
   </p:cSld>
@@ -3050,72 +2857,199 @@
           <a:lstStyle/>
           <a:p>
             <a:r>
-              <a:rPr lang="en-US" dirty="0"/>
+              <a:rPr lang="en-US"/>
+              <a:t>Demo: </a:t>
+            </a:r>
+          </a:p>
+          <a:p>
+            <a:r>
+              <a:rPr lang="en-US" err="1"/>
+              <a:t>curc</a:t>
+            </a:r>
+            <a:r>
+              <a:rPr lang="en-US"/>
+              <a:t>-quota</a:t>
+            </a:r>
+          </a:p>
+          <a:p>
+            <a:endParaRPr lang="en-US"/>
+          </a:p>
+          <a:p>
+            <a:endParaRPr lang="en-US"/>
+          </a:p>
+          <a:p>
+            <a:r>
+              <a:rPr lang="en-US"/>
               <a:t>Demo:</a:t>
             </a:r>
           </a:p>
           <a:p>
             <a:r>
-              <a:rPr lang="en-US" dirty="0"/>
+              <a:rPr lang="en-US"/>
               <a:t>cd /projects/lafr9499/software/</a:t>
             </a:r>
             <a:r>
-              <a:rPr lang="en-US" dirty="0" err="1"/>
+              <a:rPr lang="en-US" err="1"/>
               <a:t>my_first_env</a:t>
             </a:r>
             <a:r>
-              <a:rPr lang="en-US" dirty="0"/>
+              <a:rPr lang="en-US"/>
               <a:t>/lib/python3.10/site-packages (point out pandas in that </a:t>
             </a:r>
             <a:r>
-              <a:rPr lang="en-US" dirty="0" err="1"/>
+              <a:rPr lang="en-US" err="1"/>
               <a:t>dir</a:t>
             </a:r>
             <a:r>
-              <a:rPr lang="en-US" dirty="0"/>
+              <a:rPr lang="en-US"/>
               <a:t>)</a:t>
             </a:r>
           </a:p>
           <a:p>
             <a:r>
-              <a:rPr lang="en-US" dirty="0"/>
+              <a:rPr lang="en-US"/>
               <a:t>pip uninstall </a:t>
             </a:r>
           </a:p>
           <a:p>
             <a:r>
-              <a:rPr lang="en-US" dirty="0"/>
+              <a:rPr lang="en-US"/>
               <a:t>ls (show no more pandas)</a:t>
             </a:r>
           </a:p>
           <a:p>
             <a:r>
-              <a:rPr lang="en-US" dirty="0"/>
+              <a:rPr lang="en-US"/>
               <a:t>then do </a:t>
             </a:r>
             <a:r>
-              <a:rPr lang="en-US" dirty="0" err="1"/>
+              <a:rPr lang="en-US" err="1"/>
               <a:t>conda</a:t>
             </a:r>
             <a:r>
-              <a:rPr lang="en-US" dirty="0"/>
+              <a:rPr lang="en-US"/>
               <a:t> install </a:t>
             </a:r>
           </a:p>
           <a:p>
             <a:r>
-              <a:rPr lang="en-US" dirty="0"/>
+              <a:rPr lang="en-US"/>
               <a:t>ls (show pandas there)</a:t>
             </a:r>
           </a:p>
           <a:p>
-            <a:endParaRPr lang="en-US" dirty="0"/>
-          </a:p>
-          <a:p>
-            <a:endParaRPr lang="en-US" dirty="0"/>
-          </a:p>
-          <a:p>
-            <a:endParaRPr lang="en-US" dirty="0"/>
+            <a:endParaRPr lang="en-US"/>
+          </a:p>
+          <a:p>
+            <a:endParaRPr lang="en-US"/>
+          </a:p>
+          <a:p>
+            <a:r>
+              <a:rPr lang="en-US" err="1"/>
+              <a:t>conda</a:t>
+            </a:r>
+            <a:r>
+              <a:rPr lang="en-US"/>
+              <a:t> install </a:t>
+            </a:r>
+            <a:r>
+              <a:rPr lang="en-US" err="1"/>
+              <a:t>fastqc</a:t>
+            </a:r>
+            <a:r>
+              <a:rPr lang="en-US"/>
+              <a:t> (this will fail)</a:t>
+            </a:r>
+          </a:p>
+          <a:p>
+            <a:r>
+              <a:rPr lang="en-US" err="1"/>
+              <a:t>conda</a:t>
+            </a:r>
+            <a:r>
+              <a:rPr lang="en-US"/>
+              <a:t> config –show channels </a:t>
+            </a:r>
+          </a:p>
+          <a:p>
+            <a:r>
+              <a:rPr lang="en-US" err="1"/>
+              <a:t>conda</a:t>
+            </a:r>
+            <a:r>
+              <a:rPr lang="en-US"/>
+              <a:t> config --add channels </a:t>
+            </a:r>
+            <a:r>
+              <a:rPr lang="en-US" err="1"/>
+              <a:t>bioconda</a:t>
+            </a:r>
+            <a:r>
+              <a:rPr lang="en-US"/>
+              <a:t> (can add channels OR can specify at install if you don’t want to add to your configuration</a:t>
+            </a:r>
+          </a:p>
+          <a:p>
+            <a:r>
+              <a:rPr lang="en-US" err="1"/>
+              <a:t>conda</a:t>
+            </a:r>
+            <a:r>
+              <a:rPr lang="en-US"/>
+              <a:t> install -c </a:t>
+            </a:r>
+            <a:r>
+              <a:rPr lang="en-US" err="1"/>
+              <a:t>bioconda</a:t>
+            </a:r>
+            <a:r>
+              <a:rPr lang="en-US"/>
+              <a:t> </a:t>
+            </a:r>
+            <a:r>
+              <a:rPr lang="en-US" err="1"/>
+              <a:t>fastqc</a:t>
+            </a:r>
+            <a:endParaRPr lang="en-US"/>
+          </a:p>
+          <a:p>
+            <a:r>
+              <a:rPr lang="en-US"/>
+              <a:t>show location in /projects/lafr9499/software/</a:t>
+            </a:r>
+            <a:r>
+              <a:rPr lang="en-US" err="1"/>
+              <a:t>my_first_env</a:t>
+            </a:r>
+            <a:r>
+              <a:rPr lang="en-US"/>
+              <a:t>/bin</a:t>
+            </a:r>
+          </a:p>
+          <a:p>
+            <a:r>
+              <a:rPr lang="en-US"/>
+              <a:t>cd /projects/lafr9499/software/</a:t>
+            </a:r>
+            <a:r>
+              <a:rPr lang="en-US" err="1"/>
+              <a:t>my_first_env</a:t>
+            </a:r>
+            <a:r>
+              <a:rPr lang="en-US"/>
+              <a:t>/bin (show </a:t>
+            </a:r>
+            <a:r>
+              <a:rPr lang="en-US" err="1"/>
+              <a:t>fastqc</a:t>
+            </a:r>
+            <a:r>
+              <a:rPr lang="en-US"/>
+              <a:t> in bin)</a:t>
+            </a:r>
+          </a:p>
+          <a:p>
+            <a:endParaRPr lang="en-US"/>
           </a:p>
         </p:txBody>
       </p:sp>
@@ -3136,7 +3070,7 @@
           <a:p>
             <a:fld id="{A926901F-C6C3-9E47-9843-744856EDDD7A}" type="slidenum">
               <a:rPr lang="en-US" smtClean="0"/>
-              <a:t>36</a:t>
+              <a:t>35</a:t>
             </a:fld>
             <a:endParaRPr lang="en-US"/>
           </a:p>
@@ -3145,7 +3079,7 @@
     </p:spTree>
     <p:extLst>
       <p:ext uri="{BB962C8B-B14F-4D97-AF65-F5344CB8AC3E}">
-        <p14:creationId xmlns:p14="http://schemas.microsoft.com/office/powerpoint/2010/main" val="1111859947"/>
+        <p14:creationId xmlns:p14="http://schemas.microsoft.com/office/powerpoint/2010/main" val="500595530"/>
       </p:ext>
     </p:extLst>
   </p:cSld>
@@ -3199,6 +3133,72 @@
           <a:bodyPr/>
           <a:lstStyle/>
           <a:p>
+            <a:r>
+              <a:rPr lang="en-US" dirty="0"/>
+              <a:t>Demo:</a:t>
+            </a:r>
+          </a:p>
+          <a:p>
+            <a:r>
+              <a:rPr lang="en-US" dirty="0"/>
+              <a:t>cd /projects/lafr9499/software/</a:t>
+            </a:r>
+            <a:r>
+              <a:rPr lang="en-US" dirty="0" err="1"/>
+              <a:t>my_first_env</a:t>
+            </a:r>
+            <a:r>
+              <a:rPr lang="en-US" dirty="0"/>
+              <a:t>/lib/python3.10/site-packages (point out pandas in that </a:t>
+            </a:r>
+            <a:r>
+              <a:rPr lang="en-US" dirty="0" err="1"/>
+              <a:t>dir</a:t>
+            </a:r>
+            <a:r>
+              <a:rPr lang="en-US" dirty="0"/>
+              <a:t>)</a:t>
+            </a:r>
+          </a:p>
+          <a:p>
+            <a:r>
+              <a:rPr lang="en-US" dirty="0"/>
+              <a:t>pip uninstall </a:t>
+            </a:r>
+          </a:p>
+          <a:p>
+            <a:r>
+              <a:rPr lang="en-US" dirty="0"/>
+              <a:t>ls (show no more pandas)</a:t>
+            </a:r>
+          </a:p>
+          <a:p>
+            <a:r>
+              <a:rPr lang="en-US" dirty="0"/>
+              <a:t>then do </a:t>
+            </a:r>
+            <a:r>
+              <a:rPr lang="en-US" dirty="0" err="1"/>
+              <a:t>conda</a:t>
+            </a:r>
+            <a:r>
+              <a:rPr lang="en-US" dirty="0"/>
+              <a:t> install </a:t>
+            </a:r>
+          </a:p>
+          <a:p>
+            <a:r>
+              <a:rPr lang="en-US" dirty="0"/>
+              <a:t>ls (show pandas there)</a:t>
+            </a:r>
+          </a:p>
+          <a:p>
+            <a:endParaRPr lang="en-US" dirty="0"/>
+          </a:p>
+          <a:p>
+            <a:endParaRPr lang="en-US" dirty="0"/>
+          </a:p>
+          <a:p>
             <a:endParaRPr lang="en-US" dirty="0"/>
           </a:p>
         </p:txBody>
@@ -3220,7 +3220,7 @@
           <a:p>
             <a:fld id="{A926901F-C6C3-9E47-9843-744856EDDD7A}" type="slidenum">
               <a:rPr lang="en-US" smtClean="0"/>
-              <a:t>37</a:t>
+              <a:t>36</a:t>
             </a:fld>
             <a:endParaRPr lang="en-US"/>
           </a:p>
@@ -3229,7 +3229,7 @@
     </p:spTree>
     <p:extLst>
       <p:ext uri="{BB962C8B-B14F-4D97-AF65-F5344CB8AC3E}">
-        <p14:creationId xmlns:p14="http://schemas.microsoft.com/office/powerpoint/2010/main" val="487837753"/>
+        <p14:creationId xmlns:p14="http://schemas.microsoft.com/office/powerpoint/2010/main" val="1111859947"/>
       </p:ext>
     </p:extLst>
   </p:cSld>
@@ -3283,7 +3283,7 @@
           <a:bodyPr/>
           <a:lstStyle/>
           <a:p>
-            <a:endParaRPr lang="en-US"/>
+            <a:endParaRPr lang="en-US" dirty="0"/>
           </a:p>
         </p:txBody>
       </p:sp>
@@ -3304,7 +3304,7 @@
           <a:p>
             <a:fld id="{A926901F-C6C3-9E47-9843-744856EDDD7A}" type="slidenum">
               <a:rPr lang="en-US" smtClean="0"/>
-              <a:t>5</a:t>
+              <a:t>3</a:t>
             </a:fld>
             <a:endParaRPr lang="en-US"/>
           </a:p>
@@ -3313,7 +3313,7 @@
     </p:spTree>
     <p:extLst>
       <p:ext uri="{BB962C8B-B14F-4D97-AF65-F5344CB8AC3E}">
-        <p14:creationId xmlns:p14="http://schemas.microsoft.com/office/powerpoint/2010/main" val="4113179549"/>
+        <p14:creationId xmlns:p14="http://schemas.microsoft.com/office/powerpoint/2010/main" val="2001404367"/>
       </p:ext>
     </p:extLst>
   </p:cSld>
@@ -3367,97 +3367,6 @@
           <a:bodyPr/>
           <a:lstStyle/>
           <a:p>
-            <a:r>
-              <a:rPr lang="en-US" dirty="0"/>
-              <a:t>https://</a:t>
-            </a:r>
-            <a:r>
-              <a:rPr lang="en-US" dirty="0" err="1"/>
-              <a:t>cloud.google.com</a:t>
-            </a:r>
-            <a:r>
-              <a:rPr lang="en-US" dirty="0"/>
-              <a:t>/learn/what-are-containers</a:t>
-            </a:r>
-          </a:p>
-          <a:p>
-            <a:endParaRPr lang="en-US" dirty="0"/>
-          </a:p>
-          <a:p>
-            <a:pPr algn="l"/>
-            <a:r>
-              <a:rPr lang="en-US" b="0" i="0" dirty="0">
-                <a:solidFill>
-                  <a:srgbClr val="202124"/>
-                </a:solidFill>
-                <a:effectLst/>
-                <a:latin typeface="Google Sans"/>
-              </a:rPr>
-              <a:t>Containers vs. VMs</a:t>
-            </a:r>
-          </a:p>
-          <a:p>
-            <a:pPr algn="l"/>
-            <a:r>
-              <a:rPr lang="en-US" b="0" i="0" dirty="0">
-                <a:solidFill>
-                  <a:srgbClr val="5F6368"/>
-                </a:solidFill>
-                <a:effectLst/>
-                <a:latin typeface="Google Sans Text"/>
-              </a:rPr>
-              <a:t>You might already be familiar with VMs: a guest operating system such as Linux or Windows runs on top of a host operating system with access to the underlying hardware. Containers are often compared to virtual machines (VMs). Like virtual machines, containers allow you to package your application together with libraries and other dependencies, providing isolated environments for running your software services. As you’ll see below, however, the similarities end here as containers offer a far more lightweight unit for developers and IT Ops teams to work with, carrying a myriad of benefits.</a:t>
-            </a:r>
-          </a:p>
-          <a:p>
-            <a:pPr algn="l">
-              <a:buFont typeface="Arial" panose="020B0604020202020204" pitchFamily="34" charset="0"/>
-              <a:buChar char="•"/>
-            </a:pPr>
-            <a:r>
-              <a:rPr lang="en-US" b="0" i="0" dirty="0">
-                <a:solidFill>
-                  <a:srgbClr val="5F6368"/>
-                </a:solidFill>
-                <a:effectLst/>
-                <a:latin typeface="Google Sans Text"/>
-              </a:rPr>
-              <a:t>Containers are much more lightweight than VMs</a:t>
-            </a:r>
-          </a:p>
-          <a:p>
-            <a:pPr algn="l">
-              <a:buFont typeface="Arial" panose="020B0604020202020204" pitchFamily="34" charset="0"/>
-              <a:buChar char="•"/>
-            </a:pPr>
-            <a:r>
-              <a:rPr lang="en-US" b="0" i="0" dirty="0">
-                <a:solidFill>
-                  <a:srgbClr val="5F6368"/>
-                </a:solidFill>
-                <a:effectLst/>
-                <a:latin typeface="Google Sans Text"/>
-              </a:rPr>
-              <a:t>Containers virtualize at the OS level while VMs virtualize at the hardware level</a:t>
-            </a:r>
-          </a:p>
-          <a:p>
-            <a:pPr algn="l">
-              <a:buFont typeface="Arial" panose="020B0604020202020204" pitchFamily="34" charset="0"/>
-              <a:buChar char="•"/>
-            </a:pPr>
-            <a:r>
-              <a:rPr lang="en-US" b="0" i="0" dirty="0">
-                <a:solidFill>
-                  <a:srgbClr val="5F6368"/>
-                </a:solidFill>
-                <a:effectLst/>
-                <a:latin typeface="Google Sans Text"/>
-              </a:rPr>
-              <a:t>Containers share the OS kernel and use a fraction of the memory VMs require</a:t>
-            </a:r>
-          </a:p>
-          <a:p>
             <a:endParaRPr lang="en-US" dirty="0"/>
           </a:p>
         </p:txBody>
@@ -3479,6 +3388,181 @@
           <a:p>
             <a:fld id="{A926901F-C6C3-9E47-9843-744856EDDD7A}" type="slidenum">
               <a:rPr lang="en-US" smtClean="0"/>
+              <a:t>37</a:t>
+            </a:fld>
+            <a:endParaRPr lang="en-US"/>
+          </a:p>
+        </p:txBody>
+      </p:sp>
+    </p:spTree>
+    <p:extLst>
+      <p:ext uri="{BB962C8B-B14F-4D97-AF65-F5344CB8AC3E}">
+        <p14:creationId xmlns:p14="http://schemas.microsoft.com/office/powerpoint/2010/main" val="487837753"/>
+      </p:ext>
+    </p:extLst>
+  </p:cSld>
+  <p:clrMapOvr>
+    <a:masterClrMapping/>
+  </p:clrMapOvr>
+</p:notes>
+</file>
+
+<file path=ppt/notesSlides/notesSlide31.xml><?xml version="1.0" encoding="utf-8"?>
+<p:notes xmlns:a="http://schemas.openxmlformats.org/drawingml/2006/main" xmlns:r="http://schemas.openxmlformats.org/officeDocument/2006/relationships" xmlns:p="http://schemas.openxmlformats.org/presentationml/2006/main">
+  <p:cSld>
+    <p:spTree>
+      <p:nvGrpSpPr>
+        <p:cNvPr id="1" name=""/>
+        <p:cNvGrpSpPr/>
+        <p:nvPr/>
+      </p:nvGrpSpPr>
+      <p:grpSpPr>
+        <a:xfrm>
+          <a:off x="0" y="0"/>
+          <a:ext cx="0" cy="0"/>
+          <a:chOff x="0" y="0"/>
+          <a:chExt cx="0" cy="0"/>
+        </a:xfrm>
+      </p:grpSpPr>
+      <p:sp>
+        <p:nvSpPr>
+          <p:cNvPr id="2" name="Slide Image Placeholder 1"/>
+          <p:cNvSpPr>
+            <a:spLocks noGrp="1" noRot="1" noChangeAspect="1"/>
+          </p:cNvSpPr>
+          <p:nvPr>
+            <p:ph type="sldImg"/>
+          </p:nvPr>
+        </p:nvSpPr>
+        <p:spPr/>
+      </p:sp>
+      <p:sp>
+        <p:nvSpPr>
+          <p:cNvPr id="3" name="Notes Placeholder 2"/>
+          <p:cNvSpPr>
+            <a:spLocks noGrp="1"/>
+          </p:cNvSpPr>
+          <p:nvPr>
+            <p:ph type="body" idx="1"/>
+          </p:nvPr>
+        </p:nvSpPr>
+        <p:spPr/>
+        <p:txBody>
+          <a:bodyPr/>
+          <a:lstStyle/>
+          <a:p>
+            <a:r>
+              <a:rPr lang="en-US" dirty="0"/>
+              <a:t>https://</a:t>
+            </a:r>
+            <a:r>
+              <a:rPr lang="en-US" dirty="0" err="1"/>
+              <a:t>cloud.google.com</a:t>
+            </a:r>
+            <a:r>
+              <a:rPr lang="en-US" dirty="0"/>
+              <a:t>/learn/what-are-containers</a:t>
+            </a:r>
+          </a:p>
+          <a:p>
+            <a:endParaRPr lang="en-US" dirty="0"/>
+          </a:p>
+          <a:p>
+            <a:pPr algn="l"/>
+            <a:r>
+              <a:rPr lang="en-US" b="0" i="0" dirty="0">
+                <a:solidFill>
+                  <a:srgbClr val="202124"/>
+                </a:solidFill>
+                <a:effectLst/>
+                <a:latin typeface="Google Sans"/>
+              </a:rPr>
+              <a:t>Containers vs. VMs</a:t>
+            </a:r>
+          </a:p>
+          <a:p>
+            <a:pPr algn="l"/>
+            <a:r>
+              <a:rPr lang="en-US" b="0" i="0" dirty="0">
+                <a:solidFill>
+                  <a:srgbClr val="5F6368"/>
+                </a:solidFill>
+                <a:effectLst/>
+                <a:latin typeface="Google Sans Text"/>
+              </a:rPr>
+              <a:t>You might already be familiar with VMs: a guest operating system such as Linux or Windows runs on top of a host operating system with access to the underlying hardware. Containers are often compared to virtual machines (VMs). Like virtual machines, containers allow you to package your application together with libraries and other dependencies, providing isolated environments for running your software services. As you’ll see below, however, the similarities end here as containers offer a far more lightweight unit for developers and IT Ops teams to work with, carrying a myriad of benefits.</a:t>
+            </a:r>
+          </a:p>
+          <a:p>
+            <a:pPr algn="l">
+              <a:buFont typeface="Arial" panose="020B0604020202020204" pitchFamily="34" charset="0"/>
+              <a:buChar char="•"/>
+            </a:pPr>
+            <a:r>
+              <a:rPr lang="en-US" b="0" i="0" dirty="0">
+                <a:solidFill>
+                  <a:srgbClr val="5F6368"/>
+                </a:solidFill>
+                <a:effectLst/>
+                <a:latin typeface="Google Sans Text"/>
+              </a:rPr>
+              <a:t>Containers are much more lightweight than VMs</a:t>
+            </a:r>
+          </a:p>
+          <a:p>
+            <a:pPr algn="l">
+              <a:buFont typeface="Arial" panose="020B0604020202020204" pitchFamily="34" charset="0"/>
+              <a:buChar char="•"/>
+            </a:pPr>
+            <a:r>
+              <a:rPr lang="en-US" b="0" i="0" dirty="0">
+                <a:solidFill>
+                  <a:srgbClr val="5F6368"/>
+                </a:solidFill>
+                <a:effectLst/>
+                <a:latin typeface="Google Sans Text"/>
+              </a:rPr>
+              <a:t>Containers virtualize at the OS level while VMs virtualize at the hardware level</a:t>
+            </a:r>
+          </a:p>
+          <a:p>
+            <a:pPr algn="l">
+              <a:buFont typeface="Arial" panose="020B0604020202020204" pitchFamily="34" charset="0"/>
+              <a:buChar char="•"/>
+            </a:pPr>
+            <a:r>
+              <a:rPr lang="en-US" b="0" i="0" dirty="0">
+                <a:solidFill>
+                  <a:srgbClr val="5F6368"/>
+                </a:solidFill>
+                <a:effectLst/>
+                <a:latin typeface="Google Sans Text"/>
+              </a:rPr>
+              <a:t>Containers share the OS kernel and use a fraction of the memory VMs require</a:t>
+            </a:r>
+          </a:p>
+          <a:p>
+            <a:endParaRPr lang="en-US" dirty="0"/>
+          </a:p>
+        </p:txBody>
+      </p:sp>
+      <p:sp>
+        <p:nvSpPr>
+          <p:cNvPr id="4" name="Slide Number Placeholder 3"/>
+          <p:cNvSpPr>
+            <a:spLocks noGrp="1"/>
+          </p:cNvSpPr>
+          <p:nvPr>
+            <p:ph type="sldNum" sz="quarter" idx="5"/>
+          </p:nvPr>
+        </p:nvSpPr>
+        <p:spPr/>
+        <p:txBody>
+          <a:bodyPr/>
+          <a:lstStyle/>
+          <a:p>
+            <a:fld id="{A926901F-C6C3-9E47-9843-744856EDDD7A}" type="slidenum">
+              <a:rPr lang="en-US" smtClean="0"/>
               <a:t>39</a:t>
             </a:fld>
             <a:endParaRPr lang="en-US"/>
@@ -3498,7 +3582,7 @@
 </p:notes>
 </file>
 
-<file path=ppt/notesSlides/notesSlide31.xml><?xml version="1.0" encoding="utf-8"?>
+<file path=ppt/notesSlides/notesSlide32.xml><?xml version="1.0" encoding="utf-8"?>
 <p:notes xmlns:a="http://schemas.openxmlformats.org/drawingml/2006/main" xmlns:r="http://schemas.openxmlformats.org/officeDocument/2006/relationships" xmlns:p="http://schemas.openxmlformats.org/presentationml/2006/main">
   <p:cSld>
     <p:spTree>
@@ -3650,7 +3734,7 @@
           <a:p>
             <a:fld id="{A926901F-C6C3-9E47-9843-744856EDDD7A}" type="slidenum">
               <a:rPr lang="en-US" smtClean="0"/>
-              <a:t>6</a:t>
+              <a:t>5</a:t>
             </a:fld>
             <a:endParaRPr lang="en-US"/>
           </a:p>
@@ -3659,7 +3743,7 @@
     </p:spTree>
     <p:extLst>
       <p:ext uri="{BB962C8B-B14F-4D97-AF65-F5344CB8AC3E}">
-        <p14:creationId xmlns:p14="http://schemas.microsoft.com/office/powerpoint/2010/main" val="4149119374"/>
+        <p14:creationId xmlns:p14="http://schemas.microsoft.com/office/powerpoint/2010/main" val="4113179549"/>
       </p:ext>
     </p:extLst>
   </p:cSld>
@@ -3713,38 +3797,7 @@
           <a:bodyPr/>
           <a:lstStyle/>
           <a:p>
-            <a:r>
-              <a:rPr lang="en-US" err="1"/>
-              <a:t>sinteractive</a:t>
-            </a:r>
-            <a:r>
-              <a:rPr lang="en-US"/>
-              <a:t> --partition=</a:t>
-            </a:r>
-            <a:r>
-              <a:rPr lang="en-US" err="1"/>
-              <a:t>atesting</a:t>
-            </a:r>
-            <a:r>
-              <a:rPr lang="en-US"/>
-              <a:t> --</a:t>
-            </a:r>
-            <a:r>
-              <a:rPr lang="en-US" err="1"/>
-              <a:t>qos</a:t>
-            </a:r>
-            <a:r>
-              <a:rPr lang="en-US"/>
-              <a:t>=testing --time=90:00 --</a:t>
-            </a:r>
-            <a:r>
-              <a:rPr lang="en-US" err="1"/>
-              <a:t>ntasks</a:t>
-            </a:r>
-            <a:r>
-              <a:rPr lang="en-US"/>
-              <a:t>=1</a:t>
-            </a:r>
+            <a:endParaRPr lang="en-US"/>
           </a:p>
         </p:txBody>
       </p:sp>
@@ -3765,7 +3818,7 @@
           <a:p>
             <a:fld id="{A926901F-C6C3-9E47-9843-744856EDDD7A}" type="slidenum">
               <a:rPr lang="en-US" smtClean="0"/>
-              <a:t>7</a:t>
+              <a:t>6</a:t>
             </a:fld>
             <a:endParaRPr lang="en-US"/>
           </a:p>
@@ -3774,7 +3827,7 @@
     </p:spTree>
     <p:extLst>
       <p:ext uri="{BB962C8B-B14F-4D97-AF65-F5344CB8AC3E}">
-        <p14:creationId xmlns:p14="http://schemas.microsoft.com/office/powerpoint/2010/main" val="3203807855"/>
+        <p14:creationId xmlns:p14="http://schemas.microsoft.com/office/powerpoint/2010/main" val="4149119374"/>
       </p:ext>
     </p:extLst>
   </p:cSld>
@@ -3829,112 +3882,37 @@
           <a:lstStyle/>
           <a:p>
             <a:r>
-              <a:rPr lang="en-US" dirty="0"/>
-              <a:t>Let’s see what </a:t>
-            </a:r>
-            <a:r>
-              <a:rPr lang="en-US" dirty="0" err="1"/>
-              <a:t>lmod</a:t>
-            </a:r>
-            <a:r>
-              <a:rPr lang="en-US" dirty="0"/>
-              <a:t> is doing to manage the software environment.</a:t>
-            </a:r>
-          </a:p>
-          <a:p>
-            <a:endParaRPr lang="en-US" dirty="0"/>
-          </a:p>
-          <a:p>
-            <a:pPr marL="0" marR="0" lvl="0" indent="0" algn="l" defTabSz="914400" rtl="0" eaLnBrk="1" fontAlgn="auto" latinLnBrk="0" hangingPunct="1">
-              <a:lnSpc>
-                <a:spcPct val="100000"/>
-              </a:lnSpc>
-              <a:spcBef>
-                <a:spcPts val="0"/>
-              </a:spcBef>
-              <a:spcAft>
-                <a:spcPts val="0"/>
-              </a:spcAft>
-              <a:buClrTx/>
-              <a:buSzTx/>
-              <a:buFontTx/>
-              <a:buNone/>
-              <a:tabLst/>
-              <a:defRPr/>
-            </a:pPr>
-            <a:r>
-              <a:rPr lang="en-US" dirty="0"/>
-              <a:t>Goal: demonstrate the different compiler-dependent software are available when load each of these different compilers. The packages have been compiled against the respective versions.</a:t>
-            </a:r>
-          </a:p>
-          <a:p>
-            <a:pPr marL="0" marR="0" lvl="0" indent="0" algn="l" defTabSz="914400" rtl="0" eaLnBrk="1" fontAlgn="auto" latinLnBrk="0" hangingPunct="1">
-              <a:lnSpc>
-                <a:spcPct val="100000"/>
-              </a:lnSpc>
-              <a:spcBef>
-                <a:spcPts val="0"/>
-              </a:spcBef>
-              <a:spcAft>
-                <a:spcPts val="0"/>
-              </a:spcAft>
-              <a:buClrTx/>
-              <a:buSzTx/>
-              <a:buFontTx/>
-              <a:buNone/>
-              <a:tabLst/>
-              <a:defRPr/>
-            </a:pPr>
-            <a:endParaRPr lang="en-US" dirty="0"/>
-          </a:p>
-          <a:p>
-            <a:pPr marL="0" marR="0" lvl="0" indent="0" algn="l" defTabSz="914400" rtl="0" eaLnBrk="1" fontAlgn="auto" latinLnBrk="0" hangingPunct="1">
-              <a:lnSpc>
-                <a:spcPct val="100000"/>
-              </a:lnSpc>
-              <a:spcBef>
-                <a:spcPts val="0"/>
-              </a:spcBef>
-              <a:spcAft>
-                <a:spcPts val="0"/>
-              </a:spcAft>
-              <a:buClrTx/>
-              <a:buSzTx/>
-              <a:buFontTx/>
-              <a:buNone/>
-              <a:tabLst/>
-              <a:defRPr/>
-            </a:pPr>
-            <a:r>
-              <a:rPr lang="en-US" dirty="0"/>
-              <a:t>Point out difference between specifying default and specifying version.</a:t>
-            </a:r>
-          </a:p>
-          <a:p>
-            <a:pPr marL="0" marR="0" lvl="0" indent="0" algn="l" defTabSz="914400" rtl="0" eaLnBrk="1" fontAlgn="auto" latinLnBrk="0" hangingPunct="1">
-              <a:lnSpc>
-                <a:spcPct val="100000"/>
-              </a:lnSpc>
-              <a:spcBef>
-                <a:spcPts val="0"/>
-              </a:spcBef>
-              <a:spcAft>
-                <a:spcPts val="0"/>
-              </a:spcAft>
-              <a:buClrTx/>
-              <a:buSzTx/>
-              <a:buFontTx/>
-              <a:buNone/>
-              <a:tabLst/>
-              <a:defRPr/>
-            </a:pPr>
-            <a:r>
-              <a:rPr lang="en-US" dirty="0"/>
-              <a:t>Point out ‘change’ method.</a:t>
-            </a:r>
-          </a:p>
-          <a:p>
-            <a:endParaRPr lang="en-US" dirty="0"/>
+              <a:rPr lang="en-US" err="1"/>
+              <a:t>sinteractive</a:t>
+            </a:r>
+            <a:r>
+              <a:rPr lang="en-US"/>
+              <a:t> --partition=</a:t>
+            </a:r>
+            <a:r>
+              <a:rPr lang="en-US" err="1"/>
+              <a:t>atesting</a:t>
+            </a:r>
+            <a:r>
+              <a:rPr lang="en-US"/>
+              <a:t> --</a:t>
+            </a:r>
+            <a:r>
+              <a:rPr lang="en-US" err="1"/>
+              <a:t>qos</a:t>
+            </a:r>
+            <a:r>
+              <a:rPr lang="en-US"/>
+              <a:t>=testing --time=90:00 --</a:t>
+            </a:r>
+            <a:r>
+              <a:rPr lang="en-US" err="1"/>
+              <a:t>ntasks</a:t>
+            </a:r>
+            <a:r>
+              <a:rPr lang="en-US"/>
+              <a:t>=1</a:t>
+            </a:r>
           </a:p>
         </p:txBody>
       </p:sp>
@@ -3955,7 +3933,7 @@
           <a:p>
             <a:fld id="{A926901F-C6C3-9E47-9843-744856EDDD7A}" type="slidenum">
               <a:rPr lang="en-US" smtClean="0"/>
-              <a:t>8</a:t>
+              <a:t>7</a:t>
             </a:fld>
             <a:endParaRPr lang="en-US"/>
           </a:p>
@@ -3964,7 +3942,7 @@
     </p:spTree>
     <p:extLst>
       <p:ext uri="{BB962C8B-B14F-4D97-AF65-F5344CB8AC3E}">
-        <p14:creationId xmlns:p14="http://schemas.microsoft.com/office/powerpoint/2010/main" val="371298523"/>
+        <p14:creationId xmlns:p14="http://schemas.microsoft.com/office/powerpoint/2010/main" val="3203807855"/>
       </p:ext>
     </p:extLst>
   </p:cSld>
@@ -4019,20 +3997,112 @@
           <a:lstStyle/>
           <a:p>
             <a:r>
-              <a:rPr lang="en-US"/>
-              <a:t>Here we are loading different versions of the HDF5 library. They are different in that they were compiled with different compilers, so we want our environment variables to reflect that. It would be a total pain if we had to do that manually, but luckily the </a:t>
-            </a:r>
-            <a:r>
-              <a:rPr lang="en-US" err="1"/>
+              <a:rPr lang="en-US" dirty="0"/>
+              <a:t>Let’s see what </a:t>
+            </a:r>
+            <a:r>
+              <a:rPr lang="en-US" dirty="0" err="1"/>
               <a:t>lmod</a:t>
             </a:r>
             <a:r>
-              <a:rPr lang="en-US"/>
-              <a:t> module system does that for us.</a:t>
-            </a:r>
-          </a:p>
-          <a:p>
-            <a:endParaRPr lang="en-US"/>
+              <a:rPr lang="en-US" dirty="0"/>
+              <a:t> is doing to manage the software environment.</a:t>
+            </a:r>
+          </a:p>
+          <a:p>
+            <a:endParaRPr lang="en-US" dirty="0"/>
+          </a:p>
+          <a:p>
+            <a:pPr marL="0" marR="0" lvl="0" indent="0" algn="l" defTabSz="914400" rtl="0" eaLnBrk="1" fontAlgn="auto" latinLnBrk="0" hangingPunct="1">
+              <a:lnSpc>
+                <a:spcPct val="100000"/>
+              </a:lnSpc>
+              <a:spcBef>
+                <a:spcPts val="0"/>
+              </a:spcBef>
+              <a:spcAft>
+                <a:spcPts val="0"/>
+              </a:spcAft>
+              <a:buClrTx/>
+              <a:buSzTx/>
+              <a:buFontTx/>
+              <a:buNone/>
+              <a:tabLst/>
+              <a:defRPr/>
+            </a:pPr>
+            <a:r>
+              <a:rPr lang="en-US" dirty="0"/>
+              <a:t>Goal: demonstrate the different compiler-dependent software are available when load each of these different compilers. The packages have been compiled against the respective versions.</a:t>
+            </a:r>
+          </a:p>
+          <a:p>
+            <a:pPr marL="0" marR="0" lvl="0" indent="0" algn="l" defTabSz="914400" rtl="0" eaLnBrk="1" fontAlgn="auto" latinLnBrk="0" hangingPunct="1">
+              <a:lnSpc>
+                <a:spcPct val="100000"/>
+              </a:lnSpc>
+              <a:spcBef>
+                <a:spcPts val="0"/>
+              </a:spcBef>
+              <a:spcAft>
+                <a:spcPts val="0"/>
+              </a:spcAft>
+              <a:buClrTx/>
+              <a:buSzTx/>
+              <a:buFontTx/>
+              <a:buNone/>
+              <a:tabLst/>
+              <a:defRPr/>
+            </a:pPr>
+            <a:endParaRPr lang="en-US" dirty="0"/>
+          </a:p>
+          <a:p>
+            <a:pPr marL="0" marR="0" lvl="0" indent="0" algn="l" defTabSz="914400" rtl="0" eaLnBrk="1" fontAlgn="auto" latinLnBrk="0" hangingPunct="1">
+              <a:lnSpc>
+                <a:spcPct val="100000"/>
+              </a:lnSpc>
+              <a:spcBef>
+                <a:spcPts val="0"/>
+              </a:spcBef>
+              <a:spcAft>
+                <a:spcPts val="0"/>
+              </a:spcAft>
+              <a:buClrTx/>
+              <a:buSzTx/>
+              <a:buFontTx/>
+              <a:buNone/>
+              <a:tabLst/>
+              <a:defRPr/>
+            </a:pPr>
+            <a:r>
+              <a:rPr lang="en-US" dirty="0"/>
+              <a:t>Point out difference between specifying default and specifying version.</a:t>
+            </a:r>
+          </a:p>
+          <a:p>
+            <a:pPr marL="0" marR="0" lvl="0" indent="0" algn="l" defTabSz="914400" rtl="0" eaLnBrk="1" fontAlgn="auto" latinLnBrk="0" hangingPunct="1">
+              <a:lnSpc>
+                <a:spcPct val="100000"/>
+              </a:lnSpc>
+              <a:spcBef>
+                <a:spcPts val="0"/>
+              </a:spcBef>
+              <a:spcAft>
+                <a:spcPts val="0"/>
+              </a:spcAft>
+              <a:buClrTx/>
+              <a:buSzTx/>
+              <a:buFontTx/>
+              <a:buNone/>
+              <a:tabLst/>
+              <a:defRPr/>
+            </a:pPr>
+            <a:r>
+              <a:rPr lang="en-US" dirty="0"/>
+              <a:t>Point out ‘change’ method.</a:t>
+            </a:r>
+          </a:p>
+          <a:p>
+            <a:endParaRPr lang="en-US" dirty="0"/>
           </a:p>
         </p:txBody>
       </p:sp>
@@ -4053,7 +4123,7 @@
           <a:p>
             <a:fld id="{A926901F-C6C3-9E47-9843-744856EDDD7A}" type="slidenum">
               <a:rPr lang="en-US" smtClean="0"/>
-              <a:t>9</a:t>
+              <a:t>8</a:t>
             </a:fld>
             <a:endParaRPr lang="en-US"/>
           </a:p>
@@ -4062,7 +4132,7 @@
     </p:spTree>
     <p:extLst>
       <p:ext uri="{BB962C8B-B14F-4D97-AF65-F5344CB8AC3E}">
-        <p14:creationId xmlns:p14="http://schemas.microsoft.com/office/powerpoint/2010/main" val="335839649"/>
+        <p14:creationId xmlns:p14="http://schemas.microsoft.com/office/powerpoint/2010/main" val="371298523"/>
       </p:ext>
     </p:extLst>
   </p:cSld>
@@ -4116,6 +4186,20 @@
           <a:bodyPr/>
           <a:lstStyle/>
           <a:p>
+            <a:r>
+              <a:rPr lang="en-US"/>
+              <a:t>Here we are loading different versions of the HDF5 library. They are different in that they were compiled with different compilers, so we want our environment variables to reflect that. It would be a total pain if we had to do that manually, but luckily the </a:t>
+            </a:r>
+            <a:r>
+              <a:rPr lang="en-US" err="1"/>
+              <a:t>lmod</a:t>
+            </a:r>
+            <a:r>
+              <a:rPr lang="en-US"/>
+              <a:t> module system does that for us.</a:t>
+            </a:r>
+          </a:p>
+          <a:p>
             <a:endParaRPr lang="en-US"/>
           </a:p>
         </p:txBody>
@@ -4137,7 +4221,7 @@
           <a:p>
             <a:fld id="{A926901F-C6C3-9E47-9843-744856EDDD7A}" type="slidenum">
               <a:rPr lang="en-US" smtClean="0"/>
-              <a:t>10</a:t>
+              <a:t>9</a:t>
             </a:fld>
             <a:endParaRPr lang="en-US"/>
           </a:p>
@@ -4146,7 +4230,7 @@
     </p:spTree>
     <p:extLst>
       <p:ext uri="{BB962C8B-B14F-4D97-AF65-F5344CB8AC3E}">
-        <p14:creationId xmlns:p14="http://schemas.microsoft.com/office/powerpoint/2010/main" val="2901899063"/>
+        <p14:creationId xmlns:p14="http://schemas.microsoft.com/office/powerpoint/2010/main" val="335839649"/>
       </p:ext>
     </p:extLst>
   </p:cSld>
@@ -4221,7 +4305,7 @@
           <a:p>
             <a:fld id="{A926901F-C6C3-9E47-9843-744856EDDD7A}" type="slidenum">
               <a:rPr lang="en-US" smtClean="0"/>
-              <a:t>11</a:t>
+              <a:t>10</a:t>
             </a:fld>
             <a:endParaRPr lang="en-US"/>
           </a:p>
@@ -4230,7 +4314,7 @@
     </p:spTree>
     <p:extLst>
       <p:ext uri="{BB962C8B-B14F-4D97-AF65-F5344CB8AC3E}">
-        <p14:creationId xmlns:p14="http://schemas.microsoft.com/office/powerpoint/2010/main" val="142016225"/>
+        <p14:creationId xmlns:p14="http://schemas.microsoft.com/office/powerpoint/2010/main" val="2901899063"/>
       </p:ext>
     </p:extLst>
   </p:cSld>
@@ -4396,8 +4480,9 @@
             <a:pPr algn="ctr"/>
             <a:r>
               <a:rPr lang="en-US"/>
-              <a:t>8/14/24</a:t>
-            </a:r>
+              <a:t>1/9/2025</a:t>
+            </a:r>
+            <a:endParaRPr lang="en-US" dirty="0"/>
           </a:p>
         </p:txBody>
       </p:sp>
@@ -4577,8 +4662,9 @@
             <a:pPr algn="ctr"/>
             <a:r>
               <a:rPr lang="en-US"/>
-              <a:t>8/14/24</a:t>
-            </a:r>
+              <a:t>1/9/2025</a:t>
+            </a:r>
+            <a:endParaRPr lang="en-US" dirty="0"/>
           </a:p>
         </p:txBody>
       </p:sp>
@@ -4870,8 +4956,9 @@
             <a:pPr algn="ctr"/>
             <a:r>
               <a:rPr lang="en-US"/>
-              <a:t>8/14/24</a:t>
-            </a:r>
+              <a:t>1/9/2025</a:t>
+            </a:r>
+            <a:endParaRPr lang="en-US" dirty="0"/>
           </a:p>
         </p:txBody>
       </p:sp>
@@ -4887,7 +4974,7 @@
     <p:sldLayoutId id="2147483661" r:id="rId1"/>
     <p:sldLayoutId id="2147483662" r:id="rId2"/>
   </p:sldLayoutIdLst>
-  <p:hf hdr="0" ftr="0"/>
+  <p:hf hdr="0" ftr="0" dt="0"/>
   <p:txStyles>
     <p:titleStyle>
       <a:lvl1pPr algn="l" defTabSz="914400" rtl="0" eaLnBrk="1" latinLnBrk="0" hangingPunct="1">
@@ -5218,7 +5305,7 @@
           <a:p>
             <a:r>
               <a:rPr lang="en-US" dirty="0"/>
-              <a:t>Finding, downloading, and applying software on CURC</a:t>
+              <a:t>Finding, downloading, and applying software on CURC resources</a:t>
             </a:r>
             <a:br>
               <a:rPr lang="en-US" dirty="0"/>
@@ -5271,7 +5358,7 @@
               <a:rPr lang="en-US" dirty="0">
                 <a:latin typeface="Century Gothic"/>
               </a:rPr>
-              <a:t>Brandon Reyes</a:t>
+              <a:t>John Reiland</a:t>
             </a:r>
             <a:endParaRPr lang="en-US" dirty="0">
               <a:latin typeface="Century Gothic" panose="020B0502020202020204" pitchFamily="34" charset="0"/>
@@ -5317,7 +5404,7 @@
               <a:rPr lang="en-US" sz="2800" dirty="0">
                 <a:latin typeface="Century Gothic" panose="020B0502020202020204" pitchFamily="34" charset="0"/>
               </a:rPr>
-              <a:t>August 14, 2024</a:t>
+              <a:t>January 9, 2025</a:t>
             </a:r>
           </a:p>
         </p:txBody>
@@ -5354,10 +5441,10 @@
       </p:grpSpPr>
       <p:sp>
         <p:nvSpPr>
-          <p:cNvPr id="2" name="Title 1">
+          <p:cNvPr id="5" name="Slide Number Placeholder 4">
             <a:extLst>
               <a:ext uri="{FF2B5EF4-FFF2-40B4-BE49-F238E27FC236}">
-                <a16:creationId xmlns:a16="http://schemas.microsoft.com/office/drawing/2014/main" id="{6FADF519-AE7F-36C9-168F-1F04A49B8831}"/>
+                <a16:creationId xmlns:a16="http://schemas.microsoft.com/office/drawing/2014/main" id="{989BD25A-492E-955F-3228-1618C71C2BBA}"/>
               </a:ext>
             </a:extLst>
           </p:cNvPr>
@@ -5365,7 +5452,7 @@
             <a:spLocks noGrp="1"/>
           </p:cNvSpPr>
           <p:nvPr>
-            <p:ph type="title"/>
+            <p:ph type="sldNum" sz="quarter" idx="12"/>
           </p:nvPr>
         </p:nvSpPr>
         <p:spPr/>
@@ -5373,143 +5460,14 @@
           <a:bodyPr/>
           <a:lstStyle/>
           <a:p>
-            <a:r>
-              <a:rPr lang="en-US" b="1">
-                <a:latin typeface="Century Gothic" panose="020B0502020202020204" pitchFamily="34" charset="0"/>
-              </a:rPr>
-              <a:t>The Module System </a:t>
-            </a:r>
+            <a:fld id="{ABDA560F-461C-6043-9BC4-489BA92F7161}" type="slidenum">
+              <a:rPr lang="en-US" smtClean="0"/>
+              <a:t>10</a:t>
+            </a:fld>
+            <a:endParaRPr lang="en-US"/>
           </a:p>
         </p:txBody>
       </p:sp>
-      <p:sp>
-        <p:nvSpPr>
-          <p:cNvPr id="3" name="Content Placeholder 2">
-            <a:extLst>
-              <a:ext uri="{FF2B5EF4-FFF2-40B4-BE49-F238E27FC236}">
-                <a16:creationId xmlns:a16="http://schemas.microsoft.com/office/drawing/2014/main" id="{6484EA7B-346E-9CB5-DB70-6227BCA98122}"/>
-              </a:ext>
-            </a:extLst>
-          </p:cNvPr>
-          <p:cNvSpPr>
-            <a:spLocks noGrp="1"/>
-          </p:cNvSpPr>
-          <p:nvPr>
-            <p:ph idx="1"/>
-          </p:nvPr>
-        </p:nvSpPr>
-        <p:spPr>
-          <a:xfrm>
-            <a:off x="838200" y="1546225"/>
-            <a:ext cx="10515600" cy="4351338"/>
-          </a:xfrm>
-        </p:spPr>
-        <p:txBody>
-          <a:bodyPr>
-            <a:normAutofit/>
-          </a:bodyPr>
-          <a:lstStyle/>
-          <a:p>
-            <a:pPr marL="0" indent="0">
-              <a:buNone/>
-            </a:pPr>
-            <a:r>
-              <a:rPr lang="en-US" sz="3200" i="1">
-                <a:latin typeface="Century Gothic" panose="020B0502020202020204" pitchFamily="34" charset="0"/>
-                <a:ea typeface="Helvetica Neue" panose="02000503000000020004" pitchFamily="2" charset="0"/>
-                <a:cs typeface="Helvetica Neue" panose="02000503000000020004" pitchFamily="2" charset="0"/>
-              </a:rPr>
-              <a:t>Live Demo</a:t>
-            </a:r>
-            <a:r>
-              <a:rPr lang="en-US" sz="3200">
-                <a:latin typeface="Century Gothic" panose="020B0502020202020204" pitchFamily="34" charset="0"/>
-                <a:ea typeface="Helvetica Neue" panose="02000503000000020004" pitchFamily="2" charset="0"/>
-                <a:cs typeface="Helvetica Neue" panose="02000503000000020004" pitchFamily="2" charset="0"/>
-              </a:rPr>
-              <a:t>: </a:t>
-            </a:r>
-            <a:r>
-              <a:rPr lang="en-US" sz="3200">
-                <a:latin typeface="Century Gothic" panose="020B0502020202020204" pitchFamily="34" charset="0"/>
-              </a:rPr>
-              <a:t>Useful </a:t>
-            </a:r>
-            <a:r>
-              <a:rPr lang="en-US" sz="3200" err="1">
-                <a:latin typeface="Century Gothic" panose="020B0502020202020204" pitchFamily="34" charset="0"/>
-              </a:rPr>
-              <a:t>Lmod</a:t>
-            </a:r>
-            <a:r>
-              <a:rPr lang="en-US" sz="3200">
-                <a:latin typeface="Century Gothic" panose="020B0502020202020204" pitchFamily="34" charset="0"/>
-              </a:rPr>
-              <a:t> commands</a:t>
-            </a:r>
-          </a:p>
-        </p:txBody>
-      </p:sp>
-      <p:sp>
-        <p:nvSpPr>
-          <p:cNvPr id="4" name="Date Placeholder 3">
-            <a:extLst>
-              <a:ext uri="{FF2B5EF4-FFF2-40B4-BE49-F238E27FC236}">
-                <a16:creationId xmlns:a16="http://schemas.microsoft.com/office/drawing/2014/main" id="{FB497113-4E89-1CAC-8F64-8E901EF4D66E}"/>
-              </a:ext>
-            </a:extLst>
-          </p:cNvPr>
-          <p:cNvSpPr>
-            <a:spLocks noGrp="1"/>
-          </p:cNvSpPr>
-          <p:nvPr>
-            <p:ph type="dt" sz="half" idx="10"/>
-          </p:nvPr>
-        </p:nvSpPr>
-        <p:spPr/>
-        <p:txBody>
-          <a:bodyPr/>
-          <a:lstStyle/>
-          <a:p>
-            <a:pPr algn="ctr"/>
-            <a:r>
-              <a:rPr lang="en-US"/>
-              <a:t>8/14/24</a:t>
-            </a:r>
-            <a:endParaRPr lang="en-US" dirty="0"/>
-          </a:p>
-        </p:txBody>
-      </p:sp>
-      <p:pic>
-        <p:nvPicPr>
-          <p:cNvPr id="8" name="Picture 7" descr="A picture containing graphics, screenshot, font, graphic design&#10;&#10;Description automatically generated">
-            <a:extLst>
-              <a:ext uri="{FF2B5EF4-FFF2-40B4-BE49-F238E27FC236}">
-                <a16:creationId xmlns:a16="http://schemas.microsoft.com/office/drawing/2014/main" id="{A9F43A77-4393-CCF1-83C1-AE60C4D575C9}"/>
-              </a:ext>
-            </a:extLst>
-          </p:cNvPr>
-          <p:cNvPicPr>
-            <a:picLocks noChangeAspect="1"/>
-          </p:cNvPicPr>
-          <p:nvPr/>
-        </p:nvPicPr>
-        <p:blipFill>
-          <a:blip r:embed="rId3"/>
-          <a:stretch>
-            <a:fillRect/>
-          </a:stretch>
-        </p:blipFill>
-        <p:spPr>
-          <a:xfrm>
-            <a:off x="7886700" y="365125"/>
-            <a:ext cx="3467100" cy="1181100"/>
-          </a:xfrm>
-          <a:prstGeom prst="rect">
-            <a:avLst/>
-          </a:prstGeom>
-        </p:spPr>
-      </p:pic>
       <p:grpSp>
         <p:nvGrpSpPr>
           <p:cNvPr id="6" name="Group 5">
@@ -5934,10 +5892,10 @@
       </p:grpSp>
       <p:sp>
         <p:nvSpPr>
-          <p:cNvPr id="10" name="Slide Number Placeholder 9">
+          <p:cNvPr id="3" name="Content Placeholder 2">
             <a:extLst>
               <a:ext uri="{FF2B5EF4-FFF2-40B4-BE49-F238E27FC236}">
-                <a16:creationId xmlns:a16="http://schemas.microsoft.com/office/drawing/2014/main" id="{8A564E97-89CB-7A68-2107-F1E85B8AC7C5}"/>
+                <a16:creationId xmlns:a16="http://schemas.microsoft.com/office/drawing/2014/main" id="{6484EA7B-346E-9CB5-DB70-6227BCA98122}"/>
               </a:ext>
             </a:extLst>
           </p:cNvPr>
@@ -5945,7 +5903,105 @@
             <a:spLocks noGrp="1"/>
           </p:cNvSpPr>
           <p:nvPr>
-            <p:ph type="sldNum" sz="quarter" idx="12"/>
+            <p:ph idx="1"/>
+          </p:nvPr>
+        </p:nvSpPr>
+        <p:spPr>
+          <a:xfrm>
+            <a:off x="838200" y="1546225"/>
+            <a:ext cx="10515600" cy="4351338"/>
+          </a:xfrm>
+        </p:spPr>
+        <p:txBody>
+          <a:bodyPr>
+            <a:normAutofit/>
+          </a:bodyPr>
+          <a:lstStyle/>
+          <a:p>
+            <a:pPr marL="0" indent="0">
+              <a:buNone/>
+            </a:pPr>
+            <a:r>
+              <a:rPr lang="en-US" sz="3200" i="1">
+                <a:latin typeface="Century Gothic" panose="020B0502020202020204" pitchFamily="34" charset="0"/>
+                <a:ea typeface="Helvetica Neue" panose="02000503000000020004" pitchFamily="2" charset="0"/>
+                <a:cs typeface="Helvetica Neue" panose="02000503000000020004" pitchFamily="2" charset="0"/>
+              </a:rPr>
+              <a:t>Live Demo</a:t>
+            </a:r>
+            <a:r>
+              <a:rPr lang="en-US" sz="3200">
+                <a:latin typeface="Century Gothic" panose="020B0502020202020204" pitchFamily="34" charset="0"/>
+                <a:ea typeface="Helvetica Neue" panose="02000503000000020004" pitchFamily="2" charset="0"/>
+                <a:cs typeface="Helvetica Neue" panose="02000503000000020004" pitchFamily="2" charset="0"/>
+              </a:rPr>
+              <a:t>: </a:t>
+            </a:r>
+            <a:r>
+              <a:rPr lang="en-US" sz="3200">
+                <a:latin typeface="Century Gothic" panose="020B0502020202020204" pitchFamily="34" charset="0"/>
+              </a:rPr>
+              <a:t>Useful </a:t>
+            </a:r>
+            <a:r>
+              <a:rPr lang="en-US" sz="3200" err="1">
+                <a:latin typeface="Century Gothic" panose="020B0502020202020204" pitchFamily="34" charset="0"/>
+              </a:rPr>
+              <a:t>Lmod</a:t>
+            </a:r>
+            <a:r>
+              <a:rPr lang="en-US" sz="3200">
+                <a:latin typeface="Century Gothic" panose="020B0502020202020204" pitchFamily="34" charset="0"/>
+              </a:rPr>
+              <a:t> commands</a:t>
+            </a:r>
+          </a:p>
+        </p:txBody>
+      </p:sp>
+      <p:pic>
+        <p:nvPicPr>
+          <p:cNvPr id="8" name="Picture 7" descr="Logo for the Lmod module system used on Alpine">
+            <a:extLst>
+              <a:ext uri="{FF2B5EF4-FFF2-40B4-BE49-F238E27FC236}">
+                <a16:creationId xmlns:a16="http://schemas.microsoft.com/office/drawing/2014/main" id="{A9F43A77-4393-CCF1-83C1-AE60C4D575C9}"/>
+              </a:ext>
+            </a:extLst>
+          </p:cNvPr>
+          <p:cNvPicPr>
+            <a:picLocks noChangeAspect="1"/>
+          </p:cNvPicPr>
+          <p:nvPr/>
+        </p:nvPicPr>
+        <p:blipFill>
+          <a:blip r:embed="rId3"/>
+          <a:stretch>
+            <a:fillRect/>
+          </a:stretch>
+        </p:blipFill>
+        <p:spPr>
+          <a:xfrm>
+            <a:off x="7886700" y="365125"/>
+            <a:ext cx="3467100" cy="1181100"/>
+          </a:xfrm>
+          <a:prstGeom prst="rect">
+            <a:avLst/>
+          </a:prstGeom>
+        </p:spPr>
+      </p:pic>
+      <p:sp>
+        <p:nvSpPr>
+          <p:cNvPr id="2" name="Title 1">
+            <a:extLst>
+              <a:ext uri="{FF2B5EF4-FFF2-40B4-BE49-F238E27FC236}">
+                <a16:creationId xmlns:a16="http://schemas.microsoft.com/office/drawing/2014/main" id="{6FADF519-AE7F-36C9-168F-1F04A49B8831}"/>
+              </a:ext>
+            </a:extLst>
+          </p:cNvPr>
+          <p:cNvSpPr>
+            <a:spLocks noGrp="1"/>
+          </p:cNvSpPr>
+          <p:nvPr>
+            <p:ph type="title"/>
           </p:nvPr>
         </p:nvSpPr>
         <p:spPr/>
@@ -5953,11 +6009,12 @@
           <a:bodyPr/>
           <a:lstStyle/>
           <a:p>
-            <a:fld id="{ABDA560F-461C-6043-9BC4-489BA92F7161}" type="slidenum">
-              <a:rPr lang="en-US" smtClean="0"/>
-              <a:t>10</a:t>
-            </a:fld>
-            <a:endParaRPr lang="en-US"/>
+            <a:r>
+              <a:rPr lang="en-US" b="1" dirty="0">
+                <a:latin typeface="Century Gothic" panose="020B0502020202020204" pitchFamily="34" charset="0"/>
+              </a:rPr>
+              <a:t>The Module System </a:t>
+            </a:r>
           </a:p>
         </p:txBody>
       </p:sp>
@@ -6103,39 +6160,9 @@
           </a:p>
         </p:txBody>
       </p:sp>
-      <p:sp>
-        <p:nvSpPr>
-          <p:cNvPr id="4" name="Date Placeholder 3">
-            <a:extLst>
-              <a:ext uri="{FF2B5EF4-FFF2-40B4-BE49-F238E27FC236}">
-                <a16:creationId xmlns:a16="http://schemas.microsoft.com/office/drawing/2014/main" id="{FB497113-4E89-1CAC-8F64-8E901EF4D66E}"/>
-              </a:ext>
-            </a:extLst>
-          </p:cNvPr>
-          <p:cNvSpPr>
-            <a:spLocks noGrp="1"/>
-          </p:cNvSpPr>
-          <p:nvPr>
-            <p:ph type="dt" sz="half" idx="10"/>
-          </p:nvPr>
-        </p:nvSpPr>
-        <p:spPr/>
-        <p:txBody>
-          <a:bodyPr/>
-          <a:lstStyle/>
-          <a:p>
-            <a:pPr algn="ctr"/>
-            <a:r>
-              <a:rPr lang="en-US"/>
-              <a:t>8/14/24</a:t>
-            </a:r>
-            <a:endParaRPr lang="en-US" dirty="0"/>
-          </a:p>
-        </p:txBody>
-      </p:sp>
       <p:pic>
         <p:nvPicPr>
-          <p:cNvPr id="8" name="Picture 7" descr="A picture containing graphics, screenshot, font, graphic design&#10;&#10;Description automatically generated">
+          <p:cNvPr id="8" name="Picture 7" descr="Logo for the Lmod module system used on Alpine">
             <a:extLst>
               <a:ext uri="{FF2B5EF4-FFF2-40B4-BE49-F238E27FC236}">
                 <a16:creationId xmlns:a16="http://schemas.microsoft.com/office/drawing/2014/main" id="{A9F43A77-4393-CCF1-83C1-AE60C4D575C9}"/>
@@ -6165,10 +6192,10 @@
       </p:pic>
       <p:sp>
         <p:nvSpPr>
-          <p:cNvPr id="6" name="Slide Number Placeholder 5">
+          <p:cNvPr id="5" name="Slide Number Placeholder 4">
             <a:extLst>
               <a:ext uri="{FF2B5EF4-FFF2-40B4-BE49-F238E27FC236}">
-                <a16:creationId xmlns:a16="http://schemas.microsoft.com/office/drawing/2014/main" id="{29B99A13-6B4C-59B5-FD69-2AB3C22E0253}"/>
+                <a16:creationId xmlns:a16="http://schemas.microsoft.com/office/drawing/2014/main" id="{8010FA2F-87F2-1835-2ECF-FC69DA1CFFE3}"/>
               </a:ext>
             </a:extLst>
           </p:cNvPr>
@@ -6549,40 +6576,10 @@
       </p:sp>
       <p:sp>
         <p:nvSpPr>
-          <p:cNvPr id="4" name="Date Placeholder 3">
+          <p:cNvPr id="5" name="Slide Number Placeholder 4">
             <a:extLst>
               <a:ext uri="{FF2B5EF4-FFF2-40B4-BE49-F238E27FC236}">
-                <a16:creationId xmlns:a16="http://schemas.microsoft.com/office/drawing/2014/main" id="{FB497113-4E89-1CAC-8F64-8E901EF4D66E}"/>
-              </a:ext>
-            </a:extLst>
-          </p:cNvPr>
-          <p:cNvSpPr>
-            <a:spLocks noGrp="1"/>
-          </p:cNvSpPr>
-          <p:nvPr>
-            <p:ph type="dt" sz="half" idx="10"/>
-          </p:nvPr>
-        </p:nvSpPr>
-        <p:spPr/>
-        <p:txBody>
-          <a:bodyPr/>
-          <a:lstStyle/>
-          <a:p>
-            <a:pPr algn="ctr"/>
-            <a:r>
-              <a:rPr lang="en-US"/>
-              <a:t>8/14/24</a:t>
-            </a:r>
-            <a:endParaRPr lang="en-US" dirty="0"/>
-          </a:p>
-        </p:txBody>
-      </p:sp>
-      <p:sp>
-        <p:nvSpPr>
-          <p:cNvPr id="6" name="Slide Number Placeholder 5">
-            <a:extLst>
-              <a:ext uri="{FF2B5EF4-FFF2-40B4-BE49-F238E27FC236}">
-                <a16:creationId xmlns:a16="http://schemas.microsoft.com/office/drawing/2014/main" id="{57A70CEC-FAC2-B59D-3E30-9863AA27CA50}"/>
+                <a16:creationId xmlns:a16="http://schemas.microsoft.com/office/drawing/2014/main" id="{6ABB9977-384C-44BA-CDB5-3F34975C00BF}"/>
               </a:ext>
             </a:extLst>
           </p:cNvPr>
@@ -6991,7 +6988,7 @@
               <a:rPr lang="en-US" sz="2800" dirty="0">
                 <a:latin typeface="Century Gothic" panose="020B0502020202020204" pitchFamily="34" charset="0"/>
               </a:rPr>
-              <a:t>From source</a:t>
+              <a:t>From source code</a:t>
             </a:r>
           </a:p>
           <a:p>
@@ -7021,40 +7018,10 @@
       </p:sp>
       <p:sp>
         <p:nvSpPr>
-          <p:cNvPr id="4" name="Date Placeholder 3">
+          <p:cNvPr id="5" name="Slide Number Placeholder 4">
             <a:extLst>
               <a:ext uri="{FF2B5EF4-FFF2-40B4-BE49-F238E27FC236}">
-                <a16:creationId xmlns:a16="http://schemas.microsoft.com/office/drawing/2014/main" id="{FB497113-4E89-1CAC-8F64-8E901EF4D66E}"/>
-              </a:ext>
-            </a:extLst>
-          </p:cNvPr>
-          <p:cNvSpPr>
-            <a:spLocks noGrp="1"/>
-          </p:cNvSpPr>
-          <p:nvPr>
-            <p:ph type="dt" sz="half" idx="10"/>
-          </p:nvPr>
-        </p:nvSpPr>
-        <p:spPr/>
-        <p:txBody>
-          <a:bodyPr/>
-          <a:lstStyle/>
-          <a:p>
-            <a:pPr algn="ctr"/>
-            <a:r>
-              <a:rPr lang="en-US"/>
-              <a:t>8/14/24</a:t>
-            </a:r>
-            <a:endParaRPr lang="en-US" dirty="0"/>
-          </a:p>
-        </p:txBody>
-      </p:sp>
-      <p:sp>
-        <p:nvSpPr>
-          <p:cNvPr id="6" name="Slide Number Placeholder 5">
-            <a:extLst>
-              <a:ext uri="{FF2B5EF4-FFF2-40B4-BE49-F238E27FC236}">
-                <a16:creationId xmlns:a16="http://schemas.microsoft.com/office/drawing/2014/main" id="{B71A570D-80E3-B737-CDED-5525200C3A83}"/>
+                <a16:creationId xmlns:a16="http://schemas.microsoft.com/office/drawing/2014/main" id="{F7F00D98-53F4-862E-35D3-F0115D2D172E}"/>
               </a:ext>
             </a:extLst>
           </p:cNvPr>
@@ -7443,7 +7410,7 @@
               <a:rPr lang="en-US" sz="3600" dirty="0">
                 <a:latin typeface="Century Gothic" panose="020B0502020202020204" pitchFamily="34" charset="0"/>
               </a:rPr>
-              <a:t>Why compile a research application manually from source?</a:t>
+              <a:t>Why compile a research application manually from source code?</a:t>
             </a:r>
           </a:p>
           <a:p>
@@ -7474,40 +7441,10 @@
       </p:sp>
       <p:sp>
         <p:nvSpPr>
-          <p:cNvPr id="4" name="Date Placeholder 3">
+          <p:cNvPr id="5" name="Slide Number Placeholder 4">
             <a:extLst>
               <a:ext uri="{FF2B5EF4-FFF2-40B4-BE49-F238E27FC236}">
-                <a16:creationId xmlns:a16="http://schemas.microsoft.com/office/drawing/2014/main" id="{FB497113-4E89-1CAC-8F64-8E901EF4D66E}"/>
-              </a:ext>
-            </a:extLst>
-          </p:cNvPr>
-          <p:cNvSpPr>
-            <a:spLocks noGrp="1"/>
-          </p:cNvSpPr>
-          <p:nvPr>
-            <p:ph type="dt" sz="half" idx="10"/>
-          </p:nvPr>
-        </p:nvSpPr>
-        <p:spPr/>
-        <p:txBody>
-          <a:bodyPr/>
-          <a:lstStyle/>
-          <a:p>
-            <a:pPr algn="ctr"/>
-            <a:r>
-              <a:rPr lang="en-US"/>
-              <a:t>8/14/24</a:t>
-            </a:r>
-            <a:endParaRPr lang="en-US" dirty="0"/>
-          </a:p>
-        </p:txBody>
-      </p:sp>
-      <p:sp>
-        <p:nvSpPr>
-          <p:cNvPr id="6" name="Slide Number Placeholder 5">
-            <a:extLst>
-              <a:ext uri="{FF2B5EF4-FFF2-40B4-BE49-F238E27FC236}">
-                <a16:creationId xmlns:a16="http://schemas.microsoft.com/office/drawing/2014/main" id="{06B22949-ECAA-373B-0178-E3F4B7C84232}"/>
+                <a16:creationId xmlns:a16="http://schemas.microsoft.com/office/drawing/2014/main" id="{1C2908B5-6BC2-02BD-A274-CFFF7DA7F190}"/>
               </a:ext>
             </a:extLst>
           </p:cNvPr>
@@ -7711,7 +7648,7 @@
           <a:lstStyle/>
           <a:p>
             <a:r>
-              <a:rPr lang="en-US" b="1">
+              <a:rPr lang="en-US" b="1" dirty="0">
                 <a:latin typeface="Century Gothic" panose="020B0502020202020204" pitchFamily="34" charset="0"/>
               </a:rPr>
               <a:t>Building Software on CURC Systems</a:t>
@@ -7754,39 +7691,9 @@
           </a:p>
         </p:txBody>
       </p:sp>
-      <p:sp>
-        <p:nvSpPr>
-          <p:cNvPr id="4" name="Date Placeholder 3">
-            <a:extLst>
-              <a:ext uri="{FF2B5EF4-FFF2-40B4-BE49-F238E27FC236}">
-                <a16:creationId xmlns:a16="http://schemas.microsoft.com/office/drawing/2014/main" id="{FB497113-4E89-1CAC-8F64-8E901EF4D66E}"/>
-              </a:ext>
-            </a:extLst>
-          </p:cNvPr>
-          <p:cNvSpPr>
-            <a:spLocks noGrp="1"/>
-          </p:cNvSpPr>
-          <p:nvPr>
-            <p:ph type="dt" sz="half" idx="10"/>
-          </p:nvPr>
-        </p:nvSpPr>
-        <p:spPr/>
-        <p:txBody>
-          <a:bodyPr/>
-          <a:lstStyle/>
-          <a:p>
-            <a:pPr algn="ctr"/>
-            <a:r>
-              <a:rPr lang="en-US"/>
-              <a:t>8/14/24</a:t>
-            </a:r>
-            <a:endParaRPr lang="en-US" dirty="0"/>
-          </a:p>
-        </p:txBody>
-      </p:sp>
       <p:pic>
         <p:nvPicPr>
-          <p:cNvPr id="6" name="Picture 5" descr="Graphical user interface, application&#10;&#10;Description automatically generated">
+          <p:cNvPr id="6" name="Picture 5" descr="A diagram illustrating that code is fed to a compiler to produce and executable file. The input to the compiler is hello_world.c, and the compiler outputs hello_world.o.">
             <a:extLst>
               <a:ext uri="{FF2B5EF4-FFF2-40B4-BE49-F238E27FC236}">
                 <a16:creationId xmlns:a16="http://schemas.microsoft.com/office/drawing/2014/main" id="{55597742-07C9-65FD-DD57-8152242A8A74}"/>
@@ -7816,10 +7723,10 @@
       </p:pic>
       <p:sp>
         <p:nvSpPr>
-          <p:cNvPr id="7" name="Slide Number Placeholder 6">
+          <p:cNvPr id="5" name="Slide Number Placeholder 4">
             <a:extLst>
               <a:ext uri="{FF2B5EF4-FFF2-40B4-BE49-F238E27FC236}">
-                <a16:creationId xmlns:a16="http://schemas.microsoft.com/office/drawing/2014/main" id="{1877732E-DF7B-1CE7-B19C-0AA86904CFAE}"/>
+                <a16:creationId xmlns:a16="http://schemas.microsoft.com/office/drawing/2014/main" id="{4F50B8BC-A672-F108-AE9C-C04D548B408C}"/>
               </a:ext>
             </a:extLst>
           </p:cNvPr>
@@ -8091,36 +7998,6 @@
             <a:endParaRPr lang="en-US" sz="2600" dirty="0">
               <a:latin typeface="Monaco" pitchFamily="2" charset="77"/>
             </a:endParaRPr>
-          </a:p>
-        </p:txBody>
-      </p:sp>
-      <p:sp>
-        <p:nvSpPr>
-          <p:cNvPr id="4" name="Date Placeholder 3">
-            <a:extLst>
-              <a:ext uri="{FF2B5EF4-FFF2-40B4-BE49-F238E27FC236}">
-                <a16:creationId xmlns:a16="http://schemas.microsoft.com/office/drawing/2014/main" id="{FB497113-4E89-1CAC-8F64-8E901EF4D66E}"/>
-              </a:ext>
-            </a:extLst>
-          </p:cNvPr>
-          <p:cNvSpPr>
-            <a:spLocks noGrp="1"/>
-          </p:cNvSpPr>
-          <p:nvPr>
-            <p:ph type="dt" sz="half" idx="10"/>
-          </p:nvPr>
-        </p:nvSpPr>
-        <p:spPr/>
-        <p:txBody>
-          <a:bodyPr/>
-          <a:lstStyle/>
-          <a:p>
-            <a:pPr algn="ctr"/>
-            <a:r>
-              <a:rPr lang="en-US"/>
-              <a:t>8/14/24</a:t>
-            </a:r>
-            <a:endParaRPr lang="en-US" dirty="0"/>
           </a:p>
         </p:txBody>
       </p:sp>
@@ -8260,10 +8137,10 @@
       </p:grpSp>
       <p:sp>
         <p:nvSpPr>
-          <p:cNvPr id="6" name="Slide Number Placeholder 5">
+          <p:cNvPr id="5" name="Slide Number Placeholder 4">
             <a:extLst>
               <a:ext uri="{FF2B5EF4-FFF2-40B4-BE49-F238E27FC236}">
-                <a16:creationId xmlns:a16="http://schemas.microsoft.com/office/drawing/2014/main" id="{BF0A5CB3-5D94-2DDE-EEFC-C43FEB7259EC}"/>
+                <a16:creationId xmlns:a16="http://schemas.microsoft.com/office/drawing/2014/main" id="{92125CDB-4D0A-9D67-99CB-B15439BCA38D}"/>
               </a:ext>
             </a:extLst>
           </p:cNvPr>
@@ -8620,36 +8497,6 @@
           </a:p>
         </p:txBody>
       </p:sp>
-      <p:sp>
-        <p:nvSpPr>
-          <p:cNvPr id="4" name="Date Placeholder 3">
-            <a:extLst>
-              <a:ext uri="{FF2B5EF4-FFF2-40B4-BE49-F238E27FC236}">
-                <a16:creationId xmlns:a16="http://schemas.microsoft.com/office/drawing/2014/main" id="{FB497113-4E89-1CAC-8F64-8E901EF4D66E}"/>
-              </a:ext>
-            </a:extLst>
-          </p:cNvPr>
-          <p:cNvSpPr>
-            <a:spLocks noGrp="1"/>
-          </p:cNvSpPr>
-          <p:nvPr>
-            <p:ph type="dt" sz="half" idx="10"/>
-          </p:nvPr>
-        </p:nvSpPr>
-        <p:spPr/>
-        <p:txBody>
-          <a:bodyPr/>
-          <a:lstStyle/>
-          <a:p>
-            <a:pPr algn="ctr"/>
-            <a:r>
-              <a:rPr lang="en-US"/>
-              <a:t>8/14/24</a:t>
-            </a:r>
-            <a:endParaRPr lang="en-US" dirty="0"/>
-          </a:p>
-        </p:txBody>
-      </p:sp>
       <p:grpSp>
         <p:nvGrpSpPr>
           <p:cNvPr id="8" name="Group 7">
@@ -8800,10 +8647,10 @@
       </p:grpSp>
       <p:sp>
         <p:nvSpPr>
-          <p:cNvPr id="9" name="Slide Number Placeholder 8">
+          <p:cNvPr id="5" name="Slide Number Placeholder 4">
             <a:extLst>
               <a:ext uri="{FF2B5EF4-FFF2-40B4-BE49-F238E27FC236}">
-                <a16:creationId xmlns:a16="http://schemas.microsoft.com/office/drawing/2014/main" id="{82B23C68-7899-8A28-30AD-8A0E752EE744}"/>
+                <a16:creationId xmlns:a16="http://schemas.microsoft.com/office/drawing/2014/main" id="{4D653453-693F-3490-B90B-CB4B9F7D4F91}"/>
               </a:ext>
             </a:extLst>
           </p:cNvPr>
@@ -9194,40 +9041,10 @@
       </p:sp>
       <p:sp>
         <p:nvSpPr>
-          <p:cNvPr id="4" name="Date Placeholder 3">
+          <p:cNvPr id="5" name="Slide Number Placeholder 4">
             <a:extLst>
               <a:ext uri="{FF2B5EF4-FFF2-40B4-BE49-F238E27FC236}">
-                <a16:creationId xmlns:a16="http://schemas.microsoft.com/office/drawing/2014/main" id="{FB497113-4E89-1CAC-8F64-8E901EF4D66E}"/>
-              </a:ext>
-            </a:extLst>
-          </p:cNvPr>
-          <p:cNvSpPr>
-            <a:spLocks noGrp="1"/>
-          </p:cNvSpPr>
-          <p:nvPr>
-            <p:ph type="dt" sz="half" idx="10"/>
-          </p:nvPr>
-        </p:nvSpPr>
-        <p:spPr/>
-        <p:txBody>
-          <a:bodyPr/>
-          <a:lstStyle/>
-          <a:p>
-            <a:pPr algn="ctr"/>
-            <a:r>
-              <a:rPr lang="en-US"/>
-              <a:t>8/14/24</a:t>
-            </a:r>
-            <a:endParaRPr lang="en-US" dirty="0"/>
-          </a:p>
-        </p:txBody>
-      </p:sp>
-      <p:sp>
-        <p:nvSpPr>
-          <p:cNvPr id="6" name="Slide Number Placeholder 5">
-            <a:extLst>
-              <a:ext uri="{FF2B5EF4-FFF2-40B4-BE49-F238E27FC236}">
-                <a16:creationId xmlns:a16="http://schemas.microsoft.com/office/drawing/2014/main" id="{49F9B580-F908-CA4B-BDDF-74A1C5E53F98}"/>
+                <a16:creationId xmlns:a16="http://schemas.microsoft.com/office/drawing/2014/main" id="{4714B0CC-2D5B-DE51-FFFB-CB673BD223DC}"/>
               </a:ext>
             </a:extLst>
           </p:cNvPr>
@@ -9641,40 +9458,10 @@
       </p:sp>
       <p:sp>
         <p:nvSpPr>
-          <p:cNvPr id="4" name="Date Placeholder 3">
+          <p:cNvPr id="5" name="Slide Number Placeholder 4">
             <a:extLst>
               <a:ext uri="{FF2B5EF4-FFF2-40B4-BE49-F238E27FC236}">
-                <a16:creationId xmlns:a16="http://schemas.microsoft.com/office/drawing/2014/main" id="{FB497113-4E89-1CAC-8F64-8E901EF4D66E}"/>
-              </a:ext>
-            </a:extLst>
-          </p:cNvPr>
-          <p:cNvSpPr>
-            <a:spLocks noGrp="1"/>
-          </p:cNvSpPr>
-          <p:nvPr>
-            <p:ph type="dt" sz="half" idx="10"/>
-          </p:nvPr>
-        </p:nvSpPr>
-        <p:spPr/>
-        <p:txBody>
-          <a:bodyPr/>
-          <a:lstStyle/>
-          <a:p>
-            <a:pPr algn="ctr"/>
-            <a:r>
-              <a:rPr lang="en-US"/>
-              <a:t>8/14/24</a:t>
-            </a:r>
-            <a:endParaRPr lang="en-US" dirty="0"/>
-          </a:p>
-        </p:txBody>
-      </p:sp>
-      <p:sp>
-        <p:nvSpPr>
-          <p:cNvPr id="6" name="Slide Number Placeholder 5">
-            <a:extLst>
-              <a:ext uri="{FF2B5EF4-FFF2-40B4-BE49-F238E27FC236}">
-                <a16:creationId xmlns:a16="http://schemas.microsoft.com/office/drawing/2014/main" id="{3EFD1F9B-937E-0C45-FDB5-CACEA703531F}"/>
+                <a16:creationId xmlns:a16="http://schemas.microsoft.com/office/drawing/2014/main" id="{37987356-8895-3242-C0A8-2217B54CCFE3}"/>
               </a:ext>
             </a:extLst>
           </p:cNvPr>
@@ -9938,118 +9725,10 @@
       </p:grpSpPr>
       <p:sp>
         <p:nvSpPr>
-          <p:cNvPr id="3" name="Content Placeholder 2">
+          <p:cNvPr id="2" name="Slide Number Placeholder 1">
             <a:extLst>
               <a:ext uri="{FF2B5EF4-FFF2-40B4-BE49-F238E27FC236}">
-                <a16:creationId xmlns:a16="http://schemas.microsoft.com/office/drawing/2014/main" id="{5433201F-B470-4FB6-3E2A-B4F0D1B28558}"/>
-              </a:ext>
-            </a:extLst>
-          </p:cNvPr>
-          <p:cNvSpPr>
-            <a:spLocks noGrp="1"/>
-          </p:cNvSpPr>
-          <p:nvPr>
-            <p:ph idx="1"/>
-          </p:nvPr>
-        </p:nvSpPr>
-        <p:spPr>
-          <a:xfrm>
-            <a:off x="561975" y="1661232"/>
-            <a:ext cx="6410325" cy="3920418"/>
-          </a:xfrm>
-        </p:spPr>
-        <p:txBody>
-          <a:bodyPr vert="horz" lIns="91440" tIns="45720" rIns="91440" bIns="45720" rtlCol="0" anchor="ctr">
-            <a:normAutofit/>
-          </a:bodyPr>
-          <a:lstStyle/>
-          <a:p>
-            <a:pPr marL="0" indent="0" algn="ctr">
-              <a:buNone/>
-            </a:pPr>
-            <a:r>
-              <a:rPr lang="en-US" sz="4000" b="1" dirty="0">
-                <a:latin typeface="Century Gothic"/>
-              </a:rPr>
-              <a:t>Slides &amp; Exercises</a:t>
-            </a:r>
-          </a:p>
-          <a:p>
-            <a:pPr marL="0" indent="0">
-              <a:buNone/>
-            </a:pPr>
-            <a:r>
-              <a:rPr lang="en-US" b="1" dirty="0">
-                <a:latin typeface="Century Gothic"/>
-                <a:hlinkClick r:id="rId2"/>
-              </a:rPr>
-              <a:t>https://github.com/ResearchComputing/hpc_fundamentals_micro_credential</a:t>
-            </a:r>
-            <a:r>
-              <a:rPr lang="en-US" b="1" dirty="0">
-                <a:latin typeface="Century Gothic"/>
-              </a:rPr>
-              <a:t> </a:t>
-            </a:r>
-          </a:p>
-          <a:p>
-            <a:r>
-              <a:rPr lang="en-US" b="1" dirty="0">
-                <a:latin typeface="Century Gothic"/>
-              </a:rPr>
-              <a:t>In “</a:t>
-            </a:r>
-            <a:r>
-              <a:rPr lang="en-US" b="1" dirty="0" err="1">
-                <a:latin typeface="Century Gothic"/>
-              </a:rPr>
-              <a:t>installing_software</a:t>
-            </a:r>
-            <a:r>
-              <a:rPr lang="en-US" b="1" dirty="0">
-                <a:latin typeface="Century Gothic"/>
-              </a:rPr>
-              <a:t>” directory </a:t>
-            </a:r>
-          </a:p>
-        </p:txBody>
-      </p:sp>
-      <p:sp>
-        <p:nvSpPr>
-          <p:cNvPr id="4" name="Date Placeholder 3">
-            <a:extLst>
-              <a:ext uri="{FF2B5EF4-FFF2-40B4-BE49-F238E27FC236}">
-                <a16:creationId xmlns:a16="http://schemas.microsoft.com/office/drawing/2014/main" id="{5D412731-C520-83F2-BE89-8DEE9214789C}"/>
-              </a:ext>
-            </a:extLst>
-          </p:cNvPr>
-          <p:cNvSpPr>
-            <a:spLocks noGrp="1"/>
-          </p:cNvSpPr>
-          <p:nvPr>
-            <p:ph type="dt" sz="half" idx="10"/>
-          </p:nvPr>
-        </p:nvSpPr>
-        <p:spPr/>
-        <p:txBody>
-          <a:bodyPr/>
-          <a:lstStyle/>
-          <a:p>
-            <a:pPr algn="ctr"/>
-            <a:r>
-              <a:rPr lang="en-US"/>
-              <a:t>8/14/24</a:t>
-            </a:r>
-            <a:endParaRPr lang="en-US" dirty="0"/>
-          </a:p>
-        </p:txBody>
-      </p:sp>
-      <p:sp>
-        <p:nvSpPr>
-          <p:cNvPr id="7" name="Slide Number Placeholder 6">
-            <a:extLst>
-              <a:ext uri="{FF2B5EF4-FFF2-40B4-BE49-F238E27FC236}">
-                <a16:creationId xmlns:a16="http://schemas.microsoft.com/office/drawing/2014/main" id="{CA99CC0F-C097-D682-7893-512CA8823C8D}"/>
+                <a16:creationId xmlns:a16="http://schemas.microsoft.com/office/drawing/2014/main" id="{2F369E81-A0CF-5A04-7706-ECE88902EF1C}"/>
               </a:ext>
             </a:extLst>
           </p:cNvPr>
@@ -10075,7 +9754,7 @@
       </p:sp>
       <p:pic>
         <p:nvPicPr>
-          <p:cNvPr id="8" name="Picture 7" descr="A qr code on a white background&#10;&#10;Description automatically generated">
+          <p:cNvPr id="8" name="Picture 7" descr="A qr code on a white background">
             <a:extLst>
               <a:ext uri="{FF2B5EF4-FFF2-40B4-BE49-F238E27FC236}">
                 <a16:creationId xmlns:a16="http://schemas.microsoft.com/office/drawing/2014/main" id="{134224ED-5FFB-EFBF-45BB-8F80E4C41BFF}"/>
@@ -10103,6 +9782,103 @@
           </a:prstGeom>
         </p:spPr>
       </p:pic>
+      <p:sp>
+        <p:nvSpPr>
+          <p:cNvPr id="3" name="Content Placeholder 2">
+            <a:extLst>
+              <a:ext uri="{FF2B5EF4-FFF2-40B4-BE49-F238E27FC236}">
+                <a16:creationId xmlns:a16="http://schemas.microsoft.com/office/drawing/2014/main" id="{5433201F-B470-4FB6-3E2A-B4F0D1B28558}"/>
+              </a:ext>
+            </a:extLst>
+          </p:cNvPr>
+          <p:cNvSpPr>
+            <a:spLocks noGrp="1"/>
+          </p:cNvSpPr>
+          <p:nvPr>
+            <p:ph idx="1"/>
+          </p:nvPr>
+        </p:nvSpPr>
+        <p:spPr>
+          <a:xfrm>
+            <a:off x="561975" y="1661232"/>
+            <a:ext cx="6410325" cy="3920418"/>
+          </a:xfrm>
+        </p:spPr>
+        <p:txBody>
+          <a:bodyPr vert="horz" lIns="91440" tIns="45720" rIns="91440" bIns="45720" rtlCol="0" anchor="ctr">
+            <a:normAutofit/>
+          </a:bodyPr>
+          <a:lstStyle/>
+          <a:p>
+            <a:pPr marL="0" indent="0">
+              <a:buNone/>
+            </a:pPr>
+            <a:r>
+              <a:rPr lang="en-US" b="1" dirty="0">
+                <a:latin typeface="Century Gothic"/>
+                <a:hlinkClick r:id="rId4"/>
+              </a:rPr>
+              <a:t>https://github.com/ResearchComputing/hpc_fundamentals_micro_credential</a:t>
+            </a:r>
+            <a:r>
+              <a:rPr lang="en-US" b="1" dirty="0">
+                <a:latin typeface="Century Gothic"/>
+              </a:rPr>
+              <a:t> </a:t>
+            </a:r>
+          </a:p>
+          <a:p>
+            <a:r>
+              <a:rPr lang="en-US" b="1" dirty="0">
+                <a:latin typeface="Century Gothic"/>
+              </a:rPr>
+              <a:t>In “</a:t>
+            </a:r>
+            <a:r>
+              <a:rPr lang="en-US" b="1" dirty="0" err="1">
+                <a:latin typeface="Century Gothic"/>
+              </a:rPr>
+              <a:t>installing_software</a:t>
+            </a:r>
+            <a:r>
+              <a:rPr lang="en-US" b="1" dirty="0">
+                <a:latin typeface="Century Gothic"/>
+              </a:rPr>
+              <a:t>” directory </a:t>
+            </a:r>
+          </a:p>
+        </p:txBody>
+      </p:sp>
+      <p:sp>
+        <p:nvSpPr>
+          <p:cNvPr id="5" name="Title 4">
+            <a:extLst>
+              <a:ext uri="{FF2B5EF4-FFF2-40B4-BE49-F238E27FC236}">
+                <a16:creationId xmlns:a16="http://schemas.microsoft.com/office/drawing/2014/main" id="{7188D357-766D-DC3B-A836-378DDD813F26}"/>
+              </a:ext>
+            </a:extLst>
+          </p:cNvPr>
+          <p:cNvSpPr>
+            <a:spLocks noGrp="1"/>
+          </p:cNvSpPr>
+          <p:nvPr>
+            <p:ph type="title"/>
+          </p:nvPr>
+        </p:nvSpPr>
+        <p:spPr/>
+        <p:txBody>
+          <a:bodyPr/>
+          <a:lstStyle/>
+          <a:p>
+            <a:r>
+              <a:rPr lang="en-US" b="1" dirty="0">
+                <a:latin typeface="Century Gothic" panose="020B0502020202020204" pitchFamily="34" charset="0"/>
+              </a:rPr>
+              <a:t>Slides &amp; Exercises</a:t>
+            </a:r>
+          </a:p>
+        </p:txBody>
+      </p:sp>
     </p:spTree>
     <p:extLst>
       <p:ext uri="{BB962C8B-B14F-4D97-AF65-F5344CB8AC3E}">
@@ -10212,36 +9988,6 @@
             <a:endParaRPr lang="en-US" sz="2800">
               <a:latin typeface="Century Gothic" panose="020B0502020202020204" pitchFamily="34" charset="0"/>
             </a:endParaRPr>
-          </a:p>
-        </p:txBody>
-      </p:sp>
-      <p:sp>
-        <p:nvSpPr>
-          <p:cNvPr id="4" name="Date Placeholder 3">
-            <a:extLst>
-              <a:ext uri="{FF2B5EF4-FFF2-40B4-BE49-F238E27FC236}">
-                <a16:creationId xmlns:a16="http://schemas.microsoft.com/office/drawing/2014/main" id="{FB497113-4E89-1CAC-8F64-8E901EF4D66E}"/>
-              </a:ext>
-            </a:extLst>
-          </p:cNvPr>
-          <p:cNvSpPr>
-            <a:spLocks noGrp="1"/>
-          </p:cNvSpPr>
-          <p:nvPr>
-            <p:ph type="dt" sz="half" idx="10"/>
-          </p:nvPr>
-        </p:nvSpPr>
-        <p:spPr/>
-        <p:txBody>
-          <a:bodyPr/>
-          <a:lstStyle/>
-          <a:p>
-            <a:pPr algn="ctr"/>
-            <a:r>
-              <a:rPr lang="en-US"/>
-              <a:t>8/14/24</a:t>
-            </a:r>
-            <a:endParaRPr lang="en-US" dirty="0"/>
           </a:p>
         </p:txBody>
       </p:sp>
@@ -10627,10 +10373,10 @@
       </p:grpSp>
       <p:sp>
         <p:nvSpPr>
-          <p:cNvPr id="9" name="Slide Number Placeholder 8">
+          <p:cNvPr id="5" name="Slide Number Placeholder 4">
             <a:extLst>
               <a:ext uri="{FF2B5EF4-FFF2-40B4-BE49-F238E27FC236}">
-                <a16:creationId xmlns:a16="http://schemas.microsoft.com/office/drawing/2014/main" id="{A929ABBE-7B13-7216-ACA4-16FA57579A1F}"/>
+                <a16:creationId xmlns:a16="http://schemas.microsoft.com/office/drawing/2014/main" id="{53203E52-8AF5-19B3-4A61-14D28E24BF48}"/>
               </a:ext>
             </a:extLst>
           </p:cNvPr>
@@ -10791,35 +10537,6 @@
       </p:sp>
       <p:sp>
         <p:nvSpPr>
-          <p:cNvPr id="4" name="Date Placeholder 3">
-            <a:extLst>
-              <a:ext uri="{FF2B5EF4-FFF2-40B4-BE49-F238E27FC236}">
-                <a16:creationId xmlns:a16="http://schemas.microsoft.com/office/drawing/2014/main" id="{FB497113-4E89-1CAC-8F64-8E901EF4D66E}"/>
-              </a:ext>
-            </a:extLst>
-          </p:cNvPr>
-          <p:cNvSpPr>
-            <a:spLocks noGrp="1"/>
-          </p:cNvSpPr>
-          <p:nvPr>
-            <p:ph type="dt" sz="half" idx="10"/>
-          </p:nvPr>
-        </p:nvSpPr>
-        <p:spPr/>
-        <p:txBody>
-          <a:bodyPr/>
-          <a:lstStyle/>
-          <a:p>
-            <a:pPr algn="ctr"/>
-            <a:r>
-              <a:rPr lang="en-US" dirty="0"/>
-              <a:t>8/14/24</a:t>
-            </a:r>
-          </a:p>
-        </p:txBody>
-      </p:sp>
-      <p:sp>
-        <p:nvSpPr>
           <p:cNvPr id="22" name="TextBox 21">
             <a:extLst>
               <a:ext uri="{FF2B5EF4-FFF2-40B4-BE49-F238E27FC236}">
@@ -10939,10 +10656,10 @@
       </p:sp>
       <p:sp>
         <p:nvSpPr>
-          <p:cNvPr id="3" name="Slide Number Placeholder 2">
+          <p:cNvPr id="5" name="Slide Number Placeholder 4">
             <a:extLst>
               <a:ext uri="{FF2B5EF4-FFF2-40B4-BE49-F238E27FC236}">
-                <a16:creationId xmlns:a16="http://schemas.microsoft.com/office/drawing/2014/main" id="{91FA35DD-4DE7-AC61-0C57-A6F8C4847748}"/>
+                <a16:creationId xmlns:a16="http://schemas.microsoft.com/office/drawing/2014/main" id="{58C94BC1-9B76-278C-1BEE-01F5208DFE42}"/>
               </a:ext>
             </a:extLst>
           </p:cNvPr>
@@ -11128,39 +10845,9 @@
           </a:p>
         </p:txBody>
       </p:sp>
-      <p:sp>
-        <p:nvSpPr>
-          <p:cNvPr id="4" name="Date Placeholder 3">
-            <a:extLst>
-              <a:ext uri="{FF2B5EF4-FFF2-40B4-BE49-F238E27FC236}">
-                <a16:creationId xmlns:a16="http://schemas.microsoft.com/office/drawing/2014/main" id="{FB497113-4E89-1CAC-8F64-8E901EF4D66E}"/>
-              </a:ext>
-            </a:extLst>
-          </p:cNvPr>
-          <p:cNvSpPr>
-            <a:spLocks noGrp="1"/>
-          </p:cNvSpPr>
-          <p:nvPr>
-            <p:ph type="dt" sz="half" idx="10"/>
-          </p:nvPr>
-        </p:nvSpPr>
-        <p:spPr/>
-        <p:txBody>
-          <a:bodyPr/>
-          <a:lstStyle/>
-          <a:p>
-            <a:pPr algn="ctr"/>
-            <a:r>
-              <a:rPr lang="en-US"/>
-              <a:t>8/14/24</a:t>
-            </a:r>
-            <a:endParaRPr lang="en-US" dirty="0"/>
-          </a:p>
-        </p:txBody>
-      </p:sp>
       <p:pic>
         <p:nvPicPr>
-          <p:cNvPr id="5" name="Picture 4" descr="Comparison with other tools - EasyBuild tutorial">
+          <p:cNvPr id="5" name="Picture 4" descr="Spack package manager logo">
             <a:extLst>
               <a:ext uri="{FF2B5EF4-FFF2-40B4-BE49-F238E27FC236}">
                 <a16:creationId xmlns:a16="http://schemas.microsoft.com/office/drawing/2014/main" id="{AC23465F-3B47-1D27-B6EB-C1C0DD8D506D}"/>
@@ -11190,10 +10877,10 @@
       </p:pic>
       <p:sp>
         <p:nvSpPr>
-          <p:cNvPr id="6" name="Slide Number Placeholder 5">
+          <p:cNvPr id="7" name="Slide Number Placeholder 6">
             <a:extLst>
               <a:ext uri="{FF2B5EF4-FFF2-40B4-BE49-F238E27FC236}">
-                <a16:creationId xmlns:a16="http://schemas.microsoft.com/office/drawing/2014/main" id="{4644DB0E-448E-C55F-8F8F-838D3594F640}"/>
+                <a16:creationId xmlns:a16="http://schemas.microsoft.com/office/drawing/2014/main" id="{379928A1-2691-E604-8B78-870FE7DE018E}"/>
               </a:ext>
             </a:extLst>
           </p:cNvPr>
@@ -11426,10 +11113,10 @@
       </p:grpSpPr>
       <p:sp>
         <p:nvSpPr>
-          <p:cNvPr id="2" name="Title 1">
+          <p:cNvPr id="5" name="Slide Number Placeholder 4">
             <a:extLst>
               <a:ext uri="{FF2B5EF4-FFF2-40B4-BE49-F238E27FC236}">
-                <a16:creationId xmlns:a16="http://schemas.microsoft.com/office/drawing/2014/main" id="{6FADF519-AE7F-36C9-168F-1F04A49B8831}"/>
+                <a16:creationId xmlns:a16="http://schemas.microsoft.com/office/drawing/2014/main" id="{C833F1D0-7852-2168-0F8C-3615DAB0314C}"/>
               </a:ext>
             </a:extLst>
           </p:cNvPr>
@@ -11437,44 +11124,7 @@
             <a:spLocks noGrp="1"/>
           </p:cNvSpPr>
           <p:nvPr>
-            <p:ph type="title"/>
-          </p:nvPr>
-        </p:nvSpPr>
-        <p:spPr>
-          <a:xfrm>
-            <a:off x="-258896" y="365125"/>
-            <a:ext cx="8595176" cy="1348423"/>
-          </a:xfrm>
-        </p:spPr>
-        <p:txBody>
-          <a:bodyPr/>
-          <a:lstStyle/>
-          <a:p>
-            <a:pPr algn="ctr"/>
-            <a:r>
-              <a:rPr lang="en-US" b="1">
-                <a:latin typeface="Century Gothic"/>
-              </a:rPr>
-              <a:t>Simplifying Installations with</a:t>
-            </a:r>
-            <a:endParaRPr lang="en-US"/>
-          </a:p>
-        </p:txBody>
-      </p:sp>
-      <p:sp>
-        <p:nvSpPr>
-          <p:cNvPr id="4" name="Date Placeholder 3">
-            <a:extLst>
-              <a:ext uri="{FF2B5EF4-FFF2-40B4-BE49-F238E27FC236}">
-                <a16:creationId xmlns:a16="http://schemas.microsoft.com/office/drawing/2014/main" id="{FB497113-4E89-1CAC-8F64-8E901EF4D66E}"/>
-              </a:ext>
-            </a:extLst>
-          </p:cNvPr>
-          <p:cNvSpPr>
-            <a:spLocks noGrp="1"/>
-          </p:cNvSpPr>
-          <p:nvPr>
-            <p:ph type="dt" sz="half" idx="10"/>
+            <p:ph type="sldNum" sz="quarter" idx="12"/>
           </p:nvPr>
         </p:nvSpPr>
         <p:spPr/>
@@ -11482,18 +11132,17 @@
           <a:bodyPr/>
           <a:lstStyle/>
           <a:p>
-            <a:pPr algn="ctr"/>
-            <a:r>
-              <a:rPr lang="en-US"/>
-              <a:t>8/14/24</a:t>
-            </a:r>
-            <a:endParaRPr lang="en-US" dirty="0"/>
+            <a:fld id="{ABDA560F-461C-6043-9BC4-489BA92F7161}" type="slidenum">
+              <a:rPr lang="en-US" smtClean="0"/>
+              <a:t>23</a:t>
+            </a:fld>
+            <a:endParaRPr lang="en-US"/>
           </a:p>
         </p:txBody>
       </p:sp>
       <p:sp>
         <p:nvSpPr>
-          <p:cNvPr id="9" name="Rectangle 8">
+          <p:cNvPr id="9" name="Rectangle 8" descr="A graphic containing three separate bubbles, named env_1, env_2, and env_3, respectively. Each environment (bubble) has its own programs and dependencies depicted within, showing the sepearation of software between environments.">
             <a:extLst>
               <a:ext uri="{FF2B5EF4-FFF2-40B4-BE49-F238E27FC236}">
                 <a16:creationId xmlns:a16="http://schemas.microsoft.com/office/drawing/2014/main" id="{AED6EBB6-F155-BCFA-819A-B35196AF1D69}"/>
@@ -11660,120 +11309,6 @@
                   <a:latin typeface="Monaco" pitchFamily="2" charset="77"/>
                 </a:rPr>
                 <a:t>env_1</a:t>
-              </a:r>
-            </a:p>
-          </p:txBody>
-        </p:sp>
-      </p:grpSp>
-      <p:grpSp>
-        <p:nvGrpSpPr>
-          <p:cNvPr id="19" name="Group 18">
-            <a:extLst>
-              <a:ext uri="{FF2B5EF4-FFF2-40B4-BE49-F238E27FC236}">
-                <a16:creationId xmlns:a16="http://schemas.microsoft.com/office/drawing/2014/main" id="{5CB8E6C8-4AB3-F1BD-BCB6-7E085A99662F}"/>
-              </a:ext>
-            </a:extLst>
-          </p:cNvPr>
-          <p:cNvGrpSpPr/>
-          <p:nvPr/>
-        </p:nvGrpSpPr>
-        <p:grpSpPr>
-          <a:xfrm>
-            <a:off x="9429179" y="2471565"/>
-            <a:ext cx="2127857" cy="2127857"/>
-            <a:chOff x="9429179" y="2471565"/>
-            <a:chExt cx="2127857" cy="2127857"/>
-          </a:xfrm>
-        </p:grpSpPr>
-        <p:sp>
-          <p:nvSpPr>
-            <p:cNvPr id="11" name="Oval 10">
-              <a:extLst>
-                <a:ext uri="{FF2B5EF4-FFF2-40B4-BE49-F238E27FC236}">
-                  <a16:creationId xmlns:a16="http://schemas.microsoft.com/office/drawing/2014/main" id="{DED24AF5-4A22-905F-7D86-B5B33AC83345}"/>
-                </a:ext>
-              </a:extLst>
-            </p:cNvPr>
-            <p:cNvSpPr>
-              <a:spLocks noChangeAspect="1"/>
-            </p:cNvSpPr>
-            <p:nvPr/>
-          </p:nvSpPr>
-          <p:spPr>
-            <a:xfrm>
-              <a:off x="9429179" y="2471565"/>
-              <a:ext cx="2127857" cy="2127857"/>
-            </a:xfrm>
-            <a:prstGeom prst="ellipse">
-              <a:avLst/>
-            </a:prstGeom>
-            <a:solidFill>
-              <a:srgbClr val="D883FF"/>
-            </a:solidFill>
-            <a:ln>
-              <a:solidFill>
-                <a:schemeClr val="tx2"/>
-              </a:solidFill>
-            </a:ln>
-          </p:spPr>
-          <p:style>
-            <a:lnRef idx="2">
-              <a:schemeClr val="accent1">
-                <a:shade val="50000"/>
-              </a:schemeClr>
-            </a:lnRef>
-            <a:fillRef idx="1">
-              <a:schemeClr val="accent1"/>
-            </a:fillRef>
-            <a:effectRef idx="0">
-              <a:schemeClr val="accent1"/>
-            </a:effectRef>
-            <a:fontRef idx="minor">
-              <a:schemeClr val="lt1"/>
-            </a:fontRef>
-          </p:style>
-          <p:txBody>
-            <a:bodyPr rtlCol="0" anchor="ctr"/>
-            <a:lstStyle/>
-            <a:p>
-              <a:pPr algn="ctr"/>
-              <a:endParaRPr lang="en-US"/>
-            </a:p>
-          </p:txBody>
-        </p:sp>
-        <p:sp>
-          <p:nvSpPr>
-            <p:cNvPr id="15" name="TextBox 14">
-              <a:extLst>
-                <a:ext uri="{FF2B5EF4-FFF2-40B4-BE49-F238E27FC236}">
-                  <a16:creationId xmlns:a16="http://schemas.microsoft.com/office/drawing/2014/main" id="{6F3928BB-5CD7-8BDB-7E73-17B7353A4187}"/>
-                </a:ext>
-              </a:extLst>
-            </p:cNvPr>
-            <p:cNvSpPr txBox="1"/>
-            <p:nvPr/>
-          </p:nvSpPr>
-          <p:spPr>
-            <a:xfrm>
-              <a:off x="10027416" y="2615875"/>
-              <a:ext cx="1104405" cy="400110"/>
-            </a:xfrm>
-            <a:prstGeom prst="rect">
-              <a:avLst/>
-            </a:prstGeom>
-            <a:noFill/>
-          </p:spPr>
-          <p:txBody>
-            <a:bodyPr wrap="square" rtlCol="0">
-              <a:spAutoFit/>
-            </a:bodyPr>
-            <a:lstStyle/>
-            <a:p>
-              <a:r>
-                <a:rPr lang="en-US" sz="2000">
-                  <a:latin typeface="Monaco" pitchFamily="2" charset="77"/>
-                </a:rPr>
-                <a:t>env_2</a:t>
               </a:r>
             </a:p>
           </p:txBody>
@@ -11896,6 +11431,181 @@
           </p:txBody>
         </p:sp>
       </p:grpSp>
+      <p:grpSp>
+        <p:nvGrpSpPr>
+          <p:cNvPr id="19" name="Group 18">
+            <a:extLst>
+              <a:ext uri="{FF2B5EF4-FFF2-40B4-BE49-F238E27FC236}">
+                <a16:creationId xmlns:a16="http://schemas.microsoft.com/office/drawing/2014/main" id="{5CB8E6C8-4AB3-F1BD-BCB6-7E085A99662F}"/>
+              </a:ext>
+            </a:extLst>
+          </p:cNvPr>
+          <p:cNvGrpSpPr/>
+          <p:nvPr/>
+        </p:nvGrpSpPr>
+        <p:grpSpPr>
+          <a:xfrm>
+            <a:off x="9429179" y="2471565"/>
+            <a:ext cx="2127857" cy="2127857"/>
+            <a:chOff x="9429179" y="2471565"/>
+            <a:chExt cx="2127857" cy="2127857"/>
+          </a:xfrm>
+        </p:grpSpPr>
+        <p:sp>
+          <p:nvSpPr>
+            <p:cNvPr id="11" name="Oval 10">
+              <a:extLst>
+                <a:ext uri="{FF2B5EF4-FFF2-40B4-BE49-F238E27FC236}">
+                  <a16:creationId xmlns:a16="http://schemas.microsoft.com/office/drawing/2014/main" id="{DED24AF5-4A22-905F-7D86-B5B33AC83345}"/>
+                </a:ext>
+              </a:extLst>
+            </p:cNvPr>
+            <p:cNvSpPr>
+              <a:spLocks noChangeAspect="1"/>
+            </p:cNvSpPr>
+            <p:nvPr/>
+          </p:nvSpPr>
+          <p:spPr>
+            <a:xfrm>
+              <a:off x="9429179" y="2471565"/>
+              <a:ext cx="2127857" cy="2127857"/>
+            </a:xfrm>
+            <a:prstGeom prst="ellipse">
+              <a:avLst/>
+            </a:prstGeom>
+            <a:solidFill>
+              <a:srgbClr val="D883FF"/>
+            </a:solidFill>
+            <a:ln>
+              <a:solidFill>
+                <a:schemeClr val="tx2"/>
+              </a:solidFill>
+            </a:ln>
+          </p:spPr>
+          <p:style>
+            <a:lnRef idx="2">
+              <a:schemeClr val="accent1">
+                <a:shade val="50000"/>
+              </a:schemeClr>
+            </a:lnRef>
+            <a:fillRef idx="1">
+              <a:schemeClr val="accent1"/>
+            </a:fillRef>
+            <a:effectRef idx="0">
+              <a:schemeClr val="accent1"/>
+            </a:effectRef>
+            <a:fontRef idx="minor">
+              <a:schemeClr val="lt1"/>
+            </a:fontRef>
+          </p:style>
+          <p:txBody>
+            <a:bodyPr rtlCol="0" anchor="ctr"/>
+            <a:lstStyle/>
+            <a:p>
+              <a:pPr algn="ctr"/>
+              <a:endParaRPr lang="en-US"/>
+            </a:p>
+          </p:txBody>
+        </p:sp>
+        <p:sp>
+          <p:nvSpPr>
+            <p:cNvPr id="15" name="TextBox 14">
+              <a:extLst>
+                <a:ext uri="{FF2B5EF4-FFF2-40B4-BE49-F238E27FC236}">
+                  <a16:creationId xmlns:a16="http://schemas.microsoft.com/office/drawing/2014/main" id="{6F3928BB-5CD7-8BDB-7E73-17B7353A4187}"/>
+                </a:ext>
+              </a:extLst>
+            </p:cNvPr>
+            <p:cNvSpPr txBox="1"/>
+            <p:nvPr/>
+          </p:nvSpPr>
+          <p:spPr>
+            <a:xfrm>
+              <a:off x="10027416" y="2615875"/>
+              <a:ext cx="1104405" cy="400110"/>
+            </a:xfrm>
+            <a:prstGeom prst="rect">
+              <a:avLst/>
+            </a:prstGeom>
+            <a:noFill/>
+          </p:spPr>
+          <p:txBody>
+            <a:bodyPr wrap="square" rtlCol="0">
+              <a:spAutoFit/>
+            </a:bodyPr>
+            <a:lstStyle/>
+            <a:p>
+              <a:r>
+                <a:rPr lang="en-US" sz="2000">
+                  <a:latin typeface="Monaco" pitchFamily="2" charset="77"/>
+                </a:rPr>
+                <a:t>env_2</a:t>
+              </a:r>
+            </a:p>
+          </p:txBody>
+        </p:sp>
+      </p:grpSp>
+      <p:sp>
+        <p:nvSpPr>
+          <p:cNvPr id="24" name="TextBox 23">
+            <a:extLst>
+              <a:ext uri="{FF2B5EF4-FFF2-40B4-BE49-F238E27FC236}">
+                <a16:creationId xmlns:a16="http://schemas.microsoft.com/office/drawing/2014/main" id="{9AB0F207-8E0C-A5E6-2BBA-711A040B6E36}"/>
+              </a:ext>
+            </a:extLst>
+          </p:cNvPr>
+          <p:cNvSpPr txBox="1"/>
+          <p:nvPr/>
+        </p:nvSpPr>
+        <p:spPr>
+          <a:xfrm>
+            <a:off x="9879566" y="3039012"/>
+            <a:ext cx="2504509" cy="1200329"/>
+          </a:xfrm>
+          <a:prstGeom prst="rect">
+            <a:avLst/>
+          </a:prstGeom>
+          <a:noFill/>
+        </p:spPr>
+        <p:txBody>
+          <a:bodyPr wrap="square" lIns="91440" tIns="45720" rIns="91440" bIns="45720" rtlCol="0" anchor="t">
+            <a:spAutoFit/>
+          </a:bodyPr>
+          <a:lstStyle/>
+          <a:p>
+            <a:r>
+              <a:rPr lang="en-US" dirty="0">
+                <a:latin typeface="Monaco"/>
+              </a:rPr>
+              <a:t>Program B</a:t>
+            </a:r>
+          </a:p>
+          <a:p>
+            <a:r>
+              <a:rPr lang="en-US" dirty="0">
+                <a:latin typeface="Monaco"/>
+              </a:rPr>
+              <a:t>dependency: </a:t>
+            </a:r>
+          </a:p>
+          <a:p>
+            <a:r>
+              <a:rPr lang="en-US" dirty="0">
+                <a:latin typeface="Monaco"/>
+              </a:rPr>
+              <a:t>Program Y </a:t>
+            </a:r>
+          </a:p>
+          <a:p>
+            <a:r>
+              <a:rPr lang="en-US" dirty="0">
+                <a:latin typeface="Monaco"/>
+              </a:rPr>
+              <a:t>(v2.0) </a:t>
+            </a:r>
+          </a:p>
+        </p:txBody>
+      </p:sp>
       <p:sp>
         <p:nvSpPr>
           <p:cNvPr id="22" name="TextBox 21">
@@ -11925,72 +11635,139 @@
           <a:lstStyle/>
           <a:p>
             <a:r>
-              <a:rPr lang="en-US" sz="2400">
+              <a:rPr lang="en-US" sz="2400" dirty="0">
                 <a:latin typeface="Century Gothic" panose="020B0502020202020204" pitchFamily="34" charset="0"/>
               </a:rPr>
               <a:t>Think of virtual environments as self-contained bubbles.</a:t>
             </a:r>
           </a:p>
           <a:p>
-            <a:endParaRPr lang="en-US" sz="2400">
+            <a:endParaRPr lang="en-US" sz="2400" dirty="0">
               <a:latin typeface="Century Gothic" panose="020B0502020202020204" pitchFamily="34" charset="0"/>
             </a:endParaRPr>
           </a:p>
           <a:p>
             <a:r>
-              <a:rPr lang="en-US" sz="2400">
+              <a:rPr lang="en-US" sz="2400" dirty="0">
                 <a:latin typeface="Monaco" pitchFamily="2" charset="77"/>
               </a:rPr>
               <a:t>env_1 </a:t>
             </a:r>
             <a:r>
-              <a:rPr lang="en-US" sz="2400">
+              <a:rPr lang="en-US" sz="2400" dirty="0">
                 <a:latin typeface="Century Gothic" panose="020B0502020202020204" pitchFamily="34" charset="0"/>
               </a:rPr>
               <a:t>contains all the dependencies of ‘Program A’.</a:t>
             </a:r>
           </a:p>
           <a:p>
-            <a:endParaRPr lang="en-US" sz="2400">
+            <a:endParaRPr lang="en-US" sz="2400" dirty="0">
               <a:latin typeface="Century Gothic" panose="020B0502020202020204" pitchFamily="34" charset="0"/>
             </a:endParaRPr>
           </a:p>
           <a:p>
             <a:r>
-              <a:rPr lang="en-US" sz="2400">
+              <a:rPr lang="en-US" sz="2400" dirty="0">
                 <a:latin typeface="Monaco" pitchFamily="2" charset="77"/>
               </a:rPr>
               <a:t>env_2</a:t>
             </a:r>
             <a:r>
-              <a:rPr lang="en-US" sz="2400">
+              <a:rPr lang="en-US" sz="2400" dirty="0">
                 <a:latin typeface="Century Gothic" panose="020B0502020202020204" pitchFamily="34" charset="0"/>
               </a:rPr>
               <a:t> contains all the dependencies of ‘Program B’.</a:t>
             </a:r>
           </a:p>
           <a:p>
-            <a:endParaRPr lang="en-US" sz="2400">
+            <a:endParaRPr lang="en-US" sz="2400" dirty="0">
               <a:latin typeface="Century Gothic" panose="020B0502020202020204" pitchFamily="34" charset="0"/>
             </a:endParaRPr>
           </a:p>
           <a:p>
             <a:r>
-              <a:rPr lang="en-US" sz="2400">
+              <a:rPr lang="en-US" sz="2400" dirty="0">
                 <a:latin typeface="Century Gothic" panose="020B0502020202020204" pitchFamily="34" charset="0"/>
               </a:rPr>
               <a:t>The environments do not interact.</a:t>
             </a:r>
           </a:p>
           <a:p>
-            <a:endParaRPr lang="en-US" sz="2800" b="1">
+            <a:endParaRPr lang="en-US" sz="2800" b="1" dirty="0">
               <a:latin typeface="Century Gothic" panose="020B0502020202020204" pitchFamily="34" charset="0"/>
             </a:endParaRPr>
           </a:p>
           <a:p>
-            <a:endParaRPr lang="en-US" sz="2800" b="1">
+            <a:endParaRPr lang="en-US" sz="2800" b="1" dirty="0">
               <a:latin typeface="Century Gothic" panose="020B0502020202020204" pitchFamily="34" charset="0"/>
             </a:endParaRPr>
+          </a:p>
+        </p:txBody>
+      </p:sp>
+      <p:pic>
+        <p:nvPicPr>
+          <p:cNvPr id="6" name="Picture 5" descr="Spack package manager logo">
+            <a:extLst>
+              <a:ext uri="{FF2B5EF4-FFF2-40B4-BE49-F238E27FC236}">
+                <a16:creationId xmlns:a16="http://schemas.microsoft.com/office/drawing/2014/main" id="{57270B6F-FC9B-2156-B75D-845CB291508C}"/>
+              </a:ext>
+            </a:extLst>
+          </p:cNvPr>
+          <p:cNvPicPr>
+            <a:picLocks noChangeAspect="1"/>
+          </p:cNvPicPr>
+          <p:nvPr/>
+        </p:nvPicPr>
+        <p:blipFill>
+          <a:blip r:embed="rId2"/>
+          <a:stretch>
+            <a:fillRect/>
+          </a:stretch>
+        </p:blipFill>
+        <p:spPr>
+          <a:xfrm>
+            <a:off x="7973248" y="516545"/>
+            <a:ext cx="3624942" cy="1043901"/>
+          </a:xfrm>
+          <a:prstGeom prst="rect">
+            <a:avLst/>
+          </a:prstGeom>
+        </p:spPr>
+      </p:pic>
+      <p:sp>
+        <p:nvSpPr>
+          <p:cNvPr id="2" name="Title 1">
+            <a:extLst>
+              <a:ext uri="{FF2B5EF4-FFF2-40B4-BE49-F238E27FC236}">
+                <a16:creationId xmlns:a16="http://schemas.microsoft.com/office/drawing/2014/main" id="{6FADF519-AE7F-36C9-168F-1F04A49B8831}"/>
+              </a:ext>
+            </a:extLst>
+          </p:cNvPr>
+          <p:cNvSpPr>
+            <a:spLocks noGrp="1"/>
+          </p:cNvSpPr>
+          <p:nvPr>
+            <p:ph type="title"/>
+          </p:nvPr>
+        </p:nvSpPr>
+        <p:spPr>
+          <a:xfrm>
+            <a:off x="-258896" y="365125"/>
+            <a:ext cx="8595176" cy="1348423"/>
+          </a:xfrm>
+        </p:spPr>
+        <p:txBody>
+          <a:bodyPr/>
+          <a:lstStyle/>
+          <a:p>
+            <a:pPr algn="ctr"/>
+            <a:r>
+              <a:rPr lang="en-US" b="1" dirty="0">
+                <a:latin typeface="Century Gothic"/>
+              </a:rPr>
+              <a:t>Simplifying Installations with</a:t>
+            </a:r>
+            <a:endParaRPr lang="en-US" dirty="0"/>
           </a:p>
         </p:txBody>
       </p:sp>
@@ -12056,126 +11833,6 @@
           </a:p>
         </p:txBody>
       </p:sp>
-      <p:sp>
-        <p:nvSpPr>
-          <p:cNvPr id="24" name="TextBox 23">
-            <a:extLst>
-              <a:ext uri="{FF2B5EF4-FFF2-40B4-BE49-F238E27FC236}">
-                <a16:creationId xmlns:a16="http://schemas.microsoft.com/office/drawing/2014/main" id="{9AB0F207-8E0C-A5E6-2BBA-711A040B6E36}"/>
-              </a:ext>
-            </a:extLst>
-          </p:cNvPr>
-          <p:cNvSpPr txBox="1"/>
-          <p:nvPr/>
-        </p:nvSpPr>
-        <p:spPr>
-          <a:xfrm>
-            <a:off x="9879566" y="3039012"/>
-            <a:ext cx="2504509" cy="1200329"/>
-          </a:xfrm>
-          <a:prstGeom prst="rect">
-            <a:avLst/>
-          </a:prstGeom>
-          <a:noFill/>
-        </p:spPr>
-        <p:txBody>
-          <a:bodyPr wrap="square" lIns="91440" tIns="45720" rIns="91440" bIns="45720" rtlCol="0" anchor="t">
-            <a:spAutoFit/>
-          </a:bodyPr>
-          <a:lstStyle/>
-          <a:p>
-            <a:r>
-              <a:rPr lang="en-US" dirty="0">
-                <a:latin typeface="Monaco"/>
-              </a:rPr>
-              <a:t>Program B</a:t>
-            </a:r>
-          </a:p>
-          <a:p>
-            <a:r>
-              <a:rPr lang="en-US" dirty="0">
-                <a:latin typeface="Monaco"/>
-              </a:rPr>
-              <a:t>dependency: </a:t>
-            </a:r>
-          </a:p>
-          <a:p>
-            <a:r>
-              <a:rPr lang="en-US" dirty="0">
-                <a:latin typeface="Monaco"/>
-              </a:rPr>
-              <a:t>Program Y </a:t>
-            </a:r>
-          </a:p>
-          <a:p>
-            <a:r>
-              <a:rPr lang="en-US" dirty="0">
-                <a:latin typeface="Monaco"/>
-              </a:rPr>
-              <a:t>(v2.0) </a:t>
-            </a:r>
-          </a:p>
-        </p:txBody>
-      </p:sp>
-      <p:sp>
-        <p:nvSpPr>
-          <p:cNvPr id="3" name="Slide Number Placeholder 2">
-            <a:extLst>
-              <a:ext uri="{FF2B5EF4-FFF2-40B4-BE49-F238E27FC236}">
-                <a16:creationId xmlns:a16="http://schemas.microsoft.com/office/drawing/2014/main" id="{38B08302-9BD0-8329-A11D-F8B7F84DB6AD}"/>
-              </a:ext>
-            </a:extLst>
-          </p:cNvPr>
-          <p:cNvSpPr>
-            <a:spLocks noGrp="1"/>
-          </p:cNvSpPr>
-          <p:nvPr>
-            <p:ph type="sldNum" sz="quarter" idx="12"/>
-          </p:nvPr>
-        </p:nvSpPr>
-        <p:spPr/>
-        <p:txBody>
-          <a:bodyPr/>
-          <a:lstStyle/>
-          <a:p>
-            <a:fld id="{ABDA560F-461C-6043-9BC4-489BA92F7161}" type="slidenum">
-              <a:rPr lang="en-US" smtClean="0"/>
-              <a:t>23</a:t>
-            </a:fld>
-            <a:endParaRPr lang="en-US"/>
-          </a:p>
-        </p:txBody>
-      </p:sp>
-      <p:pic>
-        <p:nvPicPr>
-          <p:cNvPr id="6" name="Picture 5" descr="Comparison with other tools - EasyBuild tutorial">
-            <a:extLst>
-              <a:ext uri="{FF2B5EF4-FFF2-40B4-BE49-F238E27FC236}">
-                <a16:creationId xmlns:a16="http://schemas.microsoft.com/office/drawing/2014/main" id="{57270B6F-FC9B-2156-B75D-845CB291508C}"/>
-              </a:ext>
-            </a:extLst>
-          </p:cNvPr>
-          <p:cNvPicPr>
-            <a:picLocks noChangeAspect="1"/>
-          </p:cNvPicPr>
-          <p:nvPr/>
-        </p:nvPicPr>
-        <p:blipFill>
-          <a:blip r:embed="rId2"/>
-          <a:stretch>
-            <a:fillRect/>
-          </a:stretch>
-        </p:blipFill>
-        <p:spPr>
-          <a:xfrm>
-            <a:off x="7973248" y="516545"/>
-            <a:ext cx="3624942" cy="1043901"/>
-          </a:xfrm>
-          <a:prstGeom prst="rect">
-            <a:avLst/>
-          </a:prstGeom>
-        </p:spPr>
-      </p:pic>
     </p:spTree>
     <p:extLst>
       <p:ext uri="{BB962C8B-B14F-4D97-AF65-F5344CB8AC3E}">
@@ -12417,8 +12074,8 @@
       </p:par>
     </p:tnLst>
     <p:bldLst>
+      <p:bldP spid="24" grpId="0"/>
       <p:bldP spid="23" grpId="0"/>
-      <p:bldP spid="24" grpId="0"/>
     </p:bldLst>
   </p:timing>
 </p:sld>
@@ -12468,42 +12125,12 @@
           <a:lstStyle/>
           <a:p>
             <a:r>
-              <a:rPr lang="en-US" b="1">
+              <a:rPr lang="en-US" b="1" dirty="0">
                 <a:latin typeface="Century Gothic"/>
                 <a:ea typeface="+mj-lt"/>
                 <a:cs typeface="+mj-lt"/>
               </a:rPr>
               <a:t>Simplifying Installations with</a:t>
-            </a:r>
-            <a:endParaRPr lang="en-US"/>
-          </a:p>
-        </p:txBody>
-      </p:sp>
-      <p:sp>
-        <p:nvSpPr>
-          <p:cNvPr id="4" name="Date Placeholder 3">
-            <a:extLst>
-              <a:ext uri="{FF2B5EF4-FFF2-40B4-BE49-F238E27FC236}">
-                <a16:creationId xmlns:a16="http://schemas.microsoft.com/office/drawing/2014/main" id="{FB497113-4E89-1CAC-8F64-8E901EF4D66E}"/>
-              </a:ext>
-            </a:extLst>
-          </p:cNvPr>
-          <p:cNvSpPr>
-            <a:spLocks noGrp="1"/>
-          </p:cNvSpPr>
-          <p:nvPr>
-            <p:ph type="dt" sz="half" idx="10"/>
-          </p:nvPr>
-        </p:nvSpPr>
-        <p:spPr/>
-        <p:txBody>
-          <a:bodyPr/>
-          <a:lstStyle/>
-          <a:p>
-            <a:pPr algn="ctr"/>
-            <a:r>
-              <a:rPr lang="en-US"/>
-              <a:t>8/14/24</a:t>
             </a:r>
             <a:endParaRPr lang="en-US" dirty="0"/>
           </a:p>
@@ -12612,38 +12239,9 @@
           </a:p>
         </p:txBody>
       </p:sp>
-      <p:sp>
-        <p:nvSpPr>
-          <p:cNvPr id="3" name="Slide Number Placeholder 2">
-            <a:extLst>
-              <a:ext uri="{FF2B5EF4-FFF2-40B4-BE49-F238E27FC236}">
-                <a16:creationId xmlns:a16="http://schemas.microsoft.com/office/drawing/2014/main" id="{F85C6DB9-016A-9656-9C25-4B17D6195A02}"/>
-              </a:ext>
-            </a:extLst>
-          </p:cNvPr>
-          <p:cNvSpPr>
-            <a:spLocks noGrp="1"/>
-          </p:cNvSpPr>
-          <p:nvPr>
-            <p:ph type="sldNum" sz="quarter" idx="12"/>
-          </p:nvPr>
-        </p:nvSpPr>
-        <p:spPr/>
-        <p:txBody>
-          <a:bodyPr/>
-          <a:lstStyle/>
-          <a:p>
-            <a:fld id="{ABDA560F-461C-6043-9BC4-489BA92F7161}" type="slidenum">
-              <a:rPr lang="en-US" smtClean="0"/>
-              <a:t>24</a:t>
-            </a:fld>
-            <a:endParaRPr lang="en-US"/>
-          </a:p>
-        </p:txBody>
-      </p:sp>
       <p:pic>
         <p:nvPicPr>
-          <p:cNvPr id="6" name="Picture 5" descr="Comparison with other tools - EasyBuild tutorial">
+          <p:cNvPr id="6" name="Picture 5" descr="Spack package manager logo">
             <a:extLst>
               <a:ext uri="{FF2B5EF4-FFF2-40B4-BE49-F238E27FC236}">
                 <a16:creationId xmlns:a16="http://schemas.microsoft.com/office/drawing/2014/main" id="{CD67DCD0-2082-86A3-D932-48CA32777EA8}"/>
@@ -12671,6 +12269,35 @@
           </a:prstGeom>
         </p:spPr>
       </p:pic>
+      <p:sp>
+        <p:nvSpPr>
+          <p:cNvPr id="5" name="Slide Number Placeholder 4">
+            <a:extLst>
+              <a:ext uri="{FF2B5EF4-FFF2-40B4-BE49-F238E27FC236}">
+                <a16:creationId xmlns:a16="http://schemas.microsoft.com/office/drawing/2014/main" id="{88C26C45-02B0-E27B-5A70-E103D0AAF753}"/>
+              </a:ext>
+            </a:extLst>
+          </p:cNvPr>
+          <p:cNvSpPr>
+            <a:spLocks noGrp="1"/>
+          </p:cNvSpPr>
+          <p:nvPr>
+            <p:ph type="sldNum" sz="quarter" idx="12"/>
+          </p:nvPr>
+        </p:nvSpPr>
+        <p:spPr/>
+        <p:txBody>
+          <a:bodyPr/>
+          <a:lstStyle/>
+          <a:p>
+            <a:fld id="{ABDA560F-461C-6043-9BC4-489BA92F7161}" type="slidenum">
+              <a:rPr lang="en-US" smtClean="0"/>
+              <a:t>24</a:t>
+            </a:fld>
+            <a:endParaRPr lang="en-US"/>
+          </a:p>
+        </p:txBody>
+      </p:sp>
     </p:spTree>
     <p:extLst>
       <p:ext uri="{BB962C8B-B14F-4D97-AF65-F5344CB8AC3E}">
@@ -12911,36 +12538,6 @@
               <a:t>Simplifying Installations with </a:t>
             </a:r>
             <a:endParaRPr lang="en-US"/>
-          </a:p>
-        </p:txBody>
-      </p:sp>
-      <p:sp>
-        <p:nvSpPr>
-          <p:cNvPr id="4" name="Date Placeholder 3">
-            <a:extLst>
-              <a:ext uri="{FF2B5EF4-FFF2-40B4-BE49-F238E27FC236}">
-                <a16:creationId xmlns:a16="http://schemas.microsoft.com/office/drawing/2014/main" id="{FB497113-4E89-1CAC-8F64-8E901EF4D66E}"/>
-              </a:ext>
-            </a:extLst>
-          </p:cNvPr>
-          <p:cNvSpPr>
-            <a:spLocks noGrp="1"/>
-          </p:cNvSpPr>
-          <p:nvPr>
-            <p:ph type="dt" sz="half" idx="10"/>
-          </p:nvPr>
-        </p:nvSpPr>
-        <p:spPr/>
-        <p:txBody>
-          <a:bodyPr/>
-          <a:lstStyle/>
-          <a:p>
-            <a:pPr algn="ctr"/>
-            <a:r>
-              <a:rPr lang="en-US"/>
-              <a:t>8/14/24</a:t>
-            </a:r>
-            <a:endParaRPr lang="en-US" dirty="0"/>
           </a:p>
         </p:txBody>
       </p:sp>
@@ -13489,8 +13086,8 @@
         </p:nvSpPr>
         <p:spPr>
           <a:xfrm>
-            <a:off x="686086" y="5239734"/>
-            <a:ext cx="10515600" cy="688316"/>
+            <a:off x="398294" y="5246505"/>
+            <a:ext cx="11222205" cy="688316"/>
           </a:xfrm>
           <a:prstGeom prst="rect">
             <a:avLst/>
@@ -13498,7 +13095,7 @@
         </p:spPr>
         <p:txBody>
           <a:bodyPr vert="horz" lIns="91440" tIns="45720" rIns="91440" bIns="45720" rtlCol="0" anchor="t">
-            <a:normAutofit fontScale="92500"/>
+            <a:normAutofit/>
           </a:bodyPr>
           <a:lstStyle>
             <a:lvl1pPr marL="228600" indent="-228600" algn="l" defTabSz="914400" rtl="0" eaLnBrk="1" latinLnBrk="0" hangingPunct="1">
@@ -13665,19 +13262,19 @@
             </a:lvl9pPr>
           </a:lstStyle>
           <a:p>
-            <a:pPr marL="0" indent="0">
+            <a:pPr marL="0" indent="0" algn="ctr">
               <a:buNone/>
             </a:pPr>
             <a:r>
-              <a:rPr lang="en-US" sz="3600" i="1" dirty="0">
+              <a:rPr lang="en-US" sz="3000" i="1" dirty="0">
                 <a:solidFill>
                   <a:srgbClr val="FF0000"/>
                 </a:solidFill>
                 <a:latin typeface="Century Gothic"/>
               </a:rPr>
-              <a:t>Don’t install packages outside of an environment!</a:t>
-            </a:r>
-            <a:endParaRPr lang="en-US" sz="3600" i="1" dirty="0">
+              <a:t>Warning: Don’t install packages outside of an environment!</a:t>
+            </a:r>
+            <a:endParaRPr lang="en-US" sz="3000" i="1" dirty="0">
               <a:solidFill>
                 <a:srgbClr val="FF0000"/>
               </a:solidFill>
@@ -13686,38 +13283,9 @@
           </a:p>
         </p:txBody>
       </p:sp>
-      <p:sp>
-        <p:nvSpPr>
-          <p:cNvPr id="11" name="Slide Number Placeholder 10">
-            <a:extLst>
-              <a:ext uri="{FF2B5EF4-FFF2-40B4-BE49-F238E27FC236}">
-                <a16:creationId xmlns:a16="http://schemas.microsoft.com/office/drawing/2014/main" id="{03791185-81D8-6826-D89E-326741747F89}"/>
-              </a:ext>
-            </a:extLst>
-          </p:cNvPr>
-          <p:cNvSpPr>
-            <a:spLocks noGrp="1"/>
-          </p:cNvSpPr>
-          <p:nvPr>
-            <p:ph type="sldNum" sz="quarter" idx="12"/>
-          </p:nvPr>
-        </p:nvSpPr>
-        <p:spPr/>
-        <p:txBody>
-          <a:bodyPr/>
-          <a:lstStyle/>
-          <a:p>
-            <a:fld id="{ABDA560F-461C-6043-9BC4-489BA92F7161}" type="slidenum">
-              <a:rPr lang="en-US" smtClean="0"/>
-              <a:t>25</a:t>
-            </a:fld>
-            <a:endParaRPr lang="en-US"/>
-          </a:p>
-        </p:txBody>
-      </p:sp>
       <p:pic>
         <p:nvPicPr>
-          <p:cNvPr id="12" name="Picture 11" descr="Comparison with other tools - EasyBuild tutorial">
+          <p:cNvPr id="12" name="Picture 11" descr="Spack package manager logo">
             <a:extLst>
               <a:ext uri="{FF2B5EF4-FFF2-40B4-BE49-F238E27FC236}">
                 <a16:creationId xmlns:a16="http://schemas.microsoft.com/office/drawing/2014/main" id="{67B42571-94E1-B91D-5E5D-15899CECD221}"/>
@@ -13745,6 +13313,35 @@
           </a:prstGeom>
         </p:spPr>
       </p:pic>
+      <p:sp>
+        <p:nvSpPr>
+          <p:cNvPr id="5" name="Slide Number Placeholder 4">
+            <a:extLst>
+              <a:ext uri="{FF2B5EF4-FFF2-40B4-BE49-F238E27FC236}">
+                <a16:creationId xmlns:a16="http://schemas.microsoft.com/office/drawing/2014/main" id="{DCB72A79-4089-008D-BAB4-1453F6F3A4C5}"/>
+              </a:ext>
+            </a:extLst>
+          </p:cNvPr>
+          <p:cNvSpPr>
+            <a:spLocks noGrp="1"/>
+          </p:cNvSpPr>
+          <p:nvPr>
+            <p:ph type="sldNum" sz="quarter" idx="12"/>
+          </p:nvPr>
+        </p:nvSpPr>
+        <p:spPr/>
+        <p:txBody>
+          <a:bodyPr/>
+          <a:lstStyle/>
+          <a:p>
+            <a:fld id="{ABDA560F-461C-6043-9BC4-489BA92F7161}" type="slidenum">
+              <a:rPr lang="en-US" smtClean="0"/>
+              <a:t>25</a:t>
+            </a:fld>
+            <a:endParaRPr lang="en-US"/>
+          </a:p>
+        </p:txBody>
+      </p:sp>
     </p:spTree>
     <p:extLst>
       <p:ext uri="{BB962C8B-B14F-4D97-AF65-F5344CB8AC3E}">
@@ -13931,36 +13528,6 @@
               <a:t>Simplifying Installations with </a:t>
             </a:r>
             <a:endParaRPr lang="en-US"/>
-          </a:p>
-        </p:txBody>
-      </p:sp>
-      <p:sp>
-        <p:nvSpPr>
-          <p:cNvPr id="4" name="Date Placeholder 3">
-            <a:extLst>
-              <a:ext uri="{FF2B5EF4-FFF2-40B4-BE49-F238E27FC236}">
-                <a16:creationId xmlns:a16="http://schemas.microsoft.com/office/drawing/2014/main" id="{FB497113-4E89-1CAC-8F64-8E901EF4D66E}"/>
-              </a:ext>
-            </a:extLst>
-          </p:cNvPr>
-          <p:cNvSpPr>
-            <a:spLocks noGrp="1"/>
-          </p:cNvSpPr>
-          <p:nvPr>
-            <p:ph type="dt" sz="half" idx="10"/>
-          </p:nvPr>
-        </p:nvSpPr>
-        <p:spPr/>
-        <p:txBody>
-          <a:bodyPr/>
-          <a:lstStyle/>
-          <a:p>
-            <a:pPr algn="ctr"/>
-            <a:r>
-              <a:rPr lang="en-US"/>
-              <a:t>8/14/24</a:t>
-            </a:r>
-            <a:endParaRPr lang="en-US" dirty="0"/>
           </a:p>
         </p:txBody>
       </p:sp>
@@ -14670,38 +14237,9 @@
           </a:p>
         </p:txBody>
       </p:sp>
-      <p:sp>
-        <p:nvSpPr>
-          <p:cNvPr id="9" name="Slide Number Placeholder 8">
-            <a:extLst>
-              <a:ext uri="{FF2B5EF4-FFF2-40B4-BE49-F238E27FC236}">
-                <a16:creationId xmlns:a16="http://schemas.microsoft.com/office/drawing/2014/main" id="{13751AC1-75A3-ADBF-B2BB-D4E05230DDB9}"/>
-              </a:ext>
-            </a:extLst>
-          </p:cNvPr>
-          <p:cNvSpPr>
-            <a:spLocks noGrp="1"/>
-          </p:cNvSpPr>
-          <p:nvPr>
-            <p:ph type="sldNum" sz="quarter" idx="12"/>
-          </p:nvPr>
-        </p:nvSpPr>
-        <p:spPr/>
-        <p:txBody>
-          <a:bodyPr/>
-          <a:lstStyle/>
-          <a:p>
-            <a:fld id="{ABDA560F-461C-6043-9BC4-489BA92F7161}" type="slidenum">
-              <a:rPr lang="en-US" smtClean="0"/>
-              <a:t>26</a:t>
-            </a:fld>
-            <a:endParaRPr lang="en-US"/>
-          </a:p>
-        </p:txBody>
-      </p:sp>
       <p:pic>
         <p:nvPicPr>
-          <p:cNvPr id="12" name="Picture 11" descr="Comparison with other tools - EasyBuild tutorial">
+          <p:cNvPr id="12" name="Picture 11" descr="Spack package manager logo">
             <a:extLst>
               <a:ext uri="{FF2B5EF4-FFF2-40B4-BE49-F238E27FC236}">
                 <a16:creationId xmlns:a16="http://schemas.microsoft.com/office/drawing/2014/main" id="{7DED75B5-96F1-7A06-8621-542EB71785E6}"/>
@@ -14729,6 +14267,35 @@
           </a:prstGeom>
         </p:spPr>
       </p:pic>
+      <p:sp>
+        <p:nvSpPr>
+          <p:cNvPr id="5" name="Slide Number Placeholder 4">
+            <a:extLst>
+              <a:ext uri="{FF2B5EF4-FFF2-40B4-BE49-F238E27FC236}">
+                <a16:creationId xmlns:a16="http://schemas.microsoft.com/office/drawing/2014/main" id="{E99C5286-102C-7054-8253-926C6B3F1555}"/>
+              </a:ext>
+            </a:extLst>
+          </p:cNvPr>
+          <p:cNvSpPr>
+            <a:spLocks noGrp="1"/>
+          </p:cNvSpPr>
+          <p:nvPr>
+            <p:ph type="sldNum" sz="quarter" idx="12"/>
+          </p:nvPr>
+        </p:nvSpPr>
+        <p:spPr/>
+        <p:txBody>
+          <a:bodyPr/>
+          <a:lstStyle/>
+          <a:p>
+            <a:fld id="{ABDA560F-461C-6043-9BC4-489BA92F7161}" type="slidenum">
+              <a:rPr lang="en-US" smtClean="0"/>
+              <a:t>26</a:t>
+            </a:fld>
+            <a:endParaRPr lang="en-US"/>
+          </a:p>
+        </p:txBody>
+      </p:sp>
     </p:spTree>
     <p:extLst>
       <p:ext uri="{BB962C8B-B14F-4D97-AF65-F5344CB8AC3E}">
@@ -14976,39 +14543,9 @@
           </a:p>
         </p:txBody>
       </p:sp>
-      <p:sp>
-        <p:nvSpPr>
-          <p:cNvPr id="4" name="Date Placeholder 3">
-            <a:extLst>
-              <a:ext uri="{FF2B5EF4-FFF2-40B4-BE49-F238E27FC236}">
-                <a16:creationId xmlns:a16="http://schemas.microsoft.com/office/drawing/2014/main" id="{FB497113-4E89-1CAC-8F64-8E901EF4D66E}"/>
-              </a:ext>
-            </a:extLst>
-          </p:cNvPr>
-          <p:cNvSpPr>
-            <a:spLocks noGrp="1"/>
-          </p:cNvSpPr>
-          <p:nvPr>
-            <p:ph type="dt" sz="half" idx="10"/>
-          </p:nvPr>
-        </p:nvSpPr>
-        <p:spPr/>
-        <p:txBody>
-          <a:bodyPr/>
-          <a:lstStyle/>
-          <a:p>
-            <a:pPr algn="ctr"/>
-            <a:r>
-              <a:rPr lang="en-US"/>
-              <a:t>8/14/24</a:t>
-            </a:r>
-            <a:endParaRPr lang="en-US" dirty="0"/>
-          </a:p>
-        </p:txBody>
-      </p:sp>
       <p:pic>
         <p:nvPicPr>
-          <p:cNvPr id="5" name="Picture 4" descr="Comparison with other tools - EasyBuild tutorial">
+          <p:cNvPr id="5" name="Picture 4" descr="Spack package manager logo">
             <a:extLst>
               <a:ext uri="{FF2B5EF4-FFF2-40B4-BE49-F238E27FC236}">
                 <a16:creationId xmlns:a16="http://schemas.microsoft.com/office/drawing/2014/main" id="{AC23465F-3B47-1D27-B6EB-C1C0DD8D506D}"/>
@@ -15038,10 +14575,10 @@
       </p:pic>
       <p:sp>
         <p:nvSpPr>
-          <p:cNvPr id="6" name="Slide Number Placeholder 5">
+          <p:cNvPr id="7" name="Slide Number Placeholder 6">
             <a:extLst>
               <a:ext uri="{FF2B5EF4-FFF2-40B4-BE49-F238E27FC236}">
-                <a16:creationId xmlns:a16="http://schemas.microsoft.com/office/drawing/2014/main" id="{4644DB0E-448E-C55F-8F8F-838D3594F640}"/>
+                <a16:creationId xmlns:a16="http://schemas.microsoft.com/office/drawing/2014/main" id="{04FB2E9C-09B9-EDC6-9D8A-ECE5694ACC7A}"/>
               </a:ext>
             </a:extLst>
           </p:cNvPr>
@@ -15261,36 +14798,6 @@
       </p:sp>
       <p:sp>
         <p:nvSpPr>
-          <p:cNvPr id="4" name="Date Placeholder 3">
-            <a:extLst>
-              <a:ext uri="{FF2B5EF4-FFF2-40B4-BE49-F238E27FC236}">
-                <a16:creationId xmlns:a16="http://schemas.microsoft.com/office/drawing/2014/main" id="{FB497113-4E89-1CAC-8F64-8E901EF4D66E}"/>
-              </a:ext>
-            </a:extLst>
-          </p:cNvPr>
-          <p:cNvSpPr>
-            <a:spLocks noGrp="1"/>
-          </p:cNvSpPr>
-          <p:nvPr>
-            <p:ph type="dt" sz="half" idx="10"/>
-          </p:nvPr>
-        </p:nvSpPr>
-        <p:spPr/>
-        <p:txBody>
-          <a:bodyPr/>
-          <a:lstStyle/>
-          <a:p>
-            <a:pPr algn="ctr"/>
-            <a:r>
-              <a:rPr lang="en-US"/>
-              <a:t>8/14/24</a:t>
-            </a:r>
-            <a:endParaRPr lang="en-US" dirty="0"/>
-          </a:p>
-        </p:txBody>
-      </p:sp>
-      <p:sp>
-        <p:nvSpPr>
           <p:cNvPr id="22" name="TextBox 21">
             <a:extLst>
               <a:ext uri="{FF2B5EF4-FFF2-40B4-BE49-F238E27FC236}">
@@ -15377,38 +14884,9 @@
           </a:p>
         </p:txBody>
       </p:sp>
-      <p:sp>
-        <p:nvSpPr>
-          <p:cNvPr id="10" name="Slide Number Placeholder 9">
-            <a:extLst>
-              <a:ext uri="{FF2B5EF4-FFF2-40B4-BE49-F238E27FC236}">
-                <a16:creationId xmlns:a16="http://schemas.microsoft.com/office/drawing/2014/main" id="{1D44F319-0B2D-26D1-7C56-FF47C10BE35F}"/>
-              </a:ext>
-            </a:extLst>
-          </p:cNvPr>
-          <p:cNvSpPr>
-            <a:spLocks noGrp="1"/>
-          </p:cNvSpPr>
-          <p:nvPr>
-            <p:ph type="sldNum" sz="quarter" idx="12"/>
-          </p:nvPr>
-        </p:nvSpPr>
-        <p:spPr/>
-        <p:txBody>
-          <a:bodyPr/>
-          <a:lstStyle/>
-          <a:p>
-            <a:fld id="{ABDA560F-461C-6043-9BC4-489BA92F7161}" type="slidenum">
-              <a:rPr lang="en-US" smtClean="0"/>
-              <a:t>28</a:t>
-            </a:fld>
-            <a:endParaRPr lang="en-US"/>
-          </a:p>
-        </p:txBody>
-      </p:sp>
       <p:pic>
         <p:nvPicPr>
-          <p:cNvPr id="11" name="Picture 10" descr="Comparison with other tools - EasyBuild tutorial">
+          <p:cNvPr id="11" name="Picture 10" descr="Spack package manager logo">
             <a:extLst>
               <a:ext uri="{FF2B5EF4-FFF2-40B4-BE49-F238E27FC236}">
                 <a16:creationId xmlns:a16="http://schemas.microsoft.com/office/drawing/2014/main" id="{34817A97-2167-1F58-1795-11505E261FB8}"/>
@@ -15948,6 +15426,35 @@
           </p:txBody>
         </p:sp>
       </p:grpSp>
+      <p:sp>
+        <p:nvSpPr>
+          <p:cNvPr id="6" name="Slide Number Placeholder 5">
+            <a:extLst>
+              <a:ext uri="{FF2B5EF4-FFF2-40B4-BE49-F238E27FC236}">
+                <a16:creationId xmlns:a16="http://schemas.microsoft.com/office/drawing/2014/main" id="{C8EBC07F-3681-6BCE-C18E-E3EFB4899885}"/>
+              </a:ext>
+            </a:extLst>
+          </p:cNvPr>
+          <p:cNvSpPr>
+            <a:spLocks noGrp="1"/>
+          </p:cNvSpPr>
+          <p:nvPr>
+            <p:ph type="sldNum" sz="quarter" idx="12"/>
+          </p:nvPr>
+        </p:nvSpPr>
+        <p:spPr/>
+        <p:txBody>
+          <a:bodyPr/>
+          <a:lstStyle/>
+          <a:p>
+            <a:fld id="{ABDA560F-461C-6043-9BC4-489BA92F7161}" type="slidenum">
+              <a:rPr lang="en-US" smtClean="0"/>
+              <a:t>28</a:t>
+            </a:fld>
+            <a:endParaRPr lang="en-US"/>
+          </a:p>
+        </p:txBody>
+      </p:sp>
     </p:spTree>
     <p:extLst>
       <p:ext uri="{BB962C8B-B14F-4D97-AF65-F5344CB8AC3E}">
@@ -16009,36 +15516,6 @@
                 <a:latin typeface="Century Gothic"/>
               </a:rPr>
               <a:t>Simplifying Installations with</a:t>
-            </a:r>
-            <a:endParaRPr lang="en-US" dirty="0"/>
-          </a:p>
-        </p:txBody>
-      </p:sp>
-      <p:sp>
-        <p:nvSpPr>
-          <p:cNvPr id="4" name="Date Placeholder 3">
-            <a:extLst>
-              <a:ext uri="{FF2B5EF4-FFF2-40B4-BE49-F238E27FC236}">
-                <a16:creationId xmlns:a16="http://schemas.microsoft.com/office/drawing/2014/main" id="{FB497113-4E89-1CAC-8F64-8E901EF4D66E}"/>
-              </a:ext>
-            </a:extLst>
-          </p:cNvPr>
-          <p:cNvSpPr>
-            <a:spLocks noGrp="1"/>
-          </p:cNvSpPr>
-          <p:nvPr>
-            <p:ph type="dt" sz="half" idx="10"/>
-          </p:nvPr>
-        </p:nvSpPr>
-        <p:spPr/>
-        <p:txBody>
-          <a:bodyPr/>
-          <a:lstStyle/>
-          <a:p>
-            <a:pPr algn="ctr"/>
-            <a:r>
-              <a:rPr lang="en-US"/>
-              <a:t>8/14/24</a:t>
             </a:r>
             <a:endParaRPr lang="en-US" dirty="0"/>
           </a:p>
@@ -16647,38 +16124,9 @@
           </p:txBody>
         </p:sp>
       </p:grpSp>
-      <p:sp>
-        <p:nvSpPr>
-          <p:cNvPr id="10" name="Slide Number Placeholder 9">
-            <a:extLst>
-              <a:ext uri="{FF2B5EF4-FFF2-40B4-BE49-F238E27FC236}">
-                <a16:creationId xmlns:a16="http://schemas.microsoft.com/office/drawing/2014/main" id="{99109FE0-1E76-B9A7-2C27-E71EC8D08EC8}"/>
-              </a:ext>
-            </a:extLst>
-          </p:cNvPr>
-          <p:cNvSpPr>
-            <a:spLocks noGrp="1"/>
-          </p:cNvSpPr>
-          <p:nvPr>
-            <p:ph type="sldNum" sz="quarter" idx="12"/>
-          </p:nvPr>
-        </p:nvSpPr>
-        <p:spPr/>
-        <p:txBody>
-          <a:bodyPr/>
-          <a:lstStyle/>
-          <a:p>
-            <a:fld id="{ABDA560F-461C-6043-9BC4-489BA92F7161}" type="slidenum">
-              <a:rPr lang="en-US" dirty="0" smtClean="0"/>
-              <a:t>29</a:t>
-            </a:fld>
-            <a:endParaRPr lang="en-US"/>
-          </a:p>
-        </p:txBody>
-      </p:sp>
       <p:pic>
         <p:nvPicPr>
-          <p:cNvPr id="11" name="Picture 10" descr="Comparison with other tools - EasyBuild tutorial">
+          <p:cNvPr id="11" name="Picture 10" descr="Spack package manager logo">
             <a:extLst>
               <a:ext uri="{FF2B5EF4-FFF2-40B4-BE49-F238E27FC236}">
                 <a16:creationId xmlns:a16="http://schemas.microsoft.com/office/drawing/2014/main" id="{55579115-F622-3F29-C7C4-156638B90322}"/>
@@ -16706,6 +16154,35 @@
           </a:prstGeom>
         </p:spPr>
       </p:pic>
+      <p:sp>
+        <p:nvSpPr>
+          <p:cNvPr id="5" name="Slide Number Placeholder 4">
+            <a:extLst>
+              <a:ext uri="{FF2B5EF4-FFF2-40B4-BE49-F238E27FC236}">
+                <a16:creationId xmlns:a16="http://schemas.microsoft.com/office/drawing/2014/main" id="{768565B1-3609-7FF0-F9C4-FAA709932832}"/>
+              </a:ext>
+            </a:extLst>
+          </p:cNvPr>
+          <p:cNvSpPr>
+            <a:spLocks noGrp="1"/>
+          </p:cNvSpPr>
+          <p:nvPr>
+            <p:ph type="sldNum" sz="quarter" idx="12"/>
+          </p:nvPr>
+        </p:nvSpPr>
+        <p:spPr/>
+        <p:txBody>
+          <a:bodyPr/>
+          <a:lstStyle/>
+          <a:p>
+            <a:fld id="{ABDA560F-461C-6043-9BC4-489BA92F7161}" type="slidenum">
+              <a:rPr lang="en-US" smtClean="0"/>
+              <a:t>29</a:t>
+            </a:fld>
+            <a:endParaRPr lang="en-US"/>
+          </a:p>
+        </p:txBody>
+      </p:sp>
     </p:spTree>
     <p:extLst>
       <p:ext uri="{BB962C8B-B14F-4D97-AF65-F5344CB8AC3E}">
@@ -16889,40 +16366,10 @@
       </p:sp>
       <p:sp>
         <p:nvSpPr>
-          <p:cNvPr id="4" name="Date Placeholder 3">
+          <p:cNvPr id="5" name="Slide Number Placeholder 4">
             <a:extLst>
               <a:ext uri="{FF2B5EF4-FFF2-40B4-BE49-F238E27FC236}">
-                <a16:creationId xmlns:a16="http://schemas.microsoft.com/office/drawing/2014/main" id="{5D412731-C520-83F2-BE89-8DEE9214789C}"/>
-              </a:ext>
-            </a:extLst>
-          </p:cNvPr>
-          <p:cNvSpPr>
-            <a:spLocks noGrp="1"/>
-          </p:cNvSpPr>
-          <p:nvPr>
-            <p:ph type="dt" sz="half" idx="10"/>
-          </p:nvPr>
-        </p:nvSpPr>
-        <p:spPr/>
-        <p:txBody>
-          <a:bodyPr/>
-          <a:lstStyle/>
-          <a:p>
-            <a:pPr algn="ctr"/>
-            <a:r>
-              <a:rPr lang="en-US"/>
-              <a:t>8/14/24</a:t>
-            </a:r>
-            <a:endParaRPr lang="en-US" dirty="0"/>
-          </a:p>
-        </p:txBody>
-      </p:sp>
-      <p:sp>
-        <p:nvSpPr>
-          <p:cNvPr id="7" name="Slide Number Placeholder 6">
-            <a:extLst>
-              <a:ext uri="{FF2B5EF4-FFF2-40B4-BE49-F238E27FC236}">
-                <a16:creationId xmlns:a16="http://schemas.microsoft.com/office/drawing/2014/main" id="{CA99CC0F-C097-D682-7893-512CA8823C8D}"/>
+                <a16:creationId xmlns:a16="http://schemas.microsoft.com/office/drawing/2014/main" id="{C784C90A-C8AC-E2DA-B662-2EA57652B077}"/>
               </a:ext>
             </a:extLst>
           </p:cNvPr>
@@ -17093,36 +16540,6 @@
       </p:sp>
       <p:sp>
         <p:nvSpPr>
-          <p:cNvPr id="4" name="Date Placeholder 3">
-            <a:extLst>
-              <a:ext uri="{FF2B5EF4-FFF2-40B4-BE49-F238E27FC236}">
-                <a16:creationId xmlns:a16="http://schemas.microsoft.com/office/drawing/2014/main" id="{FB497113-4E89-1CAC-8F64-8E901EF4D66E}"/>
-              </a:ext>
-            </a:extLst>
-          </p:cNvPr>
-          <p:cNvSpPr>
-            <a:spLocks noGrp="1"/>
-          </p:cNvSpPr>
-          <p:nvPr>
-            <p:ph type="dt" sz="half" idx="10"/>
-          </p:nvPr>
-        </p:nvSpPr>
-        <p:spPr/>
-        <p:txBody>
-          <a:bodyPr/>
-          <a:lstStyle/>
-          <a:p>
-            <a:pPr algn="ctr"/>
-            <a:r>
-              <a:rPr lang="en-US"/>
-              <a:t>8/14/24</a:t>
-            </a:r>
-            <a:endParaRPr lang="en-US" dirty="0"/>
-          </a:p>
-        </p:txBody>
-      </p:sp>
-      <p:sp>
-        <p:nvSpPr>
           <p:cNvPr id="22" name="TextBox 21">
             <a:extLst>
               <a:ext uri="{FF2B5EF4-FFF2-40B4-BE49-F238E27FC236}">
@@ -17289,10 +16706,10 @@
       </p:sp>
       <p:sp>
         <p:nvSpPr>
-          <p:cNvPr id="3" name="Slide Number Placeholder 2">
+          <p:cNvPr id="5" name="Slide Number Placeholder 4">
             <a:extLst>
               <a:ext uri="{FF2B5EF4-FFF2-40B4-BE49-F238E27FC236}">
-                <a16:creationId xmlns:a16="http://schemas.microsoft.com/office/drawing/2014/main" id="{69659DBF-B514-6472-AACC-387540FB1BF4}"/>
+                <a16:creationId xmlns:a16="http://schemas.microsoft.com/office/drawing/2014/main" id="{695EB8C3-6A15-8F81-604D-89CD1359B17C}"/>
               </a:ext>
             </a:extLst>
           </p:cNvPr>
@@ -17450,39 +16867,9 @@
           </a:p>
         </p:txBody>
       </p:sp>
-      <p:sp>
-        <p:nvSpPr>
-          <p:cNvPr id="4" name="Date Placeholder 3">
-            <a:extLst>
-              <a:ext uri="{FF2B5EF4-FFF2-40B4-BE49-F238E27FC236}">
-                <a16:creationId xmlns:a16="http://schemas.microsoft.com/office/drawing/2014/main" id="{FB497113-4E89-1CAC-8F64-8E901EF4D66E}"/>
-              </a:ext>
-            </a:extLst>
-          </p:cNvPr>
-          <p:cNvSpPr>
-            <a:spLocks noGrp="1"/>
-          </p:cNvSpPr>
-          <p:nvPr>
-            <p:ph type="dt" sz="half" idx="10"/>
-          </p:nvPr>
-        </p:nvSpPr>
-        <p:spPr/>
-        <p:txBody>
-          <a:bodyPr/>
-          <a:lstStyle/>
-          <a:p>
-            <a:pPr algn="ctr"/>
-            <a:r>
-              <a:rPr lang="en-US"/>
-              <a:t>8/14/24</a:t>
-            </a:r>
-            <a:endParaRPr lang="en-US" dirty="0"/>
-          </a:p>
-        </p:txBody>
-      </p:sp>
       <p:pic>
         <p:nvPicPr>
-          <p:cNvPr id="7" name="Picture 6" descr="A green letters on a white background&#10;&#10;Description automatically generated with low confidence">
+          <p:cNvPr id="7" name="Picture 6" descr="Conda package/environment manager logo">
             <a:extLst>
               <a:ext uri="{FF2B5EF4-FFF2-40B4-BE49-F238E27FC236}">
                 <a16:creationId xmlns:a16="http://schemas.microsoft.com/office/drawing/2014/main" id="{D7D92545-72A4-67F5-AF34-8F16FE07B1FE}"/>
@@ -17512,10 +16899,10 @@
       </p:pic>
       <p:sp>
         <p:nvSpPr>
-          <p:cNvPr id="6" name="Slide Number Placeholder 5">
+          <p:cNvPr id="5" name="Slide Number Placeholder 4">
             <a:extLst>
               <a:ext uri="{FF2B5EF4-FFF2-40B4-BE49-F238E27FC236}">
-                <a16:creationId xmlns:a16="http://schemas.microsoft.com/office/drawing/2014/main" id="{76635F44-EDD5-B12E-A3E8-45A7300F6D5C}"/>
+                <a16:creationId xmlns:a16="http://schemas.microsoft.com/office/drawing/2014/main" id="{A7987333-E3ED-B77C-EB39-25FC3914645A}"/>
               </a:ext>
             </a:extLst>
           </p:cNvPr>
@@ -17832,67 +17219,9 @@
           </a:p>
         </p:txBody>
       </p:sp>
-      <p:sp>
-        <p:nvSpPr>
-          <p:cNvPr id="4" name="Date Placeholder 3">
-            <a:extLst>
-              <a:ext uri="{FF2B5EF4-FFF2-40B4-BE49-F238E27FC236}">
-                <a16:creationId xmlns:a16="http://schemas.microsoft.com/office/drawing/2014/main" id="{C2E1B03A-AEAA-CE6E-E498-D5DA23749973}"/>
-              </a:ext>
-            </a:extLst>
-          </p:cNvPr>
-          <p:cNvSpPr>
-            <a:spLocks noGrp="1"/>
-          </p:cNvSpPr>
-          <p:nvPr>
-            <p:ph type="dt" sz="half" idx="10"/>
-          </p:nvPr>
-        </p:nvSpPr>
-        <p:spPr/>
-        <p:txBody>
-          <a:bodyPr/>
-          <a:lstStyle/>
-          <a:p>
-            <a:pPr algn="ctr"/>
-            <a:r>
-              <a:rPr lang="en-US"/>
-              <a:t>8/14/24</a:t>
-            </a:r>
-          </a:p>
-        </p:txBody>
-      </p:sp>
-      <p:sp>
-        <p:nvSpPr>
-          <p:cNvPr id="5" name="Slide Number Placeholder 4">
-            <a:extLst>
-              <a:ext uri="{FF2B5EF4-FFF2-40B4-BE49-F238E27FC236}">
-                <a16:creationId xmlns:a16="http://schemas.microsoft.com/office/drawing/2014/main" id="{8F39FED1-B30C-C6AB-1FAB-4580D7411521}"/>
-              </a:ext>
-            </a:extLst>
-          </p:cNvPr>
-          <p:cNvSpPr>
-            <a:spLocks noGrp="1"/>
-          </p:cNvSpPr>
-          <p:nvPr>
-            <p:ph type="sldNum" sz="quarter" idx="12"/>
-          </p:nvPr>
-        </p:nvSpPr>
-        <p:spPr/>
-        <p:txBody>
-          <a:bodyPr/>
-          <a:lstStyle/>
-          <a:p>
-            <a:fld id="{ABDA560F-461C-6043-9BC4-489BA92F7161}" type="slidenum">
-              <a:rPr lang="en-US" smtClean="0"/>
-              <a:t>32</a:t>
-            </a:fld>
-            <a:endParaRPr lang="en-US"/>
-          </a:p>
-        </p:txBody>
-      </p:sp>
       <p:pic>
         <p:nvPicPr>
-          <p:cNvPr id="6" name="Picture 5" descr="A green letters on a white background&#10;&#10;Description automatically generated with low confidence">
+          <p:cNvPr id="6" name="Picture 5" descr="Conda package/environment manager logo">
             <a:extLst>
               <a:ext uri="{FF2B5EF4-FFF2-40B4-BE49-F238E27FC236}">
                 <a16:creationId xmlns:a16="http://schemas.microsoft.com/office/drawing/2014/main" id="{1E5FDD2A-086E-D8A2-825D-4A829D9E0BA7}"/>
@@ -18325,6 +17654,35 @@
           </a:p>
         </p:txBody>
       </p:sp>
+      <p:sp>
+        <p:nvSpPr>
+          <p:cNvPr id="7" name="Slide Number Placeholder 6">
+            <a:extLst>
+              <a:ext uri="{FF2B5EF4-FFF2-40B4-BE49-F238E27FC236}">
+                <a16:creationId xmlns:a16="http://schemas.microsoft.com/office/drawing/2014/main" id="{CCA7D22D-4E98-A241-FBA3-1E494CE38D54}"/>
+              </a:ext>
+            </a:extLst>
+          </p:cNvPr>
+          <p:cNvSpPr>
+            <a:spLocks noGrp="1"/>
+          </p:cNvSpPr>
+          <p:nvPr>
+            <p:ph type="sldNum" sz="quarter" idx="12"/>
+          </p:nvPr>
+        </p:nvSpPr>
+        <p:spPr/>
+        <p:txBody>
+          <a:bodyPr/>
+          <a:lstStyle/>
+          <a:p>
+            <a:fld id="{ABDA560F-461C-6043-9BC4-489BA92F7161}" type="slidenum">
+              <a:rPr lang="en-US" smtClean="0"/>
+              <a:t>32</a:t>
+            </a:fld>
+            <a:endParaRPr lang="en-US"/>
+          </a:p>
+        </p:txBody>
+      </p:sp>
     </p:spTree>
     <p:extLst>
       <p:ext uri="{BB962C8B-B14F-4D97-AF65-F5344CB8AC3E}">
@@ -18385,39 +17743,9 @@
           </a:p>
         </p:txBody>
       </p:sp>
-      <p:sp>
-        <p:nvSpPr>
-          <p:cNvPr id="4" name="Date Placeholder 3">
-            <a:extLst>
-              <a:ext uri="{FF2B5EF4-FFF2-40B4-BE49-F238E27FC236}">
-                <a16:creationId xmlns:a16="http://schemas.microsoft.com/office/drawing/2014/main" id="{FB497113-4E89-1CAC-8F64-8E901EF4D66E}"/>
-              </a:ext>
-            </a:extLst>
-          </p:cNvPr>
-          <p:cNvSpPr>
-            <a:spLocks noGrp="1"/>
-          </p:cNvSpPr>
-          <p:nvPr>
-            <p:ph type="dt" sz="half" idx="10"/>
-          </p:nvPr>
-        </p:nvSpPr>
-        <p:spPr/>
-        <p:txBody>
-          <a:bodyPr/>
-          <a:lstStyle/>
-          <a:p>
-            <a:pPr algn="ctr"/>
-            <a:r>
-              <a:rPr lang="en-US"/>
-              <a:t>8/14/24</a:t>
-            </a:r>
-            <a:endParaRPr lang="en-US" dirty="0"/>
-          </a:p>
-        </p:txBody>
-      </p:sp>
       <p:pic>
         <p:nvPicPr>
-          <p:cNvPr id="7" name="Picture 6" descr="A green letters on a white background&#10;&#10;Description automatically generated with low confidence">
+          <p:cNvPr id="7" name="Picture 6" descr="Conda package/environment manager logo">
             <a:extLst>
               <a:ext uri="{FF2B5EF4-FFF2-40B4-BE49-F238E27FC236}">
                 <a16:creationId xmlns:a16="http://schemas.microsoft.com/office/drawing/2014/main" id="{D7D92545-72A4-67F5-AF34-8F16FE07B1FE}"/>
@@ -18939,8 +18267,8 @@
         </p:nvSpPr>
         <p:spPr>
           <a:xfrm>
-            <a:off x="1027943" y="5223092"/>
-            <a:ext cx="10515600" cy="688316"/>
+            <a:off x="569877" y="5223092"/>
+            <a:ext cx="11052246" cy="688316"/>
           </a:xfrm>
           <a:prstGeom prst="rect">
             <a:avLst/>
@@ -18948,7 +18276,7 @@
         </p:spPr>
         <p:txBody>
           <a:bodyPr vert="horz" lIns="91440" tIns="45720" rIns="91440" bIns="45720" rtlCol="0">
-            <a:normAutofit fontScale="92500"/>
+            <a:noAutofit/>
           </a:bodyPr>
           <a:lstStyle>
             <a:lvl1pPr marL="228600" indent="-228600" algn="l" defTabSz="914400" rtl="0" eaLnBrk="1" latinLnBrk="0" hangingPunct="1">
@@ -19115,28 +18443,28 @@
             </a:lvl9pPr>
           </a:lstStyle>
           <a:p>
-            <a:pPr marL="0" indent="0">
+            <a:pPr marL="0" indent="0" algn="ctr">
               <a:buFont typeface="Arial" panose="020B0604020202020204" pitchFamily="34" charset="0"/>
               <a:buNone/>
             </a:pPr>
             <a:r>
-              <a:rPr lang="en-US" sz="3600" i="1">
+              <a:rPr lang="en-US" sz="3000" i="1" dirty="0">
                 <a:solidFill>
                   <a:srgbClr val="FF0000"/>
                 </a:solidFill>
                 <a:latin typeface="Century Gothic" panose="020B0502020202020204" pitchFamily="34" charset="0"/>
               </a:rPr>
-              <a:t>Don’t install packages in your base environment!</a:t>
+              <a:t>Warning: Don’t install packages in your base environment!</a:t>
             </a:r>
           </a:p>
         </p:txBody>
       </p:sp>
       <p:sp>
         <p:nvSpPr>
-          <p:cNvPr id="11" name="Slide Number Placeholder 10">
+          <p:cNvPr id="5" name="Slide Number Placeholder 4">
             <a:extLst>
               <a:ext uri="{FF2B5EF4-FFF2-40B4-BE49-F238E27FC236}">
-                <a16:creationId xmlns:a16="http://schemas.microsoft.com/office/drawing/2014/main" id="{03791185-81D8-6826-D89E-326741747F89}"/>
+                <a16:creationId xmlns:a16="http://schemas.microsoft.com/office/drawing/2014/main" id="{ED3B6AF8-5FAE-B273-7708-996A2D3AB3DF}"/>
               </a:ext>
             </a:extLst>
           </p:cNvPr>
@@ -19343,39 +18671,9 @@
           </a:p>
         </p:txBody>
       </p:sp>
-      <p:sp>
-        <p:nvSpPr>
-          <p:cNvPr id="4" name="Date Placeholder 3">
-            <a:extLst>
-              <a:ext uri="{FF2B5EF4-FFF2-40B4-BE49-F238E27FC236}">
-                <a16:creationId xmlns:a16="http://schemas.microsoft.com/office/drawing/2014/main" id="{FB497113-4E89-1CAC-8F64-8E901EF4D66E}"/>
-              </a:ext>
-            </a:extLst>
-          </p:cNvPr>
-          <p:cNvSpPr>
-            <a:spLocks noGrp="1"/>
-          </p:cNvSpPr>
-          <p:nvPr>
-            <p:ph type="dt" sz="half" idx="10"/>
-          </p:nvPr>
-        </p:nvSpPr>
-        <p:spPr/>
-        <p:txBody>
-          <a:bodyPr/>
-          <a:lstStyle/>
-          <a:p>
-            <a:pPr algn="ctr"/>
-            <a:r>
-              <a:rPr lang="en-US"/>
-              <a:t>8/14/24</a:t>
-            </a:r>
-            <a:endParaRPr lang="en-US" dirty="0"/>
-          </a:p>
-        </p:txBody>
-      </p:sp>
       <p:pic>
         <p:nvPicPr>
-          <p:cNvPr id="7" name="Picture 6" descr="A green letters on a white background&#10;&#10;Description automatically generated with low confidence">
+          <p:cNvPr id="7" name="Picture 6" descr="Conda package/environment manager logo">
             <a:extLst>
               <a:ext uri="{FF2B5EF4-FFF2-40B4-BE49-F238E27FC236}">
                 <a16:creationId xmlns:a16="http://schemas.microsoft.com/office/drawing/2014/main" id="{D7D92545-72A4-67F5-AF34-8F16FE07B1FE}"/>
@@ -20093,10 +19391,10 @@
       </p:sp>
       <p:sp>
         <p:nvSpPr>
-          <p:cNvPr id="9" name="Slide Number Placeholder 8">
+          <p:cNvPr id="5" name="Slide Number Placeholder 4">
             <a:extLst>
               <a:ext uri="{FF2B5EF4-FFF2-40B4-BE49-F238E27FC236}">
-                <a16:creationId xmlns:a16="http://schemas.microsoft.com/office/drawing/2014/main" id="{13751AC1-75A3-ADBF-B2BB-D4E05230DDB9}"/>
+                <a16:creationId xmlns:a16="http://schemas.microsoft.com/office/drawing/2014/main" id="{159FC89E-1AE3-7C43-9297-77F5A9857A5D}"/>
               </a:ext>
             </a:extLst>
           </p:cNvPr>
@@ -20285,39 +19583,9 @@
           </a:p>
         </p:txBody>
       </p:sp>
-      <p:sp>
-        <p:nvSpPr>
-          <p:cNvPr id="4" name="Date Placeholder 3">
-            <a:extLst>
-              <a:ext uri="{FF2B5EF4-FFF2-40B4-BE49-F238E27FC236}">
-                <a16:creationId xmlns:a16="http://schemas.microsoft.com/office/drawing/2014/main" id="{FB497113-4E89-1CAC-8F64-8E901EF4D66E}"/>
-              </a:ext>
-            </a:extLst>
-          </p:cNvPr>
-          <p:cNvSpPr>
-            <a:spLocks noGrp="1"/>
-          </p:cNvSpPr>
-          <p:nvPr>
-            <p:ph type="dt" sz="half" idx="10"/>
-          </p:nvPr>
-        </p:nvSpPr>
-        <p:spPr/>
-        <p:txBody>
-          <a:bodyPr/>
-          <a:lstStyle/>
-          <a:p>
-            <a:pPr algn="ctr"/>
-            <a:r>
-              <a:rPr lang="en-US"/>
-              <a:t>8/14/24</a:t>
-            </a:r>
-            <a:endParaRPr lang="en-US" dirty="0"/>
-          </a:p>
-        </p:txBody>
-      </p:sp>
       <p:pic>
         <p:nvPicPr>
-          <p:cNvPr id="7" name="Picture 6" descr="A green letters on a white background&#10;&#10;Description automatically generated with low confidence">
+          <p:cNvPr id="7" name="Picture 6" descr="Conda package/environment manager logo">
             <a:extLst>
               <a:ext uri="{FF2B5EF4-FFF2-40B4-BE49-F238E27FC236}">
                 <a16:creationId xmlns:a16="http://schemas.microsoft.com/office/drawing/2014/main" id="{D7D92545-72A4-67F5-AF34-8F16FE07B1FE}"/>
@@ -21023,8 +20291,8 @@
         </p:nvSpPr>
         <p:spPr>
           <a:xfrm>
-            <a:off x="1027943" y="5223092"/>
-            <a:ext cx="10515600" cy="688316"/>
+            <a:off x="569877" y="5223092"/>
+            <a:ext cx="11135376" cy="688316"/>
           </a:xfrm>
           <a:prstGeom prst="rect">
             <a:avLst/>
@@ -21032,7 +20300,7 @@
         </p:spPr>
         <p:txBody>
           <a:bodyPr vert="horz" lIns="91440" tIns="45720" rIns="91440" bIns="45720" rtlCol="0">
-            <a:normAutofit/>
+            <a:normAutofit fontScale="85000" lnSpcReduction="10000"/>
           </a:bodyPr>
           <a:lstStyle>
             <a:lvl1pPr marL="228600" indent="-228600" algn="l" defTabSz="914400" rtl="0" eaLnBrk="1" latinLnBrk="0" hangingPunct="1">
@@ -21204,7 +20472,16 @@
               <a:buNone/>
             </a:pPr>
             <a:r>
-              <a:rPr lang="en-US" sz="3600" i="1">
+              <a:rPr lang="en-US" sz="3600" i="1" dirty="0">
+                <a:solidFill>
+                  <a:srgbClr val="FF0000"/>
+                </a:solidFill>
+                <a:latin typeface="Century Gothic" panose="020B0502020202020204" pitchFamily="34" charset="0"/>
+              </a:rPr>
+              <a:t>Warning: </a:t>
+            </a:r>
+            <a:r>
+              <a:rPr lang="en-US" sz="3600" i="1" dirty="0">
                 <a:solidFill>
                   <a:srgbClr val="FF0000"/>
                 </a:solidFill>
@@ -21213,7 +20490,7 @@
               <a:t>--no-cache-</a:t>
             </a:r>
             <a:r>
-              <a:rPr lang="en-US" sz="3600" i="1" err="1">
+              <a:rPr lang="en-US" sz="3600" i="1" dirty="0" err="1">
                 <a:solidFill>
                   <a:srgbClr val="FF0000"/>
                 </a:solidFill>
@@ -21222,7 +20499,7 @@
               <a:t>dir</a:t>
             </a:r>
             <a:r>
-              <a:rPr lang="en-US" sz="3600" i="1">
+              <a:rPr lang="en-US" sz="3600" i="1" dirty="0">
                 <a:solidFill>
                   <a:srgbClr val="FF0000"/>
                 </a:solidFill>
@@ -21231,7 +20508,7 @@
               <a:t> </a:t>
             </a:r>
             <a:r>
-              <a:rPr lang="en-US" sz="3600" i="1">
+              <a:rPr lang="en-US" sz="3600" i="1" dirty="0">
                 <a:solidFill>
                   <a:srgbClr val="FF0000"/>
                 </a:solidFill>
@@ -21244,10 +20521,10 @@
       </p:sp>
       <p:sp>
         <p:nvSpPr>
-          <p:cNvPr id="10" name="Slide Number Placeholder 9">
+          <p:cNvPr id="5" name="Slide Number Placeholder 4">
             <a:extLst>
               <a:ext uri="{FF2B5EF4-FFF2-40B4-BE49-F238E27FC236}">
-                <a16:creationId xmlns:a16="http://schemas.microsoft.com/office/drawing/2014/main" id="{388055C8-BDF0-9C51-3D54-1503544D0A1B}"/>
+                <a16:creationId xmlns:a16="http://schemas.microsoft.com/office/drawing/2014/main" id="{95CF662D-F9CF-CB40-D4EE-3DEE88780DA4}"/>
               </a:ext>
             </a:extLst>
           </p:cNvPr>
@@ -21482,39 +20759,9 @@
           </a:p>
         </p:txBody>
       </p:sp>
-      <p:sp>
-        <p:nvSpPr>
-          <p:cNvPr id="4" name="Date Placeholder 3">
-            <a:extLst>
-              <a:ext uri="{FF2B5EF4-FFF2-40B4-BE49-F238E27FC236}">
-                <a16:creationId xmlns:a16="http://schemas.microsoft.com/office/drawing/2014/main" id="{FB497113-4E89-1CAC-8F64-8E901EF4D66E}"/>
-              </a:ext>
-            </a:extLst>
-          </p:cNvPr>
-          <p:cNvSpPr>
-            <a:spLocks noGrp="1"/>
-          </p:cNvSpPr>
-          <p:nvPr>
-            <p:ph type="dt" sz="half" idx="10"/>
-          </p:nvPr>
-        </p:nvSpPr>
-        <p:spPr/>
-        <p:txBody>
-          <a:bodyPr/>
-          <a:lstStyle/>
-          <a:p>
-            <a:pPr algn="ctr"/>
-            <a:r>
-              <a:rPr lang="en-US"/>
-              <a:t>8/14/24</a:t>
-            </a:r>
-            <a:endParaRPr lang="en-US" dirty="0"/>
-          </a:p>
-        </p:txBody>
-      </p:sp>
       <p:pic>
         <p:nvPicPr>
-          <p:cNvPr id="7" name="Picture 6" descr="A green letters on a white background&#10;&#10;Description automatically generated with low confidence">
+          <p:cNvPr id="7" name="Picture 6" descr="Conda package/environment manager logo">
             <a:extLst>
               <a:ext uri="{FF2B5EF4-FFF2-40B4-BE49-F238E27FC236}">
                 <a16:creationId xmlns:a16="http://schemas.microsoft.com/office/drawing/2014/main" id="{D7D92545-72A4-67F5-AF34-8F16FE07B1FE}"/>
@@ -22116,10 +21363,10 @@
       </p:grpSp>
       <p:sp>
         <p:nvSpPr>
-          <p:cNvPr id="10" name="Slide Number Placeholder 9">
+          <p:cNvPr id="5" name="Slide Number Placeholder 4">
             <a:extLst>
               <a:ext uri="{FF2B5EF4-FFF2-40B4-BE49-F238E27FC236}">
-                <a16:creationId xmlns:a16="http://schemas.microsoft.com/office/drawing/2014/main" id="{1D44F319-0B2D-26D1-7C56-FF47C10BE35F}"/>
+                <a16:creationId xmlns:a16="http://schemas.microsoft.com/office/drawing/2014/main" id="{FA59FF00-50B4-54BD-8A8E-86EC9CF94C09}"/>
               </a:ext>
             </a:extLst>
           </p:cNvPr>
@@ -22203,39 +21450,9 @@
           </a:p>
         </p:txBody>
       </p:sp>
-      <p:sp>
-        <p:nvSpPr>
-          <p:cNvPr id="4" name="Date Placeholder 3">
-            <a:extLst>
-              <a:ext uri="{FF2B5EF4-FFF2-40B4-BE49-F238E27FC236}">
-                <a16:creationId xmlns:a16="http://schemas.microsoft.com/office/drawing/2014/main" id="{FB497113-4E89-1CAC-8F64-8E901EF4D66E}"/>
-              </a:ext>
-            </a:extLst>
-          </p:cNvPr>
-          <p:cNvSpPr>
-            <a:spLocks noGrp="1"/>
-          </p:cNvSpPr>
-          <p:nvPr>
-            <p:ph type="dt" sz="half" idx="10"/>
-          </p:nvPr>
-        </p:nvSpPr>
-        <p:spPr/>
-        <p:txBody>
-          <a:bodyPr/>
-          <a:lstStyle/>
-          <a:p>
-            <a:pPr algn="ctr"/>
-            <a:r>
-              <a:rPr lang="en-US"/>
-              <a:t>8/14/24</a:t>
-            </a:r>
-            <a:endParaRPr lang="en-US" dirty="0"/>
-          </a:p>
-        </p:txBody>
-      </p:sp>
       <p:pic>
         <p:nvPicPr>
-          <p:cNvPr id="7" name="Picture 6" descr="A green letters on a white background&#10;&#10;Description automatically generated with low confidence">
+          <p:cNvPr id="7" name="Picture 6" descr="Conda package/environment manager logo">
             <a:extLst>
               <a:ext uri="{FF2B5EF4-FFF2-40B4-BE49-F238E27FC236}">
                 <a16:creationId xmlns:a16="http://schemas.microsoft.com/office/drawing/2014/main" id="{D7D92545-72A4-67F5-AF34-8F16FE07B1FE}"/>
@@ -22810,10 +22027,10 @@
       </p:grpSp>
       <p:sp>
         <p:nvSpPr>
-          <p:cNvPr id="10" name="Slide Number Placeholder 9">
+          <p:cNvPr id="5" name="Slide Number Placeholder 4">
             <a:extLst>
               <a:ext uri="{FF2B5EF4-FFF2-40B4-BE49-F238E27FC236}">
-                <a16:creationId xmlns:a16="http://schemas.microsoft.com/office/drawing/2014/main" id="{99109FE0-1E76-B9A7-2C27-E71EC8D08EC8}"/>
+                <a16:creationId xmlns:a16="http://schemas.microsoft.com/office/drawing/2014/main" id="{333F208B-27E6-91A3-64FB-158805466910}"/>
               </a:ext>
             </a:extLst>
           </p:cNvPr>
@@ -22974,36 +22191,6 @@
       </p:sp>
       <p:sp>
         <p:nvSpPr>
-          <p:cNvPr id="4" name="Date Placeholder 3">
-            <a:extLst>
-              <a:ext uri="{FF2B5EF4-FFF2-40B4-BE49-F238E27FC236}">
-                <a16:creationId xmlns:a16="http://schemas.microsoft.com/office/drawing/2014/main" id="{FB497113-4E89-1CAC-8F64-8E901EF4D66E}"/>
-              </a:ext>
-            </a:extLst>
-          </p:cNvPr>
-          <p:cNvSpPr>
-            <a:spLocks noGrp="1"/>
-          </p:cNvSpPr>
-          <p:nvPr>
-            <p:ph type="dt" sz="half" idx="10"/>
-          </p:nvPr>
-        </p:nvSpPr>
-        <p:spPr/>
-        <p:txBody>
-          <a:bodyPr/>
-          <a:lstStyle/>
-          <a:p>
-            <a:pPr algn="ctr"/>
-            <a:r>
-              <a:rPr lang="en-US"/>
-              <a:t>8/14/24</a:t>
-            </a:r>
-            <a:endParaRPr lang="en-US" dirty="0"/>
-          </a:p>
-        </p:txBody>
-      </p:sp>
-      <p:sp>
-        <p:nvSpPr>
           <p:cNvPr id="22" name="TextBox 21">
             <a:extLst>
               <a:ext uri="{FF2B5EF4-FFF2-40B4-BE49-F238E27FC236}">
@@ -23187,10 +22374,10 @@
       </p:sp>
       <p:sp>
         <p:nvSpPr>
-          <p:cNvPr id="3" name="Slide Number Placeholder 2">
+          <p:cNvPr id="5" name="Slide Number Placeholder 4">
             <a:extLst>
               <a:ext uri="{FF2B5EF4-FFF2-40B4-BE49-F238E27FC236}">
-                <a16:creationId xmlns:a16="http://schemas.microsoft.com/office/drawing/2014/main" id="{69659DBF-B514-6472-AACC-387540FB1BF4}"/>
+                <a16:creationId xmlns:a16="http://schemas.microsoft.com/office/drawing/2014/main" id="{AAA16CEC-C996-3AC8-27EA-AA728C32AD71}"/>
               </a:ext>
             </a:extLst>
           </p:cNvPr>
@@ -23274,39 +22461,9 @@
           </a:p>
         </p:txBody>
       </p:sp>
-      <p:sp>
-        <p:nvSpPr>
-          <p:cNvPr id="4" name="Date Placeholder 3">
-            <a:extLst>
-              <a:ext uri="{FF2B5EF4-FFF2-40B4-BE49-F238E27FC236}">
-                <a16:creationId xmlns:a16="http://schemas.microsoft.com/office/drawing/2014/main" id="{FB497113-4E89-1CAC-8F64-8E901EF4D66E}"/>
-              </a:ext>
-            </a:extLst>
-          </p:cNvPr>
-          <p:cNvSpPr>
-            <a:spLocks noGrp="1"/>
-          </p:cNvSpPr>
-          <p:nvPr>
-            <p:ph type="dt" sz="half" idx="10"/>
-          </p:nvPr>
-        </p:nvSpPr>
-        <p:spPr/>
-        <p:txBody>
-          <a:bodyPr/>
-          <a:lstStyle/>
-          <a:p>
-            <a:pPr algn="ctr"/>
-            <a:r>
-              <a:rPr lang="en-US"/>
-              <a:t>8/14/24</a:t>
-            </a:r>
-            <a:endParaRPr lang="en-US" dirty="0"/>
-          </a:p>
-        </p:txBody>
-      </p:sp>
       <p:pic>
         <p:nvPicPr>
-          <p:cNvPr id="6" name="Picture 5" descr="A black text on a white background&#10;&#10;Description automatically generated with medium confidence">
+          <p:cNvPr id="6" name="Picture 5" descr="Apptainer container software logo">
             <a:extLst>
               <a:ext uri="{FF2B5EF4-FFF2-40B4-BE49-F238E27FC236}">
                 <a16:creationId xmlns:a16="http://schemas.microsoft.com/office/drawing/2014/main" id="{3ACD96D7-A73D-97E4-317E-555F02DEFD0F}"/>
@@ -23463,10 +22620,10 @@
       </p:sp>
       <p:sp>
         <p:nvSpPr>
-          <p:cNvPr id="3" name="Slide Number Placeholder 2">
+          <p:cNvPr id="5" name="Slide Number Placeholder 4">
             <a:extLst>
               <a:ext uri="{FF2B5EF4-FFF2-40B4-BE49-F238E27FC236}">
-                <a16:creationId xmlns:a16="http://schemas.microsoft.com/office/drawing/2014/main" id="{4D79C05C-2D4A-3C6F-7DD2-DFBC398E05D2}"/>
+                <a16:creationId xmlns:a16="http://schemas.microsoft.com/office/drawing/2014/main" id="{8C24337F-EDA7-EEB0-14D7-E71DFAAFEC70}"/>
               </a:ext>
             </a:extLst>
           </p:cNvPr>
@@ -23990,7 +23147,7 @@
               <a:rPr lang="en-US" dirty="0">
                 <a:latin typeface="Century Gothic"/>
               </a:rPr>
-              <a:t>Simplifying Source installations with Spack</a:t>
+              <a:t>Simplifying Source Installations with Spack</a:t>
             </a:r>
           </a:p>
           <a:p>
@@ -24031,39 +23188,10 @@
       </p:sp>
       <p:sp>
         <p:nvSpPr>
-          <p:cNvPr id="4" name="Date Placeholder 3">
+          <p:cNvPr id="5" name="Slide Number Placeholder 4">
             <a:extLst>
               <a:ext uri="{FF2B5EF4-FFF2-40B4-BE49-F238E27FC236}">
-                <a16:creationId xmlns:a16="http://schemas.microsoft.com/office/drawing/2014/main" id="{5D412731-C520-83F2-BE89-8DEE9214789C}"/>
-              </a:ext>
-            </a:extLst>
-          </p:cNvPr>
-          <p:cNvSpPr>
-            <a:spLocks noGrp="1"/>
-          </p:cNvSpPr>
-          <p:nvPr>
-            <p:ph type="dt" sz="half" idx="10"/>
-          </p:nvPr>
-        </p:nvSpPr>
-        <p:spPr/>
-        <p:txBody>
-          <a:bodyPr/>
-          <a:lstStyle/>
-          <a:p>
-            <a:pPr algn="ctr"/>
-            <a:r>
-              <a:rPr lang="en-US" dirty="0"/>
-              <a:t>8/14/24</a:t>
-            </a:r>
-          </a:p>
-        </p:txBody>
-      </p:sp>
-      <p:sp>
-        <p:nvSpPr>
-          <p:cNvPr id="7" name="Slide Number Placeholder 6">
-            <a:extLst>
-              <a:ext uri="{FF2B5EF4-FFF2-40B4-BE49-F238E27FC236}">
-                <a16:creationId xmlns:a16="http://schemas.microsoft.com/office/drawing/2014/main" id="{CA99CC0F-C097-D682-7893-512CA8823C8D}"/>
+                <a16:creationId xmlns:a16="http://schemas.microsoft.com/office/drawing/2014/main" id="{4822E284-841A-FBB5-50F0-46DE41975A46}"/>
               </a:ext>
             </a:extLst>
           </p:cNvPr>
@@ -24471,39 +23599,9 @@
           </a:p>
         </p:txBody>
       </p:sp>
-      <p:sp>
-        <p:nvSpPr>
-          <p:cNvPr id="4" name="Date Placeholder 3">
-            <a:extLst>
-              <a:ext uri="{FF2B5EF4-FFF2-40B4-BE49-F238E27FC236}">
-                <a16:creationId xmlns:a16="http://schemas.microsoft.com/office/drawing/2014/main" id="{FB497113-4E89-1CAC-8F64-8E901EF4D66E}"/>
-              </a:ext>
-            </a:extLst>
-          </p:cNvPr>
-          <p:cNvSpPr>
-            <a:spLocks noGrp="1"/>
-          </p:cNvSpPr>
-          <p:nvPr>
-            <p:ph type="dt" sz="half" idx="10"/>
-          </p:nvPr>
-        </p:nvSpPr>
-        <p:spPr/>
-        <p:txBody>
-          <a:bodyPr/>
-          <a:lstStyle/>
-          <a:p>
-            <a:pPr algn="ctr"/>
-            <a:r>
-              <a:rPr lang="en-US"/>
-              <a:t>8/14/24</a:t>
-            </a:r>
-            <a:endParaRPr lang="en-US" dirty="0"/>
-          </a:p>
-        </p:txBody>
-      </p:sp>
       <p:pic>
         <p:nvPicPr>
-          <p:cNvPr id="6" name="Picture 5" descr="A black text on a white background&#10;&#10;Description automatically generated with medium confidence">
+          <p:cNvPr id="6" name="Picture 5" descr="Apptainer container software logo">
             <a:extLst>
               <a:ext uri="{FF2B5EF4-FFF2-40B4-BE49-F238E27FC236}">
                 <a16:creationId xmlns:a16="http://schemas.microsoft.com/office/drawing/2014/main" id="{3ACD96D7-A73D-97E4-317E-555F02DEFD0F}"/>
@@ -24620,10 +23718,10 @@
       </p:sp>
       <p:sp>
         <p:nvSpPr>
-          <p:cNvPr id="3" name="Slide Number Placeholder 2">
+          <p:cNvPr id="5" name="Slide Number Placeholder 4">
             <a:extLst>
               <a:ext uri="{FF2B5EF4-FFF2-40B4-BE49-F238E27FC236}">
-                <a16:creationId xmlns:a16="http://schemas.microsoft.com/office/drawing/2014/main" id="{10EFE43B-E798-12D3-CA65-F7AFDAF58326}"/>
+                <a16:creationId xmlns:a16="http://schemas.microsoft.com/office/drawing/2014/main" id="{C4060D0F-7C7C-F5F0-B1F5-3EDE5AEC10E3}"/>
               </a:ext>
             </a:extLst>
           </p:cNvPr>
@@ -24884,39 +23982,9 @@
           </a:p>
         </p:txBody>
       </p:sp>
-      <p:sp>
-        <p:nvSpPr>
-          <p:cNvPr id="4" name="Date Placeholder 3">
-            <a:extLst>
-              <a:ext uri="{FF2B5EF4-FFF2-40B4-BE49-F238E27FC236}">
-                <a16:creationId xmlns:a16="http://schemas.microsoft.com/office/drawing/2014/main" id="{FB497113-4E89-1CAC-8F64-8E901EF4D66E}"/>
-              </a:ext>
-            </a:extLst>
-          </p:cNvPr>
-          <p:cNvSpPr>
-            <a:spLocks noGrp="1"/>
-          </p:cNvSpPr>
-          <p:nvPr>
-            <p:ph type="dt" sz="half" idx="10"/>
-          </p:nvPr>
-        </p:nvSpPr>
-        <p:spPr/>
-        <p:txBody>
-          <a:bodyPr/>
-          <a:lstStyle/>
-          <a:p>
-            <a:pPr algn="ctr"/>
-            <a:r>
-              <a:rPr lang="en-US"/>
-              <a:t>8/14/24</a:t>
-            </a:r>
-            <a:endParaRPr lang="en-US" dirty="0"/>
-          </a:p>
-        </p:txBody>
-      </p:sp>
       <p:pic>
         <p:nvPicPr>
-          <p:cNvPr id="6" name="Picture 5" descr="A black text on a white background&#10;&#10;Description automatically generated with medium confidence">
+          <p:cNvPr id="6" name="Picture 5" descr="Apptainer container software logo">
             <a:extLst>
               <a:ext uri="{FF2B5EF4-FFF2-40B4-BE49-F238E27FC236}">
                 <a16:creationId xmlns:a16="http://schemas.microsoft.com/office/drawing/2014/main" id="{3ACD96D7-A73D-97E4-317E-555F02DEFD0F}"/>
@@ -25410,10 +24478,10 @@
       </p:grpSp>
       <p:sp>
         <p:nvSpPr>
-          <p:cNvPr id="10" name="Slide Number Placeholder 9">
+          <p:cNvPr id="5" name="Slide Number Placeholder 4">
             <a:extLst>
               <a:ext uri="{FF2B5EF4-FFF2-40B4-BE49-F238E27FC236}">
-                <a16:creationId xmlns:a16="http://schemas.microsoft.com/office/drawing/2014/main" id="{A1D1B09F-9630-235E-5D32-CD33BAA591E8}"/>
+                <a16:creationId xmlns:a16="http://schemas.microsoft.com/office/drawing/2014/main" id="{81523256-4CAE-ABEF-6446-AAF69FBD5FC9}"/>
               </a:ext>
             </a:extLst>
           </p:cNvPr>
@@ -25497,39 +24565,9 @@
           </a:p>
         </p:txBody>
       </p:sp>
-      <p:sp>
-        <p:nvSpPr>
-          <p:cNvPr id="4" name="Date Placeholder 3">
-            <a:extLst>
-              <a:ext uri="{FF2B5EF4-FFF2-40B4-BE49-F238E27FC236}">
-                <a16:creationId xmlns:a16="http://schemas.microsoft.com/office/drawing/2014/main" id="{FB497113-4E89-1CAC-8F64-8E901EF4D66E}"/>
-              </a:ext>
-            </a:extLst>
-          </p:cNvPr>
-          <p:cNvSpPr>
-            <a:spLocks noGrp="1"/>
-          </p:cNvSpPr>
-          <p:nvPr>
-            <p:ph type="dt" sz="half" idx="10"/>
-          </p:nvPr>
-        </p:nvSpPr>
-        <p:spPr/>
-        <p:txBody>
-          <a:bodyPr/>
-          <a:lstStyle/>
-          <a:p>
-            <a:pPr algn="ctr"/>
-            <a:r>
-              <a:rPr lang="en-US"/>
-              <a:t>8/14/24</a:t>
-            </a:r>
-            <a:endParaRPr lang="en-US" dirty="0"/>
-          </a:p>
-        </p:txBody>
-      </p:sp>
       <p:pic>
         <p:nvPicPr>
-          <p:cNvPr id="6" name="Picture 5" descr="A black text on a white background&#10;&#10;Description automatically generated with medium confidence">
+          <p:cNvPr id="6" name="Picture 5" descr="Apptainer container software logo">
             <a:extLst>
               <a:ext uri="{FF2B5EF4-FFF2-40B4-BE49-F238E27FC236}">
                 <a16:creationId xmlns:a16="http://schemas.microsoft.com/office/drawing/2014/main" id="{3ACD96D7-A73D-97E4-317E-555F02DEFD0F}"/>
@@ -26247,10 +25285,10 @@
       </p:sp>
       <p:sp>
         <p:nvSpPr>
-          <p:cNvPr id="3" name="Slide Number Placeholder 2">
+          <p:cNvPr id="5" name="Slide Number Placeholder 4">
             <a:extLst>
               <a:ext uri="{FF2B5EF4-FFF2-40B4-BE49-F238E27FC236}">
-                <a16:creationId xmlns:a16="http://schemas.microsoft.com/office/drawing/2014/main" id="{21B8B1DC-87F1-C7EB-D16F-668AEA44974C}"/>
+                <a16:creationId xmlns:a16="http://schemas.microsoft.com/office/drawing/2014/main" id="{7B670F5A-439C-2A49-9B94-908DC2F6ADDB}"/>
               </a:ext>
             </a:extLst>
           </p:cNvPr>
@@ -26459,36 +25497,6 @@
       </p:sp>
       <p:sp>
         <p:nvSpPr>
-          <p:cNvPr id="4" name="Date Placeholder 3">
-            <a:extLst>
-              <a:ext uri="{FF2B5EF4-FFF2-40B4-BE49-F238E27FC236}">
-                <a16:creationId xmlns:a16="http://schemas.microsoft.com/office/drawing/2014/main" id="{FB497113-4E89-1CAC-8F64-8E901EF4D66E}"/>
-              </a:ext>
-            </a:extLst>
-          </p:cNvPr>
-          <p:cNvSpPr>
-            <a:spLocks noGrp="1"/>
-          </p:cNvSpPr>
-          <p:nvPr>
-            <p:ph type="dt" sz="half" idx="10"/>
-          </p:nvPr>
-        </p:nvSpPr>
-        <p:spPr/>
-        <p:txBody>
-          <a:bodyPr/>
-          <a:lstStyle/>
-          <a:p>
-            <a:pPr algn="ctr"/>
-            <a:r>
-              <a:rPr lang="en-US"/>
-              <a:t>8/14/24</a:t>
-            </a:r>
-            <a:endParaRPr lang="en-US" dirty="0"/>
-          </a:p>
-        </p:txBody>
-      </p:sp>
-      <p:sp>
-        <p:nvSpPr>
           <p:cNvPr id="8" name="Content Placeholder 2">
             <a:extLst>
               <a:ext uri="{FF2B5EF4-FFF2-40B4-BE49-F238E27FC236}">
@@ -26668,10 +25676,10 @@
       </p:sp>
       <p:sp>
         <p:nvSpPr>
-          <p:cNvPr id="3" name="Slide Number Placeholder 2">
+          <p:cNvPr id="5" name="Slide Number Placeholder 4">
             <a:extLst>
               <a:ext uri="{FF2B5EF4-FFF2-40B4-BE49-F238E27FC236}">
-                <a16:creationId xmlns:a16="http://schemas.microsoft.com/office/drawing/2014/main" id="{CE0B211A-6D43-714E-91B8-E46221AFCD56}"/>
+                <a16:creationId xmlns:a16="http://schemas.microsoft.com/office/drawing/2014/main" id="{06BC2289-C3A5-DC1F-091C-268ADF72B2CB}"/>
               </a:ext>
             </a:extLst>
           </p:cNvPr>
@@ -26859,40 +25867,10 @@
       </p:sp>
       <p:sp>
         <p:nvSpPr>
-          <p:cNvPr id="4" name="Date Placeholder 3">
+          <p:cNvPr id="5" name="Slide Number Placeholder 4">
             <a:extLst>
               <a:ext uri="{FF2B5EF4-FFF2-40B4-BE49-F238E27FC236}">
-                <a16:creationId xmlns:a16="http://schemas.microsoft.com/office/drawing/2014/main" id="{5D412731-C520-83F2-BE89-8DEE9214789C}"/>
-              </a:ext>
-            </a:extLst>
-          </p:cNvPr>
-          <p:cNvSpPr>
-            <a:spLocks noGrp="1"/>
-          </p:cNvSpPr>
-          <p:nvPr>
-            <p:ph type="dt" sz="half" idx="10"/>
-          </p:nvPr>
-        </p:nvSpPr>
-        <p:spPr/>
-        <p:txBody>
-          <a:bodyPr/>
-          <a:lstStyle/>
-          <a:p>
-            <a:pPr algn="ctr"/>
-            <a:r>
-              <a:rPr lang="en-US"/>
-              <a:t>8/14/24</a:t>
-            </a:r>
-            <a:endParaRPr lang="en-US" dirty="0"/>
-          </a:p>
-        </p:txBody>
-      </p:sp>
-      <p:sp>
-        <p:nvSpPr>
-          <p:cNvPr id="6" name="Slide Number Placeholder 5">
-            <a:extLst>
-              <a:ext uri="{FF2B5EF4-FFF2-40B4-BE49-F238E27FC236}">
-                <a16:creationId xmlns:a16="http://schemas.microsoft.com/office/drawing/2014/main" id="{E9B3432B-A82C-9013-D0D2-29D8184A0834}"/>
+                <a16:creationId xmlns:a16="http://schemas.microsoft.com/office/drawing/2014/main" id="{D55C5EE3-E41F-D5F6-9DAD-2F625B87FAF2}"/>
               </a:ext>
             </a:extLst>
           </p:cNvPr>
@@ -27306,40 +26284,10 @@
       </p:sp>
       <p:sp>
         <p:nvSpPr>
-          <p:cNvPr id="4" name="Date Placeholder 3">
+          <p:cNvPr id="5" name="Slide Number Placeholder 4">
             <a:extLst>
               <a:ext uri="{FF2B5EF4-FFF2-40B4-BE49-F238E27FC236}">
-                <a16:creationId xmlns:a16="http://schemas.microsoft.com/office/drawing/2014/main" id="{C2850BE0-8F20-5963-438D-7B9E614B18FE}"/>
-              </a:ext>
-            </a:extLst>
-          </p:cNvPr>
-          <p:cNvSpPr>
-            <a:spLocks noGrp="1"/>
-          </p:cNvSpPr>
-          <p:nvPr>
-            <p:ph type="dt" sz="half" idx="10"/>
-          </p:nvPr>
-        </p:nvSpPr>
-        <p:spPr/>
-        <p:txBody>
-          <a:bodyPr/>
-          <a:lstStyle/>
-          <a:p>
-            <a:pPr algn="ctr"/>
-            <a:r>
-              <a:rPr lang="en-US"/>
-              <a:t>8/14/24</a:t>
-            </a:r>
-            <a:endParaRPr lang="en-US" dirty="0"/>
-          </a:p>
-        </p:txBody>
-      </p:sp>
-      <p:sp>
-        <p:nvSpPr>
-          <p:cNvPr id="6" name="Slide Number Placeholder 5">
-            <a:extLst>
-              <a:ext uri="{FF2B5EF4-FFF2-40B4-BE49-F238E27FC236}">
-                <a16:creationId xmlns:a16="http://schemas.microsoft.com/office/drawing/2014/main" id="{7E7B95E0-165A-0A76-F51A-685152A503D8}"/>
+                <a16:creationId xmlns:a16="http://schemas.microsoft.com/office/drawing/2014/main" id="{70C3F1F5-6FFD-8086-A149-096EAFC4FCF3}"/>
               </a:ext>
             </a:extLst>
           </p:cNvPr>
@@ -27485,39 +26433,9 @@
           </a:p>
         </p:txBody>
       </p:sp>
-      <p:sp>
-        <p:nvSpPr>
-          <p:cNvPr id="4" name="Date Placeholder 3">
-            <a:extLst>
-              <a:ext uri="{FF2B5EF4-FFF2-40B4-BE49-F238E27FC236}">
-                <a16:creationId xmlns:a16="http://schemas.microsoft.com/office/drawing/2014/main" id="{FB497113-4E89-1CAC-8F64-8E901EF4D66E}"/>
-              </a:ext>
-            </a:extLst>
-          </p:cNvPr>
-          <p:cNvSpPr>
-            <a:spLocks noGrp="1"/>
-          </p:cNvSpPr>
-          <p:nvPr>
-            <p:ph type="dt" sz="half" idx="10"/>
-          </p:nvPr>
-        </p:nvSpPr>
-        <p:spPr/>
-        <p:txBody>
-          <a:bodyPr/>
-          <a:lstStyle/>
-          <a:p>
-            <a:pPr algn="ctr"/>
-            <a:r>
-              <a:rPr lang="en-US"/>
-              <a:t>8/14/24</a:t>
-            </a:r>
-            <a:endParaRPr lang="en-US" dirty="0"/>
-          </a:p>
-        </p:txBody>
-      </p:sp>
       <p:pic>
         <p:nvPicPr>
-          <p:cNvPr id="8" name="Picture 7" descr="A picture containing graphics, screenshot, font, graphic design&#10;&#10;Description automatically generated">
+          <p:cNvPr id="8" name="Picture 7" descr="Logo for the Lmod module system used on Alpine">
             <a:extLst>
               <a:ext uri="{FF2B5EF4-FFF2-40B4-BE49-F238E27FC236}">
                 <a16:creationId xmlns:a16="http://schemas.microsoft.com/office/drawing/2014/main" id="{A9F43A77-4393-CCF1-83C1-AE60C4D575C9}"/>
@@ -27547,10 +26465,10 @@
       </p:pic>
       <p:sp>
         <p:nvSpPr>
-          <p:cNvPr id="6" name="Slide Number Placeholder 5">
+          <p:cNvPr id="5" name="Slide Number Placeholder 4">
             <a:extLst>
               <a:ext uri="{FF2B5EF4-FFF2-40B4-BE49-F238E27FC236}">
-                <a16:creationId xmlns:a16="http://schemas.microsoft.com/office/drawing/2014/main" id="{36144FEF-64DE-C2A7-8E23-9740B4EDD3A2}"/>
+                <a16:creationId xmlns:a16="http://schemas.microsoft.com/office/drawing/2014/main" id="{138331BD-7E88-A731-2F56-CBB6FA7F6987}"/>
               </a:ext>
             </a:extLst>
           </p:cNvPr>
@@ -27956,39 +26874,9 @@
           </a:p>
         </p:txBody>
       </p:sp>
-      <p:sp>
-        <p:nvSpPr>
-          <p:cNvPr id="4" name="Date Placeholder 3">
-            <a:extLst>
-              <a:ext uri="{FF2B5EF4-FFF2-40B4-BE49-F238E27FC236}">
-                <a16:creationId xmlns:a16="http://schemas.microsoft.com/office/drawing/2014/main" id="{FB497113-4E89-1CAC-8F64-8E901EF4D66E}"/>
-              </a:ext>
-            </a:extLst>
-          </p:cNvPr>
-          <p:cNvSpPr>
-            <a:spLocks noGrp="1"/>
-          </p:cNvSpPr>
-          <p:nvPr>
-            <p:ph type="dt" sz="half" idx="10"/>
-          </p:nvPr>
-        </p:nvSpPr>
-        <p:spPr/>
-        <p:txBody>
-          <a:bodyPr/>
-          <a:lstStyle/>
-          <a:p>
-            <a:pPr algn="ctr"/>
-            <a:r>
-              <a:rPr lang="en-US"/>
-              <a:t>8/14/24</a:t>
-            </a:r>
-            <a:endParaRPr lang="en-US" dirty="0"/>
-          </a:p>
-        </p:txBody>
-      </p:sp>
       <p:pic>
         <p:nvPicPr>
-          <p:cNvPr id="8" name="Picture 7" descr="A picture containing graphics, screenshot, font, graphic design&#10;&#10;Description automatically generated">
+          <p:cNvPr id="8" name="Picture 7" descr="Logo for the Lmod module system used on Alpine">
             <a:extLst>
               <a:ext uri="{FF2B5EF4-FFF2-40B4-BE49-F238E27FC236}">
                 <a16:creationId xmlns:a16="http://schemas.microsoft.com/office/drawing/2014/main" id="{A9F43A77-4393-CCF1-83C1-AE60C4D575C9}"/>
@@ -28018,10 +26906,10 @@
       </p:pic>
       <p:sp>
         <p:nvSpPr>
-          <p:cNvPr id="6" name="Slide Number Placeholder 5">
+          <p:cNvPr id="5" name="Slide Number Placeholder 4">
             <a:extLst>
               <a:ext uri="{FF2B5EF4-FFF2-40B4-BE49-F238E27FC236}">
-                <a16:creationId xmlns:a16="http://schemas.microsoft.com/office/drawing/2014/main" id="{A57F9530-8673-20F4-BF55-6AE6B156F32F}"/>
+                <a16:creationId xmlns:a16="http://schemas.microsoft.com/office/drawing/2014/main" id="{94CBBBAF-18D5-0C3F-F7C1-A03E67FE5F59}"/>
               </a:ext>
             </a:extLst>
           </p:cNvPr>
@@ -28205,10 +27093,10 @@
       </p:grpSpPr>
       <p:sp>
         <p:nvSpPr>
-          <p:cNvPr id="2" name="Title 1">
+          <p:cNvPr id="5" name="Slide Number Placeholder 4">
             <a:extLst>
               <a:ext uri="{FF2B5EF4-FFF2-40B4-BE49-F238E27FC236}">
-                <a16:creationId xmlns:a16="http://schemas.microsoft.com/office/drawing/2014/main" id="{6FADF519-AE7F-36C9-168F-1F04A49B8831}"/>
+                <a16:creationId xmlns:a16="http://schemas.microsoft.com/office/drawing/2014/main" id="{F89AED76-820F-6CAA-8945-D99379985DE9}"/>
               </a:ext>
             </a:extLst>
           </p:cNvPr>
@@ -28216,7 +27104,7 @@
             <a:spLocks noGrp="1"/>
           </p:cNvSpPr>
           <p:nvPr>
-            <p:ph type="title"/>
+            <p:ph type="sldNum" sz="quarter" idx="12"/>
           </p:nvPr>
         </p:nvSpPr>
         <p:spPr/>
@@ -28224,155 +27112,14 @@
           <a:bodyPr/>
           <a:lstStyle/>
           <a:p>
-            <a:r>
-              <a:rPr lang="en-US" b="1">
-                <a:latin typeface="Century Gothic" panose="020B0502020202020204" pitchFamily="34" charset="0"/>
-              </a:rPr>
-              <a:t>The Module System </a:t>
-            </a:r>
+            <a:fld id="{ABDA560F-461C-6043-9BC4-489BA92F7161}" type="slidenum">
+              <a:rPr lang="en-US" smtClean="0"/>
+              <a:t>7</a:t>
+            </a:fld>
+            <a:endParaRPr lang="en-US"/>
           </a:p>
         </p:txBody>
       </p:sp>
-      <p:sp>
-        <p:nvSpPr>
-          <p:cNvPr id="3" name="Content Placeholder 2">
-            <a:extLst>
-              <a:ext uri="{FF2B5EF4-FFF2-40B4-BE49-F238E27FC236}">
-                <a16:creationId xmlns:a16="http://schemas.microsoft.com/office/drawing/2014/main" id="{6484EA7B-346E-9CB5-DB70-6227BCA98122}"/>
-              </a:ext>
-            </a:extLst>
-          </p:cNvPr>
-          <p:cNvSpPr>
-            <a:spLocks noGrp="1"/>
-          </p:cNvSpPr>
-          <p:nvPr>
-            <p:ph idx="1"/>
-          </p:nvPr>
-        </p:nvSpPr>
-        <p:spPr>
-          <a:xfrm>
-            <a:off x="838200" y="1546225"/>
-            <a:ext cx="10515600" cy="4351338"/>
-          </a:xfrm>
-        </p:spPr>
-        <p:txBody>
-          <a:bodyPr>
-            <a:normAutofit/>
-          </a:bodyPr>
-          <a:lstStyle/>
-          <a:p>
-            <a:pPr marL="0" indent="0">
-              <a:buNone/>
-            </a:pPr>
-            <a:r>
-              <a:rPr lang="en-US" sz="3200" dirty="0">
-                <a:latin typeface="Century Gothic" panose="020B0502020202020204" pitchFamily="34" charset="0"/>
-              </a:rPr>
-              <a:t>Setting up for today’s session.</a:t>
-            </a:r>
-          </a:p>
-          <a:p>
-            <a:pPr marL="0" indent="0">
-              <a:buNone/>
-            </a:pPr>
-            <a:endParaRPr lang="en-US" sz="2400" dirty="0">
-              <a:latin typeface="Century Gothic" panose="020B0502020202020204" pitchFamily="34" charset="0"/>
-            </a:endParaRPr>
-          </a:p>
-          <a:p>
-            <a:pPr marL="457200" indent="-457200">
-              <a:buFont typeface="+mj-lt"/>
-              <a:buAutoNum type="arabicPeriod"/>
-            </a:pPr>
-            <a:r>
-              <a:rPr lang="en-US" sz="2400" dirty="0">
-                <a:latin typeface="Century Gothic" panose="020B0502020202020204" pitchFamily="34" charset="0"/>
-              </a:rPr>
-              <a:t>Log in to CURC HPC system</a:t>
-            </a:r>
-          </a:p>
-          <a:p>
-            <a:pPr marL="457200" indent="-457200">
-              <a:buFont typeface="+mj-lt"/>
-              <a:buAutoNum type="arabicPeriod"/>
-            </a:pPr>
-            <a:r>
-              <a:rPr lang="en-US" sz="2400" dirty="0">
-                <a:latin typeface="Century Gothic" panose="020B0502020202020204" pitchFamily="34" charset="0"/>
-              </a:rPr>
-              <a:t>get on an Alpine compute node</a:t>
-            </a:r>
-          </a:p>
-          <a:p>
-            <a:pPr marL="0" indent="0">
-              <a:buNone/>
-            </a:pPr>
-            <a:endParaRPr lang="en-US" sz="3200" dirty="0">
-              <a:latin typeface="Century Gothic" panose="020B0502020202020204" pitchFamily="34" charset="0"/>
-            </a:endParaRPr>
-          </a:p>
-        </p:txBody>
-      </p:sp>
-      <p:sp>
-        <p:nvSpPr>
-          <p:cNvPr id="4" name="Date Placeholder 3">
-            <a:extLst>
-              <a:ext uri="{FF2B5EF4-FFF2-40B4-BE49-F238E27FC236}">
-                <a16:creationId xmlns:a16="http://schemas.microsoft.com/office/drawing/2014/main" id="{FB497113-4E89-1CAC-8F64-8E901EF4D66E}"/>
-              </a:ext>
-            </a:extLst>
-          </p:cNvPr>
-          <p:cNvSpPr>
-            <a:spLocks noGrp="1"/>
-          </p:cNvSpPr>
-          <p:nvPr>
-            <p:ph type="dt" sz="half" idx="10"/>
-          </p:nvPr>
-        </p:nvSpPr>
-        <p:spPr/>
-        <p:txBody>
-          <a:bodyPr/>
-          <a:lstStyle/>
-          <a:p>
-            <a:pPr algn="ctr"/>
-            <a:r>
-              <a:rPr lang="en-US"/>
-              <a:t>8/14/24</a:t>
-            </a:r>
-            <a:endParaRPr lang="en-US" dirty="0"/>
-          </a:p>
-        </p:txBody>
-      </p:sp>
-      <p:pic>
-        <p:nvPicPr>
-          <p:cNvPr id="8" name="Picture 7" descr="A picture containing graphics, screenshot, font, graphic design&#10;&#10;Description automatically generated">
-            <a:extLst>
-              <a:ext uri="{FF2B5EF4-FFF2-40B4-BE49-F238E27FC236}">
-                <a16:creationId xmlns:a16="http://schemas.microsoft.com/office/drawing/2014/main" id="{A9F43A77-4393-CCF1-83C1-AE60C4D575C9}"/>
-              </a:ext>
-            </a:extLst>
-          </p:cNvPr>
-          <p:cNvPicPr>
-            <a:picLocks noChangeAspect="1"/>
-          </p:cNvPicPr>
-          <p:nvPr/>
-        </p:nvPicPr>
-        <p:blipFill>
-          <a:blip r:embed="rId3"/>
-          <a:stretch>
-            <a:fillRect/>
-          </a:stretch>
-        </p:blipFill>
-        <p:spPr>
-          <a:xfrm>
-            <a:off x="7886700" y="365125"/>
-            <a:ext cx="3467100" cy="1181100"/>
-          </a:xfrm>
-          <a:prstGeom prst="rect">
-            <a:avLst/>
-          </a:prstGeom>
-        </p:spPr>
-      </p:pic>
       <p:grpSp>
         <p:nvGrpSpPr>
           <p:cNvPr id="10" name="Group 9">
@@ -28563,8 +27310,8 @@
         </p:nvSpPr>
         <p:spPr>
           <a:xfrm>
-            <a:off x="5773669" y="3967469"/>
-            <a:ext cx="3243072" cy="646331"/>
+            <a:off x="5823773" y="3902656"/>
+            <a:ext cx="3243072" cy="923330"/>
           </a:xfrm>
           <a:prstGeom prst="rect">
             <a:avLst/>
@@ -28587,17 +27334,17 @@
                 <a:ea typeface="Helvetica Neue" panose="02000503000000020004" pitchFamily="2" charset="0"/>
                 <a:cs typeface="Helvetica Neue" panose="02000503000000020004" pitchFamily="2" charset="0"/>
               </a:rPr>
-              <a:t>Login nodes do not have the full software stack!</a:t>
+              <a:t>Note: Login nodes do not have the full software stack!</a:t>
             </a:r>
           </a:p>
         </p:txBody>
       </p:sp>
       <p:sp>
         <p:nvSpPr>
-          <p:cNvPr id="13" name="Slide Number Placeholder 12">
+          <p:cNvPr id="3" name="Content Placeholder 2">
             <a:extLst>
               <a:ext uri="{FF2B5EF4-FFF2-40B4-BE49-F238E27FC236}">
-                <a16:creationId xmlns:a16="http://schemas.microsoft.com/office/drawing/2014/main" id="{0D6D3F18-354E-3499-7577-0E776ACE96F4}"/>
+                <a16:creationId xmlns:a16="http://schemas.microsoft.com/office/drawing/2014/main" id="{6484EA7B-346E-9CB5-DB70-6227BCA98122}"/>
               </a:ext>
             </a:extLst>
           </p:cNvPr>
@@ -28605,7 +27352,117 @@
             <a:spLocks noGrp="1"/>
           </p:cNvSpPr>
           <p:nvPr>
-            <p:ph type="sldNum" sz="quarter" idx="12"/>
+            <p:ph idx="1"/>
+          </p:nvPr>
+        </p:nvSpPr>
+        <p:spPr>
+          <a:xfrm>
+            <a:off x="838200" y="1546225"/>
+            <a:ext cx="10515600" cy="4351338"/>
+          </a:xfrm>
+        </p:spPr>
+        <p:txBody>
+          <a:bodyPr>
+            <a:normAutofit/>
+          </a:bodyPr>
+          <a:lstStyle/>
+          <a:p>
+            <a:pPr marL="0" indent="0">
+              <a:buNone/>
+            </a:pPr>
+            <a:r>
+              <a:rPr lang="en-US" sz="3200" dirty="0">
+                <a:latin typeface="Century Gothic" panose="020B0502020202020204" pitchFamily="34" charset="0"/>
+              </a:rPr>
+              <a:t>Setting up for today’s session.</a:t>
+            </a:r>
+          </a:p>
+          <a:p>
+            <a:pPr marL="0" indent="0">
+              <a:buNone/>
+            </a:pPr>
+            <a:endParaRPr lang="en-US" sz="2400" dirty="0">
+              <a:latin typeface="Century Gothic" panose="020B0502020202020204" pitchFamily="34" charset="0"/>
+            </a:endParaRPr>
+          </a:p>
+          <a:p>
+            <a:pPr marL="457200" indent="-457200">
+              <a:buFont typeface="+mj-lt"/>
+              <a:buAutoNum type="arabicPeriod"/>
+            </a:pPr>
+            <a:r>
+              <a:rPr lang="en-US" sz="2400" dirty="0">
+                <a:latin typeface="Century Gothic" panose="020B0502020202020204" pitchFamily="34" charset="0"/>
+              </a:rPr>
+              <a:t>Log in to CURC HPC system</a:t>
+            </a:r>
+          </a:p>
+          <a:p>
+            <a:pPr marL="457200" indent="-457200">
+              <a:buFont typeface="+mj-lt"/>
+              <a:buAutoNum type="arabicPeriod"/>
+            </a:pPr>
+            <a:r>
+              <a:rPr lang="en-US" sz="2400" dirty="0">
+                <a:latin typeface="Century Gothic" panose="020B0502020202020204" pitchFamily="34" charset="0"/>
+              </a:rPr>
+              <a:t>Get on an Alpine compute node</a:t>
+            </a:r>
+          </a:p>
+          <a:p>
+            <a:pPr marL="0" indent="0">
+              <a:buNone/>
+            </a:pPr>
+            <a:endParaRPr lang="en-US" sz="3200" dirty="0">
+              <a:latin typeface="Century Gothic" panose="020B0502020202020204" pitchFamily="34" charset="0"/>
+            </a:endParaRPr>
+          </a:p>
+        </p:txBody>
+      </p:sp>
+      <p:pic>
+        <p:nvPicPr>
+          <p:cNvPr id="8" name="Picture 7" descr="Logo for the Lmod module system used on Alpine">
+            <a:extLst>
+              <a:ext uri="{FF2B5EF4-FFF2-40B4-BE49-F238E27FC236}">
+                <a16:creationId xmlns:a16="http://schemas.microsoft.com/office/drawing/2014/main" id="{A9F43A77-4393-CCF1-83C1-AE60C4D575C9}"/>
+              </a:ext>
+            </a:extLst>
+          </p:cNvPr>
+          <p:cNvPicPr>
+            <a:picLocks noChangeAspect="1"/>
+          </p:cNvPicPr>
+          <p:nvPr/>
+        </p:nvPicPr>
+        <p:blipFill>
+          <a:blip r:embed="rId3"/>
+          <a:stretch>
+            <a:fillRect/>
+          </a:stretch>
+        </p:blipFill>
+        <p:spPr>
+          <a:xfrm>
+            <a:off x="7886700" y="365125"/>
+            <a:ext cx="3467100" cy="1181100"/>
+          </a:xfrm>
+          <a:prstGeom prst="rect">
+            <a:avLst/>
+          </a:prstGeom>
+        </p:spPr>
+      </p:pic>
+      <p:sp>
+        <p:nvSpPr>
+          <p:cNvPr id="2" name="Title 1">
+            <a:extLst>
+              <a:ext uri="{FF2B5EF4-FFF2-40B4-BE49-F238E27FC236}">
+                <a16:creationId xmlns:a16="http://schemas.microsoft.com/office/drawing/2014/main" id="{6FADF519-AE7F-36C9-168F-1F04A49B8831}"/>
+              </a:ext>
+            </a:extLst>
+          </p:cNvPr>
+          <p:cNvSpPr>
+            <a:spLocks noGrp="1"/>
+          </p:cNvSpPr>
+          <p:nvPr>
+            <p:ph type="title"/>
           </p:nvPr>
         </p:nvSpPr>
         <p:spPr/>
@@ -28613,11 +27470,12 @@
           <a:bodyPr/>
           <a:lstStyle/>
           <a:p>
-            <a:fld id="{ABDA560F-461C-6043-9BC4-489BA92F7161}" type="slidenum">
-              <a:rPr lang="en-US" smtClean="0"/>
-              <a:t>7</a:t>
-            </a:fld>
-            <a:endParaRPr lang="en-US"/>
+            <a:r>
+              <a:rPr lang="en-US" b="1" dirty="0">
+                <a:latin typeface="Century Gothic" panose="020B0502020202020204" pitchFamily="34" charset="0"/>
+              </a:rPr>
+              <a:t>The Module System </a:t>
+            </a:r>
           </a:p>
         </p:txBody>
       </p:sp>
@@ -28731,10 +27589,10 @@
       </p:grpSpPr>
       <p:sp>
         <p:nvSpPr>
-          <p:cNvPr id="2" name="Title 1">
+          <p:cNvPr id="5" name="Slide Number Placeholder 4">
             <a:extLst>
               <a:ext uri="{FF2B5EF4-FFF2-40B4-BE49-F238E27FC236}">
-                <a16:creationId xmlns:a16="http://schemas.microsoft.com/office/drawing/2014/main" id="{6FADF519-AE7F-36C9-168F-1F04A49B8831}"/>
+                <a16:creationId xmlns:a16="http://schemas.microsoft.com/office/drawing/2014/main" id="{10AF757D-345B-192C-03B5-868B599F6FAA}"/>
               </a:ext>
             </a:extLst>
           </p:cNvPr>
@@ -28742,7 +27600,7 @@
             <a:spLocks noGrp="1"/>
           </p:cNvSpPr>
           <p:nvPr>
-            <p:ph type="title"/>
+            <p:ph type="sldNum" sz="quarter" idx="12"/>
           </p:nvPr>
         </p:nvSpPr>
         <p:spPr/>
@@ -28750,302 +27608,14 @@
           <a:bodyPr/>
           <a:lstStyle/>
           <a:p>
-            <a:r>
-              <a:rPr lang="en-US" b="1">
-                <a:latin typeface="Century Gothic" panose="020B0502020202020204" pitchFamily="34" charset="0"/>
-              </a:rPr>
-              <a:t>The Module System </a:t>
-            </a:r>
+            <a:fld id="{ABDA560F-461C-6043-9BC4-489BA92F7161}" type="slidenum">
+              <a:rPr lang="en-US" smtClean="0"/>
+              <a:t>8</a:t>
+            </a:fld>
+            <a:endParaRPr lang="en-US"/>
           </a:p>
         </p:txBody>
       </p:sp>
-      <p:sp>
-        <p:nvSpPr>
-          <p:cNvPr id="3" name="Content Placeholder 2">
-            <a:extLst>
-              <a:ext uri="{FF2B5EF4-FFF2-40B4-BE49-F238E27FC236}">
-                <a16:creationId xmlns:a16="http://schemas.microsoft.com/office/drawing/2014/main" id="{6484EA7B-346E-9CB5-DB70-6227BCA98122}"/>
-              </a:ext>
-            </a:extLst>
-          </p:cNvPr>
-          <p:cNvSpPr>
-            <a:spLocks noGrp="1"/>
-          </p:cNvSpPr>
-          <p:nvPr>
-            <p:ph idx="1"/>
-          </p:nvPr>
-        </p:nvSpPr>
-        <p:spPr/>
-        <p:txBody>
-          <a:bodyPr>
-            <a:normAutofit/>
-          </a:bodyPr>
-          <a:lstStyle/>
-          <a:p>
-            <a:pPr marL="0" indent="0">
-              <a:buNone/>
-            </a:pPr>
-            <a:r>
-              <a:rPr lang="en-US" sz="3200" i="1" dirty="0">
-                <a:latin typeface="Century Gothic" panose="020B0502020202020204" pitchFamily="34" charset="0"/>
-                <a:ea typeface="Helvetica Neue" panose="02000503000000020004" pitchFamily="2" charset="0"/>
-                <a:cs typeface="Helvetica Neue" panose="02000503000000020004" pitchFamily="2" charset="0"/>
-              </a:rPr>
-              <a:t>Live Demo</a:t>
-            </a:r>
-            <a:r>
-              <a:rPr lang="en-US" sz="3200" dirty="0">
-                <a:latin typeface="Century Gothic" panose="020B0502020202020204" pitchFamily="34" charset="0"/>
-                <a:ea typeface="Helvetica Neue" panose="02000503000000020004" pitchFamily="2" charset="0"/>
-                <a:cs typeface="Helvetica Neue" panose="02000503000000020004" pitchFamily="2" charset="0"/>
-              </a:rPr>
-              <a:t>: Loading and unloading modules will dynamically change the software environment on the cluster.</a:t>
-            </a:r>
-          </a:p>
-          <a:p>
-            <a:pPr marL="0" indent="0">
-              <a:buNone/>
-            </a:pPr>
-            <a:endParaRPr lang="en-US" sz="3200" b="1" dirty="0">
-              <a:solidFill>
-                <a:srgbClr val="202122"/>
-              </a:solidFill>
-              <a:latin typeface="Century Gothic" panose="020B0502020202020204" pitchFamily="34" charset="0"/>
-            </a:endParaRPr>
-          </a:p>
-          <a:p>
-            <a:pPr marL="0" indent="0">
-              <a:buNone/>
-            </a:pPr>
-            <a:endParaRPr lang="en-US" dirty="0">
-              <a:solidFill>
-                <a:srgbClr val="202122"/>
-              </a:solidFill>
-              <a:latin typeface="Century Gothic" panose="020B0502020202020204" pitchFamily="34" charset="0"/>
-            </a:endParaRPr>
-          </a:p>
-          <a:p>
-            <a:pPr marL="0" indent="0">
-              <a:buNone/>
-            </a:pPr>
-            <a:endParaRPr lang="en-US" sz="3200" dirty="0">
-              <a:latin typeface="Century Gothic" panose="020B0502020202020204" pitchFamily="34" charset="0"/>
-            </a:endParaRPr>
-          </a:p>
-        </p:txBody>
-      </p:sp>
-      <p:sp>
-        <p:nvSpPr>
-          <p:cNvPr id="4" name="Date Placeholder 3">
-            <a:extLst>
-              <a:ext uri="{FF2B5EF4-FFF2-40B4-BE49-F238E27FC236}">
-                <a16:creationId xmlns:a16="http://schemas.microsoft.com/office/drawing/2014/main" id="{FB497113-4E89-1CAC-8F64-8E901EF4D66E}"/>
-              </a:ext>
-            </a:extLst>
-          </p:cNvPr>
-          <p:cNvSpPr>
-            <a:spLocks noGrp="1"/>
-          </p:cNvSpPr>
-          <p:nvPr>
-            <p:ph type="dt" sz="half" idx="10"/>
-          </p:nvPr>
-        </p:nvSpPr>
-        <p:spPr/>
-        <p:txBody>
-          <a:bodyPr/>
-          <a:lstStyle/>
-          <a:p>
-            <a:pPr algn="ctr"/>
-            <a:r>
-              <a:rPr lang="en-US"/>
-              <a:t>8/14/24</a:t>
-            </a:r>
-            <a:endParaRPr lang="en-US" dirty="0"/>
-          </a:p>
-        </p:txBody>
-      </p:sp>
-      <p:pic>
-        <p:nvPicPr>
-          <p:cNvPr id="8" name="Picture 7" descr="A picture containing graphics, screenshot, font, graphic design&#10;&#10;Description automatically generated">
-            <a:extLst>
-              <a:ext uri="{FF2B5EF4-FFF2-40B4-BE49-F238E27FC236}">
-                <a16:creationId xmlns:a16="http://schemas.microsoft.com/office/drawing/2014/main" id="{A9F43A77-4393-CCF1-83C1-AE60C4D575C9}"/>
-              </a:ext>
-            </a:extLst>
-          </p:cNvPr>
-          <p:cNvPicPr>
-            <a:picLocks noChangeAspect="1"/>
-          </p:cNvPicPr>
-          <p:nvPr/>
-        </p:nvPicPr>
-        <p:blipFill>
-          <a:blip r:embed="rId3"/>
-          <a:stretch>
-            <a:fillRect/>
-          </a:stretch>
-        </p:blipFill>
-        <p:spPr>
-          <a:xfrm>
-            <a:off x="7886700" y="365125"/>
-            <a:ext cx="3467100" cy="1181100"/>
-          </a:xfrm>
-          <a:prstGeom prst="rect">
-            <a:avLst/>
-          </a:prstGeom>
-        </p:spPr>
-      </p:pic>
-      <p:grpSp>
-        <p:nvGrpSpPr>
-          <p:cNvPr id="6" name="Group 5">
-            <a:extLst>
-              <a:ext uri="{FF2B5EF4-FFF2-40B4-BE49-F238E27FC236}">
-                <a16:creationId xmlns:a16="http://schemas.microsoft.com/office/drawing/2014/main" id="{29BC9ACC-85CF-40C5-093F-B565739DAF49}"/>
-              </a:ext>
-            </a:extLst>
-          </p:cNvPr>
-          <p:cNvGrpSpPr/>
-          <p:nvPr/>
-        </p:nvGrpSpPr>
-        <p:grpSpPr>
-          <a:xfrm>
-            <a:off x="252984" y="3588457"/>
-            <a:ext cx="5745480" cy="2117016"/>
-            <a:chOff x="1863085" y="4469527"/>
-            <a:chExt cx="13820837" cy="952245"/>
-          </a:xfrm>
-        </p:grpSpPr>
-        <p:sp>
-          <p:nvSpPr>
-            <p:cNvPr id="7" name="Rectangle 6">
-              <a:extLst>
-                <a:ext uri="{FF2B5EF4-FFF2-40B4-BE49-F238E27FC236}">
-                  <a16:creationId xmlns:a16="http://schemas.microsoft.com/office/drawing/2014/main" id="{405E92EA-D55E-6152-BAD1-5E0AAF2DFC85}"/>
-                </a:ext>
-              </a:extLst>
-            </p:cNvPr>
-            <p:cNvSpPr/>
-            <p:nvPr/>
-          </p:nvSpPr>
-          <p:spPr>
-            <a:xfrm>
-              <a:off x="1863085" y="4469527"/>
-              <a:ext cx="13820837" cy="952245"/>
-            </a:xfrm>
-            <a:prstGeom prst="rect">
-              <a:avLst/>
-            </a:prstGeom>
-            <a:solidFill>
-              <a:schemeClr val="bg2">
-                <a:lumMod val="90000"/>
-              </a:schemeClr>
-            </a:solidFill>
-            <a:ln>
-              <a:noFill/>
-            </a:ln>
-            <a:effectLst>
-              <a:softEdge rad="12700"/>
-            </a:effectLst>
-          </p:spPr>
-          <p:style>
-            <a:lnRef idx="2">
-              <a:schemeClr val="accent1">
-                <a:shade val="50000"/>
-              </a:schemeClr>
-            </a:lnRef>
-            <a:fillRef idx="1">
-              <a:schemeClr val="accent1"/>
-            </a:fillRef>
-            <a:effectRef idx="0">
-              <a:schemeClr val="accent1"/>
-            </a:effectRef>
-            <a:fontRef idx="minor">
-              <a:schemeClr val="lt1"/>
-            </a:fontRef>
-          </p:style>
-          <p:txBody>
-            <a:bodyPr rtlCol="0" anchor="ctr"/>
-            <a:lstStyle/>
-            <a:p>
-              <a:pPr algn="ctr"/>
-              <a:endParaRPr lang="en-US"/>
-            </a:p>
-          </p:txBody>
-        </p:sp>
-        <p:sp>
-          <p:nvSpPr>
-            <p:cNvPr id="9" name="TextBox 8">
-              <a:extLst>
-                <a:ext uri="{FF2B5EF4-FFF2-40B4-BE49-F238E27FC236}">
-                  <a16:creationId xmlns:a16="http://schemas.microsoft.com/office/drawing/2014/main" id="{F28BEBCD-EA41-F501-5F36-8AEA80BE829A}"/>
-                </a:ext>
-              </a:extLst>
-            </p:cNvPr>
-            <p:cNvSpPr txBox="1"/>
-            <p:nvPr/>
-          </p:nvSpPr>
-          <p:spPr>
-            <a:xfrm>
-              <a:off x="2047451" y="4519123"/>
-              <a:ext cx="13636469" cy="872169"/>
-            </a:xfrm>
-            <a:prstGeom prst="rect">
-              <a:avLst/>
-            </a:prstGeom>
-            <a:noFill/>
-          </p:spPr>
-          <p:txBody>
-            <a:bodyPr wrap="square" rtlCol="0">
-              <a:spAutoFit/>
-            </a:bodyPr>
-            <a:lstStyle/>
-            <a:p>
-              <a:r>
-                <a:rPr lang="en-US" sz="2400" b="1" dirty="0">
-                  <a:latin typeface="Courier New" panose="02070309020205020404" pitchFamily="49" charset="0"/>
-                  <a:cs typeface="Courier New" panose="02070309020205020404" pitchFamily="49" charset="0"/>
-                </a:rPr>
-                <a:t>$ module purge</a:t>
-              </a:r>
-            </a:p>
-            <a:p>
-              <a:r>
-                <a:rPr lang="en-US" sz="2400" b="1" dirty="0">
-                  <a:latin typeface="Courier New" panose="02070309020205020404" pitchFamily="49" charset="0"/>
-                  <a:cs typeface="Courier New" panose="02070309020205020404" pitchFamily="49" charset="0"/>
-                </a:rPr>
-                <a:t>$ module load intel/2022.1.2</a:t>
-              </a:r>
-            </a:p>
-            <a:p>
-              <a:r>
-                <a:rPr lang="en-US" sz="2400" b="1" dirty="0">
-                  <a:latin typeface="Courier New" panose="02070309020205020404" pitchFamily="49" charset="0"/>
-                  <a:cs typeface="Courier New" panose="02070309020205020404" pitchFamily="49" charset="0"/>
-                </a:rPr>
-                <a:t>$ module avail</a:t>
-              </a:r>
-            </a:p>
-            <a:p>
-              <a:r>
-                <a:rPr lang="en-US" sz="2400" b="1" dirty="0">
-                  <a:latin typeface="Courier New" panose="02070309020205020404" pitchFamily="49" charset="0"/>
-                  <a:cs typeface="Courier New" panose="02070309020205020404" pitchFamily="49" charset="0"/>
-                </a:rPr>
-                <a:t>$ module load impi</a:t>
-              </a:r>
-            </a:p>
-            <a:p>
-              <a:r>
-                <a:rPr lang="en-US" sz="2400" b="1" dirty="0">
-                  <a:latin typeface="Courier New" panose="02070309020205020404" pitchFamily="49" charset="0"/>
-                  <a:cs typeface="Courier New" panose="02070309020205020404" pitchFamily="49" charset="0"/>
-                </a:rPr>
-                <a:t>$ module avail</a:t>
-              </a:r>
-            </a:p>
-          </p:txBody>
-        </p:sp>
-      </p:grpSp>
       <p:grpSp>
         <p:nvGrpSpPr>
           <p:cNvPr id="10" name="Group 9">
@@ -29220,235 +27790,6 @@
           </p:txBody>
         </p:sp>
       </p:grpSp>
-      <p:sp>
-        <p:nvSpPr>
-          <p:cNvPr id="13" name="Slide Number Placeholder 12">
-            <a:extLst>
-              <a:ext uri="{FF2B5EF4-FFF2-40B4-BE49-F238E27FC236}">
-                <a16:creationId xmlns:a16="http://schemas.microsoft.com/office/drawing/2014/main" id="{4051ED02-28DF-8AE9-9A14-237F94B48A1F}"/>
-              </a:ext>
-            </a:extLst>
-          </p:cNvPr>
-          <p:cNvSpPr>
-            <a:spLocks noGrp="1"/>
-          </p:cNvSpPr>
-          <p:nvPr>
-            <p:ph type="sldNum" sz="quarter" idx="12"/>
-          </p:nvPr>
-        </p:nvSpPr>
-        <p:spPr/>
-        <p:txBody>
-          <a:bodyPr/>
-          <a:lstStyle/>
-          <a:p>
-            <a:fld id="{ABDA560F-461C-6043-9BC4-489BA92F7161}" type="slidenum">
-              <a:rPr lang="en-US" smtClean="0"/>
-              <a:t>8</a:t>
-            </a:fld>
-            <a:endParaRPr lang="en-US"/>
-          </a:p>
-        </p:txBody>
-      </p:sp>
-    </p:spTree>
-    <p:extLst>
-      <p:ext uri="{BB962C8B-B14F-4D97-AF65-F5344CB8AC3E}">
-        <p14:creationId xmlns:p14="http://schemas.microsoft.com/office/powerpoint/2010/main" val="1653447819"/>
-      </p:ext>
-    </p:extLst>
-  </p:cSld>
-  <p:clrMapOvr>
-    <a:masterClrMapping/>
-  </p:clrMapOvr>
-</p:sld>
-</file>
-
-<file path=ppt/slides/slide9.xml><?xml version="1.0" encoding="utf-8"?>
-<p:sld xmlns:a="http://schemas.openxmlformats.org/drawingml/2006/main" xmlns:r="http://schemas.openxmlformats.org/officeDocument/2006/relationships" xmlns:p="http://schemas.openxmlformats.org/presentationml/2006/main">
-  <p:cSld>
-    <p:spTree>
-      <p:nvGrpSpPr>
-        <p:cNvPr id="1" name=""/>
-        <p:cNvGrpSpPr/>
-        <p:nvPr/>
-      </p:nvGrpSpPr>
-      <p:grpSpPr>
-        <a:xfrm>
-          <a:off x="0" y="0"/>
-          <a:ext cx="0" cy="0"/>
-          <a:chOff x="0" y="0"/>
-          <a:chExt cx="0" cy="0"/>
-        </a:xfrm>
-      </p:grpSpPr>
-      <p:sp>
-        <p:nvSpPr>
-          <p:cNvPr id="2" name="Title 1">
-            <a:extLst>
-              <a:ext uri="{FF2B5EF4-FFF2-40B4-BE49-F238E27FC236}">
-                <a16:creationId xmlns:a16="http://schemas.microsoft.com/office/drawing/2014/main" id="{6FADF519-AE7F-36C9-168F-1F04A49B8831}"/>
-              </a:ext>
-            </a:extLst>
-          </p:cNvPr>
-          <p:cNvSpPr>
-            <a:spLocks noGrp="1"/>
-          </p:cNvSpPr>
-          <p:nvPr>
-            <p:ph type="title"/>
-          </p:nvPr>
-        </p:nvSpPr>
-        <p:spPr/>
-        <p:txBody>
-          <a:bodyPr/>
-          <a:lstStyle/>
-          <a:p>
-            <a:r>
-              <a:rPr lang="en-US" b="1">
-                <a:latin typeface="Century Gothic" panose="020B0502020202020204" pitchFamily="34" charset="0"/>
-              </a:rPr>
-              <a:t>The Module System </a:t>
-            </a:r>
-          </a:p>
-        </p:txBody>
-      </p:sp>
-      <p:sp>
-        <p:nvSpPr>
-          <p:cNvPr id="3" name="Content Placeholder 2">
-            <a:extLst>
-              <a:ext uri="{FF2B5EF4-FFF2-40B4-BE49-F238E27FC236}">
-                <a16:creationId xmlns:a16="http://schemas.microsoft.com/office/drawing/2014/main" id="{6484EA7B-346E-9CB5-DB70-6227BCA98122}"/>
-              </a:ext>
-            </a:extLst>
-          </p:cNvPr>
-          <p:cNvSpPr>
-            <a:spLocks noGrp="1"/>
-          </p:cNvSpPr>
-          <p:nvPr>
-            <p:ph idx="1"/>
-          </p:nvPr>
-        </p:nvSpPr>
-        <p:spPr>
-          <a:xfrm>
-            <a:off x="838200" y="2076512"/>
-            <a:ext cx="10515600" cy="3879850"/>
-          </a:xfrm>
-        </p:spPr>
-        <p:txBody>
-          <a:bodyPr>
-            <a:normAutofit/>
-          </a:bodyPr>
-          <a:lstStyle/>
-          <a:p>
-            <a:pPr marL="0" indent="0">
-              <a:buNone/>
-            </a:pPr>
-            <a:r>
-              <a:rPr lang="en-US" sz="3200" i="1" dirty="0">
-                <a:latin typeface="Century Gothic" panose="020B0502020202020204" pitchFamily="34" charset="0"/>
-                <a:ea typeface="Helvetica Neue" panose="02000503000000020004" pitchFamily="2" charset="0"/>
-                <a:cs typeface="Helvetica Neue" panose="02000503000000020004" pitchFamily="2" charset="0"/>
-              </a:rPr>
-              <a:t>Live Demo</a:t>
-            </a:r>
-            <a:r>
-              <a:rPr lang="en-US" sz="3200" dirty="0">
-                <a:latin typeface="Century Gothic" panose="020B0502020202020204" pitchFamily="34" charset="0"/>
-                <a:ea typeface="Helvetica Neue" panose="02000503000000020004" pitchFamily="2" charset="0"/>
-                <a:cs typeface="Helvetica Neue" panose="02000503000000020004" pitchFamily="2" charset="0"/>
-              </a:rPr>
-              <a:t>: Loading and unloading modules will set (and reset) important environment variables for you.</a:t>
-            </a:r>
-          </a:p>
-          <a:p>
-            <a:pPr marL="0" indent="0">
-              <a:buNone/>
-            </a:pPr>
-            <a:endParaRPr lang="en-US" sz="3200" b="1" dirty="0">
-              <a:solidFill>
-                <a:srgbClr val="202122"/>
-              </a:solidFill>
-              <a:latin typeface="Century Gothic" panose="020B0502020202020204" pitchFamily="34" charset="0"/>
-            </a:endParaRPr>
-          </a:p>
-          <a:p>
-            <a:pPr marL="0" indent="0">
-              <a:buNone/>
-            </a:pPr>
-            <a:endParaRPr lang="en-US" dirty="0">
-              <a:solidFill>
-                <a:srgbClr val="202122"/>
-              </a:solidFill>
-              <a:latin typeface="Century Gothic" panose="020B0502020202020204" pitchFamily="34" charset="0"/>
-            </a:endParaRPr>
-          </a:p>
-          <a:p>
-            <a:pPr marL="0" indent="0">
-              <a:buNone/>
-            </a:pPr>
-            <a:endParaRPr lang="en-US" sz="3200" dirty="0">
-              <a:latin typeface="Century Gothic" panose="020B0502020202020204" pitchFamily="34" charset="0"/>
-            </a:endParaRPr>
-          </a:p>
-        </p:txBody>
-      </p:sp>
-      <p:sp>
-        <p:nvSpPr>
-          <p:cNvPr id="4" name="Date Placeholder 3">
-            <a:extLst>
-              <a:ext uri="{FF2B5EF4-FFF2-40B4-BE49-F238E27FC236}">
-                <a16:creationId xmlns:a16="http://schemas.microsoft.com/office/drawing/2014/main" id="{FB497113-4E89-1CAC-8F64-8E901EF4D66E}"/>
-              </a:ext>
-            </a:extLst>
-          </p:cNvPr>
-          <p:cNvSpPr>
-            <a:spLocks noGrp="1"/>
-          </p:cNvSpPr>
-          <p:nvPr>
-            <p:ph type="dt" sz="half" idx="10"/>
-          </p:nvPr>
-        </p:nvSpPr>
-        <p:spPr/>
-        <p:txBody>
-          <a:bodyPr/>
-          <a:lstStyle/>
-          <a:p>
-            <a:pPr algn="ctr"/>
-            <a:r>
-              <a:rPr lang="en-US"/>
-              <a:t>8/14/24</a:t>
-            </a:r>
-            <a:endParaRPr lang="en-US" dirty="0"/>
-          </a:p>
-        </p:txBody>
-      </p:sp>
-      <p:pic>
-        <p:nvPicPr>
-          <p:cNvPr id="8" name="Picture 7" descr="A picture containing graphics, screenshot, font, graphic design&#10;&#10;Description automatically generated">
-            <a:extLst>
-              <a:ext uri="{FF2B5EF4-FFF2-40B4-BE49-F238E27FC236}">
-                <a16:creationId xmlns:a16="http://schemas.microsoft.com/office/drawing/2014/main" id="{A9F43A77-4393-CCF1-83C1-AE60C4D575C9}"/>
-              </a:ext>
-            </a:extLst>
-          </p:cNvPr>
-          <p:cNvPicPr>
-            <a:picLocks noChangeAspect="1"/>
-          </p:cNvPicPr>
-          <p:nvPr/>
-        </p:nvPicPr>
-        <p:blipFill>
-          <a:blip r:embed="rId3"/>
-          <a:stretch>
-            <a:fillRect/>
-          </a:stretch>
-        </p:blipFill>
-        <p:spPr>
-          <a:xfrm>
-            <a:off x="7886700" y="365125"/>
-            <a:ext cx="3467100" cy="1181100"/>
-          </a:xfrm>
-          <a:prstGeom prst="rect">
-            <a:avLst/>
-          </a:prstGeom>
-        </p:spPr>
-      </p:pic>
       <p:grpSp>
         <p:nvGrpSpPr>
           <p:cNvPr id="6" name="Group 5">
@@ -29463,10 +27804,10 @@
         </p:nvGrpSpPr>
         <p:grpSpPr>
           <a:xfrm>
-            <a:off x="252984" y="3588459"/>
-            <a:ext cx="5745480" cy="2049256"/>
+            <a:off x="252984" y="3588457"/>
+            <a:ext cx="5745480" cy="2117016"/>
             <a:chOff x="1863085" y="4469527"/>
-            <a:chExt cx="13820837" cy="921766"/>
+            <a:chExt cx="13820837" cy="952245"/>
           </a:xfrm>
         </p:grpSpPr>
         <p:sp>
@@ -29484,7 +27825,7 @@
           <p:spPr>
             <a:xfrm>
               <a:off x="1863085" y="4469527"/>
-              <a:ext cx="13820837" cy="921766"/>
+              <a:ext cx="13820837" cy="952245"/>
             </a:xfrm>
             <a:prstGeom prst="rect">
               <a:avLst/>
@@ -29540,7 +27881,7 @@
           </p:nvSpPr>
           <p:spPr>
             <a:xfrm>
-              <a:off x="2047453" y="4519124"/>
+              <a:off x="2047451" y="4519123"/>
               <a:ext cx="13636469" cy="872169"/>
             </a:xfrm>
             <a:prstGeom prst="rect">
@@ -29568,7 +27909,7 @@
                   <a:latin typeface="Courier New" panose="02070309020205020404" pitchFamily="49" charset="0"/>
                   <a:cs typeface="Courier New" panose="02070309020205020404" pitchFamily="49" charset="0"/>
                 </a:rPr>
-                <a:t>$ module load intel</a:t>
+                <a:t>$ module load intel/2022.1.2</a:t>
               </a:r>
             </a:p>
             <a:p>
@@ -29577,7 +27918,7 @@
                   <a:latin typeface="Courier New" panose="02070309020205020404" pitchFamily="49" charset="0"/>
                   <a:cs typeface="Courier New" panose="02070309020205020404" pitchFamily="49" charset="0"/>
                 </a:rPr>
-                <a:t>$ module load hdf5</a:t>
+                <a:t>$ module avail</a:t>
               </a:r>
             </a:p>
             <a:p>
@@ -29586,7 +27927,7 @@
                   <a:latin typeface="Courier New" panose="02070309020205020404" pitchFamily="49" charset="0"/>
                   <a:cs typeface="Courier New" panose="02070309020205020404" pitchFamily="49" charset="0"/>
                 </a:rPr>
-                <a:t>$ module display hdf5</a:t>
+                <a:t>$ module load impi</a:t>
               </a:r>
             </a:p>
             <a:p>
@@ -29595,12 +27936,206 @@
                   <a:latin typeface="Courier New" panose="02070309020205020404" pitchFamily="49" charset="0"/>
                   <a:cs typeface="Courier New" panose="02070309020205020404" pitchFamily="49" charset="0"/>
                 </a:rPr>
-                <a:t>$ env | grep HDF5</a:t>
+                <a:t>$ module avail</a:t>
               </a:r>
             </a:p>
           </p:txBody>
         </p:sp>
       </p:grpSp>
+      <p:sp>
+        <p:nvSpPr>
+          <p:cNvPr id="3" name="Content Placeholder 2">
+            <a:extLst>
+              <a:ext uri="{FF2B5EF4-FFF2-40B4-BE49-F238E27FC236}">
+                <a16:creationId xmlns:a16="http://schemas.microsoft.com/office/drawing/2014/main" id="{6484EA7B-346E-9CB5-DB70-6227BCA98122}"/>
+              </a:ext>
+            </a:extLst>
+          </p:cNvPr>
+          <p:cNvSpPr>
+            <a:spLocks noGrp="1"/>
+          </p:cNvSpPr>
+          <p:nvPr>
+            <p:ph idx="1"/>
+          </p:nvPr>
+        </p:nvSpPr>
+        <p:spPr/>
+        <p:txBody>
+          <a:bodyPr>
+            <a:normAutofit/>
+          </a:bodyPr>
+          <a:lstStyle/>
+          <a:p>
+            <a:pPr marL="0" indent="0">
+              <a:buNone/>
+            </a:pPr>
+            <a:r>
+              <a:rPr lang="en-US" sz="3200" i="1" dirty="0">
+                <a:latin typeface="Century Gothic" panose="020B0502020202020204" pitchFamily="34" charset="0"/>
+                <a:ea typeface="Helvetica Neue" panose="02000503000000020004" pitchFamily="2" charset="0"/>
+                <a:cs typeface="Helvetica Neue" panose="02000503000000020004" pitchFamily="2" charset="0"/>
+              </a:rPr>
+              <a:t>Live Demo</a:t>
+            </a:r>
+            <a:r>
+              <a:rPr lang="en-US" sz="3200" dirty="0">
+                <a:latin typeface="Century Gothic" panose="020B0502020202020204" pitchFamily="34" charset="0"/>
+                <a:ea typeface="Helvetica Neue" panose="02000503000000020004" pitchFamily="2" charset="0"/>
+                <a:cs typeface="Helvetica Neue" panose="02000503000000020004" pitchFamily="2" charset="0"/>
+              </a:rPr>
+              <a:t>: Loading and unloading modules will dynamically change the software environment on the cluster.</a:t>
+            </a:r>
+          </a:p>
+          <a:p>
+            <a:pPr marL="0" indent="0">
+              <a:buNone/>
+            </a:pPr>
+            <a:endParaRPr lang="en-US" sz="3200" b="1" dirty="0">
+              <a:solidFill>
+                <a:srgbClr val="202122"/>
+              </a:solidFill>
+              <a:latin typeface="Century Gothic" panose="020B0502020202020204" pitchFamily="34" charset="0"/>
+            </a:endParaRPr>
+          </a:p>
+          <a:p>
+            <a:pPr marL="0" indent="0">
+              <a:buNone/>
+            </a:pPr>
+            <a:endParaRPr lang="en-US" dirty="0">
+              <a:solidFill>
+                <a:srgbClr val="202122"/>
+              </a:solidFill>
+              <a:latin typeface="Century Gothic" panose="020B0502020202020204" pitchFamily="34" charset="0"/>
+            </a:endParaRPr>
+          </a:p>
+          <a:p>
+            <a:pPr marL="0" indent="0">
+              <a:buNone/>
+            </a:pPr>
+            <a:endParaRPr lang="en-US" sz="3200" dirty="0">
+              <a:latin typeface="Century Gothic" panose="020B0502020202020204" pitchFamily="34" charset="0"/>
+            </a:endParaRPr>
+          </a:p>
+        </p:txBody>
+      </p:sp>
+      <p:pic>
+        <p:nvPicPr>
+          <p:cNvPr id="8" name="Picture 7" descr="Logo for the Lmod module system used on Alpine">
+            <a:extLst>
+              <a:ext uri="{FF2B5EF4-FFF2-40B4-BE49-F238E27FC236}">
+                <a16:creationId xmlns:a16="http://schemas.microsoft.com/office/drawing/2014/main" id="{A9F43A77-4393-CCF1-83C1-AE60C4D575C9}"/>
+              </a:ext>
+            </a:extLst>
+          </p:cNvPr>
+          <p:cNvPicPr>
+            <a:picLocks noChangeAspect="1"/>
+          </p:cNvPicPr>
+          <p:nvPr/>
+        </p:nvPicPr>
+        <p:blipFill>
+          <a:blip r:embed="rId3"/>
+          <a:stretch>
+            <a:fillRect/>
+          </a:stretch>
+        </p:blipFill>
+        <p:spPr>
+          <a:xfrm>
+            <a:off x="7886700" y="365125"/>
+            <a:ext cx="3467100" cy="1181100"/>
+          </a:xfrm>
+          <a:prstGeom prst="rect">
+            <a:avLst/>
+          </a:prstGeom>
+        </p:spPr>
+      </p:pic>
+      <p:sp>
+        <p:nvSpPr>
+          <p:cNvPr id="2" name="Title 1">
+            <a:extLst>
+              <a:ext uri="{FF2B5EF4-FFF2-40B4-BE49-F238E27FC236}">
+                <a16:creationId xmlns:a16="http://schemas.microsoft.com/office/drawing/2014/main" id="{6FADF519-AE7F-36C9-168F-1F04A49B8831}"/>
+              </a:ext>
+            </a:extLst>
+          </p:cNvPr>
+          <p:cNvSpPr>
+            <a:spLocks noGrp="1"/>
+          </p:cNvSpPr>
+          <p:nvPr>
+            <p:ph type="title"/>
+          </p:nvPr>
+        </p:nvSpPr>
+        <p:spPr/>
+        <p:txBody>
+          <a:bodyPr/>
+          <a:lstStyle/>
+          <a:p>
+            <a:r>
+              <a:rPr lang="en-US" b="1" dirty="0">
+                <a:latin typeface="Century Gothic" panose="020B0502020202020204" pitchFamily="34" charset="0"/>
+              </a:rPr>
+              <a:t>The Module System </a:t>
+            </a:r>
+          </a:p>
+        </p:txBody>
+      </p:sp>
+    </p:spTree>
+    <p:extLst>
+      <p:ext uri="{BB962C8B-B14F-4D97-AF65-F5344CB8AC3E}">
+        <p14:creationId xmlns:p14="http://schemas.microsoft.com/office/powerpoint/2010/main" val="1653447819"/>
+      </p:ext>
+    </p:extLst>
+  </p:cSld>
+  <p:clrMapOvr>
+    <a:masterClrMapping/>
+  </p:clrMapOvr>
+</p:sld>
+</file>
+
+<file path=ppt/slides/slide9.xml><?xml version="1.0" encoding="utf-8"?>
+<p:sld xmlns:a="http://schemas.openxmlformats.org/drawingml/2006/main" xmlns:r="http://schemas.openxmlformats.org/officeDocument/2006/relationships" xmlns:p="http://schemas.openxmlformats.org/presentationml/2006/main">
+  <p:cSld>
+    <p:spTree>
+      <p:nvGrpSpPr>
+        <p:cNvPr id="1" name=""/>
+        <p:cNvGrpSpPr/>
+        <p:nvPr/>
+      </p:nvGrpSpPr>
+      <p:grpSpPr>
+        <a:xfrm>
+          <a:off x="0" y="0"/>
+          <a:ext cx="0" cy="0"/>
+          <a:chOff x="0" y="0"/>
+          <a:chExt cx="0" cy="0"/>
+        </a:xfrm>
+      </p:grpSpPr>
+      <p:sp>
+        <p:nvSpPr>
+          <p:cNvPr id="5" name="Slide Number Placeholder 4">
+            <a:extLst>
+              <a:ext uri="{FF2B5EF4-FFF2-40B4-BE49-F238E27FC236}">
+                <a16:creationId xmlns:a16="http://schemas.microsoft.com/office/drawing/2014/main" id="{28E68972-383B-AE34-0255-3C6FBA73E088}"/>
+              </a:ext>
+            </a:extLst>
+          </p:cNvPr>
+          <p:cNvSpPr>
+            <a:spLocks noGrp="1"/>
+          </p:cNvSpPr>
+          <p:nvPr>
+            <p:ph type="sldNum" sz="quarter" idx="12"/>
+          </p:nvPr>
+        </p:nvSpPr>
+        <p:spPr/>
+        <p:txBody>
+          <a:bodyPr/>
+          <a:lstStyle/>
+          <a:p>
+            <a:fld id="{ABDA560F-461C-6043-9BC4-489BA92F7161}" type="slidenum">
+              <a:rPr lang="en-US" smtClean="0"/>
+              <a:t>9</a:t>
+            </a:fld>
+            <a:endParaRPr lang="en-US"/>
+          </a:p>
+        </p:txBody>
+      </p:sp>
       <p:grpSp>
         <p:nvGrpSpPr>
           <p:cNvPr id="10" name="Group 9">
@@ -29764,12 +28299,164 @@
           </p:txBody>
         </p:sp>
       </p:grpSp>
+      <p:grpSp>
+        <p:nvGrpSpPr>
+          <p:cNvPr id="6" name="Group 5">
+            <a:extLst>
+              <a:ext uri="{FF2B5EF4-FFF2-40B4-BE49-F238E27FC236}">
+                <a16:creationId xmlns:a16="http://schemas.microsoft.com/office/drawing/2014/main" id="{29BC9ACC-85CF-40C5-093F-B565739DAF49}"/>
+              </a:ext>
+            </a:extLst>
+          </p:cNvPr>
+          <p:cNvGrpSpPr/>
+          <p:nvPr/>
+        </p:nvGrpSpPr>
+        <p:grpSpPr>
+          <a:xfrm>
+            <a:off x="252984" y="3588459"/>
+            <a:ext cx="5745480" cy="2049256"/>
+            <a:chOff x="1863085" y="4469527"/>
+            <a:chExt cx="13820837" cy="921766"/>
+          </a:xfrm>
+        </p:grpSpPr>
+        <p:sp>
+          <p:nvSpPr>
+            <p:cNvPr id="7" name="Rectangle 6">
+              <a:extLst>
+                <a:ext uri="{FF2B5EF4-FFF2-40B4-BE49-F238E27FC236}">
+                  <a16:creationId xmlns:a16="http://schemas.microsoft.com/office/drawing/2014/main" id="{405E92EA-D55E-6152-BAD1-5E0AAF2DFC85}"/>
+                </a:ext>
+              </a:extLst>
+            </p:cNvPr>
+            <p:cNvSpPr/>
+            <p:nvPr/>
+          </p:nvSpPr>
+          <p:spPr>
+            <a:xfrm>
+              <a:off x="1863085" y="4469527"/>
+              <a:ext cx="13820837" cy="921766"/>
+            </a:xfrm>
+            <a:prstGeom prst="rect">
+              <a:avLst/>
+            </a:prstGeom>
+            <a:solidFill>
+              <a:schemeClr val="bg2">
+                <a:lumMod val="90000"/>
+              </a:schemeClr>
+            </a:solidFill>
+            <a:ln>
+              <a:noFill/>
+            </a:ln>
+            <a:effectLst>
+              <a:softEdge rad="12700"/>
+            </a:effectLst>
+          </p:spPr>
+          <p:style>
+            <a:lnRef idx="2">
+              <a:schemeClr val="accent1">
+                <a:shade val="50000"/>
+              </a:schemeClr>
+            </a:lnRef>
+            <a:fillRef idx="1">
+              <a:schemeClr val="accent1"/>
+            </a:fillRef>
+            <a:effectRef idx="0">
+              <a:schemeClr val="accent1"/>
+            </a:effectRef>
+            <a:fontRef idx="minor">
+              <a:schemeClr val="lt1"/>
+            </a:fontRef>
+          </p:style>
+          <p:txBody>
+            <a:bodyPr rtlCol="0" anchor="ctr"/>
+            <a:lstStyle/>
+            <a:p>
+              <a:pPr algn="ctr"/>
+              <a:endParaRPr lang="en-US"/>
+            </a:p>
+          </p:txBody>
+        </p:sp>
+        <p:sp>
+          <p:nvSpPr>
+            <p:cNvPr id="9" name="TextBox 8">
+              <a:extLst>
+                <a:ext uri="{FF2B5EF4-FFF2-40B4-BE49-F238E27FC236}">
+                  <a16:creationId xmlns:a16="http://schemas.microsoft.com/office/drawing/2014/main" id="{F28BEBCD-EA41-F501-5F36-8AEA80BE829A}"/>
+                </a:ext>
+              </a:extLst>
+            </p:cNvPr>
+            <p:cNvSpPr txBox="1"/>
+            <p:nvPr/>
+          </p:nvSpPr>
+          <p:spPr>
+            <a:xfrm>
+              <a:off x="2047453" y="4519124"/>
+              <a:ext cx="13636469" cy="872169"/>
+            </a:xfrm>
+            <a:prstGeom prst="rect">
+              <a:avLst/>
+            </a:prstGeom>
+            <a:noFill/>
+          </p:spPr>
+          <p:txBody>
+            <a:bodyPr wrap="square" rtlCol="0">
+              <a:spAutoFit/>
+            </a:bodyPr>
+            <a:lstStyle/>
+            <a:p>
+              <a:r>
+                <a:rPr lang="en-US" sz="2400" b="1" dirty="0">
+                  <a:latin typeface="Courier New" panose="02070309020205020404" pitchFamily="49" charset="0"/>
+                  <a:cs typeface="Courier New" panose="02070309020205020404" pitchFamily="49" charset="0"/>
+                </a:rPr>
+                <a:t>$ module purge</a:t>
+              </a:r>
+            </a:p>
+            <a:p>
+              <a:r>
+                <a:rPr lang="en-US" sz="2400" b="1" dirty="0">
+                  <a:latin typeface="Courier New" panose="02070309020205020404" pitchFamily="49" charset="0"/>
+                  <a:cs typeface="Courier New" panose="02070309020205020404" pitchFamily="49" charset="0"/>
+                </a:rPr>
+                <a:t>$ module load intel</a:t>
+              </a:r>
+            </a:p>
+            <a:p>
+              <a:r>
+                <a:rPr lang="en-US" sz="2400" b="1" dirty="0">
+                  <a:latin typeface="Courier New" panose="02070309020205020404" pitchFamily="49" charset="0"/>
+                  <a:cs typeface="Courier New" panose="02070309020205020404" pitchFamily="49" charset="0"/>
+                </a:rPr>
+                <a:t>$ module load hdf5</a:t>
+              </a:r>
+            </a:p>
+            <a:p>
+              <a:r>
+                <a:rPr lang="en-US" sz="2400" b="1" dirty="0">
+                  <a:latin typeface="Courier New" panose="02070309020205020404" pitchFamily="49" charset="0"/>
+                  <a:cs typeface="Courier New" panose="02070309020205020404" pitchFamily="49" charset="0"/>
+                </a:rPr>
+                <a:t>$ module display hdf5</a:t>
+              </a:r>
+            </a:p>
+            <a:p>
+              <a:r>
+                <a:rPr lang="en-US" sz="2400" b="1" dirty="0">
+                  <a:latin typeface="Courier New" panose="02070309020205020404" pitchFamily="49" charset="0"/>
+                  <a:cs typeface="Courier New" panose="02070309020205020404" pitchFamily="49" charset="0"/>
+                </a:rPr>
+                <a:t>$ env | grep HDF5</a:t>
+              </a:r>
+            </a:p>
+          </p:txBody>
+        </p:sp>
+      </p:grpSp>
       <p:sp>
         <p:nvSpPr>
-          <p:cNvPr id="13" name="Slide Number Placeholder 12">
+          <p:cNvPr id="3" name="Content Placeholder 2">
             <a:extLst>
               <a:ext uri="{FF2B5EF4-FFF2-40B4-BE49-F238E27FC236}">
-                <a16:creationId xmlns:a16="http://schemas.microsoft.com/office/drawing/2014/main" id="{BB745D6A-A74F-04DB-D344-D1F8DCD8C866}"/>
+                <a16:creationId xmlns:a16="http://schemas.microsoft.com/office/drawing/2014/main" id="{6484EA7B-346E-9CB5-DB70-6227BCA98122}"/>
               </a:ext>
             </a:extLst>
           </p:cNvPr>
@@ -29777,7 +28464,117 @@
             <a:spLocks noGrp="1"/>
           </p:cNvSpPr>
           <p:nvPr>
-            <p:ph type="sldNum" sz="quarter" idx="12"/>
+            <p:ph idx="1"/>
+          </p:nvPr>
+        </p:nvSpPr>
+        <p:spPr>
+          <a:xfrm>
+            <a:off x="838200" y="2076512"/>
+            <a:ext cx="10515600" cy="3879850"/>
+          </a:xfrm>
+        </p:spPr>
+        <p:txBody>
+          <a:bodyPr>
+            <a:normAutofit/>
+          </a:bodyPr>
+          <a:lstStyle/>
+          <a:p>
+            <a:pPr marL="0" indent="0">
+              <a:buNone/>
+            </a:pPr>
+            <a:r>
+              <a:rPr lang="en-US" sz="3200" i="1" dirty="0">
+                <a:latin typeface="Century Gothic" panose="020B0502020202020204" pitchFamily="34" charset="0"/>
+                <a:ea typeface="Helvetica Neue" panose="02000503000000020004" pitchFamily="2" charset="0"/>
+                <a:cs typeface="Helvetica Neue" panose="02000503000000020004" pitchFamily="2" charset="0"/>
+              </a:rPr>
+              <a:t>Live Demo</a:t>
+            </a:r>
+            <a:r>
+              <a:rPr lang="en-US" sz="3200" dirty="0">
+                <a:latin typeface="Century Gothic" panose="020B0502020202020204" pitchFamily="34" charset="0"/>
+                <a:ea typeface="Helvetica Neue" panose="02000503000000020004" pitchFamily="2" charset="0"/>
+                <a:cs typeface="Helvetica Neue" panose="02000503000000020004" pitchFamily="2" charset="0"/>
+              </a:rPr>
+              <a:t>: Loading and unloading modules will set (and reset) important environment variables for you.</a:t>
+            </a:r>
+          </a:p>
+          <a:p>
+            <a:pPr marL="0" indent="0">
+              <a:buNone/>
+            </a:pPr>
+            <a:endParaRPr lang="en-US" sz="3200" b="1" dirty="0">
+              <a:solidFill>
+                <a:srgbClr val="202122"/>
+              </a:solidFill>
+              <a:latin typeface="Century Gothic" panose="020B0502020202020204" pitchFamily="34" charset="0"/>
+            </a:endParaRPr>
+          </a:p>
+          <a:p>
+            <a:pPr marL="0" indent="0">
+              <a:buNone/>
+            </a:pPr>
+            <a:endParaRPr lang="en-US" dirty="0">
+              <a:solidFill>
+                <a:srgbClr val="202122"/>
+              </a:solidFill>
+              <a:latin typeface="Century Gothic" panose="020B0502020202020204" pitchFamily="34" charset="0"/>
+            </a:endParaRPr>
+          </a:p>
+          <a:p>
+            <a:pPr marL="0" indent="0">
+              <a:buNone/>
+            </a:pPr>
+            <a:endParaRPr lang="en-US" sz="3200" dirty="0">
+              <a:latin typeface="Century Gothic" panose="020B0502020202020204" pitchFamily="34" charset="0"/>
+            </a:endParaRPr>
+          </a:p>
+        </p:txBody>
+      </p:sp>
+      <p:pic>
+        <p:nvPicPr>
+          <p:cNvPr id="8" name="Picture 7" descr="Logo for the Lmod module system used on Alpine">
+            <a:extLst>
+              <a:ext uri="{FF2B5EF4-FFF2-40B4-BE49-F238E27FC236}">
+                <a16:creationId xmlns:a16="http://schemas.microsoft.com/office/drawing/2014/main" id="{A9F43A77-4393-CCF1-83C1-AE60C4D575C9}"/>
+              </a:ext>
+            </a:extLst>
+          </p:cNvPr>
+          <p:cNvPicPr>
+            <a:picLocks noChangeAspect="1"/>
+          </p:cNvPicPr>
+          <p:nvPr/>
+        </p:nvPicPr>
+        <p:blipFill>
+          <a:blip r:embed="rId3"/>
+          <a:stretch>
+            <a:fillRect/>
+          </a:stretch>
+        </p:blipFill>
+        <p:spPr>
+          <a:xfrm>
+            <a:off x="7886700" y="365125"/>
+            <a:ext cx="3467100" cy="1181100"/>
+          </a:xfrm>
+          <a:prstGeom prst="rect">
+            <a:avLst/>
+          </a:prstGeom>
+        </p:spPr>
+      </p:pic>
+      <p:sp>
+        <p:nvSpPr>
+          <p:cNvPr id="2" name="Title 1">
+            <a:extLst>
+              <a:ext uri="{FF2B5EF4-FFF2-40B4-BE49-F238E27FC236}">
+                <a16:creationId xmlns:a16="http://schemas.microsoft.com/office/drawing/2014/main" id="{6FADF519-AE7F-36C9-168F-1F04A49B8831}"/>
+              </a:ext>
+            </a:extLst>
+          </p:cNvPr>
+          <p:cNvSpPr>
+            <a:spLocks noGrp="1"/>
+          </p:cNvSpPr>
+          <p:nvPr>
+            <p:ph type="title"/>
           </p:nvPr>
         </p:nvSpPr>
         <p:spPr/>
@@ -29785,11 +28582,12 @@
           <a:bodyPr/>
           <a:lstStyle/>
           <a:p>
-            <a:fld id="{ABDA560F-461C-6043-9BC4-489BA92F7161}" type="slidenum">
-              <a:rPr lang="en-US" smtClean="0"/>
-              <a:t>9</a:t>
-            </a:fld>
-            <a:endParaRPr lang="en-US"/>
+            <a:r>
+              <a:rPr lang="en-US" b="1" dirty="0">
+                <a:latin typeface="Century Gothic" panose="020B0502020202020204" pitchFamily="34" charset="0"/>
+              </a:rPr>
+              <a:t>The Module System </a:t>
+            </a:r>
           </a:p>
         </p:txBody>
       </p:sp>
@@ -30363,6 +29161,15 @@
 </file>
 
 <file path=customXml/item1.xml><?xml version="1.0" encoding="utf-8"?>
+<?mso-contentType ?>
+<FormTemplates xmlns="http://schemas.microsoft.com/sharepoint/v3/contenttype/forms">
+  <Display>DocumentLibraryForm</Display>
+  <Edit>DocumentLibraryForm</Edit>
+  <New>DocumentLibraryForm</New>
+</FormTemplates>
+</file>
+
+<file path=customXml/item2.xml><?xml version="1.0" encoding="utf-8"?>
 <p:properties xmlns:p="http://schemas.microsoft.com/office/2006/metadata/properties" xmlns:xsi="http://www.w3.org/2001/XMLSchema-instance" xmlns:pc="http://schemas.microsoft.com/office/infopath/2007/PartnerControls">
   <documentManagement>
     <TaxCatchAll xmlns="92c16b9d-8c83-445e-a4f4-1fe3d2f43f13" xsi:nil="true"/>
@@ -30373,7 +29180,7 @@
 </p:properties>
 </file>
 
-<file path=customXml/item2.xml><?xml version="1.0" encoding="utf-8"?>
+<file path=customXml/item3.xml><?xml version="1.0" encoding="utf-8"?>
 <ct:contentTypeSchema xmlns:ct="http://schemas.microsoft.com/office/2006/metadata/contentType" xmlns:ma="http://schemas.microsoft.com/office/2006/metadata/properties/metaAttributes" ct:_="" ma:_="" ma:contentTypeName="Document" ma:contentTypeID="0x010100DC7320DB280744439FF1CC777D09ECA4" ma:contentTypeVersion="15" ma:contentTypeDescription="Create a new document." ma:contentTypeScope="" ma:versionID="e50b92032c956cc777cf00ac7d475189">
   <xsd:schema xmlns:xsd="http://www.w3.org/2001/XMLSchema" xmlns:xs="http://www.w3.org/2001/XMLSchema" xmlns:p="http://schemas.microsoft.com/office/2006/metadata/properties" xmlns:ns2="7e49f7d3-8802-46ca-9604-495ce27f67f4" xmlns:ns3="a1519f9a-9d6a-41c1-afc9-552e4069f82f" xmlns:ns4="92c16b9d-8c83-445e-a4f4-1fe3d2f43f13" targetNamespace="http://schemas.microsoft.com/office/2006/metadata/properties" ma:root="true" ma:fieldsID="fcd7cab68a23f1df7b42ced4f3edf141" ns2:_="" ns3:_="" ns4:_="">
     <xsd:import namespace="7e49f7d3-8802-46ca-9604-495ce27f67f4"/>
@@ -30615,16 +29422,15 @@
 </ct:contentTypeSchema>
 </file>
 
-<file path=customXml/item3.xml><?xml version="1.0" encoding="utf-8"?>
-<?mso-contentType ?>
-<FormTemplates xmlns="http://schemas.microsoft.com/sharepoint/v3/contenttype/forms">
-  <Display>DocumentLibraryForm</Display>
-  <Edit>DocumentLibraryForm</Edit>
-  <New>DocumentLibraryForm</New>
-</FormTemplates>
+<file path=customXml/itemProps1.xml><?xml version="1.0" encoding="utf-8"?>
+<ds:datastoreItem xmlns:ds="http://schemas.openxmlformats.org/officeDocument/2006/customXml" ds:itemID="{06B4C708-AA43-4CE7-BE2D-F9D9A02F4940}">
+  <ds:schemaRefs>
+    <ds:schemaRef ds:uri="http://schemas.microsoft.com/sharepoint/v3/contenttype/forms"/>
+  </ds:schemaRefs>
+</ds:datastoreItem>
 </file>
 
-<file path=customXml/itemProps1.xml><?xml version="1.0" encoding="utf-8"?>
+<file path=customXml/itemProps2.xml><?xml version="1.0" encoding="utf-8"?>
 <ds:datastoreItem xmlns:ds="http://schemas.openxmlformats.org/officeDocument/2006/customXml" ds:itemID="{4AB02FF4-25A1-49FE-9DF7-DD19F525B7FA}">
   <ds:schemaRefs>
     <ds:schemaRef ds:uri="7e49f7d3-8802-46ca-9604-495ce27f67f4"/>
@@ -30642,7 +29448,7 @@
 </ds:datastoreItem>
 </file>
 
-<file path=customXml/itemProps2.xml><?xml version="1.0" encoding="utf-8"?>
+<file path=customXml/itemProps3.xml><?xml version="1.0" encoding="utf-8"?>
 <ds:datastoreItem xmlns:ds="http://schemas.openxmlformats.org/officeDocument/2006/customXml" ds:itemID="{6BBC22CE-40EC-4545-8FE9-90326628051D}">
   <ds:schemaRefs>
     <ds:schemaRef ds:uri="7e49f7d3-8802-46ca-9604-495ce27f67f4"/>
@@ -30660,12 +29466,4 @@
     <ds:schemaRef ds:uri="http://www.w3.org/2001/XMLSchema"/>
   </ds:schemaRefs>
 </ds:datastoreItem>
-</file>
-
-<file path=customXml/itemProps3.xml><?xml version="1.0" encoding="utf-8"?>
-<ds:datastoreItem xmlns:ds="http://schemas.openxmlformats.org/officeDocument/2006/customXml" ds:itemID="{06B4C708-AA43-4CE7-BE2D-F9D9A02F4940}">
-  <ds:schemaRefs>
-    <ds:schemaRef ds:uri="http://schemas.microsoft.com/sharepoint/v3/contenttype/forms"/>
-  </ds:schemaRefs>
-</ds:datastoreItem>
 </file>
--- a/installing_software/installing_software.pptx
+++ b/installing_software/installing_software.pptx
@@ -5328,6 +5328,44 @@
       </p:sp>
       <p:sp>
         <p:nvSpPr>
+          <p:cNvPr id="4" name="TextBox 3">
+            <a:extLst>
+              <a:ext uri="{FF2B5EF4-FFF2-40B4-BE49-F238E27FC236}">
+                <a16:creationId xmlns:a16="http://schemas.microsoft.com/office/drawing/2014/main" id="{C0720684-07B5-42CB-BCDA-C314E13F929D}"/>
+              </a:ext>
+            </a:extLst>
+          </p:cNvPr>
+          <p:cNvSpPr txBox="1"/>
+          <p:nvPr/>
+        </p:nvSpPr>
+        <p:spPr>
+          <a:xfrm>
+            <a:off x="4151586" y="3620100"/>
+            <a:ext cx="3699642" cy="523220"/>
+          </a:xfrm>
+          <a:prstGeom prst="rect">
+            <a:avLst/>
+          </a:prstGeom>
+          <a:noFill/>
+        </p:spPr>
+        <p:txBody>
+          <a:bodyPr wrap="square" rtlCol="0">
+            <a:spAutoFit/>
+          </a:bodyPr>
+          <a:lstStyle/>
+          <a:p>
+            <a:pPr algn="ctr"/>
+            <a:r>
+              <a:rPr lang="en-US" sz="2800" dirty="0">
+                <a:latin typeface="Century Gothic" panose="020B0502020202020204" pitchFamily="34" charset="0"/>
+              </a:rPr>
+              <a:t>January 9, 2025</a:t>
+            </a:r>
+          </a:p>
+        </p:txBody>
+      </p:sp>
+      <p:sp>
+        <p:nvSpPr>
           <p:cNvPr id="3" name="Subtitle 2">
             <a:extLst>
               <a:ext uri="{FF2B5EF4-FFF2-40B4-BE49-F238E27FC236}">
@@ -5368,44 +5406,6 @@
             <a:endParaRPr lang="en-US" dirty="0">
               <a:latin typeface="Century Gothic" panose="020B0502020202020204" pitchFamily="34" charset="0"/>
             </a:endParaRPr>
-          </a:p>
-        </p:txBody>
-      </p:sp>
-      <p:sp>
-        <p:nvSpPr>
-          <p:cNvPr id="4" name="TextBox 3">
-            <a:extLst>
-              <a:ext uri="{FF2B5EF4-FFF2-40B4-BE49-F238E27FC236}">
-                <a16:creationId xmlns:a16="http://schemas.microsoft.com/office/drawing/2014/main" id="{C0720684-07B5-42CB-BCDA-C314E13F929D}"/>
-              </a:ext>
-            </a:extLst>
-          </p:cNvPr>
-          <p:cNvSpPr txBox="1"/>
-          <p:nvPr/>
-        </p:nvSpPr>
-        <p:spPr>
-          <a:xfrm>
-            <a:off x="4151586" y="3620100"/>
-            <a:ext cx="3699642" cy="523220"/>
-          </a:xfrm>
-          <a:prstGeom prst="rect">
-            <a:avLst/>
-          </a:prstGeom>
-          <a:noFill/>
-        </p:spPr>
-        <p:txBody>
-          <a:bodyPr wrap="square" rtlCol="0">
-            <a:spAutoFit/>
-          </a:bodyPr>
-          <a:lstStyle/>
-          <a:p>
-            <a:pPr algn="ctr"/>
-            <a:r>
-              <a:rPr lang="en-US" sz="2800" dirty="0">
-                <a:latin typeface="Century Gothic" panose="020B0502020202020204" pitchFamily="34" charset="0"/>
-              </a:rPr>
-              <a:t>January 9, 2025</a:t>
-            </a:r>
           </a:p>
         </p:txBody>
       </p:sp>
@@ -5441,10 +5441,10 @@
       </p:grpSpPr>
       <p:sp>
         <p:nvSpPr>
-          <p:cNvPr id="5" name="Slide Number Placeholder 4">
+          <p:cNvPr id="2" name="Title 1">
             <a:extLst>
               <a:ext uri="{FF2B5EF4-FFF2-40B4-BE49-F238E27FC236}">
-                <a16:creationId xmlns:a16="http://schemas.microsoft.com/office/drawing/2014/main" id="{989BD25A-492E-955F-3228-1618C71C2BBA}"/>
+                <a16:creationId xmlns:a16="http://schemas.microsoft.com/office/drawing/2014/main" id="{6FADF519-AE7F-36C9-168F-1F04A49B8831}"/>
               </a:ext>
             </a:extLst>
           </p:cNvPr>
@@ -5452,7 +5452,7 @@
             <a:spLocks noGrp="1"/>
           </p:cNvSpPr>
           <p:nvPr>
-            <p:ph type="sldNum" sz="quarter" idx="12"/>
+            <p:ph type="title"/>
           </p:nvPr>
         </p:nvSpPr>
         <p:spPr/>
@@ -5460,11 +5460,110 @@
           <a:bodyPr/>
           <a:lstStyle/>
           <a:p>
-            <a:fld id="{ABDA560F-461C-6043-9BC4-489BA92F7161}" type="slidenum">
-              <a:rPr lang="en-US" smtClean="0"/>
-              <a:t>10</a:t>
-            </a:fld>
-            <a:endParaRPr lang="en-US"/>
+            <a:r>
+              <a:rPr lang="en-US" b="1" dirty="0">
+                <a:latin typeface="Century Gothic" panose="020B0502020202020204" pitchFamily="34" charset="0"/>
+              </a:rPr>
+              <a:t>The Module System </a:t>
+            </a:r>
+          </a:p>
+        </p:txBody>
+      </p:sp>
+      <p:pic>
+        <p:nvPicPr>
+          <p:cNvPr id="8" name="Picture 7" descr="Logo for the Lmod module system used on Alpine">
+            <a:extLst>
+              <a:ext uri="{FF2B5EF4-FFF2-40B4-BE49-F238E27FC236}">
+                <a16:creationId xmlns:a16="http://schemas.microsoft.com/office/drawing/2014/main" id="{A9F43A77-4393-CCF1-83C1-AE60C4D575C9}"/>
+              </a:ext>
+            </a:extLst>
+          </p:cNvPr>
+          <p:cNvPicPr>
+            <a:picLocks noChangeAspect="1"/>
+          </p:cNvPicPr>
+          <p:nvPr/>
+        </p:nvPicPr>
+        <p:blipFill>
+          <a:blip r:embed="rId3"/>
+          <a:stretch>
+            <a:fillRect/>
+          </a:stretch>
+        </p:blipFill>
+        <p:spPr>
+          <a:xfrm>
+            <a:off x="7886700" y="365125"/>
+            <a:ext cx="3467100" cy="1181100"/>
+          </a:xfrm>
+          <a:prstGeom prst="rect">
+            <a:avLst/>
+          </a:prstGeom>
+        </p:spPr>
+      </p:pic>
+      <p:sp>
+        <p:nvSpPr>
+          <p:cNvPr id="3" name="Content Placeholder 2">
+            <a:extLst>
+              <a:ext uri="{FF2B5EF4-FFF2-40B4-BE49-F238E27FC236}">
+                <a16:creationId xmlns:a16="http://schemas.microsoft.com/office/drawing/2014/main" id="{6484EA7B-346E-9CB5-DB70-6227BCA98122}"/>
+              </a:ext>
+            </a:extLst>
+          </p:cNvPr>
+          <p:cNvSpPr>
+            <a:spLocks noGrp="1"/>
+          </p:cNvSpPr>
+          <p:nvPr>
+            <p:ph idx="1"/>
+          </p:nvPr>
+        </p:nvSpPr>
+        <p:spPr>
+          <a:xfrm>
+            <a:off x="838200" y="1546225"/>
+            <a:ext cx="10515600" cy="4351338"/>
+          </a:xfrm>
+        </p:spPr>
+        <p:txBody>
+          <a:bodyPr>
+            <a:normAutofit/>
+          </a:bodyPr>
+          <a:lstStyle/>
+          <a:p>
+            <a:pPr marL="0" indent="0">
+              <a:buNone/>
+            </a:pPr>
+            <a:r>
+              <a:rPr lang="en-US" sz="3200" i="1">
+                <a:latin typeface="Century Gothic" panose="020B0502020202020204" pitchFamily="34" charset="0"/>
+                <a:ea typeface="Helvetica Neue" panose="02000503000000020004" pitchFamily="2" charset="0"/>
+                <a:cs typeface="Helvetica Neue" panose="02000503000000020004" pitchFamily="2" charset="0"/>
+              </a:rPr>
+              <a:t>Live Demo</a:t>
+            </a:r>
+            <a:r>
+              <a:rPr lang="en-US" sz="3200">
+                <a:latin typeface="Century Gothic" panose="020B0502020202020204" pitchFamily="34" charset="0"/>
+                <a:ea typeface="Helvetica Neue" panose="02000503000000020004" pitchFamily="2" charset="0"/>
+                <a:cs typeface="Helvetica Neue" panose="02000503000000020004" pitchFamily="2" charset="0"/>
+              </a:rPr>
+              <a:t>: </a:t>
+            </a:r>
+            <a:r>
+              <a:rPr lang="en-US" sz="3200">
+                <a:latin typeface="Century Gothic" panose="020B0502020202020204" pitchFamily="34" charset="0"/>
+              </a:rPr>
+              <a:t>Useful </a:t>
+            </a:r>
+            <a:r>
+              <a:rPr lang="en-US" sz="3200" err="1">
+                <a:latin typeface="Century Gothic" panose="020B0502020202020204" pitchFamily="34" charset="0"/>
+              </a:rPr>
+              <a:t>Lmod</a:t>
+            </a:r>
+            <a:r>
+              <a:rPr lang="en-US" sz="3200">
+                <a:latin typeface="Century Gothic" panose="020B0502020202020204" pitchFamily="34" charset="0"/>
+              </a:rPr>
+              <a:t> commands</a:t>
+            </a:r>
           </a:p>
         </p:txBody>
       </p:sp>
@@ -5892,10 +5991,10 @@
       </p:grpSp>
       <p:sp>
         <p:nvSpPr>
-          <p:cNvPr id="3" name="Content Placeholder 2">
+          <p:cNvPr id="5" name="Slide Number Placeholder 4">
             <a:extLst>
               <a:ext uri="{FF2B5EF4-FFF2-40B4-BE49-F238E27FC236}">
-                <a16:creationId xmlns:a16="http://schemas.microsoft.com/office/drawing/2014/main" id="{6484EA7B-346E-9CB5-DB70-6227BCA98122}"/>
+                <a16:creationId xmlns:a16="http://schemas.microsoft.com/office/drawing/2014/main" id="{989BD25A-492E-955F-3228-1618C71C2BBA}"/>
               </a:ext>
             </a:extLst>
           </p:cNvPr>
@@ -5903,105 +6002,7 @@
             <a:spLocks noGrp="1"/>
           </p:cNvSpPr>
           <p:nvPr>
-            <p:ph idx="1"/>
-          </p:nvPr>
-        </p:nvSpPr>
-        <p:spPr>
-          <a:xfrm>
-            <a:off x="838200" y="1546225"/>
-            <a:ext cx="10515600" cy="4351338"/>
-          </a:xfrm>
-        </p:spPr>
-        <p:txBody>
-          <a:bodyPr>
-            <a:normAutofit/>
-          </a:bodyPr>
-          <a:lstStyle/>
-          <a:p>
-            <a:pPr marL="0" indent="0">
-              <a:buNone/>
-            </a:pPr>
-            <a:r>
-              <a:rPr lang="en-US" sz="3200" i="1">
-                <a:latin typeface="Century Gothic" panose="020B0502020202020204" pitchFamily="34" charset="0"/>
-                <a:ea typeface="Helvetica Neue" panose="02000503000000020004" pitchFamily="2" charset="0"/>
-                <a:cs typeface="Helvetica Neue" panose="02000503000000020004" pitchFamily="2" charset="0"/>
-              </a:rPr>
-              <a:t>Live Demo</a:t>
-            </a:r>
-            <a:r>
-              <a:rPr lang="en-US" sz="3200">
-                <a:latin typeface="Century Gothic" panose="020B0502020202020204" pitchFamily="34" charset="0"/>
-                <a:ea typeface="Helvetica Neue" panose="02000503000000020004" pitchFamily="2" charset="0"/>
-                <a:cs typeface="Helvetica Neue" panose="02000503000000020004" pitchFamily="2" charset="0"/>
-              </a:rPr>
-              <a:t>: </a:t>
-            </a:r>
-            <a:r>
-              <a:rPr lang="en-US" sz="3200">
-                <a:latin typeface="Century Gothic" panose="020B0502020202020204" pitchFamily="34" charset="0"/>
-              </a:rPr>
-              <a:t>Useful </a:t>
-            </a:r>
-            <a:r>
-              <a:rPr lang="en-US" sz="3200" err="1">
-                <a:latin typeface="Century Gothic" panose="020B0502020202020204" pitchFamily="34" charset="0"/>
-              </a:rPr>
-              <a:t>Lmod</a:t>
-            </a:r>
-            <a:r>
-              <a:rPr lang="en-US" sz="3200">
-                <a:latin typeface="Century Gothic" panose="020B0502020202020204" pitchFamily="34" charset="0"/>
-              </a:rPr>
-              <a:t> commands</a:t>
-            </a:r>
-          </a:p>
-        </p:txBody>
-      </p:sp>
-      <p:pic>
-        <p:nvPicPr>
-          <p:cNvPr id="8" name="Picture 7" descr="Logo for the Lmod module system used on Alpine">
-            <a:extLst>
-              <a:ext uri="{FF2B5EF4-FFF2-40B4-BE49-F238E27FC236}">
-                <a16:creationId xmlns:a16="http://schemas.microsoft.com/office/drawing/2014/main" id="{A9F43A77-4393-CCF1-83C1-AE60C4D575C9}"/>
-              </a:ext>
-            </a:extLst>
-          </p:cNvPr>
-          <p:cNvPicPr>
-            <a:picLocks noChangeAspect="1"/>
-          </p:cNvPicPr>
-          <p:nvPr/>
-        </p:nvPicPr>
-        <p:blipFill>
-          <a:blip r:embed="rId3"/>
-          <a:stretch>
-            <a:fillRect/>
-          </a:stretch>
-        </p:blipFill>
-        <p:spPr>
-          <a:xfrm>
-            <a:off x="7886700" y="365125"/>
-            <a:ext cx="3467100" cy="1181100"/>
-          </a:xfrm>
-          <a:prstGeom prst="rect">
-            <a:avLst/>
-          </a:prstGeom>
-        </p:spPr>
-      </p:pic>
-      <p:sp>
-        <p:nvSpPr>
-          <p:cNvPr id="2" name="Title 1">
-            <a:extLst>
-              <a:ext uri="{FF2B5EF4-FFF2-40B4-BE49-F238E27FC236}">
-                <a16:creationId xmlns:a16="http://schemas.microsoft.com/office/drawing/2014/main" id="{6FADF519-AE7F-36C9-168F-1F04A49B8831}"/>
-              </a:ext>
-            </a:extLst>
-          </p:cNvPr>
-          <p:cNvSpPr>
-            <a:spLocks noGrp="1"/>
-          </p:cNvSpPr>
-          <p:nvPr>
-            <p:ph type="title"/>
+            <p:ph type="sldNum" sz="quarter" idx="12"/>
           </p:nvPr>
         </p:nvSpPr>
         <p:spPr/>
@@ -6009,12 +6010,11 @@
           <a:bodyPr/>
           <a:lstStyle/>
           <a:p>
-            <a:r>
-              <a:rPr lang="en-US" b="1" dirty="0">
-                <a:latin typeface="Century Gothic" panose="020B0502020202020204" pitchFamily="34" charset="0"/>
-              </a:rPr>
-              <a:t>The Module System </a:t>
-            </a:r>
+            <a:fld id="{ABDA560F-461C-6043-9BC4-489BA92F7161}" type="slidenum">
+              <a:rPr lang="en-US" smtClean="0"/>
+              <a:t>10</a:t>
+            </a:fld>
+            <a:endParaRPr lang="en-US"/>
           </a:p>
         </p:txBody>
       </p:sp>
@@ -6078,88 +6078,6 @@
           </a:p>
         </p:txBody>
       </p:sp>
-      <p:sp>
-        <p:nvSpPr>
-          <p:cNvPr id="3" name="Content Placeholder 2">
-            <a:extLst>
-              <a:ext uri="{FF2B5EF4-FFF2-40B4-BE49-F238E27FC236}">
-                <a16:creationId xmlns:a16="http://schemas.microsoft.com/office/drawing/2014/main" id="{6484EA7B-346E-9CB5-DB70-6227BCA98122}"/>
-              </a:ext>
-            </a:extLst>
-          </p:cNvPr>
-          <p:cNvSpPr>
-            <a:spLocks noGrp="1"/>
-          </p:cNvSpPr>
-          <p:nvPr>
-            <p:ph idx="1"/>
-          </p:nvPr>
-        </p:nvSpPr>
-        <p:spPr/>
-        <p:txBody>
-          <a:bodyPr>
-            <a:normAutofit/>
-          </a:bodyPr>
-          <a:lstStyle/>
-          <a:p>
-            <a:pPr marL="0" indent="0">
-              <a:buNone/>
-            </a:pPr>
-            <a:r>
-              <a:rPr lang="en-US" sz="3200" dirty="0">
-                <a:solidFill>
-                  <a:srgbClr val="202122"/>
-                </a:solidFill>
-                <a:latin typeface="Century Gothic" panose="020B0502020202020204" pitchFamily="34" charset="0"/>
-              </a:rPr>
-              <a:t>Points to note about CURC-managed modules:</a:t>
-            </a:r>
-          </a:p>
-          <a:p>
-            <a:pPr lvl="1"/>
-            <a:r>
-              <a:rPr lang="en-US" sz="2800" dirty="0">
-                <a:latin typeface="Century Gothic" panose="020B0502020202020204" pitchFamily="34" charset="0"/>
-              </a:rPr>
-              <a:t>CURC does not update system modules; we do fresh installs of new versions and change the default when that is appropriate</a:t>
-            </a:r>
-          </a:p>
-          <a:p>
-            <a:pPr lvl="1"/>
-            <a:r>
-              <a:rPr lang="en-US" sz="2800" dirty="0">
-                <a:latin typeface="Century Gothic" panose="020B0502020202020204" pitchFamily="34" charset="0"/>
-              </a:rPr>
-              <a:t>Sometimes when a module is outdated or problematic we will remove it from the software stack</a:t>
-            </a:r>
-            <a:endParaRPr lang="en-US" sz="3200" dirty="0">
-              <a:solidFill>
-                <a:srgbClr val="202122"/>
-              </a:solidFill>
-              <a:latin typeface="Century Gothic" panose="020B0502020202020204" pitchFamily="34" charset="0"/>
-            </a:endParaRPr>
-          </a:p>
-          <a:p>
-            <a:pPr marL="0" indent="0" algn="ctr">
-              <a:buNone/>
-            </a:pPr>
-            <a:r>
-              <a:rPr lang="en-US" sz="3200" b="1" dirty="0">
-                <a:solidFill>
-                  <a:srgbClr val="FF0000"/>
-                </a:solidFill>
-                <a:latin typeface="Century Gothic" panose="020B0502020202020204" pitchFamily="34" charset="0"/>
-              </a:rPr>
-              <a:t>Take home: pay attention to what modules you are loading, as this may be important for reproducibility!</a:t>
-            </a:r>
-            <a:endParaRPr lang="en-US" sz="2800" b="1" dirty="0">
-              <a:solidFill>
-                <a:srgbClr val="FF0000"/>
-              </a:solidFill>
-              <a:latin typeface="Century Gothic" panose="020B0502020202020204" pitchFamily="34" charset="0"/>
-            </a:endParaRPr>
-          </a:p>
-        </p:txBody>
-      </p:sp>
       <p:pic>
         <p:nvPicPr>
           <p:cNvPr id="8" name="Picture 7" descr="Logo for the Lmod module system used on Alpine">
@@ -6190,6 +6108,88 @@
           </a:prstGeom>
         </p:spPr>
       </p:pic>
+      <p:sp>
+        <p:nvSpPr>
+          <p:cNvPr id="3" name="Content Placeholder 2">
+            <a:extLst>
+              <a:ext uri="{FF2B5EF4-FFF2-40B4-BE49-F238E27FC236}">
+                <a16:creationId xmlns:a16="http://schemas.microsoft.com/office/drawing/2014/main" id="{6484EA7B-346E-9CB5-DB70-6227BCA98122}"/>
+              </a:ext>
+            </a:extLst>
+          </p:cNvPr>
+          <p:cNvSpPr>
+            <a:spLocks noGrp="1"/>
+          </p:cNvSpPr>
+          <p:nvPr>
+            <p:ph idx="1"/>
+          </p:nvPr>
+        </p:nvSpPr>
+        <p:spPr/>
+        <p:txBody>
+          <a:bodyPr>
+            <a:normAutofit/>
+          </a:bodyPr>
+          <a:lstStyle/>
+          <a:p>
+            <a:pPr marL="0" indent="0">
+              <a:buNone/>
+            </a:pPr>
+            <a:r>
+              <a:rPr lang="en-US" sz="3200" dirty="0">
+                <a:solidFill>
+                  <a:srgbClr val="202122"/>
+                </a:solidFill>
+                <a:latin typeface="Century Gothic" panose="020B0502020202020204" pitchFamily="34" charset="0"/>
+              </a:rPr>
+              <a:t>Points to note about CURC-managed modules:</a:t>
+            </a:r>
+          </a:p>
+          <a:p>
+            <a:pPr lvl="1"/>
+            <a:r>
+              <a:rPr lang="en-US" sz="2800" dirty="0">
+                <a:latin typeface="Century Gothic" panose="020B0502020202020204" pitchFamily="34" charset="0"/>
+              </a:rPr>
+              <a:t>CURC does not update system modules; we do fresh installs of new versions and change the default when that is appropriate</a:t>
+            </a:r>
+          </a:p>
+          <a:p>
+            <a:pPr lvl="1"/>
+            <a:r>
+              <a:rPr lang="en-US" sz="2800" dirty="0">
+                <a:latin typeface="Century Gothic" panose="020B0502020202020204" pitchFamily="34" charset="0"/>
+              </a:rPr>
+              <a:t>Sometimes when a module is outdated or problematic we will remove it from the software stack</a:t>
+            </a:r>
+            <a:endParaRPr lang="en-US" sz="3200" dirty="0">
+              <a:solidFill>
+                <a:srgbClr val="202122"/>
+              </a:solidFill>
+              <a:latin typeface="Century Gothic" panose="020B0502020202020204" pitchFamily="34" charset="0"/>
+            </a:endParaRPr>
+          </a:p>
+          <a:p>
+            <a:pPr marL="0" indent="0" algn="ctr">
+              <a:buNone/>
+            </a:pPr>
+            <a:r>
+              <a:rPr lang="en-US" sz="3200" b="1" dirty="0">
+                <a:solidFill>
+                  <a:srgbClr val="FF0000"/>
+                </a:solidFill>
+                <a:latin typeface="Century Gothic" panose="020B0502020202020204" pitchFamily="34" charset="0"/>
+              </a:rPr>
+              <a:t>Take home: pay attention to what modules you are loading, as this may be important for reproducibility!</a:t>
+            </a:r>
+            <a:endParaRPr lang="en-US" sz="2800" b="1" dirty="0">
+              <a:solidFill>
+                <a:srgbClr val="FF0000"/>
+              </a:solidFill>
+              <a:latin typeface="Century Gothic" panose="020B0502020202020204" pitchFamily="34" charset="0"/>
+            </a:endParaRPr>
+          </a:p>
+        </p:txBody>
+      </p:sp>
       <p:sp>
         <p:nvSpPr>
           <p:cNvPr id="5" name="Slide Number Placeholder 4">
@@ -7842,7 +7842,7 @@
               <a:buNone/>
             </a:pPr>
             <a:r>
-              <a:rPr lang="en-US" sz="3700" dirty="0">
+              <a:rPr lang="en-US" sz="3500" dirty="0">
                 <a:latin typeface="Century Gothic" panose="020B0502020202020204" pitchFamily="34" charset="0"/>
               </a:rPr>
               <a:t>Build systems automate the process of compiling and linking.</a:t>
@@ -9725,10 +9725,10 @@
       </p:grpSpPr>
       <p:sp>
         <p:nvSpPr>
-          <p:cNvPr id="2" name="Slide Number Placeholder 1">
+          <p:cNvPr id="5" name="Title 4">
             <a:extLst>
               <a:ext uri="{FF2B5EF4-FFF2-40B4-BE49-F238E27FC236}">
-                <a16:creationId xmlns:a16="http://schemas.microsoft.com/office/drawing/2014/main" id="{2F369E81-A0CF-5A04-7706-ECE88902EF1C}"/>
+                <a16:creationId xmlns:a16="http://schemas.microsoft.com/office/drawing/2014/main" id="{7188D357-766D-DC3B-A836-378DDD813F26}"/>
               </a:ext>
             </a:extLst>
           </p:cNvPr>
@@ -9736,7 +9736,7 @@
             <a:spLocks noGrp="1"/>
           </p:cNvSpPr>
           <p:nvPr>
-            <p:ph type="sldNum" sz="quarter" idx="12"/>
+            <p:ph type="title"/>
           </p:nvPr>
         </p:nvSpPr>
         <p:spPr/>
@@ -9744,11 +9744,12 @@
           <a:bodyPr/>
           <a:lstStyle/>
           <a:p>
-            <a:fld id="{ABDA560F-461C-6043-9BC4-489BA92F7161}" type="slidenum">
-              <a:rPr lang="en-US" smtClean="0"/>
-              <a:t>2</a:t>
-            </a:fld>
-            <a:endParaRPr lang="en-US"/>
+            <a:r>
+              <a:rPr lang="en-US" b="1" dirty="0">
+                <a:latin typeface="Century Gothic" panose="020B0502020202020204" pitchFamily="34" charset="0"/>
+              </a:rPr>
+              <a:t>Slides &amp; Exercises</a:t>
+            </a:r>
           </a:p>
         </p:txBody>
       </p:sp>
@@ -9851,10 +9852,10 @@
       </p:sp>
       <p:sp>
         <p:nvSpPr>
-          <p:cNvPr id="5" name="Title 4">
+          <p:cNvPr id="2" name="Slide Number Placeholder 1">
             <a:extLst>
               <a:ext uri="{FF2B5EF4-FFF2-40B4-BE49-F238E27FC236}">
-                <a16:creationId xmlns:a16="http://schemas.microsoft.com/office/drawing/2014/main" id="{7188D357-766D-DC3B-A836-378DDD813F26}"/>
+                <a16:creationId xmlns:a16="http://schemas.microsoft.com/office/drawing/2014/main" id="{2F369E81-A0CF-5A04-7706-ECE88902EF1C}"/>
               </a:ext>
             </a:extLst>
           </p:cNvPr>
@@ -9862,7 +9863,7 @@
             <a:spLocks noGrp="1"/>
           </p:cNvSpPr>
           <p:nvPr>
-            <p:ph type="title"/>
+            <p:ph type="sldNum" sz="quarter" idx="12"/>
           </p:nvPr>
         </p:nvSpPr>
         <p:spPr/>
@@ -9870,12 +9871,11 @@
           <a:bodyPr/>
           <a:lstStyle/>
           <a:p>
-            <a:r>
-              <a:rPr lang="en-US" b="1" dirty="0">
-                <a:latin typeface="Century Gothic" panose="020B0502020202020204" pitchFamily="34" charset="0"/>
-              </a:rPr>
-              <a:t>Slides &amp; Exercises</a:t>
-            </a:r>
+            <a:fld id="{ABDA560F-461C-6043-9BC4-489BA92F7161}" type="slidenum">
+              <a:rPr lang="en-US" smtClean="0"/>
+              <a:t>2</a:t>
+            </a:fld>
+            <a:endParaRPr lang="en-US"/>
           </a:p>
         </p:txBody>
       </p:sp>
@@ -10748,103 +10748,6 @@
           </a:p>
         </p:txBody>
       </p:sp>
-      <p:sp>
-        <p:nvSpPr>
-          <p:cNvPr id="3" name="Content Placeholder 2">
-            <a:extLst>
-              <a:ext uri="{FF2B5EF4-FFF2-40B4-BE49-F238E27FC236}">
-                <a16:creationId xmlns:a16="http://schemas.microsoft.com/office/drawing/2014/main" id="{6484EA7B-346E-9CB5-DB70-6227BCA98122}"/>
-              </a:ext>
-            </a:extLst>
-          </p:cNvPr>
-          <p:cNvSpPr>
-            <a:spLocks noGrp="1"/>
-          </p:cNvSpPr>
-          <p:nvPr>
-            <p:ph idx="1"/>
-          </p:nvPr>
-        </p:nvSpPr>
-        <p:spPr>
-          <a:xfrm>
-            <a:off x="838200" y="2311400"/>
-            <a:ext cx="10515600" cy="3489325"/>
-          </a:xfrm>
-        </p:spPr>
-        <p:txBody>
-          <a:bodyPr vert="horz" lIns="91440" tIns="45720" rIns="91440" bIns="45720" rtlCol="0" anchor="t">
-            <a:normAutofit/>
-          </a:bodyPr>
-          <a:lstStyle/>
-          <a:p>
-            <a:pPr marL="0" indent="0">
-              <a:buNone/>
-            </a:pPr>
-            <a:r>
-              <a:rPr lang="en-US" sz="3600" dirty="0">
-                <a:latin typeface="Century Gothic"/>
-              </a:rPr>
-              <a:t>How can we simplify source installations? </a:t>
-            </a:r>
-            <a:endParaRPr lang="en-US" sz="3200" dirty="0"/>
-          </a:p>
-          <a:p>
-            <a:pPr lvl="1"/>
-            <a:r>
-              <a:rPr lang="en-US" sz="3200" b="1" dirty="0">
-                <a:latin typeface="Century Gothic"/>
-              </a:rPr>
-              <a:t>Package Managers </a:t>
-            </a:r>
-            <a:r>
-              <a:rPr lang="en-US" sz="3200" dirty="0">
-                <a:latin typeface="Century Gothic"/>
-              </a:rPr>
-              <a:t>– Tools that automate installing, maintaining, and configuring software and any dependencies</a:t>
-            </a:r>
-            <a:endParaRPr lang="en-US" sz="3200" dirty="0">
-              <a:latin typeface="Century Gothic" panose="020B0502020202020204" pitchFamily="34" charset="0"/>
-            </a:endParaRPr>
-          </a:p>
-          <a:p>
-            <a:pPr lvl="1"/>
-            <a:r>
-              <a:rPr lang="en-US" sz="3200" b="1" dirty="0">
-                <a:latin typeface="Century Gothic"/>
-              </a:rPr>
-              <a:t>Environments</a:t>
-            </a:r>
-            <a:r>
-              <a:rPr lang="en-US" sz="3200" dirty="0">
-                <a:latin typeface="Century Gothic"/>
-              </a:rPr>
-              <a:t> – A collection of resources that are available in a self-contained 'bubble'</a:t>
-            </a:r>
-            <a:endParaRPr lang="en-US" sz="3200" dirty="0">
-              <a:latin typeface="Century Gothic" panose="020B0502020202020204" pitchFamily="34" charset="0"/>
-            </a:endParaRPr>
-          </a:p>
-          <a:p>
-            <a:pPr lvl="1"/>
-            <a:endParaRPr lang="en-US" sz="2800" dirty="0">
-              <a:latin typeface="Century Gothic" panose="020B0502020202020204" pitchFamily="34" charset="0"/>
-            </a:endParaRPr>
-          </a:p>
-          <a:p>
-            <a:pPr lvl="1"/>
-            <a:endParaRPr lang="en-US" dirty="0">
-              <a:latin typeface="Century Gothic" panose="020B0502020202020204" pitchFamily="34" charset="0"/>
-            </a:endParaRPr>
-          </a:p>
-          <a:p>
-            <a:pPr marL="457200" lvl="1" indent="0">
-              <a:buNone/>
-            </a:pPr>
-            <a:endParaRPr lang="en-US" sz="2800" b="1" dirty="0">
-              <a:latin typeface="Century Gothic" panose="020B0502020202020204" pitchFamily="34" charset="0"/>
-            </a:endParaRPr>
-          </a:p>
-        </p:txBody>
-      </p:sp>
       <p:pic>
         <p:nvPicPr>
           <p:cNvPr id="5" name="Picture 4" descr="Spack package manager logo">
@@ -10875,6 +10778,103 @@
           </a:prstGeom>
         </p:spPr>
       </p:pic>
+      <p:sp>
+        <p:nvSpPr>
+          <p:cNvPr id="3" name="Content Placeholder 2">
+            <a:extLst>
+              <a:ext uri="{FF2B5EF4-FFF2-40B4-BE49-F238E27FC236}">
+                <a16:creationId xmlns:a16="http://schemas.microsoft.com/office/drawing/2014/main" id="{6484EA7B-346E-9CB5-DB70-6227BCA98122}"/>
+              </a:ext>
+            </a:extLst>
+          </p:cNvPr>
+          <p:cNvSpPr>
+            <a:spLocks noGrp="1"/>
+          </p:cNvSpPr>
+          <p:nvPr>
+            <p:ph idx="1"/>
+          </p:nvPr>
+        </p:nvSpPr>
+        <p:spPr>
+          <a:xfrm>
+            <a:off x="838200" y="2311400"/>
+            <a:ext cx="10515600" cy="3489325"/>
+          </a:xfrm>
+        </p:spPr>
+        <p:txBody>
+          <a:bodyPr vert="horz" lIns="91440" tIns="45720" rIns="91440" bIns="45720" rtlCol="0" anchor="t">
+            <a:normAutofit/>
+          </a:bodyPr>
+          <a:lstStyle/>
+          <a:p>
+            <a:pPr marL="0" indent="0">
+              <a:buNone/>
+            </a:pPr>
+            <a:r>
+              <a:rPr lang="en-US" sz="3600" dirty="0">
+                <a:latin typeface="Century Gothic"/>
+              </a:rPr>
+              <a:t>How can we simplify source installations? </a:t>
+            </a:r>
+            <a:endParaRPr lang="en-US" sz="3200" dirty="0"/>
+          </a:p>
+          <a:p>
+            <a:pPr lvl="1"/>
+            <a:r>
+              <a:rPr lang="en-US" sz="3200" b="1" dirty="0">
+                <a:latin typeface="Century Gothic"/>
+              </a:rPr>
+              <a:t>Package Managers </a:t>
+            </a:r>
+            <a:r>
+              <a:rPr lang="en-US" sz="3200" dirty="0">
+                <a:latin typeface="Century Gothic"/>
+              </a:rPr>
+              <a:t>– Tools that automate installing, maintaining, and configuring software and any dependencies</a:t>
+            </a:r>
+            <a:endParaRPr lang="en-US" sz="3200" dirty="0">
+              <a:latin typeface="Century Gothic" panose="020B0502020202020204" pitchFamily="34" charset="0"/>
+            </a:endParaRPr>
+          </a:p>
+          <a:p>
+            <a:pPr lvl="1"/>
+            <a:r>
+              <a:rPr lang="en-US" sz="3200" b="1" dirty="0">
+                <a:latin typeface="Century Gothic"/>
+              </a:rPr>
+              <a:t>Environments</a:t>
+            </a:r>
+            <a:r>
+              <a:rPr lang="en-US" sz="3200" dirty="0">
+                <a:latin typeface="Century Gothic"/>
+              </a:rPr>
+              <a:t> – A collection of resources that are available in a self-contained 'bubble'</a:t>
+            </a:r>
+            <a:endParaRPr lang="en-US" sz="3200" dirty="0">
+              <a:latin typeface="Century Gothic" panose="020B0502020202020204" pitchFamily="34" charset="0"/>
+            </a:endParaRPr>
+          </a:p>
+          <a:p>
+            <a:pPr lvl="1"/>
+            <a:endParaRPr lang="en-US" sz="2800" dirty="0">
+              <a:latin typeface="Century Gothic" panose="020B0502020202020204" pitchFamily="34" charset="0"/>
+            </a:endParaRPr>
+          </a:p>
+          <a:p>
+            <a:pPr lvl="1"/>
+            <a:endParaRPr lang="en-US" dirty="0">
+              <a:latin typeface="Century Gothic" panose="020B0502020202020204" pitchFamily="34" charset="0"/>
+            </a:endParaRPr>
+          </a:p>
+          <a:p>
+            <a:pPr marL="457200" lvl="1" indent="0">
+              <a:buNone/>
+            </a:pPr>
+            <a:endParaRPr lang="en-US" sz="2800" b="1" dirty="0">
+              <a:latin typeface="Century Gothic" panose="020B0502020202020204" pitchFamily="34" charset="0"/>
+            </a:endParaRPr>
+          </a:p>
+        </p:txBody>
+      </p:sp>
       <p:sp>
         <p:nvSpPr>
           <p:cNvPr id="7" name="Slide Number Placeholder 6">
@@ -11113,10 +11113,10 @@
       </p:grpSpPr>
       <p:sp>
         <p:nvSpPr>
-          <p:cNvPr id="5" name="Slide Number Placeholder 4">
+          <p:cNvPr id="2" name="Title 1">
             <a:extLst>
               <a:ext uri="{FF2B5EF4-FFF2-40B4-BE49-F238E27FC236}">
-                <a16:creationId xmlns:a16="http://schemas.microsoft.com/office/drawing/2014/main" id="{C833F1D0-7852-2168-0F8C-3615DAB0314C}"/>
+                <a16:creationId xmlns:a16="http://schemas.microsoft.com/office/drawing/2014/main" id="{6FADF519-AE7F-36C9-168F-1F04A49B8831}"/>
               </a:ext>
             </a:extLst>
           </p:cNvPr>
@@ -11124,583 +11124,27 @@
             <a:spLocks noGrp="1"/>
           </p:cNvSpPr>
           <p:nvPr>
-            <p:ph type="sldNum" sz="quarter" idx="12"/>
+            <p:ph type="title"/>
           </p:nvPr>
         </p:nvSpPr>
-        <p:spPr/>
+        <p:spPr>
+          <a:xfrm>
+            <a:off x="-258896" y="365125"/>
+            <a:ext cx="8595176" cy="1348423"/>
+          </a:xfrm>
+        </p:spPr>
         <p:txBody>
           <a:bodyPr/>
           <a:lstStyle/>
           <a:p>
-            <a:fld id="{ABDA560F-461C-6043-9BC4-489BA92F7161}" type="slidenum">
-              <a:rPr lang="en-US" smtClean="0"/>
-              <a:t>23</a:t>
-            </a:fld>
-            <a:endParaRPr lang="en-US"/>
-          </a:p>
-        </p:txBody>
-      </p:sp>
-      <p:sp>
-        <p:nvSpPr>
-          <p:cNvPr id="9" name="Rectangle 8" descr="A graphic containing three separate bubbles, named env_1, env_2, and env_3, respectively. Each environment (bubble) has its own programs and dependencies depicted within, showing the sepearation of software between environments.">
-            <a:extLst>
-              <a:ext uri="{FF2B5EF4-FFF2-40B4-BE49-F238E27FC236}">
-                <a16:creationId xmlns:a16="http://schemas.microsoft.com/office/drawing/2014/main" id="{AED6EBB6-F155-BCFA-819A-B35196AF1D69}"/>
-              </a:ext>
-            </a:extLst>
-          </p:cNvPr>
-          <p:cNvSpPr/>
-          <p:nvPr/>
-        </p:nvSpPr>
-        <p:spPr>
-          <a:xfrm>
-            <a:off x="6650182" y="1765125"/>
-            <a:ext cx="5083104" cy="4159623"/>
-          </a:xfrm>
-          <a:prstGeom prst="rect">
-            <a:avLst/>
-          </a:prstGeom>
-          <a:solidFill>
-            <a:schemeClr val="bg2">
-              <a:lumMod val="90000"/>
-            </a:schemeClr>
-          </a:solidFill>
-          <a:ln>
-            <a:noFill/>
-          </a:ln>
-          <a:effectLst>
-            <a:softEdge rad="12700"/>
-          </a:effectLst>
-        </p:spPr>
-        <p:style>
-          <a:lnRef idx="2">
-            <a:schemeClr val="accent1">
-              <a:shade val="50000"/>
-            </a:schemeClr>
-          </a:lnRef>
-          <a:fillRef idx="1">
-            <a:schemeClr val="accent1"/>
-          </a:fillRef>
-          <a:effectRef idx="0">
-            <a:schemeClr val="accent1"/>
-          </a:effectRef>
-          <a:fontRef idx="minor">
-            <a:schemeClr val="lt1"/>
-          </a:fontRef>
-        </p:style>
-        <p:txBody>
-          <a:bodyPr rtlCol="0" anchor="ctr"/>
-          <a:lstStyle/>
-          <a:p>
             <a:pPr algn="ctr"/>
-            <a:endParaRPr lang="en-US"/>
-          </a:p>
-        </p:txBody>
-      </p:sp>
-      <p:grpSp>
-        <p:nvGrpSpPr>
-          <p:cNvPr id="18" name="Group 17">
-            <a:extLst>
-              <a:ext uri="{FF2B5EF4-FFF2-40B4-BE49-F238E27FC236}">
-                <a16:creationId xmlns:a16="http://schemas.microsoft.com/office/drawing/2014/main" id="{AF6EAD10-DF37-CA9E-0A53-98F67F41A1DF}"/>
-              </a:ext>
-            </a:extLst>
-          </p:cNvPr>
-          <p:cNvGrpSpPr/>
-          <p:nvPr/>
-        </p:nvGrpSpPr>
-        <p:grpSpPr>
-          <a:xfrm>
-            <a:off x="6906491" y="2047851"/>
-            <a:ext cx="2035629" cy="2035629"/>
-            <a:chOff x="6906491" y="2047851"/>
-            <a:chExt cx="2035629" cy="2035629"/>
-          </a:xfrm>
-        </p:grpSpPr>
-        <p:sp>
-          <p:nvSpPr>
-            <p:cNvPr id="10" name="Oval 9">
-              <a:extLst>
-                <a:ext uri="{FF2B5EF4-FFF2-40B4-BE49-F238E27FC236}">
-                  <a16:creationId xmlns:a16="http://schemas.microsoft.com/office/drawing/2014/main" id="{96C0877C-914D-01EB-E434-421FB530313C}"/>
-                </a:ext>
-              </a:extLst>
-            </p:cNvPr>
-            <p:cNvSpPr>
-              <a:spLocks noChangeAspect="1"/>
-            </p:cNvSpPr>
-            <p:nvPr/>
-          </p:nvSpPr>
-          <p:spPr>
-            <a:xfrm>
-              <a:off x="6906491" y="2047851"/>
-              <a:ext cx="2035629" cy="2035629"/>
-            </a:xfrm>
-            <a:prstGeom prst="ellipse">
-              <a:avLst/>
-            </a:prstGeom>
-            <a:solidFill>
-              <a:schemeClr val="accent6">
-                <a:lumMod val="60000"/>
-                <a:lumOff val="40000"/>
-              </a:schemeClr>
-            </a:solidFill>
-            <a:ln>
-              <a:solidFill>
-                <a:schemeClr val="tx2"/>
-              </a:solidFill>
-            </a:ln>
-          </p:spPr>
-          <p:style>
-            <a:lnRef idx="2">
-              <a:schemeClr val="accent1">
-                <a:shade val="50000"/>
-              </a:schemeClr>
-            </a:lnRef>
-            <a:fillRef idx="1">
-              <a:schemeClr val="accent1"/>
-            </a:fillRef>
-            <a:effectRef idx="0">
-              <a:schemeClr val="accent1"/>
-            </a:effectRef>
-            <a:fontRef idx="minor">
-              <a:schemeClr val="lt1"/>
-            </a:fontRef>
-          </p:style>
-          <p:txBody>
-            <a:bodyPr rtlCol="0" anchor="ctr"/>
-            <a:lstStyle/>
-            <a:p>
-              <a:pPr algn="ctr"/>
-              <a:endParaRPr lang="en-US"/>
-            </a:p>
-          </p:txBody>
-        </p:sp>
-        <p:sp>
-          <p:nvSpPr>
-            <p:cNvPr id="14" name="TextBox 13">
-              <a:extLst>
-                <a:ext uri="{FF2B5EF4-FFF2-40B4-BE49-F238E27FC236}">
-                  <a16:creationId xmlns:a16="http://schemas.microsoft.com/office/drawing/2014/main" id="{A27A3233-D761-B59F-BECF-34DA3D398F9C}"/>
-                </a:ext>
-              </a:extLst>
-            </p:cNvPr>
-            <p:cNvSpPr txBox="1"/>
-            <p:nvPr/>
-          </p:nvSpPr>
-          <p:spPr>
-            <a:xfrm>
-              <a:off x="7421045" y="2111216"/>
-              <a:ext cx="1104405" cy="400110"/>
-            </a:xfrm>
-            <a:prstGeom prst="rect">
-              <a:avLst/>
-            </a:prstGeom>
-            <a:noFill/>
-          </p:spPr>
-          <p:txBody>
-            <a:bodyPr wrap="square" rtlCol="0">
-              <a:spAutoFit/>
-            </a:bodyPr>
-            <a:lstStyle/>
-            <a:p>
-              <a:r>
-                <a:rPr lang="en-US" sz="2000" dirty="0">
-                  <a:latin typeface="Monaco" pitchFamily="2" charset="77"/>
-                </a:rPr>
-                <a:t>env_1</a:t>
-              </a:r>
-            </a:p>
-          </p:txBody>
-        </p:sp>
-      </p:grpSp>
-      <p:grpSp>
-        <p:nvGrpSpPr>
-          <p:cNvPr id="20" name="Group 19">
-            <a:extLst>
-              <a:ext uri="{FF2B5EF4-FFF2-40B4-BE49-F238E27FC236}">
-                <a16:creationId xmlns:a16="http://schemas.microsoft.com/office/drawing/2014/main" id="{B379485A-BC3C-9DCA-9CFE-FAE18FA9C09F}"/>
-              </a:ext>
-            </a:extLst>
-          </p:cNvPr>
-          <p:cNvGrpSpPr/>
-          <p:nvPr/>
-        </p:nvGrpSpPr>
-        <p:grpSpPr>
-          <a:xfrm>
-            <a:off x="8034091" y="4232356"/>
-            <a:ext cx="1454097" cy="1454097"/>
-            <a:chOff x="8034091" y="4232356"/>
-            <a:chExt cx="1454097" cy="1454097"/>
-          </a:xfrm>
-        </p:grpSpPr>
-        <p:sp>
-          <p:nvSpPr>
-            <p:cNvPr id="12" name="Oval 11">
-              <a:extLst>
-                <a:ext uri="{FF2B5EF4-FFF2-40B4-BE49-F238E27FC236}">
-                  <a16:creationId xmlns:a16="http://schemas.microsoft.com/office/drawing/2014/main" id="{7E6E1065-BFAF-0E6F-3FFB-21918CD9024E}"/>
-                </a:ext>
-              </a:extLst>
-            </p:cNvPr>
-            <p:cNvSpPr>
-              <a:spLocks noChangeAspect="1"/>
-            </p:cNvSpPr>
-            <p:nvPr/>
-          </p:nvSpPr>
-          <p:spPr>
-            <a:xfrm>
-              <a:off x="8034091" y="4232356"/>
-              <a:ext cx="1454097" cy="1454097"/>
-            </a:xfrm>
-            <a:prstGeom prst="ellipse">
-              <a:avLst/>
-            </a:prstGeom>
-            <a:solidFill>
-              <a:schemeClr val="accent2">
-                <a:lumMod val="40000"/>
-                <a:lumOff val="60000"/>
-              </a:schemeClr>
-            </a:solidFill>
-            <a:ln>
-              <a:solidFill>
-                <a:schemeClr val="tx2"/>
-              </a:solidFill>
-            </a:ln>
-          </p:spPr>
-          <p:style>
-            <a:lnRef idx="2">
-              <a:schemeClr val="accent1">
-                <a:shade val="50000"/>
-              </a:schemeClr>
-            </a:lnRef>
-            <a:fillRef idx="1">
-              <a:schemeClr val="accent1"/>
-            </a:fillRef>
-            <a:effectRef idx="0">
-              <a:schemeClr val="accent1"/>
-            </a:effectRef>
-            <a:fontRef idx="minor">
-              <a:schemeClr val="lt1"/>
-            </a:fontRef>
-          </p:style>
-          <p:txBody>
-            <a:bodyPr rtlCol="0" anchor="ctr"/>
-            <a:lstStyle/>
-            <a:p>
-              <a:pPr algn="ctr"/>
-              <a:endParaRPr lang="en-US"/>
-            </a:p>
-          </p:txBody>
-        </p:sp>
-        <p:sp>
-          <p:nvSpPr>
-            <p:cNvPr id="16" name="TextBox 15">
-              <a:extLst>
-                <a:ext uri="{FF2B5EF4-FFF2-40B4-BE49-F238E27FC236}">
-                  <a16:creationId xmlns:a16="http://schemas.microsoft.com/office/drawing/2014/main" id="{801CEDFB-732D-AE76-DC52-FBDDC099B561}"/>
-                </a:ext>
-              </a:extLst>
-            </p:cNvPr>
-            <p:cNvSpPr txBox="1"/>
-            <p:nvPr/>
-          </p:nvSpPr>
-          <p:spPr>
-            <a:xfrm>
-              <a:off x="8306595" y="4361369"/>
-              <a:ext cx="1104405" cy="400110"/>
-            </a:xfrm>
-            <a:prstGeom prst="rect">
-              <a:avLst/>
-            </a:prstGeom>
-            <a:noFill/>
-          </p:spPr>
-          <p:txBody>
-            <a:bodyPr wrap="square" rtlCol="0">
-              <a:spAutoFit/>
-            </a:bodyPr>
-            <a:lstStyle/>
-            <a:p>
-              <a:r>
-                <a:rPr lang="en-US" sz="2000">
-                  <a:latin typeface="Monaco" pitchFamily="2" charset="77"/>
-                </a:rPr>
-                <a:t>env_3</a:t>
-              </a:r>
-            </a:p>
-          </p:txBody>
-        </p:sp>
-      </p:grpSp>
-      <p:grpSp>
-        <p:nvGrpSpPr>
-          <p:cNvPr id="19" name="Group 18">
-            <a:extLst>
-              <a:ext uri="{FF2B5EF4-FFF2-40B4-BE49-F238E27FC236}">
-                <a16:creationId xmlns:a16="http://schemas.microsoft.com/office/drawing/2014/main" id="{5CB8E6C8-4AB3-F1BD-BCB6-7E085A99662F}"/>
-              </a:ext>
-            </a:extLst>
-          </p:cNvPr>
-          <p:cNvGrpSpPr/>
-          <p:nvPr/>
-        </p:nvGrpSpPr>
-        <p:grpSpPr>
-          <a:xfrm>
-            <a:off x="9429179" y="2471565"/>
-            <a:ext cx="2127857" cy="2127857"/>
-            <a:chOff x="9429179" y="2471565"/>
-            <a:chExt cx="2127857" cy="2127857"/>
-          </a:xfrm>
-        </p:grpSpPr>
-        <p:sp>
-          <p:nvSpPr>
-            <p:cNvPr id="11" name="Oval 10">
-              <a:extLst>
-                <a:ext uri="{FF2B5EF4-FFF2-40B4-BE49-F238E27FC236}">
-                  <a16:creationId xmlns:a16="http://schemas.microsoft.com/office/drawing/2014/main" id="{DED24AF5-4A22-905F-7D86-B5B33AC83345}"/>
-                </a:ext>
-              </a:extLst>
-            </p:cNvPr>
-            <p:cNvSpPr>
-              <a:spLocks noChangeAspect="1"/>
-            </p:cNvSpPr>
-            <p:nvPr/>
-          </p:nvSpPr>
-          <p:spPr>
-            <a:xfrm>
-              <a:off x="9429179" y="2471565"/>
-              <a:ext cx="2127857" cy="2127857"/>
-            </a:xfrm>
-            <a:prstGeom prst="ellipse">
-              <a:avLst/>
-            </a:prstGeom>
-            <a:solidFill>
-              <a:srgbClr val="D883FF"/>
-            </a:solidFill>
-            <a:ln>
-              <a:solidFill>
-                <a:schemeClr val="tx2"/>
-              </a:solidFill>
-            </a:ln>
-          </p:spPr>
-          <p:style>
-            <a:lnRef idx="2">
-              <a:schemeClr val="accent1">
-                <a:shade val="50000"/>
-              </a:schemeClr>
-            </a:lnRef>
-            <a:fillRef idx="1">
-              <a:schemeClr val="accent1"/>
-            </a:fillRef>
-            <a:effectRef idx="0">
-              <a:schemeClr val="accent1"/>
-            </a:effectRef>
-            <a:fontRef idx="minor">
-              <a:schemeClr val="lt1"/>
-            </a:fontRef>
-          </p:style>
-          <p:txBody>
-            <a:bodyPr rtlCol="0" anchor="ctr"/>
-            <a:lstStyle/>
-            <a:p>
-              <a:pPr algn="ctr"/>
-              <a:endParaRPr lang="en-US"/>
-            </a:p>
-          </p:txBody>
-        </p:sp>
-        <p:sp>
-          <p:nvSpPr>
-            <p:cNvPr id="15" name="TextBox 14">
-              <a:extLst>
-                <a:ext uri="{FF2B5EF4-FFF2-40B4-BE49-F238E27FC236}">
-                  <a16:creationId xmlns:a16="http://schemas.microsoft.com/office/drawing/2014/main" id="{6F3928BB-5CD7-8BDB-7E73-17B7353A4187}"/>
-                </a:ext>
-              </a:extLst>
-            </p:cNvPr>
-            <p:cNvSpPr txBox="1"/>
-            <p:nvPr/>
-          </p:nvSpPr>
-          <p:spPr>
-            <a:xfrm>
-              <a:off x="10027416" y="2615875"/>
-              <a:ext cx="1104405" cy="400110"/>
-            </a:xfrm>
-            <a:prstGeom prst="rect">
-              <a:avLst/>
-            </a:prstGeom>
-            <a:noFill/>
-          </p:spPr>
-          <p:txBody>
-            <a:bodyPr wrap="square" rtlCol="0">
-              <a:spAutoFit/>
-            </a:bodyPr>
-            <a:lstStyle/>
-            <a:p>
-              <a:r>
-                <a:rPr lang="en-US" sz="2000">
-                  <a:latin typeface="Monaco" pitchFamily="2" charset="77"/>
-                </a:rPr>
-                <a:t>env_2</a:t>
-              </a:r>
-            </a:p>
-          </p:txBody>
-        </p:sp>
-      </p:grpSp>
-      <p:sp>
-        <p:nvSpPr>
-          <p:cNvPr id="24" name="TextBox 23">
-            <a:extLst>
-              <a:ext uri="{FF2B5EF4-FFF2-40B4-BE49-F238E27FC236}">
-                <a16:creationId xmlns:a16="http://schemas.microsoft.com/office/drawing/2014/main" id="{9AB0F207-8E0C-A5E6-2BBA-711A040B6E36}"/>
-              </a:ext>
-            </a:extLst>
-          </p:cNvPr>
-          <p:cNvSpPr txBox="1"/>
-          <p:nvPr/>
-        </p:nvSpPr>
-        <p:spPr>
-          <a:xfrm>
-            <a:off x="9879566" y="3039012"/>
-            <a:ext cx="2504509" cy="1200329"/>
-          </a:xfrm>
-          <a:prstGeom prst="rect">
-            <a:avLst/>
-          </a:prstGeom>
-          <a:noFill/>
-        </p:spPr>
-        <p:txBody>
-          <a:bodyPr wrap="square" lIns="91440" tIns="45720" rIns="91440" bIns="45720" rtlCol="0" anchor="t">
-            <a:spAutoFit/>
-          </a:bodyPr>
-          <a:lstStyle/>
-          <a:p>
-            <a:r>
-              <a:rPr lang="en-US" dirty="0">
-                <a:latin typeface="Monaco"/>
-              </a:rPr>
-              <a:t>Program B</a:t>
-            </a:r>
-          </a:p>
-          <a:p>
-            <a:r>
-              <a:rPr lang="en-US" dirty="0">
-                <a:latin typeface="Monaco"/>
-              </a:rPr>
-              <a:t>dependency: </a:t>
-            </a:r>
-          </a:p>
-          <a:p>
-            <a:r>
-              <a:rPr lang="en-US" dirty="0">
-                <a:latin typeface="Monaco"/>
-              </a:rPr>
-              <a:t>Program Y </a:t>
-            </a:r>
-          </a:p>
-          <a:p>
-            <a:r>
-              <a:rPr lang="en-US" dirty="0">
-                <a:latin typeface="Monaco"/>
-              </a:rPr>
-              <a:t>(v2.0) </a:t>
-            </a:r>
-          </a:p>
-        </p:txBody>
-      </p:sp>
-      <p:sp>
-        <p:nvSpPr>
-          <p:cNvPr id="22" name="TextBox 21">
-            <a:extLst>
-              <a:ext uri="{FF2B5EF4-FFF2-40B4-BE49-F238E27FC236}">
-                <a16:creationId xmlns:a16="http://schemas.microsoft.com/office/drawing/2014/main" id="{CDAE866F-9A4C-BC78-08C5-4310C2B3246B}"/>
-              </a:ext>
-            </a:extLst>
-          </p:cNvPr>
-          <p:cNvSpPr txBox="1"/>
-          <p:nvPr/>
-        </p:nvSpPr>
-        <p:spPr>
-          <a:xfrm>
-            <a:off x="407442" y="1891486"/>
-            <a:ext cx="5908061" cy="4647426"/>
-          </a:xfrm>
-          <a:prstGeom prst="rect">
-            <a:avLst/>
-          </a:prstGeom>
-          <a:noFill/>
-        </p:spPr>
-        <p:txBody>
-          <a:bodyPr wrap="square" rtlCol="0" anchor="ctr">
-            <a:spAutoFit/>
-          </a:bodyPr>
-          <a:lstStyle/>
-          <a:p>
-            <a:r>
-              <a:rPr lang="en-US" sz="2400" dirty="0">
-                <a:latin typeface="Century Gothic" panose="020B0502020202020204" pitchFamily="34" charset="0"/>
-              </a:rPr>
-              <a:t>Think of virtual environments as self-contained bubbles.</a:t>
-            </a:r>
-          </a:p>
-          <a:p>
-            <a:endParaRPr lang="en-US" sz="2400" dirty="0">
-              <a:latin typeface="Century Gothic" panose="020B0502020202020204" pitchFamily="34" charset="0"/>
-            </a:endParaRPr>
-          </a:p>
-          <a:p>
-            <a:r>
-              <a:rPr lang="en-US" sz="2400" dirty="0">
-                <a:latin typeface="Monaco" pitchFamily="2" charset="77"/>
-              </a:rPr>
-              <a:t>env_1 </a:t>
-            </a:r>
-            <a:r>
-              <a:rPr lang="en-US" sz="2400" dirty="0">
-                <a:latin typeface="Century Gothic" panose="020B0502020202020204" pitchFamily="34" charset="0"/>
-              </a:rPr>
-              <a:t>contains all the dependencies of ‘Program A’.</a:t>
-            </a:r>
-          </a:p>
-          <a:p>
-            <a:endParaRPr lang="en-US" sz="2400" dirty="0">
-              <a:latin typeface="Century Gothic" panose="020B0502020202020204" pitchFamily="34" charset="0"/>
-            </a:endParaRPr>
-          </a:p>
-          <a:p>
-            <a:r>
-              <a:rPr lang="en-US" sz="2400" dirty="0">
-                <a:latin typeface="Monaco" pitchFamily="2" charset="77"/>
-              </a:rPr>
-              <a:t>env_2</a:t>
-            </a:r>
-            <a:r>
-              <a:rPr lang="en-US" sz="2400" dirty="0">
-                <a:latin typeface="Century Gothic" panose="020B0502020202020204" pitchFamily="34" charset="0"/>
-              </a:rPr>
-              <a:t> contains all the dependencies of ‘Program B’.</a:t>
-            </a:r>
-          </a:p>
-          <a:p>
-            <a:endParaRPr lang="en-US" sz="2400" dirty="0">
-              <a:latin typeface="Century Gothic" panose="020B0502020202020204" pitchFamily="34" charset="0"/>
-            </a:endParaRPr>
-          </a:p>
-          <a:p>
-            <a:r>
-              <a:rPr lang="en-US" sz="2400" dirty="0">
-                <a:latin typeface="Century Gothic" panose="020B0502020202020204" pitchFamily="34" charset="0"/>
-              </a:rPr>
-              <a:t>The environments do not interact.</a:t>
-            </a:r>
-          </a:p>
-          <a:p>
-            <a:endParaRPr lang="en-US" sz="2800" b="1" dirty="0">
-              <a:latin typeface="Century Gothic" panose="020B0502020202020204" pitchFamily="34" charset="0"/>
-            </a:endParaRPr>
-          </a:p>
-          <a:p>
-            <a:endParaRPr lang="en-US" sz="2800" b="1" dirty="0">
-              <a:latin typeface="Century Gothic" panose="020B0502020202020204" pitchFamily="34" charset="0"/>
-            </a:endParaRPr>
+            <a:r>
+              <a:rPr lang="en-US" b="1" dirty="0">
+                <a:latin typeface="Century Gothic"/>
+              </a:rPr>
+              <a:t>Simplifying Installations with</a:t>
+            </a:r>
+            <a:endParaRPr lang="en-US" dirty="0"/>
           </a:p>
         </p:txBody>
       </p:sp>
@@ -11736,47 +11180,10 @@
       </p:pic>
       <p:sp>
         <p:nvSpPr>
-          <p:cNvPr id="2" name="Title 1">
+          <p:cNvPr id="22" name="TextBox 21">
             <a:extLst>
               <a:ext uri="{FF2B5EF4-FFF2-40B4-BE49-F238E27FC236}">
-                <a16:creationId xmlns:a16="http://schemas.microsoft.com/office/drawing/2014/main" id="{6FADF519-AE7F-36C9-168F-1F04A49B8831}"/>
-              </a:ext>
-            </a:extLst>
-          </p:cNvPr>
-          <p:cNvSpPr>
-            <a:spLocks noGrp="1"/>
-          </p:cNvSpPr>
-          <p:nvPr>
-            <p:ph type="title"/>
-          </p:nvPr>
-        </p:nvSpPr>
-        <p:spPr>
-          <a:xfrm>
-            <a:off x="-258896" y="365125"/>
-            <a:ext cx="8595176" cy="1348423"/>
-          </a:xfrm>
-        </p:spPr>
-        <p:txBody>
-          <a:bodyPr/>
-          <a:lstStyle/>
-          <a:p>
-            <a:pPr algn="ctr"/>
-            <a:r>
-              <a:rPr lang="en-US" b="1" dirty="0">
-                <a:latin typeface="Century Gothic"/>
-              </a:rPr>
-              <a:t>Simplifying Installations with</a:t>
-            </a:r>
-            <a:endParaRPr lang="en-US" dirty="0"/>
-          </a:p>
-        </p:txBody>
-      </p:sp>
-      <p:sp>
-        <p:nvSpPr>
-          <p:cNvPr id="23" name="TextBox 22">
-            <a:extLst>
-              <a:ext uri="{FF2B5EF4-FFF2-40B4-BE49-F238E27FC236}">
-                <a16:creationId xmlns:a16="http://schemas.microsoft.com/office/drawing/2014/main" id="{EF05CEDC-F5D2-532E-F648-2491E74826C4}"/>
+                <a16:creationId xmlns:a16="http://schemas.microsoft.com/office/drawing/2014/main" id="{CDAE866F-9A4C-BC78-08C5-4310C2B3246B}"/>
               </a:ext>
             </a:extLst>
           </p:cNvPr>
@@ -11785,8 +11192,8 @@
         </p:nvSpPr>
         <p:spPr>
           <a:xfrm>
-            <a:off x="7219945" y="2563141"/>
-            <a:ext cx="1726288" cy="1477328"/>
+            <a:off x="407442" y="1891486"/>
+            <a:ext cx="5908061" cy="4647426"/>
           </a:xfrm>
           <a:prstGeom prst="rect">
             <a:avLst/>
@@ -11794,42 +11201,663 @@
           <a:noFill/>
         </p:spPr>
         <p:txBody>
-          <a:bodyPr wrap="square" lIns="91440" tIns="45720" rIns="91440" bIns="45720" rtlCol="0" anchor="t">
+          <a:bodyPr wrap="square" rtlCol="0" anchor="ctr">
             <a:spAutoFit/>
           </a:bodyPr>
           <a:lstStyle/>
           <a:p>
             <a:r>
-              <a:rPr lang="en-US" dirty="0">
-                <a:latin typeface="Monaco"/>
-              </a:rPr>
-              <a:t>Program A</a:t>
-            </a:r>
-          </a:p>
-          <a:p>
-            <a:r>
-              <a:rPr lang="en-US" dirty="0">
-                <a:latin typeface="Monaco"/>
-              </a:rPr>
-              <a:t>dependency: </a:t>
-            </a:r>
-          </a:p>
-          <a:p>
-            <a:r>
-              <a:rPr lang="en-US" dirty="0">
-                <a:latin typeface="Monaco"/>
-              </a:rPr>
-              <a:t>Program Y (v1.0) </a:t>
-            </a:r>
-          </a:p>
-          <a:p>
-            <a:r>
-              <a:rPr lang="en-US" b="1" dirty="0">
-                <a:latin typeface="Monaco"/>
-              </a:rPr>
-              <a:t>   </a:t>
-            </a:r>
-            <a:endParaRPr lang="en-US" dirty="0"/>
+              <a:rPr lang="en-US" sz="2400" dirty="0">
+                <a:latin typeface="Century Gothic" panose="020B0502020202020204" pitchFamily="34" charset="0"/>
+              </a:rPr>
+              <a:t>Think of virtual environments as self-contained bubbles.</a:t>
+            </a:r>
+          </a:p>
+          <a:p>
+            <a:endParaRPr lang="en-US" sz="2400" dirty="0">
+              <a:latin typeface="Century Gothic" panose="020B0502020202020204" pitchFamily="34" charset="0"/>
+            </a:endParaRPr>
+          </a:p>
+          <a:p>
+            <a:r>
+              <a:rPr lang="en-US" sz="2400" dirty="0">
+                <a:latin typeface="Monaco" pitchFamily="2" charset="77"/>
+              </a:rPr>
+              <a:t>env_1 </a:t>
+            </a:r>
+            <a:r>
+              <a:rPr lang="en-US" sz="2400" dirty="0">
+                <a:latin typeface="Century Gothic" panose="020B0502020202020204" pitchFamily="34" charset="0"/>
+              </a:rPr>
+              <a:t>contains all the dependencies of ‘Program A’.</a:t>
+            </a:r>
+          </a:p>
+          <a:p>
+            <a:endParaRPr lang="en-US" sz="2400" dirty="0">
+              <a:latin typeface="Century Gothic" panose="020B0502020202020204" pitchFamily="34" charset="0"/>
+            </a:endParaRPr>
+          </a:p>
+          <a:p>
+            <a:r>
+              <a:rPr lang="en-US" sz="2400" dirty="0">
+                <a:latin typeface="Monaco" pitchFamily="2" charset="77"/>
+              </a:rPr>
+              <a:t>env_2</a:t>
+            </a:r>
+            <a:r>
+              <a:rPr lang="en-US" sz="2400" dirty="0">
+                <a:latin typeface="Century Gothic" panose="020B0502020202020204" pitchFamily="34" charset="0"/>
+              </a:rPr>
+              <a:t> contains all the dependencies of ‘Program B’.</a:t>
+            </a:r>
+          </a:p>
+          <a:p>
+            <a:endParaRPr lang="en-US" sz="2400" dirty="0">
+              <a:latin typeface="Century Gothic" panose="020B0502020202020204" pitchFamily="34" charset="0"/>
+            </a:endParaRPr>
+          </a:p>
+          <a:p>
+            <a:r>
+              <a:rPr lang="en-US" sz="2400" dirty="0">
+                <a:latin typeface="Century Gothic" panose="020B0502020202020204" pitchFamily="34" charset="0"/>
+              </a:rPr>
+              <a:t>The environments do not interact.</a:t>
+            </a:r>
+          </a:p>
+          <a:p>
+            <a:endParaRPr lang="en-US" sz="2800" b="1" dirty="0">
+              <a:latin typeface="Century Gothic" panose="020B0502020202020204" pitchFamily="34" charset="0"/>
+            </a:endParaRPr>
+          </a:p>
+          <a:p>
+            <a:endParaRPr lang="en-US" sz="2800" b="1" dirty="0">
+              <a:latin typeface="Century Gothic" panose="020B0502020202020204" pitchFamily="34" charset="0"/>
+            </a:endParaRPr>
+          </a:p>
+        </p:txBody>
+      </p:sp>
+      <p:grpSp>
+        <p:nvGrpSpPr>
+          <p:cNvPr id="17" name="Group 16">
+            <a:extLst>
+              <a:ext uri="{FF2B5EF4-FFF2-40B4-BE49-F238E27FC236}">
+                <a16:creationId xmlns:a16="http://schemas.microsoft.com/office/drawing/2014/main" id="{E9037026-162D-4EEC-424D-A60D0050B6A9}"/>
+              </a:ext>
+            </a:extLst>
+          </p:cNvPr>
+          <p:cNvGrpSpPr/>
+          <p:nvPr/>
+        </p:nvGrpSpPr>
+        <p:grpSpPr>
+          <a:xfrm>
+            <a:off x="6650182" y="1765125"/>
+            <a:ext cx="5733893" cy="4159623"/>
+            <a:chOff x="6650182" y="1765125"/>
+            <a:chExt cx="5733893" cy="4159623"/>
+          </a:xfrm>
+        </p:grpSpPr>
+        <p:sp>
+          <p:nvSpPr>
+            <p:cNvPr id="9" name="Rectangle 8" descr="A graphic containing three separate bubbles, named env_1, env_2, and env_3, respectively. Each environment (bubble) has its own programs and dependencies depicted within, showing the sepearation of software between environments.">
+              <a:extLst>
+                <a:ext uri="{FF2B5EF4-FFF2-40B4-BE49-F238E27FC236}">
+                  <a16:creationId xmlns:a16="http://schemas.microsoft.com/office/drawing/2014/main" id="{AED6EBB6-F155-BCFA-819A-B35196AF1D69}"/>
+                </a:ext>
+              </a:extLst>
+            </p:cNvPr>
+            <p:cNvSpPr/>
+            <p:nvPr/>
+          </p:nvSpPr>
+          <p:spPr>
+            <a:xfrm>
+              <a:off x="6650182" y="1765125"/>
+              <a:ext cx="5083104" cy="4159623"/>
+            </a:xfrm>
+            <a:prstGeom prst="rect">
+              <a:avLst/>
+            </a:prstGeom>
+            <a:solidFill>
+              <a:schemeClr val="bg2">
+                <a:lumMod val="90000"/>
+              </a:schemeClr>
+            </a:solidFill>
+            <a:ln>
+              <a:noFill/>
+            </a:ln>
+            <a:effectLst>
+              <a:softEdge rad="12700"/>
+            </a:effectLst>
+          </p:spPr>
+          <p:style>
+            <a:lnRef idx="2">
+              <a:schemeClr val="accent1">
+                <a:shade val="50000"/>
+              </a:schemeClr>
+            </a:lnRef>
+            <a:fillRef idx="1">
+              <a:schemeClr val="accent1"/>
+            </a:fillRef>
+            <a:effectRef idx="0">
+              <a:schemeClr val="accent1"/>
+            </a:effectRef>
+            <a:fontRef idx="minor">
+              <a:schemeClr val="lt1"/>
+            </a:fontRef>
+          </p:style>
+          <p:txBody>
+            <a:bodyPr rtlCol="0" anchor="ctr"/>
+            <a:lstStyle/>
+            <a:p>
+              <a:pPr algn="ctr"/>
+              <a:endParaRPr lang="en-US"/>
+            </a:p>
+          </p:txBody>
+        </p:sp>
+        <p:grpSp>
+          <p:nvGrpSpPr>
+            <p:cNvPr id="20" name="Group 19">
+              <a:extLst>
+                <a:ext uri="{FF2B5EF4-FFF2-40B4-BE49-F238E27FC236}">
+                  <a16:creationId xmlns:a16="http://schemas.microsoft.com/office/drawing/2014/main" id="{B379485A-BC3C-9DCA-9CFE-FAE18FA9C09F}"/>
+                </a:ext>
+              </a:extLst>
+            </p:cNvPr>
+            <p:cNvGrpSpPr/>
+            <p:nvPr/>
+          </p:nvGrpSpPr>
+          <p:grpSpPr>
+            <a:xfrm>
+              <a:off x="8034091" y="4232356"/>
+              <a:ext cx="1454097" cy="1454097"/>
+              <a:chOff x="8034091" y="4232356"/>
+              <a:chExt cx="1454097" cy="1454097"/>
+            </a:xfrm>
+          </p:grpSpPr>
+          <p:sp>
+            <p:nvSpPr>
+              <p:cNvPr id="12" name="Oval 11">
+                <a:extLst>
+                  <a:ext uri="{FF2B5EF4-FFF2-40B4-BE49-F238E27FC236}">
+                    <a16:creationId xmlns:a16="http://schemas.microsoft.com/office/drawing/2014/main" id="{7E6E1065-BFAF-0E6F-3FFB-21918CD9024E}"/>
+                  </a:ext>
+                </a:extLst>
+              </p:cNvPr>
+              <p:cNvSpPr>
+                <a:spLocks noChangeAspect="1"/>
+              </p:cNvSpPr>
+              <p:nvPr/>
+            </p:nvSpPr>
+            <p:spPr>
+              <a:xfrm>
+                <a:off x="8034091" y="4232356"/>
+                <a:ext cx="1454097" cy="1454097"/>
+              </a:xfrm>
+              <a:prstGeom prst="ellipse">
+                <a:avLst/>
+              </a:prstGeom>
+              <a:solidFill>
+                <a:schemeClr val="accent2">
+                  <a:lumMod val="40000"/>
+                  <a:lumOff val="60000"/>
+                </a:schemeClr>
+              </a:solidFill>
+              <a:ln>
+                <a:solidFill>
+                  <a:schemeClr val="tx2"/>
+                </a:solidFill>
+              </a:ln>
+            </p:spPr>
+            <p:style>
+              <a:lnRef idx="2">
+                <a:schemeClr val="accent1">
+                  <a:shade val="50000"/>
+                </a:schemeClr>
+              </a:lnRef>
+              <a:fillRef idx="1">
+                <a:schemeClr val="accent1"/>
+              </a:fillRef>
+              <a:effectRef idx="0">
+                <a:schemeClr val="accent1"/>
+              </a:effectRef>
+              <a:fontRef idx="minor">
+                <a:schemeClr val="lt1"/>
+              </a:fontRef>
+            </p:style>
+            <p:txBody>
+              <a:bodyPr rtlCol="0" anchor="ctr"/>
+              <a:lstStyle/>
+              <a:p>
+                <a:pPr algn="ctr"/>
+                <a:r>
+                  <a:rPr lang="en-US" dirty="0">
+                    <a:solidFill>
+                      <a:schemeClr val="tx1"/>
+                    </a:solidFill>
+                  </a:rPr>
+                  <a:t>…</a:t>
+                </a:r>
+              </a:p>
+            </p:txBody>
+          </p:sp>
+          <p:sp>
+            <p:nvSpPr>
+              <p:cNvPr id="16" name="TextBox 15">
+                <a:extLst>
+                  <a:ext uri="{FF2B5EF4-FFF2-40B4-BE49-F238E27FC236}">
+                    <a16:creationId xmlns:a16="http://schemas.microsoft.com/office/drawing/2014/main" id="{801CEDFB-732D-AE76-DC52-FBDDC099B561}"/>
+                  </a:ext>
+                </a:extLst>
+              </p:cNvPr>
+              <p:cNvSpPr txBox="1"/>
+              <p:nvPr/>
+            </p:nvSpPr>
+            <p:spPr>
+              <a:xfrm>
+                <a:off x="8306595" y="4361369"/>
+                <a:ext cx="1104405" cy="400110"/>
+              </a:xfrm>
+              <a:prstGeom prst="rect">
+                <a:avLst/>
+              </a:prstGeom>
+              <a:noFill/>
+            </p:spPr>
+            <p:txBody>
+              <a:bodyPr wrap="square" rtlCol="0">
+                <a:spAutoFit/>
+              </a:bodyPr>
+              <a:lstStyle/>
+              <a:p>
+                <a:r>
+                  <a:rPr lang="en-US" sz="2000" dirty="0">
+                    <a:latin typeface="Monaco" pitchFamily="2" charset="77"/>
+                  </a:rPr>
+                  <a:t>env_3</a:t>
+                </a:r>
+              </a:p>
+            </p:txBody>
+          </p:sp>
+        </p:grpSp>
+        <p:grpSp>
+          <p:nvGrpSpPr>
+            <p:cNvPr id="8" name="Group 7">
+              <a:extLst>
+                <a:ext uri="{FF2B5EF4-FFF2-40B4-BE49-F238E27FC236}">
+                  <a16:creationId xmlns:a16="http://schemas.microsoft.com/office/drawing/2014/main" id="{3FEF5324-0734-D455-DDF8-D53598C9C722}"/>
+                </a:ext>
+              </a:extLst>
+            </p:cNvPr>
+            <p:cNvGrpSpPr/>
+            <p:nvPr/>
+          </p:nvGrpSpPr>
+          <p:grpSpPr>
+            <a:xfrm>
+              <a:off x="9429179" y="2471565"/>
+              <a:ext cx="2954896" cy="2127857"/>
+              <a:chOff x="9429179" y="2471565"/>
+              <a:chExt cx="2954896" cy="2127857"/>
+            </a:xfrm>
+          </p:grpSpPr>
+          <p:sp>
+            <p:nvSpPr>
+              <p:cNvPr id="11" name="Oval 10">
+                <a:extLst>
+                  <a:ext uri="{FF2B5EF4-FFF2-40B4-BE49-F238E27FC236}">
+                    <a16:creationId xmlns:a16="http://schemas.microsoft.com/office/drawing/2014/main" id="{DED24AF5-4A22-905F-7D86-B5B33AC83345}"/>
+                  </a:ext>
+                </a:extLst>
+              </p:cNvPr>
+              <p:cNvSpPr>
+                <a:spLocks noChangeAspect="1"/>
+              </p:cNvSpPr>
+              <p:nvPr/>
+            </p:nvSpPr>
+            <p:spPr>
+              <a:xfrm>
+                <a:off x="9429179" y="2471565"/>
+                <a:ext cx="2127857" cy="2127857"/>
+              </a:xfrm>
+              <a:prstGeom prst="ellipse">
+                <a:avLst/>
+              </a:prstGeom>
+              <a:solidFill>
+                <a:srgbClr val="D883FF"/>
+              </a:solidFill>
+              <a:ln>
+                <a:solidFill>
+                  <a:schemeClr val="tx2"/>
+                </a:solidFill>
+              </a:ln>
+            </p:spPr>
+            <p:style>
+              <a:lnRef idx="2">
+                <a:schemeClr val="accent1">
+                  <a:shade val="50000"/>
+                </a:schemeClr>
+              </a:lnRef>
+              <a:fillRef idx="1">
+                <a:schemeClr val="accent1"/>
+              </a:fillRef>
+              <a:effectRef idx="0">
+                <a:schemeClr val="accent1"/>
+              </a:effectRef>
+              <a:fontRef idx="minor">
+                <a:schemeClr val="lt1"/>
+              </a:fontRef>
+            </p:style>
+            <p:txBody>
+              <a:bodyPr rtlCol="0" anchor="ctr"/>
+              <a:lstStyle/>
+              <a:p>
+                <a:pPr algn="ctr"/>
+                <a:endParaRPr lang="en-US"/>
+              </a:p>
+            </p:txBody>
+          </p:sp>
+          <p:sp>
+            <p:nvSpPr>
+              <p:cNvPr id="24" name="TextBox 23">
+                <a:extLst>
+                  <a:ext uri="{FF2B5EF4-FFF2-40B4-BE49-F238E27FC236}">
+                    <a16:creationId xmlns:a16="http://schemas.microsoft.com/office/drawing/2014/main" id="{9AB0F207-8E0C-A5E6-2BBA-711A040B6E36}"/>
+                  </a:ext>
+                </a:extLst>
+              </p:cNvPr>
+              <p:cNvSpPr txBox="1"/>
+              <p:nvPr/>
+            </p:nvSpPr>
+            <p:spPr>
+              <a:xfrm>
+                <a:off x="9879566" y="3039012"/>
+                <a:ext cx="2504509" cy="1200329"/>
+              </a:xfrm>
+              <a:prstGeom prst="rect">
+                <a:avLst/>
+              </a:prstGeom>
+              <a:noFill/>
+            </p:spPr>
+            <p:txBody>
+              <a:bodyPr wrap="square" lIns="91440" tIns="45720" rIns="91440" bIns="45720" rtlCol="0" anchor="t">
+                <a:spAutoFit/>
+              </a:bodyPr>
+              <a:lstStyle/>
+              <a:p>
+                <a:r>
+                  <a:rPr lang="en-US" dirty="0">
+                    <a:latin typeface="Monaco"/>
+                  </a:rPr>
+                  <a:t>Program B</a:t>
+                </a:r>
+              </a:p>
+              <a:p>
+                <a:r>
+                  <a:rPr lang="en-US" dirty="0">
+                    <a:latin typeface="Monaco"/>
+                  </a:rPr>
+                  <a:t>dependency: </a:t>
+                </a:r>
+              </a:p>
+              <a:p>
+                <a:r>
+                  <a:rPr lang="en-US" dirty="0">
+                    <a:latin typeface="Monaco"/>
+                  </a:rPr>
+                  <a:t>Program Y </a:t>
+                </a:r>
+              </a:p>
+              <a:p>
+                <a:r>
+                  <a:rPr lang="en-US" dirty="0">
+                    <a:latin typeface="Monaco"/>
+                  </a:rPr>
+                  <a:t>(v2.0) </a:t>
+                </a:r>
+              </a:p>
+            </p:txBody>
+          </p:sp>
+          <p:sp>
+            <p:nvSpPr>
+              <p:cNvPr id="15" name="TextBox 14">
+                <a:extLst>
+                  <a:ext uri="{FF2B5EF4-FFF2-40B4-BE49-F238E27FC236}">
+                    <a16:creationId xmlns:a16="http://schemas.microsoft.com/office/drawing/2014/main" id="{6F3928BB-5CD7-8BDB-7E73-17B7353A4187}"/>
+                  </a:ext>
+                </a:extLst>
+              </p:cNvPr>
+              <p:cNvSpPr txBox="1"/>
+              <p:nvPr/>
+            </p:nvSpPr>
+            <p:spPr>
+              <a:xfrm>
+                <a:off x="10027416" y="2615875"/>
+                <a:ext cx="1104405" cy="400110"/>
+              </a:xfrm>
+              <a:prstGeom prst="rect">
+                <a:avLst/>
+              </a:prstGeom>
+              <a:noFill/>
+            </p:spPr>
+            <p:txBody>
+              <a:bodyPr wrap="square" rtlCol="0">
+                <a:spAutoFit/>
+              </a:bodyPr>
+              <a:lstStyle/>
+              <a:p>
+                <a:r>
+                  <a:rPr lang="en-US" sz="2000">
+                    <a:latin typeface="Monaco" pitchFamily="2" charset="77"/>
+                  </a:rPr>
+                  <a:t>env_2</a:t>
+                </a:r>
+              </a:p>
+            </p:txBody>
+          </p:sp>
+        </p:grpSp>
+        <p:grpSp>
+          <p:nvGrpSpPr>
+            <p:cNvPr id="13" name="Group 12">
+              <a:extLst>
+                <a:ext uri="{FF2B5EF4-FFF2-40B4-BE49-F238E27FC236}">
+                  <a16:creationId xmlns:a16="http://schemas.microsoft.com/office/drawing/2014/main" id="{39CA0F60-7273-80D7-573D-EFE21F8D7098}"/>
+                </a:ext>
+              </a:extLst>
+            </p:cNvPr>
+            <p:cNvGrpSpPr/>
+            <p:nvPr/>
+          </p:nvGrpSpPr>
+          <p:grpSpPr>
+            <a:xfrm>
+              <a:off x="6906491" y="2047851"/>
+              <a:ext cx="2039742" cy="2035629"/>
+              <a:chOff x="6906491" y="2047851"/>
+              <a:chExt cx="2039742" cy="2035629"/>
+            </a:xfrm>
+          </p:grpSpPr>
+          <p:sp>
+            <p:nvSpPr>
+              <p:cNvPr id="10" name="Oval 9">
+                <a:extLst>
+                  <a:ext uri="{FF2B5EF4-FFF2-40B4-BE49-F238E27FC236}">
+                    <a16:creationId xmlns:a16="http://schemas.microsoft.com/office/drawing/2014/main" id="{96C0877C-914D-01EB-E434-421FB530313C}"/>
+                  </a:ext>
+                </a:extLst>
+              </p:cNvPr>
+              <p:cNvSpPr>
+                <a:spLocks noChangeAspect="1"/>
+              </p:cNvSpPr>
+              <p:nvPr/>
+            </p:nvSpPr>
+            <p:spPr>
+              <a:xfrm>
+                <a:off x="6906491" y="2047851"/>
+                <a:ext cx="2035629" cy="2035629"/>
+              </a:xfrm>
+              <a:prstGeom prst="ellipse">
+                <a:avLst/>
+              </a:prstGeom>
+              <a:solidFill>
+                <a:schemeClr val="accent6">
+                  <a:lumMod val="60000"/>
+                  <a:lumOff val="40000"/>
+                </a:schemeClr>
+              </a:solidFill>
+              <a:ln>
+                <a:solidFill>
+                  <a:schemeClr val="tx2"/>
+                </a:solidFill>
+              </a:ln>
+            </p:spPr>
+            <p:style>
+              <a:lnRef idx="2">
+                <a:schemeClr val="accent1">
+                  <a:shade val="50000"/>
+                </a:schemeClr>
+              </a:lnRef>
+              <a:fillRef idx="1">
+                <a:schemeClr val="accent1"/>
+              </a:fillRef>
+              <a:effectRef idx="0">
+                <a:schemeClr val="accent1"/>
+              </a:effectRef>
+              <a:fontRef idx="minor">
+                <a:schemeClr val="lt1"/>
+              </a:fontRef>
+            </p:style>
+            <p:txBody>
+              <a:bodyPr rtlCol="0" anchor="ctr"/>
+              <a:lstStyle/>
+              <a:p>
+                <a:pPr algn="ctr"/>
+                <a:endParaRPr lang="en-US"/>
+              </a:p>
+            </p:txBody>
+          </p:sp>
+          <p:sp>
+            <p:nvSpPr>
+              <p:cNvPr id="14" name="TextBox 13">
+                <a:extLst>
+                  <a:ext uri="{FF2B5EF4-FFF2-40B4-BE49-F238E27FC236}">
+                    <a16:creationId xmlns:a16="http://schemas.microsoft.com/office/drawing/2014/main" id="{A27A3233-D761-B59F-BECF-34DA3D398F9C}"/>
+                  </a:ext>
+                </a:extLst>
+              </p:cNvPr>
+              <p:cNvSpPr txBox="1"/>
+              <p:nvPr/>
+            </p:nvSpPr>
+            <p:spPr>
+              <a:xfrm>
+                <a:off x="7421045" y="2111216"/>
+                <a:ext cx="1104405" cy="400110"/>
+              </a:xfrm>
+              <a:prstGeom prst="rect">
+                <a:avLst/>
+              </a:prstGeom>
+              <a:noFill/>
+            </p:spPr>
+            <p:txBody>
+              <a:bodyPr wrap="square" rtlCol="0">
+                <a:spAutoFit/>
+              </a:bodyPr>
+              <a:lstStyle/>
+              <a:p>
+                <a:r>
+                  <a:rPr lang="en-US" sz="2000" dirty="0">
+                    <a:latin typeface="Monaco" pitchFamily="2" charset="77"/>
+                  </a:rPr>
+                  <a:t>env_1</a:t>
+                </a:r>
+              </a:p>
+            </p:txBody>
+          </p:sp>
+          <p:sp>
+            <p:nvSpPr>
+              <p:cNvPr id="23" name="TextBox 22">
+                <a:extLst>
+                  <a:ext uri="{FF2B5EF4-FFF2-40B4-BE49-F238E27FC236}">
+                    <a16:creationId xmlns:a16="http://schemas.microsoft.com/office/drawing/2014/main" id="{EF05CEDC-F5D2-532E-F648-2491E74826C4}"/>
+                  </a:ext>
+                </a:extLst>
+              </p:cNvPr>
+              <p:cNvSpPr txBox="1"/>
+              <p:nvPr/>
+            </p:nvSpPr>
+            <p:spPr>
+              <a:xfrm>
+                <a:off x="7219945" y="2563141"/>
+                <a:ext cx="1726288" cy="1477328"/>
+              </a:xfrm>
+              <a:prstGeom prst="rect">
+                <a:avLst/>
+              </a:prstGeom>
+              <a:noFill/>
+            </p:spPr>
+            <p:txBody>
+              <a:bodyPr wrap="square" lIns="91440" tIns="45720" rIns="91440" bIns="45720" rtlCol="0" anchor="t">
+                <a:spAutoFit/>
+              </a:bodyPr>
+              <a:lstStyle/>
+              <a:p>
+                <a:r>
+                  <a:rPr lang="en-US" dirty="0">
+                    <a:latin typeface="Monaco"/>
+                  </a:rPr>
+                  <a:t>Program A</a:t>
+                </a:r>
+              </a:p>
+              <a:p>
+                <a:r>
+                  <a:rPr lang="en-US" dirty="0">
+                    <a:latin typeface="Monaco"/>
+                  </a:rPr>
+                  <a:t>dependency: </a:t>
+                </a:r>
+              </a:p>
+              <a:p>
+                <a:r>
+                  <a:rPr lang="en-US" dirty="0">
+                    <a:latin typeface="Monaco"/>
+                  </a:rPr>
+                  <a:t>Program Y (v1.0) </a:t>
+                </a:r>
+              </a:p>
+              <a:p>
+                <a:r>
+                  <a:rPr lang="en-US" b="1" dirty="0">
+                    <a:latin typeface="Monaco"/>
+                  </a:rPr>
+                  <a:t>   </a:t>
+                </a:r>
+                <a:endParaRPr lang="en-US" dirty="0"/>
+              </a:p>
+            </p:txBody>
+          </p:sp>
+        </p:grpSp>
+      </p:grpSp>
+      <p:sp>
+        <p:nvSpPr>
+          <p:cNvPr id="5" name="Slide Number Placeholder 4">
+            <a:extLst>
+              <a:ext uri="{FF2B5EF4-FFF2-40B4-BE49-F238E27FC236}">
+                <a16:creationId xmlns:a16="http://schemas.microsoft.com/office/drawing/2014/main" id="{C833F1D0-7852-2168-0F8C-3615DAB0314C}"/>
+              </a:ext>
+            </a:extLst>
+          </p:cNvPr>
+          <p:cNvSpPr>
+            <a:spLocks noGrp="1"/>
+          </p:cNvSpPr>
+          <p:nvPr>
+            <p:ph type="sldNum" sz="quarter" idx="12"/>
+          </p:nvPr>
+        </p:nvSpPr>
+        <p:spPr/>
+        <p:txBody>
+          <a:bodyPr/>
+          <a:lstStyle/>
+          <a:p>
+            <a:fld id="{ABDA560F-461C-6043-9BC4-489BA92F7161}" type="slidenum">
+              <a:rPr lang="en-US" smtClean="0"/>
+              <a:t>23</a:t>
+            </a:fld>
+            <a:endParaRPr lang="en-US"/>
           </a:p>
         </p:txBody>
       </p:sp>
@@ -11855,6 +11883,9 @@
                     <p:cTn id="3" fill="hold">
                       <p:stCondLst>
                         <p:cond delay="indefinite"/>
+                        <p:cond evt="onBegin" delay="0">
+                          <p:tn val="2"/>
+                        </p:cond>
                       </p:stCondLst>
                       <p:childTnLst>
                         <p:par>
@@ -11864,7 +11895,7 @@
                             </p:stCondLst>
                             <p:childTnLst>
                               <p:par>
-                                <p:cTn id="5" presetID="1" presetClass="entr" presetSubtype="0" fill="hold" grpId="0" nodeType="clickEffect">
+                                <p:cTn id="5" presetID="1" presetClass="entr" presetSubtype="0" fill="hold" nodeType="withEffect">
                                   <p:stCondLst>
                                     <p:cond delay="0"/>
                                   </p:stCondLst>
@@ -11877,7 +11908,11 @@
                                           </p:stCondLst>
                                         </p:cTn>
                                         <p:tgtEl>
-                                          <p:spTgt spid="23"/>
+                                          <p:spTgt spid="22">
+                                            <p:txEl>
+                                              <p:pRg st="2" end="2"/>
+                                            </p:txEl>
+                                          </p:spTgt>
                                         </p:tgtEl>
                                         <p:attrNameLst>
                                           <p:attrName>style.visibility</p:attrName>
@@ -11906,7 +11941,7 @@
                                         <p:tgtEl>
                                           <p:spTgt spid="22">
                                             <p:txEl>
-                                              <p:pRg st="2" end="2"/>
+                                              <p:pRg st="4" end="4"/>
                                             </p:txEl>
                                           </p:spTgt>
                                         </p:tgtEl>
@@ -11940,7 +11975,7 @@
                             </p:stCondLst>
                             <p:childTnLst>
                               <p:par>
-                                <p:cTn id="11" presetID="1" presetClass="entr" presetSubtype="0" fill="hold" grpId="0" nodeType="clickEffect">
+                                <p:cTn id="11" presetID="1" presetClass="entr" presetSubtype="0" fill="hold" nodeType="clickEffect">
                                   <p:stCondLst>
                                     <p:cond delay="0"/>
                                   </p:stCondLst>
@@ -11948,82 +11983,6 @@
                                     <p:set>
                                       <p:cBhvr>
                                         <p:cTn id="12" dur="1" fill="hold">
-                                          <p:stCondLst>
-                                            <p:cond delay="0"/>
-                                          </p:stCondLst>
-                                        </p:cTn>
-                                        <p:tgtEl>
-                                          <p:spTgt spid="24"/>
-                                        </p:tgtEl>
-                                        <p:attrNameLst>
-                                          <p:attrName>style.visibility</p:attrName>
-                                        </p:attrNameLst>
-                                      </p:cBhvr>
-                                      <p:to>
-                                        <p:strVal val="visible"/>
-                                      </p:to>
-                                    </p:set>
-                                  </p:childTnLst>
-                                </p:cTn>
-                              </p:par>
-                              <p:par>
-                                <p:cTn id="13" presetID="1" presetClass="entr" presetSubtype="0" fill="hold" nodeType="withEffect">
-                                  <p:stCondLst>
-                                    <p:cond delay="0"/>
-                                  </p:stCondLst>
-                                  <p:childTnLst>
-                                    <p:set>
-                                      <p:cBhvr>
-                                        <p:cTn id="14" dur="1" fill="hold">
-                                          <p:stCondLst>
-                                            <p:cond delay="0"/>
-                                          </p:stCondLst>
-                                        </p:cTn>
-                                        <p:tgtEl>
-                                          <p:spTgt spid="22">
-                                            <p:txEl>
-                                              <p:pRg st="4" end="4"/>
-                                            </p:txEl>
-                                          </p:spTgt>
-                                        </p:tgtEl>
-                                        <p:attrNameLst>
-                                          <p:attrName>style.visibility</p:attrName>
-                                        </p:attrNameLst>
-                                      </p:cBhvr>
-                                      <p:to>
-                                        <p:strVal val="visible"/>
-                                      </p:to>
-                                    </p:set>
-                                  </p:childTnLst>
-                                </p:cTn>
-                              </p:par>
-                            </p:childTnLst>
-                          </p:cTn>
-                        </p:par>
-                      </p:childTnLst>
-                    </p:cTn>
-                  </p:par>
-                  <p:par>
-                    <p:cTn id="15" fill="hold">
-                      <p:stCondLst>
-                        <p:cond delay="indefinite"/>
-                      </p:stCondLst>
-                      <p:childTnLst>
-                        <p:par>
-                          <p:cTn id="16" fill="hold">
-                            <p:stCondLst>
-                              <p:cond delay="0"/>
-                            </p:stCondLst>
-                            <p:childTnLst>
-                              <p:par>
-                                <p:cTn id="17" presetID="1" presetClass="entr" presetSubtype="0" fill="hold" nodeType="clickEffect">
-                                  <p:stCondLst>
-                                    <p:cond delay="0"/>
-                                  </p:stCondLst>
-                                  <p:childTnLst>
-                                    <p:set>
-                                      <p:cBhvr>
-                                        <p:cTn id="18" dur="1" fill="hold">
                                           <p:stCondLst>
                                             <p:cond delay="0"/>
                                           </p:stCondLst>
@@ -12073,10 +12032,6 @@
         </p:cTn>
       </p:par>
     </p:tnLst>
-    <p:bldLst>
-      <p:bldP spid="24" grpId="0"/>
-      <p:bldP spid="23" grpId="0"/>
-    </p:bldLst>
   </p:timing>
 </p:sld>
 </file>
@@ -12136,109 +12091,6 @@
           </a:p>
         </p:txBody>
       </p:sp>
-      <p:sp>
-        <p:nvSpPr>
-          <p:cNvPr id="21" name="TextBox 20">
-            <a:extLst>
-              <a:ext uri="{FF2B5EF4-FFF2-40B4-BE49-F238E27FC236}">
-                <a16:creationId xmlns:a16="http://schemas.microsoft.com/office/drawing/2014/main" id="{F5396B43-73B5-71E6-79FF-50E5697C0F8C}"/>
-              </a:ext>
-            </a:extLst>
-          </p:cNvPr>
-          <p:cNvSpPr txBox="1"/>
-          <p:nvPr/>
-        </p:nvSpPr>
-        <p:spPr>
-          <a:xfrm>
-            <a:off x="838200" y="2392071"/>
-            <a:ext cx="9968345" cy="3539430"/>
-          </a:xfrm>
-          <a:prstGeom prst="rect">
-            <a:avLst/>
-          </a:prstGeom>
-          <a:noFill/>
-        </p:spPr>
-        <p:txBody>
-          <a:bodyPr wrap="square" rtlCol="0">
-            <a:spAutoFit/>
-          </a:bodyPr>
-          <a:lstStyle/>
-          <a:p>
-            <a:r>
-              <a:rPr lang="en-US" sz="2800" dirty="0">
-                <a:latin typeface="Century Gothic" panose="020B0502020202020204" pitchFamily="34" charset="0"/>
-              </a:rPr>
-              <a:t>Your workflow requires two programs, ‘Program A’ and ‘Program B’.</a:t>
-            </a:r>
-          </a:p>
-          <a:p>
-            <a:r>
-              <a:rPr lang="en-US" sz="2800" dirty="0">
-                <a:latin typeface="Century Gothic" panose="020B0502020202020204" pitchFamily="34" charset="0"/>
-              </a:rPr>
-              <a:t> </a:t>
-            </a:r>
-          </a:p>
-          <a:p>
-            <a:pPr marL="285750" indent="-285750">
-              <a:buFont typeface="Arial" panose="020B0604020202020204" pitchFamily="34" charset="0"/>
-              <a:buChar char="•"/>
-            </a:pPr>
-            <a:r>
-              <a:rPr lang="en-US" sz="2800" dirty="0">
-                <a:latin typeface="Century Gothic" panose="020B0502020202020204" pitchFamily="34" charset="0"/>
-              </a:rPr>
-              <a:t>‘Program A’ depends on ‘Program Y’ </a:t>
-            </a:r>
-            <a:r>
-              <a:rPr lang="en-US" sz="2800" b="1" dirty="0">
-                <a:latin typeface="Century Gothic" panose="020B0502020202020204" pitchFamily="34" charset="0"/>
-              </a:rPr>
-              <a:t>v1.0</a:t>
-            </a:r>
-          </a:p>
-          <a:p>
-            <a:pPr marL="285750" indent="-285750">
-              <a:buFont typeface="Arial" panose="020B0604020202020204" pitchFamily="34" charset="0"/>
-              <a:buChar char="•"/>
-            </a:pPr>
-            <a:r>
-              <a:rPr lang="en-US" sz="2800" dirty="0">
-                <a:latin typeface="Century Gothic" panose="020B0502020202020204" pitchFamily="34" charset="0"/>
-              </a:rPr>
-              <a:t>‘Program B’ depends on ‘Program Y’ </a:t>
-            </a:r>
-            <a:r>
-              <a:rPr lang="en-US" sz="2800" b="1" dirty="0">
-                <a:latin typeface="Century Gothic" panose="020B0502020202020204" pitchFamily="34" charset="0"/>
-              </a:rPr>
-              <a:t>v2.0</a:t>
-            </a:r>
-          </a:p>
-          <a:p>
-            <a:pPr marL="285750" indent="-285750">
-              <a:buFont typeface="Arial" panose="020B0604020202020204" pitchFamily="34" charset="0"/>
-              <a:buChar char="•"/>
-            </a:pPr>
-            <a:endParaRPr lang="en-US" sz="2800" b="1" dirty="0">
-              <a:latin typeface="Century Gothic" panose="020B0502020202020204" pitchFamily="34" charset="0"/>
-            </a:endParaRPr>
-          </a:p>
-          <a:p>
-            <a:r>
-              <a:rPr lang="en-US" sz="2800" dirty="0">
-                <a:latin typeface="Century Gothic" panose="020B0502020202020204" pitchFamily="34" charset="0"/>
-              </a:rPr>
-              <a:t>What do you do?!</a:t>
-            </a:r>
-          </a:p>
-          <a:p>
-            <a:endParaRPr lang="en-US" sz="2800" dirty="0">
-              <a:latin typeface="Monaco" pitchFamily="2" charset="77"/>
-            </a:endParaRPr>
-          </a:p>
-        </p:txBody>
-      </p:sp>
       <p:pic>
         <p:nvPicPr>
           <p:cNvPr id="6" name="Picture 5" descr="Spack package manager logo">
@@ -12269,6 +12121,109 @@
           </a:prstGeom>
         </p:spPr>
       </p:pic>
+      <p:sp>
+        <p:nvSpPr>
+          <p:cNvPr id="21" name="TextBox 20">
+            <a:extLst>
+              <a:ext uri="{FF2B5EF4-FFF2-40B4-BE49-F238E27FC236}">
+                <a16:creationId xmlns:a16="http://schemas.microsoft.com/office/drawing/2014/main" id="{F5396B43-73B5-71E6-79FF-50E5697C0F8C}"/>
+              </a:ext>
+            </a:extLst>
+          </p:cNvPr>
+          <p:cNvSpPr txBox="1"/>
+          <p:nvPr/>
+        </p:nvSpPr>
+        <p:spPr>
+          <a:xfrm>
+            <a:off x="838200" y="2392071"/>
+            <a:ext cx="9968345" cy="3539430"/>
+          </a:xfrm>
+          <a:prstGeom prst="rect">
+            <a:avLst/>
+          </a:prstGeom>
+          <a:noFill/>
+        </p:spPr>
+        <p:txBody>
+          <a:bodyPr wrap="square" rtlCol="0">
+            <a:spAutoFit/>
+          </a:bodyPr>
+          <a:lstStyle/>
+          <a:p>
+            <a:r>
+              <a:rPr lang="en-US" sz="2800" dirty="0">
+                <a:latin typeface="Century Gothic" panose="020B0502020202020204" pitchFamily="34" charset="0"/>
+              </a:rPr>
+              <a:t>Your workflow requires two programs, ‘Program A’ and ‘Program B’.</a:t>
+            </a:r>
+          </a:p>
+          <a:p>
+            <a:r>
+              <a:rPr lang="en-US" sz="2800" dirty="0">
+                <a:latin typeface="Century Gothic" panose="020B0502020202020204" pitchFamily="34" charset="0"/>
+              </a:rPr>
+              <a:t> </a:t>
+            </a:r>
+          </a:p>
+          <a:p>
+            <a:pPr marL="285750" indent="-285750">
+              <a:buFont typeface="Arial" panose="020B0604020202020204" pitchFamily="34" charset="0"/>
+              <a:buChar char="•"/>
+            </a:pPr>
+            <a:r>
+              <a:rPr lang="en-US" sz="2800" dirty="0">
+                <a:latin typeface="Century Gothic" panose="020B0502020202020204" pitchFamily="34" charset="0"/>
+              </a:rPr>
+              <a:t>‘Program A’ depends on ‘Program Y’ </a:t>
+            </a:r>
+            <a:r>
+              <a:rPr lang="en-US" sz="2800" b="1" dirty="0">
+                <a:latin typeface="Century Gothic" panose="020B0502020202020204" pitchFamily="34" charset="0"/>
+              </a:rPr>
+              <a:t>v1.0</a:t>
+            </a:r>
+          </a:p>
+          <a:p>
+            <a:pPr marL="285750" indent="-285750">
+              <a:buFont typeface="Arial" panose="020B0604020202020204" pitchFamily="34" charset="0"/>
+              <a:buChar char="•"/>
+            </a:pPr>
+            <a:r>
+              <a:rPr lang="en-US" sz="2800" dirty="0">
+                <a:latin typeface="Century Gothic" panose="020B0502020202020204" pitchFamily="34" charset="0"/>
+              </a:rPr>
+              <a:t>‘Program B’ depends on ‘Program Y’ </a:t>
+            </a:r>
+            <a:r>
+              <a:rPr lang="en-US" sz="2800" b="1" dirty="0">
+                <a:latin typeface="Century Gothic" panose="020B0502020202020204" pitchFamily="34" charset="0"/>
+              </a:rPr>
+              <a:t>v2.0</a:t>
+            </a:r>
+          </a:p>
+          <a:p>
+            <a:pPr marL="285750" indent="-285750">
+              <a:buFont typeface="Arial" panose="020B0604020202020204" pitchFamily="34" charset="0"/>
+              <a:buChar char="•"/>
+            </a:pPr>
+            <a:endParaRPr lang="en-US" sz="2800" b="1" dirty="0">
+              <a:latin typeface="Century Gothic" panose="020B0502020202020204" pitchFamily="34" charset="0"/>
+            </a:endParaRPr>
+          </a:p>
+          <a:p>
+            <a:r>
+              <a:rPr lang="en-US" sz="2800" dirty="0">
+                <a:latin typeface="Century Gothic" panose="020B0502020202020204" pitchFamily="34" charset="0"/>
+              </a:rPr>
+              <a:t>What do you do?!</a:t>
+            </a:r>
+          </a:p>
+          <a:p>
+            <a:endParaRPr lang="en-US" sz="2800" dirty="0">
+              <a:latin typeface="Monaco" pitchFamily="2" charset="77"/>
+            </a:endParaRPr>
+          </a:p>
+        </p:txBody>
+      </p:sp>
       <p:sp>
         <p:nvSpPr>
           <p:cNvPr id="5" name="Slide Number Placeholder 4">
@@ -12541,45 +12496,36 @@
           </a:p>
         </p:txBody>
       </p:sp>
-      <p:sp>
-        <p:nvSpPr>
-          <p:cNvPr id="22" name="TextBox 21">
+      <p:pic>
+        <p:nvPicPr>
+          <p:cNvPr id="12" name="Picture 11" descr="Spack package manager logo">
             <a:extLst>
               <a:ext uri="{FF2B5EF4-FFF2-40B4-BE49-F238E27FC236}">
-                <a16:creationId xmlns:a16="http://schemas.microsoft.com/office/drawing/2014/main" id="{CDAE866F-9A4C-BC78-08C5-4310C2B3246B}"/>
+                <a16:creationId xmlns:a16="http://schemas.microsoft.com/office/drawing/2014/main" id="{67B42571-94E1-B91D-5E5D-15899CECD221}"/>
               </a:ext>
             </a:extLst>
           </p:cNvPr>
-          <p:cNvSpPr txBox="1"/>
+          <p:cNvPicPr>
+            <a:picLocks noChangeAspect="1"/>
+          </p:cNvPicPr>
           <p:nvPr/>
-        </p:nvSpPr>
+        </p:nvPicPr>
+        <p:blipFill>
+          <a:blip r:embed="rId3"/>
+          <a:stretch>
+            <a:fillRect/>
+          </a:stretch>
+        </p:blipFill>
         <p:spPr>
           <a:xfrm>
-            <a:off x="569877" y="3414235"/>
-            <a:ext cx="11052246" cy="954107"/>
+            <a:off x="7995557" y="508925"/>
+            <a:ext cx="3624942" cy="1043901"/>
           </a:xfrm>
           <a:prstGeom prst="rect">
             <a:avLst/>
           </a:prstGeom>
-          <a:noFill/>
         </p:spPr>
-        <p:txBody>
-          <a:bodyPr wrap="square" rtlCol="0" anchor="ctr">
-            <a:spAutoFit/>
-          </a:bodyPr>
-          <a:lstStyle/>
-          <a:p>
-            <a:endParaRPr lang="en-US" sz="2800" b="1">
-              <a:latin typeface="Century Gothic" panose="020B0502020202020204" pitchFamily="34" charset="0"/>
-            </a:endParaRPr>
-          </a:p>
-          <a:p>
-            <a:endParaRPr lang="en-US" sz="2800" b="1">
-              <a:latin typeface="Century Gothic" panose="020B0502020202020204" pitchFamily="34" charset="0"/>
-            </a:endParaRPr>
-          </a:p>
-        </p:txBody>
-      </p:sp>
+      </p:pic>
       <p:sp>
         <p:nvSpPr>
           <p:cNvPr id="3" name="Content Placeholder 2">
@@ -13283,36 +13229,6 @@
           </a:p>
         </p:txBody>
       </p:sp>
-      <p:pic>
-        <p:nvPicPr>
-          <p:cNvPr id="12" name="Picture 11" descr="Spack package manager logo">
-            <a:extLst>
-              <a:ext uri="{FF2B5EF4-FFF2-40B4-BE49-F238E27FC236}">
-                <a16:creationId xmlns:a16="http://schemas.microsoft.com/office/drawing/2014/main" id="{67B42571-94E1-B91D-5E5D-15899CECD221}"/>
-              </a:ext>
-            </a:extLst>
-          </p:cNvPr>
-          <p:cNvPicPr>
-            <a:picLocks noChangeAspect="1"/>
-          </p:cNvPicPr>
-          <p:nvPr/>
-        </p:nvPicPr>
-        <p:blipFill>
-          <a:blip r:embed="rId3"/>
-          <a:stretch>
-            <a:fillRect/>
-          </a:stretch>
-        </p:blipFill>
-        <p:spPr>
-          <a:xfrm>
-            <a:off x="7995557" y="508925"/>
-            <a:ext cx="3624942" cy="1043901"/>
-          </a:xfrm>
-          <a:prstGeom prst="rect">
-            <a:avLst/>
-          </a:prstGeom>
-        </p:spPr>
-      </p:pic>
       <p:sp>
         <p:nvSpPr>
           <p:cNvPr id="5" name="Slide Number Placeholder 4">
@@ -13531,45 +13447,36 @@
           </a:p>
         </p:txBody>
       </p:sp>
-      <p:sp>
-        <p:nvSpPr>
-          <p:cNvPr id="22" name="TextBox 21">
+      <p:pic>
+        <p:nvPicPr>
+          <p:cNvPr id="12" name="Picture 11" descr="Spack package manager logo">
             <a:extLst>
               <a:ext uri="{FF2B5EF4-FFF2-40B4-BE49-F238E27FC236}">
-                <a16:creationId xmlns:a16="http://schemas.microsoft.com/office/drawing/2014/main" id="{CDAE866F-9A4C-BC78-08C5-4310C2B3246B}"/>
+                <a16:creationId xmlns:a16="http://schemas.microsoft.com/office/drawing/2014/main" id="{7DED75B5-96F1-7A06-8621-542EB71785E6}"/>
               </a:ext>
             </a:extLst>
           </p:cNvPr>
-          <p:cNvSpPr txBox="1"/>
+          <p:cNvPicPr>
+            <a:picLocks noChangeAspect="1"/>
+          </p:cNvPicPr>
           <p:nvPr/>
-        </p:nvSpPr>
+        </p:nvPicPr>
+        <p:blipFill>
+          <a:blip r:embed="rId3"/>
+          <a:stretch>
+            <a:fillRect/>
+          </a:stretch>
+        </p:blipFill>
         <p:spPr>
           <a:xfrm>
-            <a:off x="569877" y="3414235"/>
-            <a:ext cx="11052246" cy="954107"/>
+            <a:off x="7995557" y="508925"/>
+            <a:ext cx="3624942" cy="1043901"/>
           </a:xfrm>
           <a:prstGeom prst="rect">
             <a:avLst/>
           </a:prstGeom>
-          <a:noFill/>
         </p:spPr>
-        <p:txBody>
-          <a:bodyPr wrap="square" rtlCol="0" anchor="ctr">
-            <a:spAutoFit/>
-          </a:bodyPr>
-          <a:lstStyle/>
-          <a:p>
-            <a:endParaRPr lang="en-US" sz="2800" b="1">
-              <a:latin typeface="Century Gothic" panose="020B0502020202020204" pitchFamily="34" charset="0"/>
-            </a:endParaRPr>
-          </a:p>
-          <a:p>
-            <a:endParaRPr lang="en-US" sz="2800" b="1">
-              <a:latin typeface="Century Gothic" panose="020B0502020202020204" pitchFamily="34" charset="0"/>
-            </a:endParaRPr>
-          </a:p>
-        </p:txBody>
-      </p:sp>
+      </p:pic>
       <p:sp>
         <p:nvSpPr>
           <p:cNvPr id="3" name="Content Placeholder 2">
@@ -13627,6 +13534,225 @@
               <a:buNone/>
             </a:pPr>
             <a:endParaRPr lang="en-US" sz="3600" dirty="0">
+              <a:latin typeface="Century Gothic" panose="020B0502020202020204" pitchFamily="34" charset="0"/>
+            </a:endParaRPr>
+          </a:p>
+        </p:txBody>
+      </p:sp>
+      <p:sp>
+        <p:nvSpPr>
+          <p:cNvPr id="11" name="Content Placeholder 2">
+            <a:extLst>
+              <a:ext uri="{FF2B5EF4-FFF2-40B4-BE49-F238E27FC236}">
+                <a16:creationId xmlns:a16="http://schemas.microsoft.com/office/drawing/2014/main" id="{1F2EDDDF-27D3-CF3F-CAA5-ACA9EC2DC605}"/>
+              </a:ext>
+            </a:extLst>
+          </p:cNvPr>
+          <p:cNvSpPr txBox="1">
+            <a:spLocks/>
+          </p:cNvSpPr>
+          <p:nvPr/>
+        </p:nvSpPr>
+        <p:spPr>
+          <a:xfrm>
+            <a:off x="904407" y="3399002"/>
+            <a:ext cx="10800846" cy="580041"/>
+          </a:xfrm>
+          <a:prstGeom prst="rect">
+            <a:avLst/>
+          </a:prstGeom>
+        </p:spPr>
+        <p:txBody>
+          <a:bodyPr vert="horz" lIns="91440" tIns="45720" rIns="91440" bIns="45720" rtlCol="0" anchor="t">
+            <a:normAutofit/>
+          </a:bodyPr>
+          <a:lstStyle>
+            <a:lvl1pPr marL="228600" indent="-228600" algn="l" defTabSz="914400" rtl="0" eaLnBrk="1" latinLnBrk="0" hangingPunct="1">
+              <a:lnSpc>
+                <a:spcPct val="90000"/>
+              </a:lnSpc>
+              <a:spcBef>
+                <a:spcPts val="1000"/>
+              </a:spcBef>
+              <a:buFont typeface="Arial" panose="020B0604020202020204" pitchFamily="34" charset="0"/>
+              <a:buChar char="•"/>
+              <a:defRPr sz="2800" kern="1200">
+                <a:solidFill>
+                  <a:schemeClr val="tx1"/>
+                </a:solidFill>
+                <a:latin typeface="+mn-lt"/>
+                <a:ea typeface="+mn-ea"/>
+                <a:cs typeface="+mn-cs"/>
+              </a:defRPr>
+            </a:lvl1pPr>
+            <a:lvl2pPr marL="685800" indent="-228600" algn="l" defTabSz="914400" rtl="0" eaLnBrk="1" latinLnBrk="0" hangingPunct="1">
+              <a:lnSpc>
+                <a:spcPct val="90000"/>
+              </a:lnSpc>
+              <a:spcBef>
+                <a:spcPts val="500"/>
+              </a:spcBef>
+              <a:buFont typeface="Arial" panose="020B0604020202020204" pitchFamily="34" charset="0"/>
+              <a:buChar char="•"/>
+              <a:defRPr sz="2400" kern="1200">
+                <a:solidFill>
+                  <a:schemeClr val="tx1"/>
+                </a:solidFill>
+                <a:latin typeface="+mn-lt"/>
+                <a:ea typeface="+mn-ea"/>
+                <a:cs typeface="+mn-cs"/>
+              </a:defRPr>
+            </a:lvl2pPr>
+            <a:lvl3pPr marL="1143000" indent="-228600" algn="l" defTabSz="914400" rtl="0" eaLnBrk="1" latinLnBrk="0" hangingPunct="1">
+              <a:lnSpc>
+                <a:spcPct val="90000"/>
+              </a:lnSpc>
+              <a:spcBef>
+                <a:spcPts val="500"/>
+              </a:spcBef>
+              <a:buFont typeface="Arial" panose="020B0604020202020204" pitchFamily="34" charset="0"/>
+              <a:buChar char="•"/>
+              <a:defRPr sz="2000" kern="1200">
+                <a:solidFill>
+                  <a:schemeClr val="tx1"/>
+                </a:solidFill>
+                <a:latin typeface="+mn-lt"/>
+                <a:ea typeface="+mn-ea"/>
+                <a:cs typeface="+mn-cs"/>
+              </a:defRPr>
+            </a:lvl3pPr>
+            <a:lvl4pPr marL="1600200" indent="-228600" algn="l" defTabSz="914400" rtl="0" eaLnBrk="1" latinLnBrk="0" hangingPunct="1">
+              <a:lnSpc>
+                <a:spcPct val="90000"/>
+              </a:lnSpc>
+              <a:spcBef>
+                <a:spcPts val="500"/>
+              </a:spcBef>
+              <a:buFont typeface="Arial" panose="020B0604020202020204" pitchFamily="34" charset="0"/>
+              <a:buChar char="•"/>
+              <a:defRPr sz="1800" kern="1200">
+                <a:solidFill>
+                  <a:schemeClr val="tx1"/>
+                </a:solidFill>
+                <a:latin typeface="+mn-lt"/>
+                <a:ea typeface="+mn-ea"/>
+                <a:cs typeface="+mn-cs"/>
+              </a:defRPr>
+            </a:lvl4pPr>
+            <a:lvl5pPr marL="2057400" indent="-228600" algn="l" defTabSz="914400" rtl="0" eaLnBrk="1" latinLnBrk="0" hangingPunct="1">
+              <a:lnSpc>
+                <a:spcPct val="90000"/>
+              </a:lnSpc>
+              <a:spcBef>
+                <a:spcPts val="500"/>
+              </a:spcBef>
+              <a:buFont typeface="Arial" panose="020B0604020202020204" pitchFamily="34" charset="0"/>
+              <a:buChar char="•"/>
+              <a:defRPr sz="1800" kern="1200">
+                <a:solidFill>
+                  <a:schemeClr val="tx1"/>
+                </a:solidFill>
+                <a:latin typeface="+mn-lt"/>
+                <a:ea typeface="+mn-ea"/>
+                <a:cs typeface="+mn-cs"/>
+              </a:defRPr>
+            </a:lvl5pPr>
+            <a:lvl6pPr marL="2514600" indent="-228600" algn="l" defTabSz="914400" rtl="0" eaLnBrk="1" latinLnBrk="0" hangingPunct="1">
+              <a:lnSpc>
+                <a:spcPct val="90000"/>
+              </a:lnSpc>
+              <a:spcBef>
+                <a:spcPts val="500"/>
+              </a:spcBef>
+              <a:buFont typeface="Arial" panose="020B0604020202020204" pitchFamily="34" charset="0"/>
+              <a:buChar char="•"/>
+              <a:defRPr sz="1800" kern="1200">
+                <a:solidFill>
+                  <a:schemeClr val="tx1"/>
+                </a:solidFill>
+                <a:latin typeface="+mn-lt"/>
+                <a:ea typeface="+mn-ea"/>
+                <a:cs typeface="+mn-cs"/>
+              </a:defRPr>
+            </a:lvl6pPr>
+            <a:lvl7pPr marL="2971800" indent="-228600" algn="l" defTabSz="914400" rtl="0" eaLnBrk="1" latinLnBrk="0" hangingPunct="1">
+              <a:lnSpc>
+                <a:spcPct val="90000"/>
+              </a:lnSpc>
+              <a:spcBef>
+                <a:spcPts val="500"/>
+              </a:spcBef>
+              <a:buFont typeface="Arial" panose="020B0604020202020204" pitchFamily="34" charset="0"/>
+              <a:buChar char="•"/>
+              <a:defRPr sz="1800" kern="1200">
+                <a:solidFill>
+                  <a:schemeClr val="tx1"/>
+                </a:solidFill>
+                <a:latin typeface="+mn-lt"/>
+                <a:ea typeface="+mn-ea"/>
+                <a:cs typeface="+mn-cs"/>
+              </a:defRPr>
+            </a:lvl7pPr>
+            <a:lvl8pPr marL="3429000" indent="-228600" algn="l" defTabSz="914400" rtl="0" eaLnBrk="1" latinLnBrk="0" hangingPunct="1">
+              <a:lnSpc>
+                <a:spcPct val="90000"/>
+              </a:lnSpc>
+              <a:spcBef>
+                <a:spcPts val="500"/>
+              </a:spcBef>
+              <a:buFont typeface="Arial" panose="020B0604020202020204" pitchFamily="34" charset="0"/>
+              <a:buChar char="•"/>
+              <a:defRPr sz="1800" kern="1200">
+                <a:solidFill>
+                  <a:schemeClr val="tx1"/>
+                </a:solidFill>
+                <a:latin typeface="+mn-lt"/>
+                <a:ea typeface="+mn-ea"/>
+                <a:cs typeface="+mn-cs"/>
+              </a:defRPr>
+            </a:lvl8pPr>
+            <a:lvl9pPr marL="3886200" indent="-228600" algn="l" defTabSz="914400" rtl="0" eaLnBrk="1" latinLnBrk="0" hangingPunct="1">
+              <a:lnSpc>
+                <a:spcPct val="90000"/>
+              </a:lnSpc>
+              <a:spcBef>
+                <a:spcPts val="500"/>
+              </a:spcBef>
+              <a:buFont typeface="Arial" panose="020B0604020202020204" pitchFamily="34" charset="0"/>
+              <a:buChar char="•"/>
+              <a:defRPr sz="1800" kern="1200">
+                <a:solidFill>
+                  <a:schemeClr val="tx1"/>
+                </a:solidFill>
+                <a:latin typeface="+mn-lt"/>
+                <a:ea typeface="+mn-ea"/>
+                <a:cs typeface="+mn-cs"/>
+              </a:defRPr>
+            </a:lvl9pPr>
+          </a:lstStyle>
+          <a:p>
+            <a:pPr marL="0" indent="0">
+              <a:buNone/>
+            </a:pPr>
+            <a:r>
+              <a:rPr lang="en-US">
+                <a:latin typeface="Century Gothic"/>
+              </a:rPr>
+              <a:t>using </a:t>
+            </a:r>
+            <a:r>
+              <a:rPr lang="en-US" err="1">
+                <a:latin typeface="Monaco"/>
+              </a:rPr>
+              <a:t>spack</a:t>
+            </a:r>
+            <a:r>
+              <a:rPr lang="en-US">
+                <a:latin typeface="Monaco"/>
+              </a:rPr>
+              <a:t> install</a:t>
+            </a:r>
+            <a:endParaRPr lang="en-US">
               <a:latin typeface="Century Gothic" panose="020B0502020202020204" pitchFamily="34" charset="0"/>
             </a:endParaRPr>
           </a:p>
@@ -14020,255 +14146,6 @@
       </p:grpSp>
       <p:sp>
         <p:nvSpPr>
-          <p:cNvPr id="11" name="Content Placeholder 2">
-            <a:extLst>
-              <a:ext uri="{FF2B5EF4-FFF2-40B4-BE49-F238E27FC236}">
-                <a16:creationId xmlns:a16="http://schemas.microsoft.com/office/drawing/2014/main" id="{1F2EDDDF-27D3-CF3F-CAA5-ACA9EC2DC605}"/>
-              </a:ext>
-            </a:extLst>
-          </p:cNvPr>
-          <p:cNvSpPr txBox="1">
-            <a:spLocks/>
-          </p:cNvSpPr>
-          <p:nvPr/>
-        </p:nvSpPr>
-        <p:spPr>
-          <a:xfrm>
-            <a:off x="904407" y="3399002"/>
-            <a:ext cx="10800846" cy="580041"/>
-          </a:xfrm>
-          <a:prstGeom prst="rect">
-            <a:avLst/>
-          </a:prstGeom>
-        </p:spPr>
-        <p:txBody>
-          <a:bodyPr vert="horz" lIns="91440" tIns="45720" rIns="91440" bIns="45720" rtlCol="0" anchor="t">
-            <a:normAutofit/>
-          </a:bodyPr>
-          <a:lstStyle>
-            <a:lvl1pPr marL="228600" indent="-228600" algn="l" defTabSz="914400" rtl="0" eaLnBrk="1" latinLnBrk="0" hangingPunct="1">
-              <a:lnSpc>
-                <a:spcPct val="90000"/>
-              </a:lnSpc>
-              <a:spcBef>
-                <a:spcPts val="1000"/>
-              </a:spcBef>
-              <a:buFont typeface="Arial" panose="020B0604020202020204" pitchFamily="34" charset="0"/>
-              <a:buChar char="•"/>
-              <a:defRPr sz="2800" kern="1200">
-                <a:solidFill>
-                  <a:schemeClr val="tx1"/>
-                </a:solidFill>
-                <a:latin typeface="+mn-lt"/>
-                <a:ea typeface="+mn-ea"/>
-                <a:cs typeface="+mn-cs"/>
-              </a:defRPr>
-            </a:lvl1pPr>
-            <a:lvl2pPr marL="685800" indent="-228600" algn="l" defTabSz="914400" rtl="0" eaLnBrk="1" latinLnBrk="0" hangingPunct="1">
-              <a:lnSpc>
-                <a:spcPct val="90000"/>
-              </a:lnSpc>
-              <a:spcBef>
-                <a:spcPts val="500"/>
-              </a:spcBef>
-              <a:buFont typeface="Arial" panose="020B0604020202020204" pitchFamily="34" charset="0"/>
-              <a:buChar char="•"/>
-              <a:defRPr sz="2400" kern="1200">
-                <a:solidFill>
-                  <a:schemeClr val="tx1"/>
-                </a:solidFill>
-                <a:latin typeface="+mn-lt"/>
-                <a:ea typeface="+mn-ea"/>
-                <a:cs typeface="+mn-cs"/>
-              </a:defRPr>
-            </a:lvl2pPr>
-            <a:lvl3pPr marL="1143000" indent="-228600" algn="l" defTabSz="914400" rtl="0" eaLnBrk="1" latinLnBrk="0" hangingPunct="1">
-              <a:lnSpc>
-                <a:spcPct val="90000"/>
-              </a:lnSpc>
-              <a:spcBef>
-                <a:spcPts val="500"/>
-              </a:spcBef>
-              <a:buFont typeface="Arial" panose="020B0604020202020204" pitchFamily="34" charset="0"/>
-              <a:buChar char="•"/>
-              <a:defRPr sz="2000" kern="1200">
-                <a:solidFill>
-                  <a:schemeClr val="tx1"/>
-                </a:solidFill>
-                <a:latin typeface="+mn-lt"/>
-                <a:ea typeface="+mn-ea"/>
-                <a:cs typeface="+mn-cs"/>
-              </a:defRPr>
-            </a:lvl3pPr>
-            <a:lvl4pPr marL="1600200" indent="-228600" algn="l" defTabSz="914400" rtl="0" eaLnBrk="1" latinLnBrk="0" hangingPunct="1">
-              <a:lnSpc>
-                <a:spcPct val="90000"/>
-              </a:lnSpc>
-              <a:spcBef>
-                <a:spcPts val="500"/>
-              </a:spcBef>
-              <a:buFont typeface="Arial" panose="020B0604020202020204" pitchFamily="34" charset="0"/>
-              <a:buChar char="•"/>
-              <a:defRPr sz="1800" kern="1200">
-                <a:solidFill>
-                  <a:schemeClr val="tx1"/>
-                </a:solidFill>
-                <a:latin typeface="+mn-lt"/>
-                <a:ea typeface="+mn-ea"/>
-                <a:cs typeface="+mn-cs"/>
-              </a:defRPr>
-            </a:lvl4pPr>
-            <a:lvl5pPr marL="2057400" indent="-228600" algn="l" defTabSz="914400" rtl="0" eaLnBrk="1" latinLnBrk="0" hangingPunct="1">
-              <a:lnSpc>
-                <a:spcPct val="90000"/>
-              </a:lnSpc>
-              <a:spcBef>
-                <a:spcPts val="500"/>
-              </a:spcBef>
-              <a:buFont typeface="Arial" panose="020B0604020202020204" pitchFamily="34" charset="0"/>
-              <a:buChar char="•"/>
-              <a:defRPr sz="1800" kern="1200">
-                <a:solidFill>
-                  <a:schemeClr val="tx1"/>
-                </a:solidFill>
-                <a:latin typeface="+mn-lt"/>
-                <a:ea typeface="+mn-ea"/>
-                <a:cs typeface="+mn-cs"/>
-              </a:defRPr>
-            </a:lvl5pPr>
-            <a:lvl6pPr marL="2514600" indent="-228600" algn="l" defTabSz="914400" rtl="0" eaLnBrk="1" latinLnBrk="0" hangingPunct="1">
-              <a:lnSpc>
-                <a:spcPct val="90000"/>
-              </a:lnSpc>
-              <a:spcBef>
-                <a:spcPts val="500"/>
-              </a:spcBef>
-              <a:buFont typeface="Arial" panose="020B0604020202020204" pitchFamily="34" charset="0"/>
-              <a:buChar char="•"/>
-              <a:defRPr sz="1800" kern="1200">
-                <a:solidFill>
-                  <a:schemeClr val="tx1"/>
-                </a:solidFill>
-                <a:latin typeface="+mn-lt"/>
-                <a:ea typeface="+mn-ea"/>
-                <a:cs typeface="+mn-cs"/>
-              </a:defRPr>
-            </a:lvl6pPr>
-            <a:lvl7pPr marL="2971800" indent="-228600" algn="l" defTabSz="914400" rtl="0" eaLnBrk="1" latinLnBrk="0" hangingPunct="1">
-              <a:lnSpc>
-                <a:spcPct val="90000"/>
-              </a:lnSpc>
-              <a:spcBef>
-                <a:spcPts val="500"/>
-              </a:spcBef>
-              <a:buFont typeface="Arial" panose="020B0604020202020204" pitchFamily="34" charset="0"/>
-              <a:buChar char="•"/>
-              <a:defRPr sz="1800" kern="1200">
-                <a:solidFill>
-                  <a:schemeClr val="tx1"/>
-                </a:solidFill>
-                <a:latin typeface="+mn-lt"/>
-                <a:ea typeface="+mn-ea"/>
-                <a:cs typeface="+mn-cs"/>
-              </a:defRPr>
-            </a:lvl7pPr>
-            <a:lvl8pPr marL="3429000" indent="-228600" algn="l" defTabSz="914400" rtl="0" eaLnBrk="1" latinLnBrk="0" hangingPunct="1">
-              <a:lnSpc>
-                <a:spcPct val="90000"/>
-              </a:lnSpc>
-              <a:spcBef>
-                <a:spcPts val="500"/>
-              </a:spcBef>
-              <a:buFont typeface="Arial" panose="020B0604020202020204" pitchFamily="34" charset="0"/>
-              <a:buChar char="•"/>
-              <a:defRPr sz="1800" kern="1200">
-                <a:solidFill>
-                  <a:schemeClr val="tx1"/>
-                </a:solidFill>
-                <a:latin typeface="+mn-lt"/>
-                <a:ea typeface="+mn-ea"/>
-                <a:cs typeface="+mn-cs"/>
-              </a:defRPr>
-            </a:lvl8pPr>
-            <a:lvl9pPr marL="3886200" indent="-228600" algn="l" defTabSz="914400" rtl="0" eaLnBrk="1" latinLnBrk="0" hangingPunct="1">
-              <a:lnSpc>
-                <a:spcPct val="90000"/>
-              </a:lnSpc>
-              <a:spcBef>
-                <a:spcPts val="500"/>
-              </a:spcBef>
-              <a:buFont typeface="Arial" panose="020B0604020202020204" pitchFamily="34" charset="0"/>
-              <a:buChar char="•"/>
-              <a:defRPr sz="1800" kern="1200">
-                <a:solidFill>
-                  <a:schemeClr val="tx1"/>
-                </a:solidFill>
-                <a:latin typeface="+mn-lt"/>
-                <a:ea typeface="+mn-ea"/>
-                <a:cs typeface="+mn-cs"/>
-              </a:defRPr>
-            </a:lvl9pPr>
-          </a:lstStyle>
-          <a:p>
-            <a:pPr marL="0" indent="0">
-              <a:buNone/>
-            </a:pPr>
-            <a:r>
-              <a:rPr lang="en-US">
-                <a:latin typeface="Century Gothic"/>
-              </a:rPr>
-              <a:t>using </a:t>
-            </a:r>
-            <a:r>
-              <a:rPr lang="en-US" err="1">
-                <a:latin typeface="Monaco"/>
-              </a:rPr>
-              <a:t>spack</a:t>
-            </a:r>
-            <a:r>
-              <a:rPr lang="en-US">
-                <a:latin typeface="Monaco"/>
-              </a:rPr>
-              <a:t> install</a:t>
-            </a:r>
-            <a:endParaRPr lang="en-US">
-              <a:latin typeface="Century Gothic" panose="020B0502020202020204" pitchFamily="34" charset="0"/>
-            </a:endParaRPr>
-          </a:p>
-        </p:txBody>
-      </p:sp>
-      <p:pic>
-        <p:nvPicPr>
-          <p:cNvPr id="12" name="Picture 11" descr="Spack package manager logo">
-            <a:extLst>
-              <a:ext uri="{FF2B5EF4-FFF2-40B4-BE49-F238E27FC236}">
-                <a16:creationId xmlns:a16="http://schemas.microsoft.com/office/drawing/2014/main" id="{7DED75B5-96F1-7A06-8621-542EB71785E6}"/>
-              </a:ext>
-            </a:extLst>
-          </p:cNvPr>
-          <p:cNvPicPr>
-            <a:picLocks noChangeAspect="1"/>
-          </p:cNvPicPr>
-          <p:nvPr/>
-        </p:nvPicPr>
-        <p:blipFill>
-          <a:blip r:embed="rId3"/>
-          <a:stretch>
-            <a:fillRect/>
-          </a:stretch>
-        </p:blipFill>
-        <p:spPr>
-          <a:xfrm>
-            <a:off x="7995557" y="508925"/>
-            <a:ext cx="3624942" cy="1043901"/>
-          </a:xfrm>
-          <a:prstGeom prst="rect">
-            <a:avLst/>
-          </a:prstGeom>
-        </p:spPr>
-      </p:pic>
-      <p:sp>
-        <p:nvSpPr>
           <p:cNvPr id="5" name="Slide Number Placeholder 4">
             <a:extLst>
               <a:ext uri="{FF2B5EF4-FFF2-40B4-BE49-F238E27FC236}">
@@ -14461,88 +14338,6 @@
           </a:p>
         </p:txBody>
       </p:sp>
-      <p:sp>
-        <p:nvSpPr>
-          <p:cNvPr id="3" name="Content Placeholder 2">
-            <a:extLst>
-              <a:ext uri="{FF2B5EF4-FFF2-40B4-BE49-F238E27FC236}">
-                <a16:creationId xmlns:a16="http://schemas.microsoft.com/office/drawing/2014/main" id="{6484EA7B-346E-9CB5-DB70-6227BCA98122}"/>
-              </a:ext>
-            </a:extLst>
-          </p:cNvPr>
-          <p:cNvSpPr>
-            <a:spLocks noGrp="1"/>
-          </p:cNvSpPr>
-          <p:nvPr>
-            <p:ph idx="1"/>
-          </p:nvPr>
-        </p:nvSpPr>
-        <p:spPr/>
-        <p:txBody>
-          <a:bodyPr vert="horz" lIns="91440" tIns="45720" rIns="91440" bIns="45720" rtlCol="0" anchor="t">
-            <a:normAutofit/>
-          </a:bodyPr>
-          <a:lstStyle/>
-          <a:p>
-            <a:r>
-              <a:rPr lang="en-US" sz="3600" dirty="0" err="1">
-                <a:latin typeface="Century Gothic" panose="020B0502020202020204" pitchFamily="34" charset="0"/>
-                <a:cs typeface="Arial" panose="020B0604020202020204"/>
-              </a:rPr>
-              <a:t>Spack</a:t>
-            </a:r>
-            <a:r>
-              <a:rPr lang="en-US" sz="3600" dirty="0">
-                <a:latin typeface="Century Gothic" panose="020B0502020202020204" pitchFamily="34" charset="0"/>
-                <a:cs typeface="Arial" panose="020B0604020202020204"/>
-              </a:rPr>
-              <a:t> installations can be slow but will progress more quickly with more cores. </a:t>
-            </a:r>
-          </a:p>
-          <a:p>
-            <a:pPr lvl="2"/>
-            <a:r>
-              <a:rPr lang="en-US" sz="3200" b="0" i="0" dirty="0" err="1">
-                <a:effectLst/>
-                <a:latin typeface="Century Gothic" panose="020B0502020202020204" pitchFamily="34" charset="0"/>
-              </a:rPr>
-              <a:t>Spack</a:t>
-            </a:r>
-            <a:r>
-              <a:rPr lang="en-US" sz="3200" b="0" i="0" dirty="0">
-                <a:effectLst/>
-                <a:latin typeface="Century Gothic" panose="020B0502020202020204" pitchFamily="34" charset="0"/>
-              </a:rPr>
-              <a:t> builds all packages in parallel. The default parallelism is equal to the number of cores available to the process, up to 16. </a:t>
-            </a:r>
-            <a:endParaRPr lang="en-US" sz="3200" dirty="0">
-              <a:latin typeface="Century Gothic" panose="020B0502020202020204" pitchFamily="34" charset="0"/>
-              <a:cs typeface="Arial" panose="020B0604020202020204"/>
-            </a:endParaRPr>
-          </a:p>
-          <a:p>
-            <a:pPr lvl="1"/>
-            <a:endParaRPr lang="en-US" sz="2800" dirty="0">
-              <a:latin typeface="Century Gothic" panose="020B0502020202020204" pitchFamily="34" charset="0"/>
-              <a:cs typeface="Arial" panose="020B0604020202020204"/>
-            </a:endParaRPr>
-          </a:p>
-          <a:p>
-            <a:pPr lvl="1"/>
-            <a:endParaRPr lang="en-US" dirty="0">
-              <a:latin typeface="Century Gothic" panose="020B0502020202020204" pitchFamily="34" charset="0"/>
-            </a:endParaRPr>
-          </a:p>
-          <a:p>
-            <a:pPr marL="457200" lvl="1" indent="0">
-              <a:buNone/>
-            </a:pPr>
-            <a:endParaRPr lang="en-US" sz="2800" b="1" dirty="0">
-              <a:latin typeface="Century Gothic" panose="020B0502020202020204" pitchFamily="34" charset="0"/>
-            </a:endParaRPr>
-          </a:p>
-        </p:txBody>
-      </p:sp>
       <p:pic>
         <p:nvPicPr>
           <p:cNvPr id="5" name="Picture 4" descr="Spack package manager logo">
@@ -14573,6 +14368,88 @@
           </a:prstGeom>
         </p:spPr>
       </p:pic>
+      <p:sp>
+        <p:nvSpPr>
+          <p:cNvPr id="3" name="Content Placeholder 2">
+            <a:extLst>
+              <a:ext uri="{FF2B5EF4-FFF2-40B4-BE49-F238E27FC236}">
+                <a16:creationId xmlns:a16="http://schemas.microsoft.com/office/drawing/2014/main" id="{6484EA7B-346E-9CB5-DB70-6227BCA98122}"/>
+              </a:ext>
+            </a:extLst>
+          </p:cNvPr>
+          <p:cNvSpPr>
+            <a:spLocks noGrp="1"/>
+          </p:cNvSpPr>
+          <p:nvPr>
+            <p:ph idx="1"/>
+          </p:nvPr>
+        </p:nvSpPr>
+        <p:spPr/>
+        <p:txBody>
+          <a:bodyPr vert="horz" lIns="91440" tIns="45720" rIns="91440" bIns="45720" rtlCol="0" anchor="t">
+            <a:normAutofit/>
+          </a:bodyPr>
+          <a:lstStyle/>
+          <a:p>
+            <a:r>
+              <a:rPr lang="en-US" sz="3600" dirty="0" err="1">
+                <a:latin typeface="Century Gothic" panose="020B0502020202020204" pitchFamily="34" charset="0"/>
+                <a:cs typeface="Arial" panose="020B0604020202020204"/>
+              </a:rPr>
+              <a:t>Spack</a:t>
+            </a:r>
+            <a:r>
+              <a:rPr lang="en-US" sz="3600" dirty="0">
+                <a:latin typeface="Century Gothic" panose="020B0502020202020204" pitchFamily="34" charset="0"/>
+                <a:cs typeface="Arial" panose="020B0604020202020204"/>
+              </a:rPr>
+              <a:t> installations can be slow but will progress more quickly with more cores. </a:t>
+            </a:r>
+          </a:p>
+          <a:p>
+            <a:pPr lvl="2"/>
+            <a:r>
+              <a:rPr lang="en-US" sz="3200" b="0" i="0" dirty="0" err="1">
+                <a:effectLst/>
+                <a:latin typeface="Century Gothic" panose="020B0502020202020204" pitchFamily="34" charset="0"/>
+              </a:rPr>
+              <a:t>Spack</a:t>
+            </a:r>
+            <a:r>
+              <a:rPr lang="en-US" sz="3200" b="0" i="0" dirty="0">
+                <a:effectLst/>
+                <a:latin typeface="Century Gothic" panose="020B0502020202020204" pitchFamily="34" charset="0"/>
+              </a:rPr>
+              <a:t> builds all packages in parallel. The default parallelism is equal to the number of cores available to the process, up to 16. </a:t>
+            </a:r>
+            <a:endParaRPr lang="en-US" sz="3200" dirty="0">
+              <a:latin typeface="Century Gothic" panose="020B0502020202020204" pitchFamily="34" charset="0"/>
+              <a:cs typeface="Arial" panose="020B0604020202020204"/>
+            </a:endParaRPr>
+          </a:p>
+          <a:p>
+            <a:pPr lvl="1"/>
+            <a:endParaRPr lang="en-US" sz="2800" dirty="0">
+              <a:latin typeface="Century Gothic" panose="020B0502020202020204" pitchFamily="34" charset="0"/>
+              <a:cs typeface="Arial" panose="020B0604020202020204"/>
+            </a:endParaRPr>
+          </a:p>
+          <a:p>
+            <a:pPr lvl="1"/>
+            <a:endParaRPr lang="en-US" dirty="0">
+              <a:latin typeface="Century Gothic" panose="020B0502020202020204" pitchFamily="34" charset="0"/>
+            </a:endParaRPr>
+          </a:p>
+          <a:p>
+            <a:pPr marL="457200" lvl="1" indent="0">
+              <a:buNone/>
+            </a:pPr>
+            <a:endParaRPr lang="en-US" sz="2800" b="1" dirty="0">
+              <a:latin typeface="Century Gothic" panose="020B0502020202020204" pitchFamily="34" charset="0"/>
+            </a:endParaRPr>
+          </a:p>
+        </p:txBody>
+      </p:sp>
       <p:sp>
         <p:nvSpPr>
           <p:cNvPr id="7" name="Slide Number Placeholder 6">
@@ -14796,94 +14673,6 @@
           </a:p>
         </p:txBody>
       </p:sp>
-      <p:sp>
-        <p:nvSpPr>
-          <p:cNvPr id="22" name="TextBox 21">
-            <a:extLst>
-              <a:ext uri="{FF2B5EF4-FFF2-40B4-BE49-F238E27FC236}">
-                <a16:creationId xmlns:a16="http://schemas.microsoft.com/office/drawing/2014/main" id="{CDAE866F-9A4C-BC78-08C5-4310C2B3246B}"/>
-              </a:ext>
-            </a:extLst>
-          </p:cNvPr>
-          <p:cNvSpPr txBox="1"/>
-          <p:nvPr/>
-        </p:nvSpPr>
-        <p:spPr>
-          <a:xfrm>
-            <a:off x="569877" y="3414235"/>
-            <a:ext cx="11052246" cy="954107"/>
-          </a:xfrm>
-          <a:prstGeom prst="rect">
-            <a:avLst/>
-          </a:prstGeom>
-          <a:noFill/>
-        </p:spPr>
-        <p:txBody>
-          <a:bodyPr wrap="square" rtlCol="0" anchor="ctr">
-            <a:spAutoFit/>
-          </a:bodyPr>
-          <a:lstStyle/>
-          <a:p>
-            <a:endParaRPr lang="en-US" sz="2800" b="1">
-              <a:latin typeface="Century Gothic" panose="020B0502020202020204" pitchFamily="34" charset="0"/>
-            </a:endParaRPr>
-          </a:p>
-          <a:p>
-            <a:endParaRPr lang="en-US" sz="2800" b="1">
-              <a:latin typeface="Century Gothic" panose="020B0502020202020204" pitchFamily="34" charset="0"/>
-            </a:endParaRPr>
-          </a:p>
-        </p:txBody>
-      </p:sp>
-      <p:sp>
-        <p:nvSpPr>
-          <p:cNvPr id="3" name="Content Placeholder 2">
-            <a:extLst>
-              <a:ext uri="{FF2B5EF4-FFF2-40B4-BE49-F238E27FC236}">
-                <a16:creationId xmlns:a16="http://schemas.microsoft.com/office/drawing/2014/main" id="{3D823E6C-D95C-4704-E880-DF5DF2B776DF}"/>
-              </a:ext>
-            </a:extLst>
-          </p:cNvPr>
-          <p:cNvSpPr>
-            <a:spLocks noGrp="1"/>
-          </p:cNvSpPr>
-          <p:nvPr>
-            <p:ph idx="1"/>
-          </p:nvPr>
-        </p:nvSpPr>
-        <p:spPr>
-          <a:xfrm>
-            <a:off x="838200" y="1825625"/>
-            <a:ext cx="10515600" cy="1325563"/>
-          </a:xfrm>
-        </p:spPr>
-        <p:txBody>
-          <a:bodyPr vert="horz" lIns="91440" tIns="45720" rIns="91440" bIns="45720" rtlCol="0" anchor="t">
-            <a:normAutofit/>
-          </a:bodyPr>
-          <a:lstStyle/>
-          <a:p>
-            <a:r>
-              <a:rPr lang="en-US" sz="3600" dirty="0">
-                <a:latin typeface="Century Gothic"/>
-              </a:rPr>
-              <a:t>Useful </a:t>
-            </a:r>
-            <a:r>
-              <a:rPr lang="en-US" sz="3600" dirty="0" err="1">
-                <a:latin typeface="Century Gothic"/>
-              </a:rPr>
-              <a:t>spack</a:t>
-            </a:r>
-            <a:r>
-              <a:rPr lang="en-US" sz="3600" dirty="0">
-                <a:latin typeface="Century Gothic"/>
-              </a:rPr>
-              <a:t> commands</a:t>
-            </a:r>
-          </a:p>
-        </p:txBody>
-      </p:sp>
       <p:pic>
         <p:nvPicPr>
           <p:cNvPr id="11" name="Picture 10" descr="Spack package manager logo">
@@ -14914,6 +14703,55 @@
           </a:prstGeom>
         </p:spPr>
       </p:pic>
+      <p:sp>
+        <p:nvSpPr>
+          <p:cNvPr id="3" name="Content Placeholder 2">
+            <a:extLst>
+              <a:ext uri="{FF2B5EF4-FFF2-40B4-BE49-F238E27FC236}">
+                <a16:creationId xmlns:a16="http://schemas.microsoft.com/office/drawing/2014/main" id="{3D823E6C-D95C-4704-E880-DF5DF2B776DF}"/>
+              </a:ext>
+            </a:extLst>
+          </p:cNvPr>
+          <p:cNvSpPr>
+            <a:spLocks noGrp="1"/>
+          </p:cNvSpPr>
+          <p:nvPr>
+            <p:ph idx="1"/>
+          </p:nvPr>
+        </p:nvSpPr>
+        <p:spPr>
+          <a:xfrm>
+            <a:off x="838200" y="1825625"/>
+            <a:ext cx="10515600" cy="1325563"/>
+          </a:xfrm>
+        </p:spPr>
+        <p:txBody>
+          <a:bodyPr vert="horz" lIns="91440" tIns="45720" rIns="91440" bIns="45720" rtlCol="0" anchor="t">
+            <a:normAutofit/>
+          </a:bodyPr>
+          <a:lstStyle/>
+          <a:p>
+            <a:r>
+              <a:rPr lang="en-US" sz="3600" dirty="0">
+                <a:latin typeface="Century Gothic"/>
+              </a:rPr>
+              <a:t>Useful </a:t>
+            </a:r>
+            <a:r>
+              <a:rPr lang="en-US" sz="3600" dirty="0" err="1">
+                <a:latin typeface="Century Gothic"/>
+              </a:rPr>
+              <a:t>spack</a:t>
+            </a:r>
+            <a:r>
+              <a:rPr lang="en-US" sz="3600" dirty="0">
+                <a:latin typeface="Century Gothic"/>
+              </a:rPr>
+              <a:t> commands</a:t>
+            </a:r>
+          </a:p>
+        </p:txBody>
+      </p:sp>
       <p:grpSp>
         <p:nvGrpSpPr>
           <p:cNvPr id="5" name="Group 4">
@@ -15521,45 +15359,36 @@
           </a:p>
         </p:txBody>
       </p:sp>
-      <p:sp>
-        <p:nvSpPr>
-          <p:cNvPr id="22" name="TextBox 21">
+      <p:pic>
+        <p:nvPicPr>
+          <p:cNvPr id="11" name="Picture 10" descr="Spack package manager logo">
             <a:extLst>
               <a:ext uri="{FF2B5EF4-FFF2-40B4-BE49-F238E27FC236}">
-                <a16:creationId xmlns:a16="http://schemas.microsoft.com/office/drawing/2014/main" id="{CDAE866F-9A4C-BC78-08C5-4310C2B3246B}"/>
+                <a16:creationId xmlns:a16="http://schemas.microsoft.com/office/drawing/2014/main" id="{55579115-F622-3F29-C7C4-156638B90322}"/>
               </a:ext>
             </a:extLst>
           </p:cNvPr>
-          <p:cNvSpPr txBox="1"/>
+          <p:cNvPicPr>
+            <a:picLocks noChangeAspect="1"/>
+          </p:cNvPicPr>
           <p:nvPr/>
-        </p:nvSpPr>
+        </p:nvPicPr>
+        <p:blipFill>
+          <a:blip r:embed="rId3"/>
+          <a:stretch>
+            <a:fillRect/>
+          </a:stretch>
+        </p:blipFill>
         <p:spPr>
           <a:xfrm>
-            <a:off x="569877" y="3414235"/>
-            <a:ext cx="11052246" cy="954107"/>
+            <a:off x="7995557" y="508925"/>
+            <a:ext cx="3624942" cy="1043901"/>
           </a:xfrm>
           <a:prstGeom prst="rect">
             <a:avLst/>
           </a:prstGeom>
-          <a:noFill/>
         </p:spPr>
-        <p:txBody>
-          <a:bodyPr wrap="square" rtlCol="0" anchor="ctr">
-            <a:spAutoFit/>
-          </a:bodyPr>
-          <a:lstStyle/>
-          <a:p>
-            <a:endParaRPr lang="en-US" sz="2800" b="1">
-              <a:latin typeface="Century Gothic" panose="020B0502020202020204" pitchFamily="34" charset="0"/>
-            </a:endParaRPr>
-          </a:p>
-          <a:p>
-            <a:endParaRPr lang="en-US" sz="2800" b="1">
-              <a:latin typeface="Century Gothic" panose="020B0502020202020204" pitchFamily="34" charset="0"/>
-            </a:endParaRPr>
-          </a:p>
-        </p:txBody>
-      </p:sp>
+      </p:pic>
       <p:sp>
         <p:nvSpPr>
           <p:cNvPr id="3" name="Content Placeholder 2">
@@ -16124,36 +15953,6 @@
           </p:txBody>
         </p:sp>
       </p:grpSp>
-      <p:pic>
-        <p:nvPicPr>
-          <p:cNvPr id="11" name="Picture 10" descr="Spack package manager logo">
-            <a:extLst>
-              <a:ext uri="{FF2B5EF4-FFF2-40B4-BE49-F238E27FC236}">
-                <a16:creationId xmlns:a16="http://schemas.microsoft.com/office/drawing/2014/main" id="{55579115-F622-3F29-C7C4-156638B90322}"/>
-              </a:ext>
-            </a:extLst>
-          </p:cNvPr>
-          <p:cNvPicPr>
-            <a:picLocks noChangeAspect="1"/>
-          </p:cNvPicPr>
-          <p:nvPr/>
-        </p:nvPicPr>
-        <p:blipFill>
-          <a:blip r:embed="rId3"/>
-          <a:stretch>
-            <a:fillRect/>
-          </a:stretch>
-        </p:blipFill>
-        <p:spPr>
-          <a:xfrm>
-            <a:off x="7995557" y="508925"/>
-            <a:ext cx="3624942" cy="1043901"/>
-          </a:xfrm>
-          <a:prstGeom prst="rect">
-            <a:avLst/>
-          </a:prstGeom>
-        </p:spPr>
-      </p:pic>
       <p:sp>
         <p:nvSpPr>
           <p:cNvPr id="5" name="Slide Number Placeholder 4">
@@ -16788,81 +16587,7 @@
               <a:rPr lang="en-US" b="1" dirty="0">
                 <a:latin typeface="Century Gothic" panose="020B0502020202020204" pitchFamily="34" charset="0"/>
               </a:rPr>
-              <a:t>Virtual Environments With Anaconda</a:t>
-            </a:r>
-          </a:p>
-        </p:txBody>
-      </p:sp>
-      <p:sp>
-        <p:nvSpPr>
-          <p:cNvPr id="3" name="Content Placeholder 2">
-            <a:extLst>
-              <a:ext uri="{FF2B5EF4-FFF2-40B4-BE49-F238E27FC236}">
-                <a16:creationId xmlns:a16="http://schemas.microsoft.com/office/drawing/2014/main" id="{6484EA7B-346E-9CB5-DB70-6227BCA98122}"/>
-              </a:ext>
-            </a:extLst>
-          </p:cNvPr>
-          <p:cNvSpPr>
-            <a:spLocks noGrp="1"/>
-          </p:cNvSpPr>
-          <p:nvPr>
-            <p:ph idx="1"/>
-          </p:nvPr>
-        </p:nvSpPr>
-        <p:spPr/>
-        <p:txBody>
-          <a:bodyPr>
-            <a:normAutofit/>
-          </a:bodyPr>
-          <a:lstStyle/>
-          <a:p>
-            <a:pPr marL="0" indent="0">
-              <a:buNone/>
-            </a:pPr>
-            <a:r>
-              <a:rPr lang="en-US" sz="3200" dirty="0" err="1">
-                <a:latin typeface="Century Gothic" panose="020B0502020202020204" pitchFamily="34" charset="0"/>
-              </a:rPr>
-              <a:t>Conda</a:t>
-            </a:r>
-            <a:r>
-              <a:rPr lang="en-US" sz="3200" dirty="0">
-                <a:latin typeface="Century Gothic" panose="020B0502020202020204" pitchFamily="34" charset="0"/>
-              </a:rPr>
-              <a:t> is a package (software) management system</a:t>
-            </a:r>
-          </a:p>
-          <a:p>
-            <a:pPr lvl="1"/>
-            <a:r>
-              <a:rPr lang="en-US" sz="2800" dirty="0">
-                <a:latin typeface="Century Gothic" panose="020B0502020202020204" pitchFamily="34" charset="0"/>
-              </a:rPr>
-              <a:t>Installs, runs, and updates packages </a:t>
-            </a:r>
-            <a:r>
-              <a:rPr lang="en-US" sz="2800" i="1" u="sng" dirty="0">
-                <a:latin typeface="Century Gothic" panose="020B0502020202020204" pitchFamily="34" charset="0"/>
-              </a:rPr>
-              <a:t>and their dependencies</a:t>
-            </a:r>
-          </a:p>
-          <a:p>
-            <a:pPr lvl="1"/>
-            <a:r>
-              <a:rPr lang="en-US" sz="2800" dirty="0">
-                <a:latin typeface="Century Gothic" panose="020B0502020202020204" pitchFamily="34" charset="0"/>
-              </a:rPr>
-              <a:t>Creates, saves, loads, and switches between virtual environments</a:t>
-            </a:r>
-          </a:p>
-          <a:p>
-            <a:pPr lvl="1"/>
-            <a:r>
-              <a:rPr lang="en-US" sz="2800" dirty="0">
-                <a:latin typeface="Century Gothic" panose="020B0502020202020204" pitchFamily="34" charset="0"/>
-              </a:rPr>
-              <a:t>Created for Python programs, but can package and distribute software for any language</a:t>
+              <a:t>Virtual Environments with</a:t>
             </a:r>
           </a:p>
         </p:txBody>
@@ -16897,6 +16622,80 @@
           </a:prstGeom>
         </p:spPr>
       </p:pic>
+      <p:sp>
+        <p:nvSpPr>
+          <p:cNvPr id="3" name="Content Placeholder 2">
+            <a:extLst>
+              <a:ext uri="{FF2B5EF4-FFF2-40B4-BE49-F238E27FC236}">
+                <a16:creationId xmlns:a16="http://schemas.microsoft.com/office/drawing/2014/main" id="{6484EA7B-346E-9CB5-DB70-6227BCA98122}"/>
+              </a:ext>
+            </a:extLst>
+          </p:cNvPr>
+          <p:cNvSpPr>
+            <a:spLocks noGrp="1"/>
+          </p:cNvSpPr>
+          <p:nvPr>
+            <p:ph idx="1"/>
+          </p:nvPr>
+        </p:nvSpPr>
+        <p:spPr/>
+        <p:txBody>
+          <a:bodyPr>
+            <a:normAutofit/>
+          </a:bodyPr>
+          <a:lstStyle/>
+          <a:p>
+            <a:pPr marL="0" indent="0">
+              <a:buNone/>
+            </a:pPr>
+            <a:r>
+              <a:rPr lang="en-US" sz="3200" dirty="0" err="1">
+                <a:latin typeface="Century Gothic" panose="020B0502020202020204" pitchFamily="34" charset="0"/>
+              </a:rPr>
+              <a:t>Conda</a:t>
+            </a:r>
+            <a:r>
+              <a:rPr lang="en-US" sz="3200" dirty="0">
+                <a:latin typeface="Century Gothic" panose="020B0502020202020204" pitchFamily="34" charset="0"/>
+              </a:rPr>
+              <a:t> is a package (software) management system</a:t>
+            </a:r>
+          </a:p>
+          <a:p>
+            <a:pPr lvl="1"/>
+            <a:r>
+              <a:rPr lang="en-US" sz="2800" dirty="0">
+                <a:latin typeface="Century Gothic" panose="020B0502020202020204" pitchFamily="34" charset="0"/>
+              </a:rPr>
+              <a:t>Installs, runs, and updates packages </a:t>
+            </a:r>
+            <a:r>
+              <a:rPr lang="en-US" sz="2800" i="1" u="sng" dirty="0">
+                <a:latin typeface="Century Gothic" panose="020B0502020202020204" pitchFamily="34" charset="0"/>
+              </a:rPr>
+              <a:t>and their dependencies</a:t>
+            </a:r>
+          </a:p>
+          <a:p>
+            <a:pPr lvl="1"/>
+            <a:r>
+              <a:rPr lang="en-US" sz="2800" dirty="0">
+                <a:latin typeface="Century Gothic" panose="020B0502020202020204" pitchFamily="34" charset="0"/>
+              </a:rPr>
+              <a:t>Creates, saves, loads, and switches between virtual environments</a:t>
+            </a:r>
+          </a:p>
+          <a:p>
+            <a:pPr lvl="1"/>
+            <a:r>
+              <a:rPr lang="en-US" sz="2800" dirty="0">
+                <a:latin typeface="Century Gothic" panose="020B0502020202020204" pitchFamily="34" charset="0"/>
+              </a:rPr>
+              <a:t>Created for Python programs, but can package and distribute software for any language</a:t>
+            </a:r>
+          </a:p>
+        </p:txBody>
+      </p:sp>
       <p:sp>
         <p:nvSpPr>
           <p:cNvPr id="5" name="Slide Number Placeholder 4">
@@ -17163,59 +16962,9 @@
               <a:rPr lang="en-US" b="1" dirty="0">
                 <a:latin typeface="Century Gothic" panose="020B0502020202020204" pitchFamily="34" charset="0"/>
               </a:rPr>
-              <a:t>Virtual Environments With</a:t>
+              <a:t>Virtual Environments with</a:t>
             </a:r>
             <a:endParaRPr lang="en-US" dirty="0"/>
-          </a:p>
-        </p:txBody>
-      </p:sp>
-      <p:sp>
-        <p:nvSpPr>
-          <p:cNvPr id="3" name="Content Placeholder 2">
-            <a:extLst>
-              <a:ext uri="{FF2B5EF4-FFF2-40B4-BE49-F238E27FC236}">
-                <a16:creationId xmlns:a16="http://schemas.microsoft.com/office/drawing/2014/main" id="{28B85D66-276C-C475-3E49-1472E210E560}"/>
-              </a:ext>
-            </a:extLst>
-          </p:cNvPr>
-          <p:cNvSpPr>
-            <a:spLocks noGrp="1"/>
-          </p:cNvSpPr>
-          <p:nvPr>
-            <p:ph idx="1"/>
-          </p:nvPr>
-        </p:nvSpPr>
-        <p:spPr>
-          <a:xfrm>
-            <a:off x="838200" y="1499393"/>
-            <a:ext cx="10515600" cy="4351338"/>
-          </a:xfrm>
-        </p:spPr>
-        <p:txBody>
-          <a:bodyPr/>
-          <a:lstStyle/>
-          <a:p>
-            <a:pPr marL="0" indent="0">
-              <a:buNone/>
-            </a:pPr>
-            <a:r>
-              <a:rPr lang="en-US" sz="3200" dirty="0"/>
-              <a:t>For our system, please be sure to add a .</a:t>
-            </a:r>
-            <a:r>
-              <a:rPr lang="en-US" sz="3200" dirty="0" err="1"/>
-              <a:t>condarc</a:t>
-            </a:r>
-            <a:r>
-              <a:rPr lang="en-US" sz="3200" dirty="0"/>
-              <a:t> file in your home directory. </a:t>
-            </a:r>
-          </a:p>
-          <a:p>
-            <a:r>
-              <a:rPr lang="en-US" dirty="0"/>
-              <a:t>Prevents package installs from going to your home directory</a:t>
-            </a:r>
           </a:p>
         </p:txBody>
       </p:sp>
@@ -17251,409 +17000,480 @@
       </p:pic>
       <p:sp>
         <p:nvSpPr>
-          <p:cNvPr id="8" name="Rectangle 7">
+          <p:cNvPr id="3" name="Content Placeholder 2">
             <a:extLst>
               <a:ext uri="{FF2B5EF4-FFF2-40B4-BE49-F238E27FC236}">
-                <a16:creationId xmlns:a16="http://schemas.microsoft.com/office/drawing/2014/main" id="{1D3D3C8C-3FCA-8DE2-6B3F-B90DD8C25744}"/>
+                <a16:creationId xmlns:a16="http://schemas.microsoft.com/office/drawing/2014/main" id="{28B85D66-276C-C475-3E49-1472E210E560}"/>
               </a:ext>
             </a:extLst>
           </p:cNvPr>
-          <p:cNvSpPr/>
-          <p:nvPr/>
+          <p:cNvSpPr>
+            <a:spLocks noGrp="1"/>
+          </p:cNvSpPr>
+          <p:nvPr>
+            <p:ph idx="1"/>
+          </p:nvPr>
         </p:nvSpPr>
         <p:spPr>
           <a:xfrm>
-            <a:off x="648457" y="3003606"/>
-            <a:ext cx="10895086" cy="3197169"/>
+            <a:off x="838200" y="1499393"/>
+            <a:ext cx="10515600" cy="4351338"/>
           </a:xfrm>
-          <a:prstGeom prst="rect">
-            <a:avLst/>
-          </a:prstGeom>
-          <a:solidFill>
-            <a:schemeClr val="bg2">
-              <a:lumMod val="90000"/>
-            </a:schemeClr>
-          </a:solidFill>
-          <a:ln>
-            <a:noFill/>
-          </a:ln>
-          <a:effectLst>
-            <a:softEdge rad="31750"/>
-          </a:effectLst>
         </p:spPr>
-        <p:style>
-          <a:lnRef idx="2">
-            <a:schemeClr val="accent1">
-              <a:shade val="50000"/>
-            </a:schemeClr>
-          </a:lnRef>
-          <a:fillRef idx="1">
-            <a:schemeClr val="accent1"/>
-          </a:fillRef>
-          <a:effectRef idx="0">
-            <a:schemeClr val="accent1"/>
-          </a:effectRef>
-          <a:fontRef idx="minor">
-            <a:schemeClr val="lt1"/>
-          </a:fontRef>
-        </p:style>
         <p:txBody>
-          <a:bodyPr rtlCol="0" anchor="ctr"/>
+          <a:bodyPr/>
           <a:lstStyle/>
           <a:p>
-            <a:pPr algn="ctr"/>
-            <a:endParaRPr lang="en-US" dirty="0"/>
+            <a:pPr marL="0" indent="0">
+              <a:buNone/>
+            </a:pPr>
+            <a:r>
+              <a:rPr lang="en-US" sz="3200" dirty="0"/>
+              <a:t>For our system, please be sure to add a .</a:t>
+            </a:r>
+            <a:r>
+              <a:rPr lang="en-US" sz="3200" dirty="0" err="1"/>
+              <a:t>condarc</a:t>
+            </a:r>
+            <a:r>
+              <a:rPr lang="en-US" sz="3200" dirty="0"/>
+              <a:t> file in your home directory. </a:t>
+            </a:r>
+          </a:p>
+          <a:p>
+            <a:r>
+              <a:rPr lang="en-US" dirty="0"/>
+              <a:t>Prevents package installs from going to your home directory</a:t>
+            </a:r>
           </a:p>
         </p:txBody>
       </p:sp>
-      <p:sp>
-        <p:nvSpPr>
-          <p:cNvPr id="9" name="Content Placeholder 2">
+      <p:grpSp>
+        <p:nvGrpSpPr>
+          <p:cNvPr id="10" name="Group 9">
             <a:extLst>
               <a:ext uri="{FF2B5EF4-FFF2-40B4-BE49-F238E27FC236}">
-                <a16:creationId xmlns:a16="http://schemas.microsoft.com/office/drawing/2014/main" id="{272C427A-C1C2-F30B-65A1-1693FDEC60EA}"/>
+                <a16:creationId xmlns:a16="http://schemas.microsoft.com/office/drawing/2014/main" id="{7074B5D0-DFDA-B170-6C7A-7F1F812990D7}"/>
               </a:ext>
             </a:extLst>
           </p:cNvPr>
-          <p:cNvSpPr txBox="1">
-            <a:spLocks/>
-          </p:cNvSpPr>
+          <p:cNvGrpSpPr/>
           <p:nvPr/>
-        </p:nvSpPr>
-        <p:spPr>
+        </p:nvGrpSpPr>
+        <p:grpSpPr>
           <a:xfrm>
-            <a:off x="838200" y="2689337"/>
-            <a:ext cx="10515600" cy="3425713"/>
+            <a:off x="648457" y="2689337"/>
+            <a:ext cx="10895086" cy="3511438"/>
+            <a:chOff x="648457" y="2689337"/>
+            <a:chExt cx="10895086" cy="3511438"/>
           </a:xfrm>
-          <a:prstGeom prst="rect">
-            <a:avLst/>
-          </a:prstGeom>
-        </p:spPr>
-        <p:txBody>
-          <a:bodyPr vert="horz" lIns="91440" tIns="45720" rIns="91440" bIns="45720" rtlCol="0">
-            <a:normAutofit fontScale="77500" lnSpcReduction="20000"/>
-          </a:bodyPr>
-          <a:lstStyle>
-            <a:lvl1pPr marL="228600" indent="-228600" algn="l" defTabSz="914400" rtl="0" eaLnBrk="1" latinLnBrk="0" hangingPunct="1">
-              <a:lnSpc>
-                <a:spcPct val="90000"/>
-              </a:lnSpc>
-              <a:spcBef>
-                <a:spcPts val="1000"/>
-              </a:spcBef>
-              <a:buFont typeface="Arial" panose="020B0604020202020204" pitchFamily="34" charset="0"/>
-              <a:buChar char="•"/>
-              <a:defRPr sz="2800" kern="1200">
-                <a:solidFill>
-                  <a:schemeClr val="tx1"/>
-                </a:solidFill>
-                <a:latin typeface="+mn-lt"/>
-                <a:ea typeface="+mn-ea"/>
-                <a:cs typeface="+mn-cs"/>
-              </a:defRPr>
-            </a:lvl1pPr>
-            <a:lvl2pPr marL="685800" indent="-228600" algn="l" defTabSz="914400" rtl="0" eaLnBrk="1" latinLnBrk="0" hangingPunct="1">
-              <a:lnSpc>
-                <a:spcPct val="90000"/>
-              </a:lnSpc>
-              <a:spcBef>
-                <a:spcPts val="500"/>
-              </a:spcBef>
-              <a:buFont typeface="Arial" panose="020B0604020202020204" pitchFamily="34" charset="0"/>
-              <a:buChar char="•"/>
-              <a:defRPr sz="2400" kern="1200">
-                <a:solidFill>
-                  <a:schemeClr val="tx1"/>
-                </a:solidFill>
-                <a:latin typeface="+mn-lt"/>
-                <a:ea typeface="+mn-ea"/>
-                <a:cs typeface="+mn-cs"/>
-              </a:defRPr>
-            </a:lvl2pPr>
-            <a:lvl3pPr marL="1143000" indent="-228600" algn="l" defTabSz="914400" rtl="0" eaLnBrk="1" latinLnBrk="0" hangingPunct="1">
-              <a:lnSpc>
-                <a:spcPct val="90000"/>
-              </a:lnSpc>
-              <a:spcBef>
-                <a:spcPts val="500"/>
-              </a:spcBef>
-              <a:buFont typeface="Arial" panose="020B0604020202020204" pitchFamily="34" charset="0"/>
-              <a:buChar char="•"/>
-              <a:defRPr sz="2000" kern="1200">
-                <a:solidFill>
-                  <a:schemeClr val="tx1"/>
-                </a:solidFill>
-                <a:latin typeface="+mn-lt"/>
-                <a:ea typeface="+mn-ea"/>
-                <a:cs typeface="+mn-cs"/>
-              </a:defRPr>
-            </a:lvl3pPr>
-            <a:lvl4pPr marL="1600200" indent="-228600" algn="l" defTabSz="914400" rtl="0" eaLnBrk="1" latinLnBrk="0" hangingPunct="1">
-              <a:lnSpc>
-                <a:spcPct val="90000"/>
-              </a:lnSpc>
-              <a:spcBef>
-                <a:spcPts val="500"/>
-              </a:spcBef>
-              <a:buFont typeface="Arial" panose="020B0604020202020204" pitchFamily="34" charset="0"/>
-              <a:buChar char="•"/>
-              <a:defRPr sz="1800" kern="1200">
-                <a:solidFill>
-                  <a:schemeClr val="tx1"/>
-                </a:solidFill>
-                <a:latin typeface="+mn-lt"/>
-                <a:ea typeface="+mn-ea"/>
-                <a:cs typeface="+mn-cs"/>
-              </a:defRPr>
-            </a:lvl4pPr>
-            <a:lvl5pPr marL="2057400" indent="-228600" algn="l" defTabSz="914400" rtl="0" eaLnBrk="1" latinLnBrk="0" hangingPunct="1">
-              <a:lnSpc>
-                <a:spcPct val="90000"/>
-              </a:lnSpc>
-              <a:spcBef>
-                <a:spcPts val="500"/>
-              </a:spcBef>
-              <a:buFont typeface="Arial" panose="020B0604020202020204" pitchFamily="34" charset="0"/>
-              <a:buChar char="•"/>
-              <a:defRPr sz="1800" kern="1200">
-                <a:solidFill>
-                  <a:schemeClr val="tx1"/>
-                </a:solidFill>
-                <a:latin typeface="+mn-lt"/>
-                <a:ea typeface="+mn-ea"/>
-                <a:cs typeface="+mn-cs"/>
-              </a:defRPr>
-            </a:lvl5pPr>
-            <a:lvl6pPr marL="2514600" indent="-228600" algn="l" defTabSz="914400" rtl="0" eaLnBrk="1" latinLnBrk="0" hangingPunct="1">
-              <a:lnSpc>
-                <a:spcPct val="90000"/>
-              </a:lnSpc>
-              <a:spcBef>
-                <a:spcPts val="500"/>
-              </a:spcBef>
-              <a:buFont typeface="Arial" panose="020B0604020202020204" pitchFamily="34" charset="0"/>
-              <a:buChar char="•"/>
-              <a:defRPr sz="1800" kern="1200">
-                <a:solidFill>
-                  <a:schemeClr val="tx1"/>
-                </a:solidFill>
-                <a:latin typeface="+mn-lt"/>
-                <a:ea typeface="+mn-ea"/>
-                <a:cs typeface="+mn-cs"/>
-              </a:defRPr>
-            </a:lvl6pPr>
-            <a:lvl7pPr marL="2971800" indent="-228600" algn="l" defTabSz="914400" rtl="0" eaLnBrk="1" latinLnBrk="0" hangingPunct="1">
-              <a:lnSpc>
-                <a:spcPct val="90000"/>
-              </a:lnSpc>
-              <a:spcBef>
-                <a:spcPts val="500"/>
-              </a:spcBef>
-              <a:buFont typeface="Arial" panose="020B0604020202020204" pitchFamily="34" charset="0"/>
-              <a:buChar char="•"/>
-              <a:defRPr sz="1800" kern="1200">
-                <a:solidFill>
-                  <a:schemeClr val="tx1"/>
-                </a:solidFill>
-                <a:latin typeface="+mn-lt"/>
-                <a:ea typeface="+mn-ea"/>
-                <a:cs typeface="+mn-cs"/>
-              </a:defRPr>
-            </a:lvl7pPr>
-            <a:lvl8pPr marL="3429000" indent="-228600" algn="l" defTabSz="914400" rtl="0" eaLnBrk="1" latinLnBrk="0" hangingPunct="1">
-              <a:lnSpc>
-                <a:spcPct val="90000"/>
-              </a:lnSpc>
-              <a:spcBef>
-                <a:spcPts val="500"/>
-              </a:spcBef>
-              <a:buFont typeface="Arial" panose="020B0604020202020204" pitchFamily="34" charset="0"/>
-              <a:buChar char="•"/>
-              <a:defRPr sz="1800" kern="1200">
-                <a:solidFill>
-                  <a:schemeClr val="tx1"/>
-                </a:solidFill>
-                <a:latin typeface="+mn-lt"/>
-                <a:ea typeface="+mn-ea"/>
-                <a:cs typeface="+mn-cs"/>
-              </a:defRPr>
-            </a:lvl8pPr>
-            <a:lvl9pPr marL="3886200" indent="-228600" algn="l" defTabSz="914400" rtl="0" eaLnBrk="1" latinLnBrk="0" hangingPunct="1">
-              <a:lnSpc>
-                <a:spcPct val="90000"/>
-              </a:lnSpc>
-              <a:spcBef>
-                <a:spcPts val="500"/>
-              </a:spcBef>
-              <a:buFont typeface="Arial" panose="020B0604020202020204" pitchFamily="34" charset="0"/>
-              <a:buChar char="•"/>
-              <a:defRPr sz="1800" kern="1200">
-                <a:solidFill>
-                  <a:schemeClr val="tx1"/>
-                </a:solidFill>
-                <a:latin typeface="+mn-lt"/>
-                <a:ea typeface="+mn-ea"/>
-                <a:cs typeface="+mn-cs"/>
-              </a:defRPr>
-            </a:lvl9pPr>
-          </a:lstStyle>
-          <a:p>
-            <a:pPr marL="0" indent="0">
-              <a:buFont typeface="Arial" panose="020B0604020202020204" pitchFamily="34" charset="0"/>
-              <a:buNone/>
-            </a:pPr>
-            <a:endParaRPr lang="en-US" sz="3600" dirty="0">
-              <a:latin typeface="Century Gothic" panose="020B0502020202020204" pitchFamily="34" charset="0"/>
-            </a:endParaRPr>
-          </a:p>
-          <a:p>
-            <a:pPr marL="0" indent="0">
-              <a:buFont typeface="Arial" panose="020B0604020202020204" pitchFamily="34" charset="0"/>
-              <a:buNone/>
-            </a:pPr>
-            <a:r>
-              <a:rPr lang="en-US" sz="2400" b="1" dirty="0">
+        </p:grpSpPr>
+        <p:sp>
+          <p:nvSpPr>
+            <p:cNvPr id="8" name="Rectangle 7">
+              <a:extLst>
+                <a:ext uri="{FF2B5EF4-FFF2-40B4-BE49-F238E27FC236}">
+                  <a16:creationId xmlns:a16="http://schemas.microsoft.com/office/drawing/2014/main" id="{1D3D3C8C-3FCA-8DE2-6B3F-B90DD8C25744}"/>
+                </a:ext>
+              </a:extLst>
+            </p:cNvPr>
+            <p:cNvSpPr/>
+            <p:nvPr/>
+          </p:nvSpPr>
+          <p:spPr>
+            <a:xfrm>
+              <a:off x="648457" y="3003606"/>
+              <a:ext cx="10895086" cy="3197169"/>
+            </a:xfrm>
+            <a:prstGeom prst="rect">
+              <a:avLst/>
+            </a:prstGeom>
+            <a:solidFill>
+              <a:schemeClr val="bg2">
+                <a:lumMod val="90000"/>
+              </a:schemeClr>
+            </a:solidFill>
+            <a:ln>
+              <a:noFill/>
+            </a:ln>
+            <a:effectLst>
+              <a:softEdge rad="31750"/>
+            </a:effectLst>
+          </p:spPr>
+          <p:style>
+            <a:lnRef idx="2">
+              <a:schemeClr val="accent1">
+                <a:shade val="50000"/>
+              </a:schemeClr>
+            </a:lnRef>
+            <a:fillRef idx="1">
+              <a:schemeClr val="accent1"/>
+            </a:fillRef>
+            <a:effectRef idx="0">
+              <a:schemeClr val="accent1"/>
+            </a:effectRef>
+            <a:fontRef idx="minor">
+              <a:schemeClr val="lt1"/>
+            </a:fontRef>
+          </p:style>
+          <p:txBody>
+            <a:bodyPr rtlCol="0" anchor="ctr"/>
+            <a:lstStyle/>
+            <a:p>
+              <a:pPr algn="ctr"/>
+              <a:endParaRPr lang="en-US" dirty="0"/>
+            </a:p>
+          </p:txBody>
+        </p:sp>
+        <p:sp>
+          <p:nvSpPr>
+            <p:cNvPr id="9" name="Content Placeholder 2">
+              <a:extLst>
+                <a:ext uri="{FF2B5EF4-FFF2-40B4-BE49-F238E27FC236}">
+                  <a16:creationId xmlns:a16="http://schemas.microsoft.com/office/drawing/2014/main" id="{272C427A-C1C2-F30B-65A1-1693FDEC60EA}"/>
+                </a:ext>
+              </a:extLst>
+            </p:cNvPr>
+            <p:cNvSpPr txBox="1">
+              <a:spLocks/>
+            </p:cNvSpPr>
+            <p:nvPr/>
+          </p:nvSpPr>
+          <p:spPr>
+            <a:xfrm>
+              <a:off x="838200" y="2689337"/>
+              <a:ext cx="10515600" cy="3425713"/>
+            </a:xfrm>
+            <a:prstGeom prst="rect">
+              <a:avLst/>
+            </a:prstGeom>
+          </p:spPr>
+          <p:txBody>
+            <a:bodyPr vert="horz" lIns="91440" tIns="45720" rIns="91440" bIns="45720" rtlCol="0">
+              <a:normAutofit fontScale="77500" lnSpcReduction="20000"/>
+            </a:bodyPr>
+            <a:lstStyle>
+              <a:lvl1pPr marL="228600" indent="-228600" algn="l" defTabSz="914400" rtl="0" eaLnBrk="1" latinLnBrk="0" hangingPunct="1">
+                <a:lnSpc>
+                  <a:spcPct val="90000"/>
+                </a:lnSpc>
+                <a:spcBef>
+                  <a:spcPts val="1000"/>
+                </a:spcBef>
+                <a:buFont typeface="Arial" panose="020B0604020202020204" pitchFamily="34" charset="0"/>
+                <a:buChar char="•"/>
+                <a:defRPr sz="2800" kern="1200">
+                  <a:solidFill>
+                    <a:schemeClr val="tx1"/>
+                  </a:solidFill>
+                  <a:latin typeface="+mn-lt"/>
+                  <a:ea typeface="+mn-ea"/>
+                  <a:cs typeface="+mn-cs"/>
+                </a:defRPr>
+              </a:lvl1pPr>
+              <a:lvl2pPr marL="685800" indent="-228600" algn="l" defTabSz="914400" rtl="0" eaLnBrk="1" latinLnBrk="0" hangingPunct="1">
+                <a:lnSpc>
+                  <a:spcPct val="90000"/>
+                </a:lnSpc>
+                <a:spcBef>
+                  <a:spcPts val="500"/>
+                </a:spcBef>
+                <a:buFont typeface="Arial" panose="020B0604020202020204" pitchFamily="34" charset="0"/>
+                <a:buChar char="•"/>
+                <a:defRPr sz="2400" kern="1200">
+                  <a:solidFill>
+                    <a:schemeClr val="tx1"/>
+                  </a:solidFill>
+                  <a:latin typeface="+mn-lt"/>
+                  <a:ea typeface="+mn-ea"/>
+                  <a:cs typeface="+mn-cs"/>
+                </a:defRPr>
+              </a:lvl2pPr>
+              <a:lvl3pPr marL="1143000" indent="-228600" algn="l" defTabSz="914400" rtl="0" eaLnBrk="1" latinLnBrk="0" hangingPunct="1">
+                <a:lnSpc>
+                  <a:spcPct val="90000"/>
+                </a:lnSpc>
+                <a:spcBef>
+                  <a:spcPts val="500"/>
+                </a:spcBef>
+                <a:buFont typeface="Arial" panose="020B0604020202020204" pitchFamily="34" charset="0"/>
+                <a:buChar char="•"/>
+                <a:defRPr sz="2000" kern="1200">
+                  <a:solidFill>
+                    <a:schemeClr val="tx1"/>
+                  </a:solidFill>
+                  <a:latin typeface="+mn-lt"/>
+                  <a:ea typeface="+mn-ea"/>
+                  <a:cs typeface="+mn-cs"/>
+                </a:defRPr>
+              </a:lvl3pPr>
+              <a:lvl4pPr marL="1600200" indent="-228600" algn="l" defTabSz="914400" rtl="0" eaLnBrk="1" latinLnBrk="0" hangingPunct="1">
+                <a:lnSpc>
+                  <a:spcPct val="90000"/>
+                </a:lnSpc>
+                <a:spcBef>
+                  <a:spcPts val="500"/>
+                </a:spcBef>
+                <a:buFont typeface="Arial" panose="020B0604020202020204" pitchFamily="34" charset="0"/>
+                <a:buChar char="•"/>
+                <a:defRPr sz="1800" kern="1200">
+                  <a:solidFill>
+                    <a:schemeClr val="tx1"/>
+                  </a:solidFill>
+                  <a:latin typeface="+mn-lt"/>
+                  <a:ea typeface="+mn-ea"/>
+                  <a:cs typeface="+mn-cs"/>
+                </a:defRPr>
+              </a:lvl4pPr>
+              <a:lvl5pPr marL="2057400" indent="-228600" algn="l" defTabSz="914400" rtl="0" eaLnBrk="1" latinLnBrk="0" hangingPunct="1">
+                <a:lnSpc>
+                  <a:spcPct val="90000"/>
+                </a:lnSpc>
+                <a:spcBef>
+                  <a:spcPts val="500"/>
+                </a:spcBef>
+                <a:buFont typeface="Arial" panose="020B0604020202020204" pitchFamily="34" charset="0"/>
+                <a:buChar char="•"/>
+                <a:defRPr sz="1800" kern="1200">
+                  <a:solidFill>
+                    <a:schemeClr val="tx1"/>
+                  </a:solidFill>
+                  <a:latin typeface="+mn-lt"/>
+                  <a:ea typeface="+mn-ea"/>
+                  <a:cs typeface="+mn-cs"/>
+                </a:defRPr>
+              </a:lvl5pPr>
+              <a:lvl6pPr marL="2514600" indent="-228600" algn="l" defTabSz="914400" rtl="0" eaLnBrk="1" latinLnBrk="0" hangingPunct="1">
+                <a:lnSpc>
+                  <a:spcPct val="90000"/>
+                </a:lnSpc>
+                <a:spcBef>
+                  <a:spcPts val="500"/>
+                </a:spcBef>
+                <a:buFont typeface="Arial" panose="020B0604020202020204" pitchFamily="34" charset="0"/>
+                <a:buChar char="•"/>
+                <a:defRPr sz="1800" kern="1200">
+                  <a:solidFill>
+                    <a:schemeClr val="tx1"/>
+                  </a:solidFill>
+                  <a:latin typeface="+mn-lt"/>
+                  <a:ea typeface="+mn-ea"/>
+                  <a:cs typeface="+mn-cs"/>
+                </a:defRPr>
+              </a:lvl6pPr>
+              <a:lvl7pPr marL="2971800" indent="-228600" algn="l" defTabSz="914400" rtl="0" eaLnBrk="1" latinLnBrk="0" hangingPunct="1">
+                <a:lnSpc>
+                  <a:spcPct val="90000"/>
+                </a:lnSpc>
+                <a:spcBef>
+                  <a:spcPts val="500"/>
+                </a:spcBef>
+                <a:buFont typeface="Arial" panose="020B0604020202020204" pitchFamily="34" charset="0"/>
+                <a:buChar char="•"/>
+                <a:defRPr sz="1800" kern="1200">
+                  <a:solidFill>
+                    <a:schemeClr val="tx1"/>
+                  </a:solidFill>
+                  <a:latin typeface="+mn-lt"/>
+                  <a:ea typeface="+mn-ea"/>
+                  <a:cs typeface="+mn-cs"/>
+                </a:defRPr>
+              </a:lvl7pPr>
+              <a:lvl8pPr marL="3429000" indent="-228600" algn="l" defTabSz="914400" rtl="0" eaLnBrk="1" latinLnBrk="0" hangingPunct="1">
+                <a:lnSpc>
+                  <a:spcPct val="90000"/>
+                </a:lnSpc>
+                <a:spcBef>
+                  <a:spcPts val="500"/>
+                </a:spcBef>
+                <a:buFont typeface="Arial" panose="020B0604020202020204" pitchFamily="34" charset="0"/>
+                <a:buChar char="•"/>
+                <a:defRPr sz="1800" kern="1200">
+                  <a:solidFill>
+                    <a:schemeClr val="tx1"/>
+                  </a:solidFill>
+                  <a:latin typeface="+mn-lt"/>
+                  <a:ea typeface="+mn-ea"/>
+                  <a:cs typeface="+mn-cs"/>
+                </a:defRPr>
+              </a:lvl8pPr>
+              <a:lvl9pPr marL="3886200" indent="-228600" algn="l" defTabSz="914400" rtl="0" eaLnBrk="1" latinLnBrk="0" hangingPunct="1">
+                <a:lnSpc>
+                  <a:spcPct val="90000"/>
+                </a:lnSpc>
+                <a:spcBef>
+                  <a:spcPts val="500"/>
+                </a:spcBef>
+                <a:buFont typeface="Arial" panose="020B0604020202020204" pitchFamily="34" charset="0"/>
+                <a:buChar char="•"/>
+                <a:defRPr sz="1800" kern="1200">
+                  <a:solidFill>
+                    <a:schemeClr val="tx1"/>
+                  </a:solidFill>
+                  <a:latin typeface="+mn-lt"/>
+                  <a:ea typeface="+mn-ea"/>
+                  <a:cs typeface="+mn-cs"/>
+                </a:defRPr>
+              </a:lvl9pPr>
+            </a:lstStyle>
+            <a:p>
+              <a:pPr marL="0" indent="0">
+                <a:buFont typeface="Arial" panose="020B0604020202020204" pitchFamily="34" charset="0"/>
+                <a:buNone/>
+              </a:pPr>
+              <a:endParaRPr lang="en-US" sz="3600" dirty="0">
+                <a:latin typeface="Century Gothic" panose="020B0502020202020204" pitchFamily="34" charset="0"/>
+              </a:endParaRPr>
+            </a:p>
+            <a:p>
+              <a:pPr marL="0" indent="0">
+                <a:buFont typeface="Arial" panose="020B0604020202020204" pitchFamily="34" charset="0"/>
+                <a:buNone/>
+              </a:pPr>
+              <a:r>
+                <a:rPr lang="en-US" sz="2400" b="1" dirty="0">
+                  <a:latin typeface="Courier New" panose="02070309020205020404" pitchFamily="49" charset="0"/>
+                  <a:cs typeface="Courier New" panose="02070309020205020404" pitchFamily="49" charset="0"/>
+                </a:rPr>
+                <a:t>$ cd ~</a:t>
+              </a:r>
+            </a:p>
+            <a:p>
+              <a:pPr marL="0" indent="0">
+                <a:buNone/>
+              </a:pPr>
+              <a:r>
+                <a:rPr lang="en-US" sz="2400" b="1" dirty="0">
+                  <a:latin typeface="Courier New" panose="02070309020205020404" pitchFamily="49" charset="0"/>
+                  <a:cs typeface="Courier New" panose="02070309020205020404" pitchFamily="49" charset="0"/>
+                </a:rPr>
+                <a:t>$ nano .</a:t>
+              </a:r>
+              <a:r>
+                <a:rPr lang="en-US" sz="2400" b="1" dirty="0" err="1">
+                  <a:latin typeface="Courier New" panose="02070309020205020404" pitchFamily="49" charset="0"/>
+                  <a:cs typeface="Courier New" panose="02070309020205020404" pitchFamily="49" charset="0"/>
+                </a:rPr>
+                <a:t>condarc</a:t>
+              </a:r>
+              <a:endParaRPr lang="en-US" sz="2400" b="1" dirty="0">
                 <a:latin typeface="Courier New" panose="02070309020205020404" pitchFamily="49" charset="0"/>
                 <a:cs typeface="Courier New" panose="02070309020205020404" pitchFamily="49" charset="0"/>
-              </a:rPr>
-              <a:t>$ cd ~</a:t>
-            </a:r>
-          </a:p>
-          <a:p>
-            <a:pPr marL="0" indent="0">
-              <a:buNone/>
-            </a:pPr>
-            <a:r>
-              <a:rPr lang="en-US" sz="2400" b="1" dirty="0">
+              </a:endParaRPr>
+            </a:p>
+            <a:p>
+              <a:pPr marL="0" indent="0">
+                <a:buNone/>
+              </a:pPr>
+              <a:endParaRPr lang="en-US" sz="2400" b="1" dirty="0">
                 <a:latin typeface="Courier New" panose="02070309020205020404" pitchFamily="49" charset="0"/>
                 <a:cs typeface="Courier New" panose="02070309020205020404" pitchFamily="49" charset="0"/>
-              </a:rPr>
-              <a:t>$ nano .</a:t>
-            </a:r>
-            <a:r>
-              <a:rPr lang="en-US" sz="2400" b="1" dirty="0" err="1">
-                <a:latin typeface="Courier New" panose="02070309020205020404" pitchFamily="49" charset="0"/>
-                <a:cs typeface="Courier New" panose="02070309020205020404" pitchFamily="49" charset="0"/>
-              </a:rPr>
-              <a:t>condarc</a:t>
-            </a:r>
-            <a:endParaRPr lang="en-US" sz="2400" b="1" dirty="0">
-              <a:latin typeface="Courier New" panose="02070309020205020404" pitchFamily="49" charset="0"/>
-              <a:cs typeface="Courier New" panose="02070309020205020404" pitchFamily="49" charset="0"/>
-            </a:endParaRPr>
-          </a:p>
-          <a:p>
-            <a:pPr marL="0" indent="0">
-              <a:buNone/>
-            </a:pPr>
-            <a:endParaRPr lang="en-US" sz="2400" b="1" dirty="0">
-              <a:latin typeface="Courier New" panose="02070309020205020404" pitchFamily="49" charset="0"/>
-              <a:cs typeface="Courier New" panose="02070309020205020404" pitchFamily="49" charset="0"/>
-            </a:endParaRPr>
-          </a:p>
-          <a:p>
-            <a:pPr marL="0" indent="0">
-              <a:buNone/>
-            </a:pPr>
-            <a:r>
-              <a:rPr lang="en-US" sz="2400" dirty="0">
+              </a:endParaRPr>
+            </a:p>
+            <a:p>
+              <a:pPr marL="0" indent="0">
+                <a:buNone/>
+              </a:pPr>
+              <a:r>
+                <a:rPr lang="en-US" sz="2400" dirty="0">
+                  <a:latin typeface="Monaco" pitchFamily="2" charset="77"/>
+                </a:rPr>
+                <a:t>Add the following content:</a:t>
+              </a:r>
+            </a:p>
+            <a:p>
+              <a:pPr marL="0" indent="0">
+                <a:buNone/>
+              </a:pPr>
+              <a:endParaRPr lang="en-US" sz="2400" dirty="0">
                 <a:latin typeface="Monaco" pitchFamily="2" charset="77"/>
-              </a:rPr>
-              <a:t>Add the following content:</a:t>
-            </a:r>
-          </a:p>
-          <a:p>
-            <a:pPr marL="0" indent="0">
-              <a:buNone/>
-            </a:pPr>
-            <a:endParaRPr lang="en-US" sz="2400" dirty="0">
-              <a:latin typeface="Monaco" pitchFamily="2" charset="77"/>
-            </a:endParaRPr>
-          </a:p>
-          <a:p>
-            <a:pPr marL="0" indent="0">
-              <a:buNone/>
-            </a:pPr>
-            <a:r>
-              <a:rPr lang="en-US" sz="2400" dirty="0" err="1">
+              </a:endParaRPr>
+            </a:p>
+            <a:p>
+              <a:pPr marL="0" indent="0">
+                <a:buNone/>
+              </a:pPr>
+              <a:r>
+                <a:rPr lang="en-US" sz="2400" dirty="0" err="1">
+                  <a:latin typeface="Monaco" pitchFamily="2" charset="77"/>
+                </a:rPr>
+                <a:t>pkgs_dirs</a:t>
+              </a:r>
+              <a:r>
+                <a:rPr lang="en-US" sz="2400" dirty="0">
+                  <a:latin typeface="Monaco" pitchFamily="2" charset="77"/>
+                </a:rPr>
+                <a:t>:</a:t>
+              </a:r>
+            </a:p>
+            <a:p>
+              <a:pPr marL="0" indent="0">
+                <a:buNone/>
+              </a:pPr>
+              <a:r>
+                <a:rPr lang="en-US" sz="2400" dirty="0">
+                  <a:latin typeface="Monaco" pitchFamily="2" charset="77"/>
+                </a:rPr>
+                <a:t>  - /projects/$USER/.</a:t>
+              </a:r>
+              <a:r>
+                <a:rPr lang="en-US" sz="2400" dirty="0" err="1">
+                  <a:latin typeface="Monaco" pitchFamily="2" charset="77"/>
+                </a:rPr>
+                <a:t>conda_pkgs</a:t>
+              </a:r>
+              <a:endParaRPr lang="en-US" sz="2400" dirty="0">
                 <a:latin typeface="Monaco" pitchFamily="2" charset="77"/>
-              </a:rPr>
-              <a:t>pkgs_dirs</a:t>
-            </a:r>
-            <a:r>
-              <a:rPr lang="en-US" sz="2400" dirty="0">
+              </a:endParaRPr>
+            </a:p>
+            <a:p>
+              <a:pPr marL="0" indent="0">
+                <a:buNone/>
+              </a:pPr>
+              <a:r>
+                <a:rPr lang="en-US" sz="2400" dirty="0" err="1">
+                  <a:latin typeface="Monaco" pitchFamily="2" charset="77"/>
+                </a:rPr>
+                <a:t>envs_dirs</a:t>
+              </a:r>
+              <a:r>
+                <a:rPr lang="en-US" sz="2400" dirty="0">
+                  <a:latin typeface="Monaco" pitchFamily="2" charset="77"/>
+                </a:rPr>
+                <a:t>:</a:t>
+              </a:r>
+            </a:p>
+            <a:p>
+              <a:pPr marL="0" indent="0">
+                <a:buNone/>
+              </a:pPr>
+              <a:r>
+                <a:rPr lang="en-US" sz="2400" dirty="0">
+                  <a:latin typeface="Monaco" pitchFamily="2" charset="77"/>
+                </a:rPr>
+                <a:t>  - /projects/$USER/software/anaconda/</a:t>
+              </a:r>
+              <a:r>
+                <a:rPr lang="en-US" sz="2400" dirty="0" err="1">
+                  <a:latin typeface="Monaco" pitchFamily="2" charset="77"/>
+                </a:rPr>
+                <a:t>envs</a:t>
+              </a:r>
+              <a:endParaRPr lang="en-US" sz="2400" dirty="0">
                 <a:latin typeface="Monaco" pitchFamily="2" charset="77"/>
-              </a:rPr>
-              <a:t>:</a:t>
-            </a:r>
-          </a:p>
-          <a:p>
-            <a:pPr marL="0" indent="0">
-              <a:buNone/>
-            </a:pPr>
-            <a:r>
-              <a:rPr lang="en-US" sz="2400" dirty="0">
+              </a:endParaRPr>
+            </a:p>
+            <a:p>
+              <a:pPr marL="0" indent="0">
+                <a:buNone/>
+              </a:pPr>
+              <a:endParaRPr lang="en-US" sz="2400" dirty="0">
                 <a:latin typeface="Monaco" pitchFamily="2" charset="77"/>
-              </a:rPr>
-              <a:t>  - /projects/$USER/.</a:t>
-            </a:r>
-            <a:r>
-              <a:rPr lang="en-US" sz="2400" dirty="0" err="1">
-                <a:latin typeface="Monaco" pitchFamily="2" charset="77"/>
-              </a:rPr>
-              <a:t>conda_pkgs</a:t>
-            </a:r>
-            <a:endParaRPr lang="en-US" sz="2400" dirty="0">
-              <a:latin typeface="Monaco" pitchFamily="2" charset="77"/>
-            </a:endParaRPr>
-          </a:p>
-          <a:p>
-            <a:pPr marL="0" indent="0">
-              <a:buNone/>
-            </a:pPr>
-            <a:r>
-              <a:rPr lang="en-US" sz="2400" dirty="0" err="1">
-                <a:latin typeface="Monaco" pitchFamily="2" charset="77"/>
-              </a:rPr>
-              <a:t>envs_dirs</a:t>
-            </a:r>
-            <a:r>
-              <a:rPr lang="en-US" sz="2400" dirty="0">
-                <a:latin typeface="Monaco" pitchFamily="2" charset="77"/>
-              </a:rPr>
-              <a:t>:</a:t>
-            </a:r>
-          </a:p>
-          <a:p>
-            <a:pPr marL="0" indent="0">
-              <a:buNone/>
-            </a:pPr>
-            <a:r>
-              <a:rPr lang="en-US" sz="2400" dirty="0">
-                <a:latin typeface="Monaco" pitchFamily="2" charset="77"/>
-              </a:rPr>
-              <a:t>  - /projects/$USER/software/anaconda/</a:t>
-            </a:r>
-            <a:r>
-              <a:rPr lang="en-US" sz="2400" dirty="0" err="1">
-                <a:latin typeface="Monaco" pitchFamily="2" charset="77"/>
-              </a:rPr>
-              <a:t>envs</a:t>
-            </a:r>
-            <a:endParaRPr lang="en-US" sz="2400" dirty="0">
-              <a:latin typeface="Monaco" pitchFamily="2" charset="77"/>
-            </a:endParaRPr>
-          </a:p>
-          <a:p>
-            <a:pPr marL="0" indent="0">
-              <a:buNone/>
-            </a:pPr>
-            <a:endParaRPr lang="en-US" sz="2400" dirty="0">
-              <a:latin typeface="Monaco" pitchFamily="2" charset="77"/>
-            </a:endParaRPr>
-          </a:p>
-        </p:txBody>
-      </p:sp>
+              </a:endParaRPr>
+            </a:p>
+          </p:txBody>
+        </p:sp>
+      </p:grpSp>
       <p:sp>
         <p:nvSpPr>
           <p:cNvPr id="7" name="Slide Number Placeholder 6">
@@ -17738,7 +17558,7 @@
               <a:rPr lang="en-US" b="1" dirty="0">
                 <a:latin typeface="Century Gothic" panose="020B0502020202020204" pitchFamily="34" charset="0"/>
               </a:rPr>
-              <a:t>Virtual Environments With Anaconda</a:t>
+              <a:t>Virtual Environments with</a:t>
             </a:r>
           </a:p>
         </p:txBody>
@@ -17773,45 +17593,6 @@
           </a:prstGeom>
         </p:spPr>
       </p:pic>
-      <p:sp>
-        <p:nvSpPr>
-          <p:cNvPr id="22" name="TextBox 21">
-            <a:extLst>
-              <a:ext uri="{FF2B5EF4-FFF2-40B4-BE49-F238E27FC236}">
-                <a16:creationId xmlns:a16="http://schemas.microsoft.com/office/drawing/2014/main" id="{CDAE866F-9A4C-BC78-08C5-4310C2B3246B}"/>
-              </a:ext>
-            </a:extLst>
-          </p:cNvPr>
-          <p:cNvSpPr txBox="1"/>
-          <p:nvPr/>
-        </p:nvSpPr>
-        <p:spPr>
-          <a:xfrm>
-            <a:off x="569877" y="3414235"/>
-            <a:ext cx="11052246" cy="954107"/>
-          </a:xfrm>
-          <a:prstGeom prst="rect">
-            <a:avLst/>
-          </a:prstGeom>
-          <a:noFill/>
-        </p:spPr>
-        <p:txBody>
-          <a:bodyPr wrap="square" rtlCol="0" anchor="ctr">
-            <a:spAutoFit/>
-          </a:bodyPr>
-          <a:lstStyle/>
-          <a:p>
-            <a:endParaRPr lang="en-US" sz="2800" b="1">
-              <a:latin typeface="Century Gothic" panose="020B0502020202020204" pitchFamily="34" charset="0"/>
-            </a:endParaRPr>
-          </a:p>
-          <a:p>
-            <a:endParaRPr lang="en-US" sz="2800" b="1">
-              <a:latin typeface="Century Gothic" panose="020B0502020202020204" pitchFamily="34" charset="0"/>
-            </a:endParaRPr>
-          </a:p>
-        </p:txBody>
-      </p:sp>
       <p:sp>
         <p:nvSpPr>
           <p:cNvPr id="3" name="Content Placeholder 2">
@@ -18663,10 +18444,10 @@
           <a:lstStyle/>
           <a:p>
             <a:r>
-              <a:rPr lang="en-US" b="1">
+              <a:rPr lang="en-US" b="1" dirty="0">
                 <a:latin typeface="Century Gothic" panose="020B0502020202020204" pitchFamily="34" charset="0"/>
               </a:rPr>
-              <a:t>Virtual Environments With Anaconda</a:t>
+              <a:t>Virtual Environments with</a:t>
             </a:r>
           </a:p>
         </p:txBody>
@@ -18703,45 +18484,6 @@
       </p:pic>
       <p:sp>
         <p:nvSpPr>
-          <p:cNvPr id="22" name="TextBox 21">
-            <a:extLst>
-              <a:ext uri="{FF2B5EF4-FFF2-40B4-BE49-F238E27FC236}">
-                <a16:creationId xmlns:a16="http://schemas.microsoft.com/office/drawing/2014/main" id="{CDAE866F-9A4C-BC78-08C5-4310C2B3246B}"/>
-              </a:ext>
-            </a:extLst>
-          </p:cNvPr>
-          <p:cNvSpPr txBox="1"/>
-          <p:nvPr/>
-        </p:nvSpPr>
-        <p:spPr>
-          <a:xfrm>
-            <a:off x="569877" y="3414235"/>
-            <a:ext cx="11052246" cy="954107"/>
-          </a:xfrm>
-          <a:prstGeom prst="rect">
-            <a:avLst/>
-          </a:prstGeom>
-          <a:noFill/>
-        </p:spPr>
-        <p:txBody>
-          <a:bodyPr wrap="square" rtlCol="0" anchor="ctr">
-            <a:spAutoFit/>
-          </a:bodyPr>
-          <a:lstStyle/>
-          <a:p>
-            <a:endParaRPr lang="en-US" sz="2800" b="1">
-              <a:latin typeface="Century Gothic" panose="020B0502020202020204" pitchFamily="34" charset="0"/>
-            </a:endParaRPr>
-          </a:p>
-          <a:p>
-            <a:endParaRPr lang="en-US" sz="2800" b="1">
-              <a:latin typeface="Century Gothic" panose="020B0502020202020204" pitchFamily="34" charset="0"/>
-            </a:endParaRPr>
-          </a:p>
-        </p:txBody>
-      </p:sp>
-      <p:sp>
-        <p:nvSpPr>
           <p:cNvPr id="3" name="Content Placeholder 2">
             <a:extLst>
               <a:ext uri="{FF2B5EF4-FFF2-40B4-BE49-F238E27FC236}">
@@ -18800,6 +18542,236 @@
               <a:buNone/>
             </a:pPr>
             <a:endParaRPr lang="en-US" sz="3600" dirty="0">
+              <a:latin typeface="Century Gothic" panose="020B0502020202020204" pitchFamily="34" charset="0"/>
+            </a:endParaRPr>
+          </a:p>
+        </p:txBody>
+      </p:sp>
+      <p:sp>
+        <p:nvSpPr>
+          <p:cNvPr id="11" name="Content Placeholder 2">
+            <a:extLst>
+              <a:ext uri="{FF2B5EF4-FFF2-40B4-BE49-F238E27FC236}">
+                <a16:creationId xmlns:a16="http://schemas.microsoft.com/office/drawing/2014/main" id="{1F2EDDDF-27D3-CF3F-CAA5-ACA9EC2DC605}"/>
+              </a:ext>
+            </a:extLst>
+          </p:cNvPr>
+          <p:cNvSpPr txBox="1">
+            <a:spLocks/>
+          </p:cNvSpPr>
+          <p:nvPr/>
+        </p:nvSpPr>
+        <p:spPr>
+          <a:xfrm>
+            <a:off x="904407" y="3399002"/>
+            <a:ext cx="10800846" cy="580041"/>
+          </a:xfrm>
+          <a:prstGeom prst="rect">
+            <a:avLst/>
+          </a:prstGeom>
+        </p:spPr>
+        <p:txBody>
+          <a:bodyPr vert="horz" lIns="91440" tIns="45720" rIns="91440" bIns="45720" rtlCol="0">
+            <a:normAutofit/>
+          </a:bodyPr>
+          <a:lstStyle>
+            <a:lvl1pPr marL="228600" indent="-228600" algn="l" defTabSz="914400" rtl="0" eaLnBrk="1" latinLnBrk="0" hangingPunct="1">
+              <a:lnSpc>
+                <a:spcPct val="90000"/>
+              </a:lnSpc>
+              <a:spcBef>
+                <a:spcPts val="1000"/>
+              </a:spcBef>
+              <a:buFont typeface="Arial" panose="020B0604020202020204" pitchFamily="34" charset="0"/>
+              <a:buChar char="•"/>
+              <a:defRPr sz="2800" kern="1200">
+                <a:solidFill>
+                  <a:schemeClr val="tx1"/>
+                </a:solidFill>
+                <a:latin typeface="+mn-lt"/>
+                <a:ea typeface="+mn-ea"/>
+                <a:cs typeface="+mn-cs"/>
+              </a:defRPr>
+            </a:lvl1pPr>
+            <a:lvl2pPr marL="685800" indent="-228600" algn="l" defTabSz="914400" rtl="0" eaLnBrk="1" latinLnBrk="0" hangingPunct="1">
+              <a:lnSpc>
+                <a:spcPct val="90000"/>
+              </a:lnSpc>
+              <a:spcBef>
+                <a:spcPts val="500"/>
+              </a:spcBef>
+              <a:buFont typeface="Arial" panose="020B0604020202020204" pitchFamily="34" charset="0"/>
+              <a:buChar char="•"/>
+              <a:defRPr sz="2400" kern="1200">
+                <a:solidFill>
+                  <a:schemeClr val="tx1"/>
+                </a:solidFill>
+                <a:latin typeface="+mn-lt"/>
+                <a:ea typeface="+mn-ea"/>
+                <a:cs typeface="+mn-cs"/>
+              </a:defRPr>
+            </a:lvl2pPr>
+            <a:lvl3pPr marL="1143000" indent="-228600" algn="l" defTabSz="914400" rtl="0" eaLnBrk="1" latinLnBrk="0" hangingPunct="1">
+              <a:lnSpc>
+                <a:spcPct val="90000"/>
+              </a:lnSpc>
+              <a:spcBef>
+                <a:spcPts val="500"/>
+              </a:spcBef>
+              <a:buFont typeface="Arial" panose="020B0604020202020204" pitchFamily="34" charset="0"/>
+              <a:buChar char="•"/>
+              <a:defRPr sz="2000" kern="1200">
+                <a:solidFill>
+                  <a:schemeClr val="tx1"/>
+                </a:solidFill>
+                <a:latin typeface="+mn-lt"/>
+                <a:ea typeface="+mn-ea"/>
+                <a:cs typeface="+mn-cs"/>
+              </a:defRPr>
+            </a:lvl3pPr>
+            <a:lvl4pPr marL="1600200" indent="-228600" algn="l" defTabSz="914400" rtl="0" eaLnBrk="1" latinLnBrk="0" hangingPunct="1">
+              <a:lnSpc>
+                <a:spcPct val="90000"/>
+              </a:lnSpc>
+              <a:spcBef>
+                <a:spcPts val="500"/>
+              </a:spcBef>
+              <a:buFont typeface="Arial" panose="020B0604020202020204" pitchFamily="34" charset="0"/>
+              <a:buChar char="•"/>
+              <a:defRPr sz="1800" kern="1200">
+                <a:solidFill>
+                  <a:schemeClr val="tx1"/>
+                </a:solidFill>
+                <a:latin typeface="+mn-lt"/>
+                <a:ea typeface="+mn-ea"/>
+                <a:cs typeface="+mn-cs"/>
+              </a:defRPr>
+            </a:lvl4pPr>
+            <a:lvl5pPr marL="2057400" indent="-228600" algn="l" defTabSz="914400" rtl="0" eaLnBrk="1" latinLnBrk="0" hangingPunct="1">
+              <a:lnSpc>
+                <a:spcPct val="90000"/>
+              </a:lnSpc>
+              <a:spcBef>
+                <a:spcPts val="500"/>
+              </a:spcBef>
+              <a:buFont typeface="Arial" panose="020B0604020202020204" pitchFamily="34" charset="0"/>
+              <a:buChar char="•"/>
+              <a:defRPr sz="1800" kern="1200">
+                <a:solidFill>
+                  <a:schemeClr val="tx1"/>
+                </a:solidFill>
+                <a:latin typeface="+mn-lt"/>
+                <a:ea typeface="+mn-ea"/>
+                <a:cs typeface="+mn-cs"/>
+              </a:defRPr>
+            </a:lvl5pPr>
+            <a:lvl6pPr marL="2514600" indent="-228600" algn="l" defTabSz="914400" rtl="0" eaLnBrk="1" latinLnBrk="0" hangingPunct="1">
+              <a:lnSpc>
+                <a:spcPct val="90000"/>
+              </a:lnSpc>
+              <a:spcBef>
+                <a:spcPts val="500"/>
+              </a:spcBef>
+              <a:buFont typeface="Arial" panose="020B0604020202020204" pitchFamily="34" charset="0"/>
+              <a:buChar char="•"/>
+              <a:defRPr sz="1800" kern="1200">
+                <a:solidFill>
+                  <a:schemeClr val="tx1"/>
+                </a:solidFill>
+                <a:latin typeface="+mn-lt"/>
+                <a:ea typeface="+mn-ea"/>
+                <a:cs typeface="+mn-cs"/>
+              </a:defRPr>
+            </a:lvl6pPr>
+            <a:lvl7pPr marL="2971800" indent="-228600" algn="l" defTabSz="914400" rtl="0" eaLnBrk="1" latinLnBrk="0" hangingPunct="1">
+              <a:lnSpc>
+                <a:spcPct val="90000"/>
+              </a:lnSpc>
+              <a:spcBef>
+                <a:spcPts val="500"/>
+              </a:spcBef>
+              <a:buFont typeface="Arial" panose="020B0604020202020204" pitchFamily="34" charset="0"/>
+              <a:buChar char="•"/>
+              <a:defRPr sz="1800" kern="1200">
+                <a:solidFill>
+                  <a:schemeClr val="tx1"/>
+                </a:solidFill>
+                <a:latin typeface="+mn-lt"/>
+                <a:ea typeface="+mn-ea"/>
+                <a:cs typeface="+mn-cs"/>
+              </a:defRPr>
+            </a:lvl7pPr>
+            <a:lvl8pPr marL="3429000" indent="-228600" algn="l" defTabSz="914400" rtl="0" eaLnBrk="1" latinLnBrk="0" hangingPunct="1">
+              <a:lnSpc>
+                <a:spcPct val="90000"/>
+              </a:lnSpc>
+              <a:spcBef>
+                <a:spcPts val="500"/>
+              </a:spcBef>
+              <a:buFont typeface="Arial" panose="020B0604020202020204" pitchFamily="34" charset="0"/>
+              <a:buChar char="•"/>
+              <a:defRPr sz="1800" kern="1200">
+                <a:solidFill>
+                  <a:schemeClr val="tx1"/>
+                </a:solidFill>
+                <a:latin typeface="+mn-lt"/>
+                <a:ea typeface="+mn-ea"/>
+                <a:cs typeface="+mn-cs"/>
+              </a:defRPr>
+            </a:lvl8pPr>
+            <a:lvl9pPr marL="3886200" indent="-228600" algn="l" defTabSz="914400" rtl="0" eaLnBrk="1" latinLnBrk="0" hangingPunct="1">
+              <a:lnSpc>
+                <a:spcPct val="90000"/>
+              </a:lnSpc>
+              <a:spcBef>
+                <a:spcPts val="500"/>
+              </a:spcBef>
+              <a:buFont typeface="Arial" panose="020B0604020202020204" pitchFamily="34" charset="0"/>
+              <a:buChar char="•"/>
+              <a:defRPr sz="1800" kern="1200">
+                <a:solidFill>
+                  <a:schemeClr val="tx1"/>
+                </a:solidFill>
+                <a:latin typeface="+mn-lt"/>
+                <a:ea typeface="+mn-ea"/>
+                <a:cs typeface="+mn-cs"/>
+              </a:defRPr>
+            </a:lvl9pPr>
+          </a:lstStyle>
+          <a:p>
+            <a:pPr marL="0" indent="0">
+              <a:buNone/>
+            </a:pPr>
+            <a:r>
+              <a:rPr lang="en-US">
+                <a:latin typeface="Century Gothic" panose="020B0502020202020204" pitchFamily="34" charset="0"/>
+              </a:rPr>
+              <a:t>using </a:t>
+            </a:r>
+            <a:r>
+              <a:rPr lang="en-US" err="1">
+                <a:latin typeface="Monaco" pitchFamily="2" charset="77"/>
+              </a:rPr>
+              <a:t>conda</a:t>
+            </a:r>
+            <a:r>
+              <a:rPr lang="en-US">
+                <a:latin typeface="Monaco" pitchFamily="2" charset="77"/>
+              </a:rPr>
+              <a:t> install </a:t>
+            </a:r>
+            <a:r>
+              <a:rPr lang="en-US">
+                <a:latin typeface="Century Gothic" panose="020B0502020202020204" pitchFamily="34" charset="0"/>
+              </a:rPr>
+              <a:t>(preferred method, when available)</a:t>
+            </a:r>
+          </a:p>
+          <a:p>
+            <a:pPr marL="0" indent="0">
+              <a:buNone/>
+            </a:pPr>
+            <a:endParaRPr lang="en-US" sz="3600">
               <a:latin typeface="Century Gothic" panose="020B0502020202020204" pitchFamily="34" charset="0"/>
             </a:endParaRPr>
           </a:p>
@@ -19161,6 +19133,295 @@
       </p:grpSp>
       <p:sp>
         <p:nvSpPr>
+          <p:cNvPr id="5" name="Slide Number Placeholder 4">
+            <a:extLst>
+              <a:ext uri="{FF2B5EF4-FFF2-40B4-BE49-F238E27FC236}">
+                <a16:creationId xmlns:a16="http://schemas.microsoft.com/office/drawing/2014/main" id="{159FC89E-1AE3-7C43-9297-77F5A9857A5D}"/>
+              </a:ext>
+            </a:extLst>
+          </p:cNvPr>
+          <p:cNvSpPr>
+            <a:spLocks noGrp="1"/>
+          </p:cNvSpPr>
+          <p:nvPr>
+            <p:ph type="sldNum" sz="quarter" idx="12"/>
+          </p:nvPr>
+        </p:nvSpPr>
+        <p:spPr/>
+        <p:txBody>
+          <a:bodyPr/>
+          <a:lstStyle/>
+          <a:p>
+            <a:fld id="{ABDA560F-461C-6043-9BC4-489BA92F7161}" type="slidenum">
+              <a:rPr lang="en-US" smtClean="0"/>
+              <a:t>34</a:t>
+            </a:fld>
+            <a:endParaRPr lang="en-US"/>
+          </a:p>
+        </p:txBody>
+      </p:sp>
+    </p:spTree>
+    <p:extLst>
+      <p:ext uri="{BB962C8B-B14F-4D97-AF65-F5344CB8AC3E}">
+        <p14:creationId xmlns:p14="http://schemas.microsoft.com/office/powerpoint/2010/main" val="1099602704"/>
+      </p:ext>
+    </p:extLst>
+  </p:cSld>
+  <p:clrMapOvr>
+    <a:masterClrMapping/>
+  </p:clrMapOvr>
+  <p:timing>
+    <p:tnLst>
+      <p:par>
+        <p:cTn id="1" dur="indefinite" restart="never" nodeType="tmRoot">
+          <p:childTnLst>
+            <p:seq concurrent="1" nextAc="seek">
+              <p:cTn id="2" dur="indefinite" nodeType="mainSeq">
+                <p:childTnLst>
+                  <p:par>
+                    <p:cTn id="3" fill="hold">
+                      <p:stCondLst>
+                        <p:cond delay="indefinite"/>
+                      </p:stCondLst>
+                      <p:childTnLst>
+                        <p:par>
+                          <p:cTn id="4" fill="hold">
+                            <p:stCondLst>
+                              <p:cond delay="0"/>
+                            </p:stCondLst>
+                            <p:childTnLst>
+                              <p:par>
+                                <p:cTn id="5" presetID="1" presetClass="entr" presetSubtype="0" fill="hold" grpId="0" nodeType="clickEffect">
+                                  <p:stCondLst>
+                                    <p:cond delay="0"/>
+                                  </p:stCondLst>
+                                  <p:childTnLst>
+                                    <p:set>
+                                      <p:cBhvr>
+                                        <p:cTn id="6" dur="1" fill="hold">
+                                          <p:stCondLst>
+                                            <p:cond delay="0"/>
+                                          </p:stCondLst>
+                                        </p:cTn>
+                                        <p:tgtEl>
+                                          <p:spTgt spid="11"/>
+                                        </p:tgtEl>
+                                        <p:attrNameLst>
+                                          <p:attrName>style.visibility</p:attrName>
+                                        </p:attrNameLst>
+                                      </p:cBhvr>
+                                      <p:to>
+                                        <p:strVal val="visible"/>
+                                      </p:to>
+                                    </p:set>
+                                  </p:childTnLst>
+                                </p:cTn>
+                              </p:par>
+                              <p:par>
+                                <p:cTn id="7" presetID="1" presetClass="entr" presetSubtype="0" fill="hold" nodeType="withEffect">
+                                  <p:stCondLst>
+                                    <p:cond delay="0"/>
+                                  </p:stCondLst>
+                                  <p:childTnLst>
+                                    <p:set>
+                                      <p:cBhvr>
+                                        <p:cTn id="8" dur="1" fill="hold">
+                                          <p:stCondLst>
+                                            <p:cond delay="0"/>
+                                          </p:stCondLst>
+                                        </p:cTn>
+                                        <p:tgtEl>
+                                          <p:spTgt spid="10"/>
+                                        </p:tgtEl>
+                                        <p:attrNameLst>
+                                          <p:attrName>style.visibility</p:attrName>
+                                        </p:attrNameLst>
+                                      </p:cBhvr>
+                                      <p:to>
+                                        <p:strVal val="visible"/>
+                                      </p:to>
+                                    </p:set>
+                                  </p:childTnLst>
+                                </p:cTn>
+                              </p:par>
+                            </p:childTnLst>
+                          </p:cTn>
+                        </p:par>
+                      </p:childTnLst>
+                    </p:cTn>
+                  </p:par>
+                </p:childTnLst>
+              </p:cTn>
+              <p:prevCondLst>
+                <p:cond evt="onPrev" delay="0">
+                  <p:tgtEl>
+                    <p:sldTgt/>
+                  </p:tgtEl>
+                </p:cond>
+              </p:prevCondLst>
+              <p:nextCondLst>
+                <p:cond evt="onNext" delay="0">
+                  <p:tgtEl>
+                    <p:sldTgt/>
+                  </p:tgtEl>
+                </p:cond>
+              </p:nextCondLst>
+            </p:seq>
+          </p:childTnLst>
+        </p:cTn>
+      </p:par>
+    </p:tnLst>
+    <p:bldLst>
+      <p:bldP spid="11" grpId="0"/>
+    </p:bldLst>
+  </p:timing>
+</p:sld>
+</file>
+
+<file path=ppt/slides/slide35.xml><?xml version="1.0" encoding="utf-8"?>
+<p:sld xmlns:a="http://schemas.openxmlformats.org/drawingml/2006/main" xmlns:r="http://schemas.openxmlformats.org/officeDocument/2006/relationships" xmlns:p="http://schemas.openxmlformats.org/presentationml/2006/main">
+  <p:cSld>
+    <p:spTree>
+      <p:nvGrpSpPr>
+        <p:cNvPr id="1" name=""/>
+        <p:cNvGrpSpPr/>
+        <p:nvPr/>
+      </p:nvGrpSpPr>
+      <p:grpSpPr>
+        <a:xfrm>
+          <a:off x="0" y="0"/>
+          <a:ext cx="0" cy="0"/>
+          <a:chOff x="0" y="0"/>
+          <a:chExt cx="0" cy="0"/>
+        </a:xfrm>
+      </p:grpSpPr>
+      <p:sp>
+        <p:nvSpPr>
+          <p:cNvPr id="2" name="Title 1">
+            <a:extLst>
+              <a:ext uri="{FF2B5EF4-FFF2-40B4-BE49-F238E27FC236}">
+                <a16:creationId xmlns:a16="http://schemas.microsoft.com/office/drawing/2014/main" id="{6FADF519-AE7F-36C9-168F-1F04A49B8831}"/>
+              </a:ext>
+            </a:extLst>
+          </p:cNvPr>
+          <p:cNvSpPr>
+            <a:spLocks noGrp="1"/>
+          </p:cNvSpPr>
+          <p:nvPr>
+            <p:ph type="title"/>
+          </p:nvPr>
+        </p:nvSpPr>
+        <p:spPr/>
+        <p:txBody>
+          <a:bodyPr/>
+          <a:lstStyle/>
+          <a:p>
+            <a:r>
+              <a:rPr lang="en-US" b="1" dirty="0">
+                <a:latin typeface="Century Gothic" panose="020B0502020202020204" pitchFamily="34" charset="0"/>
+              </a:rPr>
+              <a:t>Virtual Environments with</a:t>
+            </a:r>
+          </a:p>
+        </p:txBody>
+      </p:sp>
+      <p:pic>
+        <p:nvPicPr>
+          <p:cNvPr id="7" name="Picture 6" descr="Conda package/environment manager logo">
+            <a:extLst>
+              <a:ext uri="{FF2B5EF4-FFF2-40B4-BE49-F238E27FC236}">
+                <a16:creationId xmlns:a16="http://schemas.microsoft.com/office/drawing/2014/main" id="{D7D92545-72A4-67F5-AF34-8F16FE07B1FE}"/>
+              </a:ext>
+            </a:extLst>
+          </p:cNvPr>
+          <p:cNvPicPr>
+            <a:picLocks noChangeAspect="1"/>
+          </p:cNvPicPr>
+          <p:nvPr/>
+        </p:nvPicPr>
+        <p:blipFill>
+          <a:blip r:embed="rId3"/>
+          <a:stretch>
+            <a:fillRect/>
+          </a:stretch>
+        </p:blipFill>
+        <p:spPr>
+          <a:xfrm>
+            <a:off x="7678028" y="439562"/>
+            <a:ext cx="4272920" cy="1176687"/>
+          </a:xfrm>
+          <a:prstGeom prst="rect">
+            <a:avLst/>
+          </a:prstGeom>
+        </p:spPr>
+      </p:pic>
+      <p:sp>
+        <p:nvSpPr>
+          <p:cNvPr id="3" name="Content Placeholder 2">
+            <a:extLst>
+              <a:ext uri="{FF2B5EF4-FFF2-40B4-BE49-F238E27FC236}">
+                <a16:creationId xmlns:a16="http://schemas.microsoft.com/office/drawing/2014/main" id="{3D823E6C-D95C-4704-E880-DF5DF2B776DF}"/>
+              </a:ext>
+            </a:extLst>
+          </p:cNvPr>
+          <p:cNvSpPr>
+            <a:spLocks noGrp="1"/>
+          </p:cNvSpPr>
+          <p:nvPr>
+            <p:ph idx="1"/>
+          </p:nvPr>
+        </p:nvSpPr>
+        <p:spPr>
+          <a:xfrm>
+            <a:off x="838200" y="1825625"/>
+            <a:ext cx="10515600" cy="1325563"/>
+          </a:xfrm>
+        </p:spPr>
+        <p:txBody>
+          <a:bodyPr>
+            <a:normAutofit/>
+          </a:bodyPr>
+          <a:lstStyle/>
+          <a:p>
+            <a:pPr marL="0" indent="0">
+              <a:buNone/>
+            </a:pPr>
+            <a:r>
+              <a:rPr lang="en-US" sz="3600" dirty="0">
+                <a:latin typeface="Century Gothic" panose="020B0502020202020204" pitchFamily="34" charset="0"/>
+              </a:rPr>
+              <a:t>Packages are installed within </a:t>
+            </a:r>
+            <a:r>
+              <a:rPr lang="en-US" sz="3600" b="1" dirty="0">
+                <a:latin typeface="Century Gothic" panose="020B0502020202020204" pitchFamily="34" charset="0"/>
+              </a:rPr>
+              <a:t>activated</a:t>
+            </a:r>
+            <a:r>
+              <a:rPr lang="en-US" sz="3600" dirty="0">
+                <a:latin typeface="Century Gothic" panose="020B0502020202020204" pitchFamily="34" charset="0"/>
+              </a:rPr>
+              <a:t> environments</a:t>
+            </a:r>
+          </a:p>
+          <a:p>
+            <a:endParaRPr lang="en-US" sz="3600" dirty="0">
+              <a:latin typeface="Century Gothic" panose="020B0502020202020204" pitchFamily="34" charset="0"/>
+            </a:endParaRPr>
+          </a:p>
+          <a:p>
+            <a:pPr marL="0" indent="0">
+              <a:buNone/>
+            </a:pPr>
+            <a:endParaRPr lang="en-US" sz="3600" dirty="0">
+              <a:latin typeface="Century Gothic" panose="020B0502020202020204" pitchFamily="34" charset="0"/>
+            </a:endParaRPr>
+          </a:p>
+        </p:txBody>
+      </p:sp>
+      <p:sp>
+        <p:nvSpPr>
           <p:cNvPr id="11" name="Content Placeholder 2">
             <a:extLst>
               <a:ext uri="{FF2B5EF4-FFF2-40B4-BE49-F238E27FC236}">
@@ -19361,22 +19622,16 @@
               <a:t>using </a:t>
             </a:r>
             <a:r>
-              <a:rPr lang="en-US" err="1">
-                <a:latin typeface="Monaco" pitchFamily="2" charset="77"/>
-              </a:rPr>
-              <a:t>conda</a:t>
-            </a:r>
-            <a:r>
               <a:rPr lang="en-US">
                 <a:latin typeface="Monaco" pitchFamily="2" charset="77"/>
               </a:rPr>
-              <a:t> install </a:t>
+              <a:t>pip install </a:t>
             </a:r>
             <a:r>
               <a:rPr lang="en-US">
                 <a:latin typeface="Century Gothic" panose="020B0502020202020204" pitchFamily="34" charset="0"/>
               </a:rPr>
-              <a:t>(preferred method, when available)</a:t>
+              <a:t>(if you must)</a:t>
             </a:r>
           </a:p>
           <a:p>
@@ -19384,334 +19639,6 @@
               <a:buNone/>
             </a:pPr>
             <a:endParaRPr lang="en-US" sz="3600">
-              <a:latin typeface="Century Gothic" panose="020B0502020202020204" pitchFamily="34" charset="0"/>
-            </a:endParaRPr>
-          </a:p>
-        </p:txBody>
-      </p:sp>
-      <p:sp>
-        <p:nvSpPr>
-          <p:cNvPr id="5" name="Slide Number Placeholder 4">
-            <a:extLst>
-              <a:ext uri="{FF2B5EF4-FFF2-40B4-BE49-F238E27FC236}">
-                <a16:creationId xmlns:a16="http://schemas.microsoft.com/office/drawing/2014/main" id="{159FC89E-1AE3-7C43-9297-77F5A9857A5D}"/>
-              </a:ext>
-            </a:extLst>
-          </p:cNvPr>
-          <p:cNvSpPr>
-            <a:spLocks noGrp="1"/>
-          </p:cNvSpPr>
-          <p:nvPr>
-            <p:ph type="sldNum" sz="quarter" idx="12"/>
-          </p:nvPr>
-        </p:nvSpPr>
-        <p:spPr/>
-        <p:txBody>
-          <a:bodyPr/>
-          <a:lstStyle/>
-          <a:p>
-            <a:fld id="{ABDA560F-461C-6043-9BC4-489BA92F7161}" type="slidenum">
-              <a:rPr lang="en-US" smtClean="0"/>
-              <a:t>34</a:t>
-            </a:fld>
-            <a:endParaRPr lang="en-US"/>
-          </a:p>
-        </p:txBody>
-      </p:sp>
-    </p:spTree>
-    <p:extLst>
-      <p:ext uri="{BB962C8B-B14F-4D97-AF65-F5344CB8AC3E}">
-        <p14:creationId xmlns:p14="http://schemas.microsoft.com/office/powerpoint/2010/main" val="1099602704"/>
-      </p:ext>
-    </p:extLst>
-  </p:cSld>
-  <p:clrMapOvr>
-    <a:masterClrMapping/>
-  </p:clrMapOvr>
-  <p:timing>
-    <p:tnLst>
-      <p:par>
-        <p:cTn id="1" dur="indefinite" restart="never" nodeType="tmRoot">
-          <p:childTnLst>
-            <p:seq concurrent="1" nextAc="seek">
-              <p:cTn id="2" dur="indefinite" nodeType="mainSeq">
-                <p:childTnLst>
-                  <p:par>
-                    <p:cTn id="3" fill="hold">
-                      <p:stCondLst>
-                        <p:cond delay="indefinite"/>
-                      </p:stCondLst>
-                      <p:childTnLst>
-                        <p:par>
-                          <p:cTn id="4" fill="hold">
-                            <p:stCondLst>
-                              <p:cond delay="0"/>
-                            </p:stCondLst>
-                            <p:childTnLst>
-                              <p:par>
-                                <p:cTn id="5" presetID="1" presetClass="entr" presetSubtype="0" fill="hold" grpId="0" nodeType="clickEffect">
-                                  <p:stCondLst>
-                                    <p:cond delay="0"/>
-                                  </p:stCondLst>
-                                  <p:childTnLst>
-                                    <p:set>
-                                      <p:cBhvr>
-                                        <p:cTn id="6" dur="1" fill="hold">
-                                          <p:stCondLst>
-                                            <p:cond delay="0"/>
-                                          </p:stCondLst>
-                                        </p:cTn>
-                                        <p:tgtEl>
-                                          <p:spTgt spid="11"/>
-                                        </p:tgtEl>
-                                        <p:attrNameLst>
-                                          <p:attrName>style.visibility</p:attrName>
-                                        </p:attrNameLst>
-                                      </p:cBhvr>
-                                      <p:to>
-                                        <p:strVal val="visible"/>
-                                      </p:to>
-                                    </p:set>
-                                  </p:childTnLst>
-                                </p:cTn>
-                              </p:par>
-                              <p:par>
-                                <p:cTn id="7" presetID="1" presetClass="entr" presetSubtype="0" fill="hold" nodeType="withEffect">
-                                  <p:stCondLst>
-                                    <p:cond delay="0"/>
-                                  </p:stCondLst>
-                                  <p:childTnLst>
-                                    <p:set>
-                                      <p:cBhvr>
-                                        <p:cTn id="8" dur="1" fill="hold">
-                                          <p:stCondLst>
-                                            <p:cond delay="0"/>
-                                          </p:stCondLst>
-                                        </p:cTn>
-                                        <p:tgtEl>
-                                          <p:spTgt spid="10"/>
-                                        </p:tgtEl>
-                                        <p:attrNameLst>
-                                          <p:attrName>style.visibility</p:attrName>
-                                        </p:attrNameLst>
-                                      </p:cBhvr>
-                                      <p:to>
-                                        <p:strVal val="visible"/>
-                                      </p:to>
-                                    </p:set>
-                                  </p:childTnLst>
-                                </p:cTn>
-                              </p:par>
-                            </p:childTnLst>
-                          </p:cTn>
-                        </p:par>
-                      </p:childTnLst>
-                    </p:cTn>
-                  </p:par>
-                </p:childTnLst>
-              </p:cTn>
-              <p:prevCondLst>
-                <p:cond evt="onPrev" delay="0">
-                  <p:tgtEl>
-                    <p:sldTgt/>
-                  </p:tgtEl>
-                </p:cond>
-              </p:prevCondLst>
-              <p:nextCondLst>
-                <p:cond evt="onNext" delay="0">
-                  <p:tgtEl>
-                    <p:sldTgt/>
-                  </p:tgtEl>
-                </p:cond>
-              </p:nextCondLst>
-            </p:seq>
-          </p:childTnLst>
-        </p:cTn>
-      </p:par>
-    </p:tnLst>
-    <p:bldLst>
-      <p:bldP spid="11" grpId="0"/>
-    </p:bldLst>
-  </p:timing>
-</p:sld>
-</file>
-
-<file path=ppt/slides/slide35.xml><?xml version="1.0" encoding="utf-8"?>
-<p:sld xmlns:a="http://schemas.openxmlformats.org/drawingml/2006/main" xmlns:r="http://schemas.openxmlformats.org/officeDocument/2006/relationships" xmlns:p="http://schemas.openxmlformats.org/presentationml/2006/main">
-  <p:cSld>
-    <p:spTree>
-      <p:nvGrpSpPr>
-        <p:cNvPr id="1" name=""/>
-        <p:cNvGrpSpPr/>
-        <p:nvPr/>
-      </p:nvGrpSpPr>
-      <p:grpSpPr>
-        <a:xfrm>
-          <a:off x="0" y="0"/>
-          <a:ext cx="0" cy="0"/>
-          <a:chOff x="0" y="0"/>
-          <a:chExt cx="0" cy="0"/>
-        </a:xfrm>
-      </p:grpSpPr>
-      <p:sp>
-        <p:nvSpPr>
-          <p:cNvPr id="2" name="Title 1">
-            <a:extLst>
-              <a:ext uri="{FF2B5EF4-FFF2-40B4-BE49-F238E27FC236}">
-                <a16:creationId xmlns:a16="http://schemas.microsoft.com/office/drawing/2014/main" id="{6FADF519-AE7F-36C9-168F-1F04A49B8831}"/>
-              </a:ext>
-            </a:extLst>
-          </p:cNvPr>
-          <p:cNvSpPr>
-            <a:spLocks noGrp="1"/>
-          </p:cNvSpPr>
-          <p:nvPr>
-            <p:ph type="title"/>
-          </p:nvPr>
-        </p:nvSpPr>
-        <p:spPr/>
-        <p:txBody>
-          <a:bodyPr/>
-          <a:lstStyle/>
-          <a:p>
-            <a:r>
-              <a:rPr lang="en-US" b="1">
-                <a:latin typeface="Century Gothic" panose="020B0502020202020204" pitchFamily="34" charset="0"/>
-              </a:rPr>
-              <a:t>Virtual Environments With Anaconda</a:t>
-            </a:r>
-          </a:p>
-        </p:txBody>
-      </p:sp>
-      <p:pic>
-        <p:nvPicPr>
-          <p:cNvPr id="7" name="Picture 6" descr="Conda package/environment manager logo">
-            <a:extLst>
-              <a:ext uri="{FF2B5EF4-FFF2-40B4-BE49-F238E27FC236}">
-                <a16:creationId xmlns:a16="http://schemas.microsoft.com/office/drawing/2014/main" id="{D7D92545-72A4-67F5-AF34-8F16FE07B1FE}"/>
-              </a:ext>
-            </a:extLst>
-          </p:cNvPr>
-          <p:cNvPicPr>
-            <a:picLocks noChangeAspect="1"/>
-          </p:cNvPicPr>
-          <p:nvPr/>
-        </p:nvPicPr>
-        <p:blipFill>
-          <a:blip r:embed="rId3"/>
-          <a:stretch>
-            <a:fillRect/>
-          </a:stretch>
-        </p:blipFill>
-        <p:spPr>
-          <a:xfrm>
-            <a:off x="7678028" y="439562"/>
-            <a:ext cx="4272920" cy="1176687"/>
-          </a:xfrm>
-          <a:prstGeom prst="rect">
-            <a:avLst/>
-          </a:prstGeom>
-        </p:spPr>
-      </p:pic>
-      <p:sp>
-        <p:nvSpPr>
-          <p:cNvPr id="22" name="TextBox 21">
-            <a:extLst>
-              <a:ext uri="{FF2B5EF4-FFF2-40B4-BE49-F238E27FC236}">
-                <a16:creationId xmlns:a16="http://schemas.microsoft.com/office/drawing/2014/main" id="{CDAE866F-9A4C-BC78-08C5-4310C2B3246B}"/>
-              </a:ext>
-            </a:extLst>
-          </p:cNvPr>
-          <p:cNvSpPr txBox="1"/>
-          <p:nvPr/>
-        </p:nvSpPr>
-        <p:spPr>
-          <a:xfrm>
-            <a:off x="569877" y="3414235"/>
-            <a:ext cx="11052246" cy="954107"/>
-          </a:xfrm>
-          <a:prstGeom prst="rect">
-            <a:avLst/>
-          </a:prstGeom>
-          <a:noFill/>
-        </p:spPr>
-        <p:txBody>
-          <a:bodyPr wrap="square" rtlCol="0" anchor="ctr">
-            <a:spAutoFit/>
-          </a:bodyPr>
-          <a:lstStyle/>
-          <a:p>
-            <a:endParaRPr lang="en-US" sz="2800" b="1">
-              <a:latin typeface="Century Gothic" panose="020B0502020202020204" pitchFamily="34" charset="0"/>
-            </a:endParaRPr>
-          </a:p>
-          <a:p>
-            <a:endParaRPr lang="en-US" sz="2800" b="1">
-              <a:latin typeface="Century Gothic" panose="020B0502020202020204" pitchFamily="34" charset="0"/>
-            </a:endParaRPr>
-          </a:p>
-        </p:txBody>
-      </p:sp>
-      <p:sp>
-        <p:nvSpPr>
-          <p:cNvPr id="3" name="Content Placeholder 2">
-            <a:extLst>
-              <a:ext uri="{FF2B5EF4-FFF2-40B4-BE49-F238E27FC236}">
-                <a16:creationId xmlns:a16="http://schemas.microsoft.com/office/drawing/2014/main" id="{3D823E6C-D95C-4704-E880-DF5DF2B776DF}"/>
-              </a:ext>
-            </a:extLst>
-          </p:cNvPr>
-          <p:cNvSpPr>
-            <a:spLocks noGrp="1"/>
-          </p:cNvSpPr>
-          <p:nvPr>
-            <p:ph idx="1"/>
-          </p:nvPr>
-        </p:nvSpPr>
-        <p:spPr>
-          <a:xfrm>
-            <a:off x="838200" y="1825625"/>
-            <a:ext cx="10515600" cy="1325563"/>
-          </a:xfrm>
-        </p:spPr>
-        <p:txBody>
-          <a:bodyPr>
-            <a:normAutofit/>
-          </a:bodyPr>
-          <a:lstStyle/>
-          <a:p>
-            <a:pPr marL="0" indent="0">
-              <a:buNone/>
-            </a:pPr>
-            <a:r>
-              <a:rPr lang="en-US" sz="3600" dirty="0">
-                <a:latin typeface="Century Gothic" panose="020B0502020202020204" pitchFamily="34" charset="0"/>
-              </a:rPr>
-              <a:t>Packages are installed within </a:t>
-            </a:r>
-            <a:r>
-              <a:rPr lang="en-US" sz="3600" b="1" dirty="0">
-                <a:latin typeface="Century Gothic" panose="020B0502020202020204" pitchFamily="34" charset="0"/>
-              </a:rPr>
-              <a:t>activated</a:t>
-            </a:r>
-            <a:r>
-              <a:rPr lang="en-US" sz="3600" dirty="0">
-                <a:latin typeface="Century Gothic" panose="020B0502020202020204" pitchFamily="34" charset="0"/>
-              </a:rPr>
-              <a:t> environments</a:t>
-            </a:r>
-          </a:p>
-          <a:p>
-            <a:endParaRPr lang="en-US" sz="3600" dirty="0">
-              <a:latin typeface="Century Gothic" panose="020B0502020202020204" pitchFamily="34" charset="0"/>
-            </a:endParaRPr>
-          </a:p>
-          <a:p>
-            <a:pPr marL="0" indent="0">
-              <a:buNone/>
-            </a:pPr>
-            <a:endParaRPr lang="en-US" sz="3600" dirty="0">
               <a:latin typeface="Century Gothic" panose="020B0502020202020204" pitchFamily="34" charset="0"/>
             </a:endParaRPr>
           </a:p>
@@ -20053,230 +19980,6 @@
       </p:grpSp>
       <p:sp>
         <p:nvSpPr>
-          <p:cNvPr id="11" name="Content Placeholder 2">
-            <a:extLst>
-              <a:ext uri="{FF2B5EF4-FFF2-40B4-BE49-F238E27FC236}">
-                <a16:creationId xmlns:a16="http://schemas.microsoft.com/office/drawing/2014/main" id="{1F2EDDDF-27D3-CF3F-CAA5-ACA9EC2DC605}"/>
-              </a:ext>
-            </a:extLst>
-          </p:cNvPr>
-          <p:cNvSpPr txBox="1">
-            <a:spLocks/>
-          </p:cNvSpPr>
-          <p:nvPr/>
-        </p:nvSpPr>
-        <p:spPr>
-          <a:xfrm>
-            <a:off x="904407" y="3399002"/>
-            <a:ext cx="10800846" cy="580041"/>
-          </a:xfrm>
-          <a:prstGeom prst="rect">
-            <a:avLst/>
-          </a:prstGeom>
-        </p:spPr>
-        <p:txBody>
-          <a:bodyPr vert="horz" lIns="91440" tIns="45720" rIns="91440" bIns="45720" rtlCol="0">
-            <a:normAutofit/>
-          </a:bodyPr>
-          <a:lstStyle>
-            <a:lvl1pPr marL="228600" indent="-228600" algn="l" defTabSz="914400" rtl="0" eaLnBrk="1" latinLnBrk="0" hangingPunct="1">
-              <a:lnSpc>
-                <a:spcPct val="90000"/>
-              </a:lnSpc>
-              <a:spcBef>
-                <a:spcPts val="1000"/>
-              </a:spcBef>
-              <a:buFont typeface="Arial" panose="020B0604020202020204" pitchFamily="34" charset="0"/>
-              <a:buChar char="•"/>
-              <a:defRPr sz="2800" kern="1200">
-                <a:solidFill>
-                  <a:schemeClr val="tx1"/>
-                </a:solidFill>
-                <a:latin typeface="+mn-lt"/>
-                <a:ea typeface="+mn-ea"/>
-                <a:cs typeface="+mn-cs"/>
-              </a:defRPr>
-            </a:lvl1pPr>
-            <a:lvl2pPr marL="685800" indent="-228600" algn="l" defTabSz="914400" rtl="0" eaLnBrk="1" latinLnBrk="0" hangingPunct="1">
-              <a:lnSpc>
-                <a:spcPct val="90000"/>
-              </a:lnSpc>
-              <a:spcBef>
-                <a:spcPts val="500"/>
-              </a:spcBef>
-              <a:buFont typeface="Arial" panose="020B0604020202020204" pitchFamily="34" charset="0"/>
-              <a:buChar char="•"/>
-              <a:defRPr sz="2400" kern="1200">
-                <a:solidFill>
-                  <a:schemeClr val="tx1"/>
-                </a:solidFill>
-                <a:latin typeface="+mn-lt"/>
-                <a:ea typeface="+mn-ea"/>
-                <a:cs typeface="+mn-cs"/>
-              </a:defRPr>
-            </a:lvl2pPr>
-            <a:lvl3pPr marL="1143000" indent="-228600" algn="l" defTabSz="914400" rtl="0" eaLnBrk="1" latinLnBrk="0" hangingPunct="1">
-              <a:lnSpc>
-                <a:spcPct val="90000"/>
-              </a:lnSpc>
-              <a:spcBef>
-                <a:spcPts val="500"/>
-              </a:spcBef>
-              <a:buFont typeface="Arial" panose="020B0604020202020204" pitchFamily="34" charset="0"/>
-              <a:buChar char="•"/>
-              <a:defRPr sz="2000" kern="1200">
-                <a:solidFill>
-                  <a:schemeClr val="tx1"/>
-                </a:solidFill>
-                <a:latin typeface="+mn-lt"/>
-                <a:ea typeface="+mn-ea"/>
-                <a:cs typeface="+mn-cs"/>
-              </a:defRPr>
-            </a:lvl3pPr>
-            <a:lvl4pPr marL="1600200" indent="-228600" algn="l" defTabSz="914400" rtl="0" eaLnBrk="1" latinLnBrk="0" hangingPunct="1">
-              <a:lnSpc>
-                <a:spcPct val="90000"/>
-              </a:lnSpc>
-              <a:spcBef>
-                <a:spcPts val="500"/>
-              </a:spcBef>
-              <a:buFont typeface="Arial" panose="020B0604020202020204" pitchFamily="34" charset="0"/>
-              <a:buChar char="•"/>
-              <a:defRPr sz="1800" kern="1200">
-                <a:solidFill>
-                  <a:schemeClr val="tx1"/>
-                </a:solidFill>
-                <a:latin typeface="+mn-lt"/>
-                <a:ea typeface="+mn-ea"/>
-                <a:cs typeface="+mn-cs"/>
-              </a:defRPr>
-            </a:lvl4pPr>
-            <a:lvl5pPr marL="2057400" indent="-228600" algn="l" defTabSz="914400" rtl="0" eaLnBrk="1" latinLnBrk="0" hangingPunct="1">
-              <a:lnSpc>
-                <a:spcPct val="90000"/>
-              </a:lnSpc>
-              <a:spcBef>
-                <a:spcPts val="500"/>
-              </a:spcBef>
-              <a:buFont typeface="Arial" panose="020B0604020202020204" pitchFamily="34" charset="0"/>
-              <a:buChar char="•"/>
-              <a:defRPr sz="1800" kern="1200">
-                <a:solidFill>
-                  <a:schemeClr val="tx1"/>
-                </a:solidFill>
-                <a:latin typeface="+mn-lt"/>
-                <a:ea typeface="+mn-ea"/>
-                <a:cs typeface="+mn-cs"/>
-              </a:defRPr>
-            </a:lvl5pPr>
-            <a:lvl6pPr marL="2514600" indent="-228600" algn="l" defTabSz="914400" rtl="0" eaLnBrk="1" latinLnBrk="0" hangingPunct="1">
-              <a:lnSpc>
-                <a:spcPct val="90000"/>
-              </a:lnSpc>
-              <a:spcBef>
-                <a:spcPts val="500"/>
-              </a:spcBef>
-              <a:buFont typeface="Arial" panose="020B0604020202020204" pitchFamily="34" charset="0"/>
-              <a:buChar char="•"/>
-              <a:defRPr sz="1800" kern="1200">
-                <a:solidFill>
-                  <a:schemeClr val="tx1"/>
-                </a:solidFill>
-                <a:latin typeface="+mn-lt"/>
-                <a:ea typeface="+mn-ea"/>
-                <a:cs typeface="+mn-cs"/>
-              </a:defRPr>
-            </a:lvl6pPr>
-            <a:lvl7pPr marL="2971800" indent="-228600" algn="l" defTabSz="914400" rtl="0" eaLnBrk="1" latinLnBrk="0" hangingPunct="1">
-              <a:lnSpc>
-                <a:spcPct val="90000"/>
-              </a:lnSpc>
-              <a:spcBef>
-                <a:spcPts val="500"/>
-              </a:spcBef>
-              <a:buFont typeface="Arial" panose="020B0604020202020204" pitchFamily="34" charset="0"/>
-              <a:buChar char="•"/>
-              <a:defRPr sz="1800" kern="1200">
-                <a:solidFill>
-                  <a:schemeClr val="tx1"/>
-                </a:solidFill>
-                <a:latin typeface="+mn-lt"/>
-                <a:ea typeface="+mn-ea"/>
-                <a:cs typeface="+mn-cs"/>
-              </a:defRPr>
-            </a:lvl7pPr>
-            <a:lvl8pPr marL="3429000" indent="-228600" algn="l" defTabSz="914400" rtl="0" eaLnBrk="1" latinLnBrk="0" hangingPunct="1">
-              <a:lnSpc>
-                <a:spcPct val="90000"/>
-              </a:lnSpc>
-              <a:spcBef>
-                <a:spcPts val="500"/>
-              </a:spcBef>
-              <a:buFont typeface="Arial" panose="020B0604020202020204" pitchFamily="34" charset="0"/>
-              <a:buChar char="•"/>
-              <a:defRPr sz="1800" kern="1200">
-                <a:solidFill>
-                  <a:schemeClr val="tx1"/>
-                </a:solidFill>
-                <a:latin typeface="+mn-lt"/>
-                <a:ea typeface="+mn-ea"/>
-                <a:cs typeface="+mn-cs"/>
-              </a:defRPr>
-            </a:lvl8pPr>
-            <a:lvl9pPr marL="3886200" indent="-228600" algn="l" defTabSz="914400" rtl="0" eaLnBrk="1" latinLnBrk="0" hangingPunct="1">
-              <a:lnSpc>
-                <a:spcPct val="90000"/>
-              </a:lnSpc>
-              <a:spcBef>
-                <a:spcPts val="500"/>
-              </a:spcBef>
-              <a:buFont typeface="Arial" panose="020B0604020202020204" pitchFamily="34" charset="0"/>
-              <a:buChar char="•"/>
-              <a:defRPr sz="1800" kern="1200">
-                <a:solidFill>
-                  <a:schemeClr val="tx1"/>
-                </a:solidFill>
-                <a:latin typeface="+mn-lt"/>
-                <a:ea typeface="+mn-ea"/>
-                <a:cs typeface="+mn-cs"/>
-              </a:defRPr>
-            </a:lvl9pPr>
-          </a:lstStyle>
-          <a:p>
-            <a:pPr marL="0" indent="0">
-              <a:buNone/>
-            </a:pPr>
-            <a:r>
-              <a:rPr lang="en-US">
-                <a:latin typeface="Century Gothic" panose="020B0502020202020204" pitchFamily="34" charset="0"/>
-              </a:rPr>
-              <a:t>using </a:t>
-            </a:r>
-            <a:r>
-              <a:rPr lang="en-US">
-                <a:latin typeface="Monaco" pitchFamily="2" charset="77"/>
-              </a:rPr>
-              <a:t>pip install </a:t>
-            </a:r>
-            <a:r>
-              <a:rPr lang="en-US">
-                <a:latin typeface="Century Gothic" panose="020B0502020202020204" pitchFamily="34" charset="0"/>
-              </a:rPr>
-              <a:t>(if you must)</a:t>
-            </a:r>
-          </a:p>
-          <a:p>
-            <a:pPr marL="0" indent="0">
-              <a:buNone/>
-            </a:pPr>
-            <a:endParaRPr lang="en-US" sz="3600">
-              <a:latin typeface="Century Gothic" panose="020B0502020202020204" pitchFamily="34" charset="0"/>
-            </a:endParaRPr>
-          </a:p>
-        </p:txBody>
-      </p:sp>
-      <p:sp>
-        <p:nvSpPr>
           <p:cNvPr id="12" name="Content Placeholder 2">
             <a:extLst>
               <a:ext uri="{FF2B5EF4-FFF2-40B4-BE49-F238E27FC236}">
@@ -20751,10 +20454,10 @@
           <a:lstStyle/>
           <a:p>
             <a:r>
-              <a:rPr lang="en-US" b="1">
+              <a:rPr lang="en-US" b="1" dirty="0">
                 <a:latin typeface="Century Gothic" panose="020B0502020202020204" pitchFamily="34" charset="0"/>
               </a:rPr>
-              <a:t>Virtual Environments With Anaconda</a:t>
+              <a:t>Virtual Environments with</a:t>
             </a:r>
           </a:p>
         </p:txBody>
@@ -20789,45 +20492,6 @@
           </a:prstGeom>
         </p:spPr>
       </p:pic>
-      <p:sp>
-        <p:nvSpPr>
-          <p:cNvPr id="22" name="TextBox 21">
-            <a:extLst>
-              <a:ext uri="{FF2B5EF4-FFF2-40B4-BE49-F238E27FC236}">
-                <a16:creationId xmlns:a16="http://schemas.microsoft.com/office/drawing/2014/main" id="{CDAE866F-9A4C-BC78-08C5-4310C2B3246B}"/>
-              </a:ext>
-            </a:extLst>
-          </p:cNvPr>
-          <p:cNvSpPr txBox="1"/>
-          <p:nvPr/>
-        </p:nvSpPr>
-        <p:spPr>
-          <a:xfrm>
-            <a:off x="569877" y="3414235"/>
-            <a:ext cx="11052246" cy="954107"/>
-          </a:xfrm>
-          <a:prstGeom prst="rect">
-            <a:avLst/>
-          </a:prstGeom>
-          <a:noFill/>
-        </p:spPr>
-        <p:txBody>
-          <a:bodyPr wrap="square" rtlCol="0" anchor="ctr">
-            <a:spAutoFit/>
-          </a:bodyPr>
-          <a:lstStyle/>
-          <a:p>
-            <a:endParaRPr lang="en-US" sz="2800" b="1">
-              <a:latin typeface="Century Gothic" panose="020B0502020202020204" pitchFamily="34" charset="0"/>
-            </a:endParaRPr>
-          </a:p>
-          <a:p>
-            <a:endParaRPr lang="en-US" sz="2800" b="1">
-              <a:latin typeface="Century Gothic" panose="020B0502020202020204" pitchFamily="34" charset="0"/>
-            </a:endParaRPr>
-          </a:p>
-        </p:txBody>
-      </p:sp>
       <p:sp>
         <p:nvSpPr>
           <p:cNvPr id="3" name="Content Placeholder 2">
@@ -21442,10 +21106,10 @@
           <a:lstStyle/>
           <a:p>
             <a:r>
-              <a:rPr lang="en-US" b="1">
+              <a:rPr lang="en-US" b="1" dirty="0">
                 <a:latin typeface="Century Gothic" panose="020B0502020202020204" pitchFamily="34" charset="0"/>
               </a:rPr>
-              <a:t>Virtual Environments With Anaconda</a:t>
+              <a:t>Virtual Environments with</a:t>
             </a:r>
           </a:p>
         </p:txBody>
@@ -21480,45 +21144,6 @@
           </a:prstGeom>
         </p:spPr>
       </p:pic>
-      <p:sp>
-        <p:nvSpPr>
-          <p:cNvPr id="22" name="TextBox 21">
-            <a:extLst>
-              <a:ext uri="{FF2B5EF4-FFF2-40B4-BE49-F238E27FC236}">
-                <a16:creationId xmlns:a16="http://schemas.microsoft.com/office/drawing/2014/main" id="{CDAE866F-9A4C-BC78-08C5-4310C2B3246B}"/>
-              </a:ext>
-            </a:extLst>
-          </p:cNvPr>
-          <p:cNvSpPr txBox="1"/>
-          <p:nvPr/>
-        </p:nvSpPr>
-        <p:spPr>
-          <a:xfrm>
-            <a:off x="569877" y="3414235"/>
-            <a:ext cx="11052246" cy="954107"/>
-          </a:xfrm>
-          <a:prstGeom prst="rect">
-            <a:avLst/>
-          </a:prstGeom>
-          <a:noFill/>
-        </p:spPr>
-        <p:txBody>
-          <a:bodyPr wrap="square" rtlCol="0" anchor="ctr">
-            <a:spAutoFit/>
-          </a:bodyPr>
-          <a:lstStyle/>
-          <a:p>
-            <a:endParaRPr lang="en-US" sz="2800" b="1">
-              <a:latin typeface="Century Gothic" panose="020B0502020202020204" pitchFamily="34" charset="0"/>
-            </a:endParaRPr>
-          </a:p>
-          <a:p>
-            <a:endParaRPr lang="en-US" sz="2800" b="1">
-              <a:latin typeface="Century Gothic" panose="020B0502020202020204" pitchFamily="34" charset="0"/>
-            </a:endParaRPr>
-          </a:p>
-        </p:txBody>
-      </p:sp>
       <p:sp>
         <p:nvSpPr>
           <p:cNvPr id="3" name="Content Placeholder 2">
@@ -26250,40 +25875,6 @@
       </p:sp>
       <p:sp>
         <p:nvSpPr>
-          <p:cNvPr id="3" name="Content Placeholder 2">
-            <a:extLst>
-              <a:ext uri="{FF2B5EF4-FFF2-40B4-BE49-F238E27FC236}">
-                <a16:creationId xmlns:a16="http://schemas.microsoft.com/office/drawing/2014/main" id="{AAEB7330-49B9-EA32-E87F-7DEF8A466279}"/>
-              </a:ext>
-            </a:extLst>
-          </p:cNvPr>
-          <p:cNvSpPr>
-            <a:spLocks noGrp="1"/>
-          </p:cNvSpPr>
-          <p:nvPr>
-            <p:ph idx="1"/>
-          </p:nvPr>
-        </p:nvSpPr>
-        <p:spPr/>
-        <p:txBody>
-          <a:bodyPr/>
-          <a:lstStyle/>
-          <a:p>
-            <a:pPr marL="0" indent="0">
-              <a:buNone/>
-            </a:pPr>
-            <a:endParaRPr lang="en-US"/>
-          </a:p>
-          <a:p>
-            <a:pPr marL="0" indent="0">
-              <a:buNone/>
-            </a:pPr>
-            <a:endParaRPr lang="en-US"/>
-          </a:p>
-        </p:txBody>
-      </p:sp>
-      <p:sp>
-        <p:nvSpPr>
           <p:cNvPr id="5" name="Slide Number Placeholder 4">
             <a:extLst>
               <a:ext uri="{FF2B5EF4-FFF2-40B4-BE49-F238E27FC236}">
@@ -26371,68 +25962,6 @@
           </a:p>
         </p:txBody>
       </p:sp>
-      <p:sp>
-        <p:nvSpPr>
-          <p:cNvPr id="3" name="Content Placeholder 2">
-            <a:extLst>
-              <a:ext uri="{FF2B5EF4-FFF2-40B4-BE49-F238E27FC236}">
-                <a16:creationId xmlns:a16="http://schemas.microsoft.com/office/drawing/2014/main" id="{6484EA7B-346E-9CB5-DB70-6227BCA98122}"/>
-              </a:ext>
-            </a:extLst>
-          </p:cNvPr>
-          <p:cNvSpPr>
-            <a:spLocks noGrp="1"/>
-          </p:cNvSpPr>
-          <p:nvPr>
-            <p:ph idx="1"/>
-          </p:nvPr>
-        </p:nvSpPr>
-        <p:spPr/>
-        <p:txBody>
-          <a:bodyPr>
-            <a:normAutofit/>
-          </a:bodyPr>
-          <a:lstStyle/>
-          <a:p>
-            <a:pPr marL="0" indent="0">
-              <a:buNone/>
-            </a:pPr>
-            <a:r>
-              <a:rPr lang="en-US" sz="3200" dirty="0">
-                <a:solidFill>
-                  <a:srgbClr val="202122"/>
-                </a:solidFill>
-                <a:latin typeface="Century Gothic" panose="020B0502020202020204" pitchFamily="34" charset="0"/>
-              </a:rPr>
-              <a:t>In most cases, a supercomputer has far more software installed than the average user will ever use. </a:t>
-            </a:r>
-          </a:p>
-          <a:p>
-            <a:pPr lvl="1"/>
-            <a:r>
-              <a:rPr lang="en-US" sz="2800" dirty="0">
-                <a:solidFill>
-                  <a:srgbClr val="202122"/>
-                </a:solidFill>
-                <a:latin typeface="Century Gothic" panose="020B0502020202020204" pitchFamily="34" charset="0"/>
-              </a:rPr>
-              <a:t>Users may need different versions of the same software, which in general cannot be installed nor used in parallel on the same system.</a:t>
-            </a:r>
-          </a:p>
-          <a:p>
-            <a:pPr lvl="1"/>
-            <a:r>
-              <a:rPr lang="en-US" sz="2800" dirty="0">
-                <a:solidFill>
-                  <a:srgbClr val="202122"/>
-                </a:solidFill>
-                <a:latin typeface="Century Gothic" panose="020B0502020202020204" pitchFamily="34" charset="0"/>
-              </a:rPr>
-              <a:t>The requirements for one package may adversely affect another package or even be mutually exclusive.</a:t>
-            </a:r>
-          </a:p>
-        </p:txBody>
-      </p:sp>
       <p:pic>
         <p:nvPicPr>
           <p:cNvPr id="8" name="Picture 7" descr="Logo for the Lmod module system used on Alpine">
@@ -26463,6 +25992,68 @@
           </a:prstGeom>
         </p:spPr>
       </p:pic>
+      <p:sp>
+        <p:nvSpPr>
+          <p:cNvPr id="3" name="Content Placeholder 2">
+            <a:extLst>
+              <a:ext uri="{FF2B5EF4-FFF2-40B4-BE49-F238E27FC236}">
+                <a16:creationId xmlns:a16="http://schemas.microsoft.com/office/drawing/2014/main" id="{6484EA7B-346E-9CB5-DB70-6227BCA98122}"/>
+              </a:ext>
+            </a:extLst>
+          </p:cNvPr>
+          <p:cNvSpPr>
+            <a:spLocks noGrp="1"/>
+          </p:cNvSpPr>
+          <p:nvPr>
+            <p:ph idx="1"/>
+          </p:nvPr>
+        </p:nvSpPr>
+        <p:spPr/>
+        <p:txBody>
+          <a:bodyPr>
+            <a:normAutofit/>
+          </a:bodyPr>
+          <a:lstStyle/>
+          <a:p>
+            <a:pPr marL="0" indent="0">
+              <a:buNone/>
+            </a:pPr>
+            <a:r>
+              <a:rPr lang="en-US" sz="3200" dirty="0">
+                <a:solidFill>
+                  <a:srgbClr val="202122"/>
+                </a:solidFill>
+                <a:latin typeface="Century Gothic" panose="020B0502020202020204" pitchFamily="34" charset="0"/>
+              </a:rPr>
+              <a:t>In most cases, a supercomputer has far more software installed than the average user will ever use. </a:t>
+            </a:r>
+          </a:p>
+          <a:p>
+            <a:pPr lvl="1"/>
+            <a:r>
+              <a:rPr lang="en-US" sz="2800" dirty="0">
+                <a:solidFill>
+                  <a:srgbClr val="202122"/>
+                </a:solidFill>
+                <a:latin typeface="Century Gothic" panose="020B0502020202020204" pitchFamily="34" charset="0"/>
+              </a:rPr>
+              <a:t>Users may need different versions of the same software, which in general cannot be installed nor used in parallel on the same system.</a:t>
+            </a:r>
+          </a:p>
+          <a:p>
+            <a:pPr lvl="1"/>
+            <a:r>
+              <a:rPr lang="en-US" sz="2800" dirty="0">
+                <a:solidFill>
+                  <a:srgbClr val="202122"/>
+                </a:solidFill>
+                <a:latin typeface="Century Gothic" panose="020B0502020202020204" pitchFamily="34" charset="0"/>
+              </a:rPr>
+              <a:t>The requirements for one package may adversely affect another package or even be mutually exclusive.</a:t>
+            </a:r>
+          </a:p>
+        </p:txBody>
+      </p:sp>
       <p:sp>
         <p:nvSpPr>
           <p:cNvPr id="5" name="Slide Number Placeholder 4">
@@ -26721,156 +26312,11 @@
           <a:lstStyle/>
           <a:p>
             <a:r>
-              <a:rPr lang="en-US" b="1">
+              <a:rPr lang="en-US" b="1" dirty="0">
                 <a:latin typeface="Century Gothic" panose="020B0502020202020204" pitchFamily="34" charset="0"/>
               </a:rPr>
               <a:t>The Module System </a:t>
             </a:r>
-          </a:p>
-        </p:txBody>
-      </p:sp>
-      <p:sp>
-        <p:nvSpPr>
-          <p:cNvPr id="3" name="Content Placeholder 2">
-            <a:extLst>
-              <a:ext uri="{FF2B5EF4-FFF2-40B4-BE49-F238E27FC236}">
-                <a16:creationId xmlns:a16="http://schemas.microsoft.com/office/drawing/2014/main" id="{6484EA7B-346E-9CB5-DB70-6227BCA98122}"/>
-              </a:ext>
-            </a:extLst>
-          </p:cNvPr>
-          <p:cNvSpPr>
-            <a:spLocks noGrp="1"/>
-          </p:cNvSpPr>
-          <p:nvPr>
-            <p:ph idx="1"/>
-          </p:nvPr>
-        </p:nvSpPr>
-        <p:spPr>
-          <a:xfrm>
-            <a:off x="838200" y="3276473"/>
-            <a:ext cx="10515600" cy="2124583"/>
-          </a:xfrm>
-        </p:spPr>
-        <p:txBody>
-          <a:bodyPr anchor="ctr">
-            <a:normAutofit/>
-          </a:bodyPr>
-          <a:lstStyle/>
-          <a:p>
-            <a:pPr marL="0" indent="0">
-              <a:buNone/>
-            </a:pPr>
-            <a:r>
-              <a:rPr lang="en-US" sz="3200">
-                <a:solidFill>
-                  <a:srgbClr val="202122"/>
-                </a:solidFill>
-                <a:latin typeface="Century Gothic" panose="020B0502020202020204" pitchFamily="34" charset="0"/>
-              </a:rPr>
-              <a:t>HPC centers manage this complexity with </a:t>
-            </a:r>
-            <a:r>
-              <a:rPr lang="en-US" sz="3200" b="1">
-                <a:solidFill>
-                  <a:srgbClr val="202122"/>
-                </a:solidFill>
-                <a:latin typeface="Century Gothic" panose="020B0502020202020204" pitchFamily="34" charset="0"/>
-              </a:rPr>
-              <a:t>environment module systems</a:t>
-            </a:r>
-            <a:r>
-              <a:rPr lang="en-US" sz="3200">
-                <a:solidFill>
-                  <a:srgbClr val="202122"/>
-                </a:solidFill>
-                <a:latin typeface="Century Gothic" panose="020B0502020202020204" pitchFamily="34" charset="0"/>
-              </a:rPr>
-              <a:t>. </a:t>
-            </a:r>
-          </a:p>
-          <a:p>
-            <a:pPr marL="0" indent="0">
-              <a:buNone/>
-            </a:pPr>
-            <a:endParaRPr lang="en-US" sz="3200" b="1">
-              <a:solidFill>
-                <a:srgbClr val="202122"/>
-              </a:solidFill>
-              <a:latin typeface="Century Gothic" panose="020B0502020202020204" pitchFamily="34" charset="0"/>
-            </a:endParaRPr>
-          </a:p>
-          <a:p>
-            <a:pPr marL="0" indent="0">
-              <a:buNone/>
-            </a:pPr>
-            <a:r>
-              <a:rPr lang="en-US" sz="3200" b="1">
-                <a:solidFill>
-                  <a:srgbClr val="202122"/>
-                </a:solidFill>
-                <a:latin typeface="Century Gothic" panose="020B0502020202020204" pitchFamily="34" charset="0"/>
-              </a:rPr>
-              <a:t>CURC uses the </a:t>
-            </a:r>
-            <a:r>
-              <a:rPr lang="en-US" sz="3200" b="1" err="1">
-                <a:solidFill>
-                  <a:srgbClr val="202122"/>
-                </a:solidFill>
-                <a:latin typeface="Century Gothic" panose="020B0502020202020204" pitchFamily="34" charset="0"/>
-              </a:rPr>
-              <a:t>Lmod</a:t>
-            </a:r>
-            <a:r>
-              <a:rPr lang="en-US" sz="3200" b="1">
-                <a:solidFill>
-                  <a:srgbClr val="202122"/>
-                </a:solidFill>
-                <a:latin typeface="Century Gothic" panose="020B0502020202020204" pitchFamily="34" charset="0"/>
-              </a:rPr>
-              <a:t> system.</a:t>
-            </a:r>
-          </a:p>
-          <a:p>
-            <a:pPr marL="0" indent="0">
-              <a:buNone/>
-            </a:pPr>
-            <a:endParaRPr lang="en-US" sz="3200" b="1">
-              <a:solidFill>
-                <a:srgbClr val="202122"/>
-              </a:solidFill>
-              <a:latin typeface="Century Gothic" panose="020B0502020202020204" pitchFamily="34" charset="0"/>
-            </a:endParaRPr>
-          </a:p>
-          <a:p>
-            <a:pPr marL="0" indent="0">
-              <a:buNone/>
-            </a:pPr>
-            <a:endParaRPr lang="en-US" sz="3200" b="1">
-              <a:solidFill>
-                <a:srgbClr val="202122"/>
-              </a:solidFill>
-              <a:latin typeface="Century Gothic" panose="020B0502020202020204" pitchFamily="34" charset="0"/>
-            </a:endParaRPr>
-          </a:p>
-          <a:p>
-            <a:pPr marL="0" indent="0">
-              <a:buNone/>
-            </a:pPr>
-            <a:endParaRPr lang="en-US">
-              <a:solidFill>
-                <a:srgbClr val="202122"/>
-              </a:solidFill>
-              <a:latin typeface="Century Gothic" panose="020B0502020202020204" pitchFamily="34" charset="0"/>
-            </a:endParaRPr>
-          </a:p>
-          <a:p>
-            <a:pPr marL="0" indent="0">
-              <a:buNone/>
-            </a:pPr>
-            <a:endParaRPr lang="en-US" sz="3200">
-              <a:latin typeface="Century Gothic" panose="020B0502020202020204" pitchFamily="34" charset="0"/>
-            </a:endParaRPr>
           </a:p>
         </p:txBody>
       </p:sp>
@@ -26904,6 +26350,151 @@
           </a:prstGeom>
         </p:spPr>
       </p:pic>
+      <p:sp>
+        <p:nvSpPr>
+          <p:cNvPr id="3" name="Content Placeholder 2">
+            <a:extLst>
+              <a:ext uri="{FF2B5EF4-FFF2-40B4-BE49-F238E27FC236}">
+                <a16:creationId xmlns:a16="http://schemas.microsoft.com/office/drawing/2014/main" id="{6484EA7B-346E-9CB5-DB70-6227BCA98122}"/>
+              </a:ext>
+            </a:extLst>
+          </p:cNvPr>
+          <p:cNvSpPr>
+            <a:spLocks noGrp="1"/>
+          </p:cNvSpPr>
+          <p:nvPr>
+            <p:ph idx="1"/>
+          </p:nvPr>
+        </p:nvSpPr>
+        <p:spPr>
+          <a:xfrm>
+            <a:off x="838200" y="3276473"/>
+            <a:ext cx="10515600" cy="2124583"/>
+          </a:xfrm>
+        </p:spPr>
+        <p:txBody>
+          <a:bodyPr anchor="ctr">
+            <a:normAutofit/>
+          </a:bodyPr>
+          <a:lstStyle/>
+          <a:p>
+            <a:pPr marL="0" indent="0">
+              <a:buNone/>
+            </a:pPr>
+            <a:r>
+              <a:rPr lang="en-US" sz="3200" dirty="0">
+                <a:solidFill>
+                  <a:srgbClr val="202122"/>
+                </a:solidFill>
+                <a:latin typeface="Century Gothic" panose="020B0502020202020204" pitchFamily="34" charset="0"/>
+              </a:rPr>
+              <a:t>HPC centers manage this complexity with </a:t>
+            </a:r>
+            <a:r>
+              <a:rPr lang="en-US" sz="3200" b="1" dirty="0">
+                <a:solidFill>
+                  <a:srgbClr val="202122"/>
+                </a:solidFill>
+                <a:latin typeface="Century Gothic" panose="020B0502020202020204" pitchFamily="34" charset="0"/>
+              </a:rPr>
+              <a:t>environment module systems</a:t>
+            </a:r>
+            <a:r>
+              <a:rPr lang="en-US" sz="3200" dirty="0">
+                <a:solidFill>
+                  <a:srgbClr val="202122"/>
+                </a:solidFill>
+                <a:latin typeface="Century Gothic" panose="020B0502020202020204" pitchFamily="34" charset="0"/>
+              </a:rPr>
+              <a:t>. </a:t>
+            </a:r>
+          </a:p>
+          <a:p>
+            <a:pPr marL="0" indent="0">
+              <a:buNone/>
+            </a:pPr>
+            <a:endParaRPr lang="en-US" sz="3200" b="1" dirty="0">
+              <a:solidFill>
+                <a:srgbClr val="202122"/>
+              </a:solidFill>
+              <a:latin typeface="Century Gothic" panose="020B0502020202020204" pitchFamily="34" charset="0"/>
+            </a:endParaRPr>
+          </a:p>
+          <a:p>
+            <a:pPr marL="0" indent="0">
+              <a:buNone/>
+            </a:pPr>
+            <a:r>
+              <a:rPr lang="en-US" sz="3200" b="1" dirty="0">
+                <a:solidFill>
+                  <a:srgbClr val="202122"/>
+                </a:solidFill>
+                <a:latin typeface="Century Gothic" panose="020B0502020202020204" pitchFamily="34" charset="0"/>
+              </a:rPr>
+              <a:t>CURC uses the </a:t>
+            </a:r>
+            <a:r>
+              <a:rPr lang="en-US" sz="3200" b="1" dirty="0" err="1">
+                <a:solidFill>
+                  <a:srgbClr val="202122"/>
+                </a:solidFill>
+                <a:latin typeface="Century Gothic" panose="020B0502020202020204" pitchFamily="34" charset="0"/>
+              </a:rPr>
+              <a:t>Lmod</a:t>
+            </a:r>
+            <a:r>
+              <a:rPr lang="en-US" sz="3200" b="1" dirty="0">
+                <a:solidFill>
+                  <a:srgbClr val="202122"/>
+                </a:solidFill>
+                <a:latin typeface="Century Gothic" panose="020B0502020202020204" pitchFamily="34" charset="0"/>
+              </a:rPr>
+              <a:t> system.</a:t>
+            </a:r>
+          </a:p>
+          <a:p>
+            <a:pPr marL="0" indent="0">
+              <a:buNone/>
+            </a:pPr>
+            <a:endParaRPr lang="en-US" sz="3200" b="1" dirty="0">
+              <a:solidFill>
+                <a:srgbClr val="202122"/>
+              </a:solidFill>
+              <a:latin typeface="Century Gothic" panose="020B0502020202020204" pitchFamily="34" charset="0"/>
+            </a:endParaRPr>
+          </a:p>
+          <a:p>
+            <a:pPr marL="0" indent="0">
+              <a:buNone/>
+            </a:pPr>
+            <a:endParaRPr lang="en-US" sz="3200" b="1" dirty="0">
+              <a:solidFill>
+                <a:srgbClr val="202122"/>
+              </a:solidFill>
+              <a:latin typeface="Century Gothic" panose="020B0502020202020204" pitchFamily="34" charset="0"/>
+            </a:endParaRPr>
+          </a:p>
+          <a:p>
+            <a:pPr marL="0" indent="0">
+              <a:buNone/>
+            </a:pPr>
+            <a:endParaRPr lang="en-US" dirty="0">
+              <a:solidFill>
+                <a:srgbClr val="202122"/>
+              </a:solidFill>
+              <a:latin typeface="Century Gothic" panose="020B0502020202020204" pitchFamily="34" charset="0"/>
+            </a:endParaRPr>
+          </a:p>
+          <a:p>
+            <a:pPr marL="0" indent="0">
+              <a:buNone/>
+            </a:pPr>
+            <a:endParaRPr lang="en-US" sz="3200" dirty="0">
+              <a:latin typeface="Century Gothic" panose="020B0502020202020204" pitchFamily="34" charset="0"/>
+            </a:endParaRPr>
+          </a:p>
+        </p:txBody>
+      </p:sp>
       <p:sp>
         <p:nvSpPr>
           <p:cNvPr id="5" name="Slide Number Placeholder 4">
@@ -27093,6 +26684,386 @@
       </p:grpSpPr>
       <p:sp>
         <p:nvSpPr>
+          <p:cNvPr id="2" name="Title 1">
+            <a:extLst>
+              <a:ext uri="{FF2B5EF4-FFF2-40B4-BE49-F238E27FC236}">
+                <a16:creationId xmlns:a16="http://schemas.microsoft.com/office/drawing/2014/main" id="{6FADF519-AE7F-36C9-168F-1F04A49B8831}"/>
+              </a:ext>
+            </a:extLst>
+          </p:cNvPr>
+          <p:cNvSpPr>
+            <a:spLocks noGrp="1"/>
+          </p:cNvSpPr>
+          <p:nvPr>
+            <p:ph type="title"/>
+          </p:nvPr>
+        </p:nvSpPr>
+        <p:spPr/>
+        <p:txBody>
+          <a:bodyPr/>
+          <a:lstStyle/>
+          <a:p>
+            <a:r>
+              <a:rPr lang="en-US" b="1" dirty="0">
+                <a:latin typeface="Century Gothic" panose="020B0502020202020204" pitchFamily="34" charset="0"/>
+              </a:rPr>
+              <a:t>The Module System </a:t>
+            </a:r>
+          </a:p>
+        </p:txBody>
+      </p:sp>
+      <p:pic>
+        <p:nvPicPr>
+          <p:cNvPr id="8" name="Picture 7" descr="Logo for the Lmod module system used on Alpine">
+            <a:extLst>
+              <a:ext uri="{FF2B5EF4-FFF2-40B4-BE49-F238E27FC236}">
+                <a16:creationId xmlns:a16="http://schemas.microsoft.com/office/drawing/2014/main" id="{A9F43A77-4393-CCF1-83C1-AE60C4D575C9}"/>
+              </a:ext>
+            </a:extLst>
+          </p:cNvPr>
+          <p:cNvPicPr>
+            <a:picLocks noChangeAspect="1"/>
+          </p:cNvPicPr>
+          <p:nvPr/>
+        </p:nvPicPr>
+        <p:blipFill>
+          <a:blip r:embed="rId3"/>
+          <a:stretch>
+            <a:fillRect/>
+          </a:stretch>
+        </p:blipFill>
+        <p:spPr>
+          <a:xfrm>
+            <a:off x="7886700" y="365125"/>
+            <a:ext cx="3467100" cy="1181100"/>
+          </a:xfrm>
+          <a:prstGeom prst="rect">
+            <a:avLst/>
+          </a:prstGeom>
+        </p:spPr>
+      </p:pic>
+      <p:sp>
+        <p:nvSpPr>
+          <p:cNvPr id="3" name="Content Placeholder 2">
+            <a:extLst>
+              <a:ext uri="{FF2B5EF4-FFF2-40B4-BE49-F238E27FC236}">
+                <a16:creationId xmlns:a16="http://schemas.microsoft.com/office/drawing/2014/main" id="{6484EA7B-346E-9CB5-DB70-6227BCA98122}"/>
+              </a:ext>
+            </a:extLst>
+          </p:cNvPr>
+          <p:cNvSpPr>
+            <a:spLocks noGrp="1"/>
+          </p:cNvSpPr>
+          <p:nvPr>
+            <p:ph idx="1"/>
+          </p:nvPr>
+        </p:nvSpPr>
+        <p:spPr>
+          <a:xfrm>
+            <a:off x="838200" y="1546225"/>
+            <a:ext cx="10515600" cy="4351338"/>
+          </a:xfrm>
+        </p:spPr>
+        <p:txBody>
+          <a:bodyPr>
+            <a:normAutofit/>
+          </a:bodyPr>
+          <a:lstStyle/>
+          <a:p>
+            <a:pPr marL="0" indent="0">
+              <a:buNone/>
+            </a:pPr>
+            <a:r>
+              <a:rPr lang="en-US" sz="3200" dirty="0">
+                <a:latin typeface="Century Gothic" panose="020B0502020202020204" pitchFamily="34" charset="0"/>
+              </a:rPr>
+              <a:t>Setting up for today’s session.</a:t>
+            </a:r>
+          </a:p>
+          <a:p>
+            <a:pPr marL="0" indent="0">
+              <a:buNone/>
+            </a:pPr>
+            <a:endParaRPr lang="en-US" sz="2400" dirty="0">
+              <a:latin typeface="Century Gothic" panose="020B0502020202020204" pitchFamily="34" charset="0"/>
+            </a:endParaRPr>
+          </a:p>
+          <a:p>
+            <a:pPr marL="457200" indent="-457200">
+              <a:buFont typeface="+mj-lt"/>
+              <a:buAutoNum type="arabicPeriod"/>
+            </a:pPr>
+            <a:r>
+              <a:rPr lang="en-US" sz="2400" dirty="0">
+                <a:latin typeface="Century Gothic" panose="020B0502020202020204" pitchFamily="34" charset="0"/>
+              </a:rPr>
+              <a:t>Log in to CURC HPC system</a:t>
+            </a:r>
+          </a:p>
+          <a:p>
+            <a:pPr marL="457200" indent="-457200">
+              <a:buFont typeface="+mj-lt"/>
+              <a:buAutoNum type="arabicPeriod"/>
+            </a:pPr>
+            <a:r>
+              <a:rPr lang="en-US" sz="2400" dirty="0">
+                <a:latin typeface="Century Gothic" panose="020B0502020202020204" pitchFamily="34" charset="0"/>
+              </a:rPr>
+              <a:t>Get on an Alpine compute node</a:t>
+            </a:r>
+          </a:p>
+          <a:p>
+            <a:pPr marL="0" indent="0">
+              <a:buNone/>
+            </a:pPr>
+            <a:endParaRPr lang="en-US" sz="3200" dirty="0">
+              <a:latin typeface="Century Gothic" panose="020B0502020202020204" pitchFamily="34" charset="0"/>
+            </a:endParaRPr>
+          </a:p>
+        </p:txBody>
+      </p:sp>
+      <p:grpSp>
+        <p:nvGrpSpPr>
+          <p:cNvPr id="6" name="Group 5">
+            <a:extLst>
+              <a:ext uri="{FF2B5EF4-FFF2-40B4-BE49-F238E27FC236}">
+                <a16:creationId xmlns:a16="http://schemas.microsoft.com/office/drawing/2014/main" id="{C5152CA3-0368-5956-8CD2-6005B4A793A1}"/>
+              </a:ext>
+            </a:extLst>
+          </p:cNvPr>
+          <p:cNvGrpSpPr/>
+          <p:nvPr/>
+        </p:nvGrpSpPr>
+        <p:grpSpPr>
+          <a:xfrm>
+            <a:off x="1362075" y="3583947"/>
+            <a:ext cx="9717025" cy="1606928"/>
+            <a:chOff x="1362075" y="3583947"/>
+            <a:chExt cx="9717025" cy="1606928"/>
+          </a:xfrm>
+        </p:grpSpPr>
+        <p:grpSp>
+          <p:nvGrpSpPr>
+            <p:cNvPr id="10" name="Group 9">
+              <a:extLst>
+                <a:ext uri="{FF2B5EF4-FFF2-40B4-BE49-F238E27FC236}">
+                  <a16:creationId xmlns:a16="http://schemas.microsoft.com/office/drawing/2014/main" id="{29A6E0FD-93D1-E9AF-C2B2-0DA75F4A7290}"/>
+                </a:ext>
+              </a:extLst>
+            </p:cNvPr>
+            <p:cNvGrpSpPr/>
+            <p:nvPr/>
+          </p:nvGrpSpPr>
+          <p:grpSpPr>
+            <a:xfrm>
+              <a:off x="1362075" y="3583947"/>
+              <a:ext cx="9717025" cy="1606928"/>
+              <a:chOff x="1863084" y="4469527"/>
+              <a:chExt cx="9717025" cy="1606928"/>
+            </a:xfrm>
+          </p:grpSpPr>
+          <p:sp>
+            <p:nvSpPr>
+              <p:cNvPr id="11" name="Rectangle 10">
+                <a:extLst>
+                  <a:ext uri="{FF2B5EF4-FFF2-40B4-BE49-F238E27FC236}">
+                    <a16:creationId xmlns:a16="http://schemas.microsoft.com/office/drawing/2014/main" id="{92212D19-D875-34CD-5BD1-307B395D21D3}"/>
+                  </a:ext>
+                </a:extLst>
+              </p:cNvPr>
+              <p:cNvSpPr/>
+              <p:nvPr/>
+            </p:nvSpPr>
+            <p:spPr>
+              <a:xfrm>
+                <a:off x="1863084" y="4469527"/>
+                <a:ext cx="8173979" cy="1413376"/>
+              </a:xfrm>
+              <a:prstGeom prst="rect">
+                <a:avLst/>
+              </a:prstGeom>
+              <a:solidFill>
+                <a:schemeClr val="bg2">
+                  <a:lumMod val="90000"/>
+                </a:schemeClr>
+              </a:solidFill>
+              <a:ln>
+                <a:noFill/>
+              </a:ln>
+              <a:effectLst>
+                <a:softEdge rad="12700"/>
+              </a:effectLst>
+            </p:spPr>
+            <p:style>
+              <a:lnRef idx="2">
+                <a:schemeClr val="accent1">
+                  <a:shade val="50000"/>
+                </a:schemeClr>
+              </a:lnRef>
+              <a:fillRef idx="1">
+                <a:schemeClr val="accent1"/>
+              </a:fillRef>
+              <a:effectRef idx="0">
+                <a:schemeClr val="accent1"/>
+              </a:effectRef>
+              <a:fontRef idx="minor">
+                <a:schemeClr val="lt1"/>
+              </a:fontRef>
+            </p:style>
+            <p:txBody>
+              <a:bodyPr rtlCol="0" anchor="ctr"/>
+              <a:lstStyle/>
+              <a:p>
+                <a:pPr algn="ctr"/>
+                <a:endParaRPr lang="en-US"/>
+              </a:p>
+            </p:txBody>
+          </p:sp>
+          <p:sp>
+            <p:nvSpPr>
+              <p:cNvPr id="12" name="TextBox 11">
+                <a:extLst>
+                  <a:ext uri="{FF2B5EF4-FFF2-40B4-BE49-F238E27FC236}">
+                    <a16:creationId xmlns:a16="http://schemas.microsoft.com/office/drawing/2014/main" id="{E3958996-4134-EBA7-BA07-8DBE809071E1}"/>
+                  </a:ext>
+                </a:extLst>
+              </p:cNvPr>
+              <p:cNvSpPr txBox="1"/>
+              <p:nvPr/>
+            </p:nvSpPr>
+            <p:spPr>
+              <a:xfrm>
+                <a:off x="1997197" y="4599127"/>
+                <a:ext cx="9582912" cy="1477328"/>
+              </a:xfrm>
+              <a:prstGeom prst="rect">
+                <a:avLst/>
+              </a:prstGeom>
+              <a:noFill/>
+            </p:spPr>
+            <p:txBody>
+              <a:bodyPr wrap="square" rtlCol="0">
+                <a:spAutoFit/>
+              </a:bodyPr>
+              <a:lstStyle/>
+              <a:p>
+                <a:r>
+                  <a:rPr lang="en-US" b="1" dirty="0">
+                    <a:latin typeface="Courier New" panose="02070309020205020404" pitchFamily="49" charset="0"/>
+                    <a:cs typeface="Courier New" panose="02070309020205020404" pitchFamily="49" charset="0"/>
+                  </a:rPr>
+                  <a:t>$ module avail</a:t>
+                </a:r>
+              </a:p>
+              <a:p>
+                <a:r>
+                  <a:rPr lang="en-US" b="1" dirty="0">
+                    <a:latin typeface="Courier New" panose="02070309020205020404" pitchFamily="49" charset="0"/>
+                    <a:cs typeface="Courier New" panose="02070309020205020404" pitchFamily="49" charset="0"/>
+                  </a:rPr>
+                  <a:t>$ </a:t>
+                </a:r>
+                <a:r>
+                  <a:rPr lang="en-US" b="1" dirty="0" err="1">
+                    <a:latin typeface="Courier New" panose="02070309020205020404" pitchFamily="49" charset="0"/>
+                    <a:cs typeface="Courier New" panose="02070309020205020404" pitchFamily="49" charset="0"/>
+                  </a:rPr>
+                  <a:t>acompile</a:t>
+                </a:r>
+                <a:r>
+                  <a:rPr lang="en-US" b="1" dirty="0">
+                    <a:latin typeface="Courier New" panose="02070309020205020404" pitchFamily="49" charset="0"/>
+                    <a:cs typeface="Courier New" panose="02070309020205020404" pitchFamily="49" charset="0"/>
+                  </a:rPr>
+                  <a:t> --help</a:t>
+                </a:r>
+              </a:p>
+              <a:p>
+                <a:r>
+                  <a:rPr lang="en-US" b="1" dirty="0">
+                    <a:latin typeface="Courier New" panose="02070309020205020404" pitchFamily="49" charset="0"/>
+                    <a:cs typeface="Courier New" panose="02070309020205020404" pitchFamily="49" charset="0"/>
+                  </a:rPr>
+                  <a:t>$ </a:t>
+                </a:r>
+                <a:r>
+                  <a:rPr lang="en-US" b="1" dirty="0" err="1">
+                    <a:latin typeface="Courier New" panose="02070309020205020404" pitchFamily="49" charset="0"/>
+                    <a:cs typeface="Courier New" panose="02070309020205020404" pitchFamily="49" charset="0"/>
+                  </a:rPr>
+                  <a:t>acompile</a:t>
+                </a:r>
+                <a:r>
+                  <a:rPr lang="en-US" b="1" dirty="0">
+                    <a:latin typeface="Courier New" panose="02070309020205020404" pitchFamily="49" charset="0"/>
+                    <a:cs typeface="Courier New" panose="02070309020205020404" pitchFamily="49" charset="0"/>
+                  </a:rPr>
+                  <a:t> --time=2:00:00 </a:t>
+                </a:r>
+              </a:p>
+              <a:p>
+                <a:r>
+                  <a:rPr lang="en-US" b="1" dirty="0">
+                    <a:latin typeface="Courier New" panose="02070309020205020404" pitchFamily="49" charset="0"/>
+                    <a:cs typeface="Courier New" panose="02070309020205020404" pitchFamily="49" charset="0"/>
+                  </a:rPr>
+                  <a:t>$ module avail </a:t>
+                </a:r>
+              </a:p>
+              <a:p>
+                <a:endParaRPr lang="en-US" dirty="0">
+                  <a:latin typeface="Monaco" pitchFamily="2" charset="77"/>
+                </a:endParaRPr>
+              </a:p>
+            </p:txBody>
+          </p:sp>
+        </p:grpSp>
+        <p:sp>
+          <p:nvSpPr>
+            <p:cNvPr id="14" name="TextBox 13">
+              <a:extLst>
+                <a:ext uri="{FF2B5EF4-FFF2-40B4-BE49-F238E27FC236}">
+                  <a16:creationId xmlns:a16="http://schemas.microsoft.com/office/drawing/2014/main" id="{10638EAF-5F4A-134A-4910-FDAE4CB7C1E4}"/>
+                </a:ext>
+              </a:extLst>
+            </p:cNvPr>
+            <p:cNvSpPr txBox="1"/>
+            <p:nvPr/>
+          </p:nvSpPr>
+          <p:spPr>
+            <a:xfrm>
+              <a:off x="5823773" y="3902656"/>
+              <a:ext cx="3243072" cy="923330"/>
+            </a:xfrm>
+            <a:prstGeom prst="rect">
+              <a:avLst/>
+            </a:prstGeom>
+            <a:noFill/>
+          </p:spPr>
+          <p:txBody>
+            <a:bodyPr wrap="square">
+              <a:spAutoFit/>
+            </a:bodyPr>
+            <a:lstStyle/>
+            <a:p>
+              <a:pPr algn="ctr"/>
+              <a:r>
+                <a:rPr lang="en-US" dirty="0">
+                  <a:solidFill>
+                    <a:srgbClr val="FF0000"/>
+                  </a:solidFill>
+                  <a:latin typeface="Century Gothic" panose="020B0502020202020204" pitchFamily="34" charset="0"/>
+                  <a:ea typeface="Helvetica Neue" panose="02000503000000020004" pitchFamily="2" charset="0"/>
+                  <a:cs typeface="Helvetica Neue" panose="02000503000000020004" pitchFamily="2" charset="0"/>
+                </a:rPr>
+                <a:t>Note: Login nodes do not have the full software stack!</a:t>
+              </a:r>
+            </a:p>
+          </p:txBody>
+        </p:sp>
+      </p:grpSp>
+      <p:sp>
+        <p:nvSpPr>
           <p:cNvPr id="5" name="Slide Number Placeholder 4">
             <a:extLst>
               <a:ext uri="{FF2B5EF4-FFF2-40B4-BE49-F238E27FC236}">
@@ -27120,12 +27091,177 @@
           </a:p>
         </p:txBody>
       </p:sp>
+    </p:spTree>
+    <p:extLst>
+      <p:ext uri="{BB962C8B-B14F-4D97-AF65-F5344CB8AC3E}">
+        <p14:creationId xmlns:p14="http://schemas.microsoft.com/office/powerpoint/2010/main" val="157032992"/>
+      </p:ext>
+    </p:extLst>
+  </p:cSld>
+  <p:clrMapOvr>
+    <a:masterClrMapping/>
+  </p:clrMapOvr>
+</p:sld>
+</file>
+
+<file path=ppt/slides/slide8.xml><?xml version="1.0" encoding="utf-8"?>
+<p:sld xmlns:a="http://schemas.openxmlformats.org/drawingml/2006/main" xmlns:r="http://schemas.openxmlformats.org/officeDocument/2006/relationships" xmlns:p="http://schemas.openxmlformats.org/presentationml/2006/main">
+  <p:cSld>
+    <p:spTree>
+      <p:nvGrpSpPr>
+        <p:cNvPr id="1" name=""/>
+        <p:cNvGrpSpPr/>
+        <p:nvPr/>
+      </p:nvGrpSpPr>
+      <p:grpSpPr>
+        <a:xfrm>
+          <a:off x="0" y="0"/>
+          <a:ext cx="0" cy="0"/>
+          <a:chOff x="0" y="0"/>
+          <a:chExt cx="0" cy="0"/>
+        </a:xfrm>
+      </p:grpSpPr>
+      <p:sp>
+        <p:nvSpPr>
+          <p:cNvPr id="2" name="Title 1">
+            <a:extLst>
+              <a:ext uri="{FF2B5EF4-FFF2-40B4-BE49-F238E27FC236}">
+                <a16:creationId xmlns:a16="http://schemas.microsoft.com/office/drawing/2014/main" id="{6FADF519-AE7F-36C9-168F-1F04A49B8831}"/>
+              </a:ext>
+            </a:extLst>
+          </p:cNvPr>
+          <p:cNvSpPr>
+            <a:spLocks noGrp="1"/>
+          </p:cNvSpPr>
+          <p:nvPr>
+            <p:ph type="title"/>
+          </p:nvPr>
+        </p:nvSpPr>
+        <p:spPr/>
+        <p:txBody>
+          <a:bodyPr/>
+          <a:lstStyle/>
+          <a:p>
+            <a:r>
+              <a:rPr lang="en-US" b="1" dirty="0">
+                <a:latin typeface="Century Gothic" panose="020B0502020202020204" pitchFamily="34" charset="0"/>
+              </a:rPr>
+              <a:t>The Module System </a:t>
+            </a:r>
+          </a:p>
+        </p:txBody>
+      </p:sp>
+      <p:pic>
+        <p:nvPicPr>
+          <p:cNvPr id="8" name="Picture 7" descr="Logo for the Lmod module system used on Alpine">
+            <a:extLst>
+              <a:ext uri="{FF2B5EF4-FFF2-40B4-BE49-F238E27FC236}">
+                <a16:creationId xmlns:a16="http://schemas.microsoft.com/office/drawing/2014/main" id="{A9F43A77-4393-CCF1-83C1-AE60C4D575C9}"/>
+              </a:ext>
+            </a:extLst>
+          </p:cNvPr>
+          <p:cNvPicPr>
+            <a:picLocks noChangeAspect="1"/>
+          </p:cNvPicPr>
+          <p:nvPr/>
+        </p:nvPicPr>
+        <p:blipFill>
+          <a:blip r:embed="rId3"/>
+          <a:stretch>
+            <a:fillRect/>
+          </a:stretch>
+        </p:blipFill>
+        <p:spPr>
+          <a:xfrm>
+            <a:off x="7886700" y="365125"/>
+            <a:ext cx="3467100" cy="1181100"/>
+          </a:xfrm>
+          <a:prstGeom prst="rect">
+            <a:avLst/>
+          </a:prstGeom>
+        </p:spPr>
+      </p:pic>
+      <p:sp>
+        <p:nvSpPr>
+          <p:cNvPr id="3" name="Content Placeholder 2">
+            <a:extLst>
+              <a:ext uri="{FF2B5EF4-FFF2-40B4-BE49-F238E27FC236}">
+                <a16:creationId xmlns:a16="http://schemas.microsoft.com/office/drawing/2014/main" id="{6484EA7B-346E-9CB5-DB70-6227BCA98122}"/>
+              </a:ext>
+            </a:extLst>
+          </p:cNvPr>
+          <p:cNvSpPr>
+            <a:spLocks noGrp="1"/>
+          </p:cNvSpPr>
+          <p:nvPr>
+            <p:ph idx="1"/>
+          </p:nvPr>
+        </p:nvSpPr>
+        <p:spPr/>
+        <p:txBody>
+          <a:bodyPr>
+            <a:normAutofit/>
+          </a:bodyPr>
+          <a:lstStyle/>
+          <a:p>
+            <a:pPr marL="0" indent="0">
+              <a:buNone/>
+            </a:pPr>
+            <a:r>
+              <a:rPr lang="en-US" sz="3200" i="1" dirty="0">
+                <a:latin typeface="Century Gothic" panose="020B0502020202020204" pitchFamily="34" charset="0"/>
+                <a:ea typeface="Helvetica Neue" panose="02000503000000020004" pitchFamily="2" charset="0"/>
+                <a:cs typeface="Helvetica Neue" panose="02000503000000020004" pitchFamily="2" charset="0"/>
+              </a:rPr>
+              <a:t>Live Demo</a:t>
+            </a:r>
+            <a:r>
+              <a:rPr lang="en-US" sz="3200" dirty="0">
+                <a:latin typeface="Century Gothic" panose="020B0502020202020204" pitchFamily="34" charset="0"/>
+                <a:ea typeface="Helvetica Neue" panose="02000503000000020004" pitchFamily="2" charset="0"/>
+                <a:cs typeface="Helvetica Neue" panose="02000503000000020004" pitchFamily="2" charset="0"/>
+              </a:rPr>
+              <a:t>: Loading and unloading modules will dynamically change the software environment on the cluster.</a:t>
+            </a:r>
+          </a:p>
+          <a:p>
+            <a:pPr marL="0" indent="0">
+              <a:buNone/>
+            </a:pPr>
+            <a:endParaRPr lang="en-US" sz="3200" b="1" dirty="0">
+              <a:solidFill>
+                <a:srgbClr val="202122"/>
+              </a:solidFill>
+              <a:latin typeface="Century Gothic" panose="020B0502020202020204" pitchFamily="34" charset="0"/>
+            </a:endParaRPr>
+          </a:p>
+          <a:p>
+            <a:pPr marL="0" indent="0">
+              <a:buNone/>
+            </a:pPr>
+            <a:endParaRPr lang="en-US" dirty="0">
+              <a:solidFill>
+                <a:srgbClr val="202122"/>
+              </a:solidFill>
+              <a:latin typeface="Century Gothic" panose="020B0502020202020204" pitchFamily="34" charset="0"/>
+            </a:endParaRPr>
+          </a:p>
+          <a:p>
+            <a:pPr marL="0" indent="0">
+              <a:buNone/>
+            </a:pPr>
+            <a:endParaRPr lang="en-US" sz="3200" dirty="0">
+              <a:latin typeface="Century Gothic" panose="020B0502020202020204" pitchFamily="34" charset="0"/>
+            </a:endParaRPr>
+          </a:p>
+        </p:txBody>
+      </p:sp>
       <p:grpSp>
         <p:nvGrpSpPr>
-          <p:cNvPr id="10" name="Group 9">
+          <p:cNvPr id="6" name="Group 5">
             <a:extLst>
               <a:ext uri="{FF2B5EF4-FFF2-40B4-BE49-F238E27FC236}">
-                <a16:creationId xmlns:a16="http://schemas.microsoft.com/office/drawing/2014/main" id="{29A6E0FD-93D1-E9AF-C2B2-0DA75F4A7290}"/>
+                <a16:creationId xmlns:a16="http://schemas.microsoft.com/office/drawing/2014/main" id="{29BC9ACC-85CF-40C5-093F-B565739DAF49}"/>
               </a:ext>
             </a:extLst>
           </p:cNvPr>
@@ -27134,18 +27270,18 @@
         </p:nvGrpSpPr>
         <p:grpSpPr>
           <a:xfrm>
-            <a:off x="1362075" y="3583947"/>
-            <a:ext cx="9717025" cy="1606928"/>
-            <a:chOff x="1863084" y="4469527"/>
-            <a:chExt cx="9717025" cy="1606928"/>
+            <a:off x="252984" y="3588457"/>
+            <a:ext cx="5745480" cy="2117016"/>
+            <a:chOff x="1863085" y="4469527"/>
+            <a:chExt cx="13820837" cy="952245"/>
           </a:xfrm>
         </p:grpSpPr>
         <p:sp>
           <p:nvSpPr>
-            <p:cNvPr id="11" name="Rectangle 10">
+            <p:cNvPr id="7" name="Rectangle 6">
               <a:extLst>
                 <a:ext uri="{FF2B5EF4-FFF2-40B4-BE49-F238E27FC236}">
-                  <a16:creationId xmlns:a16="http://schemas.microsoft.com/office/drawing/2014/main" id="{92212D19-D875-34CD-5BD1-307B395D21D3}"/>
+                  <a16:creationId xmlns:a16="http://schemas.microsoft.com/office/drawing/2014/main" id="{405E92EA-D55E-6152-BAD1-5E0AAF2DFC85}"/>
                 </a:ext>
               </a:extLst>
             </p:cNvPr>
@@ -27154,8 +27290,8 @@
           </p:nvSpPr>
           <p:spPr>
             <a:xfrm>
-              <a:off x="1863084" y="4469527"/>
-              <a:ext cx="8173979" cy="1413376"/>
+              <a:off x="1863085" y="4469527"/>
+              <a:ext cx="13820837" cy="952245"/>
             </a:xfrm>
             <a:prstGeom prst="rect">
               <a:avLst/>
@@ -27199,10 +27335,10 @@
         </p:sp>
         <p:sp>
           <p:nvSpPr>
-            <p:cNvPr id="12" name="TextBox 11">
+            <p:cNvPr id="9" name="TextBox 8">
               <a:extLst>
                 <a:ext uri="{FF2B5EF4-FFF2-40B4-BE49-F238E27FC236}">
-                  <a16:creationId xmlns:a16="http://schemas.microsoft.com/office/drawing/2014/main" id="{E3958996-4134-EBA7-BA07-8DBE809071E1}"/>
+                  <a16:creationId xmlns:a16="http://schemas.microsoft.com/office/drawing/2014/main" id="{F28BEBCD-EA41-F501-5F36-8AEA80BE829A}"/>
                 </a:ext>
               </a:extLst>
             </p:cNvPr>
@@ -27211,8 +27347,8 @@
           </p:nvSpPr>
           <p:spPr>
             <a:xfrm>
-              <a:off x="1997197" y="4599127"/>
-              <a:ext cx="9582912" cy="1477328"/>
+              <a:off x="2047451" y="4519123"/>
+              <a:ext cx="13636469" cy="872169"/>
             </a:xfrm>
             <a:prstGeom prst="rect">
               <a:avLst/>
@@ -27226,7 +27362,25 @@
             <a:lstStyle/>
             <a:p>
               <a:r>
-                <a:rPr lang="en-US" b="1" dirty="0">
+                <a:rPr lang="en-US" sz="2400" b="1" dirty="0">
+                  <a:latin typeface="Courier New" panose="02070309020205020404" pitchFamily="49" charset="0"/>
+                  <a:cs typeface="Courier New" panose="02070309020205020404" pitchFamily="49" charset="0"/>
+                </a:rPr>
+                <a:t>$ module purge</a:t>
+              </a:r>
+            </a:p>
+            <a:p>
+              <a:r>
+                <a:rPr lang="en-US" sz="2400" b="1" dirty="0">
+                  <a:latin typeface="Courier New" panose="02070309020205020404" pitchFamily="49" charset="0"/>
+                  <a:cs typeface="Courier New" panose="02070309020205020404" pitchFamily="49" charset="0"/>
+                </a:rPr>
+                <a:t>$ module load intel/2022.1.2</a:t>
+              </a:r>
+            </a:p>
+            <a:p>
+              <a:r>
+                <a:rPr lang="en-US" sz="2400" b="1" dirty="0">
                   <a:latin typeface="Courier New" panose="02070309020205020404" pitchFamily="49" charset="0"/>
                   <a:cs typeface="Courier New" panose="02070309020205020404" pitchFamily="49" charset="0"/>
                 </a:rPr>
@@ -27235,387 +27389,25 @@
             </a:p>
             <a:p>
               <a:r>
-                <a:rPr lang="en-US" b="1" dirty="0">
+                <a:rPr lang="en-US" sz="2400" b="1" dirty="0">
                   <a:latin typeface="Courier New" panose="02070309020205020404" pitchFamily="49" charset="0"/>
                   <a:cs typeface="Courier New" panose="02070309020205020404" pitchFamily="49" charset="0"/>
                 </a:rPr>
-                <a:t>$ </a:t>
-              </a:r>
-              <a:r>
-                <a:rPr lang="en-US" b="1" dirty="0" err="1">
-                  <a:latin typeface="Courier New" panose="02070309020205020404" pitchFamily="49" charset="0"/>
-                  <a:cs typeface="Courier New" panose="02070309020205020404" pitchFamily="49" charset="0"/>
-                </a:rPr>
-                <a:t>acompile</a:t>
-              </a:r>
-              <a:r>
-                <a:rPr lang="en-US" b="1" dirty="0">
-                  <a:latin typeface="Courier New" panose="02070309020205020404" pitchFamily="49" charset="0"/>
-                  <a:cs typeface="Courier New" panose="02070309020205020404" pitchFamily="49" charset="0"/>
-                </a:rPr>
-                <a:t> --help</a:t>
+                <a:t>$ module load impi</a:t>
               </a:r>
             </a:p>
             <a:p>
               <a:r>
-                <a:rPr lang="en-US" b="1" dirty="0">
+                <a:rPr lang="en-US" sz="2400" b="1" dirty="0">
                   <a:latin typeface="Courier New" panose="02070309020205020404" pitchFamily="49" charset="0"/>
                   <a:cs typeface="Courier New" panose="02070309020205020404" pitchFamily="49" charset="0"/>
                 </a:rPr>
-                <a:t>$ </a:t>
+                <a:t>$ module avail</a:t>
               </a:r>
-              <a:r>
-                <a:rPr lang="en-US" b="1" dirty="0" err="1">
-                  <a:latin typeface="Courier New" panose="02070309020205020404" pitchFamily="49" charset="0"/>
-                  <a:cs typeface="Courier New" panose="02070309020205020404" pitchFamily="49" charset="0"/>
-                </a:rPr>
-                <a:t>acompile</a:t>
-              </a:r>
-              <a:r>
-                <a:rPr lang="en-US" b="1" dirty="0">
-                  <a:latin typeface="Courier New" panose="02070309020205020404" pitchFamily="49" charset="0"/>
-                  <a:cs typeface="Courier New" panose="02070309020205020404" pitchFamily="49" charset="0"/>
-                </a:rPr>
-                <a:t> --time=2:00:00 </a:t>
-              </a:r>
-            </a:p>
-            <a:p>
-              <a:r>
-                <a:rPr lang="en-US" b="1" dirty="0">
-                  <a:latin typeface="Courier New" panose="02070309020205020404" pitchFamily="49" charset="0"/>
-                  <a:cs typeface="Courier New" panose="02070309020205020404" pitchFamily="49" charset="0"/>
-                </a:rPr>
-                <a:t>$ module avail </a:t>
-              </a:r>
-            </a:p>
-            <a:p>
-              <a:endParaRPr lang="en-US" dirty="0">
-                <a:latin typeface="Monaco" pitchFamily="2" charset="77"/>
-              </a:endParaRPr>
             </a:p>
           </p:txBody>
         </p:sp>
       </p:grpSp>
-      <p:sp>
-        <p:nvSpPr>
-          <p:cNvPr id="14" name="TextBox 13">
-            <a:extLst>
-              <a:ext uri="{FF2B5EF4-FFF2-40B4-BE49-F238E27FC236}">
-                <a16:creationId xmlns:a16="http://schemas.microsoft.com/office/drawing/2014/main" id="{10638EAF-5F4A-134A-4910-FDAE4CB7C1E4}"/>
-              </a:ext>
-            </a:extLst>
-          </p:cNvPr>
-          <p:cNvSpPr txBox="1"/>
-          <p:nvPr/>
-        </p:nvSpPr>
-        <p:spPr>
-          <a:xfrm>
-            <a:off x="5823773" y="3902656"/>
-            <a:ext cx="3243072" cy="923330"/>
-          </a:xfrm>
-          <a:prstGeom prst="rect">
-            <a:avLst/>
-          </a:prstGeom>
-          <a:noFill/>
-        </p:spPr>
-        <p:txBody>
-          <a:bodyPr wrap="square">
-            <a:spAutoFit/>
-          </a:bodyPr>
-          <a:lstStyle/>
-          <a:p>
-            <a:pPr algn="ctr"/>
-            <a:r>
-              <a:rPr lang="en-US" dirty="0">
-                <a:solidFill>
-                  <a:srgbClr val="FF0000"/>
-                </a:solidFill>
-                <a:latin typeface="Century Gothic" panose="020B0502020202020204" pitchFamily="34" charset="0"/>
-                <a:ea typeface="Helvetica Neue" panose="02000503000000020004" pitchFamily="2" charset="0"/>
-                <a:cs typeface="Helvetica Neue" panose="02000503000000020004" pitchFamily="2" charset="0"/>
-              </a:rPr>
-              <a:t>Note: Login nodes do not have the full software stack!</a:t>
-            </a:r>
-          </a:p>
-        </p:txBody>
-      </p:sp>
-      <p:sp>
-        <p:nvSpPr>
-          <p:cNvPr id="3" name="Content Placeholder 2">
-            <a:extLst>
-              <a:ext uri="{FF2B5EF4-FFF2-40B4-BE49-F238E27FC236}">
-                <a16:creationId xmlns:a16="http://schemas.microsoft.com/office/drawing/2014/main" id="{6484EA7B-346E-9CB5-DB70-6227BCA98122}"/>
-              </a:ext>
-            </a:extLst>
-          </p:cNvPr>
-          <p:cNvSpPr>
-            <a:spLocks noGrp="1"/>
-          </p:cNvSpPr>
-          <p:nvPr>
-            <p:ph idx="1"/>
-          </p:nvPr>
-        </p:nvSpPr>
-        <p:spPr>
-          <a:xfrm>
-            <a:off x="838200" y="1546225"/>
-            <a:ext cx="10515600" cy="4351338"/>
-          </a:xfrm>
-        </p:spPr>
-        <p:txBody>
-          <a:bodyPr>
-            <a:normAutofit/>
-          </a:bodyPr>
-          <a:lstStyle/>
-          <a:p>
-            <a:pPr marL="0" indent="0">
-              <a:buNone/>
-            </a:pPr>
-            <a:r>
-              <a:rPr lang="en-US" sz="3200" dirty="0">
-                <a:latin typeface="Century Gothic" panose="020B0502020202020204" pitchFamily="34" charset="0"/>
-              </a:rPr>
-              <a:t>Setting up for today’s session.</a:t>
-            </a:r>
-          </a:p>
-          <a:p>
-            <a:pPr marL="0" indent="0">
-              <a:buNone/>
-            </a:pPr>
-            <a:endParaRPr lang="en-US" sz="2400" dirty="0">
-              <a:latin typeface="Century Gothic" panose="020B0502020202020204" pitchFamily="34" charset="0"/>
-            </a:endParaRPr>
-          </a:p>
-          <a:p>
-            <a:pPr marL="457200" indent="-457200">
-              <a:buFont typeface="+mj-lt"/>
-              <a:buAutoNum type="arabicPeriod"/>
-            </a:pPr>
-            <a:r>
-              <a:rPr lang="en-US" sz="2400" dirty="0">
-                <a:latin typeface="Century Gothic" panose="020B0502020202020204" pitchFamily="34" charset="0"/>
-              </a:rPr>
-              <a:t>Log in to CURC HPC system</a:t>
-            </a:r>
-          </a:p>
-          <a:p>
-            <a:pPr marL="457200" indent="-457200">
-              <a:buFont typeface="+mj-lt"/>
-              <a:buAutoNum type="arabicPeriod"/>
-            </a:pPr>
-            <a:r>
-              <a:rPr lang="en-US" sz="2400" dirty="0">
-                <a:latin typeface="Century Gothic" panose="020B0502020202020204" pitchFamily="34" charset="0"/>
-              </a:rPr>
-              <a:t>Get on an Alpine compute node</a:t>
-            </a:r>
-          </a:p>
-          <a:p>
-            <a:pPr marL="0" indent="0">
-              <a:buNone/>
-            </a:pPr>
-            <a:endParaRPr lang="en-US" sz="3200" dirty="0">
-              <a:latin typeface="Century Gothic" panose="020B0502020202020204" pitchFamily="34" charset="0"/>
-            </a:endParaRPr>
-          </a:p>
-        </p:txBody>
-      </p:sp>
-      <p:pic>
-        <p:nvPicPr>
-          <p:cNvPr id="8" name="Picture 7" descr="Logo for the Lmod module system used on Alpine">
-            <a:extLst>
-              <a:ext uri="{FF2B5EF4-FFF2-40B4-BE49-F238E27FC236}">
-                <a16:creationId xmlns:a16="http://schemas.microsoft.com/office/drawing/2014/main" id="{A9F43A77-4393-CCF1-83C1-AE60C4D575C9}"/>
-              </a:ext>
-            </a:extLst>
-          </p:cNvPr>
-          <p:cNvPicPr>
-            <a:picLocks noChangeAspect="1"/>
-          </p:cNvPicPr>
-          <p:nvPr/>
-        </p:nvPicPr>
-        <p:blipFill>
-          <a:blip r:embed="rId3"/>
-          <a:stretch>
-            <a:fillRect/>
-          </a:stretch>
-        </p:blipFill>
-        <p:spPr>
-          <a:xfrm>
-            <a:off x="7886700" y="365125"/>
-            <a:ext cx="3467100" cy="1181100"/>
-          </a:xfrm>
-          <a:prstGeom prst="rect">
-            <a:avLst/>
-          </a:prstGeom>
-        </p:spPr>
-      </p:pic>
-      <p:sp>
-        <p:nvSpPr>
-          <p:cNvPr id="2" name="Title 1">
-            <a:extLst>
-              <a:ext uri="{FF2B5EF4-FFF2-40B4-BE49-F238E27FC236}">
-                <a16:creationId xmlns:a16="http://schemas.microsoft.com/office/drawing/2014/main" id="{6FADF519-AE7F-36C9-168F-1F04A49B8831}"/>
-              </a:ext>
-            </a:extLst>
-          </p:cNvPr>
-          <p:cNvSpPr>
-            <a:spLocks noGrp="1"/>
-          </p:cNvSpPr>
-          <p:nvPr>
-            <p:ph type="title"/>
-          </p:nvPr>
-        </p:nvSpPr>
-        <p:spPr/>
-        <p:txBody>
-          <a:bodyPr/>
-          <a:lstStyle/>
-          <a:p>
-            <a:r>
-              <a:rPr lang="en-US" b="1" dirty="0">
-                <a:latin typeface="Century Gothic" panose="020B0502020202020204" pitchFamily="34" charset="0"/>
-              </a:rPr>
-              <a:t>The Module System </a:t>
-            </a:r>
-          </a:p>
-        </p:txBody>
-      </p:sp>
-    </p:spTree>
-    <p:extLst>
-      <p:ext uri="{BB962C8B-B14F-4D97-AF65-F5344CB8AC3E}">
-        <p14:creationId xmlns:p14="http://schemas.microsoft.com/office/powerpoint/2010/main" val="157032992"/>
-      </p:ext>
-    </p:extLst>
-  </p:cSld>
-  <p:clrMapOvr>
-    <a:masterClrMapping/>
-  </p:clrMapOvr>
-  <p:timing>
-    <p:tnLst>
-      <p:par>
-        <p:cTn id="1" dur="indefinite" restart="never" nodeType="tmRoot">
-          <p:childTnLst>
-            <p:seq concurrent="1" nextAc="seek">
-              <p:cTn id="2" dur="indefinite" nodeType="mainSeq">
-                <p:childTnLst>
-                  <p:par>
-                    <p:cTn id="3" fill="hold">
-                      <p:stCondLst>
-                        <p:cond delay="indefinite"/>
-                      </p:stCondLst>
-                      <p:childTnLst>
-                        <p:par>
-                          <p:cTn id="4" fill="hold">
-                            <p:stCondLst>
-                              <p:cond delay="0"/>
-                            </p:stCondLst>
-                            <p:childTnLst>
-                              <p:par>
-                                <p:cTn id="5" presetID="1" presetClass="entr" presetSubtype="0" fill="hold" grpId="0" nodeType="clickEffect">
-                                  <p:stCondLst>
-                                    <p:cond delay="0"/>
-                                  </p:stCondLst>
-                                  <p:childTnLst>
-                                    <p:set>
-                                      <p:cBhvr>
-                                        <p:cTn id="6" dur="1" fill="hold">
-                                          <p:stCondLst>
-                                            <p:cond delay="0"/>
-                                          </p:stCondLst>
-                                        </p:cTn>
-                                        <p:tgtEl>
-                                          <p:spTgt spid="14"/>
-                                        </p:tgtEl>
-                                        <p:attrNameLst>
-                                          <p:attrName>style.visibility</p:attrName>
-                                        </p:attrNameLst>
-                                      </p:cBhvr>
-                                      <p:to>
-                                        <p:strVal val="visible"/>
-                                      </p:to>
-                                    </p:set>
-                                  </p:childTnLst>
-                                </p:cTn>
-                              </p:par>
-                            </p:childTnLst>
-                          </p:cTn>
-                        </p:par>
-                      </p:childTnLst>
-                    </p:cTn>
-                  </p:par>
-                </p:childTnLst>
-              </p:cTn>
-              <p:prevCondLst>
-                <p:cond evt="onPrev" delay="0">
-                  <p:tgtEl>
-                    <p:sldTgt/>
-                  </p:tgtEl>
-                </p:cond>
-              </p:prevCondLst>
-              <p:nextCondLst>
-                <p:cond evt="onNext" delay="0">
-                  <p:tgtEl>
-                    <p:sldTgt/>
-                  </p:tgtEl>
-                </p:cond>
-              </p:nextCondLst>
-            </p:seq>
-          </p:childTnLst>
-        </p:cTn>
-      </p:par>
-    </p:tnLst>
-    <p:bldLst>
-      <p:bldP spid="14" grpId="0"/>
-    </p:bldLst>
-  </p:timing>
-</p:sld>
-</file>
-
-<file path=ppt/slides/slide8.xml><?xml version="1.0" encoding="utf-8"?>
-<p:sld xmlns:a="http://schemas.openxmlformats.org/drawingml/2006/main" xmlns:r="http://schemas.openxmlformats.org/officeDocument/2006/relationships" xmlns:p="http://schemas.openxmlformats.org/presentationml/2006/main">
-  <p:cSld>
-    <p:spTree>
-      <p:nvGrpSpPr>
-        <p:cNvPr id="1" name=""/>
-        <p:cNvGrpSpPr/>
-        <p:nvPr/>
-      </p:nvGrpSpPr>
-      <p:grpSpPr>
-        <a:xfrm>
-          <a:off x="0" y="0"/>
-          <a:ext cx="0" cy="0"/>
-          <a:chOff x="0" y="0"/>
-          <a:chExt cx="0" cy="0"/>
-        </a:xfrm>
-      </p:grpSpPr>
-      <p:sp>
-        <p:nvSpPr>
-          <p:cNvPr id="5" name="Slide Number Placeholder 4">
-            <a:extLst>
-              <a:ext uri="{FF2B5EF4-FFF2-40B4-BE49-F238E27FC236}">
-                <a16:creationId xmlns:a16="http://schemas.microsoft.com/office/drawing/2014/main" id="{10AF757D-345B-192C-03B5-868B599F6FAA}"/>
-              </a:ext>
-            </a:extLst>
-          </p:cNvPr>
-          <p:cNvSpPr>
-            <a:spLocks noGrp="1"/>
-          </p:cNvSpPr>
-          <p:nvPr>
-            <p:ph type="sldNum" sz="quarter" idx="12"/>
-          </p:nvPr>
-        </p:nvSpPr>
-        <p:spPr/>
-        <p:txBody>
-          <a:bodyPr/>
-          <a:lstStyle/>
-          <a:p>
-            <a:fld id="{ABDA560F-461C-6043-9BC4-489BA92F7161}" type="slidenum">
-              <a:rPr lang="en-US" smtClean="0"/>
-              <a:t>8</a:t>
-            </a:fld>
-            <a:endParaRPr lang="en-US"/>
-          </a:p>
-        </p:txBody>
-      </p:sp>
       <p:grpSp>
         <p:nvGrpSpPr>
           <p:cNvPr id="10" name="Group 9">
@@ -27790,6 +27582,205 @@
           </p:txBody>
         </p:sp>
       </p:grpSp>
+      <p:sp>
+        <p:nvSpPr>
+          <p:cNvPr id="5" name="Slide Number Placeholder 4">
+            <a:extLst>
+              <a:ext uri="{FF2B5EF4-FFF2-40B4-BE49-F238E27FC236}">
+                <a16:creationId xmlns:a16="http://schemas.microsoft.com/office/drawing/2014/main" id="{10AF757D-345B-192C-03B5-868B599F6FAA}"/>
+              </a:ext>
+            </a:extLst>
+          </p:cNvPr>
+          <p:cNvSpPr>
+            <a:spLocks noGrp="1"/>
+          </p:cNvSpPr>
+          <p:nvPr>
+            <p:ph type="sldNum" sz="quarter" idx="12"/>
+          </p:nvPr>
+        </p:nvSpPr>
+        <p:spPr/>
+        <p:txBody>
+          <a:bodyPr/>
+          <a:lstStyle/>
+          <a:p>
+            <a:fld id="{ABDA560F-461C-6043-9BC4-489BA92F7161}" type="slidenum">
+              <a:rPr lang="en-US" smtClean="0"/>
+              <a:t>8</a:t>
+            </a:fld>
+            <a:endParaRPr lang="en-US"/>
+          </a:p>
+        </p:txBody>
+      </p:sp>
+    </p:spTree>
+    <p:extLst>
+      <p:ext uri="{BB962C8B-B14F-4D97-AF65-F5344CB8AC3E}">
+        <p14:creationId xmlns:p14="http://schemas.microsoft.com/office/powerpoint/2010/main" val="1653447819"/>
+      </p:ext>
+    </p:extLst>
+  </p:cSld>
+  <p:clrMapOvr>
+    <a:masterClrMapping/>
+  </p:clrMapOvr>
+</p:sld>
+</file>
+
+<file path=ppt/slides/slide9.xml><?xml version="1.0" encoding="utf-8"?>
+<p:sld xmlns:a="http://schemas.openxmlformats.org/drawingml/2006/main" xmlns:r="http://schemas.openxmlformats.org/officeDocument/2006/relationships" xmlns:p="http://schemas.openxmlformats.org/presentationml/2006/main">
+  <p:cSld>
+    <p:spTree>
+      <p:nvGrpSpPr>
+        <p:cNvPr id="1" name=""/>
+        <p:cNvGrpSpPr/>
+        <p:nvPr/>
+      </p:nvGrpSpPr>
+      <p:grpSpPr>
+        <a:xfrm>
+          <a:off x="0" y="0"/>
+          <a:ext cx="0" cy="0"/>
+          <a:chOff x="0" y="0"/>
+          <a:chExt cx="0" cy="0"/>
+        </a:xfrm>
+      </p:grpSpPr>
+      <p:sp>
+        <p:nvSpPr>
+          <p:cNvPr id="2" name="Title 1">
+            <a:extLst>
+              <a:ext uri="{FF2B5EF4-FFF2-40B4-BE49-F238E27FC236}">
+                <a16:creationId xmlns:a16="http://schemas.microsoft.com/office/drawing/2014/main" id="{6FADF519-AE7F-36C9-168F-1F04A49B8831}"/>
+              </a:ext>
+            </a:extLst>
+          </p:cNvPr>
+          <p:cNvSpPr>
+            <a:spLocks noGrp="1"/>
+          </p:cNvSpPr>
+          <p:nvPr>
+            <p:ph type="title"/>
+          </p:nvPr>
+        </p:nvSpPr>
+        <p:spPr/>
+        <p:txBody>
+          <a:bodyPr/>
+          <a:lstStyle/>
+          <a:p>
+            <a:r>
+              <a:rPr lang="en-US" b="1" dirty="0">
+                <a:latin typeface="Century Gothic" panose="020B0502020202020204" pitchFamily="34" charset="0"/>
+              </a:rPr>
+              <a:t>The Module System </a:t>
+            </a:r>
+          </a:p>
+        </p:txBody>
+      </p:sp>
+      <p:pic>
+        <p:nvPicPr>
+          <p:cNvPr id="8" name="Picture 7" descr="Logo for the Lmod module system used on Alpine">
+            <a:extLst>
+              <a:ext uri="{FF2B5EF4-FFF2-40B4-BE49-F238E27FC236}">
+                <a16:creationId xmlns:a16="http://schemas.microsoft.com/office/drawing/2014/main" id="{A9F43A77-4393-CCF1-83C1-AE60C4D575C9}"/>
+              </a:ext>
+            </a:extLst>
+          </p:cNvPr>
+          <p:cNvPicPr>
+            <a:picLocks noChangeAspect="1"/>
+          </p:cNvPicPr>
+          <p:nvPr/>
+        </p:nvPicPr>
+        <p:blipFill>
+          <a:blip r:embed="rId3"/>
+          <a:stretch>
+            <a:fillRect/>
+          </a:stretch>
+        </p:blipFill>
+        <p:spPr>
+          <a:xfrm>
+            <a:off x="7886700" y="365125"/>
+            <a:ext cx="3467100" cy="1181100"/>
+          </a:xfrm>
+          <a:prstGeom prst="rect">
+            <a:avLst/>
+          </a:prstGeom>
+        </p:spPr>
+      </p:pic>
+      <p:sp>
+        <p:nvSpPr>
+          <p:cNvPr id="3" name="Content Placeholder 2">
+            <a:extLst>
+              <a:ext uri="{FF2B5EF4-FFF2-40B4-BE49-F238E27FC236}">
+                <a16:creationId xmlns:a16="http://schemas.microsoft.com/office/drawing/2014/main" id="{6484EA7B-346E-9CB5-DB70-6227BCA98122}"/>
+              </a:ext>
+            </a:extLst>
+          </p:cNvPr>
+          <p:cNvSpPr>
+            <a:spLocks noGrp="1"/>
+          </p:cNvSpPr>
+          <p:nvPr>
+            <p:ph idx="1"/>
+          </p:nvPr>
+        </p:nvSpPr>
+        <p:spPr>
+          <a:xfrm>
+            <a:off x="838200" y="2076512"/>
+            <a:ext cx="10515600" cy="3879850"/>
+          </a:xfrm>
+        </p:spPr>
+        <p:txBody>
+          <a:bodyPr>
+            <a:normAutofit/>
+          </a:bodyPr>
+          <a:lstStyle/>
+          <a:p>
+            <a:pPr marL="0" indent="0">
+              <a:buNone/>
+            </a:pPr>
+            <a:r>
+              <a:rPr lang="en-US" sz="3200" i="1" dirty="0">
+                <a:latin typeface="Century Gothic" panose="020B0502020202020204" pitchFamily="34" charset="0"/>
+                <a:ea typeface="Helvetica Neue" panose="02000503000000020004" pitchFamily="2" charset="0"/>
+                <a:cs typeface="Helvetica Neue" panose="02000503000000020004" pitchFamily="2" charset="0"/>
+              </a:rPr>
+              <a:t>Live Demo</a:t>
+            </a:r>
+            <a:r>
+              <a:rPr lang="en-US" sz="3200" dirty="0">
+                <a:latin typeface="Century Gothic" panose="020B0502020202020204" pitchFamily="34" charset="0"/>
+                <a:ea typeface="Helvetica Neue" panose="02000503000000020004" pitchFamily="2" charset="0"/>
+                <a:cs typeface="Helvetica Neue" panose="02000503000000020004" pitchFamily="2" charset="0"/>
+              </a:rPr>
+              <a:t>: Loading and unloading modules will set (and reset) important environment variables for you.</a:t>
+            </a:r>
+          </a:p>
+          <a:p>
+            <a:pPr marL="0" indent="0">
+              <a:buNone/>
+            </a:pPr>
+            <a:endParaRPr lang="en-US" sz="3200" b="1" dirty="0">
+              <a:solidFill>
+                <a:srgbClr val="202122"/>
+              </a:solidFill>
+              <a:latin typeface="Century Gothic" panose="020B0502020202020204" pitchFamily="34" charset="0"/>
+            </a:endParaRPr>
+          </a:p>
+          <a:p>
+            <a:pPr marL="0" indent="0">
+              <a:buNone/>
+            </a:pPr>
+            <a:endParaRPr lang="en-US" dirty="0">
+              <a:solidFill>
+                <a:srgbClr val="202122"/>
+              </a:solidFill>
+              <a:latin typeface="Century Gothic" panose="020B0502020202020204" pitchFamily="34" charset="0"/>
+            </a:endParaRPr>
+          </a:p>
+          <a:p>
+            <a:pPr marL="0" indent="0">
+              <a:buNone/>
+            </a:pPr>
+            <a:endParaRPr lang="en-US" sz="3200" dirty="0">
+              <a:latin typeface="Century Gothic" panose="020B0502020202020204" pitchFamily="34" charset="0"/>
+            </a:endParaRPr>
+          </a:p>
+        </p:txBody>
+      </p:sp>
       <p:grpSp>
         <p:nvGrpSpPr>
           <p:cNvPr id="6" name="Group 5">
@@ -27804,10 +27795,10 @@
         </p:nvGrpSpPr>
         <p:grpSpPr>
           <a:xfrm>
-            <a:off x="252984" y="3588457"/>
-            <a:ext cx="5745480" cy="2117016"/>
+            <a:off x="252984" y="3588459"/>
+            <a:ext cx="5745480" cy="2049256"/>
             <a:chOff x="1863085" y="4469527"/>
-            <a:chExt cx="13820837" cy="952245"/>
+            <a:chExt cx="13820837" cy="921766"/>
           </a:xfrm>
         </p:grpSpPr>
         <p:sp>
@@ -27825,7 +27816,7 @@
           <p:spPr>
             <a:xfrm>
               <a:off x="1863085" y="4469527"/>
-              <a:ext cx="13820837" cy="952245"/>
+              <a:ext cx="13820837" cy="921766"/>
             </a:xfrm>
             <a:prstGeom prst="rect">
               <a:avLst/>
@@ -27881,7 +27872,7 @@
           </p:nvSpPr>
           <p:spPr>
             <a:xfrm>
-              <a:off x="2047451" y="4519123"/>
+              <a:off x="2047453" y="4519124"/>
               <a:ext cx="13636469" cy="872169"/>
             </a:xfrm>
             <a:prstGeom prst="rect">
@@ -27909,7 +27900,7 @@
                   <a:latin typeface="Courier New" panose="02070309020205020404" pitchFamily="49" charset="0"/>
                   <a:cs typeface="Courier New" panose="02070309020205020404" pitchFamily="49" charset="0"/>
                 </a:rPr>
-                <a:t>$ module load intel/2022.1.2</a:t>
+                <a:t>$ module load intel</a:t>
               </a:r>
             </a:p>
             <a:p>
@@ -27918,7 +27909,7 @@
                   <a:latin typeface="Courier New" panose="02070309020205020404" pitchFamily="49" charset="0"/>
                   <a:cs typeface="Courier New" panose="02070309020205020404" pitchFamily="49" charset="0"/>
                 </a:rPr>
-                <a:t>$ module avail</a:t>
+                <a:t>$ module load hdf5</a:t>
               </a:r>
             </a:p>
             <a:p>
@@ -27927,7 +27918,7 @@
                   <a:latin typeface="Courier New" panose="02070309020205020404" pitchFamily="49" charset="0"/>
                   <a:cs typeface="Courier New" panose="02070309020205020404" pitchFamily="49" charset="0"/>
                 </a:rPr>
-                <a:t>$ module load impi</a:t>
+                <a:t>$ module display hdf5</a:t>
               </a:r>
             </a:p>
             <a:p>
@@ -27936,206 +27927,12 @@
                   <a:latin typeface="Courier New" panose="02070309020205020404" pitchFamily="49" charset="0"/>
                   <a:cs typeface="Courier New" panose="02070309020205020404" pitchFamily="49" charset="0"/>
                 </a:rPr>
-                <a:t>$ module avail</a:t>
+                <a:t>$ env | grep HDF5</a:t>
               </a:r>
             </a:p>
           </p:txBody>
         </p:sp>
       </p:grpSp>
-      <p:sp>
-        <p:nvSpPr>
-          <p:cNvPr id="3" name="Content Placeholder 2">
-            <a:extLst>
-              <a:ext uri="{FF2B5EF4-FFF2-40B4-BE49-F238E27FC236}">
-                <a16:creationId xmlns:a16="http://schemas.microsoft.com/office/drawing/2014/main" id="{6484EA7B-346E-9CB5-DB70-6227BCA98122}"/>
-              </a:ext>
-            </a:extLst>
-          </p:cNvPr>
-          <p:cNvSpPr>
-            <a:spLocks noGrp="1"/>
-          </p:cNvSpPr>
-          <p:nvPr>
-            <p:ph idx="1"/>
-          </p:nvPr>
-        </p:nvSpPr>
-        <p:spPr/>
-        <p:txBody>
-          <a:bodyPr>
-            <a:normAutofit/>
-          </a:bodyPr>
-          <a:lstStyle/>
-          <a:p>
-            <a:pPr marL="0" indent="0">
-              <a:buNone/>
-            </a:pPr>
-            <a:r>
-              <a:rPr lang="en-US" sz="3200" i="1" dirty="0">
-                <a:latin typeface="Century Gothic" panose="020B0502020202020204" pitchFamily="34" charset="0"/>
-                <a:ea typeface="Helvetica Neue" panose="02000503000000020004" pitchFamily="2" charset="0"/>
-                <a:cs typeface="Helvetica Neue" panose="02000503000000020004" pitchFamily="2" charset="0"/>
-              </a:rPr>
-              <a:t>Live Demo</a:t>
-            </a:r>
-            <a:r>
-              <a:rPr lang="en-US" sz="3200" dirty="0">
-                <a:latin typeface="Century Gothic" panose="020B0502020202020204" pitchFamily="34" charset="0"/>
-                <a:ea typeface="Helvetica Neue" panose="02000503000000020004" pitchFamily="2" charset="0"/>
-                <a:cs typeface="Helvetica Neue" panose="02000503000000020004" pitchFamily="2" charset="0"/>
-              </a:rPr>
-              <a:t>: Loading and unloading modules will dynamically change the software environment on the cluster.</a:t>
-            </a:r>
-          </a:p>
-          <a:p>
-            <a:pPr marL="0" indent="0">
-              <a:buNone/>
-            </a:pPr>
-            <a:endParaRPr lang="en-US" sz="3200" b="1" dirty="0">
-              <a:solidFill>
-                <a:srgbClr val="202122"/>
-              </a:solidFill>
-              <a:latin typeface="Century Gothic" panose="020B0502020202020204" pitchFamily="34" charset="0"/>
-            </a:endParaRPr>
-          </a:p>
-          <a:p>
-            <a:pPr marL="0" indent="0">
-              <a:buNone/>
-            </a:pPr>
-            <a:endParaRPr lang="en-US" dirty="0">
-              <a:solidFill>
-                <a:srgbClr val="202122"/>
-              </a:solidFill>
-              <a:latin typeface="Century Gothic" panose="020B0502020202020204" pitchFamily="34" charset="0"/>
-            </a:endParaRPr>
-          </a:p>
-          <a:p>
-            <a:pPr marL="0" indent="0">
-              <a:buNone/>
-            </a:pPr>
-            <a:endParaRPr lang="en-US" sz="3200" dirty="0">
-              <a:latin typeface="Century Gothic" panose="020B0502020202020204" pitchFamily="34" charset="0"/>
-            </a:endParaRPr>
-          </a:p>
-        </p:txBody>
-      </p:sp>
-      <p:pic>
-        <p:nvPicPr>
-          <p:cNvPr id="8" name="Picture 7" descr="Logo for the Lmod module system used on Alpine">
-            <a:extLst>
-              <a:ext uri="{FF2B5EF4-FFF2-40B4-BE49-F238E27FC236}">
-                <a16:creationId xmlns:a16="http://schemas.microsoft.com/office/drawing/2014/main" id="{A9F43A77-4393-CCF1-83C1-AE60C4D575C9}"/>
-              </a:ext>
-            </a:extLst>
-          </p:cNvPr>
-          <p:cNvPicPr>
-            <a:picLocks noChangeAspect="1"/>
-          </p:cNvPicPr>
-          <p:nvPr/>
-        </p:nvPicPr>
-        <p:blipFill>
-          <a:blip r:embed="rId3"/>
-          <a:stretch>
-            <a:fillRect/>
-          </a:stretch>
-        </p:blipFill>
-        <p:spPr>
-          <a:xfrm>
-            <a:off x="7886700" y="365125"/>
-            <a:ext cx="3467100" cy="1181100"/>
-          </a:xfrm>
-          <a:prstGeom prst="rect">
-            <a:avLst/>
-          </a:prstGeom>
-        </p:spPr>
-      </p:pic>
-      <p:sp>
-        <p:nvSpPr>
-          <p:cNvPr id="2" name="Title 1">
-            <a:extLst>
-              <a:ext uri="{FF2B5EF4-FFF2-40B4-BE49-F238E27FC236}">
-                <a16:creationId xmlns:a16="http://schemas.microsoft.com/office/drawing/2014/main" id="{6FADF519-AE7F-36C9-168F-1F04A49B8831}"/>
-              </a:ext>
-            </a:extLst>
-          </p:cNvPr>
-          <p:cNvSpPr>
-            <a:spLocks noGrp="1"/>
-          </p:cNvSpPr>
-          <p:nvPr>
-            <p:ph type="title"/>
-          </p:nvPr>
-        </p:nvSpPr>
-        <p:spPr/>
-        <p:txBody>
-          <a:bodyPr/>
-          <a:lstStyle/>
-          <a:p>
-            <a:r>
-              <a:rPr lang="en-US" b="1" dirty="0">
-                <a:latin typeface="Century Gothic" panose="020B0502020202020204" pitchFamily="34" charset="0"/>
-              </a:rPr>
-              <a:t>The Module System </a:t>
-            </a:r>
-          </a:p>
-        </p:txBody>
-      </p:sp>
-    </p:spTree>
-    <p:extLst>
-      <p:ext uri="{BB962C8B-B14F-4D97-AF65-F5344CB8AC3E}">
-        <p14:creationId xmlns:p14="http://schemas.microsoft.com/office/powerpoint/2010/main" val="1653447819"/>
-      </p:ext>
-    </p:extLst>
-  </p:cSld>
-  <p:clrMapOvr>
-    <a:masterClrMapping/>
-  </p:clrMapOvr>
-</p:sld>
-</file>
-
-<file path=ppt/slides/slide9.xml><?xml version="1.0" encoding="utf-8"?>
-<p:sld xmlns:a="http://schemas.openxmlformats.org/drawingml/2006/main" xmlns:r="http://schemas.openxmlformats.org/officeDocument/2006/relationships" xmlns:p="http://schemas.openxmlformats.org/presentationml/2006/main">
-  <p:cSld>
-    <p:spTree>
-      <p:nvGrpSpPr>
-        <p:cNvPr id="1" name=""/>
-        <p:cNvGrpSpPr/>
-        <p:nvPr/>
-      </p:nvGrpSpPr>
-      <p:grpSpPr>
-        <a:xfrm>
-          <a:off x="0" y="0"/>
-          <a:ext cx="0" cy="0"/>
-          <a:chOff x="0" y="0"/>
-          <a:chExt cx="0" cy="0"/>
-        </a:xfrm>
-      </p:grpSpPr>
-      <p:sp>
-        <p:nvSpPr>
-          <p:cNvPr id="5" name="Slide Number Placeholder 4">
-            <a:extLst>
-              <a:ext uri="{FF2B5EF4-FFF2-40B4-BE49-F238E27FC236}">
-                <a16:creationId xmlns:a16="http://schemas.microsoft.com/office/drawing/2014/main" id="{28E68972-383B-AE34-0255-3C6FBA73E088}"/>
-              </a:ext>
-            </a:extLst>
-          </p:cNvPr>
-          <p:cNvSpPr>
-            <a:spLocks noGrp="1"/>
-          </p:cNvSpPr>
-          <p:nvPr>
-            <p:ph type="sldNum" sz="quarter" idx="12"/>
-          </p:nvPr>
-        </p:nvSpPr>
-        <p:spPr/>
-        <p:txBody>
-          <a:bodyPr/>
-          <a:lstStyle/>
-          <a:p>
-            <a:fld id="{ABDA560F-461C-6043-9BC4-489BA92F7161}" type="slidenum">
-              <a:rPr lang="en-US" smtClean="0"/>
-              <a:t>9</a:t>
-            </a:fld>
-            <a:endParaRPr lang="en-US"/>
-          </a:p>
-        </p:txBody>
-      </p:sp>
       <p:grpSp>
         <p:nvGrpSpPr>
           <p:cNvPr id="10" name="Group 9">
@@ -28299,164 +28096,12 @@
           </p:txBody>
         </p:sp>
       </p:grpSp>
-      <p:grpSp>
-        <p:nvGrpSpPr>
-          <p:cNvPr id="6" name="Group 5">
+      <p:sp>
+        <p:nvSpPr>
+          <p:cNvPr id="5" name="Slide Number Placeholder 4">
             <a:extLst>
               <a:ext uri="{FF2B5EF4-FFF2-40B4-BE49-F238E27FC236}">
-                <a16:creationId xmlns:a16="http://schemas.microsoft.com/office/drawing/2014/main" id="{29BC9ACC-85CF-40C5-093F-B565739DAF49}"/>
-              </a:ext>
-            </a:extLst>
-          </p:cNvPr>
-          <p:cNvGrpSpPr/>
-          <p:nvPr/>
-        </p:nvGrpSpPr>
-        <p:grpSpPr>
-          <a:xfrm>
-            <a:off x="252984" y="3588459"/>
-            <a:ext cx="5745480" cy="2049256"/>
-            <a:chOff x="1863085" y="4469527"/>
-            <a:chExt cx="13820837" cy="921766"/>
-          </a:xfrm>
-        </p:grpSpPr>
-        <p:sp>
-          <p:nvSpPr>
-            <p:cNvPr id="7" name="Rectangle 6">
-              <a:extLst>
-                <a:ext uri="{FF2B5EF4-FFF2-40B4-BE49-F238E27FC236}">
-                  <a16:creationId xmlns:a16="http://schemas.microsoft.com/office/drawing/2014/main" id="{405E92EA-D55E-6152-BAD1-5E0AAF2DFC85}"/>
-                </a:ext>
-              </a:extLst>
-            </p:cNvPr>
-            <p:cNvSpPr/>
-            <p:nvPr/>
-          </p:nvSpPr>
-          <p:spPr>
-            <a:xfrm>
-              <a:off x="1863085" y="4469527"/>
-              <a:ext cx="13820837" cy="921766"/>
-            </a:xfrm>
-            <a:prstGeom prst="rect">
-              <a:avLst/>
-            </a:prstGeom>
-            <a:solidFill>
-              <a:schemeClr val="bg2">
-                <a:lumMod val="90000"/>
-              </a:schemeClr>
-            </a:solidFill>
-            <a:ln>
-              <a:noFill/>
-            </a:ln>
-            <a:effectLst>
-              <a:softEdge rad="12700"/>
-            </a:effectLst>
-          </p:spPr>
-          <p:style>
-            <a:lnRef idx="2">
-              <a:schemeClr val="accent1">
-                <a:shade val="50000"/>
-              </a:schemeClr>
-            </a:lnRef>
-            <a:fillRef idx="1">
-              <a:schemeClr val="accent1"/>
-            </a:fillRef>
-            <a:effectRef idx="0">
-              <a:schemeClr val="accent1"/>
-            </a:effectRef>
-            <a:fontRef idx="minor">
-              <a:schemeClr val="lt1"/>
-            </a:fontRef>
-          </p:style>
-          <p:txBody>
-            <a:bodyPr rtlCol="0" anchor="ctr"/>
-            <a:lstStyle/>
-            <a:p>
-              <a:pPr algn="ctr"/>
-              <a:endParaRPr lang="en-US"/>
-            </a:p>
-          </p:txBody>
-        </p:sp>
-        <p:sp>
-          <p:nvSpPr>
-            <p:cNvPr id="9" name="TextBox 8">
-              <a:extLst>
-                <a:ext uri="{FF2B5EF4-FFF2-40B4-BE49-F238E27FC236}">
-                  <a16:creationId xmlns:a16="http://schemas.microsoft.com/office/drawing/2014/main" id="{F28BEBCD-EA41-F501-5F36-8AEA80BE829A}"/>
-                </a:ext>
-              </a:extLst>
-            </p:cNvPr>
-            <p:cNvSpPr txBox="1"/>
-            <p:nvPr/>
-          </p:nvSpPr>
-          <p:spPr>
-            <a:xfrm>
-              <a:off x="2047453" y="4519124"/>
-              <a:ext cx="13636469" cy="872169"/>
-            </a:xfrm>
-            <a:prstGeom prst="rect">
-              <a:avLst/>
-            </a:prstGeom>
-            <a:noFill/>
-          </p:spPr>
-          <p:txBody>
-            <a:bodyPr wrap="square" rtlCol="0">
-              <a:spAutoFit/>
-            </a:bodyPr>
-            <a:lstStyle/>
-            <a:p>
-              <a:r>
-                <a:rPr lang="en-US" sz="2400" b="1" dirty="0">
-                  <a:latin typeface="Courier New" panose="02070309020205020404" pitchFamily="49" charset="0"/>
-                  <a:cs typeface="Courier New" panose="02070309020205020404" pitchFamily="49" charset="0"/>
-                </a:rPr>
-                <a:t>$ module purge</a:t>
-              </a:r>
-            </a:p>
-            <a:p>
-              <a:r>
-                <a:rPr lang="en-US" sz="2400" b="1" dirty="0">
-                  <a:latin typeface="Courier New" panose="02070309020205020404" pitchFamily="49" charset="0"/>
-                  <a:cs typeface="Courier New" panose="02070309020205020404" pitchFamily="49" charset="0"/>
-                </a:rPr>
-                <a:t>$ module load intel</a:t>
-              </a:r>
-            </a:p>
-            <a:p>
-              <a:r>
-                <a:rPr lang="en-US" sz="2400" b="1" dirty="0">
-                  <a:latin typeface="Courier New" panose="02070309020205020404" pitchFamily="49" charset="0"/>
-                  <a:cs typeface="Courier New" panose="02070309020205020404" pitchFamily="49" charset="0"/>
-                </a:rPr>
-                <a:t>$ module load hdf5</a:t>
-              </a:r>
-            </a:p>
-            <a:p>
-              <a:r>
-                <a:rPr lang="en-US" sz="2400" b="1" dirty="0">
-                  <a:latin typeface="Courier New" panose="02070309020205020404" pitchFamily="49" charset="0"/>
-                  <a:cs typeface="Courier New" panose="02070309020205020404" pitchFamily="49" charset="0"/>
-                </a:rPr>
-                <a:t>$ module display hdf5</a:t>
-              </a:r>
-            </a:p>
-            <a:p>
-              <a:r>
-                <a:rPr lang="en-US" sz="2400" b="1" dirty="0">
-                  <a:latin typeface="Courier New" panose="02070309020205020404" pitchFamily="49" charset="0"/>
-                  <a:cs typeface="Courier New" panose="02070309020205020404" pitchFamily="49" charset="0"/>
-                </a:rPr>
-                <a:t>$ env | grep HDF5</a:t>
-              </a:r>
-            </a:p>
-          </p:txBody>
-        </p:sp>
-      </p:grpSp>
-      <p:sp>
-        <p:nvSpPr>
-          <p:cNvPr id="3" name="Content Placeholder 2">
-            <a:extLst>
-              <a:ext uri="{FF2B5EF4-FFF2-40B4-BE49-F238E27FC236}">
-                <a16:creationId xmlns:a16="http://schemas.microsoft.com/office/drawing/2014/main" id="{6484EA7B-346E-9CB5-DB70-6227BCA98122}"/>
+                <a16:creationId xmlns:a16="http://schemas.microsoft.com/office/drawing/2014/main" id="{28E68972-383B-AE34-0255-3C6FBA73E088}"/>
               </a:ext>
             </a:extLst>
           </p:cNvPr>
@@ -28464,117 +28109,7 @@
             <a:spLocks noGrp="1"/>
           </p:cNvSpPr>
           <p:nvPr>
-            <p:ph idx="1"/>
-          </p:nvPr>
-        </p:nvSpPr>
-        <p:spPr>
-          <a:xfrm>
-            <a:off x="838200" y="2076512"/>
-            <a:ext cx="10515600" cy="3879850"/>
-          </a:xfrm>
-        </p:spPr>
-        <p:txBody>
-          <a:bodyPr>
-            <a:normAutofit/>
-          </a:bodyPr>
-          <a:lstStyle/>
-          <a:p>
-            <a:pPr marL="0" indent="0">
-              <a:buNone/>
-            </a:pPr>
-            <a:r>
-              <a:rPr lang="en-US" sz="3200" i="1" dirty="0">
-                <a:latin typeface="Century Gothic" panose="020B0502020202020204" pitchFamily="34" charset="0"/>
-                <a:ea typeface="Helvetica Neue" panose="02000503000000020004" pitchFamily="2" charset="0"/>
-                <a:cs typeface="Helvetica Neue" panose="02000503000000020004" pitchFamily="2" charset="0"/>
-              </a:rPr>
-              <a:t>Live Demo</a:t>
-            </a:r>
-            <a:r>
-              <a:rPr lang="en-US" sz="3200" dirty="0">
-                <a:latin typeface="Century Gothic" panose="020B0502020202020204" pitchFamily="34" charset="0"/>
-                <a:ea typeface="Helvetica Neue" panose="02000503000000020004" pitchFamily="2" charset="0"/>
-                <a:cs typeface="Helvetica Neue" panose="02000503000000020004" pitchFamily="2" charset="0"/>
-              </a:rPr>
-              <a:t>: Loading and unloading modules will set (and reset) important environment variables for you.</a:t>
-            </a:r>
-          </a:p>
-          <a:p>
-            <a:pPr marL="0" indent="0">
-              <a:buNone/>
-            </a:pPr>
-            <a:endParaRPr lang="en-US" sz="3200" b="1" dirty="0">
-              <a:solidFill>
-                <a:srgbClr val="202122"/>
-              </a:solidFill>
-              <a:latin typeface="Century Gothic" panose="020B0502020202020204" pitchFamily="34" charset="0"/>
-            </a:endParaRPr>
-          </a:p>
-          <a:p>
-            <a:pPr marL="0" indent="0">
-              <a:buNone/>
-            </a:pPr>
-            <a:endParaRPr lang="en-US" dirty="0">
-              <a:solidFill>
-                <a:srgbClr val="202122"/>
-              </a:solidFill>
-              <a:latin typeface="Century Gothic" panose="020B0502020202020204" pitchFamily="34" charset="0"/>
-            </a:endParaRPr>
-          </a:p>
-          <a:p>
-            <a:pPr marL="0" indent="0">
-              <a:buNone/>
-            </a:pPr>
-            <a:endParaRPr lang="en-US" sz="3200" dirty="0">
-              <a:latin typeface="Century Gothic" panose="020B0502020202020204" pitchFamily="34" charset="0"/>
-            </a:endParaRPr>
-          </a:p>
-        </p:txBody>
-      </p:sp>
-      <p:pic>
-        <p:nvPicPr>
-          <p:cNvPr id="8" name="Picture 7" descr="Logo for the Lmod module system used on Alpine">
-            <a:extLst>
-              <a:ext uri="{FF2B5EF4-FFF2-40B4-BE49-F238E27FC236}">
-                <a16:creationId xmlns:a16="http://schemas.microsoft.com/office/drawing/2014/main" id="{A9F43A77-4393-CCF1-83C1-AE60C4D575C9}"/>
-              </a:ext>
-            </a:extLst>
-          </p:cNvPr>
-          <p:cNvPicPr>
-            <a:picLocks noChangeAspect="1"/>
-          </p:cNvPicPr>
-          <p:nvPr/>
-        </p:nvPicPr>
-        <p:blipFill>
-          <a:blip r:embed="rId3"/>
-          <a:stretch>
-            <a:fillRect/>
-          </a:stretch>
-        </p:blipFill>
-        <p:spPr>
-          <a:xfrm>
-            <a:off x="7886700" y="365125"/>
-            <a:ext cx="3467100" cy="1181100"/>
-          </a:xfrm>
-          <a:prstGeom prst="rect">
-            <a:avLst/>
-          </a:prstGeom>
-        </p:spPr>
-      </p:pic>
-      <p:sp>
-        <p:nvSpPr>
-          <p:cNvPr id="2" name="Title 1">
-            <a:extLst>
-              <a:ext uri="{FF2B5EF4-FFF2-40B4-BE49-F238E27FC236}">
-                <a16:creationId xmlns:a16="http://schemas.microsoft.com/office/drawing/2014/main" id="{6FADF519-AE7F-36C9-168F-1F04A49B8831}"/>
-              </a:ext>
-            </a:extLst>
-          </p:cNvPr>
-          <p:cNvSpPr>
-            <a:spLocks noGrp="1"/>
-          </p:cNvSpPr>
-          <p:nvPr>
-            <p:ph type="title"/>
+            <p:ph type="sldNum" sz="quarter" idx="12"/>
           </p:nvPr>
         </p:nvSpPr>
         <p:spPr/>
@@ -28582,12 +28117,11 @@
           <a:bodyPr/>
           <a:lstStyle/>
           <a:p>
-            <a:r>
-              <a:rPr lang="en-US" b="1" dirty="0">
-                <a:latin typeface="Century Gothic" panose="020B0502020202020204" pitchFamily="34" charset="0"/>
-              </a:rPr>
-              <a:t>The Module System </a:t>
-            </a:r>
+            <a:fld id="{ABDA560F-461C-6043-9BC4-489BA92F7161}" type="slidenum">
+              <a:rPr lang="en-US" smtClean="0"/>
+              <a:t>9</a:t>
+            </a:fld>
+            <a:endParaRPr lang="en-US"/>
           </a:p>
         </p:txBody>
       </p:sp>

--- a/installing_software/installing_software.pptx
+++ b/installing_software/installing_software.pptx
@@ -653,7 +653,7 @@
           <a:bodyPr/>
           <a:lstStyle/>
           <a:p>
-            <a:endParaRPr lang="en-US"/>
+            <a:endParaRPr lang="en-US" dirty="0"/>
           </a:p>
         </p:txBody>
       </p:sp>
@@ -738,16 +738,16 @@
           <a:lstStyle/>
           <a:p>
             <a:r>
-              <a:rPr lang="en-US"/>
+              <a:rPr lang="en-US" dirty="0"/>
               <a:t>Okay, so let’s say you want to use a third-party software that isn’t available as a module. What do you do? You have to build your own software!</a:t>
             </a:r>
           </a:p>
           <a:p>
-            <a:endParaRPr lang="en-US"/>
-          </a:p>
-          <a:p>
-            <a:r>
-              <a:rPr lang="en-US"/>
+            <a:endParaRPr lang="en-US" dirty="0"/>
+          </a:p>
+          <a:p>
+            <a:r>
+              <a:rPr lang="en-US" dirty="0"/>
               <a:t>Let’s get some definitions out of the way.</a:t>
             </a:r>
           </a:p>
@@ -4187,20 +4187,20 @@
           <a:lstStyle/>
           <a:p>
             <a:r>
-              <a:rPr lang="en-US"/>
+              <a:rPr lang="en-US" dirty="0"/>
               <a:t>Here we are loading different versions of the HDF5 library. They are different in that they were compiled with different compilers, so we want our environment variables to reflect that. It would be a total pain if we had to do that manually, but luckily the </a:t>
             </a:r>
             <a:r>
-              <a:rPr lang="en-US" err="1"/>
+              <a:rPr lang="en-US" dirty="0" err="1"/>
               <a:t>lmod</a:t>
             </a:r>
             <a:r>
-              <a:rPr lang="en-US"/>
+              <a:rPr lang="en-US" dirty="0"/>
               <a:t> module system does that for us.</a:t>
             </a:r>
           </a:p>
           <a:p>
-            <a:endParaRPr lang="en-US"/>
+            <a:endParaRPr lang="en-US" dirty="0"/>
           </a:p>
         </p:txBody>
       </p:sp>
@@ -6179,7 +6179,25 @@
                 </a:solidFill>
                 <a:latin typeface="Century Gothic" panose="020B0502020202020204" pitchFamily="34" charset="0"/>
               </a:rPr>
-              <a:t>Take home: pay attention to what modules you are loading, as this may be important for reproducibility!</a:t>
+              <a:t>Take home: pay attention to </a:t>
+            </a:r>
+            <a:r>
+              <a:rPr lang="en-US" sz="3200" b="1">
+                <a:solidFill>
+                  <a:srgbClr val="FF0000"/>
+                </a:solidFill>
+                <a:latin typeface="Century Gothic" panose="020B0502020202020204" pitchFamily="34" charset="0"/>
+              </a:rPr>
+              <a:t>what software modules </a:t>
+            </a:r>
+            <a:r>
+              <a:rPr lang="en-US" sz="3200" b="1" dirty="0">
+                <a:solidFill>
+                  <a:srgbClr val="FF0000"/>
+                </a:solidFill>
+                <a:latin typeface="Century Gothic" panose="020B0502020202020204" pitchFamily="34" charset="0"/>
+              </a:rPr>
+              <a:t>you are loading, as this may be important for reproducibility!</a:t>
             </a:r>
             <a:endParaRPr lang="en-US" sz="2800" b="1" dirty="0">
               <a:solidFill>
@@ -25954,7 +25972,7 @@
           <a:lstStyle/>
           <a:p>
             <a:r>
-              <a:rPr lang="en-US" b="1">
+              <a:rPr lang="en-US" b="1" dirty="0">
                 <a:latin typeface="Century Gothic" panose="020B0502020202020204" pitchFamily="34" charset="0"/>
               </a:rPr>
               <a:t>The Module System </a:t>
@@ -27221,7 +27239,7 @@
                 <a:ea typeface="Helvetica Neue" panose="02000503000000020004" pitchFamily="2" charset="0"/>
                 <a:cs typeface="Helvetica Neue" panose="02000503000000020004" pitchFamily="2" charset="0"/>
               </a:rPr>
-              <a:t>: Loading and unloading modules will dynamically change the software environment on the cluster.</a:t>
+              <a:t>: Loading and unloading software modules will dynamically change the software environment on the cluster.</a:t>
             </a:r>
           </a:p>
           <a:p>
@@ -27746,7 +27764,7 @@
                 <a:ea typeface="Helvetica Neue" panose="02000503000000020004" pitchFamily="2" charset="0"/>
                 <a:cs typeface="Helvetica Neue" panose="02000503000000020004" pitchFamily="2" charset="0"/>
               </a:rPr>
-              <a:t>: Loading and unloading modules will set (and reset) important environment variables for you.</a:t>
+              <a:t>: Loading and unloading software modules will set (and reset) important environment variables for you.</a:t>
             </a:r>
           </a:p>
           <a:p>
@@ -28695,26 +28713,6 @@
 </file>
 
 <file path=customXml/item1.xml><?xml version="1.0" encoding="utf-8"?>
-<?mso-contentType ?>
-<FormTemplates xmlns="http://schemas.microsoft.com/sharepoint/v3/contenttype/forms">
-  <Display>DocumentLibraryForm</Display>
-  <Edit>DocumentLibraryForm</Edit>
-  <New>DocumentLibraryForm</New>
-</FormTemplates>
-</file>
-
-<file path=customXml/item2.xml><?xml version="1.0" encoding="utf-8"?>
-<p:properties xmlns:p="http://schemas.microsoft.com/office/2006/metadata/properties" xmlns:xsi="http://www.w3.org/2001/XMLSchema-instance" xmlns:pc="http://schemas.microsoft.com/office/infopath/2007/PartnerControls">
-  <documentManagement>
-    <TaxCatchAll xmlns="92c16b9d-8c83-445e-a4f4-1fe3d2f43f13" xsi:nil="true"/>
-    <lcf76f155ced4ddcb4097134ff3c332f xmlns="7e49f7d3-8802-46ca-9604-495ce27f67f4">
-      <Terms xmlns="http://schemas.microsoft.com/office/infopath/2007/PartnerControls"/>
-    </lcf76f155ced4ddcb4097134ff3c332f>
-  </documentManagement>
-</p:properties>
-</file>
-
-<file path=customXml/item3.xml><?xml version="1.0" encoding="utf-8"?>
 <ct:contentTypeSchema xmlns:ct="http://schemas.microsoft.com/office/2006/metadata/contentType" xmlns:ma="http://schemas.microsoft.com/office/2006/metadata/properties/metaAttributes" ct:_="" ma:_="" ma:contentTypeName="Document" ma:contentTypeID="0x010100DC7320DB280744439FF1CC777D09ECA4" ma:contentTypeVersion="15" ma:contentTypeDescription="Create a new document." ma:contentTypeScope="" ma:versionID="e50b92032c956cc777cf00ac7d475189">
   <xsd:schema xmlns:xsd="http://www.w3.org/2001/XMLSchema" xmlns:xs="http://www.w3.org/2001/XMLSchema" xmlns:p="http://schemas.microsoft.com/office/2006/metadata/properties" xmlns:ns2="7e49f7d3-8802-46ca-9604-495ce27f67f4" xmlns:ns3="a1519f9a-9d6a-41c1-afc9-552e4069f82f" xmlns:ns4="92c16b9d-8c83-445e-a4f4-1fe3d2f43f13" targetNamespace="http://schemas.microsoft.com/office/2006/metadata/properties" ma:root="true" ma:fieldsID="fcd7cab68a23f1df7b42ced4f3edf141" ns2:_="" ns3:_="" ns4:_="">
     <xsd:import namespace="7e49f7d3-8802-46ca-9604-495ce27f67f4"/>
@@ -28956,33 +28954,27 @@
 </ct:contentTypeSchema>
 </file>
 
-<file path=customXml/itemProps1.xml><?xml version="1.0" encoding="utf-8"?>
-<ds:datastoreItem xmlns:ds="http://schemas.openxmlformats.org/officeDocument/2006/customXml" ds:itemID="{06B4C708-AA43-4CE7-BE2D-F9D9A02F4940}">
-  <ds:schemaRefs>
-    <ds:schemaRef ds:uri="http://schemas.microsoft.com/sharepoint/v3/contenttype/forms"/>
-  </ds:schemaRefs>
-</ds:datastoreItem>
+<file path=customXml/item2.xml><?xml version="1.0" encoding="utf-8"?>
+<?mso-contentType ?>
+<FormTemplates xmlns="http://schemas.microsoft.com/sharepoint/v3/contenttype/forms">
+  <Display>DocumentLibraryForm</Display>
+  <Edit>DocumentLibraryForm</Edit>
+  <New>DocumentLibraryForm</New>
+</FormTemplates>
 </file>
 
-<file path=customXml/itemProps2.xml><?xml version="1.0" encoding="utf-8"?>
-<ds:datastoreItem xmlns:ds="http://schemas.openxmlformats.org/officeDocument/2006/customXml" ds:itemID="{4AB02FF4-25A1-49FE-9DF7-DD19F525B7FA}">
-  <ds:schemaRefs>
-    <ds:schemaRef ds:uri="7e49f7d3-8802-46ca-9604-495ce27f67f4"/>
-    <ds:schemaRef ds:uri="92c16b9d-8c83-445e-a4f4-1fe3d2f43f13"/>
-    <ds:schemaRef ds:uri="a1519f9a-9d6a-41c1-afc9-552e4069f82f"/>
-    <ds:schemaRef ds:uri="http://purl.org/dc/dcmitype/"/>
-    <ds:schemaRef ds:uri="http://purl.org/dc/elements/1.1/"/>
-    <ds:schemaRef ds:uri="http://purl.org/dc/terms/"/>
-    <ds:schemaRef ds:uri="http://schemas.microsoft.com/office/2006/documentManagement/types"/>
-    <ds:schemaRef ds:uri="http://schemas.microsoft.com/office/2006/metadata/properties"/>
-    <ds:schemaRef ds:uri="http://schemas.microsoft.com/office/infopath/2007/PartnerControls"/>
-    <ds:schemaRef ds:uri="http://schemas.openxmlformats.org/package/2006/metadata/core-properties"/>
-    <ds:schemaRef ds:uri="http://www.w3.org/XML/1998/namespace"/>
-  </ds:schemaRefs>
-</ds:datastoreItem>
+<file path=customXml/item3.xml><?xml version="1.0" encoding="utf-8"?>
+<p:properties xmlns:p="http://schemas.microsoft.com/office/2006/metadata/properties" xmlns:xsi="http://www.w3.org/2001/XMLSchema-instance" xmlns:pc="http://schemas.microsoft.com/office/infopath/2007/PartnerControls">
+  <documentManagement>
+    <TaxCatchAll xmlns="92c16b9d-8c83-445e-a4f4-1fe3d2f43f13" xsi:nil="true"/>
+    <lcf76f155ced4ddcb4097134ff3c332f xmlns="7e49f7d3-8802-46ca-9604-495ce27f67f4">
+      <Terms xmlns="http://schemas.microsoft.com/office/infopath/2007/PartnerControls"/>
+    </lcf76f155ced4ddcb4097134ff3c332f>
+  </documentManagement>
+</p:properties>
 </file>
 
-<file path=customXml/itemProps3.xml><?xml version="1.0" encoding="utf-8"?>
+<file path=customXml/itemProps1.xml><?xml version="1.0" encoding="utf-8"?>
 <ds:datastoreItem xmlns:ds="http://schemas.openxmlformats.org/officeDocument/2006/customXml" ds:itemID="{6BBC22CE-40EC-4545-8FE9-90326628051D}">
   <ds:schemaRefs>
     <ds:schemaRef ds:uri="7e49f7d3-8802-46ca-9604-495ce27f67f4"/>
@@ -29000,4 +28992,30 @@
     <ds:schemaRef ds:uri="http://www.w3.org/2001/XMLSchema"/>
   </ds:schemaRefs>
 </ds:datastoreItem>
+</file>
+
+<file path=customXml/itemProps2.xml><?xml version="1.0" encoding="utf-8"?>
+<ds:datastoreItem xmlns:ds="http://schemas.openxmlformats.org/officeDocument/2006/customXml" ds:itemID="{06B4C708-AA43-4CE7-BE2D-F9D9A02F4940}">
+  <ds:schemaRefs>
+    <ds:schemaRef ds:uri="http://schemas.microsoft.com/sharepoint/v3/contenttype/forms"/>
+  </ds:schemaRefs>
+</ds:datastoreItem>
+</file>
+
+<file path=customXml/itemProps3.xml><?xml version="1.0" encoding="utf-8"?>
+<ds:datastoreItem xmlns:ds="http://schemas.openxmlformats.org/officeDocument/2006/customXml" ds:itemID="{4AB02FF4-25A1-49FE-9DF7-DD19F525B7FA}">
+  <ds:schemaRefs>
+    <ds:schemaRef ds:uri="7e49f7d3-8802-46ca-9604-495ce27f67f4"/>
+    <ds:schemaRef ds:uri="92c16b9d-8c83-445e-a4f4-1fe3d2f43f13"/>
+    <ds:schemaRef ds:uri="a1519f9a-9d6a-41c1-afc9-552e4069f82f"/>
+    <ds:schemaRef ds:uri="http://purl.org/dc/dcmitype/"/>
+    <ds:schemaRef ds:uri="http://purl.org/dc/elements/1.1/"/>
+    <ds:schemaRef ds:uri="http://purl.org/dc/terms/"/>
+    <ds:schemaRef ds:uri="http://schemas.microsoft.com/office/2006/documentManagement/types"/>
+    <ds:schemaRef ds:uri="http://schemas.microsoft.com/office/2006/metadata/properties"/>
+    <ds:schemaRef ds:uri="http://schemas.microsoft.com/office/infopath/2007/PartnerControls"/>
+    <ds:schemaRef ds:uri="http://schemas.openxmlformats.org/package/2006/metadata/core-properties"/>
+    <ds:schemaRef ds:uri="http://www.w3.org/XML/1998/namespace"/>
+  </ds:schemaRefs>
+</ds:datastoreItem>
 </file>
--- a/installing_software/installing_software.pptx
+++ b/installing_software/installing_software.pptx
@@ -5305,7 +5305,7 @@
           <a:p>
             <a:r>
               <a:rPr lang="en-US" dirty="0"/>
-              <a:t>Finding, downloading, and applying software on CURC resources</a:t>
+              <a:t>Finding, Downloading, and Applying Software on CURC Resources</a:t>
             </a:r>
             <a:br>
               <a:rPr lang="en-US" dirty="0"/>
@@ -5953,7 +5953,7 @@
                   <a:ea typeface="Helvetica Neue" panose="02000503000000020004" pitchFamily="2" charset="0"/>
                   <a:cs typeface="Courier New" panose="02070309020205020404" pitchFamily="49" charset="0"/>
                 </a:rPr>
-                <a:t>module spider &lt;package&gt;			# view info for all version</a:t>
+                <a:t>module spider &lt;package&gt;			# view info for all versions</a:t>
               </a:r>
             </a:p>
             <a:p>
@@ -6179,25 +6179,7 @@
                 </a:solidFill>
                 <a:latin typeface="Century Gothic" panose="020B0502020202020204" pitchFamily="34" charset="0"/>
               </a:rPr>
-              <a:t>Take home: pay attention to </a:t>
-            </a:r>
-            <a:r>
-              <a:rPr lang="en-US" sz="3200" b="1">
-                <a:solidFill>
-                  <a:srgbClr val="FF0000"/>
-                </a:solidFill>
-                <a:latin typeface="Century Gothic" panose="020B0502020202020204" pitchFamily="34" charset="0"/>
-              </a:rPr>
-              <a:t>what software modules </a:t>
-            </a:r>
-            <a:r>
-              <a:rPr lang="en-US" sz="3200" b="1" dirty="0">
-                <a:solidFill>
-                  <a:srgbClr val="FF0000"/>
-                </a:solidFill>
-                <a:latin typeface="Century Gothic" panose="020B0502020202020204" pitchFamily="34" charset="0"/>
-              </a:rPr>
-              <a:t>you are loading, as this may be important for reproducibility!</a:t>
+              <a:t>Take home: pay attention to what software modules you are loading, as this may be important for reproducibility!</a:t>
             </a:r>
             <a:endParaRPr lang="en-US" sz="2800" b="1" dirty="0">
               <a:solidFill>
@@ -6498,7 +6480,7 @@
           <a:lstStyle/>
           <a:p>
             <a:r>
-              <a:rPr lang="en-US" sz="3200">
+              <a:rPr lang="en-US" sz="3200" dirty="0">
                 <a:latin typeface="Century Gothic" panose="020B0502020202020204" pitchFamily="34" charset="0"/>
               </a:rPr>
               <a:t>Definitions</a:t>
@@ -6507,43 +6489,43 @@
           <a:p>
             <a:pPr lvl="1"/>
             <a:r>
-              <a:rPr lang="en-US" sz="2800" b="1">
+              <a:rPr lang="en-US" sz="2800" b="1" dirty="0">
                 <a:latin typeface="Century Gothic" panose="020B0502020202020204" pitchFamily="34" charset="0"/>
               </a:rPr>
               <a:t>Building- </a:t>
             </a:r>
             <a:r>
-              <a:rPr lang="en-US" sz="2800">
+              <a:rPr lang="en-US" sz="2800" dirty="0">
                 <a:latin typeface="Century Gothic" panose="020B0502020202020204" pitchFamily="34" charset="0"/>
               </a:rPr>
               <a:t>a</a:t>
             </a:r>
             <a:r>
-              <a:rPr lang="en-US" sz="2800" b="1">
+              <a:rPr lang="en-US" sz="2800" b="1" dirty="0">
                 <a:latin typeface="Century Gothic" panose="020B0502020202020204" pitchFamily="34" charset="0"/>
               </a:rPr>
               <a:t> </a:t>
             </a:r>
             <a:r>
-              <a:rPr lang="en-US" sz="2800">
+              <a:rPr lang="en-US" sz="2800" dirty="0">
                 <a:latin typeface="Century Gothic" panose="020B0502020202020204" pitchFamily="34" charset="0"/>
               </a:rPr>
               <a:t>generic term describing the overall installation process that includes compiling</a:t>
             </a:r>
-            <a:endParaRPr lang="en-US" sz="2800" b="1">
+            <a:endParaRPr lang="en-US" sz="2800" b="1" dirty="0">
               <a:latin typeface="Century Gothic" panose="020B0502020202020204" pitchFamily="34" charset="0"/>
             </a:endParaRPr>
           </a:p>
           <a:p>
             <a:pPr lvl="1"/>
             <a:r>
-              <a:rPr lang="en-US" sz="2800" b="1">
+              <a:rPr lang="en-US" sz="2800" b="1" dirty="0">
                 <a:latin typeface="Century Gothic" panose="020B0502020202020204" pitchFamily="34" charset="0"/>
               </a:rPr>
               <a:t>Compiling</a:t>
             </a:r>
             <a:r>
-              <a:rPr lang="en-US" sz="2800">
+              <a:rPr lang="en-US" sz="2800" dirty="0">
                 <a:latin typeface="Century Gothic" panose="020B0502020202020204" pitchFamily="34" charset="0"/>
               </a:rPr>
               <a:t>- the process of converting source code to an executable</a:t>
@@ -6552,13 +6534,13 @@
           <a:p>
             <a:pPr lvl="1"/>
             <a:r>
-              <a:rPr lang="en-US" sz="2800" b="1">
+              <a:rPr lang="en-US" sz="2800" b="1" dirty="0">
                 <a:latin typeface="Century Gothic" panose="020B0502020202020204" pitchFamily="34" charset="0"/>
               </a:rPr>
               <a:t>Linking</a:t>
             </a:r>
             <a:r>
-              <a:rPr lang="en-US" sz="2800">
+              <a:rPr lang="en-US" sz="2800" dirty="0">
                 <a:latin typeface="Century Gothic" panose="020B0502020202020204" pitchFamily="34" charset="0"/>
               </a:rPr>
               <a:t>- the process of combining pieces of code and data into a single file that can be loaded into memory and executed</a:t>
@@ -6567,18 +6549,18 @@
           <a:p>
             <a:pPr lvl="1"/>
             <a:r>
-              <a:rPr lang="en-US" sz="2800" b="1">
+              <a:rPr lang="en-US" sz="2800" b="1" dirty="0">
                 <a:latin typeface="Century Gothic" panose="020B0502020202020204" pitchFamily="34" charset="0"/>
               </a:rPr>
               <a:t>Installing</a:t>
             </a:r>
             <a:r>
-              <a:rPr lang="en-US" sz="2800">
+              <a:rPr lang="en-US" sz="2800" dirty="0">
                 <a:latin typeface="Century Gothic" panose="020B0502020202020204" pitchFamily="34" charset="0"/>
               </a:rPr>
-              <a:t>- any process that results in executables</a:t>
-            </a:r>
-            <a:endParaRPr lang="en-US" sz="2800" b="1">
+              <a:t>- the process of preparing, configuring, and moving files to make software usable on a system</a:t>
+            </a:r>
+            <a:endParaRPr lang="en-US" sz="2800" b="1" dirty="0">
               <a:latin typeface="Century Gothic" panose="020B0502020202020204" pitchFamily="34" charset="0"/>
             </a:endParaRPr>
           </a:p>
@@ -6586,7 +6568,7 @@
             <a:pPr marL="457200" lvl="1" indent="0">
               <a:buNone/>
             </a:pPr>
-            <a:endParaRPr lang="en-US" sz="2800" b="1">
+            <a:endParaRPr lang="en-US" sz="2800" b="1" dirty="0">
               <a:latin typeface="Century Gothic" panose="020B0502020202020204" pitchFamily="34" charset="0"/>
             </a:endParaRPr>
           </a:p>
@@ -7440,7 +7422,7 @@
               <a:rPr lang="en-US" sz="3200" dirty="0">
                 <a:latin typeface="Century Gothic" panose="020B0502020202020204" pitchFamily="34" charset="0"/>
               </a:rPr>
-              <a:t>It is not distributed as a pre-compiled binary, by any package manager, and is not easily containerized.</a:t>
+              <a:t>If it is not distributed as a pre-compiled binary, by any package manager, and is not easily containerized.</a:t>
             </a:r>
           </a:p>
           <a:p>
@@ -7884,7 +7866,7 @@
                 <a:effectLst/>
                 <a:latin typeface="Century Gothic" panose="020B0502020202020204" pitchFamily="34" charset="0"/>
               </a:rPr>
-              <a:t>your application includes instructions to run </a:t>
+              <a:t>Used if your application includes instructions to run </a:t>
             </a:r>
             <a:r>
               <a:rPr lang="en-US" sz="2600" dirty="0">
@@ -8474,7 +8456,7 @@
               <a:rPr lang="en-US" sz="2400" dirty="0">
                 <a:latin typeface="Century Gothic" panose="020B0502020202020204" pitchFamily="34" charset="0"/>
               </a:rPr>
-              <a:t>your application includes a </a:t>
+              <a:t>Used if your application includes a </a:t>
             </a:r>
             <a:r>
               <a:rPr lang="en-US" sz="2400" dirty="0" err="1">
@@ -9422,6 +9404,13 @@
           <a:p>
             <a:pPr lvl="2"/>
             <a:r>
+              <a:rPr lang="en-US" sz="2400" dirty="0">
+                <a:latin typeface="Century Gothic" panose="020B0502020202020204" pitchFamily="34" charset="0"/>
+                <a:cs typeface="Courier New" panose="02070309020205020404" pitchFamily="49" charset="0"/>
+              </a:rPr>
+              <a:t>Use </a:t>
+            </a:r>
+            <a:r>
               <a:rPr lang="en-US" sz="2400" dirty="0" err="1">
                 <a:latin typeface="Courier New" panose="02070309020205020404" pitchFamily="49" charset="0"/>
                 <a:cs typeface="Courier New" panose="02070309020205020404" pitchFamily="49" charset="0"/>
@@ -9819,7 +9808,7 @@
         </p:nvSpPr>
         <p:spPr>
           <a:xfrm>
-            <a:off x="561975" y="1661232"/>
+            <a:off x="838200" y="1690688"/>
             <a:ext cx="6410325" cy="3920418"/>
           </a:xfrm>
         </p:spPr>
@@ -9984,7 +9973,7 @@
               <a:buNone/>
             </a:pPr>
             <a:r>
-              <a:rPr lang="en-US" sz="3200">
+              <a:rPr lang="en-US" sz="3200" dirty="0">
                 <a:latin typeface="Century Gothic" panose="020B0502020202020204" pitchFamily="34" charset="0"/>
               </a:rPr>
               <a:t>Conventions and best practices</a:t>
@@ -9993,7 +9982,7 @@
           <a:p>
             <a:pPr lvl="1"/>
             <a:r>
-              <a:rPr lang="en-US" sz="2900">
+              <a:rPr lang="en-US" sz="2900" dirty="0">
                 <a:latin typeface="Century Gothic" panose="020B0502020202020204" pitchFamily="34" charset="0"/>
               </a:rPr>
               <a:t>Make life easier for yourself by adding executables to PATH and any directories with libraries that your application links to LD_LIBRARY_PATH</a:t>
@@ -10003,7 +9992,7 @@
             <a:pPr marL="457200" lvl="1" indent="0">
               <a:buNone/>
             </a:pPr>
-            <a:endParaRPr lang="en-US" sz="2800">
+            <a:endParaRPr lang="en-US" sz="2800" dirty="0">
               <a:latin typeface="Century Gothic" panose="020B0502020202020204" pitchFamily="34" charset="0"/>
             </a:endParaRPr>
           </a:p>
@@ -10749,7 +10738,7 @@
         </p:nvSpPr>
         <p:spPr>
           <a:xfrm>
-            <a:off x="523407" y="359852"/>
+            <a:off x="354992" y="359850"/>
             <a:ext cx="10515600" cy="1325563"/>
           </a:xfrm>
         </p:spPr>
@@ -10762,6 +10751,15 @@
                 <a:latin typeface="Century Gothic"/>
               </a:rPr>
               <a:t>Simplifying Installations with</a:t>
+            </a:r>
+            <a:r>
+              <a:rPr lang="en-US" b="1" dirty="0">
+                <a:solidFill>
+                  <a:schemeClr val="bg1"/>
+                </a:solidFill>
+                <a:latin typeface="Century Gothic"/>
+              </a:rPr>
+              <a:t> Spack</a:t>
             </a:r>
           </a:p>
         </p:txBody>
@@ -10788,7 +10786,7 @@
         </p:blipFill>
         <p:spPr>
           <a:xfrm>
-            <a:off x="8199709" y="500682"/>
+            <a:off x="8212066" y="359850"/>
             <a:ext cx="3624942" cy="1043901"/>
           </a:xfrm>
           <a:prstGeom prst="rect">
@@ -11147,8 +11145,8 @@
         </p:nvSpPr>
         <p:spPr>
           <a:xfrm>
-            <a:off x="-258896" y="365125"/>
-            <a:ext cx="8595176" cy="1348423"/>
+            <a:off x="-466727" y="203389"/>
+            <a:ext cx="11046345" cy="1348423"/>
           </a:xfrm>
         </p:spPr>
         <p:txBody>
@@ -11162,7 +11160,20 @@
               </a:rPr>
               <a:t>Simplifying Installations with</a:t>
             </a:r>
-            <a:endParaRPr lang="en-US" dirty="0"/>
+            <a:r>
+              <a:rPr lang="en-US" b="1" dirty="0">
+                <a:solidFill>
+                  <a:schemeClr val="bg1"/>
+                </a:solidFill>
+                <a:latin typeface="Century Gothic"/>
+              </a:rPr>
+              <a:t> Spack</a:t>
+            </a:r>
+            <a:endParaRPr lang="en-US" dirty="0">
+              <a:solidFill>
+                <a:schemeClr val="bg1"/>
+              </a:solidFill>
+            </a:endParaRPr>
           </a:p>
         </p:txBody>
       </p:sp>
@@ -11188,7 +11199,7 @@
         </p:blipFill>
         <p:spPr>
           <a:xfrm>
-            <a:off x="7973248" y="516545"/>
+            <a:off x="8214945" y="329564"/>
             <a:ext cx="3624942" cy="1043901"/>
           </a:xfrm>
           <a:prstGeom prst="rect">
@@ -12089,7 +12100,7 @@
         </p:nvSpPr>
         <p:spPr>
           <a:xfrm>
-            <a:off x="178841" y="365125"/>
+            <a:off x="234892" y="256097"/>
             <a:ext cx="11174959" cy="1340803"/>
           </a:xfrm>
         </p:spPr>
@@ -12105,7 +12116,22 @@
               </a:rPr>
               <a:t>Simplifying Installations with</a:t>
             </a:r>
-            <a:endParaRPr lang="en-US" dirty="0"/>
+            <a:r>
+              <a:rPr lang="en-US" b="1" dirty="0">
+                <a:solidFill>
+                  <a:schemeClr val="bg1"/>
+                </a:solidFill>
+                <a:latin typeface="Century Gothic"/>
+                <a:ea typeface="+mj-lt"/>
+                <a:cs typeface="+mj-lt"/>
+              </a:rPr>
+              <a:t> Spack</a:t>
+            </a:r>
+            <a:endParaRPr lang="en-US" dirty="0">
+              <a:solidFill>
+                <a:schemeClr val="bg1"/>
+              </a:solidFill>
+            </a:endParaRPr>
           </a:p>
         </p:txBody>
       </p:sp>
@@ -12131,7 +12157,7 @@
         </p:blipFill>
         <p:spPr>
           <a:xfrm>
-            <a:off x="7820297" y="508925"/>
+            <a:off x="8169729" y="404547"/>
             <a:ext cx="3624942" cy="1043901"/>
           </a:xfrm>
           <a:prstGeom prst="rect">
@@ -12496,7 +12522,7 @@
         </p:nvSpPr>
         <p:spPr>
           <a:xfrm>
-            <a:off x="358967" y="365125"/>
+            <a:off x="398294" y="360473"/>
             <a:ext cx="10994833" cy="1340803"/>
           </a:xfrm>
         </p:spPr>
@@ -12505,12 +12531,27 @@
           <a:lstStyle/>
           <a:p>
             <a:r>
-              <a:rPr lang="en-US" b="1">
+              <a:rPr lang="en-US" b="1" dirty="0">
                 <a:latin typeface="Century Gothic"/>
               </a:rPr>
-              <a:t>Simplifying Installations with </a:t>
-            </a:r>
-            <a:endParaRPr lang="en-US"/>
+              <a:t>Simplifying Installations with</a:t>
+            </a:r>
+            <a:r>
+              <a:rPr lang="en-US" b="1" dirty="0">
+                <a:solidFill>
+                  <a:schemeClr val="bg1"/>
+                </a:solidFill>
+                <a:latin typeface="Century Gothic"/>
+              </a:rPr>
+              <a:t> Spack</a:t>
+            </a:r>
+            <a:r>
+              <a:rPr lang="en-US" b="1" dirty="0">
+                <a:latin typeface="Century Gothic"/>
+              </a:rPr>
+              <a:t> </a:t>
+            </a:r>
+            <a:endParaRPr lang="en-US" dirty="0"/>
           </a:p>
         </p:txBody>
       </p:sp>
@@ -12536,7 +12577,7 @@
         </p:blipFill>
         <p:spPr>
           <a:xfrm>
-            <a:off x="7995557" y="508925"/>
+            <a:off x="8168764" y="498439"/>
             <a:ext cx="3624942" cy="1043901"/>
           </a:xfrm>
           <a:prstGeom prst="rect">
@@ -13456,12 +13497,27 @@
           <a:lstStyle/>
           <a:p>
             <a:r>
-              <a:rPr lang="en-US" b="1">
+              <a:rPr lang="en-US" b="1" dirty="0">
                 <a:latin typeface="Century Gothic"/>
               </a:rPr>
-              <a:t>Simplifying Installations with </a:t>
-            </a:r>
-            <a:endParaRPr lang="en-US"/>
+              <a:t>Simplifying Installations with</a:t>
+            </a:r>
+            <a:r>
+              <a:rPr lang="en-US" b="1" dirty="0">
+                <a:solidFill>
+                  <a:schemeClr val="bg1"/>
+                </a:solidFill>
+                <a:latin typeface="Century Gothic"/>
+              </a:rPr>
+              <a:t> Spack</a:t>
+            </a:r>
+            <a:r>
+              <a:rPr lang="en-US" b="1" dirty="0">
+                <a:latin typeface="Century Gothic"/>
+              </a:rPr>
+              <a:t> </a:t>
+            </a:r>
+            <a:endParaRPr lang="en-US" dirty="0"/>
           </a:p>
         </p:txBody>
       </p:sp>
@@ -13487,7 +13543,7 @@
         </p:blipFill>
         <p:spPr>
           <a:xfrm>
-            <a:off x="7995557" y="508925"/>
+            <a:off x="8169729" y="513575"/>
             <a:ext cx="3624942" cy="1043901"/>
           </a:xfrm>
           <a:prstGeom prst="rect">
@@ -14342,16 +14398,30 @@
             <p:ph type="title"/>
           </p:nvPr>
         </p:nvSpPr>
-        <p:spPr/>
+        <p:spPr>
+          <a:xfrm>
+            <a:off x="529282" y="359852"/>
+            <a:ext cx="10515600" cy="1325563"/>
+          </a:xfrm>
+        </p:spPr>
         <p:txBody>
           <a:bodyPr/>
           <a:lstStyle/>
           <a:p>
             <a:r>
-              <a:rPr lang="en-US" b="1">
+              <a:rPr lang="en-US" b="1" dirty="0">
                 <a:latin typeface="Century Gothic"/>
               </a:rPr>
               <a:t>Simplifying Installations with</a:t>
+            </a:r>
+            <a:r>
+              <a:rPr lang="en-US" b="1" dirty="0">
+                <a:solidFill>
+                  <a:schemeClr val="bg1"/>
+                </a:solidFill>
+                <a:latin typeface="Century Gothic"/>
+              </a:rPr>
+              <a:t> Spack</a:t>
             </a:r>
           </a:p>
         </p:txBody>
@@ -14378,7 +14448,7 @@
         </p:blipFill>
         <p:spPr>
           <a:xfrm>
-            <a:off x="8567057" y="501305"/>
+            <a:off x="8394063" y="500682"/>
             <a:ext cx="3624942" cy="1043901"/>
           </a:xfrm>
           <a:prstGeom prst="rect">
@@ -14673,7 +14743,7 @@
         </p:nvSpPr>
         <p:spPr>
           <a:xfrm>
-            <a:off x="334545" y="365125"/>
+            <a:off x="334545" y="237098"/>
             <a:ext cx="11019255" cy="1340803"/>
           </a:xfrm>
         </p:spPr>
@@ -14687,7 +14757,20 @@
               </a:rPr>
               <a:t>Simplifying Installations with</a:t>
             </a:r>
-            <a:endParaRPr lang="en-US" dirty="0"/>
+            <a:r>
+              <a:rPr lang="en-US" b="1" dirty="0">
+                <a:solidFill>
+                  <a:schemeClr val="bg1"/>
+                </a:solidFill>
+                <a:latin typeface="Century Gothic"/>
+              </a:rPr>
+              <a:t> Spack</a:t>
+            </a:r>
+            <a:endParaRPr lang="en-US" dirty="0">
+              <a:solidFill>
+                <a:schemeClr val="bg1"/>
+              </a:solidFill>
+            </a:endParaRPr>
           </a:p>
         </p:txBody>
       </p:sp>
@@ -14713,7 +14796,7 @@
         </p:blipFill>
         <p:spPr>
           <a:xfrm>
-            <a:off x="7949837" y="508925"/>
+            <a:off x="8169729" y="360256"/>
             <a:ext cx="3624942" cy="1043901"/>
           </a:xfrm>
           <a:prstGeom prst="rect">
@@ -15359,7 +15442,7 @@
         </p:nvSpPr>
         <p:spPr>
           <a:xfrm>
-            <a:off x="416805" y="365125"/>
+            <a:off x="568166" y="360473"/>
             <a:ext cx="10936995" cy="1340803"/>
           </a:xfrm>
         </p:spPr>
@@ -15373,7 +15456,20 @@
               </a:rPr>
               <a:t>Simplifying Installations with</a:t>
             </a:r>
-            <a:endParaRPr lang="en-US" dirty="0"/>
+            <a:r>
+              <a:rPr lang="en-US" b="1" dirty="0">
+                <a:solidFill>
+                  <a:schemeClr val="bg1"/>
+                </a:solidFill>
+                <a:latin typeface="Century Gothic"/>
+              </a:rPr>
+              <a:t> Spack</a:t>
+            </a:r>
+            <a:endParaRPr lang="en-US" dirty="0">
+              <a:solidFill>
+                <a:schemeClr val="bg1"/>
+              </a:solidFill>
+            </a:endParaRPr>
           </a:p>
         </p:txBody>
       </p:sp>
@@ -15399,7 +15495,7 @@
         </p:blipFill>
         <p:spPr>
           <a:xfrm>
-            <a:off x="7995557" y="508925"/>
+            <a:off x="8353903" y="466697"/>
             <a:ext cx="3624942" cy="1043901"/>
           </a:xfrm>
           <a:prstGeom prst="rect">
@@ -16450,7 +16546,8 @@
             </a:r>
             <a:r>
               <a:rPr lang="en-US" sz="2800" dirty="0" err="1">
-                <a:latin typeface="Century Gothic"/>
+                <a:latin typeface="Courier New" panose="02070309020205020404" pitchFamily="49" charset="0"/>
+                <a:cs typeface="Courier New" panose="02070309020205020404" pitchFamily="49" charset="0"/>
               </a:rPr>
               <a:t>fastqc</a:t>
             </a:r>
@@ -16596,7 +16693,12 @@
             <p:ph type="title"/>
           </p:nvPr>
         </p:nvSpPr>
-        <p:spPr/>
+        <p:spPr>
+          <a:xfrm>
+            <a:off x="553995" y="365123"/>
+            <a:ext cx="10515600" cy="1325563"/>
+          </a:xfrm>
+        </p:spPr>
         <p:txBody>
           <a:bodyPr/>
           <a:lstStyle/>
@@ -16607,6 +16709,30 @@
               </a:rPr>
               <a:t>Virtual Environments with</a:t>
             </a:r>
+            <a:r>
+              <a:rPr lang="en-US" b="1" dirty="0">
+                <a:solidFill>
+                  <a:schemeClr val="bg1"/>
+                </a:solidFill>
+                <a:latin typeface="Century Gothic" panose="020B0502020202020204" pitchFamily="34" charset="0"/>
+              </a:rPr>
+              <a:t> </a:t>
+            </a:r>
+            <a:r>
+              <a:rPr lang="en-US" b="1" dirty="0" err="1">
+                <a:solidFill>
+                  <a:schemeClr val="bg1"/>
+                </a:solidFill>
+                <a:latin typeface="Century Gothic" panose="020B0502020202020204" pitchFamily="34" charset="0"/>
+              </a:rPr>
+              <a:t>Conda</a:t>
+            </a:r>
+            <a:endParaRPr lang="en-US" b="1" dirty="0">
+              <a:solidFill>
+                <a:schemeClr val="bg1"/>
+              </a:solidFill>
+              <a:latin typeface="Century Gothic" panose="020B0502020202020204" pitchFamily="34" charset="0"/>
+            </a:endParaRPr>
           </a:p>
         </p:txBody>
       </p:sp>
@@ -16632,7 +16758,7 @@
         </p:blipFill>
         <p:spPr>
           <a:xfrm>
-            <a:off x="7678028" y="439562"/>
+            <a:off x="7480320" y="365123"/>
             <a:ext cx="4272920" cy="1176687"/>
           </a:xfrm>
           <a:prstGeom prst="rect">
@@ -16968,7 +17094,7 @@
         </p:nvSpPr>
         <p:spPr>
           <a:xfrm>
-            <a:off x="838200" y="18255"/>
+            <a:off x="838200" y="106021"/>
             <a:ext cx="10515600" cy="1325563"/>
           </a:xfrm>
         </p:spPr>
@@ -16982,7 +17108,29 @@
               </a:rPr>
               <a:t>Virtual Environments with</a:t>
             </a:r>
-            <a:endParaRPr lang="en-US" dirty="0"/>
+            <a:r>
+              <a:rPr lang="en-US" b="1" dirty="0">
+                <a:solidFill>
+                  <a:schemeClr val="bg1"/>
+                </a:solidFill>
+                <a:latin typeface="Century Gothic" panose="020B0502020202020204" pitchFamily="34" charset="0"/>
+              </a:rPr>
+              <a:t> </a:t>
+            </a:r>
+            <a:r>
+              <a:rPr lang="en-US" b="1" dirty="0" err="1">
+                <a:solidFill>
+                  <a:schemeClr val="bg1"/>
+                </a:solidFill>
+                <a:latin typeface="Century Gothic" panose="020B0502020202020204" pitchFamily="34" charset="0"/>
+              </a:rPr>
+              <a:t>Conda</a:t>
+            </a:r>
+            <a:endParaRPr lang="en-US" dirty="0">
+              <a:solidFill>
+                <a:schemeClr val="bg1"/>
+              </a:solidFill>
+            </a:endParaRPr>
           </a:p>
         </p:txBody>
       </p:sp>
@@ -17578,6 +17726,30 @@
               </a:rPr>
               <a:t>Virtual Environments with</a:t>
             </a:r>
+            <a:r>
+              <a:rPr lang="en-US" b="1" dirty="0">
+                <a:solidFill>
+                  <a:schemeClr val="bg1"/>
+                </a:solidFill>
+                <a:latin typeface="Century Gothic" panose="020B0502020202020204" pitchFamily="34" charset="0"/>
+              </a:rPr>
+              <a:t> </a:t>
+            </a:r>
+            <a:r>
+              <a:rPr lang="en-US" b="1" dirty="0" err="1">
+                <a:solidFill>
+                  <a:schemeClr val="bg1"/>
+                </a:solidFill>
+                <a:latin typeface="Century Gothic" panose="020B0502020202020204" pitchFamily="34" charset="0"/>
+              </a:rPr>
+              <a:t>Conda</a:t>
+            </a:r>
+            <a:endParaRPr lang="en-US" b="1" dirty="0">
+              <a:solidFill>
+                <a:schemeClr val="bg1"/>
+              </a:solidFill>
+              <a:latin typeface="Century Gothic" panose="020B0502020202020204" pitchFamily="34" charset="0"/>
+            </a:endParaRPr>
           </a:p>
         </p:txBody>
       </p:sp>
@@ -18467,6 +18639,30 @@
               </a:rPr>
               <a:t>Virtual Environments with</a:t>
             </a:r>
+            <a:r>
+              <a:rPr lang="en-US" b="1" dirty="0">
+                <a:solidFill>
+                  <a:schemeClr val="bg1"/>
+                </a:solidFill>
+                <a:latin typeface="Century Gothic" panose="020B0502020202020204" pitchFamily="34" charset="0"/>
+              </a:rPr>
+              <a:t> </a:t>
+            </a:r>
+            <a:r>
+              <a:rPr lang="en-US" b="1" dirty="0" err="1">
+                <a:solidFill>
+                  <a:schemeClr val="bg1"/>
+                </a:solidFill>
+                <a:latin typeface="Century Gothic" panose="020B0502020202020204" pitchFamily="34" charset="0"/>
+              </a:rPr>
+              <a:t>Conda</a:t>
+            </a:r>
+            <a:endParaRPr lang="en-US" b="1" dirty="0">
+              <a:solidFill>
+                <a:schemeClr val="bg1"/>
+              </a:solidFill>
+              <a:latin typeface="Century Gothic" panose="020B0502020202020204" pitchFamily="34" charset="0"/>
+            </a:endParaRPr>
           </a:p>
         </p:txBody>
       </p:sp>
@@ -19340,6 +19536,30 @@
               </a:rPr>
               <a:t>Virtual Environments with</a:t>
             </a:r>
+            <a:r>
+              <a:rPr lang="en-US" b="1" dirty="0">
+                <a:solidFill>
+                  <a:schemeClr val="bg1"/>
+                </a:solidFill>
+                <a:latin typeface="Century Gothic" panose="020B0502020202020204" pitchFamily="34" charset="0"/>
+              </a:rPr>
+              <a:t> </a:t>
+            </a:r>
+            <a:r>
+              <a:rPr lang="en-US" b="1" dirty="0" err="1">
+                <a:solidFill>
+                  <a:schemeClr val="bg1"/>
+                </a:solidFill>
+                <a:latin typeface="Century Gothic" panose="020B0502020202020204" pitchFamily="34" charset="0"/>
+              </a:rPr>
+              <a:t>Conda</a:t>
+            </a:r>
+            <a:endParaRPr lang="en-US" b="1" dirty="0">
+              <a:solidFill>
+                <a:schemeClr val="bg1"/>
+              </a:solidFill>
+              <a:latin typeface="Century Gothic" panose="020B0502020202020204" pitchFamily="34" charset="0"/>
+            </a:endParaRPr>
           </a:p>
         </p:txBody>
       </p:sp>
@@ -20477,6 +20697,30 @@
               </a:rPr>
               <a:t>Virtual Environments with</a:t>
             </a:r>
+            <a:r>
+              <a:rPr lang="en-US" b="1" dirty="0">
+                <a:solidFill>
+                  <a:schemeClr val="bg1"/>
+                </a:solidFill>
+                <a:latin typeface="Century Gothic" panose="020B0502020202020204" pitchFamily="34" charset="0"/>
+              </a:rPr>
+              <a:t> </a:t>
+            </a:r>
+            <a:r>
+              <a:rPr lang="en-US" b="1" dirty="0" err="1">
+                <a:solidFill>
+                  <a:schemeClr val="bg1"/>
+                </a:solidFill>
+                <a:latin typeface="Century Gothic" panose="020B0502020202020204" pitchFamily="34" charset="0"/>
+              </a:rPr>
+              <a:t>Conda</a:t>
+            </a:r>
+            <a:endParaRPr lang="en-US" b="1" dirty="0">
+              <a:solidFill>
+                <a:schemeClr val="bg1"/>
+              </a:solidFill>
+              <a:latin typeface="Century Gothic" panose="020B0502020202020204" pitchFamily="34" charset="0"/>
+            </a:endParaRPr>
           </a:p>
         </p:txBody>
       </p:sp>
@@ -21127,8 +21371,17 @@
               <a:rPr lang="en-US" b="1" dirty="0">
                 <a:latin typeface="Century Gothic" panose="020B0502020202020204" pitchFamily="34" charset="0"/>
               </a:rPr>
-              <a:t>Virtual Environments with</a:t>
-            </a:r>
+              <a:t>Virtual Environments with </a:t>
+            </a:r>
+            <a:r>
+              <a:rPr lang="en-US" b="1" dirty="0" err="1">
+                <a:latin typeface="Century Gothic" panose="020B0502020202020204" pitchFamily="34" charset="0"/>
+              </a:rPr>
+              <a:t>Conda</a:t>
+            </a:r>
+            <a:endParaRPr lang="en-US" b="1" dirty="0">
+              <a:latin typeface="Century Gothic" panose="020B0502020202020204" pitchFamily="34" charset="0"/>
+            </a:endParaRPr>
           </a:p>
         </p:txBody>
       </p:sp>
@@ -22096,10 +22349,34 @@
           <a:lstStyle/>
           <a:p>
             <a:r>
-              <a:rPr lang="en-US" b="1">
+              <a:rPr lang="en-US" b="1" dirty="0">
                 <a:latin typeface="Century Gothic" panose="020B0502020202020204" pitchFamily="34" charset="0"/>
               </a:rPr>
-              <a:t>Containerization With </a:t>
+              <a:t>Containerization with</a:t>
+            </a:r>
+            <a:r>
+              <a:rPr lang="en-US" b="1" dirty="0">
+                <a:solidFill>
+                  <a:schemeClr val="bg1"/>
+                </a:solidFill>
+                <a:latin typeface="Century Gothic" panose="020B0502020202020204" pitchFamily="34" charset="0"/>
+              </a:rPr>
+              <a:t> </a:t>
+            </a:r>
+            <a:r>
+              <a:rPr lang="en-US" b="1" dirty="0" err="1">
+                <a:solidFill>
+                  <a:schemeClr val="bg1"/>
+                </a:solidFill>
+                <a:latin typeface="Century Gothic" panose="020B0502020202020204" pitchFamily="34" charset="0"/>
+              </a:rPr>
+              <a:t>Apptainer</a:t>
+            </a:r>
+            <a:r>
+              <a:rPr lang="en-US" b="1" dirty="0">
+                <a:latin typeface="Century Gothic" panose="020B0502020202020204" pitchFamily="34" charset="0"/>
+              </a:rPr>
+              <a:t> </a:t>
             </a:r>
           </a:p>
         </p:txBody>
@@ -22178,7 +22455,7 @@
               <a:rPr lang="en-US" sz="2800" dirty="0">
                 <a:latin typeface="Century Gothic" panose="020B0502020202020204" pitchFamily="34" charset="0"/>
               </a:rPr>
-              <a:t>pros</a:t>
+              <a:t>Pros</a:t>
             </a:r>
           </a:p>
           <a:p>
@@ -22187,7 +22464,7 @@
               <a:rPr lang="en-US" sz="2400" dirty="0">
                 <a:latin typeface="Century Gothic" panose="020B0502020202020204" pitchFamily="34" charset="0"/>
               </a:rPr>
-              <a:t>portability</a:t>
+              <a:t>Portability</a:t>
             </a:r>
             <a:r>
               <a:rPr lang="en-US" sz="2400" b="1" dirty="0">
@@ -22211,7 +22488,7 @@
               <a:rPr lang="en-US" sz="2400" dirty="0">
                 <a:latin typeface="Century Gothic" panose="020B0502020202020204" pitchFamily="34" charset="0"/>
               </a:rPr>
-              <a:t>reproducibility- because containers are instances of prebuilt isolated software, the software will always execute the same every time</a:t>
+              <a:t>Reproducibility- because containers are instances of prebuilt isolated software, the software will always execute the same every time</a:t>
             </a:r>
           </a:p>
           <a:p>
@@ -22220,7 +22497,7 @@
               <a:rPr lang="en-US" sz="2800" dirty="0">
                 <a:latin typeface="Century Gothic" panose="020B0502020202020204" pitchFamily="34" charset="0"/>
               </a:rPr>
-              <a:t>cons</a:t>
+              <a:t>Cons</a:t>
             </a:r>
           </a:p>
           <a:p>
@@ -22229,7 +22506,7 @@
               <a:rPr lang="en-US" sz="2400" dirty="0">
                 <a:latin typeface="Century Gothic" panose="020B0502020202020204" pitchFamily="34" charset="0"/>
               </a:rPr>
-              <a:t>steeper learning curve than </a:t>
+              <a:t>Steeper learning curve than </a:t>
             </a:r>
             <a:r>
               <a:rPr lang="en-US" sz="2400" dirty="0" err="1">
@@ -22247,7 +22524,7 @@
               <a:rPr lang="en-US" sz="2400" dirty="0">
                 <a:latin typeface="Century Gothic" panose="020B0502020202020204" pitchFamily="34" charset="0"/>
               </a:rPr>
-              <a:t>can be difficult to troubleshoot issues</a:t>
+              <a:t>Can be difficult to troubleshoot issues</a:t>
             </a:r>
           </a:p>
           <a:p>
@@ -22256,7 +22533,7 @@
               <a:rPr lang="en-US" sz="2400" dirty="0">
                 <a:latin typeface="Century Gothic" panose="020B0502020202020204" pitchFamily="34" charset="0"/>
               </a:rPr>
-              <a:t>building containers can be tricky for multi-node MPI applications </a:t>
+              <a:t>Building containers can be tricky for multi-node MPI applications </a:t>
             </a:r>
           </a:p>
         </p:txBody>
@@ -23234,10 +23511,34 @@
           <a:lstStyle/>
           <a:p>
             <a:r>
-              <a:rPr lang="en-US" b="1">
+              <a:rPr lang="en-US" b="1" dirty="0">
                 <a:latin typeface="Century Gothic" panose="020B0502020202020204" pitchFamily="34" charset="0"/>
               </a:rPr>
-              <a:t>Containerization With </a:t>
+              <a:t>Containerization with</a:t>
+            </a:r>
+            <a:r>
+              <a:rPr lang="en-US" b="1" dirty="0">
+                <a:solidFill>
+                  <a:schemeClr val="bg1"/>
+                </a:solidFill>
+                <a:latin typeface="Century Gothic" panose="020B0502020202020204" pitchFamily="34" charset="0"/>
+              </a:rPr>
+              <a:t> </a:t>
+            </a:r>
+            <a:r>
+              <a:rPr lang="en-US" b="1" dirty="0" err="1">
+                <a:solidFill>
+                  <a:schemeClr val="bg1"/>
+                </a:solidFill>
+                <a:latin typeface="Century Gothic" panose="020B0502020202020204" pitchFamily="34" charset="0"/>
+              </a:rPr>
+              <a:t>Apptainer</a:t>
+            </a:r>
+            <a:r>
+              <a:rPr lang="en-US" b="1" dirty="0">
+                <a:latin typeface="Century Gothic" panose="020B0502020202020204" pitchFamily="34" charset="0"/>
+              </a:rPr>
+              <a:t> </a:t>
             </a:r>
           </a:p>
         </p:txBody>
@@ -23329,15 +23630,15 @@
             <a:pPr lvl="1"/>
             <a:r>
               <a:rPr lang="en-US" sz="2800" dirty="0" err="1">
-                <a:latin typeface="Monaco" pitchFamily="2" charset="77"/>
+                <a:latin typeface="Century Gothic" panose="020B0502020202020204" pitchFamily="34" charset="0"/>
               </a:rPr>
               <a:t>Apptainer</a:t>
             </a:r>
             <a:r>
               <a:rPr lang="en-US" sz="2800" dirty="0">
-                <a:latin typeface="Monaco" pitchFamily="2" charset="77"/>
-              </a:rPr>
-              <a:t> comes pre-installed on all Alpine nodes, so no need to load any specific software</a:t>
+                <a:latin typeface="Century Gothic" panose="020B0502020202020204" pitchFamily="34" charset="0"/>
+              </a:rPr>
+              <a:t> comes pre-installed on all Alpine nodes, so no need to load any specific software modules!</a:t>
             </a:r>
           </a:p>
           <a:p>
@@ -23617,10 +23918,34 @@
           <a:lstStyle/>
           <a:p>
             <a:r>
-              <a:rPr lang="en-US" b="1">
+              <a:rPr lang="en-US" b="1" dirty="0">
                 <a:latin typeface="Century Gothic" panose="020B0502020202020204" pitchFamily="34" charset="0"/>
               </a:rPr>
-              <a:t>Containerization With </a:t>
+              <a:t>Containerization with</a:t>
+            </a:r>
+            <a:r>
+              <a:rPr lang="en-US" b="1" dirty="0">
+                <a:solidFill>
+                  <a:schemeClr val="bg1"/>
+                </a:solidFill>
+                <a:latin typeface="Century Gothic" panose="020B0502020202020204" pitchFamily="34" charset="0"/>
+              </a:rPr>
+              <a:t> </a:t>
+            </a:r>
+            <a:r>
+              <a:rPr lang="en-US" b="1" dirty="0" err="1">
+                <a:solidFill>
+                  <a:schemeClr val="bg1"/>
+                </a:solidFill>
+                <a:latin typeface="Century Gothic" panose="020B0502020202020204" pitchFamily="34" charset="0"/>
+              </a:rPr>
+              <a:t>Apptainer</a:t>
+            </a:r>
+            <a:r>
+              <a:rPr lang="en-US" b="1" dirty="0">
+                <a:latin typeface="Century Gothic" panose="020B0502020202020204" pitchFamily="34" charset="0"/>
+              </a:rPr>
+              <a:t> </a:t>
             </a:r>
           </a:p>
         </p:txBody>
@@ -23647,7 +23972,7 @@
         </p:blipFill>
         <p:spPr>
           <a:xfrm>
-            <a:off x="6725748" y="182563"/>
+            <a:off x="6725748" y="136525"/>
             <a:ext cx="5164698" cy="1690686"/>
           </a:xfrm>
           <a:prstGeom prst="rect">
@@ -23720,7 +24045,7 @@
               <a:rPr lang="en-US" sz="2800" dirty="0">
                 <a:latin typeface="Century Gothic" panose="020B0502020202020204" pitchFamily="34" charset="0"/>
               </a:rPr>
-              <a:t>commands</a:t>
+              <a:t>commands:</a:t>
             </a:r>
           </a:p>
         </p:txBody>
@@ -24104,7 +24429,7 @@
                   <a:latin typeface="Courier New" panose="02070309020205020404" pitchFamily="49" charset="0"/>
                   <a:cs typeface="Courier New" panose="02070309020205020404" pitchFamily="49" charset="0"/>
                 </a:rPr>
-                <a:t> shell 		#Shell into your image</a:t>
+                <a:t> shell 		#Access the command line of your container</a:t>
               </a:r>
             </a:p>
             <a:p>
@@ -24200,10 +24525,34 @@
           <a:lstStyle/>
           <a:p>
             <a:r>
-              <a:rPr lang="en-US" b="1">
+              <a:rPr lang="en-US" b="1" dirty="0">
                 <a:latin typeface="Century Gothic" panose="020B0502020202020204" pitchFamily="34" charset="0"/>
               </a:rPr>
-              <a:t>Containerization With </a:t>
+              <a:t>Containerization with</a:t>
+            </a:r>
+            <a:r>
+              <a:rPr lang="en-US" b="1" dirty="0">
+                <a:solidFill>
+                  <a:schemeClr val="bg1"/>
+                </a:solidFill>
+                <a:latin typeface="Century Gothic" panose="020B0502020202020204" pitchFamily="34" charset="0"/>
+              </a:rPr>
+              <a:t> </a:t>
+            </a:r>
+            <a:r>
+              <a:rPr lang="en-US" b="1" dirty="0" err="1">
+                <a:solidFill>
+                  <a:schemeClr val="bg1"/>
+                </a:solidFill>
+                <a:latin typeface="Century Gothic" panose="020B0502020202020204" pitchFamily="34" charset="0"/>
+              </a:rPr>
+              <a:t>Apptainer</a:t>
+            </a:r>
+            <a:r>
+              <a:rPr lang="en-US" b="1" dirty="0">
+                <a:latin typeface="Century Gothic" panose="020B0502020202020204" pitchFamily="34" charset="0"/>
+              </a:rPr>
+              <a:t> </a:t>
             </a:r>
           </a:p>
         </p:txBody>
@@ -26815,7 +27164,7 @@
               <a:rPr lang="en-US" sz="2400" dirty="0">
                 <a:latin typeface="Century Gothic" panose="020B0502020202020204" pitchFamily="34" charset="0"/>
               </a:rPr>
-              <a:t>Log in to CURC HPC system</a:t>
+              <a:t>Log in to the CURC HPC system</a:t>
             </a:r>
           </a:p>
           <a:p>

--- a/installing_software/installing_software.pptx
+++ b/installing_software/installing_software.pptx
@@ -5,54 +5,53 @@
     <p:sldMasterId id="2147483660" r:id="rId4"/>
   </p:sldMasterIdLst>
   <p:notesMasterIdLst>
-    <p:notesMasterId r:id="rId50"/>
+    <p:notesMasterId r:id="rId49"/>
   </p:notesMasterIdLst>
   <p:sldIdLst>
     <p:sldId id="260" r:id="rId5"/>
-    <p:sldId id="348" r:id="rId6"/>
-    <p:sldId id="349" r:id="rId7"/>
-    <p:sldId id="293" r:id="rId8"/>
-    <p:sldId id="328" r:id="rId9"/>
-    <p:sldId id="317" r:id="rId10"/>
-    <p:sldId id="329" r:id="rId11"/>
-    <p:sldId id="332" r:id="rId12"/>
-    <p:sldId id="333" r:id="rId13"/>
-    <p:sldId id="331" r:id="rId14"/>
-    <p:sldId id="334" r:id="rId15"/>
-    <p:sldId id="327" r:id="rId16"/>
-    <p:sldId id="320" r:id="rId17"/>
-    <p:sldId id="319" r:id="rId18"/>
-    <p:sldId id="322" r:id="rId19"/>
-    <p:sldId id="323" r:id="rId20"/>
-    <p:sldId id="326" r:id="rId21"/>
-    <p:sldId id="318" r:id="rId22"/>
-    <p:sldId id="324" r:id="rId23"/>
-    <p:sldId id="325" r:id="rId24"/>
-    <p:sldId id="321" r:id="rId25"/>
-    <p:sldId id="338" r:id="rId26"/>
-    <p:sldId id="339" r:id="rId27"/>
-    <p:sldId id="342" r:id="rId28"/>
-    <p:sldId id="341" r:id="rId29"/>
-    <p:sldId id="340" r:id="rId30"/>
-    <p:sldId id="346" r:id="rId31"/>
-    <p:sldId id="347" r:id="rId32"/>
-    <p:sldId id="343" r:id="rId33"/>
-    <p:sldId id="345" r:id="rId34"/>
-    <p:sldId id="301" r:id="rId35"/>
-    <p:sldId id="350" r:id="rId36"/>
-    <p:sldId id="305" r:id="rId37"/>
-    <p:sldId id="307" r:id="rId38"/>
-    <p:sldId id="308" r:id="rId39"/>
-    <p:sldId id="315" r:id="rId40"/>
-    <p:sldId id="316" r:id="rId41"/>
-    <p:sldId id="304" r:id="rId42"/>
-    <p:sldId id="309" r:id="rId43"/>
-    <p:sldId id="310" r:id="rId44"/>
-    <p:sldId id="314" r:id="rId45"/>
-    <p:sldId id="336" r:id="rId46"/>
-    <p:sldId id="337" r:id="rId47"/>
-    <p:sldId id="276" r:id="rId48"/>
-    <p:sldId id="266" r:id="rId49"/>
+    <p:sldId id="349" r:id="rId6"/>
+    <p:sldId id="293" r:id="rId7"/>
+    <p:sldId id="328" r:id="rId8"/>
+    <p:sldId id="317" r:id="rId9"/>
+    <p:sldId id="329" r:id="rId10"/>
+    <p:sldId id="332" r:id="rId11"/>
+    <p:sldId id="333" r:id="rId12"/>
+    <p:sldId id="331" r:id="rId13"/>
+    <p:sldId id="334" r:id="rId14"/>
+    <p:sldId id="327" r:id="rId15"/>
+    <p:sldId id="320" r:id="rId16"/>
+    <p:sldId id="319" r:id="rId17"/>
+    <p:sldId id="322" r:id="rId18"/>
+    <p:sldId id="323" r:id="rId19"/>
+    <p:sldId id="326" r:id="rId20"/>
+    <p:sldId id="318" r:id="rId21"/>
+    <p:sldId id="324" r:id="rId22"/>
+    <p:sldId id="325" r:id="rId23"/>
+    <p:sldId id="321" r:id="rId24"/>
+    <p:sldId id="338" r:id="rId25"/>
+    <p:sldId id="339" r:id="rId26"/>
+    <p:sldId id="342" r:id="rId27"/>
+    <p:sldId id="341" r:id="rId28"/>
+    <p:sldId id="340" r:id="rId29"/>
+    <p:sldId id="346" r:id="rId30"/>
+    <p:sldId id="347" r:id="rId31"/>
+    <p:sldId id="343" r:id="rId32"/>
+    <p:sldId id="345" r:id="rId33"/>
+    <p:sldId id="301" r:id="rId34"/>
+    <p:sldId id="350" r:id="rId35"/>
+    <p:sldId id="305" r:id="rId36"/>
+    <p:sldId id="307" r:id="rId37"/>
+    <p:sldId id="308" r:id="rId38"/>
+    <p:sldId id="315" r:id="rId39"/>
+    <p:sldId id="316" r:id="rId40"/>
+    <p:sldId id="304" r:id="rId41"/>
+    <p:sldId id="309" r:id="rId42"/>
+    <p:sldId id="310" r:id="rId43"/>
+    <p:sldId id="314" r:id="rId44"/>
+    <p:sldId id="336" r:id="rId45"/>
+    <p:sldId id="337" r:id="rId46"/>
+    <p:sldId id="276" r:id="rId47"/>
+    <p:sldId id="266" r:id="rId48"/>
   </p:sldIdLst>
   <p:sldSz cx="12192000" cy="6858000"/>
   <p:notesSz cx="6858000" cy="9144000"/>
@@ -258,7 +257,7 @@
           <a:p>
             <a:fld id="{EFDA08D6-E137-3341-A5EE-84219A24203E}" type="datetimeFigureOut">
               <a:rPr lang="en-US" smtClean="0"/>
-              <a:t>1/2/25</a:t>
+              <a:t>1/6/25</a:t>
             </a:fld>
             <a:endParaRPr lang="en-US"/>
           </a:p>
@@ -653,7 +652,19 @@
           <a:bodyPr/>
           <a:lstStyle/>
           <a:p>
+            <a:r>
+              <a:rPr lang="en-US" dirty="0"/>
+              <a:t>Okay, so let’s say you want to use a third-party software that isn’t available as a module. What do you do? You have to build your own software!</a:t>
+            </a:r>
+          </a:p>
+          <a:p>
             <a:endParaRPr lang="en-US" dirty="0"/>
+          </a:p>
+          <a:p>
+            <a:r>
+              <a:rPr lang="en-US" dirty="0"/>
+              <a:t>Let’s get some definitions out of the way.</a:t>
+            </a:r>
           </a:p>
         </p:txBody>
       </p:sp>
@@ -683,7 +694,7 @@
     </p:spTree>
     <p:extLst>
       <p:ext uri="{BB962C8B-B14F-4D97-AF65-F5344CB8AC3E}">
-        <p14:creationId xmlns:p14="http://schemas.microsoft.com/office/powerpoint/2010/main" val="142016225"/>
+        <p14:creationId xmlns:p14="http://schemas.microsoft.com/office/powerpoint/2010/main" val="349788503"/>
       </p:ext>
     </p:extLst>
   </p:cSld>
@@ -737,19 +748,7 @@
           <a:bodyPr/>
           <a:lstStyle/>
           <a:p>
-            <a:r>
-              <a:rPr lang="en-US" dirty="0"/>
-              <a:t>Okay, so let’s say you want to use a third-party software that isn’t available as a module. What do you do? You have to build your own software!</a:t>
-            </a:r>
-          </a:p>
-          <a:p>
-            <a:endParaRPr lang="en-US" dirty="0"/>
-          </a:p>
-          <a:p>
-            <a:r>
-              <a:rPr lang="en-US" dirty="0"/>
-              <a:t>Let’s get some definitions out of the way.</a:t>
-            </a:r>
+            <a:endParaRPr lang="en-US"/>
           </a:p>
         </p:txBody>
       </p:sp>
@@ -779,7 +778,7 @@
     </p:spTree>
     <p:extLst>
       <p:ext uri="{BB962C8B-B14F-4D97-AF65-F5344CB8AC3E}">
-        <p14:creationId xmlns:p14="http://schemas.microsoft.com/office/powerpoint/2010/main" val="349788503"/>
+        <p14:creationId xmlns:p14="http://schemas.microsoft.com/office/powerpoint/2010/main" val="1916290660"/>
       </p:ext>
     </p:extLst>
   </p:cSld>
@@ -833,7 +832,18 @@
           <a:bodyPr/>
           <a:lstStyle/>
           <a:p>
-            <a:endParaRPr lang="en-US"/>
+            <a:r>
+              <a:rPr lang="en-US"/>
+              <a:t>optimizing for certain hardware (intel compilers on Blanca’s intel CPUs, </a:t>
+            </a:r>
+            <a:r>
+              <a:rPr lang="en-US" err="1"/>
+              <a:t>cuda</a:t>
+            </a:r>
+            <a:r>
+              <a:rPr lang="en-US"/>
+              <a:t> compilers for CUDA code to run on NVIDIA GPUs, linked against certain high-performing math libraries, certain MPI implementations, etc.)</a:t>
+            </a:r>
           </a:p>
         </p:txBody>
       </p:sp>
@@ -863,7 +873,7 @@
     </p:spTree>
     <p:extLst>
       <p:ext uri="{BB962C8B-B14F-4D97-AF65-F5344CB8AC3E}">
-        <p14:creationId xmlns:p14="http://schemas.microsoft.com/office/powerpoint/2010/main" val="1916290660"/>
+        <p14:creationId xmlns:p14="http://schemas.microsoft.com/office/powerpoint/2010/main" val="4220970805"/>
       </p:ext>
     </p:extLst>
   </p:cSld>
@@ -918,16 +928,14 @@
           <a:lstStyle/>
           <a:p>
             <a:r>
-              <a:rPr lang="en-US"/>
-              <a:t>optimizing for certain hardware (intel compilers on Blanca’s intel CPUs, </a:t>
-            </a:r>
-            <a:r>
-              <a:rPr lang="en-US" err="1"/>
-              <a:t>cuda</a:t>
-            </a:r>
-            <a:r>
-              <a:rPr lang="en-US"/>
-              <a:t> compilers for CUDA code to run on NVIDIA GPUs, linked against certain high-performing math libraries, certain MPI implementations, etc.)</a:t>
+              <a:rPr lang="en-US" b="0" i="0">
+                <a:solidFill>
+                  <a:srgbClr val="202122"/>
+                </a:solidFill>
+                <a:effectLst/>
+                <a:latin typeface="Arial" panose="020B0604020202020204" pitchFamily="34" charset="0"/>
+              </a:rPr>
+              <a:t>High level programming languages are easy for humans to write, understand and maintain. But a computer only understands 0s and 1s, so these languages can’t be executed directly. A Compiler translates this code into a binary file, which can be executed.</a:t>
             </a:r>
           </a:p>
         </p:txBody>
@@ -958,7 +966,7 @@
     </p:spTree>
     <p:extLst>
       <p:ext uri="{BB962C8B-B14F-4D97-AF65-F5344CB8AC3E}">
-        <p14:creationId xmlns:p14="http://schemas.microsoft.com/office/powerpoint/2010/main" val="4220970805"/>
+        <p14:creationId xmlns:p14="http://schemas.microsoft.com/office/powerpoint/2010/main" val="741476961"/>
       </p:ext>
     </p:extLst>
   </p:cSld>
@@ -1013,15 +1021,432 @@
           <a:lstStyle/>
           <a:p>
             <a:r>
-              <a:rPr lang="en-US" b="0" i="0">
+              <a:rPr lang="en-US" b="0" i="0" dirty="0">
                 <a:solidFill>
                   <a:srgbClr val="202122"/>
                 </a:solidFill>
                 <a:effectLst/>
                 <a:latin typeface="Arial" panose="020B0604020202020204" pitchFamily="34" charset="0"/>
               </a:rPr>
-              <a:t>High level programming languages are easy for humans to write, understand and maintain. But a computer only understands 0s and 1s, so these languages can’t be executed directly. A Compiler translates this code into a binary file, which can be executed.</a:t>
-            </a:r>
+              <a:t>When compiling an application (target) from multiple files, one might need to use another program called the linker to bind the different parts together. A handy tool to automate the process of compiling and linking is a build system, such as </a:t>
+            </a:r>
+            <a:r>
+              <a:rPr lang="en-US" b="0" i="0" u="none" strike="noStrike" dirty="0">
+                <a:solidFill>
+                  <a:srgbClr val="0645AD"/>
+                </a:solidFill>
+                <a:effectLst/>
+                <a:latin typeface="Arial" panose="020B0604020202020204" pitchFamily="34" charset="0"/>
+                <a:hlinkClick r:id="rId3" tooltip="Make"/>
+              </a:rPr>
+              <a:t>make</a:t>
+            </a:r>
+            <a:r>
+              <a:rPr lang="en-US" b="0" i="0" dirty="0">
+                <a:solidFill>
+                  <a:srgbClr val="202122"/>
+                </a:solidFill>
+                <a:effectLst/>
+                <a:latin typeface="Arial" panose="020B0604020202020204" pitchFamily="34" charset="0"/>
+              </a:rPr>
+              <a:t>, which manages build dependencies between different compilation units. When dealing with more complex applications, build system generators, such as </a:t>
+            </a:r>
+            <a:r>
+              <a:rPr lang="en-US" b="0" i="0" u="none" strike="noStrike" dirty="0">
+                <a:solidFill>
+                  <a:srgbClr val="BA0000"/>
+                </a:solidFill>
+                <a:effectLst/>
+                <a:latin typeface="Arial" panose="020B0604020202020204" pitchFamily="34" charset="0"/>
+                <a:hlinkClick r:id="rId4" tooltip="Autotools (page does not exist)"/>
+              </a:rPr>
+              <a:t>Autotools</a:t>
+            </a:r>
+            <a:r>
+              <a:rPr lang="en-US" b="0" i="0" dirty="0">
+                <a:solidFill>
+                  <a:srgbClr val="202122"/>
+                </a:solidFill>
+                <a:effectLst/>
+                <a:latin typeface="Arial" panose="020B0604020202020204" pitchFamily="34" charset="0"/>
+              </a:rPr>
+              <a:t> or </a:t>
+            </a:r>
+            <a:r>
+              <a:rPr lang="en-US" b="0" i="0" u="none" strike="noStrike" dirty="0">
+                <a:solidFill>
+                  <a:srgbClr val="0645AD"/>
+                </a:solidFill>
+                <a:effectLst/>
+                <a:latin typeface="Arial" panose="020B0604020202020204" pitchFamily="34" charset="0"/>
+                <a:hlinkClick r:id="rId5" tooltip="Cmake"/>
+              </a:rPr>
+              <a:t>CMake</a:t>
+            </a:r>
+            <a:r>
+              <a:rPr lang="en-US" b="0" i="0" dirty="0">
+                <a:solidFill>
+                  <a:srgbClr val="202122"/>
+                </a:solidFill>
+                <a:effectLst/>
+                <a:latin typeface="Arial" panose="020B0604020202020204" pitchFamily="34" charset="0"/>
+              </a:rPr>
+              <a:t>, may prove valuable to handle such dependencies.</a:t>
+            </a:r>
+          </a:p>
+          <a:p>
+            <a:endParaRPr lang="en-US" b="0" i="0" dirty="0">
+              <a:solidFill>
+                <a:srgbClr val="202122"/>
+              </a:solidFill>
+              <a:effectLst/>
+              <a:latin typeface="Arial" panose="020B0604020202020204" pitchFamily="34" charset="0"/>
+            </a:endParaRPr>
+          </a:p>
+          <a:p>
+            <a:pPr algn="l">
+              <a:buFont typeface="+mj-lt"/>
+              <a:buAutoNum type="arabicPeriod"/>
+            </a:pPr>
+            <a:r>
+              <a:rPr lang="en-US" b="0" i="0" dirty="0">
+                <a:solidFill>
+                  <a:srgbClr val="454547"/>
+                </a:solidFill>
+                <a:effectLst/>
+                <a:latin typeface="Calibre"/>
+              </a:rPr>
+              <a:t>Configure the software</a:t>
+            </a:r>
+          </a:p>
+          <a:p>
+            <a:pPr algn="l">
+              <a:buFont typeface="+mj-lt"/>
+              <a:buAutoNum type="arabicPeriod"/>
+            </a:pPr>
+            <a:r>
+              <a:rPr lang="en-US" b="0" i="0" dirty="0">
+                <a:solidFill>
+                  <a:srgbClr val="454547"/>
+                </a:solidFill>
+                <a:effectLst/>
+                <a:latin typeface="Calibre"/>
+              </a:rPr>
+              <a:t>The configure script is responsible for getting ready to build the software on your specific system. It makes sure all of the dependencies for the rest of the build and install process are available, and finds out whatever it needs to know to use those dependencies.</a:t>
+            </a:r>
+          </a:p>
+          <a:p>
+            <a:pPr algn="l">
+              <a:buFont typeface="+mj-lt"/>
+              <a:buAutoNum type="arabicPeriod"/>
+            </a:pPr>
+            <a:r>
+              <a:rPr lang="en-US" b="0" i="0" dirty="0">
+                <a:solidFill>
+                  <a:srgbClr val="454547"/>
+                </a:solidFill>
+                <a:effectLst/>
+                <a:latin typeface="Calibre"/>
+              </a:rPr>
+              <a:t>Unix programs are often written in C, so we’ll usually need a C compiler to build them. In these cases the configure script will establish that your system does indeed have a C compiler, and find out what it’s called and where to find it.</a:t>
+            </a:r>
+          </a:p>
+          <a:p>
+            <a:pPr algn="l">
+              <a:buFont typeface="+mj-lt"/>
+              <a:buAutoNum type="arabicPeriod"/>
+            </a:pPr>
+            <a:r>
+              <a:rPr lang="en-US" b="0" i="0" dirty="0">
+                <a:solidFill>
+                  <a:srgbClr val="454547"/>
+                </a:solidFill>
+                <a:effectLst/>
+                <a:latin typeface="Calibre"/>
+              </a:rPr>
+              <a:t>Build the software</a:t>
+            </a:r>
+          </a:p>
+          <a:p>
+            <a:pPr algn="l">
+              <a:buFont typeface="+mj-lt"/>
+              <a:buAutoNum type="arabicPeriod"/>
+            </a:pPr>
+            <a:r>
+              <a:rPr lang="en-US" b="0" i="0" dirty="0">
+                <a:solidFill>
+                  <a:srgbClr val="454547"/>
+                </a:solidFill>
+                <a:effectLst/>
+                <a:latin typeface="Calibre"/>
+              </a:rPr>
+              <a:t>Once configure has done its job, we can invoke make to build the software. This runs a series of tasks defined in a </a:t>
+            </a:r>
+            <a:r>
+              <a:rPr lang="en-US" b="0" i="0" dirty="0" err="1">
+                <a:solidFill>
+                  <a:srgbClr val="454547"/>
+                </a:solidFill>
+                <a:effectLst/>
+                <a:latin typeface="Calibre"/>
+              </a:rPr>
+              <a:t>Makefile</a:t>
+            </a:r>
+            <a:r>
+              <a:rPr lang="en-US" b="0" i="0" dirty="0">
+                <a:solidFill>
+                  <a:srgbClr val="454547"/>
+                </a:solidFill>
+                <a:effectLst/>
+                <a:latin typeface="Calibre"/>
+              </a:rPr>
+              <a:t> to build the finished program from its source code.</a:t>
+            </a:r>
+          </a:p>
+          <a:p>
+            <a:pPr algn="l">
+              <a:buFont typeface="+mj-lt"/>
+              <a:buAutoNum type="arabicPeriod"/>
+            </a:pPr>
+            <a:r>
+              <a:rPr lang="en-US" b="0" i="0" dirty="0">
+                <a:solidFill>
+                  <a:srgbClr val="454547"/>
+                </a:solidFill>
+                <a:effectLst/>
+                <a:latin typeface="Calibre"/>
+              </a:rPr>
+              <a:t>The </a:t>
+            </a:r>
+            <a:r>
+              <a:rPr lang="en-US" b="0" i="0" dirty="0" err="1">
+                <a:solidFill>
+                  <a:srgbClr val="454547"/>
+                </a:solidFill>
+                <a:effectLst/>
+                <a:latin typeface="Calibre"/>
+              </a:rPr>
+              <a:t>tarball</a:t>
+            </a:r>
+            <a:r>
+              <a:rPr lang="en-US" b="0" i="0" dirty="0">
+                <a:solidFill>
+                  <a:srgbClr val="454547"/>
+                </a:solidFill>
+                <a:effectLst/>
+                <a:latin typeface="Calibre"/>
+              </a:rPr>
+              <a:t> you download usually doesn’t include a finished </a:t>
+            </a:r>
+            <a:r>
+              <a:rPr lang="en-US" b="0" i="0" dirty="0" err="1">
+                <a:solidFill>
+                  <a:srgbClr val="454547"/>
+                </a:solidFill>
+                <a:effectLst/>
+                <a:latin typeface="Calibre"/>
+              </a:rPr>
+              <a:t>Makefile</a:t>
+            </a:r>
+            <a:r>
+              <a:rPr lang="en-US" b="0" i="0" dirty="0">
+                <a:solidFill>
+                  <a:srgbClr val="454547"/>
+                </a:solidFill>
+                <a:effectLst/>
+                <a:latin typeface="Calibre"/>
+              </a:rPr>
+              <a:t>. Instead it comes with a template called </a:t>
+            </a:r>
+            <a:r>
+              <a:rPr lang="en-US" b="0" i="0" dirty="0" err="1">
+                <a:solidFill>
+                  <a:srgbClr val="454547"/>
+                </a:solidFill>
+                <a:effectLst/>
+                <a:latin typeface="Calibre"/>
+              </a:rPr>
+              <a:t>Makefile.in</a:t>
+            </a:r>
+            <a:r>
+              <a:rPr lang="en-US" b="0" i="0" dirty="0">
+                <a:solidFill>
+                  <a:srgbClr val="454547"/>
+                </a:solidFill>
+                <a:effectLst/>
+                <a:latin typeface="Calibre"/>
+              </a:rPr>
+              <a:t> and the configure script produces a </a:t>
+            </a:r>
+            <a:r>
+              <a:rPr lang="en-US" b="0" i="0" dirty="0" err="1">
+                <a:solidFill>
+                  <a:srgbClr val="454547"/>
+                </a:solidFill>
+                <a:effectLst/>
+                <a:latin typeface="Calibre"/>
+              </a:rPr>
+              <a:t>customised</a:t>
+            </a:r>
+            <a:r>
+              <a:rPr lang="en-US" b="0" i="0" dirty="0">
+                <a:solidFill>
+                  <a:srgbClr val="454547"/>
+                </a:solidFill>
+                <a:effectLst/>
+                <a:latin typeface="Calibre"/>
+              </a:rPr>
+              <a:t> </a:t>
+            </a:r>
+            <a:r>
+              <a:rPr lang="en-US" b="0" i="0" dirty="0" err="1">
+                <a:solidFill>
+                  <a:srgbClr val="454547"/>
+                </a:solidFill>
+                <a:effectLst/>
+                <a:latin typeface="Calibre"/>
+              </a:rPr>
+              <a:t>Makefile</a:t>
+            </a:r>
+            <a:r>
+              <a:rPr lang="en-US" b="0" i="0" dirty="0">
+                <a:solidFill>
+                  <a:srgbClr val="454547"/>
+                </a:solidFill>
+                <a:effectLst/>
+                <a:latin typeface="Calibre"/>
+              </a:rPr>
+              <a:t> specific to your system.</a:t>
+            </a:r>
+          </a:p>
+          <a:p>
+            <a:pPr algn="l">
+              <a:buFont typeface="+mj-lt"/>
+              <a:buAutoNum type="arabicPeriod"/>
+            </a:pPr>
+            <a:r>
+              <a:rPr lang="en-US" b="0" i="0" dirty="0">
+                <a:solidFill>
+                  <a:srgbClr val="454547"/>
+                </a:solidFill>
+                <a:effectLst/>
+                <a:latin typeface="Calibre"/>
+              </a:rPr>
+              <a:t>Install the software</a:t>
+            </a:r>
+          </a:p>
+          <a:p>
+            <a:pPr algn="l">
+              <a:buFont typeface="+mj-lt"/>
+              <a:buAutoNum type="arabicPeriod"/>
+            </a:pPr>
+            <a:r>
+              <a:rPr lang="en-US" b="0" i="0" dirty="0">
+                <a:solidFill>
+                  <a:srgbClr val="454547"/>
+                </a:solidFill>
+                <a:effectLst/>
+                <a:latin typeface="Calibre"/>
+              </a:rPr>
+              <a:t>Now that the software is built and ready to run, the files can be copied to their final destinations. The make install command will copy the built program, and its libraries and documentation, to the correct locations.</a:t>
+            </a:r>
+          </a:p>
+          <a:p>
+            <a:pPr algn="l">
+              <a:buFont typeface="+mj-lt"/>
+              <a:buAutoNum type="arabicPeriod"/>
+            </a:pPr>
+            <a:r>
+              <a:rPr lang="en-US" b="0" i="0" dirty="0">
+                <a:solidFill>
+                  <a:srgbClr val="454547"/>
+                </a:solidFill>
+                <a:effectLst/>
+                <a:latin typeface="Calibre"/>
+              </a:rPr>
+              <a:t>This usually means that the program’s binary will be copied to a directory on your PATH, the program’s manual page will be copied to a directory on your MANPATH, and any other files it depends on will be safely stored in the appropriate place.</a:t>
+            </a:r>
+          </a:p>
+          <a:p>
+            <a:pPr algn="l">
+              <a:buFont typeface="+mj-lt"/>
+              <a:buAutoNum type="arabicPeriod"/>
+            </a:pPr>
+            <a:r>
+              <a:rPr lang="en-US" b="0" i="0" dirty="0">
+                <a:solidFill>
+                  <a:srgbClr val="454547"/>
+                </a:solidFill>
+                <a:effectLst/>
+                <a:latin typeface="Calibre"/>
+              </a:rPr>
+              <a:t>Since the install step is also defined in the </a:t>
+            </a:r>
+            <a:r>
+              <a:rPr lang="en-US" b="0" i="0" dirty="0" err="1">
+                <a:solidFill>
+                  <a:srgbClr val="454547"/>
+                </a:solidFill>
+                <a:effectLst/>
+                <a:latin typeface="Calibre"/>
+              </a:rPr>
+              <a:t>Makefile</a:t>
+            </a:r>
+            <a:r>
+              <a:rPr lang="en-US" b="0" i="0" dirty="0">
+                <a:solidFill>
+                  <a:srgbClr val="454547"/>
+                </a:solidFill>
+                <a:effectLst/>
+                <a:latin typeface="Calibre"/>
+              </a:rPr>
+              <a:t>, where the software is installed can change based on options passed to the configure script, or things the configure script discovered about your system.</a:t>
+            </a:r>
+          </a:p>
+          <a:p>
+            <a:pPr algn="l">
+              <a:buFont typeface="+mj-lt"/>
+              <a:buAutoNum type="arabicPeriod"/>
+            </a:pPr>
+            <a:r>
+              <a:rPr lang="en-US" b="0" i="0" dirty="0">
+                <a:solidFill>
+                  <a:srgbClr val="454547"/>
+                </a:solidFill>
+                <a:effectLst/>
+                <a:latin typeface="Calibre"/>
+              </a:rPr>
+              <a:t>Depending on where the software is being installed, you might need escalated permissions for this step so you can copy files to system directories. Using </a:t>
+            </a:r>
+            <a:r>
+              <a:rPr lang="en-US" b="0" i="0" dirty="0" err="1">
+                <a:solidFill>
+                  <a:srgbClr val="454547"/>
+                </a:solidFill>
+                <a:effectLst/>
+                <a:latin typeface="Calibre"/>
+              </a:rPr>
+              <a:t>sudo</a:t>
+            </a:r>
+            <a:r>
+              <a:rPr lang="en-US" b="0" i="0" dirty="0">
+                <a:solidFill>
+                  <a:srgbClr val="454547"/>
+                </a:solidFill>
+                <a:effectLst/>
+                <a:latin typeface="Calibre"/>
+              </a:rPr>
+              <a:t> will often do the trick</a:t>
+            </a:r>
+          </a:p>
+          <a:p>
+            <a:endParaRPr lang="en-US" b="0" i="0" dirty="0">
+              <a:solidFill>
+                <a:srgbClr val="202122"/>
+              </a:solidFill>
+              <a:effectLst/>
+              <a:latin typeface="Arial" panose="020B0604020202020204" pitchFamily="34" charset="0"/>
+            </a:endParaRPr>
           </a:p>
         </p:txBody>
       </p:sp>
@@ -1051,7 +1476,7 @@
     </p:spTree>
     <p:extLst>
       <p:ext uri="{BB962C8B-B14F-4D97-AF65-F5344CB8AC3E}">
-        <p14:creationId xmlns:p14="http://schemas.microsoft.com/office/powerpoint/2010/main" val="741476961"/>
+        <p14:creationId xmlns:p14="http://schemas.microsoft.com/office/powerpoint/2010/main" val="1600570073"/>
       </p:ext>
     </p:extLst>
   </p:cSld>
@@ -1106,7 +1531,7 @@
           <a:lstStyle/>
           <a:p>
             <a:r>
-              <a:rPr lang="en-US" b="0" i="0" dirty="0">
+              <a:rPr lang="en-US" b="0" i="0">
                 <a:solidFill>
                   <a:srgbClr val="202122"/>
                 </a:solidFill>
@@ -1116,7 +1541,7 @@
               <a:t>When compiling an application (target) from multiple files, one might need to use another program called the linker to bind the different parts together. A handy tool to automate the process of compiling and linking is a build system, such as </a:t>
             </a:r>
             <a:r>
-              <a:rPr lang="en-US" b="0" i="0" u="none" strike="noStrike" dirty="0">
+              <a:rPr lang="en-US" b="0" i="0" u="none" strike="noStrike">
                 <a:solidFill>
                   <a:srgbClr val="0645AD"/>
                 </a:solidFill>
@@ -1127,7 +1552,7 @@
               <a:t>make</a:t>
             </a:r>
             <a:r>
-              <a:rPr lang="en-US" b="0" i="0" dirty="0">
+              <a:rPr lang="en-US" b="0" i="0">
                 <a:solidFill>
                   <a:srgbClr val="202122"/>
                 </a:solidFill>
@@ -1137,7 +1562,7 @@
               <a:t>, which manages build dependencies between different compilation units. When dealing with more complex applications, build system generators, such as </a:t>
             </a:r>
             <a:r>
-              <a:rPr lang="en-US" b="0" i="0" u="none" strike="noStrike" dirty="0">
+              <a:rPr lang="en-US" b="0" i="0" u="none" strike="noStrike">
                 <a:solidFill>
                   <a:srgbClr val="BA0000"/>
                 </a:solidFill>
@@ -1148,7 +1573,7 @@
               <a:t>Autotools</a:t>
             </a:r>
             <a:r>
-              <a:rPr lang="en-US" b="0" i="0" dirty="0">
+              <a:rPr lang="en-US" b="0" i="0">
                 <a:solidFill>
                   <a:srgbClr val="202122"/>
                 </a:solidFill>
@@ -1158,7 +1583,7 @@
               <a:t> or </a:t>
             </a:r>
             <a:r>
-              <a:rPr lang="en-US" b="0" i="0" u="none" strike="noStrike" dirty="0">
+              <a:rPr lang="en-US" b="0" i="0" u="none" strike="noStrike">
                 <a:solidFill>
                   <a:srgbClr val="0645AD"/>
                 </a:solidFill>
@@ -1169,7 +1594,7 @@
               <a:t>CMake</a:t>
             </a:r>
             <a:r>
-              <a:rPr lang="en-US" b="0" i="0" dirty="0">
+              <a:rPr lang="en-US" b="0" i="0">
                 <a:solidFill>
                   <a:srgbClr val="202122"/>
                 </a:solidFill>
@@ -1178,360 +1603,6 @@
               </a:rPr>
               <a:t>, may prove valuable to handle such dependencies.</a:t>
             </a:r>
-          </a:p>
-          <a:p>
-            <a:endParaRPr lang="en-US" b="0" i="0" dirty="0">
-              <a:solidFill>
-                <a:srgbClr val="202122"/>
-              </a:solidFill>
-              <a:effectLst/>
-              <a:latin typeface="Arial" panose="020B0604020202020204" pitchFamily="34" charset="0"/>
-            </a:endParaRPr>
-          </a:p>
-          <a:p>
-            <a:pPr algn="l">
-              <a:buFont typeface="+mj-lt"/>
-              <a:buAutoNum type="arabicPeriod"/>
-            </a:pPr>
-            <a:r>
-              <a:rPr lang="en-US" b="0" i="0" dirty="0">
-                <a:solidFill>
-                  <a:srgbClr val="454547"/>
-                </a:solidFill>
-                <a:effectLst/>
-                <a:latin typeface="Calibre"/>
-              </a:rPr>
-              <a:t>Configure the software</a:t>
-            </a:r>
-          </a:p>
-          <a:p>
-            <a:pPr algn="l">
-              <a:buFont typeface="+mj-lt"/>
-              <a:buAutoNum type="arabicPeriod"/>
-            </a:pPr>
-            <a:r>
-              <a:rPr lang="en-US" b="0" i="0" dirty="0">
-                <a:solidFill>
-                  <a:srgbClr val="454547"/>
-                </a:solidFill>
-                <a:effectLst/>
-                <a:latin typeface="Calibre"/>
-              </a:rPr>
-              <a:t>The configure script is responsible for getting ready to build the software on your specific system. It makes sure all of the dependencies for the rest of the build and install process are available, and finds out whatever it needs to know to use those dependencies.</a:t>
-            </a:r>
-          </a:p>
-          <a:p>
-            <a:pPr algn="l">
-              <a:buFont typeface="+mj-lt"/>
-              <a:buAutoNum type="arabicPeriod"/>
-            </a:pPr>
-            <a:r>
-              <a:rPr lang="en-US" b="0" i="0" dirty="0">
-                <a:solidFill>
-                  <a:srgbClr val="454547"/>
-                </a:solidFill>
-                <a:effectLst/>
-                <a:latin typeface="Calibre"/>
-              </a:rPr>
-              <a:t>Unix programs are often written in C, so we’ll usually need a C compiler to build them. In these cases the configure script will establish that your system does indeed have a C compiler, and find out what it’s called and where to find it.</a:t>
-            </a:r>
-          </a:p>
-          <a:p>
-            <a:pPr algn="l">
-              <a:buFont typeface="+mj-lt"/>
-              <a:buAutoNum type="arabicPeriod"/>
-            </a:pPr>
-            <a:r>
-              <a:rPr lang="en-US" b="0" i="0" dirty="0">
-                <a:solidFill>
-                  <a:srgbClr val="454547"/>
-                </a:solidFill>
-                <a:effectLst/>
-                <a:latin typeface="Calibre"/>
-              </a:rPr>
-              <a:t>Build the software</a:t>
-            </a:r>
-          </a:p>
-          <a:p>
-            <a:pPr algn="l">
-              <a:buFont typeface="+mj-lt"/>
-              <a:buAutoNum type="arabicPeriod"/>
-            </a:pPr>
-            <a:r>
-              <a:rPr lang="en-US" b="0" i="0" dirty="0">
-                <a:solidFill>
-                  <a:srgbClr val="454547"/>
-                </a:solidFill>
-                <a:effectLst/>
-                <a:latin typeface="Calibre"/>
-              </a:rPr>
-              <a:t>Once configure has done its job, we can invoke make to build the software. This runs a series of tasks defined in a </a:t>
-            </a:r>
-            <a:r>
-              <a:rPr lang="en-US" b="0" i="0" dirty="0" err="1">
-                <a:solidFill>
-                  <a:srgbClr val="454547"/>
-                </a:solidFill>
-                <a:effectLst/>
-                <a:latin typeface="Calibre"/>
-              </a:rPr>
-              <a:t>Makefile</a:t>
-            </a:r>
-            <a:r>
-              <a:rPr lang="en-US" b="0" i="0" dirty="0">
-                <a:solidFill>
-                  <a:srgbClr val="454547"/>
-                </a:solidFill>
-                <a:effectLst/>
-                <a:latin typeface="Calibre"/>
-              </a:rPr>
-              <a:t> to build the finished program from its source code.</a:t>
-            </a:r>
-          </a:p>
-          <a:p>
-            <a:pPr algn="l">
-              <a:buFont typeface="+mj-lt"/>
-              <a:buAutoNum type="arabicPeriod"/>
-            </a:pPr>
-            <a:r>
-              <a:rPr lang="en-US" b="0" i="0" dirty="0">
-                <a:solidFill>
-                  <a:srgbClr val="454547"/>
-                </a:solidFill>
-                <a:effectLst/>
-                <a:latin typeface="Calibre"/>
-              </a:rPr>
-              <a:t>The </a:t>
-            </a:r>
-            <a:r>
-              <a:rPr lang="en-US" b="0" i="0" dirty="0" err="1">
-                <a:solidFill>
-                  <a:srgbClr val="454547"/>
-                </a:solidFill>
-                <a:effectLst/>
-                <a:latin typeface="Calibre"/>
-              </a:rPr>
-              <a:t>tarball</a:t>
-            </a:r>
-            <a:r>
-              <a:rPr lang="en-US" b="0" i="0" dirty="0">
-                <a:solidFill>
-                  <a:srgbClr val="454547"/>
-                </a:solidFill>
-                <a:effectLst/>
-                <a:latin typeface="Calibre"/>
-              </a:rPr>
-              <a:t> you download usually doesn’t include a finished </a:t>
-            </a:r>
-            <a:r>
-              <a:rPr lang="en-US" b="0" i="0" dirty="0" err="1">
-                <a:solidFill>
-                  <a:srgbClr val="454547"/>
-                </a:solidFill>
-                <a:effectLst/>
-                <a:latin typeface="Calibre"/>
-              </a:rPr>
-              <a:t>Makefile</a:t>
-            </a:r>
-            <a:r>
-              <a:rPr lang="en-US" b="0" i="0" dirty="0">
-                <a:solidFill>
-                  <a:srgbClr val="454547"/>
-                </a:solidFill>
-                <a:effectLst/>
-                <a:latin typeface="Calibre"/>
-              </a:rPr>
-              <a:t>. Instead it comes with a template called </a:t>
-            </a:r>
-            <a:r>
-              <a:rPr lang="en-US" b="0" i="0" dirty="0" err="1">
-                <a:solidFill>
-                  <a:srgbClr val="454547"/>
-                </a:solidFill>
-                <a:effectLst/>
-                <a:latin typeface="Calibre"/>
-              </a:rPr>
-              <a:t>Makefile.in</a:t>
-            </a:r>
-            <a:r>
-              <a:rPr lang="en-US" b="0" i="0" dirty="0">
-                <a:solidFill>
-                  <a:srgbClr val="454547"/>
-                </a:solidFill>
-                <a:effectLst/>
-                <a:latin typeface="Calibre"/>
-              </a:rPr>
-              <a:t> and the configure script produces a </a:t>
-            </a:r>
-            <a:r>
-              <a:rPr lang="en-US" b="0" i="0" dirty="0" err="1">
-                <a:solidFill>
-                  <a:srgbClr val="454547"/>
-                </a:solidFill>
-                <a:effectLst/>
-                <a:latin typeface="Calibre"/>
-              </a:rPr>
-              <a:t>customised</a:t>
-            </a:r>
-            <a:r>
-              <a:rPr lang="en-US" b="0" i="0" dirty="0">
-                <a:solidFill>
-                  <a:srgbClr val="454547"/>
-                </a:solidFill>
-                <a:effectLst/>
-                <a:latin typeface="Calibre"/>
-              </a:rPr>
-              <a:t> </a:t>
-            </a:r>
-            <a:r>
-              <a:rPr lang="en-US" b="0" i="0" dirty="0" err="1">
-                <a:solidFill>
-                  <a:srgbClr val="454547"/>
-                </a:solidFill>
-                <a:effectLst/>
-                <a:latin typeface="Calibre"/>
-              </a:rPr>
-              <a:t>Makefile</a:t>
-            </a:r>
-            <a:r>
-              <a:rPr lang="en-US" b="0" i="0" dirty="0">
-                <a:solidFill>
-                  <a:srgbClr val="454547"/>
-                </a:solidFill>
-                <a:effectLst/>
-                <a:latin typeface="Calibre"/>
-              </a:rPr>
-              <a:t> specific to your system.</a:t>
-            </a:r>
-          </a:p>
-          <a:p>
-            <a:pPr algn="l">
-              <a:buFont typeface="+mj-lt"/>
-              <a:buAutoNum type="arabicPeriod"/>
-            </a:pPr>
-            <a:r>
-              <a:rPr lang="en-US" b="0" i="0" dirty="0">
-                <a:solidFill>
-                  <a:srgbClr val="454547"/>
-                </a:solidFill>
-                <a:effectLst/>
-                <a:latin typeface="Calibre"/>
-              </a:rPr>
-              <a:t>Install the software</a:t>
-            </a:r>
-          </a:p>
-          <a:p>
-            <a:pPr algn="l">
-              <a:buFont typeface="+mj-lt"/>
-              <a:buAutoNum type="arabicPeriod"/>
-            </a:pPr>
-            <a:r>
-              <a:rPr lang="en-US" b="0" i="0" dirty="0">
-                <a:solidFill>
-                  <a:srgbClr val="454547"/>
-                </a:solidFill>
-                <a:effectLst/>
-                <a:latin typeface="Calibre"/>
-              </a:rPr>
-              <a:t>Now that the software is built and ready to run, the files can be copied to their final destinations. The make install command will copy the built program, and its libraries and documentation, to the correct locations.</a:t>
-            </a:r>
-          </a:p>
-          <a:p>
-            <a:pPr algn="l">
-              <a:buFont typeface="+mj-lt"/>
-              <a:buAutoNum type="arabicPeriod"/>
-            </a:pPr>
-            <a:r>
-              <a:rPr lang="en-US" b="0" i="0" dirty="0">
-                <a:solidFill>
-                  <a:srgbClr val="454547"/>
-                </a:solidFill>
-                <a:effectLst/>
-                <a:latin typeface="Calibre"/>
-              </a:rPr>
-              <a:t>This usually means that the program’s binary will be copied to a directory on your PATH, the program’s manual page will be copied to a directory on your MANPATH, and any other files it depends on will be safely stored in the appropriate place.</a:t>
-            </a:r>
-          </a:p>
-          <a:p>
-            <a:pPr algn="l">
-              <a:buFont typeface="+mj-lt"/>
-              <a:buAutoNum type="arabicPeriod"/>
-            </a:pPr>
-            <a:r>
-              <a:rPr lang="en-US" b="0" i="0" dirty="0">
-                <a:solidFill>
-                  <a:srgbClr val="454547"/>
-                </a:solidFill>
-                <a:effectLst/>
-                <a:latin typeface="Calibre"/>
-              </a:rPr>
-              <a:t>Since the install step is also defined in the </a:t>
-            </a:r>
-            <a:r>
-              <a:rPr lang="en-US" b="0" i="0" dirty="0" err="1">
-                <a:solidFill>
-                  <a:srgbClr val="454547"/>
-                </a:solidFill>
-                <a:effectLst/>
-                <a:latin typeface="Calibre"/>
-              </a:rPr>
-              <a:t>Makefile</a:t>
-            </a:r>
-            <a:r>
-              <a:rPr lang="en-US" b="0" i="0" dirty="0">
-                <a:solidFill>
-                  <a:srgbClr val="454547"/>
-                </a:solidFill>
-                <a:effectLst/>
-                <a:latin typeface="Calibre"/>
-              </a:rPr>
-              <a:t>, where the software is installed can change based on options passed to the configure script, or things the configure script discovered about your system.</a:t>
-            </a:r>
-          </a:p>
-          <a:p>
-            <a:pPr algn="l">
-              <a:buFont typeface="+mj-lt"/>
-              <a:buAutoNum type="arabicPeriod"/>
-            </a:pPr>
-            <a:r>
-              <a:rPr lang="en-US" b="0" i="0" dirty="0">
-                <a:solidFill>
-                  <a:srgbClr val="454547"/>
-                </a:solidFill>
-                <a:effectLst/>
-                <a:latin typeface="Calibre"/>
-              </a:rPr>
-              <a:t>Depending on where the software is being installed, you might need escalated permissions for this step so you can copy files to system directories. Using </a:t>
-            </a:r>
-            <a:r>
-              <a:rPr lang="en-US" b="0" i="0" dirty="0" err="1">
-                <a:solidFill>
-                  <a:srgbClr val="454547"/>
-                </a:solidFill>
-                <a:effectLst/>
-                <a:latin typeface="Calibre"/>
-              </a:rPr>
-              <a:t>sudo</a:t>
-            </a:r>
-            <a:r>
-              <a:rPr lang="en-US" b="0" i="0" dirty="0">
-                <a:solidFill>
-                  <a:srgbClr val="454547"/>
-                </a:solidFill>
-                <a:effectLst/>
-                <a:latin typeface="Calibre"/>
-              </a:rPr>
-              <a:t> will often do the trick</a:t>
-            </a:r>
-          </a:p>
-          <a:p>
-            <a:endParaRPr lang="en-US" b="0" i="0" dirty="0">
-              <a:solidFill>
-                <a:srgbClr val="202122"/>
-              </a:solidFill>
-              <a:effectLst/>
-              <a:latin typeface="Arial" panose="020B0604020202020204" pitchFamily="34" charset="0"/>
-            </a:endParaRPr>
           </a:p>
         </p:txBody>
       </p:sp>
@@ -1561,7 +1632,7 @@
     </p:spTree>
     <p:extLst>
       <p:ext uri="{BB962C8B-B14F-4D97-AF65-F5344CB8AC3E}">
-        <p14:creationId xmlns:p14="http://schemas.microsoft.com/office/powerpoint/2010/main" val="1600570073"/>
+        <p14:creationId xmlns:p14="http://schemas.microsoft.com/office/powerpoint/2010/main" val="2565400108"/>
       </p:ext>
     </p:extLst>
   </p:cSld>
@@ -1615,79 +1686,7 @@
           <a:bodyPr/>
           <a:lstStyle/>
           <a:p>
-            <a:r>
-              <a:rPr lang="en-US" b="0" i="0">
-                <a:solidFill>
-                  <a:srgbClr val="202122"/>
-                </a:solidFill>
-                <a:effectLst/>
-                <a:latin typeface="Arial" panose="020B0604020202020204" pitchFamily="34" charset="0"/>
-              </a:rPr>
-              <a:t>When compiling an application (target) from multiple files, one might need to use another program called the linker to bind the different parts together. A handy tool to automate the process of compiling and linking is a build system, such as </a:t>
-            </a:r>
-            <a:r>
-              <a:rPr lang="en-US" b="0" i="0" u="none" strike="noStrike">
-                <a:solidFill>
-                  <a:srgbClr val="0645AD"/>
-                </a:solidFill>
-                <a:effectLst/>
-                <a:latin typeface="Arial" panose="020B0604020202020204" pitchFamily="34" charset="0"/>
-                <a:hlinkClick r:id="rId3" tooltip="Make"/>
-              </a:rPr>
-              <a:t>make</a:t>
-            </a:r>
-            <a:r>
-              <a:rPr lang="en-US" b="0" i="0">
-                <a:solidFill>
-                  <a:srgbClr val="202122"/>
-                </a:solidFill>
-                <a:effectLst/>
-                <a:latin typeface="Arial" panose="020B0604020202020204" pitchFamily="34" charset="0"/>
-              </a:rPr>
-              <a:t>, which manages build dependencies between different compilation units. When dealing with more complex applications, build system generators, such as </a:t>
-            </a:r>
-            <a:r>
-              <a:rPr lang="en-US" b="0" i="0" u="none" strike="noStrike">
-                <a:solidFill>
-                  <a:srgbClr val="BA0000"/>
-                </a:solidFill>
-                <a:effectLst/>
-                <a:latin typeface="Arial" panose="020B0604020202020204" pitchFamily="34" charset="0"/>
-                <a:hlinkClick r:id="rId4" tooltip="Autotools (page does not exist)"/>
-              </a:rPr>
-              <a:t>Autotools</a:t>
-            </a:r>
-            <a:r>
-              <a:rPr lang="en-US" b="0" i="0">
-                <a:solidFill>
-                  <a:srgbClr val="202122"/>
-                </a:solidFill>
-                <a:effectLst/>
-                <a:latin typeface="Arial" panose="020B0604020202020204" pitchFamily="34" charset="0"/>
-              </a:rPr>
-              <a:t> or </a:t>
-            </a:r>
-            <a:r>
-              <a:rPr lang="en-US" b="0" i="0" u="none" strike="noStrike">
-                <a:solidFill>
-                  <a:srgbClr val="0645AD"/>
-                </a:solidFill>
-                <a:effectLst/>
-                <a:latin typeface="Arial" panose="020B0604020202020204" pitchFamily="34" charset="0"/>
-                <a:hlinkClick r:id="rId5" tooltip="Cmake"/>
-              </a:rPr>
-              <a:t>CMake</a:t>
-            </a:r>
-            <a:r>
-              <a:rPr lang="en-US" b="0" i="0">
-                <a:solidFill>
-                  <a:srgbClr val="202122"/>
-                </a:solidFill>
-                <a:effectLst/>
-                <a:latin typeface="Arial" panose="020B0604020202020204" pitchFamily="34" charset="0"/>
-              </a:rPr>
-              <a:t>, may prove valuable to handle such dependencies.</a:t>
-            </a:r>
+            <a:endParaRPr lang="en-US"/>
           </a:p>
         </p:txBody>
       </p:sp>
@@ -1708,7 +1707,7 @@
           <a:p>
             <a:fld id="{A926901F-C6C3-9E47-9843-744856EDDD7A}" type="slidenum">
               <a:rPr lang="en-US" smtClean="0"/>
-              <a:t>17</a:t>
+              <a:t>18</a:t>
             </a:fld>
             <a:endParaRPr lang="en-US"/>
           </a:p>
@@ -1717,7 +1716,7 @@
     </p:spTree>
     <p:extLst>
       <p:ext uri="{BB962C8B-B14F-4D97-AF65-F5344CB8AC3E}">
-        <p14:creationId xmlns:p14="http://schemas.microsoft.com/office/powerpoint/2010/main" val="2565400108"/>
+        <p14:creationId xmlns:p14="http://schemas.microsoft.com/office/powerpoint/2010/main" val="581982737"/>
       </p:ext>
     </p:extLst>
   </p:cSld>
@@ -1792,7 +1791,7 @@
           <a:p>
             <a:fld id="{A926901F-C6C3-9E47-9843-744856EDDD7A}" type="slidenum">
               <a:rPr lang="en-US" smtClean="0"/>
-              <a:t>19</a:t>
+              <a:t>20</a:t>
             </a:fld>
             <a:endParaRPr lang="en-US"/>
           </a:p>
@@ -1801,7 +1800,7 @@
     </p:spTree>
     <p:extLst>
       <p:ext uri="{BB962C8B-B14F-4D97-AF65-F5344CB8AC3E}">
-        <p14:creationId xmlns:p14="http://schemas.microsoft.com/office/powerpoint/2010/main" val="581982737"/>
+        <p14:creationId xmlns:p14="http://schemas.microsoft.com/office/powerpoint/2010/main" val="1110999703"/>
       </p:ext>
     </p:extLst>
   </p:cSld>
@@ -1885,7 +1884,7 @@
     </p:spTree>
     <p:extLst>
       <p:ext uri="{BB962C8B-B14F-4D97-AF65-F5344CB8AC3E}">
-        <p14:creationId xmlns:p14="http://schemas.microsoft.com/office/powerpoint/2010/main" val="1110999703"/>
+        <p14:creationId xmlns:p14="http://schemas.microsoft.com/office/powerpoint/2010/main" val="2996935222"/>
       </p:ext>
     </p:extLst>
   </p:cSld>
@@ -1960,7 +1959,7 @@
           <a:p>
             <a:fld id="{A926901F-C6C3-9E47-9843-744856EDDD7A}" type="slidenum">
               <a:rPr lang="en-US" smtClean="0"/>
-              <a:t>22</a:t>
+              <a:t>23</a:t>
             </a:fld>
             <a:endParaRPr lang="en-US"/>
           </a:p>
@@ -1969,7 +1968,7 @@
     </p:spTree>
     <p:extLst>
       <p:ext uri="{BB962C8B-B14F-4D97-AF65-F5344CB8AC3E}">
-        <p14:creationId xmlns:p14="http://schemas.microsoft.com/office/powerpoint/2010/main" val="2996935222"/>
+        <p14:creationId xmlns:p14="http://schemas.microsoft.com/office/powerpoint/2010/main" val="1883777362"/>
       </p:ext>
     </p:extLst>
   </p:cSld>
@@ -2023,7 +2022,7 @@
           <a:bodyPr/>
           <a:lstStyle/>
           <a:p>
-            <a:endParaRPr lang="en-US"/>
+            <a:endParaRPr lang="en-US" dirty="0"/>
           </a:p>
         </p:txBody>
       </p:sp>
@@ -2053,7 +2052,7 @@
     </p:spTree>
     <p:extLst>
       <p:ext uri="{BB962C8B-B14F-4D97-AF65-F5344CB8AC3E}">
-        <p14:creationId xmlns:p14="http://schemas.microsoft.com/office/powerpoint/2010/main" val="3166931147"/>
+        <p14:creationId xmlns:p14="http://schemas.microsoft.com/office/powerpoint/2010/main" val="2001404367"/>
       </p:ext>
     </p:extLst>
   </p:cSld>
@@ -2107,7 +2106,7 @@
           <a:bodyPr/>
           <a:lstStyle/>
           <a:p>
-            <a:endParaRPr lang="en-US"/>
+            <a:endParaRPr lang="en-US" dirty="0"/>
           </a:p>
         </p:txBody>
       </p:sp>
@@ -2137,7 +2136,7 @@
     </p:spTree>
     <p:extLst>
       <p:ext uri="{BB962C8B-B14F-4D97-AF65-F5344CB8AC3E}">
-        <p14:creationId xmlns:p14="http://schemas.microsoft.com/office/powerpoint/2010/main" val="1883777362"/>
+        <p14:creationId xmlns:p14="http://schemas.microsoft.com/office/powerpoint/2010/main" val="4226027263"/>
       </p:ext>
     </p:extLst>
   </p:cSld>
@@ -2221,7 +2220,7 @@
     </p:spTree>
     <p:extLst>
       <p:ext uri="{BB962C8B-B14F-4D97-AF65-F5344CB8AC3E}">
-        <p14:creationId xmlns:p14="http://schemas.microsoft.com/office/powerpoint/2010/main" val="4226027263"/>
+        <p14:creationId xmlns:p14="http://schemas.microsoft.com/office/powerpoint/2010/main" val="3928912980"/>
       </p:ext>
     </p:extLst>
   </p:cSld>
@@ -2275,7 +2274,7 @@
           <a:bodyPr/>
           <a:lstStyle/>
           <a:p>
-            <a:endParaRPr lang="en-US" dirty="0"/>
+            <a:endParaRPr lang="en-US"/>
           </a:p>
         </p:txBody>
       </p:sp>
@@ -2305,7 +2304,7 @@
     </p:spTree>
     <p:extLst>
       <p:ext uri="{BB962C8B-B14F-4D97-AF65-F5344CB8AC3E}">
-        <p14:creationId xmlns:p14="http://schemas.microsoft.com/office/powerpoint/2010/main" val="3928912980"/>
+        <p14:creationId xmlns:p14="http://schemas.microsoft.com/office/powerpoint/2010/main" val="2116637837"/>
       </p:ext>
     </p:extLst>
   </p:cSld>
@@ -2359,7 +2358,46 @@
           <a:bodyPr/>
           <a:lstStyle/>
           <a:p>
-            <a:endParaRPr lang="en-US"/>
+            <a:r>
+              <a:rPr lang="en-US" b="0" i="0" dirty="0">
+                <a:solidFill>
+                  <a:srgbClr val="404040"/>
+                </a:solidFill>
+                <a:effectLst/>
+                <a:latin typeface="Lato" panose="020F0502020204030204" pitchFamily="34" charset="0"/>
+              </a:rPr>
+              <a:t>Once you activate an environment, </a:t>
+            </a:r>
+            <a:r>
+              <a:rPr lang="en-US" dirty="0" err="1">
+                <a:effectLst/>
+              </a:rPr>
+              <a:t>spack</a:t>
+            </a:r>
+            <a:r>
+              <a:rPr lang="en-US" dirty="0"/>
+              <a:t> </a:t>
+            </a:r>
+            <a:r>
+              <a:rPr lang="en-US" dirty="0">
+                <a:effectLst/>
+              </a:rPr>
+              <a:t>find</a:t>
+            </a:r>
+            <a:r>
+              <a:rPr lang="en-US" b="0" i="0" dirty="0">
+                <a:solidFill>
+                  <a:srgbClr val="404040"/>
+                </a:solidFill>
+                <a:effectLst/>
+                <a:latin typeface="Lato" panose="020F0502020204030203" pitchFamily="34" charset="0"/>
+              </a:rPr>
+              <a:t> only shows what is in the current environment. </a:t>
+            </a:r>
+            <a:endParaRPr lang="en-US" dirty="0"/>
+          </a:p>
+          <a:p>
+            <a:endParaRPr lang="en-US" dirty="0"/>
           </a:p>
         </p:txBody>
       </p:sp>
@@ -2389,7 +2427,7 @@
     </p:spTree>
     <p:extLst>
       <p:ext uri="{BB962C8B-B14F-4D97-AF65-F5344CB8AC3E}">
-        <p14:creationId xmlns:p14="http://schemas.microsoft.com/office/powerpoint/2010/main" val="2116637837"/>
+        <p14:creationId xmlns:p14="http://schemas.microsoft.com/office/powerpoint/2010/main" val="2831035227"/>
       </p:ext>
     </p:extLst>
   </p:cSld>
@@ -2443,46 +2481,7 @@
           <a:bodyPr/>
           <a:lstStyle/>
           <a:p>
-            <a:r>
-              <a:rPr lang="en-US" b="0" i="0" dirty="0">
-                <a:solidFill>
-                  <a:srgbClr val="404040"/>
-                </a:solidFill>
-                <a:effectLst/>
-                <a:latin typeface="Lato" panose="020F0502020204030204" pitchFamily="34" charset="0"/>
-              </a:rPr>
-              <a:t>Once you activate an environment, </a:t>
-            </a:r>
-            <a:r>
-              <a:rPr lang="en-US" dirty="0" err="1">
-                <a:effectLst/>
-              </a:rPr>
-              <a:t>spack</a:t>
-            </a:r>
-            <a:r>
-              <a:rPr lang="en-US" dirty="0"/>
-              <a:t> </a:t>
-            </a:r>
-            <a:r>
-              <a:rPr lang="en-US" dirty="0">
-                <a:effectLst/>
-              </a:rPr>
-              <a:t>find</a:t>
-            </a:r>
-            <a:r>
-              <a:rPr lang="en-US" b="0" i="0" dirty="0">
-                <a:solidFill>
-                  <a:srgbClr val="404040"/>
-                </a:solidFill>
-                <a:effectLst/>
-                <a:latin typeface="Lato" panose="020F0502020204030203" pitchFamily="34" charset="0"/>
-              </a:rPr>
-              <a:t> only shows what is in the current environment. </a:t>
-            </a:r>
-            <a:endParaRPr lang="en-US" dirty="0"/>
-          </a:p>
-          <a:p>
-            <a:endParaRPr lang="en-US" dirty="0"/>
+            <a:endParaRPr lang="en-US"/>
           </a:p>
         </p:txBody>
       </p:sp>
@@ -2512,7 +2511,7 @@
     </p:spTree>
     <p:extLst>
       <p:ext uri="{BB962C8B-B14F-4D97-AF65-F5344CB8AC3E}">
-        <p14:creationId xmlns:p14="http://schemas.microsoft.com/office/powerpoint/2010/main" val="2831035227"/>
+        <p14:creationId xmlns:p14="http://schemas.microsoft.com/office/powerpoint/2010/main" val="671770644"/>
       </p:ext>
     </p:extLst>
   </p:cSld>
@@ -2566,7 +2565,7 @@
           <a:bodyPr/>
           <a:lstStyle/>
           <a:p>
-            <a:endParaRPr lang="en-US"/>
+            <a:endParaRPr lang="en-US" dirty="0"/>
           </a:p>
         </p:txBody>
       </p:sp>
@@ -2596,7 +2595,7 @@
     </p:spTree>
     <p:extLst>
       <p:ext uri="{BB962C8B-B14F-4D97-AF65-F5344CB8AC3E}">
-        <p14:creationId xmlns:p14="http://schemas.microsoft.com/office/powerpoint/2010/main" val="671770644"/>
+        <p14:creationId xmlns:p14="http://schemas.microsoft.com/office/powerpoint/2010/main" val="2711281696"/>
       </p:ext>
     </p:extLst>
   </p:cSld>
@@ -2650,7 +2649,45 @@
           <a:bodyPr/>
           <a:lstStyle/>
           <a:p>
-            <a:endParaRPr lang="en-US" dirty="0"/>
+            <a:r>
+              <a:rPr lang="en-US"/>
+              <a:t>Demo:</a:t>
+            </a:r>
+          </a:p>
+          <a:p>
+            <a:r>
+              <a:rPr lang="en-US"/>
+              <a:t>-which python</a:t>
+            </a:r>
+          </a:p>
+          <a:p>
+            <a:r>
+              <a:rPr lang="en-US"/>
+              <a:t>-show how </a:t>
+            </a:r>
+            <a:r>
+              <a:rPr lang="en-US" err="1"/>
+              <a:t>conda</a:t>
+            </a:r>
+            <a:r>
+              <a:rPr lang="en-US"/>
+              <a:t> environment is organized</a:t>
+            </a:r>
+          </a:p>
+          <a:p>
+            <a:r>
+              <a:rPr lang="en-US"/>
+              <a:t>-start python </a:t>
+            </a:r>
+          </a:p>
+          <a:p>
+            <a:r>
+              <a:rPr lang="en-US"/>
+              <a:t>-import pandas (show error)</a:t>
+            </a:r>
+          </a:p>
+          <a:p>
+            <a:endParaRPr lang="en-US"/>
           </a:p>
         </p:txBody>
       </p:sp>
@@ -2671,7 +2708,7 @@
           <a:p>
             <a:fld id="{A926901F-C6C3-9E47-9843-744856EDDD7A}" type="slidenum">
               <a:rPr lang="en-US" smtClean="0"/>
-              <a:t>30</a:t>
+              <a:t>32</a:t>
             </a:fld>
             <a:endParaRPr lang="en-US"/>
           </a:p>
@@ -2680,7 +2717,7 @@
     </p:spTree>
     <p:extLst>
       <p:ext uri="{BB962C8B-B14F-4D97-AF65-F5344CB8AC3E}">
-        <p14:creationId xmlns:p14="http://schemas.microsoft.com/office/powerpoint/2010/main" val="2711281696"/>
+        <p14:creationId xmlns:p14="http://schemas.microsoft.com/office/powerpoint/2010/main" val="938194577"/>
       </p:ext>
     </p:extLst>
   </p:cSld>
@@ -2736,19 +2773,69 @@
           <a:p>
             <a:r>
               <a:rPr lang="en-US"/>
+              <a:t>Demo: </a:t>
+            </a:r>
+          </a:p>
+          <a:p>
+            <a:r>
+              <a:rPr lang="en-US" err="1"/>
+              <a:t>curc</a:t>
+            </a:r>
+            <a:r>
+              <a:rPr lang="en-US"/>
+              <a:t>-quota</a:t>
+            </a:r>
+          </a:p>
+          <a:p>
+            <a:endParaRPr lang="en-US"/>
+          </a:p>
+          <a:p>
+            <a:endParaRPr lang="en-US"/>
+          </a:p>
+          <a:p>
+            <a:r>
+              <a:rPr lang="en-US"/>
               <a:t>Demo:</a:t>
             </a:r>
           </a:p>
           <a:p>
             <a:r>
               <a:rPr lang="en-US"/>
-              <a:t>-which python</a:t>
-            </a:r>
-          </a:p>
-          <a:p>
+              <a:t>cd /projects/lafr9499/software/</a:t>
+            </a:r>
+            <a:r>
+              <a:rPr lang="en-US" err="1"/>
+              <a:t>my_first_env</a:t>
+            </a:r>
             <a:r>
               <a:rPr lang="en-US"/>
-              <a:t>-show how </a:t>
+              <a:t>/lib/python3.10/site-packages (point out pandas in that </a:t>
+            </a:r>
+            <a:r>
+              <a:rPr lang="en-US" err="1"/>
+              <a:t>dir</a:t>
+            </a:r>
+            <a:r>
+              <a:rPr lang="en-US"/>
+              <a:t>)</a:t>
+            </a:r>
+          </a:p>
+          <a:p>
+            <a:r>
+              <a:rPr lang="en-US"/>
+              <a:t>pip uninstall </a:t>
+            </a:r>
+          </a:p>
+          <a:p>
+            <a:r>
+              <a:rPr lang="en-US"/>
+              <a:t>ls (show no more pandas)</a:t>
+            </a:r>
+          </a:p>
+          <a:p>
+            <a:r>
+              <a:rPr lang="en-US"/>
+              <a:t>then do </a:t>
             </a:r>
             <a:r>
               <a:rPr lang="en-US" err="1"/>
@@ -2756,19 +2843,124 @@
             </a:r>
             <a:r>
               <a:rPr lang="en-US"/>
-              <a:t> environment is organized</a:t>
+              <a:t> install </a:t>
             </a:r>
           </a:p>
           <a:p>
             <a:r>
               <a:rPr lang="en-US"/>
-              <a:t>-start python </a:t>
-            </a:r>
-          </a:p>
-          <a:p>
+              <a:t>ls (show pandas there)</a:t>
+            </a:r>
+          </a:p>
+          <a:p>
+            <a:endParaRPr lang="en-US"/>
+          </a:p>
+          <a:p>
+            <a:endParaRPr lang="en-US"/>
+          </a:p>
+          <a:p>
+            <a:r>
+              <a:rPr lang="en-US" err="1"/>
+              <a:t>conda</a:t>
+            </a:r>
             <a:r>
               <a:rPr lang="en-US"/>
-              <a:t>-import pandas (show error)</a:t>
+              <a:t> install </a:t>
+            </a:r>
+            <a:r>
+              <a:rPr lang="en-US" err="1"/>
+              <a:t>fastqc</a:t>
+            </a:r>
+            <a:r>
+              <a:rPr lang="en-US"/>
+              <a:t> (this will fail)</a:t>
+            </a:r>
+          </a:p>
+          <a:p>
+            <a:r>
+              <a:rPr lang="en-US" err="1"/>
+              <a:t>conda</a:t>
+            </a:r>
+            <a:r>
+              <a:rPr lang="en-US"/>
+              <a:t> config –show channels </a:t>
+            </a:r>
+          </a:p>
+          <a:p>
+            <a:r>
+              <a:rPr lang="en-US" err="1"/>
+              <a:t>conda</a:t>
+            </a:r>
+            <a:r>
+              <a:rPr lang="en-US"/>
+              <a:t> config --add channels </a:t>
+            </a:r>
+            <a:r>
+              <a:rPr lang="en-US" err="1"/>
+              <a:t>bioconda</a:t>
+            </a:r>
+            <a:r>
+              <a:rPr lang="en-US"/>
+              <a:t> (can add channels OR can specify at install if you don’t want to add to your configuration</a:t>
+            </a:r>
+          </a:p>
+          <a:p>
+            <a:r>
+              <a:rPr lang="en-US" err="1"/>
+              <a:t>conda</a:t>
+            </a:r>
+            <a:r>
+              <a:rPr lang="en-US"/>
+              <a:t> install -c </a:t>
+            </a:r>
+            <a:r>
+              <a:rPr lang="en-US" err="1"/>
+              <a:t>bioconda</a:t>
+            </a:r>
+            <a:r>
+              <a:rPr lang="en-US"/>
+              <a:t> </a:t>
+            </a:r>
+            <a:r>
+              <a:rPr lang="en-US" err="1"/>
+              <a:t>fastqc</a:t>
+            </a:r>
+            <a:endParaRPr lang="en-US"/>
+          </a:p>
+          <a:p>
+            <a:r>
+              <a:rPr lang="en-US"/>
+              <a:t>show location in /projects/lafr9499/software/</a:t>
+            </a:r>
+            <a:r>
+              <a:rPr lang="en-US" err="1"/>
+              <a:t>my_first_env</a:t>
+            </a:r>
+            <a:r>
+              <a:rPr lang="en-US"/>
+              <a:t>/bin</a:t>
+            </a:r>
+          </a:p>
+          <a:p>
+            <a:r>
+              <a:rPr lang="en-US"/>
+              <a:t>cd /projects/lafr9499/software/</a:t>
+            </a:r>
+            <a:r>
+              <a:rPr lang="en-US" err="1"/>
+              <a:t>my_first_env</a:t>
+            </a:r>
+            <a:r>
+              <a:rPr lang="en-US"/>
+              <a:t>/bin (show </a:t>
+            </a:r>
+            <a:r>
+              <a:rPr lang="en-US" err="1"/>
+              <a:t>fastqc</a:t>
+            </a:r>
+            <a:r>
+              <a:rPr lang="en-US"/>
+              <a:t> in bin)</a:t>
             </a:r>
           </a:p>
           <a:p>
@@ -2793,7 +2985,7 @@
           <a:p>
             <a:fld id="{A926901F-C6C3-9E47-9843-744856EDDD7A}" type="slidenum">
               <a:rPr lang="en-US" smtClean="0"/>
-              <a:t>33</a:t>
+              <a:t>34</a:t>
             </a:fld>
             <a:endParaRPr lang="en-US"/>
           </a:p>
@@ -2802,7 +2994,7 @@
     </p:spTree>
     <p:extLst>
       <p:ext uri="{BB962C8B-B14F-4D97-AF65-F5344CB8AC3E}">
-        <p14:creationId xmlns:p14="http://schemas.microsoft.com/office/powerpoint/2010/main" val="938194577"/>
+        <p14:creationId xmlns:p14="http://schemas.microsoft.com/office/powerpoint/2010/main" val="500595530"/>
       </p:ext>
     </p:extLst>
   </p:cSld>
@@ -2857,199 +3049,72 @@
           <a:lstStyle/>
           <a:p>
             <a:r>
-              <a:rPr lang="en-US"/>
-              <a:t>Demo: </a:t>
-            </a:r>
-          </a:p>
-          <a:p>
-            <a:r>
-              <a:rPr lang="en-US" err="1"/>
-              <a:t>curc</a:t>
-            </a:r>
-            <a:r>
-              <a:rPr lang="en-US"/>
-              <a:t>-quota</a:t>
-            </a:r>
-          </a:p>
-          <a:p>
-            <a:endParaRPr lang="en-US"/>
-          </a:p>
-          <a:p>
-            <a:endParaRPr lang="en-US"/>
-          </a:p>
-          <a:p>
-            <a:r>
-              <a:rPr lang="en-US"/>
+              <a:rPr lang="en-US" dirty="0"/>
               <a:t>Demo:</a:t>
             </a:r>
           </a:p>
           <a:p>
             <a:r>
-              <a:rPr lang="en-US"/>
+              <a:rPr lang="en-US" dirty="0"/>
               <a:t>cd /projects/lafr9499/software/</a:t>
             </a:r>
             <a:r>
-              <a:rPr lang="en-US" err="1"/>
+              <a:rPr lang="en-US" dirty="0" err="1"/>
               <a:t>my_first_env</a:t>
             </a:r>
             <a:r>
-              <a:rPr lang="en-US"/>
+              <a:rPr lang="en-US" dirty="0"/>
               <a:t>/lib/python3.10/site-packages (point out pandas in that </a:t>
             </a:r>
             <a:r>
-              <a:rPr lang="en-US" err="1"/>
+              <a:rPr lang="en-US" dirty="0" err="1"/>
               <a:t>dir</a:t>
             </a:r>
             <a:r>
-              <a:rPr lang="en-US"/>
+              <a:rPr lang="en-US" dirty="0"/>
               <a:t>)</a:t>
             </a:r>
           </a:p>
           <a:p>
             <a:r>
-              <a:rPr lang="en-US"/>
+              <a:rPr lang="en-US" dirty="0"/>
               <a:t>pip uninstall </a:t>
             </a:r>
           </a:p>
           <a:p>
             <a:r>
-              <a:rPr lang="en-US"/>
+              <a:rPr lang="en-US" dirty="0"/>
               <a:t>ls (show no more pandas)</a:t>
             </a:r>
           </a:p>
           <a:p>
             <a:r>
-              <a:rPr lang="en-US"/>
+              <a:rPr lang="en-US" dirty="0"/>
               <a:t>then do </a:t>
             </a:r>
             <a:r>
-              <a:rPr lang="en-US" err="1"/>
+              <a:rPr lang="en-US" dirty="0" err="1"/>
               <a:t>conda</a:t>
             </a:r>
             <a:r>
-              <a:rPr lang="en-US"/>
+              <a:rPr lang="en-US" dirty="0"/>
               <a:t> install </a:t>
             </a:r>
           </a:p>
           <a:p>
             <a:r>
-              <a:rPr lang="en-US"/>
+              <a:rPr lang="en-US" dirty="0"/>
               <a:t>ls (show pandas there)</a:t>
             </a:r>
           </a:p>
           <a:p>
-            <a:endParaRPr lang="en-US"/>
-          </a:p>
-          <a:p>
-            <a:endParaRPr lang="en-US"/>
-          </a:p>
-          <a:p>
-            <a:r>
-              <a:rPr lang="en-US" err="1"/>
-              <a:t>conda</a:t>
-            </a:r>
-            <a:r>
-              <a:rPr lang="en-US"/>
-              <a:t> install </a:t>
-            </a:r>
-            <a:r>
-              <a:rPr lang="en-US" err="1"/>
-              <a:t>fastqc</a:t>
-            </a:r>
-            <a:r>
-              <a:rPr lang="en-US"/>
-              <a:t> (this will fail)</a:t>
-            </a:r>
-          </a:p>
-          <a:p>
-            <a:r>
-              <a:rPr lang="en-US" err="1"/>
-              <a:t>conda</a:t>
-            </a:r>
-            <a:r>
-              <a:rPr lang="en-US"/>
-              <a:t> config –show channels </a:t>
-            </a:r>
-          </a:p>
-          <a:p>
-            <a:r>
-              <a:rPr lang="en-US" err="1"/>
-              <a:t>conda</a:t>
-            </a:r>
-            <a:r>
-              <a:rPr lang="en-US"/>
-              <a:t> config --add channels </a:t>
-            </a:r>
-            <a:r>
-              <a:rPr lang="en-US" err="1"/>
-              <a:t>bioconda</a:t>
-            </a:r>
-            <a:r>
-              <a:rPr lang="en-US"/>
-              <a:t> (can add channels OR can specify at install if you don’t want to add to your configuration</a:t>
-            </a:r>
-          </a:p>
-          <a:p>
-            <a:r>
-              <a:rPr lang="en-US" err="1"/>
-              <a:t>conda</a:t>
-            </a:r>
-            <a:r>
-              <a:rPr lang="en-US"/>
-              <a:t> install -c </a:t>
-            </a:r>
-            <a:r>
-              <a:rPr lang="en-US" err="1"/>
-              <a:t>bioconda</a:t>
-            </a:r>
-            <a:r>
-              <a:rPr lang="en-US"/>
-              <a:t> </a:t>
-            </a:r>
-            <a:r>
-              <a:rPr lang="en-US" err="1"/>
-              <a:t>fastqc</a:t>
-            </a:r>
-            <a:endParaRPr lang="en-US"/>
-          </a:p>
-          <a:p>
-            <a:r>
-              <a:rPr lang="en-US"/>
-              <a:t>show location in /projects/lafr9499/software/</a:t>
-            </a:r>
-            <a:r>
-              <a:rPr lang="en-US" err="1"/>
-              <a:t>my_first_env</a:t>
-            </a:r>
-            <a:r>
-              <a:rPr lang="en-US"/>
-              <a:t>/bin</a:t>
-            </a:r>
-          </a:p>
-          <a:p>
-            <a:r>
-              <a:rPr lang="en-US"/>
-              <a:t>cd /projects/lafr9499/software/</a:t>
-            </a:r>
-            <a:r>
-              <a:rPr lang="en-US" err="1"/>
-              <a:t>my_first_env</a:t>
-            </a:r>
-            <a:r>
-              <a:rPr lang="en-US"/>
-              <a:t>/bin (show </a:t>
-            </a:r>
-            <a:r>
-              <a:rPr lang="en-US" err="1"/>
-              <a:t>fastqc</a:t>
-            </a:r>
-            <a:r>
-              <a:rPr lang="en-US"/>
-              <a:t> in bin)</a:t>
-            </a:r>
-          </a:p>
-          <a:p>
-            <a:endParaRPr lang="en-US"/>
+            <a:endParaRPr lang="en-US" dirty="0"/>
+          </a:p>
+          <a:p>
+            <a:endParaRPr lang="en-US" dirty="0"/>
+          </a:p>
+          <a:p>
+            <a:endParaRPr lang="en-US" dirty="0"/>
           </a:p>
         </p:txBody>
       </p:sp>
@@ -3079,7 +3144,7 @@
     </p:spTree>
     <p:extLst>
       <p:ext uri="{BB962C8B-B14F-4D97-AF65-F5344CB8AC3E}">
-        <p14:creationId xmlns:p14="http://schemas.microsoft.com/office/powerpoint/2010/main" val="500595530"/>
+        <p14:creationId xmlns:p14="http://schemas.microsoft.com/office/powerpoint/2010/main" val="1111859947"/>
       </p:ext>
     </p:extLst>
   </p:cSld>
@@ -3133,72 +3198,6 @@
           <a:bodyPr/>
           <a:lstStyle/>
           <a:p>
-            <a:r>
-              <a:rPr lang="en-US" dirty="0"/>
-              <a:t>Demo:</a:t>
-            </a:r>
-          </a:p>
-          <a:p>
-            <a:r>
-              <a:rPr lang="en-US" dirty="0"/>
-              <a:t>cd /projects/lafr9499/software/</a:t>
-            </a:r>
-            <a:r>
-              <a:rPr lang="en-US" dirty="0" err="1"/>
-              <a:t>my_first_env</a:t>
-            </a:r>
-            <a:r>
-              <a:rPr lang="en-US" dirty="0"/>
-              <a:t>/lib/python3.10/site-packages (point out pandas in that </a:t>
-            </a:r>
-            <a:r>
-              <a:rPr lang="en-US" dirty="0" err="1"/>
-              <a:t>dir</a:t>
-            </a:r>
-            <a:r>
-              <a:rPr lang="en-US" dirty="0"/>
-              <a:t>)</a:t>
-            </a:r>
-          </a:p>
-          <a:p>
-            <a:r>
-              <a:rPr lang="en-US" dirty="0"/>
-              <a:t>pip uninstall </a:t>
-            </a:r>
-          </a:p>
-          <a:p>
-            <a:r>
-              <a:rPr lang="en-US" dirty="0"/>
-              <a:t>ls (show no more pandas)</a:t>
-            </a:r>
-          </a:p>
-          <a:p>
-            <a:r>
-              <a:rPr lang="en-US" dirty="0"/>
-              <a:t>then do </a:t>
-            </a:r>
-            <a:r>
-              <a:rPr lang="en-US" dirty="0" err="1"/>
-              <a:t>conda</a:t>
-            </a:r>
-            <a:r>
-              <a:rPr lang="en-US" dirty="0"/>
-              <a:t> install </a:t>
-            </a:r>
-          </a:p>
-          <a:p>
-            <a:r>
-              <a:rPr lang="en-US" dirty="0"/>
-              <a:t>ls (show pandas there)</a:t>
-            </a:r>
-          </a:p>
-          <a:p>
-            <a:endParaRPr lang="en-US" dirty="0"/>
-          </a:p>
-          <a:p>
-            <a:endParaRPr lang="en-US" dirty="0"/>
-          </a:p>
-          <a:p>
             <a:endParaRPr lang="en-US" dirty="0"/>
           </a:p>
         </p:txBody>
@@ -3229,7 +3228,7 @@
     </p:spTree>
     <p:extLst>
       <p:ext uri="{BB962C8B-B14F-4D97-AF65-F5344CB8AC3E}">
-        <p14:creationId xmlns:p14="http://schemas.microsoft.com/office/powerpoint/2010/main" val="1111859947"/>
+        <p14:creationId xmlns:p14="http://schemas.microsoft.com/office/powerpoint/2010/main" val="487837753"/>
       </p:ext>
     </p:extLst>
   </p:cSld>
@@ -3283,7 +3282,7 @@
           <a:bodyPr/>
           <a:lstStyle/>
           <a:p>
-            <a:endParaRPr lang="en-US" dirty="0"/>
+            <a:endParaRPr lang="en-US"/>
           </a:p>
         </p:txBody>
       </p:sp>
@@ -3304,7 +3303,7 @@
           <a:p>
             <a:fld id="{A926901F-C6C3-9E47-9843-744856EDDD7A}" type="slidenum">
               <a:rPr lang="en-US" smtClean="0"/>
-              <a:t>3</a:t>
+              <a:t>4</a:t>
             </a:fld>
             <a:endParaRPr lang="en-US"/>
           </a:p>
@@ -3313,7 +3312,7 @@
     </p:spTree>
     <p:extLst>
       <p:ext uri="{BB962C8B-B14F-4D97-AF65-F5344CB8AC3E}">
-        <p14:creationId xmlns:p14="http://schemas.microsoft.com/office/powerpoint/2010/main" val="2001404367"/>
+        <p14:creationId xmlns:p14="http://schemas.microsoft.com/office/powerpoint/2010/main" val="4113179549"/>
       </p:ext>
     </p:extLst>
   </p:cSld>
@@ -3367,6 +3366,97 @@
           <a:bodyPr/>
           <a:lstStyle/>
           <a:p>
+            <a:r>
+              <a:rPr lang="en-US" dirty="0"/>
+              <a:t>https://</a:t>
+            </a:r>
+            <a:r>
+              <a:rPr lang="en-US" dirty="0" err="1"/>
+              <a:t>cloud.google.com</a:t>
+            </a:r>
+            <a:r>
+              <a:rPr lang="en-US" dirty="0"/>
+              <a:t>/learn/what-are-containers</a:t>
+            </a:r>
+          </a:p>
+          <a:p>
+            <a:endParaRPr lang="en-US" dirty="0"/>
+          </a:p>
+          <a:p>
+            <a:pPr algn="l"/>
+            <a:r>
+              <a:rPr lang="en-US" b="0" i="0" dirty="0">
+                <a:solidFill>
+                  <a:srgbClr val="202124"/>
+                </a:solidFill>
+                <a:effectLst/>
+                <a:latin typeface="Google Sans"/>
+              </a:rPr>
+              <a:t>Containers vs. VMs</a:t>
+            </a:r>
+          </a:p>
+          <a:p>
+            <a:pPr algn="l"/>
+            <a:r>
+              <a:rPr lang="en-US" b="0" i="0" dirty="0">
+                <a:solidFill>
+                  <a:srgbClr val="5F6368"/>
+                </a:solidFill>
+                <a:effectLst/>
+                <a:latin typeface="Google Sans Text"/>
+              </a:rPr>
+              <a:t>You might already be familiar with VMs: a guest operating system such as Linux or Windows runs on top of a host operating system with access to the underlying hardware. Containers are often compared to virtual machines (VMs). Like virtual machines, containers allow you to package your application together with libraries and other dependencies, providing isolated environments for running your software services. As you’ll see below, however, the similarities end here as containers offer a far more lightweight unit for developers and IT Ops teams to work with, carrying a myriad of benefits.</a:t>
+            </a:r>
+          </a:p>
+          <a:p>
+            <a:pPr algn="l">
+              <a:buFont typeface="Arial" panose="020B0604020202020204" pitchFamily="34" charset="0"/>
+              <a:buChar char="•"/>
+            </a:pPr>
+            <a:r>
+              <a:rPr lang="en-US" b="0" i="0" dirty="0">
+                <a:solidFill>
+                  <a:srgbClr val="5F6368"/>
+                </a:solidFill>
+                <a:effectLst/>
+                <a:latin typeface="Google Sans Text"/>
+              </a:rPr>
+              <a:t>Containers are much more lightweight than VMs</a:t>
+            </a:r>
+          </a:p>
+          <a:p>
+            <a:pPr algn="l">
+              <a:buFont typeface="Arial" panose="020B0604020202020204" pitchFamily="34" charset="0"/>
+              <a:buChar char="•"/>
+            </a:pPr>
+            <a:r>
+              <a:rPr lang="en-US" b="0" i="0" dirty="0">
+                <a:solidFill>
+                  <a:srgbClr val="5F6368"/>
+                </a:solidFill>
+                <a:effectLst/>
+                <a:latin typeface="Google Sans Text"/>
+              </a:rPr>
+              <a:t>Containers virtualize at the OS level while VMs virtualize at the hardware level</a:t>
+            </a:r>
+          </a:p>
+          <a:p>
+            <a:pPr algn="l">
+              <a:buFont typeface="Arial" panose="020B0604020202020204" pitchFamily="34" charset="0"/>
+              <a:buChar char="•"/>
+            </a:pPr>
+            <a:r>
+              <a:rPr lang="en-US" b="0" i="0" dirty="0">
+                <a:solidFill>
+                  <a:srgbClr val="5F6368"/>
+                </a:solidFill>
+                <a:effectLst/>
+                <a:latin typeface="Google Sans Text"/>
+              </a:rPr>
+              <a:t>Containers share the OS kernel and use a fraction of the memory VMs require</a:t>
+            </a:r>
+          </a:p>
+          <a:p>
             <a:endParaRPr lang="en-US" dirty="0"/>
           </a:p>
         </p:txBody>
@@ -3388,7 +3478,7 @@
           <a:p>
             <a:fld id="{A926901F-C6C3-9E47-9843-744856EDDD7A}" type="slidenum">
               <a:rPr lang="en-US" smtClean="0"/>
-              <a:t>37</a:t>
+              <a:t>38</a:t>
             </a:fld>
             <a:endParaRPr lang="en-US"/>
           </a:p>
@@ -3397,7 +3487,7 @@
     </p:spTree>
     <p:extLst>
       <p:ext uri="{BB962C8B-B14F-4D97-AF65-F5344CB8AC3E}">
-        <p14:creationId xmlns:p14="http://schemas.microsoft.com/office/powerpoint/2010/main" val="487837753"/>
+        <p14:creationId xmlns:p14="http://schemas.microsoft.com/office/powerpoint/2010/main" val="68248245"/>
       </p:ext>
     </p:extLst>
   </p:cSld>
@@ -3452,97 +3542,9 @@
           <a:lstStyle/>
           <a:p>
             <a:r>
-              <a:rPr lang="en-US" dirty="0"/>
-              <a:t>https://</a:t>
-            </a:r>
-            <a:r>
-              <a:rPr lang="en-US" dirty="0" err="1"/>
-              <a:t>cloud.google.com</a:t>
-            </a:r>
-            <a:r>
-              <a:rPr lang="en-US" dirty="0"/>
-              <a:t>/learn/what-are-containers</a:t>
-            </a:r>
-          </a:p>
-          <a:p>
-            <a:endParaRPr lang="en-US" dirty="0"/>
-          </a:p>
-          <a:p>
-            <a:pPr algn="l"/>
-            <a:r>
-              <a:rPr lang="en-US" b="0" i="0" dirty="0">
-                <a:solidFill>
-                  <a:srgbClr val="202124"/>
-                </a:solidFill>
-                <a:effectLst/>
-                <a:latin typeface="Google Sans"/>
-              </a:rPr>
-              <a:t>Containers vs. VMs</a:t>
-            </a:r>
-          </a:p>
-          <a:p>
-            <a:pPr algn="l"/>
-            <a:r>
-              <a:rPr lang="en-US" b="0" i="0" dirty="0">
-                <a:solidFill>
-                  <a:srgbClr val="5F6368"/>
-                </a:solidFill>
-                <a:effectLst/>
-                <a:latin typeface="Google Sans Text"/>
-              </a:rPr>
-              <a:t>You might already be familiar with VMs: a guest operating system such as Linux or Windows runs on top of a host operating system with access to the underlying hardware. Containers are often compared to virtual machines (VMs). Like virtual machines, containers allow you to package your application together with libraries and other dependencies, providing isolated environments for running your software services. As you’ll see below, however, the similarities end here as containers offer a far more lightweight unit for developers and IT Ops teams to work with, carrying a myriad of benefits.</a:t>
-            </a:r>
-          </a:p>
-          <a:p>
-            <a:pPr algn="l">
-              <a:buFont typeface="Arial" panose="020B0604020202020204" pitchFamily="34" charset="0"/>
-              <a:buChar char="•"/>
-            </a:pPr>
-            <a:r>
-              <a:rPr lang="en-US" b="0" i="0" dirty="0">
-                <a:solidFill>
-                  <a:srgbClr val="5F6368"/>
-                </a:solidFill>
-                <a:effectLst/>
-                <a:latin typeface="Google Sans Text"/>
-              </a:rPr>
-              <a:t>Containers are much more lightweight than VMs</a:t>
-            </a:r>
-          </a:p>
-          <a:p>
-            <a:pPr algn="l">
-              <a:buFont typeface="Arial" panose="020B0604020202020204" pitchFamily="34" charset="0"/>
-              <a:buChar char="•"/>
-            </a:pPr>
-            <a:r>
-              <a:rPr lang="en-US" b="0" i="0" dirty="0">
-                <a:solidFill>
-                  <a:srgbClr val="5F6368"/>
-                </a:solidFill>
-                <a:effectLst/>
-                <a:latin typeface="Google Sans Text"/>
-              </a:rPr>
-              <a:t>Containers virtualize at the OS level while VMs virtualize at the hardware level</a:t>
-            </a:r>
-          </a:p>
-          <a:p>
-            <a:pPr algn="l">
-              <a:buFont typeface="Arial" panose="020B0604020202020204" pitchFamily="34" charset="0"/>
-              <a:buChar char="•"/>
-            </a:pPr>
-            <a:r>
-              <a:rPr lang="en-US" b="0" i="0" dirty="0">
-                <a:solidFill>
-                  <a:srgbClr val="5F6368"/>
-                </a:solidFill>
-                <a:effectLst/>
-                <a:latin typeface="Google Sans Text"/>
-              </a:rPr>
-              <a:t>Containers share the OS kernel and use a fraction of the memory VMs require</a:t>
-            </a:r>
-          </a:p>
-          <a:p>
-            <a:endParaRPr lang="en-US" dirty="0"/>
+              <a:rPr lang="en-US"/>
+              <a:t>SIF = singularity image file </a:t>
+            </a:r>
           </a:p>
         </p:txBody>
       </p:sp>
@@ -3563,94 +3565,7 @@
           <a:p>
             <a:fld id="{A926901F-C6C3-9E47-9843-744856EDDD7A}" type="slidenum">
               <a:rPr lang="en-US" smtClean="0"/>
-              <a:t>39</a:t>
-            </a:fld>
-            <a:endParaRPr lang="en-US"/>
-          </a:p>
-        </p:txBody>
-      </p:sp>
-    </p:spTree>
-    <p:extLst>
-      <p:ext uri="{BB962C8B-B14F-4D97-AF65-F5344CB8AC3E}">
-        <p14:creationId xmlns:p14="http://schemas.microsoft.com/office/powerpoint/2010/main" val="68248245"/>
-      </p:ext>
-    </p:extLst>
-  </p:cSld>
-  <p:clrMapOvr>
-    <a:masterClrMapping/>
-  </p:clrMapOvr>
-</p:notes>
-</file>
-
-<file path=ppt/notesSlides/notesSlide32.xml><?xml version="1.0" encoding="utf-8"?>
-<p:notes xmlns:a="http://schemas.openxmlformats.org/drawingml/2006/main" xmlns:r="http://schemas.openxmlformats.org/officeDocument/2006/relationships" xmlns:p="http://schemas.openxmlformats.org/presentationml/2006/main">
-  <p:cSld>
-    <p:spTree>
-      <p:nvGrpSpPr>
-        <p:cNvPr id="1" name=""/>
-        <p:cNvGrpSpPr/>
-        <p:nvPr/>
-      </p:nvGrpSpPr>
-      <p:grpSpPr>
-        <a:xfrm>
-          <a:off x="0" y="0"/>
-          <a:ext cx="0" cy="0"/>
-          <a:chOff x="0" y="0"/>
-          <a:chExt cx="0" cy="0"/>
-        </a:xfrm>
-      </p:grpSpPr>
-      <p:sp>
-        <p:nvSpPr>
-          <p:cNvPr id="2" name="Slide Image Placeholder 1"/>
-          <p:cNvSpPr>
-            <a:spLocks noGrp="1" noRot="1" noChangeAspect="1"/>
-          </p:cNvSpPr>
-          <p:nvPr>
-            <p:ph type="sldImg"/>
-          </p:nvPr>
-        </p:nvSpPr>
-        <p:spPr/>
-      </p:sp>
-      <p:sp>
-        <p:nvSpPr>
-          <p:cNvPr id="3" name="Notes Placeholder 2"/>
-          <p:cNvSpPr>
-            <a:spLocks noGrp="1"/>
-          </p:cNvSpPr>
-          <p:nvPr>
-            <p:ph type="body" idx="1"/>
-          </p:nvPr>
-        </p:nvSpPr>
-        <p:spPr/>
-        <p:txBody>
-          <a:bodyPr/>
-          <a:lstStyle/>
-          <a:p>
-            <a:r>
-              <a:rPr lang="en-US"/>
-              <a:t>SIF = singularity image file </a:t>
-            </a:r>
-          </a:p>
-        </p:txBody>
-      </p:sp>
-      <p:sp>
-        <p:nvSpPr>
-          <p:cNvPr id="4" name="Slide Number Placeholder 3"/>
-          <p:cNvSpPr>
-            <a:spLocks noGrp="1"/>
-          </p:cNvSpPr>
-          <p:nvPr>
-            <p:ph type="sldNum" sz="quarter" idx="5"/>
-          </p:nvPr>
-        </p:nvSpPr>
-        <p:spPr/>
-        <p:txBody>
-          <a:bodyPr/>
-          <a:lstStyle/>
-          <a:p>
-            <a:fld id="{A926901F-C6C3-9E47-9843-744856EDDD7A}" type="slidenum">
-              <a:rPr lang="en-US" smtClean="0"/>
-              <a:t>41</a:t>
+              <a:t>40</a:t>
             </a:fld>
             <a:endParaRPr lang="en-US"/>
           </a:p>
@@ -3743,7 +3658,7 @@
     </p:spTree>
     <p:extLst>
       <p:ext uri="{BB962C8B-B14F-4D97-AF65-F5344CB8AC3E}">
-        <p14:creationId xmlns:p14="http://schemas.microsoft.com/office/powerpoint/2010/main" val="4113179549"/>
+        <p14:creationId xmlns:p14="http://schemas.microsoft.com/office/powerpoint/2010/main" val="4149119374"/>
       </p:ext>
     </p:extLst>
   </p:cSld>
@@ -3797,7 +3712,38 @@
           <a:bodyPr/>
           <a:lstStyle/>
           <a:p>
-            <a:endParaRPr lang="en-US"/>
+            <a:r>
+              <a:rPr lang="en-US" err="1"/>
+              <a:t>sinteractive</a:t>
+            </a:r>
+            <a:r>
+              <a:rPr lang="en-US"/>
+              <a:t> --partition=</a:t>
+            </a:r>
+            <a:r>
+              <a:rPr lang="en-US" err="1"/>
+              <a:t>atesting</a:t>
+            </a:r>
+            <a:r>
+              <a:rPr lang="en-US"/>
+              <a:t> --</a:t>
+            </a:r>
+            <a:r>
+              <a:rPr lang="en-US" err="1"/>
+              <a:t>qos</a:t>
+            </a:r>
+            <a:r>
+              <a:rPr lang="en-US"/>
+              <a:t>=testing --time=90:00 --</a:t>
+            </a:r>
+            <a:r>
+              <a:rPr lang="en-US" err="1"/>
+              <a:t>ntasks</a:t>
+            </a:r>
+            <a:r>
+              <a:rPr lang="en-US"/>
+              <a:t>=1</a:t>
+            </a:r>
           </a:p>
         </p:txBody>
       </p:sp>
@@ -3827,7 +3773,7 @@
     </p:spTree>
     <p:extLst>
       <p:ext uri="{BB962C8B-B14F-4D97-AF65-F5344CB8AC3E}">
-        <p14:creationId xmlns:p14="http://schemas.microsoft.com/office/powerpoint/2010/main" val="4149119374"/>
+        <p14:creationId xmlns:p14="http://schemas.microsoft.com/office/powerpoint/2010/main" val="3203807855"/>
       </p:ext>
     </p:extLst>
   </p:cSld>
@@ -3882,37 +3828,112 @@
           <a:lstStyle/>
           <a:p>
             <a:r>
-              <a:rPr lang="en-US" err="1"/>
-              <a:t>sinteractive</a:t>
-            </a:r>
-            <a:r>
-              <a:rPr lang="en-US"/>
-              <a:t> --partition=</a:t>
-            </a:r>
-            <a:r>
-              <a:rPr lang="en-US" err="1"/>
-              <a:t>atesting</a:t>
-            </a:r>
-            <a:r>
-              <a:rPr lang="en-US"/>
-              <a:t> --</a:t>
-            </a:r>
-            <a:r>
-              <a:rPr lang="en-US" err="1"/>
-              <a:t>qos</a:t>
-            </a:r>
-            <a:r>
-              <a:rPr lang="en-US"/>
-              <a:t>=testing --time=90:00 --</a:t>
-            </a:r>
-            <a:r>
-              <a:rPr lang="en-US" err="1"/>
-              <a:t>ntasks</a:t>
-            </a:r>
-            <a:r>
-              <a:rPr lang="en-US"/>
-              <a:t>=1</a:t>
-            </a:r>
+              <a:rPr lang="en-US" dirty="0"/>
+              <a:t>Let’s see what </a:t>
+            </a:r>
+            <a:r>
+              <a:rPr lang="en-US" dirty="0" err="1"/>
+              <a:t>lmod</a:t>
+            </a:r>
+            <a:r>
+              <a:rPr lang="en-US" dirty="0"/>
+              <a:t> is doing to manage the software environment.</a:t>
+            </a:r>
+          </a:p>
+          <a:p>
+            <a:endParaRPr lang="en-US" dirty="0"/>
+          </a:p>
+          <a:p>
+            <a:pPr marL="0" marR="0" lvl="0" indent="0" algn="l" defTabSz="914400" rtl="0" eaLnBrk="1" fontAlgn="auto" latinLnBrk="0" hangingPunct="1">
+              <a:lnSpc>
+                <a:spcPct val="100000"/>
+              </a:lnSpc>
+              <a:spcBef>
+                <a:spcPts val="0"/>
+              </a:spcBef>
+              <a:spcAft>
+                <a:spcPts val="0"/>
+              </a:spcAft>
+              <a:buClrTx/>
+              <a:buSzTx/>
+              <a:buFontTx/>
+              <a:buNone/>
+              <a:tabLst/>
+              <a:defRPr/>
+            </a:pPr>
+            <a:r>
+              <a:rPr lang="en-US" dirty="0"/>
+              <a:t>Goal: demonstrate the different compiler-dependent software are available when load each of these different compilers. The packages have been compiled against the respective versions.</a:t>
+            </a:r>
+          </a:p>
+          <a:p>
+            <a:pPr marL="0" marR="0" lvl="0" indent="0" algn="l" defTabSz="914400" rtl="0" eaLnBrk="1" fontAlgn="auto" latinLnBrk="0" hangingPunct="1">
+              <a:lnSpc>
+                <a:spcPct val="100000"/>
+              </a:lnSpc>
+              <a:spcBef>
+                <a:spcPts val="0"/>
+              </a:spcBef>
+              <a:spcAft>
+                <a:spcPts val="0"/>
+              </a:spcAft>
+              <a:buClrTx/>
+              <a:buSzTx/>
+              <a:buFontTx/>
+              <a:buNone/>
+              <a:tabLst/>
+              <a:defRPr/>
+            </a:pPr>
+            <a:endParaRPr lang="en-US" dirty="0"/>
+          </a:p>
+          <a:p>
+            <a:pPr marL="0" marR="0" lvl="0" indent="0" algn="l" defTabSz="914400" rtl="0" eaLnBrk="1" fontAlgn="auto" latinLnBrk="0" hangingPunct="1">
+              <a:lnSpc>
+                <a:spcPct val="100000"/>
+              </a:lnSpc>
+              <a:spcBef>
+                <a:spcPts val="0"/>
+              </a:spcBef>
+              <a:spcAft>
+                <a:spcPts val="0"/>
+              </a:spcAft>
+              <a:buClrTx/>
+              <a:buSzTx/>
+              <a:buFontTx/>
+              <a:buNone/>
+              <a:tabLst/>
+              <a:defRPr/>
+            </a:pPr>
+            <a:r>
+              <a:rPr lang="en-US" dirty="0"/>
+              <a:t>Point out difference between specifying default and specifying version.</a:t>
+            </a:r>
+          </a:p>
+          <a:p>
+            <a:pPr marL="0" marR="0" lvl="0" indent="0" algn="l" defTabSz="914400" rtl="0" eaLnBrk="1" fontAlgn="auto" latinLnBrk="0" hangingPunct="1">
+              <a:lnSpc>
+                <a:spcPct val="100000"/>
+              </a:lnSpc>
+              <a:spcBef>
+                <a:spcPts val="0"/>
+              </a:spcBef>
+              <a:spcAft>
+                <a:spcPts val="0"/>
+              </a:spcAft>
+              <a:buClrTx/>
+              <a:buSzTx/>
+              <a:buFontTx/>
+              <a:buNone/>
+              <a:tabLst/>
+              <a:defRPr/>
+            </a:pPr>
+            <a:r>
+              <a:rPr lang="en-US" dirty="0"/>
+              <a:t>Point out ‘change’ method.</a:t>
+            </a:r>
+          </a:p>
+          <a:p>
+            <a:endParaRPr lang="en-US" dirty="0"/>
           </a:p>
         </p:txBody>
       </p:sp>
@@ -3942,7 +3963,7 @@
     </p:spTree>
     <p:extLst>
       <p:ext uri="{BB962C8B-B14F-4D97-AF65-F5344CB8AC3E}">
-        <p14:creationId xmlns:p14="http://schemas.microsoft.com/office/powerpoint/2010/main" val="3203807855"/>
+        <p14:creationId xmlns:p14="http://schemas.microsoft.com/office/powerpoint/2010/main" val="371298523"/>
       </p:ext>
     </p:extLst>
   </p:cSld>
@@ -3998,7 +4019,7 @@
           <a:p>
             <a:r>
               <a:rPr lang="en-US" dirty="0"/>
-              <a:t>Let’s see what </a:t>
+              <a:t>Here we are loading different versions of the HDF5 library. They are different in that they were compiled with different compilers, so we want our environment variables to reflect that. It would be a total pain if we had to do that manually, but luckily the </a:t>
             </a:r>
             <a:r>
               <a:rPr lang="en-US" dirty="0" err="1"/>
@@ -4006,99 +4027,7 @@
             </a:r>
             <a:r>
               <a:rPr lang="en-US" dirty="0"/>
-              <a:t> is doing to manage the software environment.</a:t>
-            </a:r>
-          </a:p>
-          <a:p>
-            <a:endParaRPr lang="en-US" dirty="0"/>
-          </a:p>
-          <a:p>
-            <a:pPr marL="0" marR="0" lvl="0" indent="0" algn="l" defTabSz="914400" rtl="0" eaLnBrk="1" fontAlgn="auto" latinLnBrk="0" hangingPunct="1">
-              <a:lnSpc>
-                <a:spcPct val="100000"/>
-              </a:lnSpc>
-              <a:spcBef>
-                <a:spcPts val="0"/>
-              </a:spcBef>
-              <a:spcAft>
-                <a:spcPts val="0"/>
-              </a:spcAft>
-              <a:buClrTx/>
-              <a:buSzTx/>
-              <a:buFontTx/>
-              <a:buNone/>
-              <a:tabLst/>
-              <a:defRPr/>
-            </a:pPr>
-            <a:r>
-              <a:rPr lang="en-US" dirty="0"/>
-              <a:t>Goal: demonstrate the different compiler-dependent software are available when load each of these different compilers. The packages have been compiled against the respective versions.</a:t>
-            </a:r>
-          </a:p>
-          <a:p>
-            <a:pPr marL="0" marR="0" lvl="0" indent="0" algn="l" defTabSz="914400" rtl="0" eaLnBrk="1" fontAlgn="auto" latinLnBrk="0" hangingPunct="1">
-              <a:lnSpc>
-                <a:spcPct val="100000"/>
-              </a:lnSpc>
-              <a:spcBef>
-                <a:spcPts val="0"/>
-              </a:spcBef>
-              <a:spcAft>
-                <a:spcPts val="0"/>
-              </a:spcAft>
-              <a:buClrTx/>
-              <a:buSzTx/>
-              <a:buFontTx/>
-              <a:buNone/>
-              <a:tabLst/>
-              <a:defRPr/>
-            </a:pPr>
-            <a:endParaRPr lang="en-US" dirty="0"/>
-          </a:p>
-          <a:p>
-            <a:pPr marL="0" marR="0" lvl="0" indent="0" algn="l" defTabSz="914400" rtl="0" eaLnBrk="1" fontAlgn="auto" latinLnBrk="0" hangingPunct="1">
-              <a:lnSpc>
-                <a:spcPct val="100000"/>
-              </a:lnSpc>
-              <a:spcBef>
-                <a:spcPts val="0"/>
-              </a:spcBef>
-              <a:spcAft>
-                <a:spcPts val="0"/>
-              </a:spcAft>
-              <a:buClrTx/>
-              <a:buSzTx/>
-              <a:buFontTx/>
-              <a:buNone/>
-              <a:tabLst/>
-              <a:defRPr/>
-            </a:pPr>
-            <a:r>
-              <a:rPr lang="en-US" dirty="0"/>
-              <a:t>Point out difference between specifying default and specifying version.</a:t>
-            </a:r>
-          </a:p>
-          <a:p>
-            <a:pPr marL="0" marR="0" lvl="0" indent="0" algn="l" defTabSz="914400" rtl="0" eaLnBrk="1" fontAlgn="auto" latinLnBrk="0" hangingPunct="1">
-              <a:lnSpc>
-                <a:spcPct val="100000"/>
-              </a:lnSpc>
-              <a:spcBef>
-                <a:spcPts val="0"/>
-              </a:spcBef>
-              <a:spcAft>
-                <a:spcPts val="0"/>
-              </a:spcAft>
-              <a:buClrTx/>
-              <a:buSzTx/>
-              <a:buFontTx/>
-              <a:buNone/>
-              <a:tabLst/>
-              <a:defRPr/>
-            </a:pPr>
-            <a:r>
-              <a:rPr lang="en-US" dirty="0"/>
-              <a:t>Point out ‘change’ method.</a:t>
+              <a:t> module system does that for us.</a:t>
             </a:r>
           </a:p>
           <a:p>
@@ -4132,7 +4061,7 @@
     </p:spTree>
     <p:extLst>
       <p:ext uri="{BB962C8B-B14F-4D97-AF65-F5344CB8AC3E}">
-        <p14:creationId xmlns:p14="http://schemas.microsoft.com/office/powerpoint/2010/main" val="371298523"/>
+        <p14:creationId xmlns:p14="http://schemas.microsoft.com/office/powerpoint/2010/main" val="335839649"/>
       </p:ext>
     </p:extLst>
   </p:cSld>
@@ -4186,21 +4115,7 @@
           <a:bodyPr/>
           <a:lstStyle/>
           <a:p>
-            <a:r>
-              <a:rPr lang="en-US" dirty="0"/>
-              <a:t>Here we are loading different versions of the HDF5 library. They are different in that they were compiled with different compilers, so we want our environment variables to reflect that. It would be a total pain if we had to do that manually, but luckily the </a:t>
-            </a:r>
-            <a:r>
-              <a:rPr lang="en-US" dirty="0" err="1"/>
-              <a:t>lmod</a:t>
-            </a:r>
-            <a:r>
-              <a:rPr lang="en-US" dirty="0"/>
-              <a:t> module system does that for us.</a:t>
-            </a:r>
-          </a:p>
-          <a:p>
-            <a:endParaRPr lang="en-US" dirty="0"/>
+            <a:endParaRPr lang="en-US"/>
           </a:p>
         </p:txBody>
       </p:sp>
@@ -4230,7 +4145,7 @@
     </p:spTree>
     <p:extLst>
       <p:ext uri="{BB962C8B-B14F-4D97-AF65-F5344CB8AC3E}">
-        <p14:creationId xmlns:p14="http://schemas.microsoft.com/office/powerpoint/2010/main" val="335839649"/>
+        <p14:creationId xmlns:p14="http://schemas.microsoft.com/office/powerpoint/2010/main" val="2901899063"/>
       </p:ext>
     </p:extLst>
   </p:cSld>
@@ -4284,7 +4199,7 @@
           <a:bodyPr/>
           <a:lstStyle/>
           <a:p>
-            <a:endParaRPr lang="en-US"/>
+            <a:endParaRPr lang="en-US" dirty="0"/>
           </a:p>
         </p:txBody>
       </p:sp>
@@ -4314,7 +4229,7 @@
     </p:spTree>
     <p:extLst>
       <p:ext uri="{BB962C8B-B14F-4D97-AF65-F5344CB8AC3E}">
-        <p14:creationId xmlns:p14="http://schemas.microsoft.com/office/powerpoint/2010/main" val="2901899063"/>
+        <p14:creationId xmlns:p14="http://schemas.microsoft.com/office/powerpoint/2010/main" val="142016225"/>
       </p:ext>
     </p:extLst>
   </p:cSld>
@@ -5515,615 +5430,6 @@
             <p:ph idx="1"/>
           </p:nvPr>
         </p:nvSpPr>
-        <p:spPr>
-          <a:xfrm>
-            <a:off x="838200" y="1546225"/>
-            <a:ext cx="10515600" cy="4351338"/>
-          </a:xfrm>
-        </p:spPr>
-        <p:txBody>
-          <a:bodyPr>
-            <a:normAutofit/>
-          </a:bodyPr>
-          <a:lstStyle/>
-          <a:p>
-            <a:pPr marL="0" indent="0">
-              <a:buNone/>
-            </a:pPr>
-            <a:r>
-              <a:rPr lang="en-US" sz="3200" i="1">
-                <a:latin typeface="Century Gothic" panose="020B0502020202020204" pitchFamily="34" charset="0"/>
-                <a:ea typeface="Helvetica Neue" panose="02000503000000020004" pitchFamily="2" charset="0"/>
-                <a:cs typeface="Helvetica Neue" panose="02000503000000020004" pitchFamily="2" charset="0"/>
-              </a:rPr>
-              <a:t>Live Demo</a:t>
-            </a:r>
-            <a:r>
-              <a:rPr lang="en-US" sz="3200">
-                <a:latin typeface="Century Gothic" panose="020B0502020202020204" pitchFamily="34" charset="0"/>
-                <a:ea typeface="Helvetica Neue" panose="02000503000000020004" pitchFamily="2" charset="0"/>
-                <a:cs typeface="Helvetica Neue" panose="02000503000000020004" pitchFamily="2" charset="0"/>
-              </a:rPr>
-              <a:t>: </a:t>
-            </a:r>
-            <a:r>
-              <a:rPr lang="en-US" sz="3200">
-                <a:latin typeface="Century Gothic" panose="020B0502020202020204" pitchFamily="34" charset="0"/>
-              </a:rPr>
-              <a:t>Useful </a:t>
-            </a:r>
-            <a:r>
-              <a:rPr lang="en-US" sz="3200" err="1">
-                <a:latin typeface="Century Gothic" panose="020B0502020202020204" pitchFamily="34" charset="0"/>
-              </a:rPr>
-              <a:t>Lmod</a:t>
-            </a:r>
-            <a:r>
-              <a:rPr lang="en-US" sz="3200">
-                <a:latin typeface="Century Gothic" panose="020B0502020202020204" pitchFamily="34" charset="0"/>
-              </a:rPr>
-              <a:t> commands</a:t>
-            </a:r>
-          </a:p>
-        </p:txBody>
-      </p:sp>
-      <p:grpSp>
-        <p:nvGrpSpPr>
-          <p:cNvPr id="6" name="Group 5">
-            <a:extLst>
-              <a:ext uri="{FF2B5EF4-FFF2-40B4-BE49-F238E27FC236}">
-                <a16:creationId xmlns:a16="http://schemas.microsoft.com/office/drawing/2014/main" id="{DA7B3A39-72BA-3A4B-C0BE-0C2BC796D6E1}"/>
-              </a:ext>
-            </a:extLst>
-          </p:cNvPr>
-          <p:cNvGrpSpPr/>
-          <p:nvPr/>
-        </p:nvGrpSpPr>
-        <p:grpSpPr>
-          <a:xfrm>
-            <a:off x="569877" y="2076384"/>
-            <a:ext cx="11052246" cy="4245434"/>
-            <a:chOff x="569877" y="3868113"/>
-            <a:chExt cx="11052246" cy="1583355"/>
-          </a:xfrm>
-        </p:grpSpPr>
-        <p:sp>
-          <p:nvSpPr>
-            <p:cNvPr id="7" name="Rectangle 6">
-              <a:extLst>
-                <a:ext uri="{FF2B5EF4-FFF2-40B4-BE49-F238E27FC236}">
-                  <a16:creationId xmlns:a16="http://schemas.microsoft.com/office/drawing/2014/main" id="{21AEDACD-5D20-4921-301A-2BF552F14543}"/>
-                </a:ext>
-              </a:extLst>
-            </p:cNvPr>
-            <p:cNvSpPr/>
-            <p:nvPr/>
-          </p:nvSpPr>
-          <p:spPr>
-            <a:xfrm>
-              <a:off x="569877" y="3911411"/>
-              <a:ext cx="11052246" cy="1496760"/>
-            </a:xfrm>
-            <a:prstGeom prst="rect">
-              <a:avLst/>
-            </a:prstGeom>
-            <a:solidFill>
-              <a:schemeClr val="bg2">
-                <a:lumMod val="90000"/>
-              </a:schemeClr>
-            </a:solidFill>
-            <a:ln>
-              <a:noFill/>
-            </a:ln>
-            <a:effectLst>
-              <a:softEdge rad="31750"/>
-            </a:effectLst>
-          </p:spPr>
-          <p:style>
-            <a:lnRef idx="2">
-              <a:schemeClr val="accent1">
-                <a:shade val="50000"/>
-              </a:schemeClr>
-            </a:lnRef>
-            <a:fillRef idx="1">
-              <a:schemeClr val="accent1"/>
-            </a:fillRef>
-            <a:effectRef idx="0">
-              <a:schemeClr val="accent1"/>
-            </a:effectRef>
-            <a:fontRef idx="minor">
-              <a:schemeClr val="lt1"/>
-            </a:fontRef>
-          </p:style>
-          <p:txBody>
-            <a:bodyPr rtlCol="0" anchor="ctr"/>
-            <a:lstStyle/>
-            <a:p>
-              <a:pPr algn="ctr"/>
-              <a:endParaRPr lang="en-US"/>
-            </a:p>
-          </p:txBody>
-        </p:sp>
-        <p:sp>
-          <p:nvSpPr>
-            <p:cNvPr id="9" name="Content Placeholder 2">
-              <a:extLst>
-                <a:ext uri="{FF2B5EF4-FFF2-40B4-BE49-F238E27FC236}">
-                  <a16:creationId xmlns:a16="http://schemas.microsoft.com/office/drawing/2014/main" id="{44D56538-8673-FD92-1F82-72A6749C8F0D}"/>
-                </a:ext>
-              </a:extLst>
-            </p:cNvPr>
-            <p:cNvSpPr txBox="1">
-              <a:spLocks/>
-            </p:cNvSpPr>
-            <p:nvPr/>
-          </p:nvSpPr>
-          <p:spPr>
-            <a:xfrm>
-              <a:off x="719528" y="3868113"/>
-              <a:ext cx="10634272" cy="1583355"/>
-            </a:xfrm>
-            <a:prstGeom prst="rect">
-              <a:avLst/>
-            </a:prstGeom>
-          </p:spPr>
-          <p:txBody>
-            <a:bodyPr vert="horz" lIns="91440" tIns="45720" rIns="91440" bIns="45720" rtlCol="0" anchor="t">
-              <a:noAutofit/>
-            </a:bodyPr>
-            <a:lstStyle>
-              <a:lvl1pPr marL="228600" indent="-228600" algn="l" defTabSz="914400" rtl="0" eaLnBrk="1" latinLnBrk="0" hangingPunct="1">
-                <a:lnSpc>
-                  <a:spcPct val="90000"/>
-                </a:lnSpc>
-                <a:spcBef>
-                  <a:spcPts val="1000"/>
-                </a:spcBef>
-                <a:buFont typeface="Arial" panose="020B0604020202020204" pitchFamily="34" charset="0"/>
-                <a:buChar char="•"/>
-                <a:defRPr sz="2800" kern="1200">
-                  <a:solidFill>
-                    <a:schemeClr val="tx1"/>
-                  </a:solidFill>
-                  <a:latin typeface="+mn-lt"/>
-                  <a:ea typeface="+mn-ea"/>
-                  <a:cs typeface="+mn-cs"/>
-                </a:defRPr>
-              </a:lvl1pPr>
-              <a:lvl2pPr marL="685800" indent="-228600" algn="l" defTabSz="914400" rtl="0" eaLnBrk="1" latinLnBrk="0" hangingPunct="1">
-                <a:lnSpc>
-                  <a:spcPct val="90000"/>
-                </a:lnSpc>
-                <a:spcBef>
-                  <a:spcPts val="500"/>
-                </a:spcBef>
-                <a:buFont typeface="Arial" panose="020B0604020202020204" pitchFamily="34" charset="0"/>
-                <a:buChar char="•"/>
-                <a:defRPr sz="2400" kern="1200">
-                  <a:solidFill>
-                    <a:schemeClr val="tx1"/>
-                  </a:solidFill>
-                  <a:latin typeface="+mn-lt"/>
-                  <a:ea typeface="+mn-ea"/>
-                  <a:cs typeface="+mn-cs"/>
-                </a:defRPr>
-              </a:lvl2pPr>
-              <a:lvl3pPr marL="1143000" indent="-228600" algn="l" defTabSz="914400" rtl="0" eaLnBrk="1" latinLnBrk="0" hangingPunct="1">
-                <a:lnSpc>
-                  <a:spcPct val="90000"/>
-                </a:lnSpc>
-                <a:spcBef>
-                  <a:spcPts val="500"/>
-                </a:spcBef>
-                <a:buFont typeface="Arial" panose="020B0604020202020204" pitchFamily="34" charset="0"/>
-                <a:buChar char="•"/>
-                <a:defRPr sz="2000" kern="1200">
-                  <a:solidFill>
-                    <a:schemeClr val="tx1"/>
-                  </a:solidFill>
-                  <a:latin typeface="+mn-lt"/>
-                  <a:ea typeface="+mn-ea"/>
-                  <a:cs typeface="+mn-cs"/>
-                </a:defRPr>
-              </a:lvl3pPr>
-              <a:lvl4pPr marL="1600200" indent="-228600" algn="l" defTabSz="914400" rtl="0" eaLnBrk="1" latinLnBrk="0" hangingPunct="1">
-                <a:lnSpc>
-                  <a:spcPct val="90000"/>
-                </a:lnSpc>
-                <a:spcBef>
-                  <a:spcPts val="500"/>
-                </a:spcBef>
-                <a:buFont typeface="Arial" panose="020B0604020202020204" pitchFamily="34" charset="0"/>
-                <a:buChar char="•"/>
-                <a:defRPr sz="1800" kern="1200">
-                  <a:solidFill>
-                    <a:schemeClr val="tx1"/>
-                  </a:solidFill>
-                  <a:latin typeface="+mn-lt"/>
-                  <a:ea typeface="+mn-ea"/>
-                  <a:cs typeface="+mn-cs"/>
-                </a:defRPr>
-              </a:lvl4pPr>
-              <a:lvl5pPr marL="2057400" indent="-228600" algn="l" defTabSz="914400" rtl="0" eaLnBrk="1" latinLnBrk="0" hangingPunct="1">
-                <a:lnSpc>
-                  <a:spcPct val="90000"/>
-                </a:lnSpc>
-                <a:spcBef>
-                  <a:spcPts val="500"/>
-                </a:spcBef>
-                <a:buFont typeface="Arial" panose="020B0604020202020204" pitchFamily="34" charset="0"/>
-                <a:buChar char="•"/>
-                <a:defRPr sz="1800" kern="1200">
-                  <a:solidFill>
-                    <a:schemeClr val="tx1"/>
-                  </a:solidFill>
-                  <a:latin typeface="+mn-lt"/>
-                  <a:ea typeface="+mn-ea"/>
-                  <a:cs typeface="+mn-cs"/>
-                </a:defRPr>
-              </a:lvl5pPr>
-              <a:lvl6pPr marL="2514600" indent="-228600" algn="l" defTabSz="914400" rtl="0" eaLnBrk="1" latinLnBrk="0" hangingPunct="1">
-                <a:lnSpc>
-                  <a:spcPct val="90000"/>
-                </a:lnSpc>
-                <a:spcBef>
-                  <a:spcPts val="500"/>
-                </a:spcBef>
-                <a:buFont typeface="Arial" panose="020B0604020202020204" pitchFamily="34" charset="0"/>
-                <a:buChar char="•"/>
-                <a:defRPr sz="1800" kern="1200">
-                  <a:solidFill>
-                    <a:schemeClr val="tx1"/>
-                  </a:solidFill>
-                  <a:latin typeface="+mn-lt"/>
-                  <a:ea typeface="+mn-ea"/>
-                  <a:cs typeface="+mn-cs"/>
-                </a:defRPr>
-              </a:lvl6pPr>
-              <a:lvl7pPr marL="2971800" indent="-228600" algn="l" defTabSz="914400" rtl="0" eaLnBrk="1" latinLnBrk="0" hangingPunct="1">
-                <a:lnSpc>
-                  <a:spcPct val="90000"/>
-                </a:lnSpc>
-                <a:spcBef>
-                  <a:spcPts val="500"/>
-                </a:spcBef>
-                <a:buFont typeface="Arial" panose="020B0604020202020204" pitchFamily="34" charset="0"/>
-                <a:buChar char="•"/>
-                <a:defRPr sz="1800" kern="1200">
-                  <a:solidFill>
-                    <a:schemeClr val="tx1"/>
-                  </a:solidFill>
-                  <a:latin typeface="+mn-lt"/>
-                  <a:ea typeface="+mn-ea"/>
-                  <a:cs typeface="+mn-cs"/>
-                </a:defRPr>
-              </a:lvl7pPr>
-              <a:lvl8pPr marL="3429000" indent="-228600" algn="l" defTabSz="914400" rtl="0" eaLnBrk="1" latinLnBrk="0" hangingPunct="1">
-                <a:lnSpc>
-                  <a:spcPct val="90000"/>
-                </a:lnSpc>
-                <a:spcBef>
-                  <a:spcPts val="500"/>
-                </a:spcBef>
-                <a:buFont typeface="Arial" panose="020B0604020202020204" pitchFamily="34" charset="0"/>
-                <a:buChar char="•"/>
-                <a:defRPr sz="1800" kern="1200">
-                  <a:solidFill>
-                    <a:schemeClr val="tx1"/>
-                  </a:solidFill>
-                  <a:latin typeface="+mn-lt"/>
-                  <a:ea typeface="+mn-ea"/>
-                  <a:cs typeface="+mn-cs"/>
-                </a:defRPr>
-              </a:lvl8pPr>
-              <a:lvl9pPr marL="3886200" indent="-228600" algn="l" defTabSz="914400" rtl="0" eaLnBrk="1" latinLnBrk="0" hangingPunct="1">
-                <a:lnSpc>
-                  <a:spcPct val="90000"/>
-                </a:lnSpc>
-                <a:spcBef>
-                  <a:spcPts val="500"/>
-                </a:spcBef>
-                <a:buFont typeface="Arial" panose="020B0604020202020204" pitchFamily="34" charset="0"/>
-                <a:buChar char="•"/>
-                <a:defRPr sz="1800" kern="1200">
-                  <a:solidFill>
-                    <a:schemeClr val="tx1"/>
-                  </a:solidFill>
-                  <a:latin typeface="+mn-lt"/>
-                  <a:ea typeface="+mn-ea"/>
-                  <a:cs typeface="+mn-cs"/>
-                </a:defRPr>
-              </a:lvl9pPr>
-            </a:lstStyle>
-            <a:p>
-              <a:pPr marL="0" indent="0">
-                <a:buFont typeface="Arial" panose="020B0604020202020204" pitchFamily="34" charset="0"/>
-                <a:buNone/>
-              </a:pPr>
-              <a:endParaRPr lang="en-US" sz="2000" dirty="0">
-                <a:latin typeface="Century Gothic" panose="020B0502020202020204" pitchFamily="34" charset="0"/>
-              </a:endParaRPr>
-            </a:p>
-            <a:p>
-              <a:pPr marL="0" indent="0">
-                <a:lnSpc>
-                  <a:spcPct val="100000"/>
-                </a:lnSpc>
-                <a:buFont typeface="Arial" panose="020B0604020202020204" pitchFamily="34" charset="0"/>
-                <a:buNone/>
-              </a:pPr>
-              <a:r>
-                <a:rPr lang="en-US" sz="2000" b="1" dirty="0">
-                  <a:latin typeface="Courier New" panose="02070309020205020404" pitchFamily="49" charset="0"/>
-                  <a:cs typeface="Courier New" panose="02070309020205020404" pitchFamily="49" charset="0"/>
-                </a:rPr>
-                <a:t>module spider				# list all available modules</a:t>
-              </a:r>
-            </a:p>
-            <a:p>
-              <a:pPr marL="0" indent="0">
-                <a:lnSpc>
-                  <a:spcPct val="100000"/>
-                </a:lnSpc>
-                <a:buFont typeface="Arial" panose="020B0604020202020204" pitchFamily="34" charset="0"/>
-                <a:buNone/>
-              </a:pPr>
-              <a:r>
-                <a:rPr lang="en-US" sz="2000" b="1" dirty="0">
-                  <a:latin typeface="Courier New" panose="02070309020205020404" pitchFamily="49" charset="0"/>
-                  <a:cs typeface="Courier New" panose="02070309020205020404" pitchFamily="49" charset="0"/>
-                </a:rPr>
-                <a:t>module avail				# list modules available to you</a:t>
-              </a:r>
-            </a:p>
-            <a:p>
-              <a:pPr marL="0" indent="0">
-                <a:lnSpc>
-                  <a:spcPct val="100000"/>
-                </a:lnSpc>
-                <a:buFont typeface="Arial" panose="020B0604020202020204" pitchFamily="34" charset="0"/>
-                <a:buNone/>
-              </a:pPr>
-              <a:r>
-                <a:rPr lang="en-US" sz="2000" b="1" dirty="0">
-                  <a:latin typeface="Courier New" panose="02070309020205020404" pitchFamily="49" charset="0"/>
-                  <a:cs typeface="Courier New" panose="02070309020205020404" pitchFamily="49" charset="0"/>
-                </a:rPr>
-                <a:t>module load &lt;package/version&gt;		# load a module into your env</a:t>
-              </a:r>
-            </a:p>
-            <a:p>
-              <a:pPr marL="0" indent="0">
-                <a:lnSpc>
-                  <a:spcPct val="100000"/>
-                </a:lnSpc>
-                <a:buFont typeface="Arial" panose="020B0604020202020204" pitchFamily="34" charset="0"/>
-                <a:buNone/>
-              </a:pPr>
-              <a:r>
-                <a:rPr lang="en-US" sz="2000" b="1" dirty="0">
-                  <a:latin typeface="Courier New" panose="02070309020205020404" pitchFamily="49" charset="0"/>
-                  <a:cs typeface="Courier New" panose="02070309020205020404" pitchFamily="49" charset="0"/>
-                </a:rPr>
-                <a:t>module purge				# unload all modules</a:t>
-              </a:r>
-            </a:p>
-            <a:p>
-              <a:pPr marL="0" indent="0">
-                <a:lnSpc>
-                  <a:spcPct val="100000"/>
-                </a:lnSpc>
-                <a:buFont typeface="Arial" panose="020B0604020202020204" pitchFamily="34" charset="0"/>
-                <a:buNone/>
-              </a:pPr>
-              <a:r>
-                <a:rPr lang="en-US" sz="2000" b="1" dirty="0">
-                  <a:latin typeface="Courier New" panose="02070309020205020404" pitchFamily="49" charset="0"/>
-                  <a:cs typeface="Courier New" panose="02070309020205020404" pitchFamily="49" charset="0"/>
-                </a:rPr>
-                <a:t>module list 				# list currently loaded modules</a:t>
-              </a:r>
-            </a:p>
-            <a:p>
-              <a:pPr marL="0" indent="0">
-                <a:lnSpc>
-                  <a:spcPct val="100000"/>
-                </a:lnSpc>
-                <a:buNone/>
-              </a:pPr>
-              <a:r>
-                <a:rPr lang="en-US" sz="2000" b="1" dirty="0">
-                  <a:latin typeface="Courier New" panose="02070309020205020404" pitchFamily="49" charset="0"/>
-                  <a:ea typeface="Helvetica Neue" panose="02000503000000020004" pitchFamily="2" charset="0"/>
-                  <a:cs typeface="Courier New" panose="02070309020205020404" pitchFamily="49" charset="0"/>
-                </a:rPr>
-                <a:t>module display &lt;package&gt; 		# display module info/help</a:t>
-              </a:r>
-            </a:p>
-            <a:p>
-              <a:pPr marL="0" indent="0">
-                <a:lnSpc>
-                  <a:spcPct val="100000"/>
-                </a:lnSpc>
-                <a:buNone/>
-              </a:pPr>
-              <a:r>
-                <a:rPr lang="en-US" sz="2000" b="1" dirty="0">
-                  <a:latin typeface="Courier New" panose="02070309020205020404" pitchFamily="49" charset="0"/>
-                  <a:ea typeface="Helvetica Neue" panose="02000503000000020004" pitchFamily="2" charset="0"/>
-                  <a:cs typeface="Courier New" panose="02070309020205020404" pitchFamily="49" charset="0"/>
-                </a:rPr>
-                <a:t>module spider &lt;package&gt;			# view info for all versions</a:t>
-              </a:r>
-            </a:p>
-            <a:p>
-              <a:pPr marL="0" indent="0">
-                <a:lnSpc>
-                  <a:spcPct val="100000"/>
-                </a:lnSpc>
-                <a:buNone/>
-              </a:pPr>
-              <a:r>
-                <a:rPr lang="en-US" sz="2000" b="1" dirty="0">
-                  <a:latin typeface="Courier New" panose="02070309020205020404" pitchFamily="49" charset="0"/>
-                  <a:ea typeface="Helvetica Neue" panose="02000503000000020004" pitchFamily="2" charset="0"/>
-                  <a:cs typeface="Courier New" panose="02070309020205020404" pitchFamily="49" charset="0"/>
-                </a:rPr>
-                <a:t>module spider &lt;package/version&gt; 	# view info for specific version</a:t>
-              </a:r>
-            </a:p>
-            <a:p>
-              <a:pPr marL="0" indent="0">
-                <a:lnSpc>
-                  <a:spcPct val="100000"/>
-                </a:lnSpc>
-                <a:buNone/>
-              </a:pPr>
-              <a:r>
-                <a:rPr lang="en-US" sz="2000" dirty="0">
-                  <a:latin typeface="Monaco"/>
-                </a:rPr>
-                <a:t>	</a:t>
-              </a:r>
-            </a:p>
-          </p:txBody>
-        </p:sp>
-      </p:grpSp>
-      <p:sp>
-        <p:nvSpPr>
-          <p:cNvPr id="5" name="Slide Number Placeholder 4">
-            <a:extLst>
-              <a:ext uri="{FF2B5EF4-FFF2-40B4-BE49-F238E27FC236}">
-                <a16:creationId xmlns:a16="http://schemas.microsoft.com/office/drawing/2014/main" id="{989BD25A-492E-955F-3228-1618C71C2BBA}"/>
-              </a:ext>
-            </a:extLst>
-          </p:cNvPr>
-          <p:cNvSpPr>
-            <a:spLocks noGrp="1"/>
-          </p:cNvSpPr>
-          <p:nvPr>
-            <p:ph type="sldNum" sz="quarter" idx="12"/>
-          </p:nvPr>
-        </p:nvSpPr>
-        <p:spPr/>
-        <p:txBody>
-          <a:bodyPr/>
-          <a:lstStyle/>
-          <a:p>
-            <a:fld id="{ABDA560F-461C-6043-9BC4-489BA92F7161}" type="slidenum">
-              <a:rPr lang="en-US" smtClean="0"/>
-              <a:t>10</a:t>
-            </a:fld>
-            <a:endParaRPr lang="en-US"/>
-          </a:p>
-        </p:txBody>
-      </p:sp>
-    </p:spTree>
-    <p:extLst>
-      <p:ext uri="{BB962C8B-B14F-4D97-AF65-F5344CB8AC3E}">
-        <p14:creationId xmlns:p14="http://schemas.microsoft.com/office/powerpoint/2010/main" val="1361976318"/>
-      </p:ext>
-    </p:extLst>
-  </p:cSld>
-  <p:clrMapOvr>
-    <a:masterClrMapping/>
-  </p:clrMapOvr>
-</p:sld>
-</file>
-
-<file path=ppt/slides/slide11.xml><?xml version="1.0" encoding="utf-8"?>
-<p:sld xmlns:a="http://schemas.openxmlformats.org/drawingml/2006/main" xmlns:r="http://schemas.openxmlformats.org/officeDocument/2006/relationships" xmlns:p="http://schemas.openxmlformats.org/presentationml/2006/main">
-  <p:cSld>
-    <p:spTree>
-      <p:nvGrpSpPr>
-        <p:cNvPr id="1" name=""/>
-        <p:cNvGrpSpPr/>
-        <p:nvPr/>
-      </p:nvGrpSpPr>
-      <p:grpSpPr>
-        <a:xfrm>
-          <a:off x="0" y="0"/>
-          <a:ext cx="0" cy="0"/>
-          <a:chOff x="0" y="0"/>
-          <a:chExt cx="0" cy="0"/>
-        </a:xfrm>
-      </p:grpSpPr>
-      <p:sp>
-        <p:nvSpPr>
-          <p:cNvPr id="2" name="Title 1">
-            <a:extLst>
-              <a:ext uri="{FF2B5EF4-FFF2-40B4-BE49-F238E27FC236}">
-                <a16:creationId xmlns:a16="http://schemas.microsoft.com/office/drawing/2014/main" id="{6FADF519-AE7F-36C9-168F-1F04A49B8831}"/>
-              </a:ext>
-            </a:extLst>
-          </p:cNvPr>
-          <p:cNvSpPr>
-            <a:spLocks noGrp="1"/>
-          </p:cNvSpPr>
-          <p:nvPr>
-            <p:ph type="title"/>
-          </p:nvPr>
-        </p:nvSpPr>
-        <p:spPr/>
-        <p:txBody>
-          <a:bodyPr/>
-          <a:lstStyle/>
-          <a:p>
-            <a:r>
-              <a:rPr lang="en-US" b="1" dirty="0">
-                <a:latin typeface="Century Gothic" panose="020B0502020202020204" pitchFamily="34" charset="0"/>
-              </a:rPr>
-              <a:t>The Module System </a:t>
-            </a:r>
-          </a:p>
-        </p:txBody>
-      </p:sp>
-      <p:pic>
-        <p:nvPicPr>
-          <p:cNvPr id="8" name="Picture 7" descr="Logo for the Lmod module system used on Alpine">
-            <a:extLst>
-              <a:ext uri="{FF2B5EF4-FFF2-40B4-BE49-F238E27FC236}">
-                <a16:creationId xmlns:a16="http://schemas.microsoft.com/office/drawing/2014/main" id="{A9F43A77-4393-CCF1-83C1-AE60C4D575C9}"/>
-              </a:ext>
-            </a:extLst>
-          </p:cNvPr>
-          <p:cNvPicPr>
-            <a:picLocks noChangeAspect="1"/>
-          </p:cNvPicPr>
-          <p:nvPr/>
-        </p:nvPicPr>
-        <p:blipFill>
-          <a:blip r:embed="rId3"/>
-          <a:stretch>
-            <a:fillRect/>
-          </a:stretch>
-        </p:blipFill>
-        <p:spPr>
-          <a:xfrm>
-            <a:off x="7886700" y="365125"/>
-            <a:ext cx="3467100" cy="1181100"/>
-          </a:xfrm>
-          <a:prstGeom prst="rect">
-            <a:avLst/>
-          </a:prstGeom>
-        </p:spPr>
-      </p:pic>
-      <p:sp>
-        <p:nvSpPr>
-          <p:cNvPr id="3" name="Content Placeholder 2">
-            <a:extLst>
-              <a:ext uri="{FF2B5EF4-FFF2-40B4-BE49-F238E27FC236}">
-                <a16:creationId xmlns:a16="http://schemas.microsoft.com/office/drawing/2014/main" id="{6484EA7B-346E-9CB5-DB70-6227BCA98122}"/>
-              </a:ext>
-            </a:extLst>
-          </p:cNvPr>
-          <p:cNvSpPr>
-            <a:spLocks noGrp="1"/>
-          </p:cNvSpPr>
-          <p:nvPr>
-            <p:ph idx="1"/>
-          </p:nvPr>
-        </p:nvSpPr>
         <p:spPr/>
         <p:txBody>
           <a:bodyPr>
@@ -6213,7 +5519,7 @@
           <a:p>
             <a:fld id="{ABDA560F-461C-6043-9BC4-489BA92F7161}" type="slidenum">
               <a:rPr lang="en-US" smtClean="0"/>
-              <a:t>11</a:t>
+              <a:t>10</a:t>
             </a:fld>
             <a:endParaRPr lang="en-US"/>
           </a:p>
@@ -6409,7 +5715,7 @@
 </p:sld>
 </file>
 
-<file path=ppt/slides/slide12.xml><?xml version="1.0" encoding="utf-8"?>
+<file path=ppt/slides/slide11.xml><?xml version="1.0" encoding="utf-8"?>
 <p:sld xmlns:a="http://schemas.openxmlformats.org/drawingml/2006/main" xmlns:r="http://schemas.openxmlformats.org/officeDocument/2006/relationships" xmlns:p="http://schemas.openxmlformats.org/presentationml/2006/main">
   <p:cSld>
     <p:spTree>
@@ -6597,7 +5903,7 @@
           <a:p>
             <a:fld id="{ABDA560F-461C-6043-9BC4-489BA92F7161}" type="slidenum">
               <a:rPr lang="en-US" smtClean="0"/>
-              <a:t>12</a:t>
+              <a:t>11</a:t>
             </a:fld>
             <a:endParaRPr lang="en-US"/>
           </a:p>
@@ -6842,7 +6148,7 @@
 </p:sld>
 </file>
 
-<file path=ppt/slides/slide13.xml><?xml version="1.0" encoding="utf-8"?>
+<file path=ppt/slides/slide12.xml><?xml version="1.0" encoding="utf-8"?>
 <p:sld xmlns:a="http://schemas.openxmlformats.org/drawingml/2006/main" xmlns:r="http://schemas.openxmlformats.org/officeDocument/2006/relationships" xmlns:p="http://schemas.openxmlformats.org/presentationml/2006/main">
   <p:cSld>
     <p:spTree>
@@ -7039,7 +6345,7 @@
           <a:p>
             <a:fld id="{ABDA560F-461C-6043-9BC4-489BA92F7161}" type="slidenum">
               <a:rPr lang="en-US" smtClean="0"/>
-              <a:t>13</a:t>
+              <a:t>12</a:t>
             </a:fld>
             <a:endParaRPr lang="en-US"/>
           </a:p>
@@ -7333,7 +6639,7 @@
 </p:sld>
 </file>
 
-<file path=ppt/slides/slide14.xml><?xml version="1.0" encoding="utf-8"?>
+<file path=ppt/slides/slide13.xml><?xml version="1.0" encoding="utf-8"?>
 <p:sld xmlns:a="http://schemas.openxmlformats.org/drawingml/2006/main" xmlns:r="http://schemas.openxmlformats.org/officeDocument/2006/relationships" xmlns:p="http://schemas.openxmlformats.org/presentationml/2006/main">
   <p:cSld>
     <p:spTree>
@@ -7462,7 +6768,7 @@
           <a:p>
             <a:fld id="{ABDA560F-461C-6043-9BC4-489BA92F7161}" type="slidenum">
               <a:rPr lang="en-US" smtClean="0"/>
-              <a:t>14</a:t>
+              <a:t>13</a:t>
             </a:fld>
             <a:endParaRPr lang="en-US"/>
           </a:p>
@@ -7609,7 +6915,7 @@
 </p:sld>
 </file>
 
-<file path=ppt/slides/slide15.xml><?xml version="1.0" encoding="utf-8"?>
+<file path=ppt/slides/slide14.xml><?xml version="1.0" encoding="utf-8"?>
 <p:sld xmlns:a="http://schemas.openxmlformats.org/drawingml/2006/main" xmlns:r="http://schemas.openxmlformats.org/officeDocument/2006/relationships" xmlns:p="http://schemas.openxmlformats.org/presentationml/2006/main">
   <p:cSld>
     <p:spTree>
@@ -7744,7 +7050,7 @@
           <a:p>
             <a:fld id="{ABDA560F-461C-6043-9BC4-489BA92F7161}" type="slidenum">
               <a:rPr lang="en-US" smtClean="0"/>
-              <a:t>15</a:t>
+              <a:t>14</a:t>
             </a:fld>
             <a:endParaRPr lang="en-US"/>
           </a:p>
@@ -7763,7 +7069,7 @@
 </p:sld>
 </file>
 
-<file path=ppt/slides/slide16.xml><?xml version="1.0" encoding="utf-8"?>
+<file path=ppt/slides/slide15.xml><?xml version="1.0" encoding="utf-8"?>
 <p:sld xmlns:a="http://schemas.openxmlformats.org/drawingml/2006/main" xmlns:r="http://schemas.openxmlformats.org/officeDocument/2006/relationships" xmlns:p="http://schemas.openxmlformats.org/presentationml/2006/main">
   <p:cSld>
     <p:spTree>
@@ -8158,7 +7464,7 @@
           <a:p>
             <a:fld id="{ABDA560F-461C-6043-9BC4-489BA92F7161}" type="slidenum">
               <a:rPr lang="en-US" smtClean="0"/>
-              <a:t>16</a:t>
+              <a:t>15</a:t>
             </a:fld>
             <a:endParaRPr lang="en-US"/>
           </a:p>
@@ -8168,6 +7474,516 @@
     <p:extLst>
       <p:ext uri="{BB962C8B-B14F-4D97-AF65-F5344CB8AC3E}">
         <p14:creationId xmlns:p14="http://schemas.microsoft.com/office/powerpoint/2010/main" val="895126644"/>
+      </p:ext>
+    </p:extLst>
+  </p:cSld>
+  <p:clrMapOvr>
+    <a:masterClrMapping/>
+  </p:clrMapOvr>
+  <p:timing>
+    <p:tnLst>
+      <p:par>
+        <p:cTn id="1" dur="indefinite" restart="never" nodeType="tmRoot">
+          <p:childTnLst>
+            <p:seq concurrent="1" nextAc="seek">
+              <p:cTn id="2" dur="indefinite" nodeType="mainSeq">
+                <p:childTnLst>
+                  <p:par>
+                    <p:cTn id="3" fill="hold">
+                      <p:stCondLst>
+                        <p:cond delay="indefinite"/>
+                      </p:stCondLst>
+                      <p:childTnLst>
+                        <p:par>
+                          <p:cTn id="4" fill="hold">
+                            <p:stCondLst>
+                              <p:cond delay="0"/>
+                            </p:stCondLst>
+                            <p:childTnLst>
+                              <p:par>
+                                <p:cTn id="5" presetID="1" presetClass="entr" presetSubtype="0" fill="hold" nodeType="clickEffect">
+                                  <p:stCondLst>
+                                    <p:cond delay="0"/>
+                                  </p:stCondLst>
+                                  <p:childTnLst>
+                                    <p:set>
+                                      <p:cBhvr>
+                                        <p:cTn id="6" dur="1" fill="hold">
+                                          <p:stCondLst>
+                                            <p:cond delay="0"/>
+                                          </p:stCondLst>
+                                        </p:cTn>
+                                        <p:tgtEl>
+                                          <p:spTgt spid="3">
+                                            <p:txEl>
+                                              <p:pRg st="2" end="2"/>
+                                            </p:txEl>
+                                          </p:spTgt>
+                                        </p:tgtEl>
+                                        <p:attrNameLst>
+                                          <p:attrName>style.visibility</p:attrName>
+                                        </p:attrNameLst>
+                                      </p:cBhvr>
+                                      <p:to>
+                                        <p:strVal val="visible"/>
+                                      </p:to>
+                                    </p:set>
+                                  </p:childTnLst>
+                                </p:cTn>
+                              </p:par>
+                            </p:childTnLst>
+                          </p:cTn>
+                        </p:par>
+                      </p:childTnLst>
+                    </p:cTn>
+                  </p:par>
+                  <p:par>
+                    <p:cTn id="7" fill="hold">
+                      <p:stCondLst>
+                        <p:cond delay="indefinite"/>
+                      </p:stCondLst>
+                      <p:childTnLst>
+                        <p:par>
+                          <p:cTn id="8" fill="hold">
+                            <p:stCondLst>
+                              <p:cond delay="0"/>
+                            </p:stCondLst>
+                            <p:childTnLst>
+                              <p:par>
+                                <p:cTn id="9" presetID="1" presetClass="entr" presetSubtype="0" fill="hold" nodeType="clickEffect">
+                                  <p:stCondLst>
+                                    <p:cond delay="0"/>
+                                  </p:stCondLst>
+                                  <p:childTnLst>
+                                    <p:set>
+                                      <p:cBhvr>
+                                        <p:cTn id="10" dur="1" fill="hold">
+                                          <p:stCondLst>
+                                            <p:cond delay="0"/>
+                                          </p:stCondLst>
+                                        </p:cTn>
+                                        <p:tgtEl>
+                                          <p:spTgt spid="3">
+                                            <p:txEl>
+                                              <p:pRg st="3" end="3"/>
+                                            </p:txEl>
+                                          </p:spTgt>
+                                        </p:tgtEl>
+                                        <p:attrNameLst>
+                                          <p:attrName>style.visibility</p:attrName>
+                                        </p:attrNameLst>
+                                      </p:cBhvr>
+                                      <p:to>
+                                        <p:strVal val="visible"/>
+                                      </p:to>
+                                    </p:set>
+                                  </p:childTnLst>
+                                </p:cTn>
+                              </p:par>
+                            </p:childTnLst>
+                          </p:cTn>
+                        </p:par>
+                      </p:childTnLst>
+                    </p:cTn>
+                  </p:par>
+                  <p:par>
+                    <p:cTn id="11" fill="hold">
+                      <p:stCondLst>
+                        <p:cond delay="indefinite"/>
+                      </p:stCondLst>
+                      <p:childTnLst>
+                        <p:par>
+                          <p:cTn id="12" fill="hold">
+                            <p:stCondLst>
+                              <p:cond delay="0"/>
+                            </p:stCondLst>
+                            <p:childTnLst>
+                              <p:par>
+                                <p:cTn id="13" presetID="1" presetClass="entr" presetSubtype="0" fill="hold" nodeType="clickEffect">
+                                  <p:stCondLst>
+                                    <p:cond delay="0"/>
+                                  </p:stCondLst>
+                                  <p:childTnLst>
+                                    <p:set>
+                                      <p:cBhvr>
+                                        <p:cTn id="14" dur="1" fill="hold">
+                                          <p:stCondLst>
+                                            <p:cond delay="0"/>
+                                          </p:stCondLst>
+                                        </p:cTn>
+                                        <p:tgtEl>
+                                          <p:spTgt spid="8"/>
+                                        </p:tgtEl>
+                                        <p:attrNameLst>
+                                          <p:attrName>style.visibility</p:attrName>
+                                        </p:attrNameLst>
+                                      </p:cBhvr>
+                                      <p:to>
+                                        <p:strVal val="visible"/>
+                                      </p:to>
+                                    </p:set>
+                                  </p:childTnLst>
+                                </p:cTn>
+                              </p:par>
+                            </p:childTnLst>
+                          </p:cTn>
+                        </p:par>
+                      </p:childTnLst>
+                    </p:cTn>
+                  </p:par>
+                </p:childTnLst>
+              </p:cTn>
+              <p:prevCondLst>
+                <p:cond evt="onPrev" delay="0">
+                  <p:tgtEl>
+                    <p:sldTgt/>
+                  </p:tgtEl>
+                </p:cond>
+              </p:prevCondLst>
+              <p:nextCondLst>
+                <p:cond evt="onNext" delay="0">
+                  <p:tgtEl>
+                    <p:sldTgt/>
+                  </p:tgtEl>
+                </p:cond>
+              </p:nextCondLst>
+            </p:seq>
+          </p:childTnLst>
+        </p:cTn>
+      </p:par>
+    </p:tnLst>
+  </p:timing>
+</p:sld>
+</file>
+
+<file path=ppt/slides/slide16.xml><?xml version="1.0" encoding="utf-8"?>
+<p:sld xmlns:a="http://schemas.openxmlformats.org/drawingml/2006/main" xmlns:r="http://schemas.openxmlformats.org/officeDocument/2006/relationships" xmlns:p="http://schemas.openxmlformats.org/presentationml/2006/main">
+  <p:cSld>
+    <p:spTree>
+      <p:nvGrpSpPr>
+        <p:cNvPr id="1" name=""/>
+        <p:cNvGrpSpPr/>
+        <p:nvPr/>
+      </p:nvGrpSpPr>
+      <p:grpSpPr>
+        <a:xfrm>
+          <a:off x="0" y="0"/>
+          <a:ext cx="0" cy="0"/>
+          <a:chOff x="0" y="0"/>
+          <a:chExt cx="0" cy="0"/>
+        </a:xfrm>
+      </p:grpSpPr>
+      <p:sp>
+        <p:nvSpPr>
+          <p:cNvPr id="2" name="Title 1">
+            <a:extLst>
+              <a:ext uri="{FF2B5EF4-FFF2-40B4-BE49-F238E27FC236}">
+                <a16:creationId xmlns:a16="http://schemas.microsoft.com/office/drawing/2014/main" id="{6FADF519-AE7F-36C9-168F-1F04A49B8831}"/>
+              </a:ext>
+            </a:extLst>
+          </p:cNvPr>
+          <p:cNvSpPr>
+            <a:spLocks noGrp="1"/>
+          </p:cNvSpPr>
+          <p:nvPr>
+            <p:ph type="title"/>
+          </p:nvPr>
+        </p:nvSpPr>
+        <p:spPr/>
+        <p:txBody>
+          <a:bodyPr/>
+          <a:lstStyle/>
+          <a:p>
+            <a:r>
+              <a:rPr lang="en-US" b="1">
+                <a:latin typeface="Century Gothic" panose="020B0502020202020204" pitchFamily="34" charset="0"/>
+              </a:rPr>
+              <a:t>Building Software on CURC Systems</a:t>
+            </a:r>
+          </a:p>
+        </p:txBody>
+      </p:sp>
+      <p:sp>
+        <p:nvSpPr>
+          <p:cNvPr id="3" name="Content Placeholder 2">
+            <a:extLst>
+              <a:ext uri="{FF2B5EF4-FFF2-40B4-BE49-F238E27FC236}">
+                <a16:creationId xmlns:a16="http://schemas.microsoft.com/office/drawing/2014/main" id="{6484EA7B-346E-9CB5-DB70-6227BCA98122}"/>
+              </a:ext>
+            </a:extLst>
+          </p:cNvPr>
+          <p:cNvSpPr>
+            <a:spLocks noGrp="1"/>
+          </p:cNvSpPr>
+          <p:nvPr>
+            <p:ph idx="1"/>
+          </p:nvPr>
+        </p:nvSpPr>
+        <p:spPr>
+          <a:xfrm>
+            <a:off x="838200" y="1825625"/>
+            <a:ext cx="10061448" cy="4172839"/>
+          </a:xfrm>
+        </p:spPr>
+        <p:txBody>
+          <a:bodyPr>
+            <a:normAutofit/>
+          </a:bodyPr>
+          <a:lstStyle/>
+          <a:p>
+            <a:pPr marL="0" indent="0">
+              <a:buNone/>
+            </a:pPr>
+            <a:r>
+              <a:rPr lang="en-US" sz="3600" dirty="0">
+                <a:latin typeface="Century Gothic" panose="020B0502020202020204" pitchFamily="34" charset="0"/>
+              </a:rPr>
+              <a:t>Build systems automate the process of compiling and linking.</a:t>
+            </a:r>
+          </a:p>
+          <a:p>
+            <a:pPr marL="514350" indent="-514350">
+              <a:buFont typeface="+mj-lt"/>
+              <a:buAutoNum type="arabicPeriod" startAt="2"/>
+            </a:pPr>
+            <a:r>
+              <a:rPr lang="en-US" sz="3200" dirty="0" err="1">
+                <a:latin typeface="Century Gothic" panose="020B0502020202020204" pitchFamily="34" charset="0"/>
+              </a:rPr>
+              <a:t>Cmake</a:t>
+            </a:r>
+            <a:endParaRPr lang="en-US" sz="3200" dirty="0">
+              <a:latin typeface="Century Gothic" panose="020B0502020202020204" pitchFamily="34" charset="0"/>
+            </a:endParaRPr>
+          </a:p>
+          <a:p>
+            <a:pPr lvl="2"/>
+            <a:r>
+              <a:rPr lang="en-US" sz="2400" dirty="0">
+                <a:latin typeface="Century Gothic" panose="020B0502020202020204" pitchFamily="34" charset="0"/>
+              </a:rPr>
+              <a:t>Used if your application includes a </a:t>
+            </a:r>
+            <a:r>
+              <a:rPr lang="en-US" sz="2400" dirty="0" err="1">
+                <a:latin typeface="Monaco" pitchFamily="2" charset="77"/>
+              </a:rPr>
+              <a:t>cmake</a:t>
+            </a:r>
+            <a:r>
+              <a:rPr lang="en-US" sz="2400" dirty="0">
+                <a:latin typeface="Monaco" pitchFamily="2" charset="77"/>
+              </a:rPr>
+              <a:t> </a:t>
+            </a:r>
+            <a:r>
+              <a:rPr lang="en-US" sz="2400" dirty="0">
+                <a:latin typeface="Century Gothic" panose="020B0502020202020204" pitchFamily="34" charset="0"/>
+              </a:rPr>
+              <a:t>step</a:t>
+            </a:r>
+          </a:p>
+          <a:p>
+            <a:pPr lvl="2"/>
+            <a:r>
+              <a:rPr lang="en-US" sz="2400" dirty="0">
+                <a:latin typeface="Monaco" pitchFamily="2" charset="77"/>
+              </a:rPr>
+              <a:t>module avail </a:t>
+            </a:r>
+            <a:r>
+              <a:rPr lang="en-US" sz="2400" dirty="0" err="1">
+                <a:latin typeface="Monaco" pitchFamily="2" charset="77"/>
+              </a:rPr>
+              <a:t>cmake</a:t>
+            </a:r>
+            <a:endParaRPr lang="en-US" sz="2400" dirty="0">
+              <a:latin typeface="Monaco" pitchFamily="2" charset="77"/>
+            </a:endParaRPr>
+          </a:p>
+        </p:txBody>
+      </p:sp>
+      <p:grpSp>
+        <p:nvGrpSpPr>
+          <p:cNvPr id="8" name="Group 7">
+            <a:extLst>
+              <a:ext uri="{FF2B5EF4-FFF2-40B4-BE49-F238E27FC236}">
+                <a16:creationId xmlns:a16="http://schemas.microsoft.com/office/drawing/2014/main" id="{5346A363-3C89-0C20-3C63-145A03254BCF}"/>
+              </a:ext>
+            </a:extLst>
+          </p:cNvPr>
+          <p:cNvGrpSpPr/>
+          <p:nvPr/>
+        </p:nvGrpSpPr>
+        <p:grpSpPr>
+          <a:xfrm>
+            <a:off x="1292352" y="4334589"/>
+            <a:ext cx="9855718" cy="1663875"/>
+            <a:chOff x="1863085" y="4469526"/>
+            <a:chExt cx="9855718" cy="1663875"/>
+          </a:xfrm>
+        </p:grpSpPr>
+        <p:sp>
+          <p:nvSpPr>
+            <p:cNvPr id="6" name="Rectangle 5">
+              <a:extLst>
+                <a:ext uri="{FF2B5EF4-FFF2-40B4-BE49-F238E27FC236}">
+                  <a16:creationId xmlns:a16="http://schemas.microsoft.com/office/drawing/2014/main" id="{E9C832AC-8AEE-8D09-8D84-0AC19286E148}"/>
+                </a:ext>
+              </a:extLst>
+            </p:cNvPr>
+            <p:cNvSpPr/>
+            <p:nvPr/>
+          </p:nvSpPr>
+          <p:spPr>
+            <a:xfrm>
+              <a:off x="1863085" y="4469526"/>
+              <a:ext cx="9855718" cy="1663875"/>
+            </a:xfrm>
+            <a:prstGeom prst="rect">
+              <a:avLst/>
+            </a:prstGeom>
+            <a:solidFill>
+              <a:schemeClr val="bg2">
+                <a:lumMod val="90000"/>
+              </a:schemeClr>
+            </a:solidFill>
+            <a:ln>
+              <a:noFill/>
+            </a:ln>
+            <a:effectLst>
+              <a:softEdge rad="12700"/>
+            </a:effectLst>
+          </p:spPr>
+          <p:style>
+            <a:lnRef idx="2">
+              <a:schemeClr val="accent1">
+                <a:shade val="50000"/>
+              </a:schemeClr>
+            </a:lnRef>
+            <a:fillRef idx="1">
+              <a:schemeClr val="accent1"/>
+            </a:fillRef>
+            <a:effectRef idx="0">
+              <a:schemeClr val="accent1"/>
+            </a:effectRef>
+            <a:fontRef idx="minor">
+              <a:schemeClr val="lt1"/>
+            </a:fontRef>
+          </p:style>
+          <p:txBody>
+            <a:bodyPr rtlCol="0" anchor="ctr"/>
+            <a:lstStyle/>
+            <a:p>
+              <a:pPr algn="ctr"/>
+              <a:endParaRPr lang="en-US"/>
+            </a:p>
+          </p:txBody>
+        </p:sp>
+        <p:sp>
+          <p:nvSpPr>
+            <p:cNvPr id="7" name="TextBox 6">
+              <a:extLst>
+                <a:ext uri="{FF2B5EF4-FFF2-40B4-BE49-F238E27FC236}">
+                  <a16:creationId xmlns:a16="http://schemas.microsoft.com/office/drawing/2014/main" id="{F234A09F-AF77-5461-A2AD-310FCD5DA2BE}"/>
+                </a:ext>
+              </a:extLst>
+            </p:cNvPr>
+            <p:cNvSpPr txBox="1"/>
+            <p:nvPr/>
+          </p:nvSpPr>
+          <p:spPr>
+            <a:xfrm>
+              <a:off x="1997197" y="4679505"/>
+              <a:ext cx="9582912" cy="1200329"/>
+            </a:xfrm>
+            <a:prstGeom prst="rect">
+              <a:avLst/>
+            </a:prstGeom>
+            <a:noFill/>
+          </p:spPr>
+          <p:txBody>
+            <a:bodyPr wrap="square" rtlCol="0">
+              <a:spAutoFit/>
+            </a:bodyPr>
+            <a:lstStyle/>
+            <a:p>
+              <a:r>
+                <a:rPr lang="en-US" b="1" dirty="0">
+                  <a:latin typeface="Courier New" panose="02070309020205020404" pitchFamily="49" charset="0"/>
+                  <a:cs typeface="Courier New" panose="02070309020205020404" pitchFamily="49" charset="0"/>
+                </a:rPr>
+                <a:t>$ </a:t>
+              </a:r>
+              <a:r>
+                <a:rPr lang="en-US" b="1" dirty="0" err="1">
+                  <a:latin typeface="Courier New" panose="02070309020205020404" pitchFamily="49" charset="0"/>
+                  <a:cs typeface="Courier New" panose="02070309020205020404" pitchFamily="49" charset="0"/>
+                </a:rPr>
+                <a:t>cmake</a:t>
+              </a:r>
+              <a:r>
+                <a:rPr lang="en-US" b="1" dirty="0">
+                  <a:latin typeface="Courier New" panose="02070309020205020404" pitchFamily="49" charset="0"/>
+                  <a:cs typeface="Courier New" panose="02070309020205020404" pitchFamily="49" charset="0"/>
+                </a:rPr>
+                <a:t> .. -DCMAKE_INSTALL_PREFIX=$INSTALLDIR \ --	DCMAKE_CXX_COMPILER=g++ -DREGRESSIONTEST_DOWNLOAD=ON</a:t>
+              </a:r>
+            </a:p>
+            <a:p>
+              <a:r>
+                <a:rPr lang="en-US" b="1" dirty="0">
+                  <a:latin typeface="Courier New" panose="02070309020205020404" pitchFamily="49" charset="0"/>
+                  <a:cs typeface="Courier New" panose="02070309020205020404" pitchFamily="49" charset="0"/>
+                </a:rPr>
+                <a:t>$ make -j 8</a:t>
+              </a:r>
+            </a:p>
+            <a:p>
+              <a:r>
+                <a:rPr lang="en-US" b="1" dirty="0">
+                  <a:latin typeface="Courier New" panose="02070309020205020404" pitchFamily="49" charset="0"/>
+                  <a:cs typeface="Courier New" panose="02070309020205020404" pitchFamily="49" charset="0"/>
+                </a:rPr>
+                <a:t>$ make install</a:t>
+              </a:r>
+            </a:p>
+          </p:txBody>
+        </p:sp>
+      </p:grpSp>
+      <p:sp>
+        <p:nvSpPr>
+          <p:cNvPr id="5" name="Slide Number Placeholder 4">
+            <a:extLst>
+              <a:ext uri="{FF2B5EF4-FFF2-40B4-BE49-F238E27FC236}">
+                <a16:creationId xmlns:a16="http://schemas.microsoft.com/office/drawing/2014/main" id="{4D653453-693F-3490-B90B-CB4B9F7D4F91}"/>
+              </a:ext>
+            </a:extLst>
+          </p:cNvPr>
+          <p:cNvSpPr>
+            <a:spLocks noGrp="1"/>
+          </p:cNvSpPr>
+          <p:nvPr>
+            <p:ph type="sldNum" sz="quarter" idx="12"/>
+          </p:nvPr>
+        </p:nvSpPr>
+        <p:spPr/>
+        <p:txBody>
+          <a:bodyPr/>
+          <a:lstStyle/>
+          <a:p>
+            <a:fld id="{ABDA560F-461C-6043-9BC4-489BA92F7161}" type="slidenum">
+              <a:rPr lang="en-US" smtClean="0"/>
+              <a:t>16</a:t>
+            </a:fld>
+            <a:endParaRPr lang="en-US"/>
+          </a:p>
+        </p:txBody>
+      </p:sp>
+    </p:spTree>
+    <p:extLst>
+      <p:ext uri="{BB962C8B-B14F-4D97-AF65-F5344CB8AC3E}">
+        <p14:creationId xmlns:p14="http://schemas.microsoft.com/office/powerpoint/2010/main" val="412781824"/>
       </p:ext>
     </p:extLst>
   </p:cSld>
@@ -8415,516 +8231,6 @@
         </p:nvSpPr>
         <p:spPr>
           <a:xfrm>
-            <a:off x="838200" y="1825625"/>
-            <a:ext cx="10061448" cy="4172839"/>
-          </a:xfrm>
-        </p:spPr>
-        <p:txBody>
-          <a:bodyPr>
-            <a:normAutofit/>
-          </a:bodyPr>
-          <a:lstStyle/>
-          <a:p>
-            <a:pPr marL="0" indent="0">
-              <a:buNone/>
-            </a:pPr>
-            <a:r>
-              <a:rPr lang="en-US" sz="3600" dirty="0">
-                <a:latin typeface="Century Gothic" panose="020B0502020202020204" pitchFamily="34" charset="0"/>
-              </a:rPr>
-              <a:t>Build systems automate the process of compiling and linking.</a:t>
-            </a:r>
-          </a:p>
-          <a:p>
-            <a:pPr marL="514350" indent="-514350">
-              <a:buFont typeface="+mj-lt"/>
-              <a:buAutoNum type="arabicPeriod" startAt="2"/>
-            </a:pPr>
-            <a:r>
-              <a:rPr lang="en-US" sz="3200" dirty="0" err="1">
-                <a:latin typeface="Century Gothic" panose="020B0502020202020204" pitchFamily="34" charset="0"/>
-              </a:rPr>
-              <a:t>Cmake</a:t>
-            </a:r>
-            <a:endParaRPr lang="en-US" sz="3200" dirty="0">
-              <a:latin typeface="Century Gothic" panose="020B0502020202020204" pitchFamily="34" charset="0"/>
-            </a:endParaRPr>
-          </a:p>
-          <a:p>
-            <a:pPr lvl="2"/>
-            <a:r>
-              <a:rPr lang="en-US" sz="2400" dirty="0">
-                <a:latin typeface="Century Gothic" panose="020B0502020202020204" pitchFamily="34" charset="0"/>
-              </a:rPr>
-              <a:t>Used if your application includes a </a:t>
-            </a:r>
-            <a:r>
-              <a:rPr lang="en-US" sz="2400" dirty="0" err="1">
-                <a:latin typeface="Monaco" pitchFamily="2" charset="77"/>
-              </a:rPr>
-              <a:t>cmake</a:t>
-            </a:r>
-            <a:r>
-              <a:rPr lang="en-US" sz="2400" dirty="0">
-                <a:latin typeface="Monaco" pitchFamily="2" charset="77"/>
-              </a:rPr>
-              <a:t> </a:t>
-            </a:r>
-            <a:r>
-              <a:rPr lang="en-US" sz="2400" dirty="0">
-                <a:latin typeface="Century Gothic" panose="020B0502020202020204" pitchFamily="34" charset="0"/>
-              </a:rPr>
-              <a:t>step</a:t>
-            </a:r>
-          </a:p>
-          <a:p>
-            <a:pPr lvl="2"/>
-            <a:r>
-              <a:rPr lang="en-US" sz="2400" dirty="0">
-                <a:latin typeface="Monaco" pitchFamily="2" charset="77"/>
-              </a:rPr>
-              <a:t>module avail </a:t>
-            </a:r>
-            <a:r>
-              <a:rPr lang="en-US" sz="2400" dirty="0" err="1">
-                <a:latin typeface="Monaco" pitchFamily="2" charset="77"/>
-              </a:rPr>
-              <a:t>cmake</a:t>
-            </a:r>
-            <a:endParaRPr lang="en-US" sz="2400" dirty="0">
-              <a:latin typeface="Monaco" pitchFamily="2" charset="77"/>
-            </a:endParaRPr>
-          </a:p>
-        </p:txBody>
-      </p:sp>
-      <p:grpSp>
-        <p:nvGrpSpPr>
-          <p:cNvPr id="8" name="Group 7">
-            <a:extLst>
-              <a:ext uri="{FF2B5EF4-FFF2-40B4-BE49-F238E27FC236}">
-                <a16:creationId xmlns:a16="http://schemas.microsoft.com/office/drawing/2014/main" id="{5346A363-3C89-0C20-3C63-145A03254BCF}"/>
-              </a:ext>
-            </a:extLst>
-          </p:cNvPr>
-          <p:cNvGrpSpPr/>
-          <p:nvPr/>
-        </p:nvGrpSpPr>
-        <p:grpSpPr>
-          <a:xfrm>
-            <a:off x="1292352" y="4334589"/>
-            <a:ext cx="9855718" cy="1663875"/>
-            <a:chOff x="1863085" y="4469526"/>
-            <a:chExt cx="9855718" cy="1663875"/>
-          </a:xfrm>
-        </p:grpSpPr>
-        <p:sp>
-          <p:nvSpPr>
-            <p:cNvPr id="6" name="Rectangle 5">
-              <a:extLst>
-                <a:ext uri="{FF2B5EF4-FFF2-40B4-BE49-F238E27FC236}">
-                  <a16:creationId xmlns:a16="http://schemas.microsoft.com/office/drawing/2014/main" id="{E9C832AC-8AEE-8D09-8D84-0AC19286E148}"/>
-                </a:ext>
-              </a:extLst>
-            </p:cNvPr>
-            <p:cNvSpPr/>
-            <p:nvPr/>
-          </p:nvSpPr>
-          <p:spPr>
-            <a:xfrm>
-              <a:off x="1863085" y="4469526"/>
-              <a:ext cx="9855718" cy="1663875"/>
-            </a:xfrm>
-            <a:prstGeom prst="rect">
-              <a:avLst/>
-            </a:prstGeom>
-            <a:solidFill>
-              <a:schemeClr val="bg2">
-                <a:lumMod val="90000"/>
-              </a:schemeClr>
-            </a:solidFill>
-            <a:ln>
-              <a:noFill/>
-            </a:ln>
-            <a:effectLst>
-              <a:softEdge rad="12700"/>
-            </a:effectLst>
-          </p:spPr>
-          <p:style>
-            <a:lnRef idx="2">
-              <a:schemeClr val="accent1">
-                <a:shade val="50000"/>
-              </a:schemeClr>
-            </a:lnRef>
-            <a:fillRef idx="1">
-              <a:schemeClr val="accent1"/>
-            </a:fillRef>
-            <a:effectRef idx="0">
-              <a:schemeClr val="accent1"/>
-            </a:effectRef>
-            <a:fontRef idx="minor">
-              <a:schemeClr val="lt1"/>
-            </a:fontRef>
-          </p:style>
-          <p:txBody>
-            <a:bodyPr rtlCol="0" anchor="ctr"/>
-            <a:lstStyle/>
-            <a:p>
-              <a:pPr algn="ctr"/>
-              <a:endParaRPr lang="en-US"/>
-            </a:p>
-          </p:txBody>
-        </p:sp>
-        <p:sp>
-          <p:nvSpPr>
-            <p:cNvPr id="7" name="TextBox 6">
-              <a:extLst>
-                <a:ext uri="{FF2B5EF4-FFF2-40B4-BE49-F238E27FC236}">
-                  <a16:creationId xmlns:a16="http://schemas.microsoft.com/office/drawing/2014/main" id="{F234A09F-AF77-5461-A2AD-310FCD5DA2BE}"/>
-                </a:ext>
-              </a:extLst>
-            </p:cNvPr>
-            <p:cNvSpPr txBox="1"/>
-            <p:nvPr/>
-          </p:nvSpPr>
-          <p:spPr>
-            <a:xfrm>
-              <a:off x="1997197" y="4679505"/>
-              <a:ext cx="9582912" cy="1200329"/>
-            </a:xfrm>
-            <a:prstGeom prst="rect">
-              <a:avLst/>
-            </a:prstGeom>
-            <a:noFill/>
-          </p:spPr>
-          <p:txBody>
-            <a:bodyPr wrap="square" rtlCol="0">
-              <a:spAutoFit/>
-            </a:bodyPr>
-            <a:lstStyle/>
-            <a:p>
-              <a:r>
-                <a:rPr lang="en-US" b="1" dirty="0">
-                  <a:latin typeface="Courier New" panose="02070309020205020404" pitchFamily="49" charset="0"/>
-                  <a:cs typeface="Courier New" panose="02070309020205020404" pitchFamily="49" charset="0"/>
-                </a:rPr>
-                <a:t>$ </a:t>
-              </a:r>
-              <a:r>
-                <a:rPr lang="en-US" b="1" dirty="0" err="1">
-                  <a:latin typeface="Courier New" panose="02070309020205020404" pitchFamily="49" charset="0"/>
-                  <a:cs typeface="Courier New" panose="02070309020205020404" pitchFamily="49" charset="0"/>
-                </a:rPr>
-                <a:t>cmake</a:t>
-              </a:r>
-              <a:r>
-                <a:rPr lang="en-US" b="1" dirty="0">
-                  <a:latin typeface="Courier New" panose="02070309020205020404" pitchFamily="49" charset="0"/>
-                  <a:cs typeface="Courier New" panose="02070309020205020404" pitchFamily="49" charset="0"/>
-                </a:rPr>
-                <a:t> .. -DCMAKE_INSTALL_PREFIX=$INSTALLDIR \ --	DCMAKE_CXX_COMPILER=g++ -DREGRESSIONTEST_DOWNLOAD=ON</a:t>
-              </a:r>
-            </a:p>
-            <a:p>
-              <a:r>
-                <a:rPr lang="en-US" b="1" dirty="0">
-                  <a:latin typeface="Courier New" panose="02070309020205020404" pitchFamily="49" charset="0"/>
-                  <a:cs typeface="Courier New" panose="02070309020205020404" pitchFamily="49" charset="0"/>
-                </a:rPr>
-                <a:t>$ make -j 8</a:t>
-              </a:r>
-            </a:p>
-            <a:p>
-              <a:r>
-                <a:rPr lang="en-US" b="1" dirty="0">
-                  <a:latin typeface="Courier New" panose="02070309020205020404" pitchFamily="49" charset="0"/>
-                  <a:cs typeface="Courier New" panose="02070309020205020404" pitchFamily="49" charset="0"/>
-                </a:rPr>
-                <a:t>$ make install</a:t>
-              </a:r>
-            </a:p>
-          </p:txBody>
-        </p:sp>
-      </p:grpSp>
-      <p:sp>
-        <p:nvSpPr>
-          <p:cNvPr id="5" name="Slide Number Placeholder 4">
-            <a:extLst>
-              <a:ext uri="{FF2B5EF4-FFF2-40B4-BE49-F238E27FC236}">
-                <a16:creationId xmlns:a16="http://schemas.microsoft.com/office/drawing/2014/main" id="{4D653453-693F-3490-B90B-CB4B9F7D4F91}"/>
-              </a:ext>
-            </a:extLst>
-          </p:cNvPr>
-          <p:cNvSpPr>
-            <a:spLocks noGrp="1"/>
-          </p:cNvSpPr>
-          <p:nvPr>
-            <p:ph type="sldNum" sz="quarter" idx="12"/>
-          </p:nvPr>
-        </p:nvSpPr>
-        <p:spPr/>
-        <p:txBody>
-          <a:bodyPr/>
-          <a:lstStyle/>
-          <a:p>
-            <a:fld id="{ABDA560F-461C-6043-9BC4-489BA92F7161}" type="slidenum">
-              <a:rPr lang="en-US" smtClean="0"/>
-              <a:t>17</a:t>
-            </a:fld>
-            <a:endParaRPr lang="en-US"/>
-          </a:p>
-        </p:txBody>
-      </p:sp>
-    </p:spTree>
-    <p:extLst>
-      <p:ext uri="{BB962C8B-B14F-4D97-AF65-F5344CB8AC3E}">
-        <p14:creationId xmlns:p14="http://schemas.microsoft.com/office/powerpoint/2010/main" val="412781824"/>
-      </p:ext>
-    </p:extLst>
-  </p:cSld>
-  <p:clrMapOvr>
-    <a:masterClrMapping/>
-  </p:clrMapOvr>
-  <p:timing>
-    <p:tnLst>
-      <p:par>
-        <p:cTn id="1" dur="indefinite" restart="never" nodeType="tmRoot">
-          <p:childTnLst>
-            <p:seq concurrent="1" nextAc="seek">
-              <p:cTn id="2" dur="indefinite" nodeType="mainSeq">
-                <p:childTnLst>
-                  <p:par>
-                    <p:cTn id="3" fill="hold">
-                      <p:stCondLst>
-                        <p:cond delay="indefinite"/>
-                      </p:stCondLst>
-                      <p:childTnLst>
-                        <p:par>
-                          <p:cTn id="4" fill="hold">
-                            <p:stCondLst>
-                              <p:cond delay="0"/>
-                            </p:stCondLst>
-                            <p:childTnLst>
-                              <p:par>
-                                <p:cTn id="5" presetID="1" presetClass="entr" presetSubtype="0" fill="hold" nodeType="clickEffect">
-                                  <p:stCondLst>
-                                    <p:cond delay="0"/>
-                                  </p:stCondLst>
-                                  <p:childTnLst>
-                                    <p:set>
-                                      <p:cBhvr>
-                                        <p:cTn id="6" dur="1" fill="hold">
-                                          <p:stCondLst>
-                                            <p:cond delay="0"/>
-                                          </p:stCondLst>
-                                        </p:cTn>
-                                        <p:tgtEl>
-                                          <p:spTgt spid="3">
-                                            <p:txEl>
-                                              <p:pRg st="2" end="2"/>
-                                            </p:txEl>
-                                          </p:spTgt>
-                                        </p:tgtEl>
-                                        <p:attrNameLst>
-                                          <p:attrName>style.visibility</p:attrName>
-                                        </p:attrNameLst>
-                                      </p:cBhvr>
-                                      <p:to>
-                                        <p:strVal val="visible"/>
-                                      </p:to>
-                                    </p:set>
-                                  </p:childTnLst>
-                                </p:cTn>
-                              </p:par>
-                            </p:childTnLst>
-                          </p:cTn>
-                        </p:par>
-                      </p:childTnLst>
-                    </p:cTn>
-                  </p:par>
-                  <p:par>
-                    <p:cTn id="7" fill="hold">
-                      <p:stCondLst>
-                        <p:cond delay="indefinite"/>
-                      </p:stCondLst>
-                      <p:childTnLst>
-                        <p:par>
-                          <p:cTn id="8" fill="hold">
-                            <p:stCondLst>
-                              <p:cond delay="0"/>
-                            </p:stCondLst>
-                            <p:childTnLst>
-                              <p:par>
-                                <p:cTn id="9" presetID="1" presetClass="entr" presetSubtype="0" fill="hold" nodeType="clickEffect">
-                                  <p:stCondLst>
-                                    <p:cond delay="0"/>
-                                  </p:stCondLst>
-                                  <p:childTnLst>
-                                    <p:set>
-                                      <p:cBhvr>
-                                        <p:cTn id="10" dur="1" fill="hold">
-                                          <p:stCondLst>
-                                            <p:cond delay="0"/>
-                                          </p:stCondLst>
-                                        </p:cTn>
-                                        <p:tgtEl>
-                                          <p:spTgt spid="3">
-                                            <p:txEl>
-                                              <p:pRg st="3" end="3"/>
-                                            </p:txEl>
-                                          </p:spTgt>
-                                        </p:tgtEl>
-                                        <p:attrNameLst>
-                                          <p:attrName>style.visibility</p:attrName>
-                                        </p:attrNameLst>
-                                      </p:cBhvr>
-                                      <p:to>
-                                        <p:strVal val="visible"/>
-                                      </p:to>
-                                    </p:set>
-                                  </p:childTnLst>
-                                </p:cTn>
-                              </p:par>
-                            </p:childTnLst>
-                          </p:cTn>
-                        </p:par>
-                      </p:childTnLst>
-                    </p:cTn>
-                  </p:par>
-                  <p:par>
-                    <p:cTn id="11" fill="hold">
-                      <p:stCondLst>
-                        <p:cond delay="indefinite"/>
-                      </p:stCondLst>
-                      <p:childTnLst>
-                        <p:par>
-                          <p:cTn id="12" fill="hold">
-                            <p:stCondLst>
-                              <p:cond delay="0"/>
-                            </p:stCondLst>
-                            <p:childTnLst>
-                              <p:par>
-                                <p:cTn id="13" presetID="1" presetClass="entr" presetSubtype="0" fill="hold" nodeType="clickEffect">
-                                  <p:stCondLst>
-                                    <p:cond delay="0"/>
-                                  </p:stCondLst>
-                                  <p:childTnLst>
-                                    <p:set>
-                                      <p:cBhvr>
-                                        <p:cTn id="14" dur="1" fill="hold">
-                                          <p:stCondLst>
-                                            <p:cond delay="0"/>
-                                          </p:stCondLst>
-                                        </p:cTn>
-                                        <p:tgtEl>
-                                          <p:spTgt spid="8"/>
-                                        </p:tgtEl>
-                                        <p:attrNameLst>
-                                          <p:attrName>style.visibility</p:attrName>
-                                        </p:attrNameLst>
-                                      </p:cBhvr>
-                                      <p:to>
-                                        <p:strVal val="visible"/>
-                                      </p:to>
-                                    </p:set>
-                                  </p:childTnLst>
-                                </p:cTn>
-                              </p:par>
-                            </p:childTnLst>
-                          </p:cTn>
-                        </p:par>
-                      </p:childTnLst>
-                    </p:cTn>
-                  </p:par>
-                </p:childTnLst>
-              </p:cTn>
-              <p:prevCondLst>
-                <p:cond evt="onPrev" delay="0">
-                  <p:tgtEl>
-                    <p:sldTgt/>
-                  </p:tgtEl>
-                </p:cond>
-              </p:prevCondLst>
-              <p:nextCondLst>
-                <p:cond evt="onNext" delay="0">
-                  <p:tgtEl>
-                    <p:sldTgt/>
-                  </p:tgtEl>
-                </p:cond>
-              </p:nextCondLst>
-            </p:seq>
-          </p:childTnLst>
-        </p:cTn>
-      </p:par>
-    </p:tnLst>
-  </p:timing>
-</p:sld>
-</file>
-
-<file path=ppt/slides/slide18.xml><?xml version="1.0" encoding="utf-8"?>
-<p:sld xmlns:a="http://schemas.openxmlformats.org/drawingml/2006/main" xmlns:r="http://schemas.openxmlformats.org/officeDocument/2006/relationships" xmlns:p="http://schemas.openxmlformats.org/presentationml/2006/main">
-  <p:cSld>
-    <p:spTree>
-      <p:nvGrpSpPr>
-        <p:cNvPr id="1" name=""/>
-        <p:cNvGrpSpPr/>
-        <p:nvPr/>
-      </p:nvGrpSpPr>
-      <p:grpSpPr>
-        <a:xfrm>
-          <a:off x="0" y="0"/>
-          <a:ext cx="0" cy="0"/>
-          <a:chOff x="0" y="0"/>
-          <a:chExt cx="0" cy="0"/>
-        </a:xfrm>
-      </p:grpSpPr>
-      <p:sp>
-        <p:nvSpPr>
-          <p:cNvPr id="2" name="Title 1">
-            <a:extLst>
-              <a:ext uri="{FF2B5EF4-FFF2-40B4-BE49-F238E27FC236}">
-                <a16:creationId xmlns:a16="http://schemas.microsoft.com/office/drawing/2014/main" id="{6FADF519-AE7F-36C9-168F-1F04A49B8831}"/>
-              </a:ext>
-            </a:extLst>
-          </p:cNvPr>
-          <p:cNvSpPr>
-            <a:spLocks noGrp="1"/>
-          </p:cNvSpPr>
-          <p:nvPr>
-            <p:ph type="title"/>
-          </p:nvPr>
-        </p:nvSpPr>
-        <p:spPr/>
-        <p:txBody>
-          <a:bodyPr/>
-          <a:lstStyle/>
-          <a:p>
-            <a:r>
-              <a:rPr lang="en-US" b="1">
-                <a:latin typeface="Century Gothic" panose="020B0502020202020204" pitchFamily="34" charset="0"/>
-              </a:rPr>
-              <a:t>Building Software on CURC Systems</a:t>
-            </a:r>
-          </a:p>
-        </p:txBody>
-      </p:sp>
-      <p:sp>
-        <p:nvSpPr>
-          <p:cNvPr id="3" name="Content Placeholder 2">
-            <a:extLst>
-              <a:ext uri="{FF2B5EF4-FFF2-40B4-BE49-F238E27FC236}">
-                <a16:creationId xmlns:a16="http://schemas.microsoft.com/office/drawing/2014/main" id="{6484EA7B-346E-9CB5-DB70-6227BCA98122}"/>
-              </a:ext>
-            </a:extLst>
-          </p:cNvPr>
-          <p:cNvSpPr>
-            <a:spLocks noGrp="1"/>
-          </p:cNvSpPr>
-          <p:nvPr>
-            <p:ph idx="1"/>
-          </p:nvPr>
-        </p:nvSpPr>
-        <p:spPr>
-          <a:xfrm>
             <a:off x="838200" y="2038349"/>
             <a:ext cx="10515600" cy="4138613"/>
           </a:xfrm>
@@ -9062,7 +8368,7 @@
           <a:p>
             <a:fld id="{ABDA560F-461C-6043-9BC4-489BA92F7161}" type="slidenum">
               <a:rPr lang="en-US" smtClean="0"/>
-              <a:t>18</a:t>
+              <a:t>17</a:t>
             </a:fld>
             <a:endParaRPr lang="en-US"/>
           </a:p>
@@ -9307,7 +8613,7 @@
 </p:sld>
 </file>
 
-<file path=ppt/slides/slide19.xml><?xml version="1.0" encoding="utf-8"?>
+<file path=ppt/slides/slide18.xml><?xml version="1.0" encoding="utf-8"?>
 <p:sld xmlns:a="http://schemas.openxmlformats.org/drawingml/2006/main" xmlns:r="http://schemas.openxmlformats.org/officeDocument/2006/relationships" xmlns:p="http://schemas.openxmlformats.org/presentationml/2006/main">
   <p:cSld>
     <p:spTree>
@@ -9486,7 +8792,7 @@
           <a:p>
             <a:fld id="{ABDA560F-461C-6043-9BC4-489BA92F7161}" type="slidenum">
               <a:rPr lang="en-US" smtClean="0"/>
-              <a:t>19</a:t>
+              <a:t>18</a:t>
             </a:fld>
             <a:endParaRPr lang="en-US"/>
           </a:p>
@@ -9713,193 +9019,7 @@
 </p:sld>
 </file>
 
-<file path=ppt/slides/slide2.xml><?xml version="1.0" encoding="utf-8"?>
-<p:sld xmlns:a="http://schemas.openxmlformats.org/drawingml/2006/main" xmlns:r="http://schemas.openxmlformats.org/officeDocument/2006/relationships" xmlns:p="http://schemas.openxmlformats.org/presentationml/2006/main">
-  <p:cSld>
-    <p:spTree>
-      <p:nvGrpSpPr>
-        <p:cNvPr id="1" name=""/>
-        <p:cNvGrpSpPr/>
-        <p:nvPr/>
-      </p:nvGrpSpPr>
-      <p:grpSpPr>
-        <a:xfrm>
-          <a:off x="0" y="0"/>
-          <a:ext cx="0" cy="0"/>
-          <a:chOff x="0" y="0"/>
-          <a:chExt cx="0" cy="0"/>
-        </a:xfrm>
-      </p:grpSpPr>
-      <p:sp>
-        <p:nvSpPr>
-          <p:cNvPr id="5" name="Title 4">
-            <a:extLst>
-              <a:ext uri="{FF2B5EF4-FFF2-40B4-BE49-F238E27FC236}">
-                <a16:creationId xmlns:a16="http://schemas.microsoft.com/office/drawing/2014/main" id="{7188D357-766D-DC3B-A836-378DDD813F26}"/>
-              </a:ext>
-            </a:extLst>
-          </p:cNvPr>
-          <p:cNvSpPr>
-            <a:spLocks noGrp="1"/>
-          </p:cNvSpPr>
-          <p:nvPr>
-            <p:ph type="title"/>
-          </p:nvPr>
-        </p:nvSpPr>
-        <p:spPr/>
-        <p:txBody>
-          <a:bodyPr/>
-          <a:lstStyle/>
-          <a:p>
-            <a:r>
-              <a:rPr lang="en-US" b="1" dirty="0">
-                <a:latin typeface="Century Gothic" panose="020B0502020202020204" pitchFamily="34" charset="0"/>
-              </a:rPr>
-              <a:t>Slides &amp; Exercises</a:t>
-            </a:r>
-          </a:p>
-        </p:txBody>
-      </p:sp>
-      <p:pic>
-        <p:nvPicPr>
-          <p:cNvPr id="8" name="Picture 7" descr="A qr code on a white background">
-            <a:extLst>
-              <a:ext uri="{FF2B5EF4-FFF2-40B4-BE49-F238E27FC236}">
-                <a16:creationId xmlns:a16="http://schemas.microsoft.com/office/drawing/2014/main" id="{134224ED-5FFB-EFBF-45BB-8F80E4C41BFF}"/>
-              </a:ext>
-            </a:extLst>
-          </p:cNvPr>
-          <p:cNvPicPr>
-            <a:picLocks noChangeAspect="1"/>
-          </p:cNvPicPr>
-          <p:nvPr/>
-        </p:nvPicPr>
-        <p:blipFill>
-          <a:blip r:embed="rId3"/>
-          <a:stretch>
-            <a:fillRect/>
-          </a:stretch>
-        </p:blipFill>
-        <p:spPr>
-          <a:xfrm>
-            <a:off x="7467600" y="1809748"/>
-            <a:ext cx="3326923" cy="3238500"/>
-          </a:xfrm>
-          <a:prstGeom prst="rect">
-            <a:avLst/>
-          </a:prstGeom>
-        </p:spPr>
-      </p:pic>
-      <p:sp>
-        <p:nvSpPr>
-          <p:cNvPr id="3" name="Content Placeholder 2">
-            <a:extLst>
-              <a:ext uri="{FF2B5EF4-FFF2-40B4-BE49-F238E27FC236}">
-                <a16:creationId xmlns:a16="http://schemas.microsoft.com/office/drawing/2014/main" id="{5433201F-B470-4FB6-3E2A-B4F0D1B28558}"/>
-              </a:ext>
-            </a:extLst>
-          </p:cNvPr>
-          <p:cNvSpPr>
-            <a:spLocks noGrp="1"/>
-          </p:cNvSpPr>
-          <p:nvPr>
-            <p:ph idx="1"/>
-          </p:nvPr>
-        </p:nvSpPr>
-        <p:spPr>
-          <a:xfrm>
-            <a:off x="838200" y="1690688"/>
-            <a:ext cx="6410325" cy="3920418"/>
-          </a:xfrm>
-        </p:spPr>
-        <p:txBody>
-          <a:bodyPr vert="horz" lIns="91440" tIns="45720" rIns="91440" bIns="45720" rtlCol="0" anchor="ctr">
-            <a:normAutofit/>
-          </a:bodyPr>
-          <a:lstStyle/>
-          <a:p>
-            <a:pPr marL="0" indent="0">
-              <a:buNone/>
-            </a:pPr>
-            <a:r>
-              <a:rPr lang="en-US" b="1" dirty="0">
-                <a:latin typeface="Century Gothic"/>
-                <a:hlinkClick r:id="rId4"/>
-              </a:rPr>
-              <a:t>https://github.com/ResearchComputing/hpc_fundamentals_micro_credential</a:t>
-            </a:r>
-            <a:r>
-              <a:rPr lang="en-US" b="1" dirty="0">
-                <a:latin typeface="Century Gothic"/>
-              </a:rPr>
-              <a:t> </a:t>
-            </a:r>
-          </a:p>
-          <a:p>
-            <a:r>
-              <a:rPr lang="en-US" b="1" dirty="0">
-                <a:latin typeface="Century Gothic"/>
-              </a:rPr>
-              <a:t>In “</a:t>
-            </a:r>
-            <a:r>
-              <a:rPr lang="en-US" b="1" dirty="0" err="1">
-                <a:latin typeface="Century Gothic"/>
-              </a:rPr>
-              <a:t>installing_software</a:t>
-            </a:r>
-            <a:r>
-              <a:rPr lang="en-US" b="1" dirty="0">
-                <a:latin typeface="Century Gothic"/>
-              </a:rPr>
-              <a:t>” directory </a:t>
-            </a:r>
-          </a:p>
-        </p:txBody>
-      </p:sp>
-      <p:sp>
-        <p:nvSpPr>
-          <p:cNvPr id="2" name="Slide Number Placeholder 1">
-            <a:extLst>
-              <a:ext uri="{FF2B5EF4-FFF2-40B4-BE49-F238E27FC236}">
-                <a16:creationId xmlns:a16="http://schemas.microsoft.com/office/drawing/2014/main" id="{2F369E81-A0CF-5A04-7706-ECE88902EF1C}"/>
-              </a:ext>
-            </a:extLst>
-          </p:cNvPr>
-          <p:cNvSpPr>
-            <a:spLocks noGrp="1"/>
-          </p:cNvSpPr>
-          <p:nvPr>
-            <p:ph type="sldNum" sz="quarter" idx="12"/>
-          </p:nvPr>
-        </p:nvSpPr>
-        <p:spPr/>
-        <p:txBody>
-          <a:bodyPr/>
-          <a:lstStyle/>
-          <a:p>
-            <a:fld id="{ABDA560F-461C-6043-9BC4-489BA92F7161}" type="slidenum">
-              <a:rPr lang="en-US" smtClean="0"/>
-              <a:t>2</a:t>
-            </a:fld>
-            <a:endParaRPr lang="en-US"/>
-          </a:p>
-        </p:txBody>
-      </p:sp>
-    </p:spTree>
-    <p:extLst>
-      <p:ext uri="{BB962C8B-B14F-4D97-AF65-F5344CB8AC3E}">
-        <p14:creationId xmlns:p14="http://schemas.microsoft.com/office/powerpoint/2010/main" val="1644030922"/>
-      </p:ext>
-    </p:extLst>
-  </p:cSld>
-  <p:clrMapOvr>
-    <a:masterClrMapping/>
-  </p:clrMapOvr>
-</p:sld>
-</file>
-
-<file path=ppt/slides/slide20.xml><?xml version="1.0" encoding="utf-8"?>
+<file path=ppt/slides/slide19.xml><?xml version="1.0" encoding="utf-8"?>
 <p:sld xmlns:a="http://schemas.openxmlformats.org/drawingml/2006/main" xmlns:r="http://schemas.openxmlformats.org/officeDocument/2006/relationships" xmlns:p="http://schemas.openxmlformats.org/presentationml/2006/main">
   <p:cSld>
     <p:spTree>
@@ -10401,7 +9521,7 @@
           <a:p>
             <a:fld id="{ABDA560F-461C-6043-9BC4-489BA92F7161}" type="slidenum">
               <a:rPr lang="en-US" smtClean="0"/>
-              <a:t>20</a:t>
+              <a:t>19</a:t>
             </a:fld>
             <a:endParaRPr lang="en-US"/>
           </a:p>
@@ -10495,7 +9615,221 @@
 </p:sld>
 </file>
 
-<file path=ppt/slides/slide21.xml><?xml version="1.0" encoding="utf-8"?>
+<file path=ppt/slides/slide2.xml><?xml version="1.0" encoding="utf-8"?>
+<p:sld xmlns:a="http://schemas.openxmlformats.org/drawingml/2006/main" xmlns:r="http://schemas.openxmlformats.org/officeDocument/2006/relationships" xmlns:p="http://schemas.openxmlformats.org/presentationml/2006/main">
+  <p:cSld>
+    <p:spTree>
+      <p:nvGrpSpPr>
+        <p:cNvPr id="1" name=""/>
+        <p:cNvGrpSpPr/>
+        <p:nvPr/>
+      </p:nvGrpSpPr>
+      <p:grpSpPr>
+        <a:xfrm>
+          <a:off x="0" y="0"/>
+          <a:ext cx="0" cy="0"/>
+          <a:chOff x="0" y="0"/>
+          <a:chExt cx="0" cy="0"/>
+        </a:xfrm>
+      </p:grpSpPr>
+      <p:sp>
+        <p:nvSpPr>
+          <p:cNvPr id="2" name="Title 1">
+            <a:extLst>
+              <a:ext uri="{FF2B5EF4-FFF2-40B4-BE49-F238E27FC236}">
+                <a16:creationId xmlns:a16="http://schemas.microsoft.com/office/drawing/2014/main" id="{5E3A5C00-123E-2CD0-AD48-005F02DD9C54}"/>
+              </a:ext>
+            </a:extLst>
+          </p:cNvPr>
+          <p:cNvSpPr>
+            <a:spLocks noGrp="1"/>
+          </p:cNvSpPr>
+          <p:nvPr>
+            <p:ph type="title"/>
+          </p:nvPr>
+        </p:nvSpPr>
+        <p:spPr/>
+        <p:txBody>
+          <a:bodyPr/>
+          <a:lstStyle/>
+          <a:p>
+            <a:r>
+              <a:rPr lang="en-US" b="1" dirty="0">
+                <a:latin typeface="Century Gothic" panose="020B0502020202020204" pitchFamily="34" charset="0"/>
+              </a:rPr>
+              <a:t>Learning Objectives</a:t>
+            </a:r>
+            <a:endParaRPr lang="en-US" dirty="0"/>
+          </a:p>
+        </p:txBody>
+      </p:sp>
+      <p:sp>
+        <p:nvSpPr>
+          <p:cNvPr id="3" name="Content Placeholder 2">
+            <a:extLst>
+              <a:ext uri="{FF2B5EF4-FFF2-40B4-BE49-F238E27FC236}">
+                <a16:creationId xmlns:a16="http://schemas.microsoft.com/office/drawing/2014/main" id="{5433201F-B470-4FB6-3E2A-B4F0D1B28558}"/>
+              </a:ext>
+            </a:extLst>
+          </p:cNvPr>
+          <p:cNvSpPr>
+            <a:spLocks noGrp="1"/>
+          </p:cNvSpPr>
+          <p:nvPr>
+            <p:ph idx="1"/>
+          </p:nvPr>
+        </p:nvSpPr>
+        <p:spPr>
+          <a:xfrm>
+            <a:off x="838200" y="2528888"/>
+            <a:ext cx="10914888" cy="2557462"/>
+          </a:xfrm>
+        </p:spPr>
+        <p:txBody>
+          <a:bodyPr vert="horz" lIns="91440" tIns="45720" rIns="91440" bIns="45720" rtlCol="0" anchor="t">
+            <a:normAutofit/>
+          </a:bodyPr>
+          <a:lstStyle/>
+          <a:p>
+            <a:r>
+              <a:rPr lang="en-US" sz="3200" dirty="0">
+                <a:latin typeface="Century Gothic"/>
+              </a:rPr>
+              <a:t>Learn about different methods to install and use software on Alpine</a:t>
+            </a:r>
+          </a:p>
+          <a:p>
+            <a:pPr marL="0" indent="0">
+              <a:buNone/>
+            </a:pPr>
+            <a:endParaRPr lang="en-US" sz="3200" dirty="0">
+              <a:latin typeface="Century Gothic"/>
+            </a:endParaRPr>
+          </a:p>
+        </p:txBody>
+      </p:sp>
+      <p:sp>
+        <p:nvSpPr>
+          <p:cNvPr id="5" name="Slide Number Placeholder 4">
+            <a:extLst>
+              <a:ext uri="{FF2B5EF4-FFF2-40B4-BE49-F238E27FC236}">
+                <a16:creationId xmlns:a16="http://schemas.microsoft.com/office/drawing/2014/main" id="{C784C90A-C8AC-E2DA-B662-2EA57652B077}"/>
+              </a:ext>
+            </a:extLst>
+          </p:cNvPr>
+          <p:cNvSpPr>
+            <a:spLocks noGrp="1"/>
+          </p:cNvSpPr>
+          <p:nvPr>
+            <p:ph type="sldNum" sz="quarter" idx="12"/>
+          </p:nvPr>
+        </p:nvSpPr>
+        <p:spPr/>
+        <p:txBody>
+          <a:bodyPr/>
+          <a:lstStyle/>
+          <a:p>
+            <a:fld id="{ABDA560F-461C-6043-9BC4-489BA92F7161}" type="slidenum">
+              <a:rPr lang="en-US" smtClean="0"/>
+              <a:t>2</a:t>
+            </a:fld>
+            <a:endParaRPr lang="en-US"/>
+          </a:p>
+        </p:txBody>
+      </p:sp>
+    </p:spTree>
+    <p:extLst>
+      <p:ext uri="{BB962C8B-B14F-4D97-AF65-F5344CB8AC3E}">
+        <p14:creationId xmlns:p14="http://schemas.microsoft.com/office/powerpoint/2010/main" val="3131271541"/>
+      </p:ext>
+    </p:extLst>
+  </p:cSld>
+  <p:clrMapOvr>
+    <a:masterClrMapping/>
+  </p:clrMapOvr>
+  <p:timing>
+    <p:tnLst>
+      <p:par>
+        <p:cTn id="1" dur="indefinite" restart="never" nodeType="tmRoot">
+          <p:childTnLst>
+            <p:seq concurrent="1" nextAc="seek">
+              <p:cTn id="2" dur="indefinite" nodeType="mainSeq">
+                <p:childTnLst>
+                  <p:par>
+                    <p:cTn id="3" fill="hold">
+                      <p:stCondLst>
+                        <p:cond delay="indefinite"/>
+                      </p:stCondLst>
+                      <p:childTnLst>
+                        <p:par>
+                          <p:cTn id="4" fill="hold">
+                            <p:stCondLst>
+                              <p:cond delay="0"/>
+                            </p:stCondLst>
+                            <p:childTnLst>
+                              <p:par>
+                                <p:cTn id="5" presetID="1" presetClass="entr" presetSubtype="0" fill="hold" nodeType="clickEffect">
+                                  <p:stCondLst>
+                                    <p:cond delay="0"/>
+                                  </p:stCondLst>
+                                  <p:childTnLst>
+                                    <p:set>
+                                      <p:cBhvr>
+                                        <p:cTn id="6" dur="1" fill="hold">
+                                          <p:stCondLst>
+                                            <p:cond delay="0"/>
+                                          </p:stCondLst>
+                                        </p:cTn>
+                                        <p:tgtEl>
+                                          <p:spTgt spid="3">
+                                            <p:txEl>
+                                              <p:pRg st="0" end="0"/>
+                                            </p:txEl>
+                                          </p:spTgt>
+                                        </p:tgtEl>
+                                        <p:attrNameLst>
+                                          <p:attrName>style.visibility</p:attrName>
+                                        </p:attrNameLst>
+                                      </p:cBhvr>
+                                      <p:to>
+                                        <p:strVal val="visible"/>
+                                      </p:to>
+                                    </p:set>
+                                  </p:childTnLst>
+                                </p:cTn>
+                              </p:par>
+                            </p:childTnLst>
+                          </p:cTn>
+                        </p:par>
+                      </p:childTnLst>
+                    </p:cTn>
+                  </p:par>
+                </p:childTnLst>
+              </p:cTn>
+              <p:prevCondLst>
+                <p:cond evt="onPrev" delay="0">
+                  <p:tgtEl>
+                    <p:sldTgt/>
+                  </p:tgtEl>
+                </p:cond>
+              </p:prevCondLst>
+              <p:nextCondLst>
+                <p:cond evt="onNext" delay="0">
+                  <p:tgtEl>
+                    <p:sldTgt/>
+                  </p:tgtEl>
+                </p:cond>
+              </p:nextCondLst>
+            </p:seq>
+          </p:childTnLst>
+        </p:cTn>
+      </p:par>
+    </p:tnLst>
+  </p:timing>
+</p:sld>
+</file>
+
+<file path=ppt/slides/slide20.xml><?xml version="1.0" encoding="utf-8"?>
 <p:sld xmlns:a="http://schemas.openxmlformats.org/drawingml/2006/main" xmlns:r="http://schemas.openxmlformats.org/officeDocument/2006/relationships" xmlns:p="http://schemas.openxmlformats.org/presentationml/2006/main">
   <p:cSld>
     <p:spTree>
@@ -10684,7 +10018,7 @@
           <a:p>
             <a:fld id="{ABDA560F-461C-6043-9BC4-489BA92F7161}" type="slidenum">
               <a:rPr lang="en-US" smtClean="0"/>
-              <a:t>21</a:t>
+              <a:t>20</a:t>
             </a:fld>
             <a:endParaRPr lang="en-US"/>
           </a:p>
@@ -10703,7 +10037,7 @@
 </p:sld>
 </file>
 
-<file path=ppt/slides/slide22.xml><?xml version="1.0" encoding="utf-8"?>
+<file path=ppt/slides/slide21.xml><?xml version="1.0" encoding="utf-8"?>
 <p:sld xmlns:a="http://schemas.openxmlformats.org/drawingml/2006/main" xmlns:r="http://schemas.openxmlformats.org/officeDocument/2006/relationships" xmlns:p="http://schemas.openxmlformats.org/presentationml/2006/main">
   <p:cSld>
     <p:spTree>
@@ -10914,7 +10248,7 @@
           <a:p>
             <a:fld id="{ABDA560F-461C-6043-9BC4-489BA92F7161}" type="slidenum">
               <a:rPr lang="en-US" smtClean="0"/>
-              <a:t>22</a:t>
+              <a:t>21</a:t>
             </a:fld>
             <a:endParaRPr lang="en-US"/>
           </a:p>
@@ -11110,7 +10444,7 @@
 </p:sld>
 </file>
 
-<file path=ppt/slides/slide23.xml><?xml version="1.0" encoding="utf-8"?>
+<file path=ppt/slides/slide22.xml><?xml version="1.0" encoding="utf-8"?>
 <p:sld xmlns:a="http://schemas.openxmlformats.org/drawingml/2006/main" xmlns:r="http://schemas.openxmlformats.org/officeDocument/2006/relationships" xmlns:p="http://schemas.openxmlformats.org/presentationml/2006/main">
   <p:cSld>
     <p:spTree>
@@ -11884,7 +11218,7 @@
           <a:p>
             <a:fld id="{ABDA560F-461C-6043-9BC4-489BA92F7161}" type="slidenum">
               <a:rPr lang="en-US" smtClean="0"/>
-              <a:t>23</a:t>
+              <a:t>22</a:t>
             </a:fld>
             <a:endParaRPr lang="en-US"/>
           </a:p>
@@ -12065,7 +11399,7 @@
 </p:sld>
 </file>
 
-<file path=ppt/slides/slide24.xml><?xml version="1.0" encoding="utf-8"?>
+<file path=ppt/slides/slide23.xml><?xml version="1.0" encoding="utf-8"?>
 <p:sld xmlns:a="http://schemas.openxmlformats.org/drawingml/2006/main" xmlns:r="http://schemas.openxmlformats.org/officeDocument/2006/relationships" xmlns:p="http://schemas.openxmlformats.org/presentationml/2006/main">
   <p:cSld>
     <p:spTree>
@@ -12291,7 +11625,7 @@
           <a:p>
             <a:fld id="{ABDA560F-461C-6043-9BC4-489BA92F7161}" type="slidenum">
               <a:rPr lang="en-US" smtClean="0"/>
-              <a:t>24</a:t>
+              <a:t>23</a:t>
             </a:fld>
             <a:endParaRPr lang="en-US"/>
           </a:p>
@@ -12487,7 +11821,7 @@
 </p:sld>
 </file>
 
-<file path=ppt/slides/slide25.xml><?xml version="1.0" encoding="utf-8"?>
+<file path=ppt/slides/slide24.xml><?xml version="1.0" encoding="utf-8"?>
 <p:sld xmlns:a="http://schemas.openxmlformats.org/drawingml/2006/main" xmlns:r="http://schemas.openxmlformats.org/officeDocument/2006/relationships" xmlns:p="http://schemas.openxmlformats.org/presentationml/2006/main">
   <p:cSld>
     <p:spTree>
@@ -13311,7 +12645,7 @@
           <a:p>
             <a:fld id="{ABDA560F-461C-6043-9BC4-489BA92F7161}" type="slidenum">
               <a:rPr lang="en-US" smtClean="0"/>
-              <a:t>25</a:t>
+              <a:t>24</a:t>
             </a:fld>
             <a:endParaRPr lang="en-US"/>
           </a:p>
@@ -13453,7 +12787,7 @@
 </p:sld>
 </file>
 
-<file path=ppt/slides/slide26.xml><?xml version="1.0" encoding="utf-8"?>
+<file path=ppt/slides/slide25.xml><?xml version="1.0" encoding="utf-8"?>
 <p:sld xmlns:a="http://schemas.openxmlformats.org/drawingml/2006/main" xmlns:r="http://schemas.openxmlformats.org/officeDocument/2006/relationships" xmlns:p="http://schemas.openxmlformats.org/presentationml/2006/main">
   <p:cSld>
     <p:spTree>
@@ -14241,7 +13575,7 @@
           <a:p>
             <a:fld id="{ABDA560F-461C-6043-9BC4-489BA92F7161}" type="slidenum">
               <a:rPr lang="en-US" smtClean="0"/>
-              <a:t>26</a:t>
+              <a:t>25</a:t>
             </a:fld>
             <a:endParaRPr lang="en-US"/>
           </a:p>
@@ -14365,7 +13699,7 @@
 </p:sld>
 </file>
 
-<file path=ppt/slides/slide27.xml><?xml version="1.0" encoding="utf-8"?>
+<file path=ppt/slides/slide26.xml><?xml version="1.0" encoding="utf-8"?>
 <p:sld xmlns:a="http://schemas.openxmlformats.org/drawingml/2006/main" xmlns:r="http://schemas.openxmlformats.org/officeDocument/2006/relationships" xmlns:p="http://schemas.openxmlformats.org/presentationml/2006/main">
   <p:cSld>
     <p:spTree>
@@ -14561,7 +13895,7 @@
           <a:p>
             <a:fld id="{ABDA560F-461C-6043-9BC4-489BA92F7161}" type="slidenum">
               <a:rPr lang="en-US" smtClean="0"/>
-              <a:t>27</a:t>
+              <a:t>26</a:t>
             </a:fld>
             <a:endParaRPr lang="en-US"/>
           </a:p>
@@ -14708,7 +14042,7 @@
 </p:sld>
 </file>
 
-<file path=ppt/slides/slide28.xml><?xml version="1.0" encoding="utf-8"?>
+<file path=ppt/slides/slide27.xml><?xml version="1.0" encoding="utf-8"?>
 <p:sld xmlns:a="http://schemas.openxmlformats.org/drawingml/2006/main" xmlns:r="http://schemas.openxmlformats.org/officeDocument/2006/relationships" xmlns:p="http://schemas.openxmlformats.org/presentationml/2006/main">
   <p:cSld>
     <p:spTree>
@@ -15388,7 +14722,7 @@
           <a:p>
             <a:fld id="{ABDA560F-461C-6043-9BC4-489BA92F7161}" type="slidenum">
               <a:rPr lang="en-US" smtClean="0"/>
-              <a:t>28</a:t>
+              <a:t>27</a:t>
             </a:fld>
             <a:endParaRPr lang="en-US"/>
           </a:p>
@@ -15407,7 +14741,7 @@
 </p:sld>
 </file>
 
-<file path=ppt/slides/slide29.xml><?xml version="1.0" encoding="utf-8"?>
+<file path=ppt/slides/slide28.xml><?xml version="1.0" encoding="utf-8"?>
 <p:sld xmlns:a="http://schemas.openxmlformats.org/drawingml/2006/main" xmlns:r="http://schemas.openxmlformats.org/officeDocument/2006/relationships" xmlns:p="http://schemas.openxmlformats.org/presentationml/2006/main">
   <p:cSld>
     <p:spTree>
@@ -16090,7 +15424,7 @@
           <a:p>
             <a:fld id="{ABDA560F-461C-6043-9BC4-489BA92F7161}" type="slidenum">
               <a:rPr lang="en-US" smtClean="0"/>
-              <a:t>29</a:t>
+              <a:t>28</a:t>
             </a:fld>
             <a:endParaRPr lang="en-US"/>
           </a:p>
@@ -16184,6 +15518,268 @@
 </p:sld>
 </file>
 
+<file path=ppt/slides/slide29.xml><?xml version="1.0" encoding="utf-8"?>
+<p:sld xmlns:a="http://schemas.openxmlformats.org/drawingml/2006/main" xmlns:r="http://schemas.openxmlformats.org/officeDocument/2006/relationships" xmlns:p="http://schemas.openxmlformats.org/presentationml/2006/main">
+  <p:cSld>
+    <p:spTree>
+      <p:nvGrpSpPr>
+        <p:cNvPr id="1" name=""/>
+        <p:cNvGrpSpPr/>
+        <p:nvPr/>
+      </p:nvGrpSpPr>
+      <p:grpSpPr>
+        <a:xfrm>
+          <a:off x="0" y="0"/>
+          <a:ext cx="0" cy="0"/>
+          <a:chOff x="0" y="0"/>
+          <a:chExt cx="0" cy="0"/>
+        </a:xfrm>
+      </p:grpSpPr>
+      <p:sp>
+        <p:nvSpPr>
+          <p:cNvPr id="2" name="Title 1">
+            <a:extLst>
+              <a:ext uri="{FF2B5EF4-FFF2-40B4-BE49-F238E27FC236}">
+                <a16:creationId xmlns:a16="http://schemas.microsoft.com/office/drawing/2014/main" id="{6FADF519-AE7F-36C9-168F-1F04A49B8831}"/>
+              </a:ext>
+            </a:extLst>
+          </p:cNvPr>
+          <p:cNvSpPr>
+            <a:spLocks noGrp="1"/>
+          </p:cNvSpPr>
+          <p:nvPr>
+            <p:ph type="title"/>
+          </p:nvPr>
+        </p:nvSpPr>
+        <p:spPr>
+          <a:xfrm>
+            <a:off x="397526" y="365125"/>
+            <a:ext cx="10956274" cy="1334743"/>
+          </a:xfrm>
+        </p:spPr>
+        <p:txBody>
+          <a:bodyPr/>
+          <a:lstStyle/>
+          <a:p>
+            <a:r>
+              <a:rPr lang="en-US" b="1" dirty="0">
+                <a:latin typeface="Century Gothic" panose="020B0502020202020204" pitchFamily="34" charset="0"/>
+              </a:rPr>
+              <a:t>Want to go the extra mile? </a:t>
+            </a:r>
+            <a:endParaRPr lang="en-US" dirty="0"/>
+          </a:p>
+        </p:txBody>
+      </p:sp>
+      <p:sp>
+        <p:nvSpPr>
+          <p:cNvPr id="22" name="TextBox 21">
+            <a:extLst>
+              <a:ext uri="{FF2B5EF4-FFF2-40B4-BE49-F238E27FC236}">
+                <a16:creationId xmlns:a16="http://schemas.microsoft.com/office/drawing/2014/main" id="{CDAE866F-9A4C-BC78-08C5-4310C2B3246B}"/>
+              </a:ext>
+            </a:extLst>
+          </p:cNvPr>
+          <p:cNvSpPr txBox="1"/>
+          <p:nvPr/>
+        </p:nvSpPr>
+        <p:spPr>
+          <a:xfrm>
+            <a:off x="569877" y="1721464"/>
+            <a:ext cx="11052246" cy="4339650"/>
+          </a:xfrm>
+          <a:prstGeom prst="rect">
+            <a:avLst/>
+          </a:prstGeom>
+          <a:noFill/>
+        </p:spPr>
+        <p:txBody>
+          <a:bodyPr wrap="square" lIns="91440" tIns="45720" rIns="91440" bIns="45720" rtlCol="0" anchor="ctr">
+            <a:spAutoFit/>
+          </a:bodyPr>
+          <a:lstStyle/>
+          <a:p>
+            <a:r>
+              <a:rPr lang="en-US" sz="2800" dirty="0">
+                <a:latin typeface="Century Gothic" panose="020B0502020202020204" pitchFamily="34" charset="0"/>
+              </a:rPr>
+              <a:t>Try our Hands-on exercise #2 provided in </a:t>
+            </a:r>
+            <a:r>
+              <a:rPr lang="en-US" sz="2800" dirty="0" err="1">
+                <a:latin typeface="Century Gothic" panose="020B0502020202020204" pitchFamily="34" charset="0"/>
+              </a:rPr>
+              <a:t>EXERCISES.pdf</a:t>
+            </a:r>
+            <a:r>
+              <a:rPr lang="en-US" sz="2800" dirty="0">
+                <a:latin typeface="Century Gothic" panose="020B0502020202020204" pitchFamily="34" charset="0"/>
+              </a:rPr>
+              <a:t>. </a:t>
+            </a:r>
+            <a:r>
+              <a:rPr lang="en-US" sz="2800" u="sng" dirty="0">
+                <a:latin typeface="Century Gothic" panose="020B0502020202020204" pitchFamily="34" charset="0"/>
+              </a:rPr>
+              <a:t>This is not required for the micro-credential. </a:t>
+            </a:r>
+          </a:p>
+          <a:p>
+            <a:endParaRPr lang="en-US" sz="2800" dirty="0">
+              <a:latin typeface="Century Gothic" panose="020B0502020202020204" pitchFamily="34" charset="0"/>
+            </a:endParaRPr>
+          </a:p>
+          <a:p>
+            <a:r>
+              <a:rPr lang="en-US" sz="2800" b="1" dirty="0">
+                <a:latin typeface="Century Gothic"/>
+              </a:rPr>
+              <a:t>Objectives:</a:t>
+            </a:r>
+          </a:p>
+          <a:p>
+            <a:r>
+              <a:rPr lang="en-US" sz="2800" dirty="0">
+                <a:latin typeface="Century Gothic"/>
+              </a:rPr>
+              <a:t>1) Create a </a:t>
+            </a:r>
+            <a:r>
+              <a:rPr lang="en-US" sz="2800" dirty="0" err="1">
+                <a:latin typeface="Century Gothic"/>
+              </a:rPr>
+              <a:t>Spack</a:t>
+            </a:r>
+            <a:r>
+              <a:rPr lang="en-US" sz="2800" dirty="0">
+                <a:latin typeface="Century Gothic"/>
+              </a:rPr>
+              <a:t> environment</a:t>
+            </a:r>
+          </a:p>
+          <a:p>
+            <a:r>
+              <a:rPr lang="en-US" sz="2800" dirty="0">
+                <a:latin typeface="Century Gothic"/>
+              </a:rPr>
+              <a:t>2) Install </a:t>
+            </a:r>
+            <a:r>
+              <a:rPr lang="en-US" sz="2800" dirty="0" err="1">
+                <a:latin typeface="Courier New" panose="02070309020205020404" pitchFamily="49" charset="0"/>
+                <a:cs typeface="Courier New" panose="02070309020205020404" pitchFamily="49" charset="0"/>
+              </a:rPr>
+              <a:t>fastqc</a:t>
+            </a:r>
+            <a:r>
+              <a:rPr lang="en-US" sz="2800" dirty="0">
+                <a:latin typeface="Century Gothic"/>
+              </a:rPr>
+              <a:t> in your </a:t>
+            </a:r>
+            <a:r>
+              <a:rPr lang="en-US" sz="2800" dirty="0" err="1">
+                <a:latin typeface="Century Gothic"/>
+              </a:rPr>
+              <a:t>Spack</a:t>
+            </a:r>
+            <a:r>
+              <a:rPr lang="en-US" sz="2800" dirty="0">
+                <a:latin typeface="Century Gothic"/>
+              </a:rPr>
+              <a:t> environment</a:t>
+            </a:r>
+            <a:endParaRPr lang="en-US" sz="2800" dirty="0">
+              <a:latin typeface="Century Gothic" panose="020B0502020202020204" pitchFamily="34" charset="0"/>
+            </a:endParaRPr>
+          </a:p>
+          <a:p>
+            <a:endParaRPr lang="en-US" sz="2800" dirty="0">
+              <a:latin typeface="Century Gothic" panose="020B0502020202020204" pitchFamily="34" charset="0"/>
+            </a:endParaRPr>
+          </a:p>
+          <a:p>
+            <a:r>
+              <a:rPr lang="en-US" sz="2800" b="1" dirty="0">
+                <a:latin typeface="Century Gothic"/>
+              </a:rPr>
+              <a:t>Estimated time to complete</a:t>
+            </a:r>
+            <a:r>
+              <a:rPr lang="en-US" sz="2800" dirty="0">
+                <a:latin typeface="Century Gothic"/>
+              </a:rPr>
+              <a:t>: 20 minutes</a:t>
+            </a:r>
+            <a:endParaRPr lang="en-US" sz="2800" b="1" dirty="0">
+              <a:latin typeface="Century Gothic" panose="020B0502020202020204" pitchFamily="34" charset="0"/>
+            </a:endParaRPr>
+          </a:p>
+          <a:p>
+            <a:r>
+              <a:rPr lang="en-US" sz="2800" b="1" dirty="0">
+                <a:latin typeface="Century Gothic" panose="020B0502020202020204" pitchFamily="34" charset="0"/>
+              </a:rPr>
+              <a:t>Documentation: </a:t>
+            </a:r>
+            <a:r>
+              <a:rPr lang="en-US" sz="2400" b="1" dirty="0">
+                <a:latin typeface="Century Gothic" panose="020B0502020202020204" pitchFamily="34" charset="0"/>
+                <a:hlinkClick r:id="rId3"/>
+              </a:rPr>
+              <a:t>https://curc.readthedocs.io/en/latest/software/spack.html</a:t>
+            </a:r>
+            <a:r>
+              <a:rPr lang="en-US" sz="2400" b="1" dirty="0">
+                <a:latin typeface="Century Gothic" panose="020B0502020202020204" pitchFamily="34" charset="0"/>
+              </a:rPr>
+              <a:t> </a:t>
+            </a:r>
+          </a:p>
+        </p:txBody>
+      </p:sp>
+      <p:sp>
+        <p:nvSpPr>
+          <p:cNvPr id="5" name="Slide Number Placeholder 4">
+            <a:extLst>
+              <a:ext uri="{FF2B5EF4-FFF2-40B4-BE49-F238E27FC236}">
+                <a16:creationId xmlns:a16="http://schemas.microsoft.com/office/drawing/2014/main" id="{695EB8C3-6A15-8F81-604D-89CD1359B17C}"/>
+              </a:ext>
+            </a:extLst>
+          </p:cNvPr>
+          <p:cNvSpPr>
+            <a:spLocks noGrp="1"/>
+          </p:cNvSpPr>
+          <p:nvPr>
+            <p:ph type="sldNum" sz="quarter" idx="12"/>
+          </p:nvPr>
+        </p:nvSpPr>
+        <p:spPr/>
+        <p:txBody>
+          <a:bodyPr/>
+          <a:lstStyle/>
+          <a:p>
+            <a:fld id="{ABDA560F-461C-6043-9BC4-489BA92F7161}" type="slidenum">
+              <a:rPr lang="en-US" smtClean="0"/>
+              <a:t>29</a:t>
+            </a:fld>
+            <a:endParaRPr lang="en-US"/>
+          </a:p>
+        </p:txBody>
+      </p:sp>
+    </p:spTree>
+    <p:extLst>
+      <p:ext uri="{BB962C8B-B14F-4D97-AF65-F5344CB8AC3E}">
+        <p14:creationId xmlns:p14="http://schemas.microsoft.com/office/powerpoint/2010/main" val="1450985216"/>
+      </p:ext>
+    </p:extLst>
+  </p:cSld>
+  <p:clrMapOvr>
+    <a:masterClrMapping/>
+  </p:clrMapOvr>
+</p:sld>
+</file>
+
 <file path=ppt/slides/slide3.xml><?xml version="1.0" encoding="utf-8"?>
 <p:sld xmlns:a="http://schemas.openxmlformats.org/drawingml/2006/main" xmlns:r="http://schemas.openxmlformats.org/officeDocument/2006/relationships" xmlns:p="http://schemas.openxmlformats.org/presentationml/2006/main">
   <p:cSld>
@@ -16223,12 +15819,15 @@
           <a:lstStyle/>
           <a:p>
             <a:r>
-              <a:rPr lang="en-US" b="1" dirty="0">
+              <a:rPr lang="en-US" b="1">
                 <a:latin typeface="Century Gothic" panose="020B0502020202020204" pitchFamily="34" charset="0"/>
               </a:rPr>
-              <a:t>Learning Objectives</a:t>
-            </a:r>
-            <a:endParaRPr lang="en-US" dirty="0"/>
+              <a:t>Session Overview</a:t>
+            </a:r>
+            <a:r>
+              <a:rPr lang="en-US"/>
+              <a:t> </a:t>
+            </a:r>
           </a:p>
         </p:txBody>
       </p:sp>
@@ -16250,8 +15849,8 @@
         </p:nvSpPr>
         <p:spPr>
           <a:xfrm>
-            <a:off x="838200" y="2528888"/>
-            <a:ext cx="10914888" cy="2557462"/>
+            <a:off x="838200" y="1690688"/>
+            <a:ext cx="10914888" cy="4351338"/>
           </a:xfrm>
         </p:spPr>
         <p:txBody>
@@ -16261,19 +15860,76 @@
           <a:lstStyle/>
           <a:p>
             <a:r>
-              <a:rPr lang="en-US" sz="3200" dirty="0">
+              <a:rPr lang="en-US" dirty="0">
                 <a:latin typeface="Century Gothic"/>
               </a:rPr>
-              <a:t>Learn about different methods to install and use software on Alpine</a:t>
-            </a:r>
-          </a:p>
-          <a:p>
-            <a:pPr marL="0" indent="0">
-              <a:buNone/>
-            </a:pPr>
-            <a:endParaRPr lang="en-US" sz="3200" dirty="0">
+              <a:t>The Module System (</a:t>
+            </a:r>
+            <a:r>
+              <a:rPr lang="en-US" dirty="0" err="1">
+                <a:latin typeface="Century Gothic"/>
+              </a:rPr>
+              <a:t>Lmod</a:t>
+            </a:r>
+            <a:r>
+              <a:rPr lang="en-US" dirty="0">
+                <a:latin typeface="Century Gothic"/>
+              </a:rPr>
+              <a:t>)</a:t>
+            </a:r>
+          </a:p>
+          <a:p>
+            <a:r>
+              <a:rPr lang="en-US" dirty="0">
+                <a:latin typeface="Century Gothic"/>
+              </a:rPr>
+              <a:t>Building Software on CURC Systems</a:t>
+            </a:r>
+            <a:endParaRPr lang="en-US" dirty="0">
+              <a:cs typeface="Arial"/>
+            </a:endParaRPr>
+          </a:p>
+          <a:p>
+            <a:r>
+              <a:rPr lang="en-US" dirty="0">
+                <a:latin typeface="Century Gothic"/>
+              </a:rPr>
+              <a:t>Simplifying Source Installations with Spack</a:t>
+            </a:r>
+          </a:p>
+          <a:p>
+            <a:r>
+              <a:rPr lang="en-US" dirty="0">
+                <a:latin typeface="Century Gothic"/>
+              </a:rPr>
+              <a:t>Virtual Environments with Anaconda</a:t>
+            </a:r>
+            <a:endParaRPr lang="en-US" dirty="0"/>
+          </a:p>
+          <a:p>
+            <a:r>
+              <a:rPr lang="en-US" dirty="0">
+                <a:latin typeface="Century Gothic"/>
+              </a:rPr>
+              <a:t>Containerization with </a:t>
+            </a:r>
+            <a:r>
+              <a:rPr lang="en-US" dirty="0" err="1">
+                <a:latin typeface="Century Gothic"/>
+              </a:rPr>
+              <a:t>Apptainer</a:t>
+            </a:r>
+            <a:endParaRPr lang="en-US" dirty="0">
               <a:latin typeface="Century Gothic"/>
             </a:endParaRPr>
+          </a:p>
+          <a:p>
+            <a:r>
+              <a:rPr lang="en-US" dirty="0">
+                <a:latin typeface="Century Gothic"/>
+              </a:rPr>
+              <a:t>Requesting Software Installations</a:t>
+            </a:r>
           </a:p>
         </p:txBody>
       </p:sp>
@@ -16282,7 +15938,7 @@
           <p:cNvPr id="5" name="Slide Number Placeholder 4">
             <a:extLst>
               <a:ext uri="{FF2B5EF4-FFF2-40B4-BE49-F238E27FC236}">
-                <a16:creationId xmlns:a16="http://schemas.microsoft.com/office/drawing/2014/main" id="{C784C90A-C8AC-E2DA-B662-2EA57652B077}"/>
+                <a16:creationId xmlns:a16="http://schemas.microsoft.com/office/drawing/2014/main" id="{4822E284-841A-FBB5-50F0-46DE41975A46}"/>
               </a:ext>
             </a:extLst>
           </p:cNvPr>
@@ -16309,7 +15965,7 @@
     </p:spTree>
     <p:extLst>
       <p:ext uri="{BB962C8B-B14F-4D97-AF65-F5344CB8AC3E}">
-        <p14:creationId xmlns:p14="http://schemas.microsoft.com/office/powerpoint/2010/main" val="3131271541"/>
+        <p14:creationId xmlns:p14="http://schemas.microsoft.com/office/powerpoint/2010/main" val="229635774"/>
       </p:ext>
     </p:extLst>
   </p:cSld>
@@ -16353,6 +16009,251 @@
                                           <p:spTgt spid="3">
                                             <p:txEl>
                                               <p:pRg st="0" end="0"/>
+                                            </p:txEl>
+                                          </p:spTgt>
+                                        </p:tgtEl>
+                                        <p:attrNameLst>
+                                          <p:attrName>style.visibility</p:attrName>
+                                        </p:attrNameLst>
+                                      </p:cBhvr>
+                                      <p:to>
+                                        <p:strVal val="visible"/>
+                                      </p:to>
+                                    </p:set>
+                                  </p:childTnLst>
+                                </p:cTn>
+                              </p:par>
+                            </p:childTnLst>
+                          </p:cTn>
+                        </p:par>
+                      </p:childTnLst>
+                    </p:cTn>
+                  </p:par>
+                  <p:par>
+                    <p:cTn id="7" fill="hold">
+                      <p:stCondLst>
+                        <p:cond delay="indefinite"/>
+                      </p:stCondLst>
+                      <p:childTnLst>
+                        <p:par>
+                          <p:cTn id="8" fill="hold">
+                            <p:stCondLst>
+                              <p:cond delay="0"/>
+                            </p:stCondLst>
+                            <p:childTnLst>
+                              <p:par>
+                                <p:cTn id="9" presetID="1" presetClass="entr" presetSubtype="0" fill="hold" nodeType="clickEffect">
+                                  <p:stCondLst>
+                                    <p:cond delay="0"/>
+                                  </p:stCondLst>
+                                  <p:childTnLst>
+                                    <p:set>
+                                      <p:cBhvr>
+                                        <p:cTn id="10" dur="1" fill="hold">
+                                          <p:stCondLst>
+                                            <p:cond delay="0"/>
+                                          </p:stCondLst>
+                                        </p:cTn>
+                                        <p:tgtEl>
+                                          <p:spTgt spid="3">
+                                            <p:txEl>
+                                              <p:pRg st="1" end="1"/>
+                                            </p:txEl>
+                                          </p:spTgt>
+                                        </p:tgtEl>
+                                        <p:attrNameLst>
+                                          <p:attrName>style.visibility</p:attrName>
+                                        </p:attrNameLst>
+                                      </p:cBhvr>
+                                      <p:to>
+                                        <p:strVal val="visible"/>
+                                      </p:to>
+                                    </p:set>
+                                  </p:childTnLst>
+                                </p:cTn>
+                              </p:par>
+                            </p:childTnLst>
+                          </p:cTn>
+                        </p:par>
+                      </p:childTnLst>
+                    </p:cTn>
+                  </p:par>
+                  <p:par>
+                    <p:cTn id="11" fill="hold">
+                      <p:stCondLst>
+                        <p:cond delay="indefinite"/>
+                      </p:stCondLst>
+                      <p:childTnLst>
+                        <p:par>
+                          <p:cTn id="12" fill="hold">
+                            <p:stCondLst>
+                              <p:cond delay="0"/>
+                            </p:stCondLst>
+                            <p:childTnLst>
+                              <p:par>
+                                <p:cTn id="13" presetID="1" presetClass="entr" presetSubtype="0" fill="hold" nodeType="clickEffect">
+                                  <p:stCondLst>
+                                    <p:cond delay="0"/>
+                                  </p:stCondLst>
+                                  <p:childTnLst>
+                                    <p:set>
+                                      <p:cBhvr>
+                                        <p:cTn id="14" dur="1" fill="hold">
+                                          <p:stCondLst>
+                                            <p:cond delay="0"/>
+                                          </p:stCondLst>
+                                        </p:cTn>
+                                        <p:tgtEl>
+                                          <p:spTgt spid="3">
+                                            <p:txEl>
+                                              <p:pRg st="2" end="2"/>
+                                            </p:txEl>
+                                          </p:spTgt>
+                                        </p:tgtEl>
+                                        <p:attrNameLst>
+                                          <p:attrName>style.visibility</p:attrName>
+                                        </p:attrNameLst>
+                                      </p:cBhvr>
+                                      <p:to>
+                                        <p:strVal val="visible"/>
+                                      </p:to>
+                                    </p:set>
+                                  </p:childTnLst>
+                                </p:cTn>
+                              </p:par>
+                            </p:childTnLst>
+                          </p:cTn>
+                        </p:par>
+                      </p:childTnLst>
+                    </p:cTn>
+                  </p:par>
+                  <p:par>
+                    <p:cTn id="15" fill="hold">
+                      <p:stCondLst>
+                        <p:cond delay="indefinite"/>
+                      </p:stCondLst>
+                      <p:childTnLst>
+                        <p:par>
+                          <p:cTn id="16" fill="hold">
+                            <p:stCondLst>
+                              <p:cond delay="0"/>
+                            </p:stCondLst>
+                            <p:childTnLst>
+                              <p:par>
+                                <p:cTn id="17" presetID="1" presetClass="entr" presetSubtype="0" fill="hold" nodeType="clickEffect">
+                                  <p:stCondLst>
+                                    <p:cond delay="0"/>
+                                  </p:stCondLst>
+                                  <p:childTnLst>
+                                    <p:set>
+                                      <p:cBhvr>
+                                        <p:cTn id="18" dur="1" fill="hold">
+                                          <p:stCondLst>
+                                            <p:cond delay="0"/>
+                                          </p:stCondLst>
+                                        </p:cTn>
+                                        <p:tgtEl>
+                                          <p:spTgt spid="3">
+                                            <p:txEl>
+                                              <p:pRg st="3" end="3"/>
+                                            </p:txEl>
+                                          </p:spTgt>
+                                        </p:tgtEl>
+                                        <p:attrNameLst>
+                                          <p:attrName>style.visibility</p:attrName>
+                                        </p:attrNameLst>
+                                      </p:cBhvr>
+                                      <p:to>
+                                        <p:strVal val="visible"/>
+                                      </p:to>
+                                    </p:set>
+                                  </p:childTnLst>
+                                </p:cTn>
+                              </p:par>
+                            </p:childTnLst>
+                          </p:cTn>
+                        </p:par>
+                      </p:childTnLst>
+                    </p:cTn>
+                  </p:par>
+                  <p:par>
+                    <p:cTn id="19" fill="hold">
+                      <p:stCondLst>
+                        <p:cond delay="indefinite"/>
+                      </p:stCondLst>
+                      <p:childTnLst>
+                        <p:par>
+                          <p:cTn id="20" fill="hold">
+                            <p:stCondLst>
+                              <p:cond delay="0"/>
+                            </p:stCondLst>
+                            <p:childTnLst>
+                              <p:par>
+                                <p:cTn id="21" presetID="1" presetClass="entr" presetSubtype="0" fill="hold" nodeType="clickEffect">
+                                  <p:stCondLst>
+                                    <p:cond delay="0"/>
+                                  </p:stCondLst>
+                                  <p:childTnLst>
+                                    <p:set>
+                                      <p:cBhvr>
+                                        <p:cTn id="22" dur="1" fill="hold">
+                                          <p:stCondLst>
+                                            <p:cond delay="0"/>
+                                          </p:stCondLst>
+                                        </p:cTn>
+                                        <p:tgtEl>
+                                          <p:spTgt spid="3">
+                                            <p:txEl>
+                                              <p:pRg st="4" end="4"/>
+                                            </p:txEl>
+                                          </p:spTgt>
+                                        </p:tgtEl>
+                                        <p:attrNameLst>
+                                          <p:attrName>style.visibility</p:attrName>
+                                        </p:attrNameLst>
+                                      </p:cBhvr>
+                                      <p:to>
+                                        <p:strVal val="visible"/>
+                                      </p:to>
+                                    </p:set>
+                                  </p:childTnLst>
+                                </p:cTn>
+                              </p:par>
+                            </p:childTnLst>
+                          </p:cTn>
+                        </p:par>
+                      </p:childTnLst>
+                    </p:cTn>
+                  </p:par>
+                  <p:par>
+                    <p:cTn id="23" fill="hold">
+                      <p:stCondLst>
+                        <p:cond delay="indefinite"/>
+                      </p:stCondLst>
+                      <p:childTnLst>
+                        <p:par>
+                          <p:cTn id="24" fill="hold">
+                            <p:stCondLst>
+                              <p:cond delay="0"/>
+                            </p:stCondLst>
+                            <p:childTnLst>
+                              <p:par>
+                                <p:cTn id="25" presetID="1" presetClass="entr" presetSubtype="0" fill="hold" nodeType="clickEffect">
+                                  <p:stCondLst>
+                                    <p:cond delay="0"/>
+                                  </p:stCondLst>
+                                  <p:childTnLst>
+                                    <p:set>
+                                      <p:cBhvr>
+                                        <p:cTn id="26" dur="1" fill="hold">
+                                          <p:stCondLst>
+                                            <p:cond delay="0"/>
+                                          </p:stCondLst>
+                                        </p:cTn>
+                                        <p:tgtEl>
+                                          <p:spTgt spid="3">
+                                            <p:txEl>
+                                              <p:pRg st="5" end="5"/>
                                             </p:txEl>
                                           </p:spTgt>
                                         </p:tgtEl>
@@ -16433,268 +16334,6 @@
         </p:nvSpPr>
         <p:spPr>
           <a:xfrm>
-            <a:off x="397526" y="365125"/>
-            <a:ext cx="10956274" cy="1334743"/>
-          </a:xfrm>
-        </p:spPr>
-        <p:txBody>
-          <a:bodyPr/>
-          <a:lstStyle/>
-          <a:p>
-            <a:r>
-              <a:rPr lang="en-US" b="1" dirty="0">
-                <a:latin typeface="Century Gothic" panose="020B0502020202020204" pitchFamily="34" charset="0"/>
-              </a:rPr>
-              <a:t>Want to go the extra mile? </a:t>
-            </a:r>
-            <a:endParaRPr lang="en-US" dirty="0"/>
-          </a:p>
-        </p:txBody>
-      </p:sp>
-      <p:sp>
-        <p:nvSpPr>
-          <p:cNvPr id="22" name="TextBox 21">
-            <a:extLst>
-              <a:ext uri="{FF2B5EF4-FFF2-40B4-BE49-F238E27FC236}">
-                <a16:creationId xmlns:a16="http://schemas.microsoft.com/office/drawing/2014/main" id="{CDAE866F-9A4C-BC78-08C5-4310C2B3246B}"/>
-              </a:ext>
-            </a:extLst>
-          </p:cNvPr>
-          <p:cNvSpPr txBox="1"/>
-          <p:nvPr/>
-        </p:nvSpPr>
-        <p:spPr>
-          <a:xfrm>
-            <a:off x="569877" y="1721464"/>
-            <a:ext cx="11052246" cy="4339650"/>
-          </a:xfrm>
-          <a:prstGeom prst="rect">
-            <a:avLst/>
-          </a:prstGeom>
-          <a:noFill/>
-        </p:spPr>
-        <p:txBody>
-          <a:bodyPr wrap="square" lIns="91440" tIns="45720" rIns="91440" bIns="45720" rtlCol="0" anchor="ctr">
-            <a:spAutoFit/>
-          </a:bodyPr>
-          <a:lstStyle/>
-          <a:p>
-            <a:r>
-              <a:rPr lang="en-US" sz="2800" dirty="0">
-                <a:latin typeface="Century Gothic" panose="020B0502020202020204" pitchFamily="34" charset="0"/>
-              </a:rPr>
-              <a:t>Try our Hands-on exercise #2 provided in </a:t>
-            </a:r>
-            <a:r>
-              <a:rPr lang="en-US" sz="2800" dirty="0" err="1">
-                <a:latin typeface="Century Gothic" panose="020B0502020202020204" pitchFamily="34" charset="0"/>
-              </a:rPr>
-              <a:t>EXERCISES.pdf</a:t>
-            </a:r>
-            <a:r>
-              <a:rPr lang="en-US" sz="2800" dirty="0">
-                <a:latin typeface="Century Gothic" panose="020B0502020202020204" pitchFamily="34" charset="0"/>
-              </a:rPr>
-              <a:t>. </a:t>
-            </a:r>
-            <a:r>
-              <a:rPr lang="en-US" sz="2800" u="sng" dirty="0">
-                <a:latin typeface="Century Gothic" panose="020B0502020202020204" pitchFamily="34" charset="0"/>
-              </a:rPr>
-              <a:t>This is not required for the micro-credential. </a:t>
-            </a:r>
-          </a:p>
-          <a:p>
-            <a:endParaRPr lang="en-US" sz="2800" dirty="0">
-              <a:latin typeface="Century Gothic" panose="020B0502020202020204" pitchFamily="34" charset="0"/>
-            </a:endParaRPr>
-          </a:p>
-          <a:p>
-            <a:r>
-              <a:rPr lang="en-US" sz="2800" b="1" dirty="0">
-                <a:latin typeface="Century Gothic"/>
-              </a:rPr>
-              <a:t>Objectives:</a:t>
-            </a:r>
-          </a:p>
-          <a:p>
-            <a:r>
-              <a:rPr lang="en-US" sz="2800" dirty="0">
-                <a:latin typeface="Century Gothic"/>
-              </a:rPr>
-              <a:t>1) Create a </a:t>
-            </a:r>
-            <a:r>
-              <a:rPr lang="en-US" sz="2800" dirty="0" err="1">
-                <a:latin typeface="Century Gothic"/>
-              </a:rPr>
-              <a:t>Spack</a:t>
-            </a:r>
-            <a:r>
-              <a:rPr lang="en-US" sz="2800" dirty="0">
-                <a:latin typeface="Century Gothic"/>
-              </a:rPr>
-              <a:t> environment</a:t>
-            </a:r>
-          </a:p>
-          <a:p>
-            <a:r>
-              <a:rPr lang="en-US" sz="2800" dirty="0">
-                <a:latin typeface="Century Gothic"/>
-              </a:rPr>
-              <a:t>2) Install </a:t>
-            </a:r>
-            <a:r>
-              <a:rPr lang="en-US" sz="2800" dirty="0" err="1">
-                <a:latin typeface="Courier New" panose="02070309020205020404" pitchFamily="49" charset="0"/>
-                <a:cs typeface="Courier New" panose="02070309020205020404" pitchFamily="49" charset="0"/>
-              </a:rPr>
-              <a:t>fastqc</a:t>
-            </a:r>
-            <a:r>
-              <a:rPr lang="en-US" sz="2800" dirty="0">
-                <a:latin typeface="Century Gothic"/>
-              </a:rPr>
-              <a:t> in your </a:t>
-            </a:r>
-            <a:r>
-              <a:rPr lang="en-US" sz="2800" dirty="0" err="1">
-                <a:latin typeface="Century Gothic"/>
-              </a:rPr>
-              <a:t>Spack</a:t>
-            </a:r>
-            <a:r>
-              <a:rPr lang="en-US" sz="2800" dirty="0">
-                <a:latin typeface="Century Gothic"/>
-              </a:rPr>
-              <a:t> environment</a:t>
-            </a:r>
-            <a:endParaRPr lang="en-US" sz="2800" dirty="0">
-              <a:latin typeface="Century Gothic" panose="020B0502020202020204" pitchFamily="34" charset="0"/>
-            </a:endParaRPr>
-          </a:p>
-          <a:p>
-            <a:endParaRPr lang="en-US" sz="2800" dirty="0">
-              <a:latin typeface="Century Gothic" panose="020B0502020202020204" pitchFamily="34" charset="0"/>
-            </a:endParaRPr>
-          </a:p>
-          <a:p>
-            <a:r>
-              <a:rPr lang="en-US" sz="2800" b="1" dirty="0">
-                <a:latin typeface="Century Gothic"/>
-              </a:rPr>
-              <a:t>Estimated time to complete</a:t>
-            </a:r>
-            <a:r>
-              <a:rPr lang="en-US" sz="2800" dirty="0">
-                <a:latin typeface="Century Gothic"/>
-              </a:rPr>
-              <a:t>: 20 minutes</a:t>
-            </a:r>
-            <a:endParaRPr lang="en-US" sz="2800" b="1" dirty="0">
-              <a:latin typeface="Century Gothic" panose="020B0502020202020204" pitchFamily="34" charset="0"/>
-            </a:endParaRPr>
-          </a:p>
-          <a:p>
-            <a:r>
-              <a:rPr lang="en-US" sz="2800" b="1" dirty="0">
-                <a:latin typeface="Century Gothic" panose="020B0502020202020204" pitchFamily="34" charset="0"/>
-              </a:rPr>
-              <a:t>Documentation: </a:t>
-            </a:r>
-            <a:r>
-              <a:rPr lang="en-US" sz="2400" b="1" dirty="0">
-                <a:latin typeface="Century Gothic" panose="020B0502020202020204" pitchFamily="34" charset="0"/>
-                <a:hlinkClick r:id="rId3"/>
-              </a:rPr>
-              <a:t>https://curc.readthedocs.io/en/latest/software/spack.html</a:t>
-            </a:r>
-            <a:r>
-              <a:rPr lang="en-US" sz="2400" b="1" dirty="0">
-                <a:latin typeface="Century Gothic" panose="020B0502020202020204" pitchFamily="34" charset="0"/>
-              </a:rPr>
-              <a:t> </a:t>
-            </a:r>
-          </a:p>
-        </p:txBody>
-      </p:sp>
-      <p:sp>
-        <p:nvSpPr>
-          <p:cNvPr id="5" name="Slide Number Placeholder 4">
-            <a:extLst>
-              <a:ext uri="{FF2B5EF4-FFF2-40B4-BE49-F238E27FC236}">
-                <a16:creationId xmlns:a16="http://schemas.microsoft.com/office/drawing/2014/main" id="{695EB8C3-6A15-8F81-604D-89CD1359B17C}"/>
-              </a:ext>
-            </a:extLst>
-          </p:cNvPr>
-          <p:cNvSpPr>
-            <a:spLocks noGrp="1"/>
-          </p:cNvSpPr>
-          <p:nvPr>
-            <p:ph type="sldNum" sz="quarter" idx="12"/>
-          </p:nvPr>
-        </p:nvSpPr>
-        <p:spPr/>
-        <p:txBody>
-          <a:bodyPr/>
-          <a:lstStyle/>
-          <a:p>
-            <a:fld id="{ABDA560F-461C-6043-9BC4-489BA92F7161}" type="slidenum">
-              <a:rPr lang="en-US" smtClean="0"/>
-              <a:t>30</a:t>
-            </a:fld>
-            <a:endParaRPr lang="en-US"/>
-          </a:p>
-        </p:txBody>
-      </p:sp>
-    </p:spTree>
-    <p:extLst>
-      <p:ext uri="{BB962C8B-B14F-4D97-AF65-F5344CB8AC3E}">
-        <p14:creationId xmlns:p14="http://schemas.microsoft.com/office/powerpoint/2010/main" val="1450985216"/>
-      </p:ext>
-    </p:extLst>
-  </p:cSld>
-  <p:clrMapOvr>
-    <a:masterClrMapping/>
-  </p:clrMapOvr>
-</p:sld>
-</file>
-
-<file path=ppt/slides/slide31.xml><?xml version="1.0" encoding="utf-8"?>
-<p:sld xmlns:a="http://schemas.openxmlformats.org/drawingml/2006/main" xmlns:r="http://schemas.openxmlformats.org/officeDocument/2006/relationships" xmlns:p="http://schemas.openxmlformats.org/presentationml/2006/main">
-  <p:cSld>
-    <p:spTree>
-      <p:nvGrpSpPr>
-        <p:cNvPr id="1" name=""/>
-        <p:cNvGrpSpPr/>
-        <p:nvPr/>
-      </p:nvGrpSpPr>
-      <p:grpSpPr>
-        <a:xfrm>
-          <a:off x="0" y="0"/>
-          <a:ext cx="0" cy="0"/>
-          <a:chOff x="0" y="0"/>
-          <a:chExt cx="0" cy="0"/>
-        </a:xfrm>
-      </p:grpSpPr>
-      <p:sp>
-        <p:nvSpPr>
-          <p:cNvPr id="2" name="Title 1">
-            <a:extLst>
-              <a:ext uri="{FF2B5EF4-FFF2-40B4-BE49-F238E27FC236}">
-                <a16:creationId xmlns:a16="http://schemas.microsoft.com/office/drawing/2014/main" id="{6FADF519-AE7F-36C9-168F-1F04A49B8831}"/>
-              </a:ext>
-            </a:extLst>
-          </p:cNvPr>
-          <p:cNvSpPr>
-            <a:spLocks noGrp="1"/>
-          </p:cNvSpPr>
-          <p:nvPr>
-            <p:ph type="title"/>
-          </p:nvPr>
-        </p:nvSpPr>
-        <p:spPr>
-          <a:xfrm>
             <a:off x="553995" y="365123"/>
             <a:ext cx="10515600" cy="1325563"/>
           </a:xfrm>
@@ -16863,7 +16502,7 @@
           <a:p>
             <a:fld id="{ABDA560F-461C-6043-9BC4-489BA92F7161}" type="slidenum">
               <a:rPr lang="en-US" smtClean="0"/>
-              <a:t>31</a:t>
+              <a:t>30</a:t>
             </a:fld>
             <a:endParaRPr lang="en-US"/>
           </a:p>
@@ -17059,7 +16698,7 @@
 </p:sld>
 </file>
 
-<file path=ppt/slides/slide32.xml><?xml version="1.0" encoding="utf-8"?>
+<file path=ppt/slides/slide31.xml><?xml version="1.0" encoding="utf-8"?>
 <p:sld xmlns:a="http://schemas.openxmlformats.org/drawingml/2006/main" xmlns:r="http://schemas.openxmlformats.org/officeDocument/2006/relationships" xmlns:p="http://schemas.openxmlformats.org/presentationml/2006/main">
   <p:cSld>
     <p:spTree>
@@ -17663,7 +17302,7 @@
           <a:p>
             <a:fld id="{ABDA560F-461C-6043-9BC4-489BA92F7161}" type="slidenum">
               <a:rPr lang="en-US" smtClean="0"/>
-              <a:t>32</a:t>
+              <a:t>31</a:t>
             </a:fld>
             <a:endParaRPr lang="en-US"/>
           </a:p>
@@ -17682,7 +17321,7 @@
 </p:sld>
 </file>
 
-<file path=ppt/slides/slide33.xml><?xml version="1.0" encoding="utf-8"?>
+<file path=ppt/slides/slide32.xml><?xml version="1.0" encoding="utf-8"?>
 <p:sld xmlns:a="http://schemas.openxmlformats.org/drawingml/2006/main" xmlns:r="http://schemas.openxmlformats.org/officeDocument/2006/relationships" xmlns:p="http://schemas.openxmlformats.org/presentationml/2006/main">
   <p:cSld>
     <p:spTree>
@@ -18453,7 +18092,7 @@
           <a:p>
             <a:fld id="{ABDA560F-461C-6043-9BC4-489BA92F7161}" type="slidenum">
               <a:rPr lang="en-US" smtClean="0"/>
-              <a:t>33</a:t>
+              <a:t>32</a:t>
             </a:fld>
             <a:endParaRPr lang="en-US"/>
           </a:p>
@@ -18595,7 +18234,7 @@
 </p:sld>
 </file>
 
-<file path=ppt/slides/slide34.xml><?xml version="1.0" encoding="utf-8"?>
+<file path=ppt/slides/slide33.xml><?xml version="1.0" encoding="utf-8"?>
 <p:sld xmlns:a="http://schemas.openxmlformats.org/drawingml/2006/main" xmlns:r="http://schemas.openxmlformats.org/officeDocument/2006/relationships" xmlns:p="http://schemas.openxmlformats.org/presentationml/2006/main">
   <p:cSld>
     <p:spTree>
@@ -19368,7 +19007,7 @@
           <a:p>
             <a:fld id="{ABDA560F-461C-6043-9BC4-489BA92F7161}" type="slidenum">
               <a:rPr lang="en-US" smtClean="0"/>
-              <a:t>34</a:t>
+              <a:t>33</a:t>
             </a:fld>
             <a:endParaRPr lang="en-US"/>
           </a:p>
@@ -19492,7 +19131,7 @@
 </p:sld>
 </file>
 
-<file path=ppt/slides/slide35.xml><?xml version="1.0" encoding="utf-8"?>
+<file path=ppt/slides/slide34.xml><?xml version="1.0" encoding="utf-8"?>
 <p:sld xmlns:a="http://schemas.openxmlformats.org/drawingml/2006/main" xmlns:r="http://schemas.openxmlformats.org/officeDocument/2006/relationships" xmlns:p="http://schemas.openxmlformats.org/presentationml/2006/main">
   <p:cSld>
     <p:spTree>
@@ -20483,7 +20122,7 @@
           <a:p>
             <a:fld id="{ABDA560F-461C-6043-9BC4-489BA92F7161}" type="slidenum">
               <a:rPr lang="en-US" smtClean="0"/>
-              <a:t>35</a:t>
+              <a:t>34</a:t>
             </a:fld>
             <a:endParaRPr lang="en-US"/>
           </a:p>
@@ -20653,7 +20292,7 @@
 </p:sld>
 </file>
 
-<file path=ppt/slides/slide36.xml><?xml version="1.0" encoding="utf-8"?>
+<file path=ppt/slides/slide35.xml><?xml version="1.0" encoding="utf-8"?>
 <p:sld xmlns:a="http://schemas.openxmlformats.org/drawingml/2006/main" xmlns:r="http://schemas.openxmlformats.org/officeDocument/2006/relationships" xmlns:p="http://schemas.openxmlformats.org/presentationml/2006/main">
   <p:cSld>
     <p:spTree>
@@ -21310,7 +20949,7 @@
           <a:p>
             <a:fld id="{ABDA560F-461C-6043-9BC4-489BA92F7161}" type="slidenum">
               <a:rPr lang="en-US" smtClean="0"/>
-              <a:t>36</a:t>
+              <a:t>35</a:t>
             </a:fld>
             <a:endParaRPr lang="en-US"/>
           </a:p>
@@ -21329,7 +20968,7 @@
 </p:sld>
 </file>
 
-<file path=ppt/slides/slide37.xml><?xml version="1.0" encoding="utf-8"?>
+<file path=ppt/slides/slide36.xml><?xml version="1.0" encoding="utf-8"?>
 <p:sld xmlns:a="http://schemas.openxmlformats.org/drawingml/2006/main" xmlns:r="http://schemas.openxmlformats.org/officeDocument/2006/relationships" xmlns:p="http://schemas.openxmlformats.org/presentationml/2006/main">
   <p:cSld>
     <p:spTree>
@@ -21944,7 +21583,7 @@
           <a:p>
             <a:fld id="{ABDA560F-461C-6043-9BC4-489BA92F7161}" type="slidenum">
               <a:rPr lang="en-US" smtClean="0"/>
-              <a:t>37</a:t>
+              <a:t>36</a:t>
             </a:fld>
             <a:endParaRPr lang="en-US"/>
           </a:p>
@@ -22038,7 +21677,7 @@
 </p:sld>
 </file>
 
-<file path=ppt/slides/slide38.xml><?xml version="1.0" encoding="utf-8"?>
+<file path=ppt/slides/slide37.xml><?xml version="1.0" encoding="utf-8"?>
 <p:sld xmlns:a="http://schemas.openxmlformats.org/drawingml/2006/main" xmlns:r="http://schemas.openxmlformats.org/officeDocument/2006/relationships" xmlns:p="http://schemas.openxmlformats.org/presentationml/2006/main">
   <p:cSld>
     <p:spTree>
@@ -22291,7 +21930,7 @@
           <a:p>
             <a:fld id="{ABDA560F-461C-6043-9BC4-489BA92F7161}" type="slidenum">
               <a:rPr lang="en-US" smtClean="0"/>
-              <a:t>38</a:t>
+              <a:t>37</a:t>
             </a:fld>
             <a:endParaRPr lang="en-US"/>
           </a:p>
@@ -22310,7 +21949,7 @@
 </p:sld>
 </file>
 
-<file path=ppt/slides/slide39.xml><?xml version="1.0" encoding="utf-8"?>
+<file path=ppt/slides/slide38.xml><?xml version="1.0" encoding="utf-8"?>
 <p:sld xmlns:a="http://schemas.openxmlformats.org/drawingml/2006/main" xmlns:r="http://schemas.openxmlformats.org/officeDocument/2006/relationships" xmlns:p="http://schemas.openxmlformats.org/presentationml/2006/main">
   <p:cSld>
     <p:spTree>
@@ -22561,7 +22200,7 @@
           <a:p>
             <a:fld id="{ABDA560F-461C-6043-9BC4-489BA92F7161}" type="slidenum">
               <a:rPr lang="en-US" smtClean="0"/>
-              <a:t>39</a:t>
+              <a:t>38</a:t>
             </a:fld>
             <a:endParaRPr lang="en-US"/>
           </a:p>
@@ -22953,526 +22592,7 @@
 </p:sld>
 </file>
 
-<file path=ppt/slides/slide4.xml><?xml version="1.0" encoding="utf-8"?>
-<p:sld xmlns:a="http://schemas.openxmlformats.org/drawingml/2006/main" xmlns:r="http://schemas.openxmlformats.org/officeDocument/2006/relationships" xmlns:p="http://schemas.openxmlformats.org/presentationml/2006/main">
-  <p:cSld>
-    <p:spTree>
-      <p:nvGrpSpPr>
-        <p:cNvPr id="1" name=""/>
-        <p:cNvGrpSpPr/>
-        <p:nvPr/>
-      </p:nvGrpSpPr>
-      <p:grpSpPr>
-        <a:xfrm>
-          <a:off x="0" y="0"/>
-          <a:ext cx="0" cy="0"/>
-          <a:chOff x="0" y="0"/>
-          <a:chExt cx="0" cy="0"/>
-        </a:xfrm>
-      </p:grpSpPr>
-      <p:sp>
-        <p:nvSpPr>
-          <p:cNvPr id="2" name="Title 1">
-            <a:extLst>
-              <a:ext uri="{FF2B5EF4-FFF2-40B4-BE49-F238E27FC236}">
-                <a16:creationId xmlns:a16="http://schemas.microsoft.com/office/drawing/2014/main" id="{5E3A5C00-123E-2CD0-AD48-005F02DD9C54}"/>
-              </a:ext>
-            </a:extLst>
-          </p:cNvPr>
-          <p:cNvSpPr>
-            <a:spLocks noGrp="1"/>
-          </p:cNvSpPr>
-          <p:nvPr>
-            <p:ph type="title"/>
-          </p:nvPr>
-        </p:nvSpPr>
-        <p:spPr/>
-        <p:txBody>
-          <a:bodyPr/>
-          <a:lstStyle/>
-          <a:p>
-            <a:r>
-              <a:rPr lang="en-US" b="1">
-                <a:latin typeface="Century Gothic" panose="020B0502020202020204" pitchFamily="34" charset="0"/>
-              </a:rPr>
-              <a:t>Session Overview</a:t>
-            </a:r>
-            <a:r>
-              <a:rPr lang="en-US"/>
-              <a:t> </a:t>
-            </a:r>
-          </a:p>
-        </p:txBody>
-      </p:sp>
-      <p:sp>
-        <p:nvSpPr>
-          <p:cNvPr id="3" name="Content Placeholder 2">
-            <a:extLst>
-              <a:ext uri="{FF2B5EF4-FFF2-40B4-BE49-F238E27FC236}">
-                <a16:creationId xmlns:a16="http://schemas.microsoft.com/office/drawing/2014/main" id="{5433201F-B470-4FB6-3E2A-B4F0D1B28558}"/>
-              </a:ext>
-            </a:extLst>
-          </p:cNvPr>
-          <p:cNvSpPr>
-            <a:spLocks noGrp="1"/>
-          </p:cNvSpPr>
-          <p:nvPr>
-            <p:ph idx="1"/>
-          </p:nvPr>
-        </p:nvSpPr>
-        <p:spPr>
-          <a:xfrm>
-            <a:off x="838200" y="1690688"/>
-            <a:ext cx="10914888" cy="4351338"/>
-          </a:xfrm>
-        </p:spPr>
-        <p:txBody>
-          <a:bodyPr vert="horz" lIns="91440" tIns="45720" rIns="91440" bIns="45720" rtlCol="0" anchor="t">
-            <a:normAutofit/>
-          </a:bodyPr>
-          <a:lstStyle/>
-          <a:p>
-            <a:r>
-              <a:rPr lang="en-US" dirty="0">
-                <a:latin typeface="Century Gothic"/>
-              </a:rPr>
-              <a:t>The Module System (</a:t>
-            </a:r>
-            <a:r>
-              <a:rPr lang="en-US" dirty="0" err="1">
-                <a:latin typeface="Century Gothic"/>
-              </a:rPr>
-              <a:t>Lmod</a:t>
-            </a:r>
-            <a:r>
-              <a:rPr lang="en-US" dirty="0">
-                <a:latin typeface="Century Gothic"/>
-              </a:rPr>
-              <a:t>)</a:t>
-            </a:r>
-          </a:p>
-          <a:p>
-            <a:r>
-              <a:rPr lang="en-US" dirty="0">
-                <a:latin typeface="Century Gothic"/>
-              </a:rPr>
-              <a:t>Building Software on CURC Systems</a:t>
-            </a:r>
-            <a:endParaRPr lang="en-US" dirty="0">
-              <a:cs typeface="Arial"/>
-            </a:endParaRPr>
-          </a:p>
-          <a:p>
-            <a:r>
-              <a:rPr lang="en-US" dirty="0">
-                <a:latin typeface="Century Gothic"/>
-              </a:rPr>
-              <a:t>Simplifying Source Installations with Spack</a:t>
-            </a:r>
-          </a:p>
-          <a:p>
-            <a:r>
-              <a:rPr lang="en-US" dirty="0">
-                <a:latin typeface="Century Gothic"/>
-              </a:rPr>
-              <a:t>Virtual Environments with Anaconda</a:t>
-            </a:r>
-            <a:endParaRPr lang="en-US" dirty="0"/>
-          </a:p>
-          <a:p>
-            <a:r>
-              <a:rPr lang="en-US" dirty="0">
-                <a:latin typeface="Century Gothic"/>
-              </a:rPr>
-              <a:t>Containerization with </a:t>
-            </a:r>
-            <a:r>
-              <a:rPr lang="en-US" dirty="0" err="1">
-                <a:latin typeface="Century Gothic"/>
-              </a:rPr>
-              <a:t>Apptainer</a:t>
-            </a:r>
-            <a:endParaRPr lang="en-US" dirty="0">
-              <a:latin typeface="Century Gothic"/>
-            </a:endParaRPr>
-          </a:p>
-          <a:p>
-            <a:r>
-              <a:rPr lang="en-US" dirty="0">
-                <a:latin typeface="Century Gothic"/>
-              </a:rPr>
-              <a:t>Requesting Software Installations</a:t>
-            </a:r>
-          </a:p>
-        </p:txBody>
-      </p:sp>
-      <p:sp>
-        <p:nvSpPr>
-          <p:cNvPr id="5" name="Slide Number Placeholder 4">
-            <a:extLst>
-              <a:ext uri="{FF2B5EF4-FFF2-40B4-BE49-F238E27FC236}">
-                <a16:creationId xmlns:a16="http://schemas.microsoft.com/office/drawing/2014/main" id="{4822E284-841A-FBB5-50F0-46DE41975A46}"/>
-              </a:ext>
-            </a:extLst>
-          </p:cNvPr>
-          <p:cNvSpPr>
-            <a:spLocks noGrp="1"/>
-          </p:cNvSpPr>
-          <p:nvPr>
-            <p:ph type="sldNum" sz="quarter" idx="12"/>
-          </p:nvPr>
-        </p:nvSpPr>
-        <p:spPr/>
-        <p:txBody>
-          <a:bodyPr/>
-          <a:lstStyle/>
-          <a:p>
-            <a:fld id="{ABDA560F-461C-6043-9BC4-489BA92F7161}" type="slidenum">
-              <a:rPr lang="en-US" smtClean="0"/>
-              <a:t>4</a:t>
-            </a:fld>
-            <a:endParaRPr lang="en-US"/>
-          </a:p>
-        </p:txBody>
-      </p:sp>
-    </p:spTree>
-    <p:extLst>
-      <p:ext uri="{BB962C8B-B14F-4D97-AF65-F5344CB8AC3E}">
-        <p14:creationId xmlns:p14="http://schemas.microsoft.com/office/powerpoint/2010/main" val="229635774"/>
-      </p:ext>
-    </p:extLst>
-  </p:cSld>
-  <p:clrMapOvr>
-    <a:masterClrMapping/>
-  </p:clrMapOvr>
-  <p:timing>
-    <p:tnLst>
-      <p:par>
-        <p:cTn id="1" dur="indefinite" restart="never" nodeType="tmRoot">
-          <p:childTnLst>
-            <p:seq concurrent="1" nextAc="seek">
-              <p:cTn id="2" dur="indefinite" nodeType="mainSeq">
-                <p:childTnLst>
-                  <p:par>
-                    <p:cTn id="3" fill="hold">
-                      <p:stCondLst>
-                        <p:cond delay="indefinite"/>
-                      </p:stCondLst>
-                      <p:childTnLst>
-                        <p:par>
-                          <p:cTn id="4" fill="hold">
-                            <p:stCondLst>
-                              <p:cond delay="0"/>
-                            </p:stCondLst>
-                            <p:childTnLst>
-                              <p:par>
-                                <p:cTn id="5" presetID="1" presetClass="entr" presetSubtype="0" fill="hold" nodeType="clickEffect">
-                                  <p:stCondLst>
-                                    <p:cond delay="0"/>
-                                  </p:stCondLst>
-                                  <p:childTnLst>
-                                    <p:set>
-                                      <p:cBhvr>
-                                        <p:cTn id="6" dur="1" fill="hold">
-                                          <p:stCondLst>
-                                            <p:cond delay="0"/>
-                                          </p:stCondLst>
-                                        </p:cTn>
-                                        <p:tgtEl>
-                                          <p:spTgt spid="3">
-                                            <p:txEl>
-                                              <p:pRg st="0" end="0"/>
-                                            </p:txEl>
-                                          </p:spTgt>
-                                        </p:tgtEl>
-                                        <p:attrNameLst>
-                                          <p:attrName>style.visibility</p:attrName>
-                                        </p:attrNameLst>
-                                      </p:cBhvr>
-                                      <p:to>
-                                        <p:strVal val="visible"/>
-                                      </p:to>
-                                    </p:set>
-                                  </p:childTnLst>
-                                </p:cTn>
-                              </p:par>
-                            </p:childTnLst>
-                          </p:cTn>
-                        </p:par>
-                      </p:childTnLst>
-                    </p:cTn>
-                  </p:par>
-                  <p:par>
-                    <p:cTn id="7" fill="hold">
-                      <p:stCondLst>
-                        <p:cond delay="indefinite"/>
-                      </p:stCondLst>
-                      <p:childTnLst>
-                        <p:par>
-                          <p:cTn id="8" fill="hold">
-                            <p:stCondLst>
-                              <p:cond delay="0"/>
-                            </p:stCondLst>
-                            <p:childTnLst>
-                              <p:par>
-                                <p:cTn id="9" presetID="1" presetClass="entr" presetSubtype="0" fill="hold" nodeType="clickEffect">
-                                  <p:stCondLst>
-                                    <p:cond delay="0"/>
-                                  </p:stCondLst>
-                                  <p:childTnLst>
-                                    <p:set>
-                                      <p:cBhvr>
-                                        <p:cTn id="10" dur="1" fill="hold">
-                                          <p:stCondLst>
-                                            <p:cond delay="0"/>
-                                          </p:stCondLst>
-                                        </p:cTn>
-                                        <p:tgtEl>
-                                          <p:spTgt spid="3">
-                                            <p:txEl>
-                                              <p:pRg st="1" end="1"/>
-                                            </p:txEl>
-                                          </p:spTgt>
-                                        </p:tgtEl>
-                                        <p:attrNameLst>
-                                          <p:attrName>style.visibility</p:attrName>
-                                        </p:attrNameLst>
-                                      </p:cBhvr>
-                                      <p:to>
-                                        <p:strVal val="visible"/>
-                                      </p:to>
-                                    </p:set>
-                                  </p:childTnLst>
-                                </p:cTn>
-                              </p:par>
-                            </p:childTnLst>
-                          </p:cTn>
-                        </p:par>
-                      </p:childTnLst>
-                    </p:cTn>
-                  </p:par>
-                  <p:par>
-                    <p:cTn id="11" fill="hold">
-                      <p:stCondLst>
-                        <p:cond delay="indefinite"/>
-                      </p:stCondLst>
-                      <p:childTnLst>
-                        <p:par>
-                          <p:cTn id="12" fill="hold">
-                            <p:stCondLst>
-                              <p:cond delay="0"/>
-                            </p:stCondLst>
-                            <p:childTnLst>
-                              <p:par>
-                                <p:cTn id="13" presetID="1" presetClass="entr" presetSubtype="0" fill="hold" nodeType="clickEffect">
-                                  <p:stCondLst>
-                                    <p:cond delay="0"/>
-                                  </p:stCondLst>
-                                  <p:childTnLst>
-                                    <p:set>
-                                      <p:cBhvr>
-                                        <p:cTn id="14" dur="1" fill="hold">
-                                          <p:stCondLst>
-                                            <p:cond delay="0"/>
-                                          </p:stCondLst>
-                                        </p:cTn>
-                                        <p:tgtEl>
-                                          <p:spTgt spid="3">
-                                            <p:txEl>
-                                              <p:pRg st="2" end="2"/>
-                                            </p:txEl>
-                                          </p:spTgt>
-                                        </p:tgtEl>
-                                        <p:attrNameLst>
-                                          <p:attrName>style.visibility</p:attrName>
-                                        </p:attrNameLst>
-                                      </p:cBhvr>
-                                      <p:to>
-                                        <p:strVal val="visible"/>
-                                      </p:to>
-                                    </p:set>
-                                  </p:childTnLst>
-                                </p:cTn>
-                              </p:par>
-                            </p:childTnLst>
-                          </p:cTn>
-                        </p:par>
-                      </p:childTnLst>
-                    </p:cTn>
-                  </p:par>
-                  <p:par>
-                    <p:cTn id="15" fill="hold">
-                      <p:stCondLst>
-                        <p:cond delay="indefinite"/>
-                      </p:stCondLst>
-                      <p:childTnLst>
-                        <p:par>
-                          <p:cTn id="16" fill="hold">
-                            <p:stCondLst>
-                              <p:cond delay="0"/>
-                            </p:stCondLst>
-                            <p:childTnLst>
-                              <p:par>
-                                <p:cTn id="17" presetID="1" presetClass="entr" presetSubtype="0" fill="hold" nodeType="clickEffect">
-                                  <p:stCondLst>
-                                    <p:cond delay="0"/>
-                                  </p:stCondLst>
-                                  <p:childTnLst>
-                                    <p:set>
-                                      <p:cBhvr>
-                                        <p:cTn id="18" dur="1" fill="hold">
-                                          <p:stCondLst>
-                                            <p:cond delay="0"/>
-                                          </p:stCondLst>
-                                        </p:cTn>
-                                        <p:tgtEl>
-                                          <p:spTgt spid="3">
-                                            <p:txEl>
-                                              <p:pRg st="3" end="3"/>
-                                            </p:txEl>
-                                          </p:spTgt>
-                                        </p:tgtEl>
-                                        <p:attrNameLst>
-                                          <p:attrName>style.visibility</p:attrName>
-                                        </p:attrNameLst>
-                                      </p:cBhvr>
-                                      <p:to>
-                                        <p:strVal val="visible"/>
-                                      </p:to>
-                                    </p:set>
-                                  </p:childTnLst>
-                                </p:cTn>
-                              </p:par>
-                            </p:childTnLst>
-                          </p:cTn>
-                        </p:par>
-                      </p:childTnLst>
-                    </p:cTn>
-                  </p:par>
-                  <p:par>
-                    <p:cTn id="19" fill="hold">
-                      <p:stCondLst>
-                        <p:cond delay="indefinite"/>
-                      </p:stCondLst>
-                      <p:childTnLst>
-                        <p:par>
-                          <p:cTn id="20" fill="hold">
-                            <p:stCondLst>
-                              <p:cond delay="0"/>
-                            </p:stCondLst>
-                            <p:childTnLst>
-                              <p:par>
-                                <p:cTn id="21" presetID="1" presetClass="entr" presetSubtype="0" fill="hold" nodeType="clickEffect">
-                                  <p:stCondLst>
-                                    <p:cond delay="0"/>
-                                  </p:stCondLst>
-                                  <p:childTnLst>
-                                    <p:set>
-                                      <p:cBhvr>
-                                        <p:cTn id="22" dur="1" fill="hold">
-                                          <p:stCondLst>
-                                            <p:cond delay="0"/>
-                                          </p:stCondLst>
-                                        </p:cTn>
-                                        <p:tgtEl>
-                                          <p:spTgt spid="3">
-                                            <p:txEl>
-                                              <p:pRg st="4" end="4"/>
-                                            </p:txEl>
-                                          </p:spTgt>
-                                        </p:tgtEl>
-                                        <p:attrNameLst>
-                                          <p:attrName>style.visibility</p:attrName>
-                                        </p:attrNameLst>
-                                      </p:cBhvr>
-                                      <p:to>
-                                        <p:strVal val="visible"/>
-                                      </p:to>
-                                    </p:set>
-                                  </p:childTnLst>
-                                </p:cTn>
-                              </p:par>
-                            </p:childTnLst>
-                          </p:cTn>
-                        </p:par>
-                      </p:childTnLst>
-                    </p:cTn>
-                  </p:par>
-                  <p:par>
-                    <p:cTn id="23" fill="hold">
-                      <p:stCondLst>
-                        <p:cond delay="indefinite"/>
-                      </p:stCondLst>
-                      <p:childTnLst>
-                        <p:par>
-                          <p:cTn id="24" fill="hold">
-                            <p:stCondLst>
-                              <p:cond delay="0"/>
-                            </p:stCondLst>
-                            <p:childTnLst>
-                              <p:par>
-                                <p:cTn id="25" presetID="1" presetClass="entr" presetSubtype="0" fill="hold" nodeType="clickEffect">
-                                  <p:stCondLst>
-                                    <p:cond delay="0"/>
-                                  </p:stCondLst>
-                                  <p:childTnLst>
-                                    <p:set>
-                                      <p:cBhvr>
-                                        <p:cTn id="26" dur="1" fill="hold">
-                                          <p:stCondLst>
-                                            <p:cond delay="0"/>
-                                          </p:stCondLst>
-                                        </p:cTn>
-                                        <p:tgtEl>
-                                          <p:spTgt spid="3">
-                                            <p:txEl>
-                                              <p:pRg st="5" end="5"/>
-                                            </p:txEl>
-                                          </p:spTgt>
-                                        </p:tgtEl>
-                                        <p:attrNameLst>
-                                          <p:attrName>style.visibility</p:attrName>
-                                        </p:attrNameLst>
-                                      </p:cBhvr>
-                                      <p:to>
-                                        <p:strVal val="visible"/>
-                                      </p:to>
-                                    </p:set>
-                                  </p:childTnLst>
-                                </p:cTn>
-                              </p:par>
-                            </p:childTnLst>
-                          </p:cTn>
-                        </p:par>
-                      </p:childTnLst>
-                    </p:cTn>
-                  </p:par>
-                </p:childTnLst>
-              </p:cTn>
-              <p:prevCondLst>
-                <p:cond evt="onPrev" delay="0">
-                  <p:tgtEl>
-                    <p:sldTgt/>
-                  </p:tgtEl>
-                </p:cond>
-              </p:prevCondLst>
-              <p:nextCondLst>
-                <p:cond evt="onNext" delay="0">
-                  <p:tgtEl>
-                    <p:sldTgt/>
-                  </p:tgtEl>
-                </p:cond>
-              </p:nextCondLst>
-            </p:seq>
-          </p:childTnLst>
-        </p:cTn>
-      </p:par>
-    </p:tnLst>
-  </p:timing>
-</p:sld>
-</file>
-
-<file path=ppt/slides/slide40.xml><?xml version="1.0" encoding="utf-8"?>
+<file path=ppt/slides/slide39.xml><?xml version="1.0" encoding="utf-8"?>
 <p:sld xmlns:a="http://schemas.openxmlformats.org/drawingml/2006/main" xmlns:r="http://schemas.openxmlformats.org/officeDocument/2006/relationships" xmlns:p="http://schemas.openxmlformats.org/presentationml/2006/main">
   <p:cSld>
     <p:spTree>
@@ -23683,7 +22803,7 @@
           <a:p>
             <a:fld id="{ABDA560F-461C-6043-9BC4-489BA92F7161}" type="slidenum">
               <a:rPr lang="en-US" smtClean="0"/>
-              <a:t>40</a:t>
+              <a:t>39</a:t>
             </a:fld>
             <a:endParaRPr lang="en-US"/>
           </a:p>
@@ -23879,7 +22999,365 @@
 </p:sld>
 </file>
 
-<file path=ppt/slides/slide41.xml><?xml version="1.0" encoding="utf-8"?>
+<file path=ppt/slides/slide4.xml><?xml version="1.0" encoding="utf-8"?>
+<p:sld xmlns:a="http://schemas.openxmlformats.org/drawingml/2006/main" xmlns:r="http://schemas.openxmlformats.org/officeDocument/2006/relationships" xmlns:p="http://schemas.openxmlformats.org/presentationml/2006/main">
+  <p:cSld>
+    <p:spTree>
+      <p:nvGrpSpPr>
+        <p:cNvPr id="1" name=""/>
+        <p:cNvGrpSpPr/>
+        <p:nvPr/>
+      </p:nvGrpSpPr>
+      <p:grpSpPr>
+        <a:xfrm>
+          <a:off x="0" y="0"/>
+          <a:ext cx="0" cy="0"/>
+          <a:chOff x="0" y="0"/>
+          <a:chExt cx="0" cy="0"/>
+        </a:xfrm>
+      </p:grpSpPr>
+      <p:sp>
+        <p:nvSpPr>
+          <p:cNvPr id="2" name="Title 1">
+            <a:extLst>
+              <a:ext uri="{FF2B5EF4-FFF2-40B4-BE49-F238E27FC236}">
+                <a16:creationId xmlns:a16="http://schemas.microsoft.com/office/drawing/2014/main" id="{6FADF519-AE7F-36C9-168F-1F04A49B8831}"/>
+              </a:ext>
+            </a:extLst>
+          </p:cNvPr>
+          <p:cNvSpPr>
+            <a:spLocks noGrp="1"/>
+          </p:cNvSpPr>
+          <p:nvPr>
+            <p:ph type="title"/>
+          </p:nvPr>
+        </p:nvSpPr>
+        <p:spPr/>
+        <p:txBody>
+          <a:bodyPr/>
+          <a:lstStyle/>
+          <a:p>
+            <a:r>
+              <a:rPr lang="en-US" b="1" dirty="0">
+                <a:latin typeface="Century Gothic" panose="020B0502020202020204" pitchFamily="34" charset="0"/>
+              </a:rPr>
+              <a:t>The Module System </a:t>
+            </a:r>
+          </a:p>
+        </p:txBody>
+      </p:sp>
+      <p:pic>
+        <p:nvPicPr>
+          <p:cNvPr id="8" name="Picture 7" descr="Logo for the Lmod module system used on Alpine">
+            <a:extLst>
+              <a:ext uri="{FF2B5EF4-FFF2-40B4-BE49-F238E27FC236}">
+                <a16:creationId xmlns:a16="http://schemas.microsoft.com/office/drawing/2014/main" id="{A9F43A77-4393-CCF1-83C1-AE60C4D575C9}"/>
+              </a:ext>
+            </a:extLst>
+          </p:cNvPr>
+          <p:cNvPicPr>
+            <a:picLocks noChangeAspect="1"/>
+          </p:cNvPicPr>
+          <p:nvPr/>
+        </p:nvPicPr>
+        <p:blipFill>
+          <a:blip r:embed="rId3"/>
+          <a:stretch>
+            <a:fillRect/>
+          </a:stretch>
+        </p:blipFill>
+        <p:spPr>
+          <a:xfrm>
+            <a:off x="7886700" y="365125"/>
+            <a:ext cx="3467100" cy="1181100"/>
+          </a:xfrm>
+          <a:prstGeom prst="rect">
+            <a:avLst/>
+          </a:prstGeom>
+        </p:spPr>
+      </p:pic>
+      <p:sp>
+        <p:nvSpPr>
+          <p:cNvPr id="3" name="Content Placeholder 2">
+            <a:extLst>
+              <a:ext uri="{FF2B5EF4-FFF2-40B4-BE49-F238E27FC236}">
+                <a16:creationId xmlns:a16="http://schemas.microsoft.com/office/drawing/2014/main" id="{6484EA7B-346E-9CB5-DB70-6227BCA98122}"/>
+              </a:ext>
+            </a:extLst>
+          </p:cNvPr>
+          <p:cNvSpPr>
+            <a:spLocks noGrp="1"/>
+          </p:cNvSpPr>
+          <p:nvPr>
+            <p:ph idx="1"/>
+          </p:nvPr>
+        </p:nvSpPr>
+        <p:spPr/>
+        <p:txBody>
+          <a:bodyPr>
+            <a:normAutofit/>
+          </a:bodyPr>
+          <a:lstStyle/>
+          <a:p>
+            <a:pPr marL="0" indent="0">
+              <a:buNone/>
+            </a:pPr>
+            <a:r>
+              <a:rPr lang="en-US" sz="3200" dirty="0">
+                <a:solidFill>
+                  <a:srgbClr val="202122"/>
+                </a:solidFill>
+                <a:latin typeface="Century Gothic" panose="020B0502020202020204" pitchFamily="34" charset="0"/>
+              </a:rPr>
+              <a:t>In most cases, a supercomputer has far more software installed than the average user will ever use. </a:t>
+            </a:r>
+          </a:p>
+          <a:p>
+            <a:pPr lvl="1"/>
+            <a:r>
+              <a:rPr lang="en-US" sz="2800" dirty="0">
+                <a:solidFill>
+                  <a:srgbClr val="202122"/>
+                </a:solidFill>
+                <a:latin typeface="Century Gothic" panose="020B0502020202020204" pitchFamily="34" charset="0"/>
+              </a:rPr>
+              <a:t>Users may need different versions of the same software, which in general cannot be installed nor used in parallel on the same system.</a:t>
+            </a:r>
+          </a:p>
+          <a:p>
+            <a:pPr lvl="1"/>
+            <a:r>
+              <a:rPr lang="en-US" sz="2800" dirty="0">
+                <a:solidFill>
+                  <a:srgbClr val="202122"/>
+                </a:solidFill>
+                <a:latin typeface="Century Gothic" panose="020B0502020202020204" pitchFamily="34" charset="0"/>
+              </a:rPr>
+              <a:t>The requirements for one package may adversely affect another package or even be mutually exclusive.</a:t>
+            </a:r>
+          </a:p>
+        </p:txBody>
+      </p:sp>
+      <p:sp>
+        <p:nvSpPr>
+          <p:cNvPr id="5" name="Slide Number Placeholder 4">
+            <a:extLst>
+              <a:ext uri="{FF2B5EF4-FFF2-40B4-BE49-F238E27FC236}">
+                <a16:creationId xmlns:a16="http://schemas.microsoft.com/office/drawing/2014/main" id="{138331BD-7E88-A731-2F56-CBB6FA7F6987}"/>
+              </a:ext>
+            </a:extLst>
+          </p:cNvPr>
+          <p:cNvSpPr>
+            <a:spLocks noGrp="1"/>
+          </p:cNvSpPr>
+          <p:nvPr>
+            <p:ph type="sldNum" sz="quarter" idx="12"/>
+          </p:nvPr>
+        </p:nvSpPr>
+        <p:spPr/>
+        <p:txBody>
+          <a:bodyPr/>
+          <a:lstStyle/>
+          <a:p>
+            <a:fld id="{ABDA560F-461C-6043-9BC4-489BA92F7161}" type="slidenum">
+              <a:rPr lang="en-US" smtClean="0"/>
+              <a:t>4</a:t>
+            </a:fld>
+            <a:endParaRPr lang="en-US"/>
+          </a:p>
+        </p:txBody>
+      </p:sp>
+    </p:spTree>
+    <p:extLst>
+      <p:ext uri="{BB962C8B-B14F-4D97-AF65-F5344CB8AC3E}">
+        <p14:creationId xmlns:p14="http://schemas.microsoft.com/office/powerpoint/2010/main" val="3658172966"/>
+      </p:ext>
+    </p:extLst>
+  </p:cSld>
+  <p:clrMapOvr>
+    <a:masterClrMapping/>
+  </p:clrMapOvr>
+  <p:timing>
+    <p:tnLst>
+      <p:par>
+        <p:cTn id="1" dur="indefinite" restart="never" nodeType="tmRoot">
+          <p:childTnLst>
+            <p:seq concurrent="1" nextAc="seek">
+              <p:cTn id="2" dur="indefinite" nodeType="mainSeq">
+                <p:childTnLst>
+                  <p:par>
+                    <p:cTn id="3" fill="hold">
+                      <p:stCondLst>
+                        <p:cond delay="indefinite"/>
+                      </p:stCondLst>
+                      <p:childTnLst>
+                        <p:par>
+                          <p:cTn id="4" fill="hold">
+                            <p:stCondLst>
+                              <p:cond delay="0"/>
+                            </p:stCondLst>
+                            <p:childTnLst>
+                              <p:par>
+                                <p:cTn id="5" presetID="1" presetClass="entr" presetSubtype="0" fill="hold" nodeType="clickEffect">
+                                  <p:stCondLst>
+                                    <p:cond delay="0"/>
+                                  </p:stCondLst>
+                                  <p:childTnLst>
+                                    <p:set>
+                                      <p:cBhvr>
+                                        <p:cTn id="6" dur="1" fill="hold">
+                                          <p:stCondLst>
+                                            <p:cond delay="0"/>
+                                          </p:stCondLst>
+                                        </p:cTn>
+                                        <p:tgtEl>
+                                          <p:spTgt spid="3">
+                                            <p:txEl>
+                                              <p:pRg st="0" end="0"/>
+                                            </p:txEl>
+                                          </p:spTgt>
+                                        </p:tgtEl>
+                                        <p:attrNameLst>
+                                          <p:attrName>style.visibility</p:attrName>
+                                        </p:attrNameLst>
+                                      </p:cBhvr>
+                                      <p:to>
+                                        <p:strVal val="visible"/>
+                                      </p:to>
+                                    </p:set>
+                                  </p:childTnLst>
+                                </p:cTn>
+                              </p:par>
+                            </p:childTnLst>
+                          </p:cTn>
+                        </p:par>
+                      </p:childTnLst>
+                    </p:cTn>
+                  </p:par>
+                  <p:par>
+                    <p:cTn id="7" fill="hold">
+                      <p:stCondLst>
+                        <p:cond delay="indefinite"/>
+                      </p:stCondLst>
+                      <p:childTnLst>
+                        <p:par>
+                          <p:cTn id="8" fill="hold">
+                            <p:stCondLst>
+                              <p:cond delay="0"/>
+                            </p:stCondLst>
+                            <p:childTnLst>
+                              <p:par>
+                                <p:cTn id="9" presetID="1" presetClass="entr" presetSubtype="0" fill="hold" nodeType="clickEffect">
+                                  <p:stCondLst>
+                                    <p:cond delay="0"/>
+                                  </p:stCondLst>
+                                  <p:childTnLst>
+                                    <p:set>
+                                      <p:cBhvr>
+                                        <p:cTn id="10" dur="1" fill="hold">
+                                          <p:stCondLst>
+                                            <p:cond delay="0"/>
+                                          </p:stCondLst>
+                                        </p:cTn>
+                                        <p:tgtEl>
+                                          <p:spTgt spid="3">
+                                            <p:txEl>
+                                              <p:pRg st="1" end="1"/>
+                                            </p:txEl>
+                                          </p:spTgt>
+                                        </p:tgtEl>
+                                        <p:attrNameLst>
+                                          <p:attrName>style.visibility</p:attrName>
+                                        </p:attrNameLst>
+                                      </p:cBhvr>
+                                      <p:to>
+                                        <p:strVal val="visible"/>
+                                      </p:to>
+                                    </p:set>
+                                  </p:childTnLst>
+                                </p:cTn>
+                              </p:par>
+                            </p:childTnLst>
+                          </p:cTn>
+                        </p:par>
+                      </p:childTnLst>
+                    </p:cTn>
+                  </p:par>
+                  <p:par>
+                    <p:cTn id="11" fill="hold">
+                      <p:stCondLst>
+                        <p:cond delay="indefinite"/>
+                      </p:stCondLst>
+                      <p:childTnLst>
+                        <p:par>
+                          <p:cTn id="12" fill="hold">
+                            <p:stCondLst>
+                              <p:cond delay="0"/>
+                            </p:stCondLst>
+                            <p:childTnLst>
+                              <p:par>
+                                <p:cTn id="13" presetID="1" presetClass="entr" presetSubtype="0" fill="hold" nodeType="clickEffect">
+                                  <p:stCondLst>
+                                    <p:cond delay="0"/>
+                                  </p:stCondLst>
+                                  <p:childTnLst>
+                                    <p:set>
+                                      <p:cBhvr>
+                                        <p:cTn id="14" dur="1" fill="hold">
+                                          <p:stCondLst>
+                                            <p:cond delay="0"/>
+                                          </p:stCondLst>
+                                        </p:cTn>
+                                        <p:tgtEl>
+                                          <p:spTgt spid="3">
+                                            <p:txEl>
+                                              <p:pRg st="2" end="2"/>
+                                            </p:txEl>
+                                          </p:spTgt>
+                                        </p:tgtEl>
+                                        <p:attrNameLst>
+                                          <p:attrName>style.visibility</p:attrName>
+                                        </p:attrNameLst>
+                                      </p:cBhvr>
+                                      <p:to>
+                                        <p:strVal val="visible"/>
+                                      </p:to>
+                                    </p:set>
+                                  </p:childTnLst>
+                                </p:cTn>
+                              </p:par>
+                            </p:childTnLst>
+                          </p:cTn>
+                        </p:par>
+                      </p:childTnLst>
+                    </p:cTn>
+                  </p:par>
+                </p:childTnLst>
+              </p:cTn>
+              <p:prevCondLst>
+                <p:cond evt="onPrev" delay="0">
+                  <p:tgtEl>
+                    <p:sldTgt/>
+                  </p:tgtEl>
+                </p:cond>
+              </p:prevCondLst>
+              <p:nextCondLst>
+                <p:cond evt="onNext" delay="0">
+                  <p:tgtEl>
+                    <p:sldTgt/>
+                  </p:tgtEl>
+                </p:cond>
+              </p:nextCondLst>
+            </p:seq>
+          </p:childTnLst>
+        </p:cTn>
+      </p:par>
+    </p:tnLst>
+  </p:timing>
+</p:sld>
+</file>
+
+<file path=ppt/slides/slide40.xml><?xml version="1.0" encoding="utf-8"?>
 <p:sld xmlns:a="http://schemas.openxmlformats.org/drawingml/2006/main" xmlns:r="http://schemas.openxmlformats.org/officeDocument/2006/relationships" xmlns:p="http://schemas.openxmlformats.org/presentationml/2006/main">
   <p:cSld>
     <p:spTree>
@@ -24467,7 +23945,7 @@
           <a:p>
             <a:fld id="{ABDA560F-461C-6043-9BC4-489BA92F7161}" type="slidenum">
               <a:rPr lang="en-US" smtClean="0"/>
-              <a:t>41</a:t>
+              <a:t>40</a:t>
             </a:fld>
             <a:endParaRPr lang="en-US"/>
           </a:p>
@@ -24486,7 +23964,7 @@
 </p:sld>
 </file>
 
-<file path=ppt/slides/slide42.xml><?xml version="1.0" encoding="utf-8"?>
+<file path=ppt/slides/slide41.xml><?xml version="1.0" encoding="utf-8"?>
 <p:sld xmlns:a="http://schemas.openxmlformats.org/drawingml/2006/main" xmlns:r="http://schemas.openxmlformats.org/officeDocument/2006/relationships" xmlns:p="http://schemas.openxmlformats.org/presentationml/2006/main">
   <p:cSld>
     <p:spTree>
@@ -25298,7 +24776,7 @@
           <a:p>
             <a:fld id="{ABDA560F-461C-6043-9BC4-489BA92F7161}" type="slidenum">
               <a:rPr lang="en-US" smtClean="0"/>
-              <a:t>42</a:t>
+              <a:t>41</a:t>
             </a:fld>
             <a:endParaRPr lang="en-US"/>
           </a:p>
@@ -25440,7 +24918,7 @@
 </p:sld>
 </file>
 
-<file path=ppt/slides/slide43.xml><?xml version="1.0" encoding="utf-8"?>
+<file path=ppt/slides/slide42.xml><?xml version="1.0" encoding="utf-8"?>
 <p:sld xmlns:a="http://schemas.openxmlformats.org/drawingml/2006/main" xmlns:r="http://schemas.openxmlformats.org/officeDocument/2006/relationships" xmlns:p="http://schemas.openxmlformats.org/presentationml/2006/main">
   <p:cSld>
     <p:spTree>
@@ -25689,7 +25167,7 @@
           <a:p>
             <a:fld id="{ABDA560F-461C-6043-9BC4-489BA92F7161}" type="slidenum">
               <a:rPr lang="en-US" smtClean="0"/>
-              <a:t>43</a:t>
+              <a:t>42</a:t>
             </a:fld>
             <a:endParaRPr lang="en-US"/>
           </a:p>
@@ -25708,7 +25186,7 @@
 </p:sld>
 </file>
 
-<file path=ppt/slides/slide44.xml><?xml version="1.0" encoding="utf-8"?>
+<file path=ppt/slides/slide43.xml><?xml version="1.0" encoding="utf-8"?>
 <p:sld xmlns:a="http://schemas.openxmlformats.org/drawingml/2006/main" xmlns:r="http://schemas.openxmlformats.org/officeDocument/2006/relationships" xmlns:p="http://schemas.openxmlformats.org/presentationml/2006/main">
   <p:cSld>
     <p:spTree>
@@ -25880,7 +25358,7 @@
           <a:p>
             <a:fld id="{ABDA560F-461C-6043-9BC4-489BA92F7161}" type="slidenum">
               <a:rPr lang="en-US" smtClean="0"/>
-              <a:t>44</a:t>
+              <a:t>43</a:t>
             </a:fld>
             <a:endParaRPr lang="en-US"/>
           </a:p>
@@ -26187,7 +25665,7 @@
 </p:sld>
 </file>
 
-<file path=ppt/slides/slide45.xml><?xml version="1.0" encoding="utf-8"?>
+<file path=ppt/slides/slide44.xml><?xml version="1.0" encoding="utf-8"?>
 <p:sld xmlns:a="http://schemas.openxmlformats.org/drawingml/2006/main" xmlns:r="http://schemas.openxmlformats.org/officeDocument/2006/relationships" xmlns:p="http://schemas.openxmlformats.org/presentationml/2006/main">
   <p:cSld>
     <p:spTree>
@@ -26263,7 +25741,7 @@
           <a:p>
             <a:fld id="{ABDA560F-461C-6043-9BC4-489BA92F7161}" type="slidenum">
               <a:rPr lang="en-US" smtClean="0"/>
-              <a:t>45</a:t>
+              <a:t>44</a:t>
             </a:fld>
             <a:endParaRPr lang="en-US"/>
           </a:p>
@@ -26283,364 +25761,6 @@
 </file>
 
 <file path=ppt/slides/slide5.xml><?xml version="1.0" encoding="utf-8"?>
-<p:sld xmlns:a="http://schemas.openxmlformats.org/drawingml/2006/main" xmlns:r="http://schemas.openxmlformats.org/officeDocument/2006/relationships" xmlns:p="http://schemas.openxmlformats.org/presentationml/2006/main">
-  <p:cSld>
-    <p:spTree>
-      <p:nvGrpSpPr>
-        <p:cNvPr id="1" name=""/>
-        <p:cNvGrpSpPr/>
-        <p:nvPr/>
-      </p:nvGrpSpPr>
-      <p:grpSpPr>
-        <a:xfrm>
-          <a:off x="0" y="0"/>
-          <a:ext cx="0" cy="0"/>
-          <a:chOff x="0" y="0"/>
-          <a:chExt cx="0" cy="0"/>
-        </a:xfrm>
-      </p:grpSpPr>
-      <p:sp>
-        <p:nvSpPr>
-          <p:cNvPr id="2" name="Title 1">
-            <a:extLst>
-              <a:ext uri="{FF2B5EF4-FFF2-40B4-BE49-F238E27FC236}">
-                <a16:creationId xmlns:a16="http://schemas.microsoft.com/office/drawing/2014/main" id="{6FADF519-AE7F-36C9-168F-1F04A49B8831}"/>
-              </a:ext>
-            </a:extLst>
-          </p:cNvPr>
-          <p:cNvSpPr>
-            <a:spLocks noGrp="1"/>
-          </p:cNvSpPr>
-          <p:nvPr>
-            <p:ph type="title"/>
-          </p:nvPr>
-        </p:nvSpPr>
-        <p:spPr/>
-        <p:txBody>
-          <a:bodyPr/>
-          <a:lstStyle/>
-          <a:p>
-            <a:r>
-              <a:rPr lang="en-US" b="1" dirty="0">
-                <a:latin typeface="Century Gothic" panose="020B0502020202020204" pitchFamily="34" charset="0"/>
-              </a:rPr>
-              <a:t>The Module System </a:t>
-            </a:r>
-          </a:p>
-        </p:txBody>
-      </p:sp>
-      <p:pic>
-        <p:nvPicPr>
-          <p:cNvPr id="8" name="Picture 7" descr="Logo for the Lmod module system used on Alpine">
-            <a:extLst>
-              <a:ext uri="{FF2B5EF4-FFF2-40B4-BE49-F238E27FC236}">
-                <a16:creationId xmlns:a16="http://schemas.microsoft.com/office/drawing/2014/main" id="{A9F43A77-4393-CCF1-83C1-AE60C4D575C9}"/>
-              </a:ext>
-            </a:extLst>
-          </p:cNvPr>
-          <p:cNvPicPr>
-            <a:picLocks noChangeAspect="1"/>
-          </p:cNvPicPr>
-          <p:nvPr/>
-        </p:nvPicPr>
-        <p:blipFill>
-          <a:blip r:embed="rId3"/>
-          <a:stretch>
-            <a:fillRect/>
-          </a:stretch>
-        </p:blipFill>
-        <p:spPr>
-          <a:xfrm>
-            <a:off x="7886700" y="365125"/>
-            <a:ext cx="3467100" cy="1181100"/>
-          </a:xfrm>
-          <a:prstGeom prst="rect">
-            <a:avLst/>
-          </a:prstGeom>
-        </p:spPr>
-      </p:pic>
-      <p:sp>
-        <p:nvSpPr>
-          <p:cNvPr id="3" name="Content Placeholder 2">
-            <a:extLst>
-              <a:ext uri="{FF2B5EF4-FFF2-40B4-BE49-F238E27FC236}">
-                <a16:creationId xmlns:a16="http://schemas.microsoft.com/office/drawing/2014/main" id="{6484EA7B-346E-9CB5-DB70-6227BCA98122}"/>
-              </a:ext>
-            </a:extLst>
-          </p:cNvPr>
-          <p:cNvSpPr>
-            <a:spLocks noGrp="1"/>
-          </p:cNvSpPr>
-          <p:nvPr>
-            <p:ph idx="1"/>
-          </p:nvPr>
-        </p:nvSpPr>
-        <p:spPr/>
-        <p:txBody>
-          <a:bodyPr>
-            <a:normAutofit/>
-          </a:bodyPr>
-          <a:lstStyle/>
-          <a:p>
-            <a:pPr marL="0" indent="0">
-              <a:buNone/>
-            </a:pPr>
-            <a:r>
-              <a:rPr lang="en-US" sz="3200" dirty="0">
-                <a:solidFill>
-                  <a:srgbClr val="202122"/>
-                </a:solidFill>
-                <a:latin typeface="Century Gothic" panose="020B0502020202020204" pitchFamily="34" charset="0"/>
-              </a:rPr>
-              <a:t>In most cases, a supercomputer has far more software installed than the average user will ever use. </a:t>
-            </a:r>
-          </a:p>
-          <a:p>
-            <a:pPr lvl="1"/>
-            <a:r>
-              <a:rPr lang="en-US" sz="2800" dirty="0">
-                <a:solidFill>
-                  <a:srgbClr val="202122"/>
-                </a:solidFill>
-                <a:latin typeface="Century Gothic" panose="020B0502020202020204" pitchFamily="34" charset="0"/>
-              </a:rPr>
-              <a:t>Users may need different versions of the same software, which in general cannot be installed nor used in parallel on the same system.</a:t>
-            </a:r>
-          </a:p>
-          <a:p>
-            <a:pPr lvl="1"/>
-            <a:r>
-              <a:rPr lang="en-US" sz="2800" dirty="0">
-                <a:solidFill>
-                  <a:srgbClr val="202122"/>
-                </a:solidFill>
-                <a:latin typeface="Century Gothic" panose="020B0502020202020204" pitchFamily="34" charset="0"/>
-              </a:rPr>
-              <a:t>The requirements for one package may adversely affect another package or even be mutually exclusive.</a:t>
-            </a:r>
-          </a:p>
-        </p:txBody>
-      </p:sp>
-      <p:sp>
-        <p:nvSpPr>
-          <p:cNvPr id="5" name="Slide Number Placeholder 4">
-            <a:extLst>
-              <a:ext uri="{FF2B5EF4-FFF2-40B4-BE49-F238E27FC236}">
-                <a16:creationId xmlns:a16="http://schemas.microsoft.com/office/drawing/2014/main" id="{138331BD-7E88-A731-2F56-CBB6FA7F6987}"/>
-              </a:ext>
-            </a:extLst>
-          </p:cNvPr>
-          <p:cNvSpPr>
-            <a:spLocks noGrp="1"/>
-          </p:cNvSpPr>
-          <p:nvPr>
-            <p:ph type="sldNum" sz="quarter" idx="12"/>
-          </p:nvPr>
-        </p:nvSpPr>
-        <p:spPr/>
-        <p:txBody>
-          <a:bodyPr/>
-          <a:lstStyle/>
-          <a:p>
-            <a:fld id="{ABDA560F-461C-6043-9BC4-489BA92F7161}" type="slidenum">
-              <a:rPr lang="en-US" smtClean="0"/>
-              <a:t>5</a:t>
-            </a:fld>
-            <a:endParaRPr lang="en-US"/>
-          </a:p>
-        </p:txBody>
-      </p:sp>
-    </p:spTree>
-    <p:extLst>
-      <p:ext uri="{BB962C8B-B14F-4D97-AF65-F5344CB8AC3E}">
-        <p14:creationId xmlns:p14="http://schemas.microsoft.com/office/powerpoint/2010/main" val="3658172966"/>
-      </p:ext>
-    </p:extLst>
-  </p:cSld>
-  <p:clrMapOvr>
-    <a:masterClrMapping/>
-  </p:clrMapOvr>
-  <p:timing>
-    <p:tnLst>
-      <p:par>
-        <p:cTn id="1" dur="indefinite" restart="never" nodeType="tmRoot">
-          <p:childTnLst>
-            <p:seq concurrent="1" nextAc="seek">
-              <p:cTn id="2" dur="indefinite" nodeType="mainSeq">
-                <p:childTnLst>
-                  <p:par>
-                    <p:cTn id="3" fill="hold">
-                      <p:stCondLst>
-                        <p:cond delay="indefinite"/>
-                      </p:stCondLst>
-                      <p:childTnLst>
-                        <p:par>
-                          <p:cTn id="4" fill="hold">
-                            <p:stCondLst>
-                              <p:cond delay="0"/>
-                            </p:stCondLst>
-                            <p:childTnLst>
-                              <p:par>
-                                <p:cTn id="5" presetID="1" presetClass="entr" presetSubtype="0" fill="hold" nodeType="clickEffect">
-                                  <p:stCondLst>
-                                    <p:cond delay="0"/>
-                                  </p:stCondLst>
-                                  <p:childTnLst>
-                                    <p:set>
-                                      <p:cBhvr>
-                                        <p:cTn id="6" dur="1" fill="hold">
-                                          <p:stCondLst>
-                                            <p:cond delay="0"/>
-                                          </p:stCondLst>
-                                        </p:cTn>
-                                        <p:tgtEl>
-                                          <p:spTgt spid="3">
-                                            <p:txEl>
-                                              <p:pRg st="0" end="0"/>
-                                            </p:txEl>
-                                          </p:spTgt>
-                                        </p:tgtEl>
-                                        <p:attrNameLst>
-                                          <p:attrName>style.visibility</p:attrName>
-                                        </p:attrNameLst>
-                                      </p:cBhvr>
-                                      <p:to>
-                                        <p:strVal val="visible"/>
-                                      </p:to>
-                                    </p:set>
-                                  </p:childTnLst>
-                                </p:cTn>
-                              </p:par>
-                            </p:childTnLst>
-                          </p:cTn>
-                        </p:par>
-                      </p:childTnLst>
-                    </p:cTn>
-                  </p:par>
-                  <p:par>
-                    <p:cTn id="7" fill="hold">
-                      <p:stCondLst>
-                        <p:cond delay="indefinite"/>
-                      </p:stCondLst>
-                      <p:childTnLst>
-                        <p:par>
-                          <p:cTn id="8" fill="hold">
-                            <p:stCondLst>
-                              <p:cond delay="0"/>
-                            </p:stCondLst>
-                            <p:childTnLst>
-                              <p:par>
-                                <p:cTn id="9" presetID="1" presetClass="entr" presetSubtype="0" fill="hold" nodeType="clickEffect">
-                                  <p:stCondLst>
-                                    <p:cond delay="0"/>
-                                  </p:stCondLst>
-                                  <p:childTnLst>
-                                    <p:set>
-                                      <p:cBhvr>
-                                        <p:cTn id="10" dur="1" fill="hold">
-                                          <p:stCondLst>
-                                            <p:cond delay="0"/>
-                                          </p:stCondLst>
-                                        </p:cTn>
-                                        <p:tgtEl>
-                                          <p:spTgt spid="3">
-                                            <p:txEl>
-                                              <p:pRg st="1" end="1"/>
-                                            </p:txEl>
-                                          </p:spTgt>
-                                        </p:tgtEl>
-                                        <p:attrNameLst>
-                                          <p:attrName>style.visibility</p:attrName>
-                                        </p:attrNameLst>
-                                      </p:cBhvr>
-                                      <p:to>
-                                        <p:strVal val="visible"/>
-                                      </p:to>
-                                    </p:set>
-                                  </p:childTnLst>
-                                </p:cTn>
-                              </p:par>
-                            </p:childTnLst>
-                          </p:cTn>
-                        </p:par>
-                      </p:childTnLst>
-                    </p:cTn>
-                  </p:par>
-                  <p:par>
-                    <p:cTn id="11" fill="hold">
-                      <p:stCondLst>
-                        <p:cond delay="indefinite"/>
-                      </p:stCondLst>
-                      <p:childTnLst>
-                        <p:par>
-                          <p:cTn id="12" fill="hold">
-                            <p:stCondLst>
-                              <p:cond delay="0"/>
-                            </p:stCondLst>
-                            <p:childTnLst>
-                              <p:par>
-                                <p:cTn id="13" presetID="1" presetClass="entr" presetSubtype="0" fill="hold" nodeType="clickEffect">
-                                  <p:stCondLst>
-                                    <p:cond delay="0"/>
-                                  </p:stCondLst>
-                                  <p:childTnLst>
-                                    <p:set>
-                                      <p:cBhvr>
-                                        <p:cTn id="14" dur="1" fill="hold">
-                                          <p:stCondLst>
-                                            <p:cond delay="0"/>
-                                          </p:stCondLst>
-                                        </p:cTn>
-                                        <p:tgtEl>
-                                          <p:spTgt spid="3">
-                                            <p:txEl>
-                                              <p:pRg st="2" end="2"/>
-                                            </p:txEl>
-                                          </p:spTgt>
-                                        </p:tgtEl>
-                                        <p:attrNameLst>
-                                          <p:attrName>style.visibility</p:attrName>
-                                        </p:attrNameLst>
-                                      </p:cBhvr>
-                                      <p:to>
-                                        <p:strVal val="visible"/>
-                                      </p:to>
-                                    </p:set>
-                                  </p:childTnLst>
-                                </p:cTn>
-                              </p:par>
-                            </p:childTnLst>
-                          </p:cTn>
-                        </p:par>
-                      </p:childTnLst>
-                    </p:cTn>
-                  </p:par>
-                </p:childTnLst>
-              </p:cTn>
-              <p:prevCondLst>
-                <p:cond evt="onPrev" delay="0">
-                  <p:tgtEl>
-                    <p:sldTgt/>
-                  </p:tgtEl>
-                </p:cond>
-              </p:prevCondLst>
-              <p:nextCondLst>
-                <p:cond evt="onNext" delay="0">
-                  <p:tgtEl>
-                    <p:sldTgt/>
-                  </p:tgtEl>
-                </p:cond>
-              </p:nextCondLst>
-            </p:seq>
-          </p:childTnLst>
-        </p:cTn>
-      </p:par>
-    </p:tnLst>
-  </p:timing>
-</p:sld>
-</file>
-
-<file path=ppt/slides/slide6.xml><?xml version="1.0" encoding="utf-8"?>
 <p:sld xmlns:a="http://schemas.openxmlformats.org/drawingml/2006/main" xmlns:r="http://schemas.openxmlformats.org/officeDocument/2006/relationships" xmlns:p="http://schemas.openxmlformats.org/presentationml/2006/main">
   <p:cSld>
     <p:spTree>
@@ -26885,7 +26005,7 @@
           <a:p>
             <a:fld id="{ABDA560F-461C-6043-9BC4-489BA92F7161}" type="slidenum">
               <a:rPr lang="en-US" smtClean="0"/>
-              <a:t>6</a:t>
+              <a:t>5</a:t>
             </a:fld>
             <a:endParaRPr lang="en-US"/>
           </a:p>
@@ -27032,7 +26152,7 @@
 </p:sld>
 </file>
 
-<file path=ppt/slides/slide7.xml><?xml version="1.0" encoding="utf-8"?>
+<file path=ppt/slides/slide6.xml><?xml version="1.0" encoding="utf-8"?>
 <p:sld xmlns:a="http://schemas.openxmlformats.org/drawingml/2006/main" xmlns:r="http://schemas.openxmlformats.org/officeDocument/2006/relationships" xmlns:p="http://schemas.openxmlformats.org/presentationml/2006/main">
   <p:cSld>
     <p:spTree>
@@ -27452,7 +26572,7 @@
           <a:p>
             <a:fld id="{ABDA560F-461C-6043-9BC4-489BA92F7161}" type="slidenum">
               <a:rPr lang="en-US" smtClean="0"/>
-              <a:t>7</a:t>
+              <a:t>6</a:t>
             </a:fld>
             <a:endParaRPr lang="en-US"/>
           </a:p>
@@ -27471,7 +26591,7 @@
 </p:sld>
 </file>
 
-<file path=ppt/slides/slide8.xml><?xml version="1.0" encoding="utf-8"?>
+<file path=ppt/slides/slide7.xml><?xml version="1.0" encoding="utf-8"?>
 <p:sld xmlns:a="http://schemas.openxmlformats.org/drawingml/2006/main" xmlns:r="http://schemas.openxmlformats.org/officeDocument/2006/relationships" xmlns:p="http://schemas.openxmlformats.org/presentationml/2006/main">
   <p:cSld>
     <p:spTree>
@@ -27972,7 +27092,7 @@
           <a:p>
             <a:fld id="{ABDA560F-461C-6043-9BC4-489BA92F7161}" type="slidenum">
               <a:rPr lang="en-US" smtClean="0"/>
-              <a:t>8</a:t>
+              <a:t>7</a:t>
             </a:fld>
             <a:endParaRPr lang="en-US"/>
           </a:p>
@@ -27991,7 +27111,7 @@
 </p:sld>
 </file>
 
-<file path=ppt/slides/slide9.xml><?xml version="1.0" encoding="utf-8"?>
+<file path=ppt/slides/slide8.xml><?xml version="1.0" encoding="utf-8"?>
 <p:sld xmlns:a="http://schemas.openxmlformats.org/drawingml/2006/main" xmlns:r="http://schemas.openxmlformats.org/officeDocument/2006/relationships" xmlns:p="http://schemas.openxmlformats.org/presentationml/2006/main">
   <p:cSld>
     <p:spTree>
@@ -28486,7 +27606,7 @@
           <a:p>
             <a:fld id="{ABDA560F-461C-6043-9BC4-489BA92F7161}" type="slidenum">
               <a:rPr lang="en-US" smtClean="0"/>
-              <a:t>9</a:t>
+              <a:t>8</a:t>
             </a:fld>
             <a:endParaRPr lang="en-US"/>
           </a:p>
@@ -28496,6 +27616,615 @@
     <p:extLst>
       <p:ext uri="{BB962C8B-B14F-4D97-AF65-F5344CB8AC3E}">
         <p14:creationId xmlns:p14="http://schemas.microsoft.com/office/powerpoint/2010/main" val="4148734956"/>
+      </p:ext>
+    </p:extLst>
+  </p:cSld>
+  <p:clrMapOvr>
+    <a:masterClrMapping/>
+  </p:clrMapOvr>
+</p:sld>
+</file>
+
+<file path=ppt/slides/slide9.xml><?xml version="1.0" encoding="utf-8"?>
+<p:sld xmlns:a="http://schemas.openxmlformats.org/drawingml/2006/main" xmlns:r="http://schemas.openxmlformats.org/officeDocument/2006/relationships" xmlns:p="http://schemas.openxmlformats.org/presentationml/2006/main">
+  <p:cSld>
+    <p:spTree>
+      <p:nvGrpSpPr>
+        <p:cNvPr id="1" name=""/>
+        <p:cNvGrpSpPr/>
+        <p:nvPr/>
+      </p:nvGrpSpPr>
+      <p:grpSpPr>
+        <a:xfrm>
+          <a:off x="0" y="0"/>
+          <a:ext cx="0" cy="0"/>
+          <a:chOff x="0" y="0"/>
+          <a:chExt cx="0" cy="0"/>
+        </a:xfrm>
+      </p:grpSpPr>
+      <p:sp>
+        <p:nvSpPr>
+          <p:cNvPr id="2" name="Title 1">
+            <a:extLst>
+              <a:ext uri="{FF2B5EF4-FFF2-40B4-BE49-F238E27FC236}">
+                <a16:creationId xmlns:a16="http://schemas.microsoft.com/office/drawing/2014/main" id="{6FADF519-AE7F-36C9-168F-1F04A49B8831}"/>
+              </a:ext>
+            </a:extLst>
+          </p:cNvPr>
+          <p:cNvSpPr>
+            <a:spLocks noGrp="1"/>
+          </p:cNvSpPr>
+          <p:nvPr>
+            <p:ph type="title"/>
+          </p:nvPr>
+        </p:nvSpPr>
+        <p:spPr/>
+        <p:txBody>
+          <a:bodyPr/>
+          <a:lstStyle/>
+          <a:p>
+            <a:r>
+              <a:rPr lang="en-US" b="1" dirty="0">
+                <a:latin typeface="Century Gothic" panose="020B0502020202020204" pitchFamily="34" charset="0"/>
+              </a:rPr>
+              <a:t>The Module System </a:t>
+            </a:r>
+          </a:p>
+        </p:txBody>
+      </p:sp>
+      <p:pic>
+        <p:nvPicPr>
+          <p:cNvPr id="8" name="Picture 7" descr="Logo for the Lmod module system used on Alpine">
+            <a:extLst>
+              <a:ext uri="{FF2B5EF4-FFF2-40B4-BE49-F238E27FC236}">
+                <a16:creationId xmlns:a16="http://schemas.microsoft.com/office/drawing/2014/main" id="{A9F43A77-4393-CCF1-83C1-AE60C4D575C9}"/>
+              </a:ext>
+            </a:extLst>
+          </p:cNvPr>
+          <p:cNvPicPr>
+            <a:picLocks noChangeAspect="1"/>
+          </p:cNvPicPr>
+          <p:nvPr/>
+        </p:nvPicPr>
+        <p:blipFill>
+          <a:blip r:embed="rId3"/>
+          <a:stretch>
+            <a:fillRect/>
+          </a:stretch>
+        </p:blipFill>
+        <p:spPr>
+          <a:xfrm>
+            <a:off x="7886700" y="365125"/>
+            <a:ext cx="3467100" cy="1181100"/>
+          </a:xfrm>
+          <a:prstGeom prst="rect">
+            <a:avLst/>
+          </a:prstGeom>
+        </p:spPr>
+      </p:pic>
+      <p:sp>
+        <p:nvSpPr>
+          <p:cNvPr id="3" name="Content Placeholder 2">
+            <a:extLst>
+              <a:ext uri="{FF2B5EF4-FFF2-40B4-BE49-F238E27FC236}">
+                <a16:creationId xmlns:a16="http://schemas.microsoft.com/office/drawing/2014/main" id="{6484EA7B-346E-9CB5-DB70-6227BCA98122}"/>
+              </a:ext>
+            </a:extLst>
+          </p:cNvPr>
+          <p:cNvSpPr>
+            <a:spLocks noGrp="1"/>
+          </p:cNvSpPr>
+          <p:nvPr>
+            <p:ph idx="1"/>
+          </p:nvPr>
+        </p:nvSpPr>
+        <p:spPr>
+          <a:xfrm>
+            <a:off x="838200" y="1546225"/>
+            <a:ext cx="10515600" cy="4351338"/>
+          </a:xfrm>
+        </p:spPr>
+        <p:txBody>
+          <a:bodyPr>
+            <a:normAutofit/>
+          </a:bodyPr>
+          <a:lstStyle/>
+          <a:p>
+            <a:pPr marL="0" indent="0">
+              <a:buNone/>
+            </a:pPr>
+            <a:r>
+              <a:rPr lang="en-US" sz="3200" i="1">
+                <a:latin typeface="Century Gothic" panose="020B0502020202020204" pitchFamily="34" charset="0"/>
+                <a:ea typeface="Helvetica Neue" panose="02000503000000020004" pitchFamily="2" charset="0"/>
+                <a:cs typeface="Helvetica Neue" panose="02000503000000020004" pitchFamily="2" charset="0"/>
+              </a:rPr>
+              <a:t>Live Demo</a:t>
+            </a:r>
+            <a:r>
+              <a:rPr lang="en-US" sz="3200">
+                <a:latin typeface="Century Gothic" panose="020B0502020202020204" pitchFamily="34" charset="0"/>
+                <a:ea typeface="Helvetica Neue" panose="02000503000000020004" pitchFamily="2" charset="0"/>
+                <a:cs typeface="Helvetica Neue" panose="02000503000000020004" pitchFamily="2" charset="0"/>
+              </a:rPr>
+              <a:t>: </a:t>
+            </a:r>
+            <a:r>
+              <a:rPr lang="en-US" sz="3200">
+                <a:latin typeface="Century Gothic" panose="020B0502020202020204" pitchFamily="34" charset="0"/>
+              </a:rPr>
+              <a:t>Useful </a:t>
+            </a:r>
+            <a:r>
+              <a:rPr lang="en-US" sz="3200" err="1">
+                <a:latin typeface="Century Gothic" panose="020B0502020202020204" pitchFamily="34" charset="0"/>
+              </a:rPr>
+              <a:t>Lmod</a:t>
+            </a:r>
+            <a:r>
+              <a:rPr lang="en-US" sz="3200">
+                <a:latin typeface="Century Gothic" panose="020B0502020202020204" pitchFamily="34" charset="0"/>
+              </a:rPr>
+              <a:t> commands</a:t>
+            </a:r>
+          </a:p>
+        </p:txBody>
+      </p:sp>
+      <p:grpSp>
+        <p:nvGrpSpPr>
+          <p:cNvPr id="6" name="Group 5">
+            <a:extLst>
+              <a:ext uri="{FF2B5EF4-FFF2-40B4-BE49-F238E27FC236}">
+                <a16:creationId xmlns:a16="http://schemas.microsoft.com/office/drawing/2014/main" id="{DA7B3A39-72BA-3A4B-C0BE-0C2BC796D6E1}"/>
+              </a:ext>
+            </a:extLst>
+          </p:cNvPr>
+          <p:cNvGrpSpPr/>
+          <p:nvPr/>
+        </p:nvGrpSpPr>
+        <p:grpSpPr>
+          <a:xfrm>
+            <a:off x="569877" y="2076384"/>
+            <a:ext cx="11052246" cy="4245434"/>
+            <a:chOff x="569877" y="3868113"/>
+            <a:chExt cx="11052246" cy="1583355"/>
+          </a:xfrm>
+        </p:grpSpPr>
+        <p:sp>
+          <p:nvSpPr>
+            <p:cNvPr id="7" name="Rectangle 6">
+              <a:extLst>
+                <a:ext uri="{FF2B5EF4-FFF2-40B4-BE49-F238E27FC236}">
+                  <a16:creationId xmlns:a16="http://schemas.microsoft.com/office/drawing/2014/main" id="{21AEDACD-5D20-4921-301A-2BF552F14543}"/>
+                </a:ext>
+              </a:extLst>
+            </p:cNvPr>
+            <p:cNvSpPr/>
+            <p:nvPr/>
+          </p:nvSpPr>
+          <p:spPr>
+            <a:xfrm>
+              <a:off x="569877" y="3911411"/>
+              <a:ext cx="11052246" cy="1496760"/>
+            </a:xfrm>
+            <a:prstGeom prst="rect">
+              <a:avLst/>
+            </a:prstGeom>
+            <a:solidFill>
+              <a:schemeClr val="bg2">
+                <a:lumMod val="90000"/>
+              </a:schemeClr>
+            </a:solidFill>
+            <a:ln>
+              <a:noFill/>
+            </a:ln>
+            <a:effectLst>
+              <a:softEdge rad="31750"/>
+            </a:effectLst>
+          </p:spPr>
+          <p:style>
+            <a:lnRef idx="2">
+              <a:schemeClr val="accent1">
+                <a:shade val="50000"/>
+              </a:schemeClr>
+            </a:lnRef>
+            <a:fillRef idx="1">
+              <a:schemeClr val="accent1"/>
+            </a:fillRef>
+            <a:effectRef idx="0">
+              <a:schemeClr val="accent1"/>
+            </a:effectRef>
+            <a:fontRef idx="minor">
+              <a:schemeClr val="lt1"/>
+            </a:fontRef>
+          </p:style>
+          <p:txBody>
+            <a:bodyPr rtlCol="0" anchor="ctr"/>
+            <a:lstStyle/>
+            <a:p>
+              <a:pPr algn="ctr"/>
+              <a:endParaRPr lang="en-US"/>
+            </a:p>
+          </p:txBody>
+        </p:sp>
+        <p:sp>
+          <p:nvSpPr>
+            <p:cNvPr id="9" name="Content Placeholder 2">
+              <a:extLst>
+                <a:ext uri="{FF2B5EF4-FFF2-40B4-BE49-F238E27FC236}">
+                  <a16:creationId xmlns:a16="http://schemas.microsoft.com/office/drawing/2014/main" id="{44D56538-8673-FD92-1F82-72A6749C8F0D}"/>
+                </a:ext>
+              </a:extLst>
+            </p:cNvPr>
+            <p:cNvSpPr txBox="1">
+              <a:spLocks/>
+            </p:cNvSpPr>
+            <p:nvPr/>
+          </p:nvSpPr>
+          <p:spPr>
+            <a:xfrm>
+              <a:off x="719528" y="3868113"/>
+              <a:ext cx="10634272" cy="1583355"/>
+            </a:xfrm>
+            <a:prstGeom prst="rect">
+              <a:avLst/>
+            </a:prstGeom>
+          </p:spPr>
+          <p:txBody>
+            <a:bodyPr vert="horz" lIns="91440" tIns="45720" rIns="91440" bIns="45720" rtlCol="0" anchor="t">
+              <a:noAutofit/>
+            </a:bodyPr>
+            <a:lstStyle>
+              <a:lvl1pPr marL="228600" indent="-228600" algn="l" defTabSz="914400" rtl="0" eaLnBrk="1" latinLnBrk="0" hangingPunct="1">
+                <a:lnSpc>
+                  <a:spcPct val="90000"/>
+                </a:lnSpc>
+                <a:spcBef>
+                  <a:spcPts val="1000"/>
+                </a:spcBef>
+                <a:buFont typeface="Arial" panose="020B0604020202020204" pitchFamily="34" charset="0"/>
+                <a:buChar char="•"/>
+                <a:defRPr sz="2800" kern="1200">
+                  <a:solidFill>
+                    <a:schemeClr val="tx1"/>
+                  </a:solidFill>
+                  <a:latin typeface="+mn-lt"/>
+                  <a:ea typeface="+mn-ea"/>
+                  <a:cs typeface="+mn-cs"/>
+                </a:defRPr>
+              </a:lvl1pPr>
+              <a:lvl2pPr marL="685800" indent="-228600" algn="l" defTabSz="914400" rtl="0" eaLnBrk="1" latinLnBrk="0" hangingPunct="1">
+                <a:lnSpc>
+                  <a:spcPct val="90000"/>
+                </a:lnSpc>
+                <a:spcBef>
+                  <a:spcPts val="500"/>
+                </a:spcBef>
+                <a:buFont typeface="Arial" panose="020B0604020202020204" pitchFamily="34" charset="0"/>
+                <a:buChar char="•"/>
+                <a:defRPr sz="2400" kern="1200">
+                  <a:solidFill>
+                    <a:schemeClr val="tx1"/>
+                  </a:solidFill>
+                  <a:latin typeface="+mn-lt"/>
+                  <a:ea typeface="+mn-ea"/>
+                  <a:cs typeface="+mn-cs"/>
+                </a:defRPr>
+              </a:lvl2pPr>
+              <a:lvl3pPr marL="1143000" indent="-228600" algn="l" defTabSz="914400" rtl="0" eaLnBrk="1" latinLnBrk="0" hangingPunct="1">
+                <a:lnSpc>
+                  <a:spcPct val="90000"/>
+                </a:lnSpc>
+                <a:spcBef>
+                  <a:spcPts val="500"/>
+                </a:spcBef>
+                <a:buFont typeface="Arial" panose="020B0604020202020204" pitchFamily="34" charset="0"/>
+                <a:buChar char="•"/>
+                <a:defRPr sz="2000" kern="1200">
+                  <a:solidFill>
+                    <a:schemeClr val="tx1"/>
+                  </a:solidFill>
+                  <a:latin typeface="+mn-lt"/>
+                  <a:ea typeface="+mn-ea"/>
+                  <a:cs typeface="+mn-cs"/>
+                </a:defRPr>
+              </a:lvl3pPr>
+              <a:lvl4pPr marL="1600200" indent="-228600" algn="l" defTabSz="914400" rtl="0" eaLnBrk="1" latinLnBrk="0" hangingPunct="1">
+                <a:lnSpc>
+                  <a:spcPct val="90000"/>
+                </a:lnSpc>
+                <a:spcBef>
+                  <a:spcPts val="500"/>
+                </a:spcBef>
+                <a:buFont typeface="Arial" panose="020B0604020202020204" pitchFamily="34" charset="0"/>
+                <a:buChar char="•"/>
+                <a:defRPr sz="1800" kern="1200">
+                  <a:solidFill>
+                    <a:schemeClr val="tx1"/>
+                  </a:solidFill>
+                  <a:latin typeface="+mn-lt"/>
+                  <a:ea typeface="+mn-ea"/>
+                  <a:cs typeface="+mn-cs"/>
+                </a:defRPr>
+              </a:lvl4pPr>
+              <a:lvl5pPr marL="2057400" indent="-228600" algn="l" defTabSz="914400" rtl="0" eaLnBrk="1" latinLnBrk="0" hangingPunct="1">
+                <a:lnSpc>
+                  <a:spcPct val="90000"/>
+                </a:lnSpc>
+                <a:spcBef>
+                  <a:spcPts val="500"/>
+                </a:spcBef>
+                <a:buFont typeface="Arial" panose="020B0604020202020204" pitchFamily="34" charset="0"/>
+                <a:buChar char="•"/>
+                <a:defRPr sz="1800" kern="1200">
+                  <a:solidFill>
+                    <a:schemeClr val="tx1"/>
+                  </a:solidFill>
+                  <a:latin typeface="+mn-lt"/>
+                  <a:ea typeface="+mn-ea"/>
+                  <a:cs typeface="+mn-cs"/>
+                </a:defRPr>
+              </a:lvl5pPr>
+              <a:lvl6pPr marL="2514600" indent="-228600" algn="l" defTabSz="914400" rtl="0" eaLnBrk="1" latinLnBrk="0" hangingPunct="1">
+                <a:lnSpc>
+                  <a:spcPct val="90000"/>
+                </a:lnSpc>
+                <a:spcBef>
+                  <a:spcPts val="500"/>
+                </a:spcBef>
+                <a:buFont typeface="Arial" panose="020B0604020202020204" pitchFamily="34" charset="0"/>
+                <a:buChar char="•"/>
+                <a:defRPr sz="1800" kern="1200">
+                  <a:solidFill>
+                    <a:schemeClr val="tx1"/>
+                  </a:solidFill>
+                  <a:latin typeface="+mn-lt"/>
+                  <a:ea typeface="+mn-ea"/>
+                  <a:cs typeface="+mn-cs"/>
+                </a:defRPr>
+              </a:lvl6pPr>
+              <a:lvl7pPr marL="2971800" indent="-228600" algn="l" defTabSz="914400" rtl="0" eaLnBrk="1" latinLnBrk="0" hangingPunct="1">
+                <a:lnSpc>
+                  <a:spcPct val="90000"/>
+                </a:lnSpc>
+                <a:spcBef>
+                  <a:spcPts val="500"/>
+                </a:spcBef>
+                <a:buFont typeface="Arial" panose="020B0604020202020204" pitchFamily="34" charset="0"/>
+                <a:buChar char="•"/>
+                <a:defRPr sz="1800" kern="1200">
+                  <a:solidFill>
+                    <a:schemeClr val="tx1"/>
+                  </a:solidFill>
+                  <a:latin typeface="+mn-lt"/>
+                  <a:ea typeface="+mn-ea"/>
+                  <a:cs typeface="+mn-cs"/>
+                </a:defRPr>
+              </a:lvl7pPr>
+              <a:lvl8pPr marL="3429000" indent="-228600" algn="l" defTabSz="914400" rtl="0" eaLnBrk="1" latinLnBrk="0" hangingPunct="1">
+                <a:lnSpc>
+                  <a:spcPct val="90000"/>
+                </a:lnSpc>
+                <a:spcBef>
+                  <a:spcPts val="500"/>
+                </a:spcBef>
+                <a:buFont typeface="Arial" panose="020B0604020202020204" pitchFamily="34" charset="0"/>
+                <a:buChar char="•"/>
+                <a:defRPr sz="1800" kern="1200">
+                  <a:solidFill>
+                    <a:schemeClr val="tx1"/>
+                  </a:solidFill>
+                  <a:latin typeface="+mn-lt"/>
+                  <a:ea typeface="+mn-ea"/>
+                  <a:cs typeface="+mn-cs"/>
+                </a:defRPr>
+              </a:lvl8pPr>
+              <a:lvl9pPr marL="3886200" indent="-228600" algn="l" defTabSz="914400" rtl="0" eaLnBrk="1" latinLnBrk="0" hangingPunct="1">
+                <a:lnSpc>
+                  <a:spcPct val="90000"/>
+                </a:lnSpc>
+                <a:spcBef>
+                  <a:spcPts val="500"/>
+                </a:spcBef>
+                <a:buFont typeface="Arial" panose="020B0604020202020204" pitchFamily="34" charset="0"/>
+                <a:buChar char="•"/>
+                <a:defRPr sz="1800" kern="1200">
+                  <a:solidFill>
+                    <a:schemeClr val="tx1"/>
+                  </a:solidFill>
+                  <a:latin typeface="+mn-lt"/>
+                  <a:ea typeface="+mn-ea"/>
+                  <a:cs typeface="+mn-cs"/>
+                </a:defRPr>
+              </a:lvl9pPr>
+            </a:lstStyle>
+            <a:p>
+              <a:pPr marL="0" indent="0">
+                <a:buFont typeface="Arial" panose="020B0604020202020204" pitchFamily="34" charset="0"/>
+                <a:buNone/>
+              </a:pPr>
+              <a:endParaRPr lang="en-US" sz="2000" dirty="0">
+                <a:latin typeface="Century Gothic" panose="020B0502020202020204" pitchFamily="34" charset="0"/>
+              </a:endParaRPr>
+            </a:p>
+            <a:p>
+              <a:pPr marL="0" indent="0">
+                <a:lnSpc>
+                  <a:spcPct val="100000"/>
+                </a:lnSpc>
+                <a:buFont typeface="Arial" panose="020B0604020202020204" pitchFamily="34" charset="0"/>
+                <a:buNone/>
+              </a:pPr>
+              <a:r>
+                <a:rPr lang="en-US" sz="2000" b="1" dirty="0">
+                  <a:latin typeface="Courier New" panose="02070309020205020404" pitchFamily="49" charset="0"/>
+                  <a:cs typeface="Courier New" panose="02070309020205020404" pitchFamily="49" charset="0"/>
+                </a:rPr>
+                <a:t>module spider				# list all available modules</a:t>
+              </a:r>
+            </a:p>
+            <a:p>
+              <a:pPr marL="0" indent="0">
+                <a:lnSpc>
+                  <a:spcPct val="100000"/>
+                </a:lnSpc>
+                <a:buFont typeface="Arial" panose="020B0604020202020204" pitchFamily="34" charset="0"/>
+                <a:buNone/>
+              </a:pPr>
+              <a:r>
+                <a:rPr lang="en-US" sz="2000" b="1" dirty="0">
+                  <a:latin typeface="Courier New" panose="02070309020205020404" pitchFamily="49" charset="0"/>
+                  <a:cs typeface="Courier New" panose="02070309020205020404" pitchFamily="49" charset="0"/>
+                </a:rPr>
+                <a:t>module avail				# list modules available to you</a:t>
+              </a:r>
+            </a:p>
+            <a:p>
+              <a:pPr marL="0" indent="0">
+                <a:lnSpc>
+                  <a:spcPct val="100000"/>
+                </a:lnSpc>
+                <a:buFont typeface="Arial" panose="020B0604020202020204" pitchFamily="34" charset="0"/>
+                <a:buNone/>
+              </a:pPr>
+              <a:r>
+                <a:rPr lang="en-US" sz="2000" b="1" dirty="0">
+                  <a:latin typeface="Courier New" panose="02070309020205020404" pitchFamily="49" charset="0"/>
+                  <a:cs typeface="Courier New" panose="02070309020205020404" pitchFamily="49" charset="0"/>
+                </a:rPr>
+                <a:t>module load &lt;package/version&gt;		# load a module into your env</a:t>
+              </a:r>
+            </a:p>
+            <a:p>
+              <a:pPr marL="0" indent="0">
+                <a:lnSpc>
+                  <a:spcPct val="100000"/>
+                </a:lnSpc>
+                <a:buFont typeface="Arial" panose="020B0604020202020204" pitchFamily="34" charset="0"/>
+                <a:buNone/>
+              </a:pPr>
+              <a:r>
+                <a:rPr lang="en-US" sz="2000" b="1" dirty="0">
+                  <a:latin typeface="Courier New" panose="02070309020205020404" pitchFamily="49" charset="0"/>
+                  <a:cs typeface="Courier New" panose="02070309020205020404" pitchFamily="49" charset="0"/>
+                </a:rPr>
+                <a:t>module purge				# unload all modules</a:t>
+              </a:r>
+            </a:p>
+            <a:p>
+              <a:pPr marL="0" indent="0">
+                <a:lnSpc>
+                  <a:spcPct val="100000"/>
+                </a:lnSpc>
+                <a:buFont typeface="Arial" panose="020B0604020202020204" pitchFamily="34" charset="0"/>
+                <a:buNone/>
+              </a:pPr>
+              <a:r>
+                <a:rPr lang="en-US" sz="2000" b="1" dirty="0">
+                  <a:latin typeface="Courier New" panose="02070309020205020404" pitchFamily="49" charset="0"/>
+                  <a:cs typeface="Courier New" panose="02070309020205020404" pitchFamily="49" charset="0"/>
+                </a:rPr>
+                <a:t>module list 				# list currently loaded modules</a:t>
+              </a:r>
+            </a:p>
+            <a:p>
+              <a:pPr marL="0" indent="0">
+                <a:lnSpc>
+                  <a:spcPct val="100000"/>
+                </a:lnSpc>
+                <a:buNone/>
+              </a:pPr>
+              <a:r>
+                <a:rPr lang="en-US" sz="2000" b="1" dirty="0">
+                  <a:latin typeface="Courier New" panose="02070309020205020404" pitchFamily="49" charset="0"/>
+                  <a:ea typeface="Helvetica Neue" panose="02000503000000020004" pitchFamily="2" charset="0"/>
+                  <a:cs typeface="Courier New" panose="02070309020205020404" pitchFamily="49" charset="0"/>
+                </a:rPr>
+                <a:t>module display &lt;package&gt; 		# display module info/help</a:t>
+              </a:r>
+            </a:p>
+            <a:p>
+              <a:pPr marL="0" indent="0">
+                <a:lnSpc>
+                  <a:spcPct val="100000"/>
+                </a:lnSpc>
+                <a:buNone/>
+              </a:pPr>
+              <a:r>
+                <a:rPr lang="en-US" sz="2000" b="1" dirty="0">
+                  <a:latin typeface="Courier New" panose="02070309020205020404" pitchFamily="49" charset="0"/>
+                  <a:ea typeface="Helvetica Neue" panose="02000503000000020004" pitchFamily="2" charset="0"/>
+                  <a:cs typeface="Courier New" panose="02070309020205020404" pitchFamily="49" charset="0"/>
+                </a:rPr>
+                <a:t>module spider &lt;package&gt;			# view info for all versions</a:t>
+              </a:r>
+            </a:p>
+            <a:p>
+              <a:pPr marL="0" indent="0">
+                <a:lnSpc>
+                  <a:spcPct val="100000"/>
+                </a:lnSpc>
+                <a:buNone/>
+              </a:pPr>
+              <a:r>
+                <a:rPr lang="en-US" sz="2000" b="1" dirty="0">
+                  <a:latin typeface="Courier New" panose="02070309020205020404" pitchFamily="49" charset="0"/>
+                  <a:ea typeface="Helvetica Neue" panose="02000503000000020004" pitchFamily="2" charset="0"/>
+                  <a:cs typeface="Courier New" panose="02070309020205020404" pitchFamily="49" charset="0"/>
+                </a:rPr>
+                <a:t>module spider &lt;package/version&gt; 	# view info for specific version</a:t>
+              </a:r>
+            </a:p>
+            <a:p>
+              <a:pPr marL="0" indent="0">
+                <a:lnSpc>
+                  <a:spcPct val="100000"/>
+                </a:lnSpc>
+                <a:buNone/>
+              </a:pPr>
+              <a:r>
+                <a:rPr lang="en-US" sz="2000" dirty="0">
+                  <a:latin typeface="Monaco"/>
+                </a:rPr>
+                <a:t>	</a:t>
+              </a:r>
+            </a:p>
+          </p:txBody>
+        </p:sp>
+      </p:grpSp>
+      <p:sp>
+        <p:nvSpPr>
+          <p:cNvPr id="5" name="Slide Number Placeholder 4">
+            <a:extLst>
+              <a:ext uri="{FF2B5EF4-FFF2-40B4-BE49-F238E27FC236}">
+                <a16:creationId xmlns:a16="http://schemas.microsoft.com/office/drawing/2014/main" id="{989BD25A-492E-955F-3228-1618C71C2BBA}"/>
+              </a:ext>
+            </a:extLst>
+          </p:cNvPr>
+          <p:cNvSpPr>
+            <a:spLocks noGrp="1"/>
+          </p:cNvSpPr>
+          <p:nvPr>
+            <p:ph type="sldNum" sz="quarter" idx="12"/>
+          </p:nvPr>
+        </p:nvSpPr>
+        <p:spPr/>
+        <p:txBody>
+          <a:bodyPr/>
+          <a:lstStyle/>
+          <a:p>
+            <a:fld id="{ABDA560F-461C-6043-9BC4-489BA92F7161}" type="slidenum">
+              <a:rPr lang="en-US" smtClean="0"/>
+              <a:t>9</a:t>
+            </a:fld>
+            <a:endParaRPr lang="en-US"/>
+          </a:p>
+        </p:txBody>
+      </p:sp>
+    </p:spTree>
+    <p:extLst>
+      <p:ext uri="{BB962C8B-B14F-4D97-AF65-F5344CB8AC3E}">
+        <p14:creationId xmlns:p14="http://schemas.microsoft.com/office/powerpoint/2010/main" val="1361976318"/>
       </p:ext>
     </p:extLst>
   </p:cSld>
@@ -29062,6 +28791,17 @@
 </file>
 
 <file path=customXml/item1.xml><?xml version="1.0" encoding="utf-8"?>
+<p:properties xmlns:p="http://schemas.microsoft.com/office/2006/metadata/properties" xmlns:xsi="http://www.w3.org/2001/XMLSchema-instance" xmlns:pc="http://schemas.microsoft.com/office/infopath/2007/PartnerControls">
+  <documentManagement>
+    <TaxCatchAll xmlns="92c16b9d-8c83-445e-a4f4-1fe3d2f43f13" xsi:nil="true"/>
+    <lcf76f155ced4ddcb4097134ff3c332f xmlns="7e49f7d3-8802-46ca-9604-495ce27f67f4">
+      <Terms xmlns="http://schemas.microsoft.com/office/infopath/2007/PartnerControls"/>
+    </lcf76f155ced4ddcb4097134ff3c332f>
+  </documentManagement>
+</p:properties>
+</file>
+
+<file path=customXml/item2.xml><?xml version="1.0" encoding="utf-8"?>
 <ct:contentTypeSchema xmlns:ct="http://schemas.microsoft.com/office/2006/metadata/contentType" xmlns:ma="http://schemas.microsoft.com/office/2006/metadata/properties/metaAttributes" ct:_="" ma:_="" ma:contentTypeName="Document" ma:contentTypeID="0x010100DC7320DB280744439FF1CC777D09ECA4" ma:contentTypeVersion="15" ma:contentTypeDescription="Create a new document." ma:contentTypeScope="" ma:versionID="e50b92032c956cc777cf00ac7d475189">
   <xsd:schema xmlns:xsd="http://www.w3.org/2001/XMLSchema" xmlns:xs="http://www.w3.org/2001/XMLSchema" xmlns:p="http://schemas.microsoft.com/office/2006/metadata/properties" xmlns:ns2="7e49f7d3-8802-46ca-9604-495ce27f67f4" xmlns:ns3="a1519f9a-9d6a-41c1-afc9-552e4069f82f" xmlns:ns4="92c16b9d-8c83-445e-a4f4-1fe3d2f43f13" targetNamespace="http://schemas.microsoft.com/office/2006/metadata/properties" ma:root="true" ma:fieldsID="fcd7cab68a23f1df7b42ced4f3edf141" ns2:_="" ns3:_="" ns4:_="">
     <xsd:import namespace="7e49f7d3-8802-46ca-9604-495ce27f67f4"/>
@@ -29303,7 +29043,7 @@
 </ct:contentTypeSchema>
 </file>
 
-<file path=customXml/item2.xml><?xml version="1.0" encoding="utf-8"?>
+<file path=customXml/item3.xml><?xml version="1.0" encoding="utf-8"?>
 <?mso-contentType ?>
 <FormTemplates xmlns="http://schemas.microsoft.com/sharepoint/v3/contenttype/forms">
   <Display>DocumentLibraryForm</Display>
@@ -29312,18 +29052,25 @@
 </FormTemplates>
 </file>
 
-<file path=customXml/item3.xml><?xml version="1.0" encoding="utf-8"?>
-<p:properties xmlns:p="http://schemas.microsoft.com/office/2006/metadata/properties" xmlns:xsi="http://www.w3.org/2001/XMLSchema-instance" xmlns:pc="http://schemas.microsoft.com/office/infopath/2007/PartnerControls">
-  <documentManagement>
-    <TaxCatchAll xmlns="92c16b9d-8c83-445e-a4f4-1fe3d2f43f13" xsi:nil="true"/>
-    <lcf76f155ced4ddcb4097134ff3c332f xmlns="7e49f7d3-8802-46ca-9604-495ce27f67f4">
-      <Terms xmlns="http://schemas.microsoft.com/office/infopath/2007/PartnerControls"/>
-    </lcf76f155ced4ddcb4097134ff3c332f>
-  </documentManagement>
-</p:properties>
+<file path=customXml/itemProps1.xml><?xml version="1.0" encoding="utf-8"?>
+<ds:datastoreItem xmlns:ds="http://schemas.openxmlformats.org/officeDocument/2006/customXml" ds:itemID="{4AB02FF4-25A1-49FE-9DF7-DD19F525B7FA}">
+  <ds:schemaRefs>
+    <ds:schemaRef ds:uri="7e49f7d3-8802-46ca-9604-495ce27f67f4"/>
+    <ds:schemaRef ds:uri="92c16b9d-8c83-445e-a4f4-1fe3d2f43f13"/>
+    <ds:schemaRef ds:uri="a1519f9a-9d6a-41c1-afc9-552e4069f82f"/>
+    <ds:schemaRef ds:uri="http://purl.org/dc/dcmitype/"/>
+    <ds:schemaRef ds:uri="http://purl.org/dc/elements/1.1/"/>
+    <ds:schemaRef ds:uri="http://purl.org/dc/terms/"/>
+    <ds:schemaRef ds:uri="http://schemas.microsoft.com/office/2006/documentManagement/types"/>
+    <ds:schemaRef ds:uri="http://schemas.microsoft.com/office/2006/metadata/properties"/>
+    <ds:schemaRef ds:uri="http://schemas.microsoft.com/office/infopath/2007/PartnerControls"/>
+    <ds:schemaRef ds:uri="http://schemas.openxmlformats.org/package/2006/metadata/core-properties"/>
+    <ds:schemaRef ds:uri="http://www.w3.org/XML/1998/namespace"/>
+  </ds:schemaRefs>
+</ds:datastoreItem>
 </file>
 
-<file path=customXml/itemProps1.xml><?xml version="1.0" encoding="utf-8"?>
+<file path=customXml/itemProps2.xml><?xml version="1.0" encoding="utf-8"?>
 <ds:datastoreItem xmlns:ds="http://schemas.openxmlformats.org/officeDocument/2006/customXml" ds:itemID="{6BBC22CE-40EC-4545-8FE9-90326628051D}">
   <ds:schemaRefs>
     <ds:schemaRef ds:uri="7e49f7d3-8802-46ca-9604-495ce27f67f4"/>
@@ -29343,28 +29090,10 @@
 </ds:datastoreItem>
 </file>
 
-<file path=customXml/itemProps2.xml><?xml version="1.0" encoding="utf-8"?>
+<file path=customXml/itemProps3.xml><?xml version="1.0" encoding="utf-8"?>
 <ds:datastoreItem xmlns:ds="http://schemas.openxmlformats.org/officeDocument/2006/customXml" ds:itemID="{06B4C708-AA43-4CE7-BE2D-F9D9A02F4940}">
   <ds:schemaRefs>
     <ds:schemaRef ds:uri="http://schemas.microsoft.com/sharepoint/v3/contenttype/forms"/>
   </ds:schemaRefs>
 </ds:datastoreItem>
-</file>
-
-<file path=customXml/itemProps3.xml><?xml version="1.0" encoding="utf-8"?>
-<ds:datastoreItem xmlns:ds="http://schemas.openxmlformats.org/officeDocument/2006/customXml" ds:itemID="{4AB02FF4-25A1-49FE-9DF7-DD19F525B7FA}">
-  <ds:schemaRefs>
-    <ds:schemaRef ds:uri="7e49f7d3-8802-46ca-9604-495ce27f67f4"/>
-    <ds:schemaRef ds:uri="92c16b9d-8c83-445e-a4f4-1fe3d2f43f13"/>
-    <ds:schemaRef ds:uri="a1519f9a-9d6a-41c1-afc9-552e4069f82f"/>
-    <ds:schemaRef ds:uri="http://purl.org/dc/dcmitype/"/>
-    <ds:schemaRef ds:uri="http://purl.org/dc/elements/1.1/"/>
-    <ds:schemaRef ds:uri="http://purl.org/dc/terms/"/>
-    <ds:schemaRef ds:uri="http://schemas.microsoft.com/office/2006/documentManagement/types"/>
-    <ds:schemaRef ds:uri="http://schemas.microsoft.com/office/2006/metadata/properties"/>
-    <ds:schemaRef ds:uri="http://schemas.microsoft.com/office/infopath/2007/PartnerControls"/>
-    <ds:schemaRef ds:uri="http://schemas.openxmlformats.org/package/2006/metadata/core-properties"/>
-    <ds:schemaRef ds:uri="http://www.w3.org/XML/1998/namespace"/>
-  </ds:schemaRefs>
-</ds:datastoreItem>
 </file>